--- a/doc/dynamic view 150616_communication_dgm.pptx
+++ b/doc/dynamic view 150616_communication_dgm.pptx
@@ -4884,6 +4884,214 @@
           </a:fontRef>
         </p:style>
       </p:cxnSp>
+      <p:grpSp>
+        <p:nvGrpSpPr>
+          <p:cNvPr id="56" name="그룹 55"/>
+          <p:cNvGrpSpPr/>
+          <p:nvPr/>
+        </p:nvGrpSpPr>
+        <p:grpSpPr>
+          <a:xfrm>
+            <a:off x="6308607" y="4407391"/>
+            <a:ext cx="1857744" cy="551165"/>
+            <a:chOff x="6074530" y="4462633"/>
+            <a:chExt cx="1155381" cy="549211"/>
+          </a:xfrm>
+        </p:grpSpPr>
+        <p:sp>
+          <p:nvSpPr>
+            <p:cNvPr id="57" name="한쪽 모서리가 잘린 사각형 56"/>
+            <p:cNvSpPr/>
+            <p:nvPr/>
+          </p:nvSpPr>
+          <p:spPr>
+            <a:xfrm>
+              <a:off x="6074530" y="4474391"/>
+              <a:ext cx="1155381" cy="537453"/>
+            </a:xfrm>
+            <a:prstGeom prst="snip1Rect">
+              <a:avLst>
+                <a:gd name="adj" fmla="val 43048"/>
+              </a:avLst>
+            </a:prstGeom>
+            <a:solidFill>
+              <a:schemeClr val="tx1">
+                <a:lumMod val="75000"/>
+              </a:schemeClr>
+            </a:solidFill>
+            <a:ln w="9525">
+              <a:solidFill>
+                <a:schemeClr val="bg1">
+                  <a:lumMod val="75000"/>
+                  <a:lumOff val="25000"/>
+                </a:schemeClr>
+              </a:solidFill>
+            </a:ln>
+          </p:spPr>
+          <p:style>
+            <a:lnRef idx="2">
+              <a:schemeClr val="accent1">
+                <a:shade val="50000"/>
+              </a:schemeClr>
+            </a:lnRef>
+            <a:fillRef idx="1">
+              <a:schemeClr val="accent1"/>
+            </a:fillRef>
+            <a:effectRef idx="0">
+              <a:schemeClr val="accent1"/>
+            </a:effectRef>
+            <a:fontRef idx="minor">
+              <a:schemeClr val="lt1"/>
+            </a:fontRef>
+          </p:style>
+          <p:txBody>
+            <a:bodyPr rot="0" spcFirstLastPara="0" vertOverflow="overflow" horzOverflow="overflow" vert="horz" wrap="square" lIns="91440" tIns="45720" rIns="91440" bIns="45720" numCol="1" spcCol="0" rtlCol="0" fromWordArt="0" anchor="b" anchorCtr="0" forceAA="0" compatLnSpc="1">
+              <a:prstTxWarp prst="textNoShape">
+                <a:avLst/>
+              </a:prstTxWarp>
+              <a:noAutofit/>
+            </a:bodyPr>
+            <a:lstStyle/>
+            <a:p>
+              <a:r>
+                <a:rPr lang="en-US" altLang="ko-KR" sz="1000" b="1" dirty="0" smtClean="0">
+                  <a:solidFill>
+                    <a:schemeClr val="bg1">
+                      <a:lumMod val="75000"/>
+                      <a:lumOff val="25000"/>
+                    </a:schemeClr>
+                  </a:solidFill>
+                </a:rPr>
+                <a:t>Sa-Node </a:t>
+              </a:r>
+              <a:r>
+                <a:rPr lang="en-US" altLang="ko-KR" sz="1000" dirty="0" smtClean="0">
+                  <a:solidFill>
+                    <a:schemeClr val="bg1">
+                      <a:lumMod val="75000"/>
+                      <a:lumOff val="25000"/>
+                    </a:schemeClr>
+                  </a:solidFill>
+                </a:rPr>
+                <a:t>verify whether user’s serial is the same with SA-Node’s.</a:t>
+              </a:r>
+              <a:endParaRPr lang="ko-KR" altLang="en-US" sz="1000" dirty="0" smtClean="0">
+                <a:solidFill>
+                  <a:schemeClr val="bg1">
+                    <a:lumMod val="75000"/>
+                    <a:lumOff val="25000"/>
+                  </a:schemeClr>
+                </a:solidFill>
+              </a:endParaRPr>
+            </a:p>
+          </p:txBody>
+        </p:sp>
+        <p:sp>
+          <p:nvSpPr>
+            <p:cNvPr id="58" name="직각 삼각형 57"/>
+            <p:cNvSpPr/>
+            <p:nvPr/>
+          </p:nvSpPr>
+          <p:spPr>
+            <a:xfrm>
+              <a:off x="7084395" y="4462633"/>
+              <a:ext cx="143889" cy="231383"/>
+            </a:xfrm>
+            <a:prstGeom prst="rtTriangle">
+              <a:avLst/>
+            </a:prstGeom>
+            <a:solidFill>
+              <a:schemeClr val="bg1">
+                <a:lumMod val="50000"/>
+                <a:lumOff val="50000"/>
+              </a:schemeClr>
+            </a:solidFill>
+            <a:ln w="9525">
+              <a:solidFill>
+                <a:schemeClr val="tx1"/>
+              </a:solidFill>
+            </a:ln>
+          </p:spPr>
+          <p:style>
+            <a:lnRef idx="2">
+              <a:schemeClr val="accent1">
+                <a:shade val="50000"/>
+              </a:schemeClr>
+            </a:lnRef>
+            <a:fillRef idx="1">
+              <a:schemeClr val="accent1"/>
+            </a:fillRef>
+            <a:effectRef idx="0">
+              <a:schemeClr val="accent1"/>
+            </a:effectRef>
+            <a:fontRef idx="minor">
+              <a:schemeClr val="lt1"/>
+            </a:fontRef>
+          </p:style>
+          <p:txBody>
+            <a:bodyPr rot="0" spcFirstLastPara="0" vertOverflow="overflow" horzOverflow="overflow" vert="horz" wrap="square" lIns="91440" tIns="45720" rIns="91440" bIns="45720" numCol="1" spcCol="0" rtlCol="0" fromWordArt="0" anchor="ctr" anchorCtr="0" forceAA="0" compatLnSpc="1">
+              <a:prstTxWarp prst="textNoShape">
+                <a:avLst/>
+              </a:prstTxWarp>
+              <a:noAutofit/>
+            </a:bodyPr>
+            <a:lstStyle/>
+            <a:p>
+              <a:pPr algn="ctr"/>
+              <a:endParaRPr lang="ko-KR" altLang="en-US" sz="1200" dirty="0" smtClean="0">
+                <a:solidFill>
+                  <a:schemeClr val="bg1">
+                    <a:lumMod val="75000"/>
+                    <a:lumOff val="25000"/>
+                  </a:schemeClr>
+                </a:solidFill>
+              </a:endParaRPr>
+            </a:p>
+          </p:txBody>
+        </p:sp>
+      </p:grpSp>
+      <p:cxnSp>
+        <p:nvCxnSpPr>
+          <p:cNvPr id="6" name="직선 연결선 5"/>
+          <p:cNvCxnSpPr>
+            <a:endCxn id="84" idx="2"/>
+          </p:cNvCxnSpPr>
+          <p:nvPr/>
+        </p:nvCxnSpPr>
+        <p:spPr>
+          <a:xfrm flipH="1" flipV="1">
+            <a:off x="6696236" y="4160660"/>
+            <a:ext cx="464749" cy="246731"/>
+          </a:xfrm>
+          <a:prstGeom prst="line">
+            <a:avLst/>
+          </a:prstGeom>
+          <a:ln>
+            <a:solidFill>
+              <a:schemeClr val="bg1">
+                <a:lumMod val="75000"/>
+                <a:lumOff val="25000"/>
+              </a:schemeClr>
+            </a:solidFill>
+            <a:prstDash val="dash"/>
+            <a:tailEnd type="none" w="lg" len="lg"/>
+          </a:ln>
+        </p:spPr>
+        <p:style>
+          <a:lnRef idx="1">
+            <a:schemeClr val="accent1"/>
+          </a:lnRef>
+          <a:fillRef idx="0">
+            <a:schemeClr val="accent1"/>
+          </a:fillRef>
+          <a:effectRef idx="0">
+            <a:schemeClr val="accent1"/>
+          </a:effectRef>
+          <a:fontRef idx="minor">
+            <a:schemeClr val="tx1"/>
+          </a:fontRef>
+        </p:style>
+      </p:cxnSp>
     </p:spTree>
     <p:extLst>
       <p:ext uri="{BB962C8B-B14F-4D97-AF65-F5344CB8AC3E}">

--- a/doc/dynamic view 150616_communication_dgm.pptx
+++ b/doc/dynamic view 150616_communication_dgm.pptx
@@ -2106,7 +2106,7 @@
                 <a:lumOff val="25000"/>
               </a:schemeClr>
             </a:solidFill>
-            <a:tailEnd type="triangle"/>
+            <a:tailEnd type="arrow"/>
           </a:ln>
         </p:spPr>
         <p:style>
@@ -2526,7 +2526,7 @@
         </p:nvSpPr>
         <p:spPr>
           <a:xfrm>
-            <a:off x="6692484" y="5153227"/>
+            <a:off x="6764492" y="5272257"/>
             <a:ext cx="1800000" cy="965055"/>
           </a:xfrm>
           <a:prstGeom prst="rect">
@@ -2589,7 +2589,7 @@
         </p:nvCxnSpPr>
         <p:spPr>
           <a:xfrm>
-            <a:off x="6764492" y="5739242"/>
+            <a:off x="6836500" y="5858272"/>
             <a:ext cx="360040" cy="0"/>
           </a:xfrm>
           <a:prstGeom prst="straightConnector1">
@@ -2628,7 +2628,7 @@
         </p:nvCxnSpPr>
         <p:spPr>
           <a:xfrm>
-            <a:off x="6764492" y="5892758"/>
+            <a:off x="6836500" y="6011788"/>
             <a:ext cx="360040" cy="0"/>
           </a:xfrm>
           <a:prstGeom prst="straightConnector1">
@@ -2667,7 +2667,7 @@
         </p:nvCxnSpPr>
         <p:spPr>
           <a:xfrm>
-            <a:off x="6764492" y="6046274"/>
+            <a:off x="6836500" y="6165304"/>
             <a:ext cx="360040" cy="0"/>
           </a:xfrm>
           <a:prstGeom prst="straightConnector1">
@@ -2707,7 +2707,7 @@
         </p:nvSpPr>
         <p:spPr>
           <a:xfrm>
-            <a:off x="6751240" y="5399958"/>
+            <a:off x="6823248" y="5518988"/>
             <a:ext cx="360040" cy="90000"/>
           </a:xfrm>
           <a:prstGeom prst="rect">
@@ -2765,7 +2765,7 @@
         </p:nvSpPr>
         <p:spPr>
           <a:xfrm>
-            <a:off x="7092280" y="5175576"/>
+            <a:off x="7164288" y="5294606"/>
             <a:ext cx="1440160" cy="942706"/>
           </a:xfrm>
           <a:prstGeom prst="rect">
@@ -2888,7 +2888,7 @@
         </p:nvCxnSpPr>
         <p:spPr>
           <a:xfrm>
-            <a:off x="6764492" y="5589466"/>
+            <a:off x="6836500" y="5708496"/>
             <a:ext cx="346788" cy="0"/>
           </a:xfrm>
           <a:prstGeom prst="line">
@@ -3224,7 +3224,7 @@
                 <a:lumOff val="25000"/>
               </a:schemeClr>
             </a:solidFill>
-            <a:tailEnd type="triangle"/>
+            <a:tailEnd type="arrow"/>
           </a:ln>
         </p:spPr>
         <p:style>
@@ -3565,7 +3565,7 @@
                 <a:lumOff val="25000"/>
               </a:schemeClr>
             </a:solidFill>
-            <a:tailEnd type="triangle"/>
+            <a:tailEnd type="arrow"/>
           </a:ln>
         </p:spPr>
         <p:style>
@@ -3604,7 +3604,7 @@
                 <a:lumOff val="25000"/>
               </a:schemeClr>
             </a:solidFill>
-            <a:tailEnd type="triangle"/>
+            <a:tailEnd type="arrow"/>
           </a:ln>
         </p:spPr>
         <p:style>
@@ -4373,7 +4373,7 @@
         </p:nvGrpSpPr>
         <p:grpSpPr>
           <a:xfrm>
-            <a:off x="6751241" y="5183461"/>
+            <a:off x="6823249" y="5302491"/>
             <a:ext cx="409744" cy="139871"/>
             <a:chOff x="6751241" y="5064193"/>
             <a:chExt cx="409744" cy="139871"/>
@@ -4892,10 +4892,10 @@
         </p:nvGrpSpPr>
         <p:grpSpPr>
           <a:xfrm>
-            <a:off x="6308607" y="4407391"/>
-            <a:ext cx="1857744" cy="551165"/>
-            <a:chOff x="6074530" y="4462633"/>
-            <a:chExt cx="1155381" cy="549211"/>
+            <a:off x="6231396" y="4350031"/>
+            <a:ext cx="1895194" cy="738330"/>
+            <a:chOff x="5983459" y="4477352"/>
+            <a:chExt cx="1178672" cy="562201"/>
           </a:xfrm>
         </p:grpSpPr>
         <p:sp>
@@ -4906,7 +4906,7 @@
           </p:nvSpPr>
           <p:spPr>
             <a:xfrm>
-              <a:off x="6074530" y="4474391"/>
+              <a:off x="5983459" y="4502100"/>
               <a:ext cx="1155381" cy="537453"/>
             </a:xfrm>
             <a:prstGeom prst="snip1Rect">
@@ -4973,7 +4973,73 @@
                     </a:schemeClr>
                   </a:solidFill>
                 </a:rPr>
-                <a:t>verify whether user’s serial is the same with SA-Node’s.</a:t>
+                <a:t>verify </a:t>
+              </a:r>
+              <a:r>
+                <a:rPr lang="en-US" altLang="ko-KR" sz="1000" dirty="0" smtClean="0">
+                  <a:solidFill>
+                    <a:schemeClr val="bg1">
+                      <a:lumMod val="75000"/>
+                      <a:lumOff val="25000"/>
+                    </a:schemeClr>
+                  </a:solidFill>
+                </a:rPr>
+                <a:t>for security whether serial input</a:t>
+              </a:r>
+              <a:r>
+                <a:rPr lang="ko-KR" altLang="en-US" sz="1000">
+                  <a:solidFill>
+                    <a:schemeClr val="bg1">
+                      <a:lumMod val="75000"/>
+                      <a:lumOff val="25000"/>
+                    </a:schemeClr>
+                  </a:solidFill>
+                </a:rPr>
+                <a:t> </a:t>
+              </a:r>
+              <a:r>
+                <a:rPr lang="en-US" altLang="ko-KR" sz="1000" dirty="0" smtClean="0">
+                  <a:solidFill>
+                    <a:schemeClr val="bg1">
+                      <a:lumMod val="75000"/>
+                      <a:lumOff val="25000"/>
+                    </a:schemeClr>
+                  </a:solidFill>
+                </a:rPr>
+                <a:t>from user </a:t>
+              </a:r>
+              <a:r>
+                <a:rPr lang="en-US" altLang="ko-KR" sz="1000" dirty="0" smtClean="0">
+                  <a:solidFill>
+                    <a:schemeClr val="bg1">
+                      <a:lumMod val="75000"/>
+                      <a:lumOff val="25000"/>
+                    </a:schemeClr>
+                  </a:solidFill>
+                </a:rPr>
+                <a:t>is </a:t>
+              </a:r>
+              <a:r>
+                <a:rPr lang="en-US" altLang="ko-KR" sz="1000" dirty="0" smtClean="0">
+                  <a:solidFill>
+                    <a:schemeClr val="bg1">
+                      <a:lumMod val="75000"/>
+                      <a:lumOff val="25000"/>
+                    </a:schemeClr>
+                  </a:solidFill>
+                </a:rPr>
+                <a:t>the same with </a:t>
+              </a:r>
+              <a:r>
+                <a:rPr lang="en-US" altLang="ko-KR" sz="1000" dirty="0" smtClean="0">
+                  <a:solidFill>
+                    <a:schemeClr val="bg1">
+                      <a:lumMod val="75000"/>
+                      <a:lumOff val="25000"/>
+                    </a:schemeClr>
+                  </a:solidFill>
+                </a:rPr>
+                <a:t>SA-Node’s.</a:t>
               </a:r>
               <a:endParaRPr lang="ko-KR" altLang="en-US" sz="1000" dirty="0" smtClean="0">
                 <a:solidFill>
@@ -4994,8 +5060,8 @@
           </p:nvSpPr>
           <p:spPr>
             <a:xfrm>
-              <a:off x="7084395" y="4462633"/>
-              <a:ext cx="143889" cy="231383"/>
+              <a:off x="6943601" y="4477352"/>
+              <a:ext cx="218530" cy="257075"/>
             </a:xfrm>
             <a:prstGeom prst="rtTriangle">
               <a:avLst/>
@@ -5054,6 +5120,7 @@
         <p:nvCxnSpPr>
           <p:cNvPr id="6" name="직선 연결선 5"/>
           <p:cNvCxnSpPr>
+            <a:stCxn id="57" idx="3"/>
             <a:endCxn id="84" idx="2"/>
           </p:cNvCxnSpPr>
           <p:nvPr/>
@@ -5061,7 +5128,7 @@
         <p:spPr>
           <a:xfrm flipH="1" flipV="1">
             <a:off x="6696236" y="4160660"/>
-            <a:ext cx="464749" cy="246731"/>
+            <a:ext cx="464032" cy="221872"/>
           </a:xfrm>
           <a:prstGeom prst="line">
             <a:avLst/>

--- a/doc/dynamic view 150616_communication_dgm.pptx
+++ b/doc/dynamic view 150616_communication_dgm.pptx
@@ -5,10 +5,12 @@
     <p:sldMasterId id="2147483693" r:id="rId1"/>
   </p:sldMasterIdLst>
   <p:notesMasterIdLst>
-    <p:notesMasterId r:id="rId3"/>
+    <p:notesMasterId r:id="rId5"/>
   </p:notesMasterIdLst>
   <p:sldIdLst>
     <p:sldId id="307" r:id="rId2"/>
+    <p:sldId id="308" r:id="rId3"/>
+    <p:sldId id="309" r:id="rId4"/>
   </p:sldIdLst>
   <p:sldSz cx="9144000" cy="6858000" type="screen4x3"/>
   <p:notesSz cx="6858000" cy="9144000"/>
@@ -113,12 +115,14 @@
         <p14:section name="기본 구역" id="{8842BCD3-E84E-4C92-B413-F11C840B25B4}">
           <p14:sldIdLst>
             <p14:sldId id="307"/>
+            <p14:sldId id="308"/>
+            <p14:sldId id="309"/>
           </p14:sldIdLst>
         </p14:section>
       </p14:sectionLst>
     </p:ext>
     <p:ext uri="{EFAFB233-063F-42B5-8137-9DF3F51BA10A}">
-      <p15:sldGuideLst xmlns:p15="http://schemas.microsoft.com/office/powerpoint/2012/main">
+      <p15:sldGuideLst xmlns:p15="http://schemas.microsoft.com/office/powerpoint/2012/main" xmlns="">
         <p15:guide id="1" orient="horz" pos="527">
           <p15:clr>
             <a:srgbClr val="A4A3A4"/>
@@ -147,7 +151,7 @@
       </p15:sldGuideLst>
     </p:ext>
     <p:ext uri="{2D200454-40CA-4A62-9FC3-DE9A4176ACB9}">
-      <p15:notesGuideLst xmlns:p15="http://schemas.microsoft.com/office/powerpoint/2012/main">
+      <p15:notesGuideLst xmlns:p15="http://schemas.microsoft.com/office/powerpoint/2012/main" xmlns="">
         <p15:guide id="1" orient="horz" pos="2879">
           <p15:clr>
             <a:srgbClr val="A4A3A4"/>
@@ -262,7 +266,7 @@
               <a:pPr lvl="0">
                 <a:defRPr lang="ko-KR" altLang="en-US"/>
               </a:pPr>
-              <a:t>2015-06-16</a:t>
+              <a:t>2015-06-17</a:t>
             </a:fld>
             <a:endParaRPr lang="ko-KR" altLang="en-US"/>
           </a:p>
@@ -1892,7 +1896,7 @@
         </p:nvCxnSpPr>
         <p:spPr>
           <a:xfrm>
-            <a:off x="971600" y="5664722"/>
+            <a:off x="988577" y="5533186"/>
             <a:ext cx="360040" cy="0"/>
           </a:xfrm>
           <a:prstGeom prst="straightConnector1">
@@ -1931,7 +1935,7 @@
         </p:nvSpPr>
         <p:spPr>
           <a:xfrm>
-            <a:off x="323528" y="5278287"/>
+            <a:off x="359532" y="5528779"/>
             <a:ext cx="1944216" cy="359433"/>
           </a:xfrm>
           <a:prstGeom prst="rect">
@@ -2181,7 +2185,7 @@
               <a:t>1.2: </a:t>
             </a:r>
             <a:r>
-              <a:rPr lang="en-US" altLang="ko-KR" sz="1200" dirty="0" err="1">
+              <a:rPr lang="en-US" altLang="ko-KR" sz="1200" dirty="0" err="1" smtClean="0">
                 <a:solidFill>
                   <a:schemeClr val="bg1">
                     <a:lumMod val="75000"/>
@@ -2192,15 +2196,37 @@
               <a:t>registerNode</a:t>
             </a:r>
             <a:r>
-              <a:rPr lang="en-US" altLang="ko-KR" sz="1200" dirty="0">
-                <a:solidFill>
-                  <a:schemeClr val="bg1">
-                    <a:lumMod val="75000"/>
-                    <a:lumOff val="25000"/>
-                  </a:schemeClr>
-                </a:solidFill>
-              </a:rPr>
-              <a:t>(MAC, </a:t>
+              <a:rPr lang="en-US" altLang="ko-KR" sz="1200" dirty="0" smtClean="0">
+                <a:solidFill>
+                  <a:schemeClr val="bg1">
+                    <a:lumMod val="75000"/>
+                    <a:lumOff val="25000"/>
+                  </a:schemeClr>
+                </a:solidFill>
+              </a:rPr>
+              <a:t>(</a:t>
+            </a:r>
+            <a:r>
+              <a:rPr lang="en-US" altLang="ko-KR" sz="1200" dirty="0" err="1" smtClean="0">
+                <a:solidFill>
+                  <a:schemeClr val="bg1">
+                    <a:lumMod val="75000"/>
+                    <a:lumOff val="25000"/>
+                  </a:schemeClr>
+                </a:solidFill>
+              </a:rPr>
+              <a:t>NodeId</a:t>
+            </a:r>
+            <a:r>
+              <a:rPr lang="en-US" altLang="ko-KR" sz="1200" dirty="0" smtClean="0">
+                <a:solidFill>
+                  <a:schemeClr val="bg1">
+                    <a:lumMod val="75000"/>
+                    <a:lumOff val="25000"/>
+                  </a:schemeClr>
+                </a:solidFill>
+              </a:rPr>
+              <a:t>, </a:t>
             </a:r>
             <a:r>
               <a:rPr lang="en-US" altLang="ko-KR" sz="1200" dirty="0" err="1">
@@ -2414,7 +2440,7 @@
               <a:t>1.3: </a:t>
             </a:r>
             <a:r>
-              <a:rPr lang="en-US" altLang="ko-KR" sz="1200" dirty="0" err="1">
+              <a:rPr lang="en-US" altLang="ko-KR" sz="1200" dirty="0" err="1" smtClean="0">
                 <a:solidFill>
                   <a:schemeClr val="bg1">
                     <a:lumMod val="75000"/>
@@ -2425,15 +2451,37 @@
               <a:t>registerNode</a:t>
             </a:r>
             <a:r>
-              <a:rPr lang="en-US" altLang="ko-KR" sz="1200" dirty="0">
-                <a:solidFill>
-                  <a:schemeClr val="bg1">
-                    <a:lumMod val="75000"/>
-                    <a:lumOff val="25000"/>
-                  </a:schemeClr>
-                </a:solidFill>
-              </a:rPr>
-              <a:t>(MAC, </a:t>
+              <a:rPr lang="en-US" altLang="ko-KR" sz="1200" dirty="0" smtClean="0">
+                <a:solidFill>
+                  <a:schemeClr val="bg1">
+                    <a:lumMod val="75000"/>
+                    <a:lumOff val="25000"/>
+                  </a:schemeClr>
+                </a:solidFill>
+              </a:rPr>
+              <a:t>(</a:t>
+            </a:r>
+            <a:r>
+              <a:rPr lang="en-US" altLang="ko-KR" sz="1200" dirty="0" err="1" smtClean="0">
+                <a:solidFill>
+                  <a:schemeClr val="bg1">
+                    <a:lumMod val="75000"/>
+                    <a:lumOff val="25000"/>
+                  </a:schemeClr>
+                </a:solidFill>
+              </a:rPr>
+              <a:t>NodeId</a:t>
+            </a:r>
+            <a:r>
+              <a:rPr lang="en-US" altLang="ko-KR" sz="1200" dirty="0" smtClean="0">
+                <a:solidFill>
+                  <a:schemeClr val="bg1">
+                    <a:lumMod val="75000"/>
+                    <a:lumOff val="25000"/>
+                  </a:schemeClr>
+                </a:solidFill>
+              </a:rPr>
+              <a:t>, </a:t>
             </a:r>
             <a:r>
               <a:rPr lang="en-US" altLang="ko-KR" sz="1200" dirty="0" err="1">
@@ -2823,8 +2871,27 @@
                   </a:schemeClr>
                 </a:solidFill>
               </a:rPr>
-              <a:t>: Lifeline</a:t>
-            </a:r>
+              <a:t>: </a:t>
+            </a:r>
+            <a:r>
+              <a:rPr lang="en-US" altLang="ko-KR" sz="1000" dirty="0" smtClean="0">
+                <a:solidFill>
+                  <a:schemeClr val="bg1">
+                    <a:lumMod val="75000"/>
+                    <a:lumOff val="25000"/>
+                  </a:schemeClr>
+                </a:solidFill>
+              </a:rPr>
+              <a:t>Object</a:t>
+            </a:r>
+            <a:endParaRPr lang="en-US" altLang="ko-KR" sz="1000" dirty="0" smtClean="0">
+              <a:solidFill>
+                <a:schemeClr val="bg1">
+                  <a:lumMod val="75000"/>
+                  <a:lumOff val="25000"/>
+                </a:schemeClr>
+              </a:solidFill>
+            </a:endParaRPr>
           </a:p>
           <a:p>
             <a:r>
@@ -3319,7 +3386,7 @@
         </p:nvSpPr>
         <p:spPr>
           <a:xfrm>
-            <a:off x="2314196" y="2996952"/>
+            <a:off x="2411760" y="3044853"/>
             <a:ext cx="1944216" cy="359433"/>
           </a:xfrm>
           <a:prstGeom prst="rect">
@@ -3387,7 +3454,29 @@
                   </a:schemeClr>
                 </a:solidFill>
               </a:rPr>
-              <a:t>(MAC, </a:t>
+              <a:t>(</a:t>
+            </a:r>
+            <a:r>
+              <a:rPr lang="en-US" altLang="ko-KR" sz="1200" dirty="0" err="1" smtClean="0">
+                <a:solidFill>
+                  <a:schemeClr val="bg1">
+                    <a:lumMod val="75000"/>
+                    <a:lumOff val="25000"/>
+                  </a:schemeClr>
+                </a:solidFill>
+              </a:rPr>
+              <a:t>NodeId</a:t>
+            </a:r>
+            <a:r>
+              <a:rPr lang="en-US" altLang="ko-KR" sz="1200" dirty="0" smtClean="0">
+                <a:solidFill>
+                  <a:schemeClr val="bg1">
+                    <a:lumMod val="75000"/>
+                    <a:lumOff val="25000"/>
+                  </a:schemeClr>
+                </a:solidFill>
+              </a:rPr>
+              <a:t>, </a:t>
             </a:r>
             <a:r>
               <a:rPr lang="en-US" altLang="ko-KR" sz="1200" dirty="0" err="1" smtClean="0">
@@ -3630,7 +3719,7 @@
         </p:nvSpPr>
         <p:spPr>
           <a:xfrm>
-            <a:off x="1879182" y="5589847"/>
+            <a:off x="1879182" y="5252728"/>
             <a:ext cx="806349" cy="359433"/>
           </a:xfrm>
           <a:prstGeom prst="rect">
@@ -3703,7 +3792,7 @@
         <p:spPr>
           <a:xfrm flipH="1">
             <a:off x="2282357" y="4207701"/>
-            <a:ext cx="574" cy="1382146"/>
+            <a:ext cx="574" cy="1045027"/>
           </a:xfrm>
           <a:prstGeom prst="line">
             <a:avLst/>
@@ -3743,7 +3832,7 @@
         </p:nvCxnSpPr>
         <p:spPr>
           <a:xfrm flipH="1" flipV="1">
-            <a:off x="546847" y="5769562"/>
+            <a:off x="546847" y="5432443"/>
             <a:ext cx="1332335" cy="2"/>
           </a:xfrm>
           <a:prstGeom prst="line">
@@ -3782,7 +3871,7 @@
         </p:nvCxnSpPr>
         <p:spPr>
           <a:xfrm>
-            <a:off x="2189180" y="4597997"/>
+            <a:off x="2189180" y="4381973"/>
             <a:ext cx="0" cy="346049"/>
           </a:xfrm>
           <a:prstGeom prst="straightConnector1">
@@ -3821,7 +3910,7 @@
         </p:nvSpPr>
         <p:spPr>
           <a:xfrm>
-            <a:off x="3837659" y="5589846"/>
+            <a:off x="3837659" y="5252727"/>
             <a:ext cx="806349" cy="359433"/>
           </a:xfrm>
           <a:prstGeom prst="rect">
@@ -3894,7 +3983,7 @@
         <p:spPr>
           <a:xfrm>
             <a:off x="2967007" y="4027985"/>
-            <a:ext cx="1273827" cy="1561861"/>
+            <a:ext cx="1273827" cy="1224742"/>
           </a:xfrm>
           <a:prstGeom prst="bentConnector2">
             <a:avLst/>
@@ -4107,7 +4196,7 @@
         </p:nvSpPr>
         <p:spPr>
           <a:xfrm>
-            <a:off x="546847" y="4581128"/>
+            <a:off x="546847" y="4365104"/>
             <a:ext cx="1944216" cy="359433"/>
           </a:xfrm>
           <a:prstGeom prst="rect">
@@ -4207,7 +4296,7 @@
         </p:nvGrpSpPr>
         <p:grpSpPr>
           <a:xfrm>
-            <a:off x="1185864" y="5984137"/>
+            <a:off x="940349" y="5941115"/>
             <a:ext cx="1877666" cy="595778"/>
             <a:chOff x="6074530" y="4766674"/>
             <a:chExt cx="1167771" cy="245174"/>
@@ -4518,7 +4607,7 @@
         </p:nvSpPr>
         <p:spPr>
           <a:xfrm>
-            <a:off x="2241240" y="4581128"/>
+            <a:off x="2265954" y="4389818"/>
             <a:ext cx="1944216" cy="359433"/>
           </a:xfrm>
           <a:prstGeom prst="rect">
@@ -4586,7 +4675,40 @@
                   </a:schemeClr>
                 </a:solidFill>
               </a:rPr>
-              <a:t>(MAC, Serial)</a:t>
+              <a:t>(</a:t>
+            </a:r>
+            <a:r>
+              <a:rPr lang="en-US" altLang="ko-KR" sz="1200" dirty="0" err="1" smtClean="0">
+                <a:solidFill>
+                  <a:schemeClr val="bg1">
+                    <a:lumMod val="75000"/>
+                    <a:lumOff val="25000"/>
+                  </a:schemeClr>
+                </a:solidFill>
+              </a:rPr>
+              <a:t>NodeId</a:t>
+            </a:r>
+            <a:r>
+              <a:rPr lang="en-US" altLang="ko-KR" sz="1200" dirty="0" smtClean="0">
+                <a:solidFill>
+                  <a:schemeClr val="bg1">
+                    <a:lumMod val="75000"/>
+                    <a:lumOff val="25000"/>
+                  </a:schemeClr>
+                </a:solidFill>
+              </a:rPr>
+              <a:t>, </a:t>
+            </a:r>
+            <a:r>
+              <a:rPr lang="en-US" altLang="ko-KR" sz="1200" dirty="0" smtClean="0">
+                <a:solidFill>
+                  <a:schemeClr val="bg1">
+                    <a:lumMod val="75000"/>
+                    <a:lumOff val="25000"/>
+                  </a:schemeClr>
+                </a:solidFill>
+              </a:rPr>
+              <a:t>Serial)</a:t>
             </a:r>
             <a:endParaRPr lang="ko-KR" altLang="en-US" sz="1200" dirty="0" smtClean="0">
               <a:solidFill>
@@ -4607,7 +4729,7 @@
         </p:nvCxnSpPr>
         <p:spPr>
           <a:xfrm flipV="1">
-            <a:off x="2385256" y="4596066"/>
+            <a:off x="2385256" y="4380042"/>
             <a:ext cx="0" cy="326179"/>
           </a:xfrm>
           <a:prstGeom prst="straightConnector1">
@@ -4641,219 +4763,15 @@
       <p:cxnSp>
         <p:nvCxnSpPr>
           <p:cNvPr id="172" name="직선 연결선 171"/>
-          <p:cNvCxnSpPr/>
+          <p:cNvCxnSpPr>
+            <a:stCxn id="156" idx="3"/>
+          </p:cNvCxnSpPr>
           <p:nvPr/>
         </p:nvCxnSpPr>
         <p:spPr>
           <a:xfrm flipV="1">
-            <a:off x="1598855" y="5589466"/>
-            <a:ext cx="92825" cy="431124"/>
-          </a:xfrm>
-          <a:prstGeom prst="line">
-            <a:avLst/>
-          </a:prstGeom>
-          <a:ln>
-            <a:solidFill>
-              <a:schemeClr val="bg1">
-                <a:lumMod val="75000"/>
-                <a:lumOff val="25000"/>
-              </a:schemeClr>
-            </a:solidFill>
-            <a:prstDash val="dash"/>
-            <a:tailEnd type="none" w="lg" len="lg"/>
-          </a:ln>
-        </p:spPr>
-        <p:style>
-          <a:lnRef idx="1">
-            <a:schemeClr val="accent1"/>
-          </a:lnRef>
-          <a:fillRef idx="0">
-            <a:schemeClr val="accent1"/>
-          </a:fillRef>
-          <a:effectRef idx="0">
-            <a:schemeClr val="accent1"/>
-          </a:effectRef>
-          <a:fontRef idx="minor">
-            <a:schemeClr val="tx1"/>
-          </a:fontRef>
-        </p:style>
-      </p:cxnSp>
-      <p:grpSp>
-        <p:nvGrpSpPr>
-          <p:cNvPr id="173" name="그룹 172"/>
-          <p:cNvGrpSpPr/>
-          <p:nvPr/>
-        </p:nvGrpSpPr>
-        <p:grpSpPr>
-          <a:xfrm>
-            <a:off x="3442951" y="4041677"/>
-            <a:ext cx="1877666" cy="313240"/>
-            <a:chOff x="6074530" y="4738496"/>
-            <a:chExt cx="1167771" cy="273347"/>
-          </a:xfrm>
-        </p:grpSpPr>
-        <p:sp>
-          <p:nvSpPr>
-            <p:cNvPr id="174" name="한쪽 모서리가 잘린 사각형 173"/>
-            <p:cNvSpPr/>
-            <p:nvPr/>
-          </p:nvSpPr>
-          <p:spPr>
-            <a:xfrm>
-              <a:off x="6074530" y="4781670"/>
-              <a:ext cx="1155381" cy="230173"/>
-            </a:xfrm>
-            <a:prstGeom prst="snip1Rect">
-              <a:avLst>
-                <a:gd name="adj" fmla="val 43048"/>
-              </a:avLst>
-            </a:prstGeom>
-            <a:solidFill>
-              <a:schemeClr val="tx1">
-                <a:lumMod val="75000"/>
-              </a:schemeClr>
-            </a:solidFill>
-            <a:ln w="9525">
-              <a:solidFill>
-                <a:schemeClr val="bg1">
-                  <a:lumMod val="75000"/>
-                  <a:lumOff val="25000"/>
-                </a:schemeClr>
-              </a:solidFill>
-            </a:ln>
-          </p:spPr>
-          <p:style>
-            <a:lnRef idx="2">
-              <a:schemeClr val="accent1">
-                <a:shade val="50000"/>
-              </a:schemeClr>
-            </a:lnRef>
-            <a:fillRef idx="1">
-              <a:schemeClr val="accent1"/>
-            </a:fillRef>
-            <a:effectRef idx="0">
-              <a:schemeClr val="accent1"/>
-            </a:effectRef>
-            <a:fontRef idx="minor">
-              <a:schemeClr val="lt1"/>
-            </a:fontRef>
-          </p:style>
-          <p:txBody>
-            <a:bodyPr rot="0" spcFirstLastPara="0" vertOverflow="overflow" horzOverflow="overflow" vert="horz" wrap="square" lIns="91440" tIns="45720" rIns="91440" bIns="45720" numCol="1" spcCol="0" rtlCol="0" fromWordArt="0" anchor="b" anchorCtr="0" forceAA="0" compatLnSpc="1">
-              <a:prstTxWarp prst="textNoShape">
-                <a:avLst/>
-              </a:prstTxWarp>
-              <a:noAutofit/>
-            </a:bodyPr>
-            <a:lstStyle/>
-            <a:p>
-              <a:r>
-                <a:rPr lang="en-US" altLang="ko-KR" sz="1000" b="1" dirty="0" smtClean="0">
-                  <a:solidFill>
-                    <a:schemeClr val="bg1">
-                      <a:lumMod val="75000"/>
-                      <a:lumOff val="25000"/>
-                    </a:schemeClr>
-                  </a:solidFill>
-                </a:rPr>
-                <a:t>Mac </a:t>
-              </a:r>
-              <a:r>
-                <a:rPr lang="en-US" altLang="ko-KR" sz="1000" dirty="0" smtClean="0">
-                  <a:solidFill>
-                    <a:schemeClr val="bg1">
-                      <a:lumMod val="75000"/>
-                      <a:lumOff val="25000"/>
-                    </a:schemeClr>
-                  </a:solidFill>
-                </a:rPr>
-                <a:t>is identity of Node.</a:t>
-              </a:r>
-              <a:endParaRPr lang="ko-KR" altLang="en-US" sz="1000" dirty="0" smtClean="0">
-                <a:solidFill>
-                  <a:schemeClr val="bg1">
-                    <a:lumMod val="75000"/>
-                    <a:lumOff val="25000"/>
-                  </a:schemeClr>
-                </a:solidFill>
-              </a:endParaRPr>
-            </a:p>
-          </p:txBody>
-        </p:sp>
-        <p:sp>
-          <p:nvSpPr>
-            <p:cNvPr id="175" name="직각 삼각형 174"/>
-            <p:cNvSpPr/>
-            <p:nvPr/>
-          </p:nvSpPr>
-          <p:spPr>
-            <a:xfrm>
-              <a:off x="7137102" y="4738496"/>
-              <a:ext cx="105199" cy="141255"/>
-            </a:xfrm>
-            <a:prstGeom prst="rtTriangle">
-              <a:avLst/>
-            </a:prstGeom>
-            <a:solidFill>
-              <a:schemeClr val="bg1">
-                <a:lumMod val="50000"/>
-                <a:lumOff val="50000"/>
-              </a:schemeClr>
-            </a:solidFill>
-            <a:ln w="9525">
-              <a:solidFill>
-                <a:schemeClr val="tx1"/>
-              </a:solidFill>
-            </a:ln>
-          </p:spPr>
-          <p:style>
-            <a:lnRef idx="2">
-              <a:schemeClr val="accent1">
-                <a:shade val="50000"/>
-              </a:schemeClr>
-            </a:lnRef>
-            <a:fillRef idx="1">
-              <a:schemeClr val="accent1"/>
-            </a:fillRef>
-            <a:effectRef idx="0">
-              <a:schemeClr val="accent1"/>
-            </a:effectRef>
-            <a:fontRef idx="minor">
-              <a:schemeClr val="lt1"/>
-            </a:fontRef>
-          </p:style>
-          <p:txBody>
-            <a:bodyPr rot="0" spcFirstLastPara="0" vertOverflow="overflow" horzOverflow="overflow" vert="horz" wrap="square" lIns="91440" tIns="45720" rIns="91440" bIns="45720" numCol="1" spcCol="0" rtlCol="0" fromWordArt="0" anchor="ctr" anchorCtr="0" forceAA="0" compatLnSpc="1">
-              <a:prstTxWarp prst="textNoShape">
-                <a:avLst/>
-              </a:prstTxWarp>
-              <a:noAutofit/>
-            </a:bodyPr>
-            <a:lstStyle/>
-            <a:p>
-              <a:pPr algn="ctr"/>
-              <a:endParaRPr lang="ko-KR" altLang="en-US" sz="1200" dirty="0" smtClean="0">
-                <a:solidFill>
-                  <a:schemeClr val="bg1">
-                    <a:lumMod val="75000"/>
-                    <a:lumOff val="25000"/>
-                  </a:schemeClr>
-                </a:solidFill>
-              </a:endParaRPr>
-            </a:p>
-          </p:txBody>
-        </p:sp>
-      </p:grpSp>
-      <p:cxnSp>
-        <p:nvCxnSpPr>
-          <p:cNvPr id="177" name="직선 연결선 176"/>
-          <p:cNvCxnSpPr/>
-          <p:nvPr/>
-        </p:nvCxnSpPr>
-        <p:spPr>
-          <a:xfrm flipV="1">
-            <a:off x="3650509" y="4379935"/>
-            <a:ext cx="0" cy="216133"/>
+            <a:off x="1869221" y="5765959"/>
+            <a:ext cx="0" cy="211609"/>
           </a:xfrm>
           <a:prstGeom prst="line">
             <a:avLst/>
@@ -4973,18 +4891,7 @@
                     </a:schemeClr>
                   </a:solidFill>
                 </a:rPr>
-                <a:t>verify </a:t>
-              </a:r>
-              <a:r>
-                <a:rPr lang="en-US" altLang="ko-KR" sz="1000" dirty="0" smtClean="0">
-                  <a:solidFill>
-                    <a:schemeClr val="bg1">
-                      <a:lumMod val="75000"/>
-                      <a:lumOff val="25000"/>
-                    </a:schemeClr>
-                  </a:solidFill>
-                </a:rPr>
-                <a:t>for security whether serial input</a:t>
+                <a:t>verify for security whether serial input</a:t>
               </a:r>
               <a:r>
                 <a:rPr lang="ko-KR" altLang="en-US" sz="1000">
@@ -5006,40 +4913,7 @@
                     </a:schemeClr>
                   </a:solidFill>
                 </a:rPr>
-                <a:t>from user </a:t>
-              </a:r>
-              <a:r>
-                <a:rPr lang="en-US" altLang="ko-KR" sz="1000" dirty="0" smtClean="0">
-                  <a:solidFill>
-                    <a:schemeClr val="bg1">
-                      <a:lumMod val="75000"/>
-                      <a:lumOff val="25000"/>
-                    </a:schemeClr>
-                  </a:solidFill>
-                </a:rPr>
-                <a:t>is </a:t>
-              </a:r>
-              <a:r>
-                <a:rPr lang="en-US" altLang="ko-KR" sz="1000" dirty="0" smtClean="0">
-                  <a:solidFill>
-                    <a:schemeClr val="bg1">
-                      <a:lumMod val="75000"/>
-                      <a:lumOff val="25000"/>
-                    </a:schemeClr>
-                  </a:solidFill>
-                </a:rPr>
-                <a:t>the same with </a:t>
-              </a:r>
-              <a:r>
-                <a:rPr lang="en-US" altLang="ko-KR" sz="1000" dirty="0" smtClean="0">
-                  <a:solidFill>
-                    <a:schemeClr val="bg1">
-                      <a:lumMod val="75000"/>
-                      <a:lumOff val="25000"/>
-                    </a:schemeClr>
-                  </a:solidFill>
-                </a:rPr>
-                <a:t>SA-Node’s.</a:t>
+                <a:t>from user is the same with SA-Node’s.</a:t>
               </a:r>
               <a:endParaRPr lang="ko-KR" altLang="en-US" sz="1000" dirty="0" smtClean="0">
                 <a:solidFill>
@@ -5163,6 +5037,5746 @@
     <p:extLst>
       <p:ext uri="{BB962C8B-B14F-4D97-AF65-F5344CB8AC3E}">
         <p14:creationId xmlns:p14="http://schemas.microsoft.com/office/powerpoint/2010/main" val="1933598799"/>
+      </p:ext>
+    </p:extLst>
+  </p:cSld>
+  <p:clrMapOvr>
+    <a:masterClrMapping/>
+  </p:clrMapOvr>
+  <p:timing>
+    <p:tnLst>
+      <p:par>
+        <p:cTn id="1" dur="indefinite" restart="never" nodeType="tmRoot"/>
+      </p:par>
+    </p:tnLst>
+  </p:timing>
+</p:sld>
+</file>
+
+<file path=ppt/slides/slide2.xml><?xml version="1.0" encoding="utf-8"?>
+<p:sld xmlns:a="http://schemas.openxmlformats.org/drawingml/2006/main" xmlns:r="http://schemas.openxmlformats.org/officeDocument/2006/relationships" xmlns:p="http://schemas.openxmlformats.org/presentationml/2006/main">
+  <p:cSld>
+    <p:spTree>
+      <p:nvGrpSpPr>
+        <p:cNvPr id="1" name=""/>
+        <p:cNvGrpSpPr/>
+        <p:nvPr/>
+      </p:nvGrpSpPr>
+      <p:grpSpPr>
+        <a:xfrm>
+          <a:off x="0" y="0"/>
+          <a:ext cx="0" cy="0"/>
+          <a:chOff x="0" y="0"/>
+          <a:chExt cx="0" cy="0"/>
+        </a:xfrm>
+      </p:grpSpPr>
+      <p:sp>
+        <p:nvSpPr>
+          <p:cNvPr id="7" name="직사각형 6"/>
+          <p:cNvSpPr/>
+          <p:nvPr/>
+        </p:nvSpPr>
+        <p:spPr>
+          <a:xfrm>
+            <a:off x="467544" y="1484784"/>
+            <a:ext cx="8209731" cy="4824536"/>
+          </a:xfrm>
+          <a:prstGeom prst="rect">
+            <a:avLst/>
+          </a:prstGeom>
+          <a:solidFill>
+            <a:schemeClr val="tx1"/>
+          </a:solidFill>
+          <a:ln>
+            <a:solidFill>
+              <a:schemeClr val="bg1">
+                <a:lumMod val="75000"/>
+                <a:lumOff val="25000"/>
+              </a:schemeClr>
+            </a:solidFill>
+          </a:ln>
+        </p:spPr>
+        <p:style>
+          <a:lnRef idx="2">
+            <a:schemeClr val="accent1">
+              <a:shade val="50000"/>
+            </a:schemeClr>
+          </a:lnRef>
+          <a:fillRef idx="1">
+            <a:schemeClr val="accent1"/>
+          </a:fillRef>
+          <a:effectRef idx="0">
+            <a:schemeClr val="accent1"/>
+          </a:effectRef>
+          <a:fontRef idx="minor">
+            <a:schemeClr val="lt1"/>
+          </a:fontRef>
+        </p:style>
+        <p:txBody>
+          <a:bodyPr rtlCol="0" anchor="ctr"/>
+          <a:lstStyle/>
+          <a:p>
+            <a:pPr algn="ctr"/>
+            <a:endParaRPr lang="ko-KR" altLang="en-US" sz="800" dirty="0"/>
+          </a:p>
+        </p:txBody>
+      </p:sp>
+      <p:sp>
+        <p:nvSpPr>
+          <p:cNvPr id="2" name="제목 1"/>
+          <p:cNvSpPr>
+            <a:spLocks noGrp="1"/>
+          </p:cNvSpPr>
+          <p:nvPr>
+            <p:ph type="title"/>
+          </p:nvPr>
+        </p:nvSpPr>
+        <p:spPr/>
+        <p:txBody>
+          <a:bodyPr>
+            <a:normAutofit fontScale="90000"/>
+          </a:bodyPr>
+          <a:lstStyle/>
+          <a:p>
+            <a:r>
+              <a:rPr lang="en-US" altLang="ko-KR" dirty="0" smtClean="0"/>
+              <a:t>5.3 Dynamic </a:t>
+            </a:r>
+            <a:r>
+              <a:rPr lang="en-US" altLang="ko-KR" dirty="0" smtClean="0"/>
+              <a:t>View(2)</a:t>
+            </a:r>
+            <a:endParaRPr lang="ko-KR" altLang="en-US" dirty="0"/>
+          </a:p>
+        </p:txBody>
+      </p:sp>
+      <p:sp>
+        <p:nvSpPr>
+          <p:cNvPr id="5" name="슬라이드 번호 개체 틀 4"/>
+          <p:cNvSpPr>
+            <a:spLocks noGrp="1"/>
+          </p:cNvSpPr>
+          <p:nvPr>
+            <p:ph type="sldNum" sz="quarter" idx="11"/>
+          </p:nvPr>
+        </p:nvSpPr>
+        <p:spPr/>
+        <p:txBody>
+          <a:bodyPr/>
+          <a:lstStyle/>
+          <a:p>
+            <a:fld id="{887F5A62-5D57-4BBA-9485-2C5A6728F77D}" type="slidenum">
+              <a:rPr lang="ko-KR" altLang="en-US" smtClean="0"/>
+              <a:pPr/>
+              <a:t>2</a:t>
+            </a:fld>
+            <a:r>
+              <a:rPr lang="en-US" altLang="ko-KR" dirty="0" smtClean="0"/>
+              <a:t>/31</a:t>
+            </a:r>
+            <a:endParaRPr lang="ko-KR" altLang="en-US" dirty="0"/>
+          </a:p>
+        </p:txBody>
+      </p:sp>
+      <p:sp>
+        <p:nvSpPr>
+          <p:cNvPr id="3" name="TextBox 2"/>
+          <p:cNvSpPr txBox="1"/>
+          <p:nvPr/>
+        </p:nvSpPr>
+        <p:spPr>
+          <a:xfrm>
+            <a:off x="467134" y="934820"/>
+            <a:ext cx="4647041" cy="369332"/>
+          </a:xfrm>
+          <a:prstGeom prst="rect">
+            <a:avLst/>
+          </a:prstGeom>
+          <a:noFill/>
+        </p:spPr>
+        <p:txBody>
+          <a:bodyPr wrap="none" rtlCol="0">
+            <a:spAutoFit/>
+          </a:bodyPr>
+          <a:lstStyle/>
+          <a:p>
+            <a:r>
+              <a:rPr lang="en-US" altLang="ko-KR" dirty="0" smtClean="0"/>
+              <a:t>Communication Diagram: </a:t>
+            </a:r>
+            <a:r>
+              <a:rPr lang="en-US" altLang="ko-KR" dirty="0" smtClean="0"/>
+              <a:t>Control actuator</a:t>
+            </a:r>
+            <a:endParaRPr lang="ko-KR" altLang="en-US" dirty="0"/>
+          </a:p>
+        </p:txBody>
+      </p:sp>
+      <p:sp>
+        <p:nvSpPr>
+          <p:cNvPr id="54" name="직사각형 53"/>
+          <p:cNvSpPr/>
+          <p:nvPr/>
+        </p:nvSpPr>
+        <p:spPr>
+          <a:xfrm>
+            <a:off x="1912443" y="2038670"/>
+            <a:ext cx="1368152" cy="359433"/>
+          </a:xfrm>
+          <a:prstGeom prst="rect">
+            <a:avLst/>
+          </a:prstGeom>
+          <a:solidFill>
+            <a:schemeClr val="tx1"/>
+          </a:solidFill>
+          <a:ln w="9525">
+            <a:solidFill>
+              <a:schemeClr val="bg1">
+                <a:lumMod val="75000"/>
+                <a:lumOff val="25000"/>
+              </a:schemeClr>
+            </a:solidFill>
+          </a:ln>
+        </p:spPr>
+        <p:style>
+          <a:lnRef idx="2">
+            <a:schemeClr val="accent1">
+              <a:shade val="50000"/>
+            </a:schemeClr>
+          </a:lnRef>
+          <a:fillRef idx="1">
+            <a:schemeClr val="accent1"/>
+          </a:fillRef>
+          <a:effectRef idx="0">
+            <a:schemeClr val="accent1"/>
+          </a:effectRef>
+          <a:fontRef idx="minor">
+            <a:schemeClr val="lt1"/>
+          </a:fontRef>
+        </p:style>
+        <p:txBody>
+          <a:bodyPr rtlCol="0" anchor="ctr"/>
+          <a:lstStyle/>
+          <a:p>
+            <a:pPr algn="ctr"/>
+            <a:r>
+              <a:rPr lang="en-US" altLang="ko-KR" sz="1200" dirty="0" smtClean="0">
+                <a:solidFill>
+                  <a:schemeClr val="bg1">
+                    <a:lumMod val="75000"/>
+                    <a:lumOff val="25000"/>
+                  </a:schemeClr>
+                </a:solidFill>
+              </a:rPr>
+              <a:t>:</a:t>
+            </a:r>
+            <a:r>
+              <a:rPr lang="en-US" altLang="ko-KR" sz="1200" dirty="0" err="1" smtClean="0">
+                <a:solidFill>
+                  <a:schemeClr val="bg1">
+                    <a:lumMod val="75000"/>
+                    <a:lumOff val="25000"/>
+                  </a:schemeClr>
+                </a:solidFill>
+              </a:rPr>
+              <a:t>NodeManager</a:t>
+            </a:r>
+            <a:endParaRPr lang="ko-KR" altLang="en-US" sz="1200" dirty="0">
+              <a:solidFill>
+                <a:schemeClr val="bg1">
+                  <a:lumMod val="75000"/>
+                  <a:lumOff val="25000"/>
+                </a:schemeClr>
+              </a:solidFill>
+            </a:endParaRPr>
+          </a:p>
+        </p:txBody>
+      </p:sp>
+      <p:sp>
+        <p:nvSpPr>
+          <p:cNvPr id="55" name="직사각형 54"/>
+          <p:cNvSpPr/>
+          <p:nvPr/>
+        </p:nvSpPr>
+        <p:spPr>
+          <a:xfrm>
+            <a:off x="5769938" y="2038670"/>
+            <a:ext cx="1368152" cy="359433"/>
+          </a:xfrm>
+          <a:prstGeom prst="rect">
+            <a:avLst/>
+          </a:prstGeom>
+          <a:solidFill>
+            <a:schemeClr val="tx1"/>
+          </a:solidFill>
+          <a:ln w="9525">
+            <a:solidFill>
+              <a:schemeClr val="bg1">
+                <a:lumMod val="75000"/>
+                <a:lumOff val="25000"/>
+              </a:schemeClr>
+            </a:solidFill>
+          </a:ln>
+        </p:spPr>
+        <p:style>
+          <a:lnRef idx="2">
+            <a:schemeClr val="accent1">
+              <a:shade val="50000"/>
+            </a:schemeClr>
+          </a:lnRef>
+          <a:fillRef idx="1">
+            <a:schemeClr val="accent1"/>
+          </a:fillRef>
+          <a:effectRef idx="0">
+            <a:schemeClr val="accent1"/>
+          </a:effectRef>
+          <a:fontRef idx="minor">
+            <a:schemeClr val="lt1"/>
+          </a:fontRef>
+        </p:style>
+        <p:txBody>
+          <a:bodyPr rtlCol="0" anchor="ctr"/>
+          <a:lstStyle/>
+          <a:p>
+            <a:pPr algn="ctr"/>
+            <a:r>
+              <a:rPr lang="en-US" altLang="ko-KR" sz="1200" dirty="0" smtClean="0">
+                <a:solidFill>
+                  <a:schemeClr val="bg1">
+                    <a:lumMod val="75000"/>
+                    <a:lumOff val="25000"/>
+                  </a:schemeClr>
+                </a:solidFill>
+              </a:rPr>
+              <a:t>:Link</a:t>
+            </a:r>
+            <a:endParaRPr lang="ko-KR" altLang="en-US" sz="1200" dirty="0">
+              <a:solidFill>
+                <a:schemeClr val="bg1">
+                  <a:lumMod val="75000"/>
+                  <a:lumOff val="25000"/>
+                </a:schemeClr>
+              </a:solidFill>
+            </a:endParaRPr>
+          </a:p>
+        </p:txBody>
+      </p:sp>
+      <p:cxnSp>
+        <p:nvCxnSpPr>
+          <p:cNvPr id="10" name="직선 화살표 연결선 9"/>
+          <p:cNvCxnSpPr/>
+          <p:nvPr/>
+        </p:nvCxnSpPr>
+        <p:spPr>
+          <a:xfrm>
+            <a:off x="1285188" y="5520706"/>
+            <a:ext cx="360040" cy="0"/>
+          </a:xfrm>
+          <a:prstGeom prst="straightConnector1">
+            <a:avLst/>
+          </a:prstGeom>
+          <a:ln>
+            <a:solidFill>
+              <a:schemeClr val="bg1">
+                <a:lumMod val="75000"/>
+                <a:lumOff val="25000"/>
+              </a:schemeClr>
+            </a:solidFill>
+            <a:tailEnd type="triangle"/>
+          </a:ln>
+        </p:spPr>
+        <p:style>
+          <a:lnRef idx="1">
+            <a:schemeClr val="accent1"/>
+          </a:lnRef>
+          <a:fillRef idx="0">
+            <a:schemeClr val="accent1"/>
+          </a:fillRef>
+          <a:effectRef idx="0">
+            <a:schemeClr val="accent1"/>
+          </a:effectRef>
+          <a:fontRef idx="minor">
+            <a:schemeClr val="tx1"/>
+          </a:fontRef>
+        </p:style>
+      </p:cxnSp>
+      <p:sp>
+        <p:nvSpPr>
+          <p:cNvPr id="12" name="직사각형 11"/>
+          <p:cNvSpPr/>
+          <p:nvPr/>
+        </p:nvSpPr>
+        <p:spPr>
+          <a:xfrm>
+            <a:off x="493509" y="5088700"/>
+            <a:ext cx="2138638" cy="359433"/>
+          </a:xfrm>
+          <a:prstGeom prst="rect">
+            <a:avLst/>
+          </a:prstGeom>
+          <a:noFill/>
+          <a:ln w="9525">
+            <a:noFill/>
+          </a:ln>
+        </p:spPr>
+        <p:style>
+          <a:lnRef idx="2">
+            <a:schemeClr val="accent1">
+              <a:shade val="50000"/>
+            </a:schemeClr>
+          </a:lnRef>
+          <a:fillRef idx="1">
+            <a:schemeClr val="accent1"/>
+          </a:fillRef>
+          <a:effectRef idx="0">
+            <a:schemeClr val="accent1"/>
+          </a:effectRef>
+          <a:fontRef idx="minor">
+            <a:schemeClr val="lt1"/>
+          </a:fontRef>
+        </p:style>
+        <p:txBody>
+          <a:bodyPr rot="0" spcFirstLastPara="0" vertOverflow="overflow" horzOverflow="overflow" vert="horz" wrap="square" lIns="91440" tIns="45720" rIns="91440" bIns="45720" numCol="1" spcCol="0" rtlCol="0" fromWordArt="0" anchor="ctr" anchorCtr="0" forceAA="0" compatLnSpc="1">
+            <a:prstTxWarp prst="textNoShape">
+              <a:avLst/>
+            </a:prstTxWarp>
+            <a:noAutofit/>
+          </a:bodyPr>
+          <a:lstStyle/>
+          <a:p>
+            <a:pPr algn="ctr"/>
+            <a:r>
+              <a:rPr lang="en-US" altLang="ko-KR" sz="1200" dirty="0" err="1" smtClean="0">
+                <a:solidFill>
+                  <a:schemeClr val="bg1">
+                    <a:lumMod val="75000"/>
+                    <a:lumOff val="25000"/>
+                  </a:schemeClr>
+                </a:solidFill>
+              </a:rPr>
+              <a:t>controlThing</a:t>
+            </a:r>
+            <a:r>
+              <a:rPr lang="en-US" altLang="ko-KR" sz="1200" dirty="0" smtClean="0">
+                <a:solidFill>
+                  <a:schemeClr val="bg1">
+                    <a:lumMod val="75000"/>
+                    <a:lumOff val="25000"/>
+                  </a:schemeClr>
+                </a:solidFill>
+              </a:rPr>
+              <a:t>(</a:t>
+            </a:r>
+            <a:r>
+              <a:rPr lang="en-US" altLang="ko-KR" sz="1200" dirty="0" err="1" smtClean="0">
+                <a:solidFill>
+                  <a:schemeClr val="bg1">
+                    <a:lumMod val="75000"/>
+                    <a:lumOff val="25000"/>
+                  </a:schemeClr>
+                </a:solidFill>
+              </a:rPr>
+              <a:t>selection,value</a:t>
+            </a:r>
+            <a:r>
+              <a:rPr lang="en-US" altLang="ko-KR" sz="1200" dirty="0" smtClean="0">
+                <a:solidFill>
+                  <a:schemeClr val="bg1">
+                    <a:lumMod val="75000"/>
+                    <a:lumOff val="25000"/>
+                  </a:schemeClr>
+                </a:solidFill>
+              </a:rPr>
+              <a:t>)</a:t>
+            </a:r>
+            <a:endParaRPr lang="ko-KR" altLang="en-US" sz="1200" dirty="0" smtClean="0">
+              <a:solidFill>
+                <a:schemeClr val="bg1">
+                  <a:lumMod val="75000"/>
+                  <a:lumOff val="25000"/>
+                </a:schemeClr>
+              </a:solidFill>
+            </a:endParaRPr>
+          </a:p>
+        </p:txBody>
+      </p:sp>
+      <p:cxnSp>
+        <p:nvCxnSpPr>
+          <p:cNvPr id="23" name="직선 연결선 22"/>
+          <p:cNvCxnSpPr>
+            <a:stCxn id="54" idx="2"/>
+            <a:endCxn id="108" idx="0"/>
+          </p:cNvCxnSpPr>
+          <p:nvPr/>
+        </p:nvCxnSpPr>
+        <p:spPr>
+          <a:xfrm>
+            <a:off x="2596519" y="2398103"/>
+            <a:ext cx="0" cy="1750977"/>
+          </a:xfrm>
+          <a:prstGeom prst="line">
+            <a:avLst/>
+          </a:prstGeom>
+          <a:ln>
+            <a:solidFill>
+              <a:schemeClr val="bg1">
+                <a:lumMod val="75000"/>
+                <a:lumOff val="25000"/>
+              </a:schemeClr>
+            </a:solidFill>
+            <a:tailEnd type="none" w="lg" len="lg"/>
+          </a:ln>
+        </p:spPr>
+        <p:style>
+          <a:lnRef idx="1">
+            <a:schemeClr val="accent1"/>
+          </a:lnRef>
+          <a:fillRef idx="0">
+            <a:schemeClr val="accent1"/>
+          </a:fillRef>
+          <a:effectRef idx="0">
+            <a:schemeClr val="accent1"/>
+          </a:effectRef>
+          <a:fontRef idx="minor">
+            <a:schemeClr val="tx1"/>
+          </a:fontRef>
+        </p:style>
+      </p:cxnSp>
+      <p:cxnSp>
+        <p:nvCxnSpPr>
+          <p:cNvPr id="65" name="직선 연결선 64"/>
+          <p:cNvCxnSpPr>
+            <a:stCxn id="54" idx="3"/>
+            <a:endCxn id="55" idx="1"/>
+          </p:cNvCxnSpPr>
+          <p:nvPr/>
+        </p:nvCxnSpPr>
+        <p:spPr>
+          <a:xfrm>
+            <a:off x="3280595" y="2218387"/>
+            <a:ext cx="2489343" cy="0"/>
+          </a:xfrm>
+          <a:prstGeom prst="line">
+            <a:avLst/>
+          </a:prstGeom>
+          <a:ln>
+            <a:solidFill>
+              <a:schemeClr val="bg1">
+                <a:lumMod val="75000"/>
+                <a:lumOff val="25000"/>
+              </a:schemeClr>
+            </a:solidFill>
+            <a:tailEnd type="none" w="lg" len="lg"/>
+          </a:ln>
+        </p:spPr>
+        <p:style>
+          <a:lnRef idx="1">
+            <a:schemeClr val="accent1"/>
+          </a:lnRef>
+          <a:fillRef idx="0">
+            <a:schemeClr val="accent1"/>
+          </a:fillRef>
+          <a:effectRef idx="0">
+            <a:schemeClr val="accent1"/>
+          </a:effectRef>
+          <a:fontRef idx="minor">
+            <a:schemeClr val="tx1"/>
+          </a:fontRef>
+        </p:style>
+      </p:cxnSp>
+      <p:cxnSp>
+        <p:nvCxnSpPr>
+          <p:cNvPr id="81" name="직선 화살표 연결선 80"/>
+          <p:cNvCxnSpPr/>
+          <p:nvPr/>
+        </p:nvCxnSpPr>
+        <p:spPr>
+          <a:xfrm>
+            <a:off x="4355976" y="2150318"/>
+            <a:ext cx="360040" cy="0"/>
+          </a:xfrm>
+          <a:prstGeom prst="straightConnector1">
+            <a:avLst/>
+          </a:prstGeom>
+          <a:ln>
+            <a:solidFill>
+              <a:schemeClr val="bg1">
+                <a:lumMod val="75000"/>
+                <a:lumOff val="25000"/>
+              </a:schemeClr>
+            </a:solidFill>
+            <a:tailEnd type="arrow"/>
+          </a:ln>
+        </p:spPr>
+        <p:style>
+          <a:lnRef idx="1">
+            <a:schemeClr val="accent1"/>
+          </a:lnRef>
+          <a:fillRef idx="0">
+            <a:schemeClr val="accent1"/>
+          </a:fillRef>
+          <a:effectRef idx="0">
+            <a:schemeClr val="accent1"/>
+          </a:effectRef>
+          <a:fontRef idx="minor">
+            <a:schemeClr val="tx1"/>
+          </a:fontRef>
+        </p:style>
+      </p:cxnSp>
+      <p:sp>
+        <p:nvSpPr>
+          <p:cNvPr id="84" name="직사각형 83"/>
+          <p:cNvSpPr/>
+          <p:nvPr/>
+        </p:nvSpPr>
+        <p:spPr>
+          <a:xfrm>
+            <a:off x="5697930" y="3801227"/>
+            <a:ext cx="1512168" cy="359433"/>
+          </a:xfrm>
+          <a:prstGeom prst="rect">
+            <a:avLst/>
+          </a:prstGeom>
+          <a:solidFill>
+            <a:schemeClr val="tx1"/>
+          </a:solidFill>
+          <a:ln w="9525">
+            <a:solidFill>
+              <a:schemeClr val="bg1">
+                <a:lumMod val="75000"/>
+                <a:lumOff val="25000"/>
+              </a:schemeClr>
+            </a:solidFill>
+          </a:ln>
+        </p:spPr>
+        <p:style>
+          <a:lnRef idx="2">
+            <a:schemeClr val="accent1">
+              <a:shade val="50000"/>
+            </a:schemeClr>
+          </a:lnRef>
+          <a:fillRef idx="1">
+            <a:schemeClr val="accent1"/>
+          </a:fillRef>
+          <a:effectRef idx="0">
+            <a:schemeClr val="accent1"/>
+          </a:effectRef>
+          <a:fontRef idx="minor">
+            <a:schemeClr val="lt1"/>
+          </a:fontRef>
+        </p:style>
+        <p:txBody>
+          <a:bodyPr rtlCol="0" anchor="ctr"/>
+          <a:lstStyle/>
+          <a:p>
+            <a:pPr algn="ctr"/>
+            <a:r>
+              <a:rPr lang="en-US" altLang="ko-KR" sz="1200" dirty="0" smtClean="0">
+                <a:solidFill>
+                  <a:schemeClr val="bg1">
+                    <a:lumMod val="75000"/>
+                    <a:lumOff val="25000"/>
+                  </a:schemeClr>
+                </a:solidFill>
+              </a:rPr>
+              <a:t>:SA-Node(Arduino)</a:t>
+            </a:r>
+            <a:endParaRPr lang="ko-KR" altLang="en-US" sz="1200">
+              <a:solidFill>
+                <a:schemeClr val="bg1">
+                  <a:lumMod val="75000"/>
+                  <a:lumOff val="25000"/>
+                </a:schemeClr>
+              </a:solidFill>
+            </a:endParaRPr>
+          </a:p>
+        </p:txBody>
+      </p:sp>
+      <p:cxnSp>
+        <p:nvCxnSpPr>
+          <p:cNvPr id="85" name="직선 연결선 84"/>
+          <p:cNvCxnSpPr>
+            <a:stCxn id="84" idx="0"/>
+            <a:endCxn id="55" idx="2"/>
+          </p:cNvCxnSpPr>
+          <p:nvPr/>
+        </p:nvCxnSpPr>
+        <p:spPr>
+          <a:xfrm flipV="1">
+            <a:off x="6454014" y="2398103"/>
+            <a:ext cx="0" cy="1403124"/>
+          </a:xfrm>
+          <a:prstGeom prst="line">
+            <a:avLst/>
+          </a:prstGeom>
+          <a:ln>
+            <a:solidFill>
+              <a:schemeClr val="bg1">
+                <a:lumMod val="75000"/>
+                <a:lumOff val="25000"/>
+              </a:schemeClr>
+            </a:solidFill>
+            <a:tailEnd type="none" w="lg" len="lg"/>
+          </a:ln>
+        </p:spPr>
+        <p:style>
+          <a:lnRef idx="1">
+            <a:schemeClr val="accent1"/>
+          </a:lnRef>
+          <a:fillRef idx="0">
+            <a:schemeClr val="accent1"/>
+          </a:fillRef>
+          <a:effectRef idx="0">
+            <a:schemeClr val="accent1"/>
+          </a:effectRef>
+          <a:fontRef idx="minor">
+            <a:schemeClr val="tx1"/>
+          </a:fontRef>
+        </p:style>
+      </p:cxnSp>
+      <p:cxnSp>
+        <p:nvCxnSpPr>
+          <p:cNvPr id="88" name="직선 화살표 연결선 87"/>
+          <p:cNvCxnSpPr/>
+          <p:nvPr/>
+        </p:nvCxnSpPr>
+        <p:spPr>
+          <a:xfrm>
+            <a:off x="6539446" y="2927714"/>
+            <a:ext cx="0" cy="310445"/>
+          </a:xfrm>
+          <a:prstGeom prst="straightConnector1">
+            <a:avLst/>
+          </a:prstGeom>
+          <a:ln>
+            <a:solidFill>
+              <a:schemeClr val="bg1">
+                <a:lumMod val="75000"/>
+                <a:lumOff val="25000"/>
+              </a:schemeClr>
+            </a:solidFill>
+            <a:tailEnd type="arrow"/>
+          </a:ln>
+        </p:spPr>
+        <p:style>
+          <a:lnRef idx="1">
+            <a:schemeClr val="accent1"/>
+          </a:lnRef>
+          <a:fillRef idx="0">
+            <a:schemeClr val="accent1"/>
+          </a:fillRef>
+          <a:effectRef idx="0">
+            <a:schemeClr val="accent1"/>
+          </a:effectRef>
+          <a:fontRef idx="minor">
+            <a:schemeClr val="tx1"/>
+          </a:fontRef>
+        </p:style>
+      </p:cxnSp>
+      <p:sp>
+        <p:nvSpPr>
+          <p:cNvPr id="41" name="직사각형 40"/>
+          <p:cNvSpPr/>
+          <p:nvPr/>
+        </p:nvSpPr>
+        <p:spPr>
+          <a:xfrm>
+            <a:off x="6764492" y="5272257"/>
+            <a:ext cx="1800000" cy="965055"/>
+          </a:xfrm>
+          <a:prstGeom prst="rect">
+            <a:avLst/>
+          </a:prstGeom>
+          <a:solidFill>
+            <a:schemeClr val="tx1"/>
+          </a:solidFill>
+          <a:ln w="9525">
+            <a:solidFill>
+              <a:schemeClr val="bg1">
+                <a:lumMod val="75000"/>
+                <a:lumOff val="25000"/>
+              </a:schemeClr>
+            </a:solidFill>
+          </a:ln>
+        </p:spPr>
+        <p:style>
+          <a:lnRef idx="2">
+            <a:schemeClr val="accent1">
+              <a:shade val="50000"/>
+            </a:schemeClr>
+          </a:lnRef>
+          <a:fillRef idx="1">
+            <a:schemeClr val="accent1"/>
+          </a:fillRef>
+          <a:effectRef idx="0">
+            <a:schemeClr val="accent1"/>
+          </a:effectRef>
+          <a:fontRef idx="minor">
+            <a:schemeClr val="lt1"/>
+          </a:fontRef>
+        </p:style>
+        <p:txBody>
+          <a:bodyPr rot="0" spcFirstLastPara="0" vertOverflow="overflow" horzOverflow="overflow" vert="horz" wrap="square" lIns="91440" tIns="45720" rIns="91440" bIns="45720" numCol="1" spcCol="0" rtlCol="0" fromWordArt="0" anchor="ctr" anchorCtr="0" forceAA="0" compatLnSpc="1">
+            <a:prstTxWarp prst="textNoShape">
+              <a:avLst/>
+            </a:prstTxWarp>
+            <a:noAutofit/>
+          </a:bodyPr>
+          <a:lstStyle/>
+          <a:p>
+            <a:pPr algn="ctr"/>
+            <a:endParaRPr lang="ko-KR" altLang="en-US" sz="1200" dirty="0" smtClean="0">
+              <a:solidFill>
+                <a:schemeClr val="bg1">
+                  <a:lumMod val="75000"/>
+                  <a:lumOff val="25000"/>
+                </a:schemeClr>
+              </a:solidFill>
+            </a:endParaRPr>
+          </a:p>
+        </p:txBody>
+      </p:sp>
+      <p:cxnSp>
+        <p:nvCxnSpPr>
+          <p:cNvPr id="92" name="직선 화살표 연결선 91"/>
+          <p:cNvCxnSpPr/>
+          <p:nvPr/>
+        </p:nvCxnSpPr>
+        <p:spPr>
+          <a:xfrm>
+            <a:off x="6836500" y="5858272"/>
+            <a:ext cx="360040" cy="0"/>
+          </a:xfrm>
+          <a:prstGeom prst="straightConnector1">
+            <a:avLst/>
+          </a:prstGeom>
+          <a:ln>
+            <a:solidFill>
+              <a:schemeClr val="bg1">
+                <a:lumMod val="75000"/>
+                <a:lumOff val="25000"/>
+              </a:schemeClr>
+            </a:solidFill>
+            <a:tailEnd type="arrow"/>
+          </a:ln>
+        </p:spPr>
+        <p:style>
+          <a:lnRef idx="1">
+            <a:schemeClr val="accent1"/>
+          </a:lnRef>
+          <a:fillRef idx="0">
+            <a:schemeClr val="accent1"/>
+          </a:fillRef>
+          <a:effectRef idx="0">
+            <a:schemeClr val="accent1"/>
+          </a:effectRef>
+          <a:fontRef idx="minor">
+            <a:schemeClr val="tx1"/>
+          </a:fontRef>
+        </p:style>
+      </p:cxnSp>
+      <p:cxnSp>
+        <p:nvCxnSpPr>
+          <p:cNvPr id="93" name="직선 화살표 연결선 92"/>
+          <p:cNvCxnSpPr/>
+          <p:nvPr/>
+        </p:nvCxnSpPr>
+        <p:spPr>
+          <a:xfrm>
+            <a:off x="6836500" y="6011788"/>
+            <a:ext cx="360040" cy="0"/>
+          </a:xfrm>
+          <a:prstGeom prst="straightConnector1">
+            <a:avLst/>
+          </a:prstGeom>
+          <a:ln>
+            <a:solidFill>
+              <a:schemeClr val="bg1">
+                <a:lumMod val="75000"/>
+                <a:lumOff val="25000"/>
+              </a:schemeClr>
+            </a:solidFill>
+            <a:tailEnd type="triangle"/>
+          </a:ln>
+        </p:spPr>
+        <p:style>
+          <a:lnRef idx="1">
+            <a:schemeClr val="accent1"/>
+          </a:lnRef>
+          <a:fillRef idx="0">
+            <a:schemeClr val="accent1"/>
+          </a:fillRef>
+          <a:effectRef idx="0">
+            <a:schemeClr val="accent1"/>
+          </a:effectRef>
+          <a:fontRef idx="minor">
+            <a:schemeClr val="tx1"/>
+          </a:fontRef>
+        </p:style>
+      </p:cxnSp>
+      <p:cxnSp>
+        <p:nvCxnSpPr>
+          <p:cNvPr id="95" name="직선 화살표 연결선 94"/>
+          <p:cNvCxnSpPr/>
+          <p:nvPr/>
+        </p:nvCxnSpPr>
+        <p:spPr>
+          <a:xfrm>
+            <a:off x="6836500" y="6165304"/>
+            <a:ext cx="360040" cy="0"/>
+          </a:xfrm>
+          <a:prstGeom prst="straightConnector1">
+            <a:avLst/>
+          </a:prstGeom>
+          <a:ln>
+            <a:solidFill>
+              <a:schemeClr val="bg1">
+                <a:lumMod val="75000"/>
+                <a:lumOff val="25000"/>
+              </a:schemeClr>
+            </a:solidFill>
+            <a:prstDash val="sysDash"/>
+            <a:tailEnd type="triangle"/>
+          </a:ln>
+        </p:spPr>
+        <p:style>
+          <a:lnRef idx="1">
+            <a:schemeClr val="accent1"/>
+          </a:lnRef>
+          <a:fillRef idx="0">
+            <a:schemeClr val="accent1"/>
+          </a:fillRef>
+          <a:effectRef idx="0">
+            <a:schemeClr val="accent1"/>
+          </a:effectRef>
+          <a:fontRef idx="minor">
+            <a:schemeClr val="tx1"/>
+          </a:fontRef>
+        </p:style>
+      </p:cxnSp>
+      <p:sp>
+        <p:nvSpPr>
+          <p:cNvPr id="96" name="직사각형 95"/>
+          <p:cNvSpPr/>
+          <p:nvPr/>
+        </p:nvSpPr>
+        <p:spPr>
+          <a:xfrm>
+            <a:off x="6823248" y="5518988"/>
+            <a:ext cx="360040" cy="90000"/>
+          </a:xfrm>
+          <a:prstGeom prst="rect">
+            <a:avLst/>
+          </a:prstGeom>
+          <a:solidFill>
+            <a:schemeClr val="tx1"/>
+          </a:solidFill>
+          <a:ln w="9525">
+            <a:solidFill>
+              <a:schemeClr val="bg1">
+                <a:lumMod val="75000"/>
+                <a:lumOff val="25000"/>
+              </a:schemeClr>
+            </a:solidFill>
+          </a:ln>
+        </p:spPr>
+        <p:style>
+          <a:lnRef idx="2">
+            <a:schemeClr val="accent1">
+              <a:shade val="50000"/>
+            </a:schemeClr>
+          </a:lnRef>
+          <a:fillRef idx="1">
+            <a:schemeClr val="accent1"/>
+          </a:fillRef>
+          <a:effectRef idx="0">
+            <a:schemeClr val="accent1"/>
+          </a:effectRef>
+          <a:fontRef idx="minor">
+            <a:schemeClr val="lt1"/>
+          </a:fontRef>
+        </p:style>
+        <p:txBody>
+          <a:bodyPr rtlCol="0" anchor="ctr"/>
+          <a:lstStyle/>
+          <a:p>
+            <a:pPr algn="ctr"/>
+            <a:endParaRPr lang="ko-KR" altLang="en-US" sz="1200" dirty="0">
+              <a:solidFill>
+                <a:schemeClr val="bg1">
+                  <a:lumMod val="75000"/>
+                  <a:lumOff val="25000"/>
+                </a:schemeClr>
+              </a:solidFill>
+            </a:endParaRPr>
+          </a:p>
+        </p:txBody>
+      </p:sp>
+      <p:sp>
+        <p:nvSpPr>
+          <p:cNvPr id="43" name="직사각형 42"/>
+          <p:cNvSpPr/>
+          <p:nvPr/>
+        </p:nvSpPr>
+        <p:spPr>
+          <a:xfrm>
+            <a:off x="7164288" y="5294606"/>
+            <a:ext cx="1440160" cy="942706"/>
+          </a:xfrm>
+          <a:prstGeom prst="rect">
+            <a:avLst/>
+          </a:prstGeom>
+          <a:noFill/>
+          <a:ln w="9525">
+            <a:noFill/>
+          </a:ln>
+        </p:spPr>
+        <p:style>
+          <a:lnRef idx="2">
+            <a:schemeClr val="accent1">
+              <a:shade val="50000"/>
+            </a:schemeClr>
+          </a:lnRef>
+          <a:fillRef idx="1">
+            <a:schemeClr val="accent1"/>
+          </a:fillRef>
+          <a:effectRef idx="0">
+            <a:schemeClr val="accent1"/>
+          </a:effectRef>
+          <a:fontRef idx="minor">
+            <a:schemeClr val="lt1"/>
+          </a:fontRef>
+        </p:style>
+        <p:txBody>
+          <a:bodyPr rot="0" spcFirstLastPara="0" vertOverflow="overflow" horzOverflow="overflow" vert="horz" wrap="square" lIns="91440" tIns="45720" rIns="91440" bIns="45720" numCol="1" spcCol="0" rtlCol="0" fromWordArt="0" anchor="ctr" anchorCtr="0" forceAA="0" compatLnSpc="1">
+            <a:prstTxWarp prst="textNoShape">
+              <a:avLst/>
+            </a:prstTxWarp>
+            <a:noAutofit/>
+          </a:bodyPr>
+          <a:lstStyle/>
+          <a:p>
+            <a:r>
+              <a:rPr lang="en-US" altLang="ko-KR" sz="1000" dirty="0" smtClean="0">
+                <a:solidFill>
+                  <a:schemeClr val="bg1">
+                    <a:lumMod val="75000"/>
+                    <a:lumOff val="25000"/>
+                  </a:schemeClr>
+                </a:solidFill>
+              </a:rPr>
+              <a:t>: Note</a:t>
+            </a:r>
+          </a:p>
+          <a:p>
+            <a:r>
+              <a:rPr lang="en-US" altLang="ko-KR" sz="1000" dirty="0" smtClean="0">
+                <a:solidFill>
+                  <a:schemeClr val="bg1">
+                    <a:lumMod val="75000"/>
+                    <a:lumOff val="25000"/>
+                  </a:schemeClr>
+                </a:solidFill>
+              </a:rPr>
+              <a:t>: </a:t>
+            </a:r>
+            <a:r>
+              <a:rPr lang="en-US" altLang="ko-KR" sz="1000" dirty="0" smtClean="0">
+                <a:solidFill>
+                  <a:schemeClr val="bg1">
+                    <a:lumMod val="75000"/>
+                    <a:lumOff val="25000"/>
+                  </a:schemeClr>
+                </a:solidFill>
+              </a:rPr>
+              <a:t>Object</a:t>
+            </a:r>
+            <a:endParaRPr lang="en-US" altLang="ko-KR" sz="1000" dirty="0" smtClean="0">
+              <a:solidFill>
+                <a:schemeClr val="bg1">
+                  <a:lumMod val="75000"/>
+                  <a:lumOff val="25000"/>
+                </a:schemeClr>
+              </a:solidFill>
+            </a:endParaRPr>
+          </a:p>
+          <a:p>
+            <a:r>
+              <a:rPr lang="en-US" altLang="ko-KR" sz="1000" dirty="0" smtClean="0">
+                <a:solidFill>
+                  <a:schemeClr val="bg1">
+                    <a:lumMod val="75000"/>
+                    <a:lumOff val="25000"/>
+                  </a:schemeClr>
+                </a:solidFill>
+              </a:rPr>
+              <a:t>: Link</a:t>
+            </a:r>
+          </a:p>
+          <a:p>
+            <a:r>
+              <a:rPr lang="en-US" altLang="ko-KR" sz="1000" dirty="0" smtClean="0">
+                <a:solidFill>
+                  <a:schemeClr val="bg1">
+                    <a:lumMod val="75000"/>
+                    <a:lumOff val="25000"/>
+                  </a:schemeClr>
+                </a:solidFill>
+              </a:rPr>
+              <a:t>: Asynchronous</a:t>
+            </a:r>
+          </a:p>
+          <a:p>
+            <a:r>
+              <a:rPr lang="en-US" altLang="ko-KR" sz="1000" dirty="0" smtClean="0">
+                <a:solidFill>
+                  <a:schemeClr val="bg1">
+                    <a:lumMod val="75000"/>
+                    <a:lumOff val="25000"/>
+                  </a:schemeClr>
+                </a:solidFill>
+              </a:rPr>
+              <a:t>: Synchronous or Call</a:t>
+            </a:r>
+          </a:p>
+          <a:p>
+            <a:r>
+              <a:rPr lang="en-US" altLang="ko-KR" sz="1000" dirty="0" smtClean="0">
+                <a:solidFill>
+                  <a:schemeClr val="bg1">
+                    <a:lumMod val="75000"/>
+                    <a:lumOff val="25000"/>
+                  </a:schemeClr>
+                </a:solidFill>
+              </a:rPr>
+              <a:t>: Reply</a:t>
+            </a:r>
+          </a:p>
+        </p:txBody>
+      </p:sp>
+      <p:cxnSp>
+        <p:nvCxnSpPr>
+          <p:cNvPr id="46" name="직선 연결선 45"/>
+          <p:cNvCxnSpPr/>
+          <p:nvPr/>
+        </p:nvCxnSpPr>
+        <p:spPr>
+          <a:xfrm>
+            <a:off x="6836500" y="5708496"/>
+            <a:ext cx="346788" cy="0"/>
+          </a:xfrm>
+          <a:prstGeom prst="line">
+            <a:avLst/>
+          </a:prstGeom>
+          <a:ln>
+            <a:solidFill>
+              <a:schemeClr val="bg1">
+                <a:lumMod val="75000"/>
+                <a:lumOff val="25000"/>
+              </a:schemeClr>
+            </a:solidFill>
+            <a:tailEnd type="none" w="lg" len="lg"/>
+          </a:ln>
+        </p:spPr>
+        <p:style>
+          <a:lnRef idx="1">
+            <a:schemeClr val="accent1"/>
+          </a:lnRef>
+          <a:fillRef idx="0">
+            <a:schemeClr val="accent1"/>
+          </a:fillRef>
+          <a:effectRef idx="0">
+            <a:schemeClr val="accent1"/>
+          </a:effectRef>
+          <a:fontRef idx="minor">
+            <a:schemeClr val="tx1"/>
+          </a:fontRef>
+        </p:style>
+      </p:cxnSp>
+      <p:sp>
+        <p:nvSpPr>
+          <p:cNvPr id="108" name="직사각형 107"/>
+          <p:cNvSpPr/>
+          <p:nvPr/>
+        </p:nvSpPr>
+        <p:spPr>
+          <a:xfrm>
+            <a:off x="1912443" y="4149080"/>
+            <a:ext cx="1368152" cy="359433"/>
+          </a:xfrm>
+          <a:prstGeom prst="rect">
+            <a:avLst/>
+          </a:prstGeom>
+          <a:solidFill>
+            <a:schemeClr val="tx1"/>
+          </a:solidFill>
+          <a:ln w="9525">
+            <a:solidFill>
+              <a:schemeClr val="bg1">
+                <a:lumMod val="75000"/>
+                <a:lumOff val="25000"/>
+              </a:schemeClr>
+            </a:solidFill>
+          </a:ln>
+        </p:spPr>
+        <p:style>
+          <a:lnRef idx="2">
+            <a:schemeClr val="accent1">
+              <a:shade val="50000"/>
+            </a:schemeClr>
+          </a:lnRef>
+          <a:fillRef idx="1">
+            <a:schemeClr val="accent1"/>
+          </a:fillRef>
+          <a:effectRef idx="0">
+            <a:schemeClr val="accent1"/>
+          </a:effectRef>
+          <a:fontRef idx="minor">
+            <a:schemeClr val="lt1"/>
+          </a:fontRef>
+        </p:style>
+        <p:txBody>
+          <a:bodyPr rtlCol="0" anchor="ctr"/>
+          <a:lstStyle/>
+          <a:p>
+            <a:pPr algn="ctr"/>
+            <a:r>
+              <a:rPr lang="en-US" altLang="ko-KR" sz="1200" dirty="0" smtClean="0">
+                <a:solidFill>
+                  <a:schemeClr val="bg1">
+                    <a:lumMod val="75000"/>
+                    <a:lumOff val="25000"/>
+                  </a:schemeClr>
+                </a:solidFill>
+              </a:rPr>
+              <a:t>:UI Controller</a:t>
+            </a:r>
+            <a:endParaRPr lang="ko-KR" altLang="en-US" sz="1200">
+              <a:solidFill>
+                <a:schemeClr val="bg1">
+                  <a:lumMod val="75000"/>
+                  <a:lumOff val="25000"/>
+                </a:schemeClr>
+              </a:solidFill>
+            </a:endParaRPr>
+          </a:p>
+        </p:txBody>
+      </p:sp>
+      <p:sp>
+        <p:nvSpPr>
+          <p:cNvPr id="111" name="직사각형 110"/>
+          <p:cNvSpPr/>
+          <p:nvPr/>
+        </p:nvSpPr>
+        <p:spPr>
+          <a:xfrm>
+            <a:off x="2713641" y="2567038"/>
+            <a:ext cx="3419547" cy="563383"/>
+          </a:xfrm>
+          <a:prstGeom prst="rect">
+            <a:avLst/>
+          </a:prstGeom>
+          <a:noFill/>
+          <a:ln w="9525">
+            <a:noFill/>
+          </a:ln>
+        </p:spPr>
+        <p:style>
+          <a:lnRef idx="2">
+            <a:schemeClr val="accent1">
+              <a:shade val="50000"/>
+            </a:schemeClr>
+          </a:lnRef>
+          <a:fillRef idx="1">
+            <a:schemeClr val="accent1"/>
+          </a:fillRef>
+          <a:effectRef idx="0">
+            <a:schemeClr val="accent1"/>
+          </a:effectRef>
+          <a:fontRef idx="minor">
+            <a:schemeClr val="lt1"/>
+          </a:fontRef>
+        </p:style>
+        <p:txBody>
+          <a:bodyPr rot="0" spcFirstLastPara="0" vertOverflow="overflow" horzOverflow="overflow" vert="horz" wrap="square" lIns="91440" tIns="45720" rIns="91440" bIns="45720" numCol="1" spcCol="0" rtlCol="0" fromWordArt="0" anchor="ctr" anchorCtr="0" forceAA="0" compatLnSpc="1">
+            <a:prstTxWarp prst="textNoShape">
+              <a:avLst/>
+            </a:prstTxWarp>
+            <a:noAutofit/>
+          </a:bodyPr>
+          <a:lstStyle/>
+          <a:p>
+            <a:r>
+              <a:rPr lang="en-US" altLang="ko-KR" sz="1200" dirty="0">
+                <a:solidFill>
+                  <a:schemeClr val="bg1">
+                    <a:lumMod val="75000"/>
+                    <a:lumOff val="25000"/>
+                  </a:schemeClr>
+                </a:solidFill>
+              </a:rPr>
+              <a:t>[</a:t>
+            </a:r>
+            <a:r>
+              <a:rPr lang="en-US" altLang="ko-KR" sz="1200" dirty="0" smtClean="0">
+                <a:solidFill>
+                  <a:schemeClr val="bg1">
+                    <a:lumMod val="75000"/>
+                    <a:lumOff val="25000"/>
+                  </a:schemeClr>
+                </a:solidFill>
+              </a:rPr>
+              <a:t>Result=Success]</a:t>
+            </a:r>
+            <a:endParaRPr lang="en-US" altLang="ko-KR" sz="1200" dirty="0">
+              <a:solidFill>
+                <a:schemeClr val="bg1">
+                  <a:lumMod val="75000"/>
+                  <a:lumOff val="25000"/>
+                </a:schemeClr>
+              </a:solidFill>
+            </a:endParaRPr>
+          </a:p>
+          <a:p>
+            <a:r>
+              <a:rPr lang="en-US" altLang="ko-KR" sz="1200" dirty="0" err="1" smtClean="0">
+                <a:solidFill>
+                  <a:schemeClr val="bg1">
+                    <a:lumMod val="75000"/>
+                    <a:lumOff val="25000"/>
+                  </a:schemeClr>
+                </a:solidFill>
+              </a:rPr>
+              <a:t>1.1a</a:t>
+            </a:r>
+            <a:r>
+              <a:rPr lang="en-US" altLang="ko-KR" sz="1200" dirty="0" smtClean="0">
+                <a:solidFill>
+                  <a:schemeClr val="bg1">
+                    <a:lumMod val="75000"/>
+                    <a:lumOff val="25000"/>
+                  </a:schemeClr>
+                </a:solidFill>
+              </a:rPr>
+              <a:t> </a:t>
+            </a:r>
+            <a:r>
+              <a:rPr lang="en-US" altLang="ko-KR" sz="1200" dirty="0" smtClean="0">
+                <a:solidFill>
+                  <a:schemeClr val="bg1">
+                    <a:lumMod val="75000"/>
+                    <a:lumOff val="25000"/>
+                  </a:schemeClr>
+                </a:solidFill>
+              </a:rPr>
+              <a:t>: </a:t>
+            </a:r>
+            <a:r>
+              <a:rPr lang="en-US" altLang="ko-KR" sz="1200" dirty="0" err="1" smtClean="0">
+                <a:solidFill>
+                  <a:schemeClr val="bg1">
+                    <a:lumMod val="75000"/>
+                    <a:lumOff val="25000"/>
+                  </a:schemeClr>
+                </a:solidFill>
+              </a:rPr>
+              <a:t>ActionControl</a:t>
+            </a:r>
+            <a:r>
+              <a:rPr lang="en-US" altLang="ko-KR" sz="1200" dirty="0" smtClean="0">
+                <a:solidFill>
+                  <a:schemeClr val="bg1">
+                    <a:lumMod val="75000"/>
+                    <a:lumOff val="25000"/>
+                  </a:schemeClr>
+                </a:solidFill>
+              </a:rPr>
+              <a:t>(</a:t>
+            </a:r>
+            <a:r>
+              <a:rPr lang="en-US" altLang="ko-KR" sz="1200" dirty="0" err="1" smtClean="0">
+                <a:solidFill>
+                  <a:schemeClr val="bg1">
+                    <a:lumMod val="75000"/>
+                    <a:lumOff val="25000"/>
+                  </a:schemeClr>
+                </a:solidFill>
+              </a:rPr>
+              <a:t>nodeid,thingid,type,value</a:t>
+            </a:r>
+            <a:r>
+              <a:rPr lang="en-US" altLang="ko-KR" sz="1200" dirty="0">
+                <a:solidFill>
+                  <a:schemeClr val="bg1">
+                    <a:lumMod val="75000"/>
+                    <a:lumOff val="25000"/>
+                  </a:schemeClr>
+                </a:solidFill>
+              </a:rPr>
+              <a:t>)</a:t>
+            </a:r>
+            <a:endParaRPr lang="ko-KR" altLang="en-US" sz="1200" dirty="0" smtClean="0">
+              <a:solidFill>
+                <a:schemeClr val="bg1">
+                  <a:lumMod val="75000"/>
+                  <a:lumOff val="25000"/>
+                </a:schemeClr>
+              </a:solidFill>
+            </a:endParaRPr>
+          </a:p>
+        </p:txBody>
+      </p:sp>
+      <p:cxnSp>
+        <p:nvCxnSpPr>
+          <p:cNvPr id="112" name="직선 화살표 연결선 111"/>
+          <p:cNvCxnSpPr/>
+          <p:nvPr/>
+        </p:nvCxnSpPr>
+        <p:spPr>
+          <a:xfrm flipV="1">
+            <a:off x="2718792" y="2670166"/>
+            <a:ext cx="0" cy="326179"/>
+          </a:xfrm>
+          <a:prstGeom prst="straightConnector1">
+            <a:avLst/>
+          </a:prstGeom>
+          <a:ln>
+            <a:solidFill>
+              <a:schemeClr val="bg1">
+                <a:lumMod val="75000"/>
+                <a:lumOff val="25000"/>
+              </a:schemeClr>
+            </a:solidFill>
+            <a:tailEnd type="arrow"/>
+          </a:ln>
+        </p:spPr>
+        <p:style>
+          <a:lnRef idx="1">
+            <a:schemeClr val="accent1"/>
+          </a:lnRef>
+          <a:fillRef idx="0">
+            <a:schemeClr val="accent1"/>
+          </a:fillRef>
+          <a:effectRef idx="0">
+            <a:schemeClr val="accent1"/>
+          </a:effectRef>
+          <a:fontRef idx="minor">
+            <a:schemeClr val="tx1"/>
+          </a:fontRef>
+        </p:style>
+      </p:cxnSp>
+      <p:sp>
+        <p:nvSpPr>
+          <p:cNvPr id="120" name="직사각형 119"/>
+          <p:cNvSpPr/>
+          <p:nvPr/>
+        </p:nvSpPr>
+        <p:spPr>
+          <a:xfrm>
+            <a:off x="2192770" y="5445831"/>
+            <a:ext cx="806349" cy="359433"/>
+          </a:xfrm>
+          <a:prstGeom prst="rect">
+            <a:avLst/>
+          </a:prstGeom>
+          <a:solidFill>
+            <a:schemeClr val="tx1"/>
+          </a:solidFill>
+          <a:ln w="9525">
+            <a:solidFill>
+              <a:schemeClr val="bg1">
+                <a:lumMod val="75000"/>
+                <a:lumOff val="25000"/>
+              </a:schemeClr>
+            </a:solidFill>
+          </a:ln>
+        </p:spPr>
+        <p:style>
+          <a:lnRef idx="2">
+            <a:schemeClr val="accent1">
+              <a:shade val="50000"/>
+            </a:schemeClr>
+          </a:lnRef>
+          <a:fillRef idx="1">
+            <a:schemeClr val="accent1"/>
+          </a:fillRef>
+          <a:effectRef idx="0">
+            <a:schemeClr val="accent1"/>
+          </a:effectRef>
+          <a:fontRef idx="minor">
+            <a:schemeClr val="lt1"/>
+          </a:fontRef>
+        </p:style>
+        <p:txBody>
+          <a:bodyPr rtlCol="0" anchor="ctr"/>
+          <a:lstStyle/>
+          <a:p>
+            <a:pPr algn="ctr"/>
+            <a:r>
+              <a:rPr lang="en-US" altLang="ko-KR" sz="1200" dirty="0" smtClean="0">
+                <a:solidFill>
+                  <a:schemeClr val="bg1">
+                    <a:lumMod val="75000"/>
+                    <a:lumOff val="25000"/>
+                  </a:schemeClr>
+                </a:solidFill>
+              </a:rPr>
+              <a:t>:UI View</a:t>
+            </a:r>
+            <a:endParaRPr lang="ko-KR" altLang="en-US" sz="1200">
+              <a:solidFill>
+                <a:schemeClr val="bg1">
+                  <a:lumMod val="75000"/>
+                  <a:lumOff val="25000"/>
+                </a:schemeClr>
+              </a:solidFill>
+            </a:endParaRPr>
+          </a:p>
+        </p:txBody>
+      </p:sp>
+      <p:cxnSp>
+        <p:nvCxnSpPr>
+          <p:cNvPr id="123" name="직선 연결선 122"/>
+          <p:cNvCxnSpPr>
+            <a:stCxn id="108" idx="2"/>
+            <a:endCxn id="120" idx="0"/>
+          </p:cNvCxnSpPr>
+          <p:nvPr/>
+        </p:nvCxnSpPr>
+        <p:spPr>
+          <a:xfrm flipH="1">
+            <a:off x="2595945" y="4508513"/>
+            <a:ext cx="574" cy="937318"/>
+          </a:xfrm>
+          <a:prstGeom prst="line">
+            <a:avLst/>
+          </a:prstGeom>
+          <a:ln>
+            <a:solidFill>
+              <a:schemeClr val="bg1">
+                <a:lumMod val="75000"/>
+                <a:lumOff val="25000"/>
+              </a:schemeClr>
+            </a:solidFill>
+            <a:tailEnd type="none" w="lg" len="lg"/>
+          </a:ln>
+        </p:spPr>
+        <p:style>
+          <a:lnRef idx="1">
+            <a:schemeClr val="accent1"/>
+          </a:lnRef>
+          <a:fillRef idx="0">
+            <a:schemeClr val="accent1"/>
+          </a:fillRef>
+          <a:effectRef idx="0">
+            <a:schemeClr val="accent1"/>
+          </a:effectRef>
+          <a:fontRef idx="minor">
+            <a:schemeClr val="tx1"/>
+          </a:fontRef>
+        </p:style>
+      </p:cxnSp>
+      <p:cxnSp>
+        <p:nvCxnSpPr>
+          <p:cNvPr id="128" name="직선 연결선 127"/>
+          <p:cNvCxnSpPr>
+            <a:stCxn id="120" idx="1"/>
+          </p:cNvCxnSpPr>
+          <p:nvPr/>
+        </p:nvCxnSpPr>
+        <p:spPr>
+          <a:xfrm flipH="1" flipV="1">
+            <a:off x="860435" y="5625546"/>
+            <a:ext cx="1332335" cy="2"/>
+          </a:xfrm>
+          <a:prstGeom prst="line">
+            <a:avLst/>
+          </a:prstGeom>
+          <a:ln>
+            <a:solidFill>
+              <a:schemeClr val="bg1">
+                <a:lumMod val="75000"/>
+                <a:lumOff val="25000"/>
+              </a:schemeClr>
+            </a:solidFill>
+            <a:tailEnd type="none" w="lg" len="lg"/>
+          </a:ln>
+        </p:spPr>
+        <p:style>
+          <a:lnRef idx="1">
+            <a:schemeClr val="accent1"/>
+          </a:lnRef>
+          <a:fillRef idx="0">
+            <a:schemeClr val="accent1"/>
+          </a:fillRef>
+          <a:effectRef idx="0">
+            <a:schemeClr val="accent1"/>
+          </a:effectRef>
+          <a:fontRef idx="minor">
+            <a:schemeClr val="tx1"/>
+          </a:fontRef>
+        </p:style>
+      </p:cxnSp>
+      <p:grpSp>
+        <p:nvGrpSpPr>
+          <p:cNvPr id="163" name="그룹 162"/>
+          <p:cNvGrpSpPr/>
+          <p:nvPr/>
+        </p:nvGrpSpPr>
+        <p:grpSpPr>
+          <a:xfrm>
+            <a:off x="6823249" y="5302491"/>
+            <a:ext cx="409744" cy="139871"/>
+            <a:chOff x="6751241" y="5064193"/>
+            <a:chExt cx="409744" cy="139871"/>
+          </a:xfrm>
+        </p:grpSpPr>
+        <p:sp>
+          <p:nvSpPr>
+            <p:cNvPr id="161" name="한쪽 모서리가 잘린 사각형 160"/>
+            <p:cNvSpPr/>
+            <p:nvPr/>
+          </p:nvSpPr>
+          <p:spPr>
+            <a:xfrm>
+              <a:off x="6751241" y="5096064"/>
+              <a:ext cx="361410" cy="108000"/>
+            </a:xfrm>
+            <a:prstGeom prst="snip1Rect">
+              <a:avLst>
+                <a:gd name="adj" fmla="val 43048"/>
+              </a:avLst>
+            </a:prstGeom>
+            <a:solidFill>
+              <a:schemeClr val="tx1">
+                <a:lumMod val="85000"/>
+              </a:schemeClr>
+            </a:solidFill>
+            <a:ln w="9525">
+              <a:solidFill>
+                <a:schemeClr val="bg1">
+                  <a:lumMod val="75000"/>
+                  <a:lumOff val="25000"/>
+                </a:schemeClr>
+              </a:solidFill>
+            </a:ln>
+          </p:spPr>
+          <p:style>
+            <a:lnRef idx="2">
+              <a:schemeClr val="accent1">
+                <a:shade val="50000"/>
+              </a:schemeClr>
+            </a:lnRef>
+            <a:fillRef idx="1">
+              <a:schemeClr val="accent1"/>
+            </a:fillRef>
+            <a:effectRef idx="0">
+              <a:schemeClr val="accent1"/>
+            </a:effectRef>
+            <a:fontRef idx="minor">
+              <a:schemeClr val="lt1"/>
+            </a:fontRef>
+          </p:style>
+          <p:txBody>
+            <a:bodyPr rot="0" spcFirstLastPara="0" vertOverflow="overflow" horzOverflow="overflow" vert="horz" wrap="square" lIns="91440" tIns="45720" rIns="91440" bIns="45720" numCol="1" spcCol="0" rtlCol="0" fromWordArt="0" anchor="ctr" anchorCtr="0" forceAA="0" compatLnSpc="1">
+              <a:prstTxWarp prst="textNoShape">
+                <a:avLst/>
+              </a:prstTxWarp>
+              <a:noAutofit/>
+            </a:bodyPr>
+            <a:lstStyle/>
+            <a:p>
+              <a:pPr algn="ctr"/>
+              <a:endParaRPr lang="ko-KR" altLang="en-US" sz="1200" dirty="0" smtClean="0">
+                <a:solidFill>
+                  <a:schemeClr val="bg1">
+                    <a:lumMod val="75000"/>
+                    <a:lumOff val="25000"/>
+                  </a:schemeClr>
+                </a:solidFill>
+              </a:endParaRPr>
+            </a:p>
+          </p:txBody>
+        </p:sp>
+        <p:sp>
+          <p:nvSpPr>
+            <p:cNvPr id="162" name="직각 삼각형 161"/>
+            <p:cNvSpPr/>
+            <p:nvPr/>
+          </p:nvSpPr>
+          <p:spPr>
+            <a:xfrm>
+              <a:off x="7052985" y="5064193"/>
+              <a:ext cx="108000" cy="108000"/>
+            </a:xfrm>
+            <a:prstGeom prst="rtTriangle">
+              <a:avLst/>
+            </a:prstGeom>
+            <a:solidFill>
+              <a:schemeClr val="bg1">
+                <a:lumMod val="50000"/>
+                <a:lumOff val="50000"/>
+              </a:schemeClr>
+            </a:solidFill>
+            <a:ln w="9525">
+              <a:solidFill>
+                <a:schemeClr val="tx1"/>
+              </a:solidFill>
+            </a:ln>
+          </p:spPr>
+          <p:style>
+            <a:lnRef idx="2">
+              <a:schemeClr val="accent1">
+                <a:shade val="50000"/>
+              </a:schemeClr>
+            </a:lnRef>
+            <a:fillRef idx="1">
+              <a:schemeClr val="accent1"/>
+            </a:fillRef>
+            <a:effectRef idx="0">
+              <a:schemeClr val="accent1"/>
+            </a:effectRef>
+            <a:fontRef idx="minor">
+              <a:schemeClr val="lt1"/>
+            </a:fontRef>
+          </p:style>
+          <p:txBody>
+            <a:bodyPr rot="0" spcFirstLastPara="0" vertOverflow="overflow" horzOverflow="overflow" vert="horz" wrap="square" lIns="91440" tIns="45720" rIns="91440" bIns="45720" numCol="1" spcCol="0" rtlCol="0" fromWordArt="0" anchor="ctr" anchorCtr="0" forceAA="0" compatLnSpc="1">
+              <a:prstTxWarp prst="textNoShape">
+                <a:avLst/>
+              </a:prstTxWarp>
+              <a:noAutofit/>
+            </a:bodyPr>
+            <a:lstStyle/>
+            <a:p>
+              <a:pPr algn="ctr"/>
+              <a:endParaRPr lang="ko-KR" altLang="en-US" sz="1200" dirty="0" smtClean="0">
+                <a:solidFill>
+                  <a:schemeClr val="bg1">
+                    <a:lumMod val="75000"/>
+                    <a:lumOff val="25000"/>
+                  </a:schemeClr>
+                </a:solidFill>
+              </a:endParaRPr>
+            </a:p>
+          </p:txBody>
+        </p:sp>
+      </p:grpSp>
+      <p:sp>
+        <p:nvSpPr>
+          <p:cNvPr id="168" name="직사각형 167"/>
+          <p:cNvSpPr/>
+          <p:nvPr/>
+        </p:nvSpPr>
+        <p:spPr>
+          <a:xfrm>
+            <a:off x="2545553" y="4653136"/>
+            <a:ext cx="2592288" cy="359433"/>
+          </a:xfrm>
+          <a:prstGeom prst="rect">
+            <a:avLst/>
+          </a:prstGeom>
+          <a:noFill/>
+          <a:ln w="9525">
+            <a:noFill/>
+          </a:ln>
+        </p:spPr>
+        <p:style>
+          <a:lnRef idx="2">
+            <a:schemeClr val="accent1">
+              <a:shade val="50000"/>
+            </a:schemeClr>
+          </a:lnRef>
+          <a:fillRef idx="1">
+            <a:schemeClr val="accent1"/>
+          </a:fillRef>
+          <a:effectRef idx="0">
+            <a:schemeClr val="accent1"/>
+          </a:effectRef>
+          <a:fontRef idx="minor">
+            <a:schemeClr val="lt1"/>
+          </a:fontRef>
+        </p:style>
+        <p:txBody>
+          <a:bodyPr rot="0" spcFirstLastPara="0" vertOverflow="overflow" horzOverflow="overflow" vert="horz" wrap="square" lIns="91440" tIns="45720" rIns="91440" bIns="45720" numCol="1" spcCol="0" rtlCol="0" fromWordArt="0" anchor="ctr" anchorCtr="0" forceAA="0" compatLnSpc="1">
+            <a:prstTxWarp prst="textNoShape">
+              <a:avLst/>
+            </a:prstTxWarp>
+            <a:noAutofit/>
+          </a:bodyPr>
+          <a:lstStyle/>
+          <a:p>
+            <a:pPr algn="ctr"/>
+            <a:r>
+              <a:rPr lang="en-US" altLang="ko-KR" sz="1200" dirty="0" smtClean="0">
+                <a:solidFill>
+                  <a:schemeClr val="bg1">
+                    <a:lumMod val="75000"/>
+                    <a:lumOff val="25000"/>
+                  </a:schemeClr>
+                </a:solidFill>
+              </a:rPr>
+              <a:t>1: </a:t>
+            </a:r>
+            <a:r>
+              <a:rPr lang="en-US" altLang="ko-KR" sz="1200" dirty="0" err="1" smtClean="0">
+                <a:solidFill>
+                  <a:schemeClr val="bg1">
+                    <a:lumMod val="75000"/>
+                    <a:lumOff val="25000"/>
+                  </a:schemeClr>
+                </a:solidFill>
+              </a:rPr>
+              <a:t>controlThing</a:t>
+            </a:r>
+            <a:r>
+              <a:rPr lang="en-US" altLang="ko-KR" sz="1200" dirty="0" smtClean="0">
+                <a:solidFill>
+                  <a:schemeClr val="bg1">
+                    <a:lumMod val="75000"/>
+                    <a:lumOff val="25000"/>
+                  </a:schemeClr>
+                </a:solidFill>
+              </a:rPr>
+              <a:t>(</a:t>
+            </a:r>
+            <a:r>
+              <a:rPr lang="en-US" altLang="ko-KR" sz="1200" dirty="0" err="1" smtClean="0">
+                <a:solidFill>
+                  <a:schemeClr val="bg1">
+                    <a:lumMod val="75000"/>
+                    <a:lumOff val="25000"/>
+                  </a:schemeClr>
+                </a:solidFill>
+              </a:rPr>
+              <a:t>nodeid,thingid</a:t>
+            </a:r>
+            <a:endParaRPr lang="en-US" altLang="ko-KR" sz="1200" dirty="0" smtClean="0">
+              <a:solidFill>
+                <a:schemeClr val="bg1">
+                  <a:lumMod val="75000"/>
+                  <a:lumOff val="25000"/>
+                </a:schemeClr>
+              </a:solidFill>
+            </a:endParaRPr>
+          </a:p>
+          <a:p>
+            <a:pPr algn="ctr"/>
+            <a:r>
+              <a:rPr lang="en-US" altLang="ko-KR" sz="1200" dirty="0" smtClean="0">
+                <a:solidFill>
+                  <a:schemeClr val="bg1">
+                    <a:lumMod val="75000"/>
+                    <a:lumOff val="25000"/>
+                  </a:schemeClr>
+                </a:solidFill>
+              </a:rPr>
+              <a:t>,</a:t>
+            </a:r>
+            <a:r>
+              <a:rPr lang="en-US" altLang="ko-KR" sz="1200" dirty="0" err="1" smtClean="0">
+                <a:solidFill>
+                  <a:schemeClr val="bg1">
+                    <a:lumMod val="75000"/>
+                    <a:lumOff val="25000"/>
+                  </a:schemeClr>
+                </a:solidFill>
+              </a:rPr>
+              <a:t>type,value</a:t>
+            </a:r>
+            <a:r>
+              <a:rPr lang="en-US" altLang="ko-KR" sz="1200" dirty="0" smtClean="0">
+                <a:solidFill>
+                  <a:schemeClr val="bg1">
+                    <a:lumMod val="75000"/>
+                    <a:lumOff val="25000"/>
+                  </a:schemeClr>
+                </a:solidFill>
+              </a:rPr>
+              <a:t>)</a:t>
+            </a:r>
+            <a:endParaRPr lang="ko-KR" altLang="en-US" sz="1200" dirty="0" smtClean="0">
+              <a:solidFill>
+                <a:schemeClr val="bg1">
+                  <a:lumMod val="75000"/>
+                  <a:lumOff val="25000"/>
+                </a:schemeClr>
+              </a:solidFill>
+            </a:endParaRPr>
+          </a:p>
+        </p:txBody>
+      </p:sp>
+      <p:cxnSp>
+        <p:nvCxnSpPr>
+          <p:cNvPr id="169" name="직선 화살표 연결선 168"/>
+          <p:cNvCxnSpPr/>
+          <p:nvPr/>
+        </p:nvCxnSpPr>
+        <p:spPr>
+          <a:xfrm flipV="1">
+            <a:off x="2698844" y="4614382"/>
+            <a:ext cx="0" cy="326179"/>
+          </a:xfrm>
+          <a:prstGeom prst="straightConnector1">
+            <a:avLst/>
+          </a:prstGeom>
+          <a:ln>
+            <a:solidFill>
+              <a:schemeClr val="bg1">
+                <a:lumMod val="75000"/>
+                <a:lumOff val="25000"/>
+              </a:schemeClr>
+            </a:solidFill>
+            <a:tailEnd type="triangle"/>
+          </a:ln>
+        </p:spPr>
+        <p:style>
+          <a:lnRef idx="1">
+            <a:schemeClr val="accent1"/>
+          </a:lnRef>
+          <a:fillRef idx="0">
+            <a:schemeClr val="accent1"/>
+          </a:fillRef>
+          <a:effectRef idx="0">
+            <a:schemeClr val="accent1"/>
+          </a:effectRef>
+          <a:fontRef idx="minor">
+            <a:schemeClr val="tx1"/>
+          </a:fontRef>
+        </p:style>
+      </p:cxnSp>
+      <p:grpSp>
+        <p:nvGrpSpPr>
+          <p:cNvPr id="56" name="그룹 55"/>
+          <p:cNvGrpSpPr/>
+          <p:nvPr/>
+        </p:nvGrpSpPr>
+        <p:grpSpPr>
+          <a:xfrm>
+            <a:off x="6133189" y="4433936"/>
+            <a:ext cx="1463147" cy="435224"/>
+            <a:chOff x="5983459" y="4477352"/>
+            <a:chExt cx="1209431" cy="562201"/>
+          </a:xfrm>
+        </p:grpSpPr>
+        <p:sp>
+          <p:nvSpPr>
+            <p:cNvPr id="57" name="한쪽 모서리가 잘린 사각형 56"/>
+            <p:cNvSpPr/>
+            <p:nvPr/>
+          </p:nvSpPr>
+          <p:spPr>
+            <a:xfrm>
+              <a:off x="5983459" y="4502100"/>
+              <a:ext cx="1155381" cy="537453"/>
+            </a:xfrm>
+            <a:prstGeom prst="snip1Rect">
+              <a:avLst>
+                <a:gd name="adj" fmla="val 43048"/>
+              </a:avLst>
+            </a:prstGeom>
+            <a:solidFill>
+              <a:schemeClr val="tx1">
+                <a:lumMod val="75000"/>
+              </a:schemeClr>
+            </a:solidFill>
+            <a:ln w="9525">
+              <a:solidFill>
+                <a:schemeClr val="bg1">
+                  <a:lumMod val="75000"/>
+                  <a:lumOff val="25000"/>
+                </a:schemeClr>
+              </a:solidFill>
+            </a:ln>
+          </p:spPr>
+          <p:style>
+            <a:lnRef idx="2">
+              <a:schemeClr val="accent1">
+                <a:shade val="50000"/>
+              </a:schemeClr>
+            </a:lnRef>
+            <a:fillRef idx="1">
+              <a:schemeClr val="accent1"/>
+            </a:fillRef>
+            <a:effectRef idx="0">
+              <a:schemeClr val="accent1"/>
+            </a:effectRef>
+            <a:fontRef idx="minor">
+              <a:schemeClr val="lt1"/>
+            </a:fontRef>
+          </p:style>
+          <p:txBody>
+            <a:bodyPr rot="0" spcFirstLastPara="0" vertOverflow="overflow" horzOverflow="overflow" vert="horz" wrap="square" lIns="91440" tIns="45720" rIns="91440" bIns="45720" numCol="1" spcCol="0" rtlCol="0" fromWordArt="0" anchor="b" anchorCtr="0" forceAA="0" compatLnSpc="1">
+              <a:prstTxWarp prst="textNoShape">
+                <a:avLst/>
+              </a:prstTxWarp>
+              <a:noAutofit/>
+            </a:bodyPr>
+            <a:lstStyle/>
+            <a:p>
+              <a:r>
+                <a:rPr lang="en-US" altLang="ko-KR" sz="1000" b="1" dirty="0" smtClean="0">
+                  <a:solidFill>
+                    <a:schemeClr val="bg1">
+                      <a:lumMod val="75000"/>
+                      <a:lumOff val="25000"/>
+                    </a:schemeClr>
+                  </a:solidFill>
+                </a:rPr>
+                <a:t>Sa-Node</a:t>
+              </a:r>
+            </a:p>
+            <a:p>
+              <a:r>
+                <a:rPr lang="en-US" altLang="ko-KR" sz="1000" dirty="0" smtClean="0">
+                  <a:solidFill>
+                    <a:schemeClr val="bg1">
+                      <a:lumMod val="75000"/>
+                      <a:lumOff val="25000"/>
+                    </a:schemeClr>
+                  </a:solidFill>
+                </a:rPr>
+                <a:t>control actuator</a:t>
+              </a:r>
+              <a:endParaRPr lang="ko-KR" altLang="en-US" sz="1000" dirty="0" smtClean="0">
+                <a:solidFill>
+                  <a:schemeClr val="bg1">
+                    <a:lumMod val="75000"/>
+                    <a:lumOff val="25000"/>
+                  </a:schemeClr>
+                </a:solidFill>
+              </a:endParaRPr>
+            </a:p>
+          </p:txBody>
+        </p:sp>
+        <p:sp>
+          <p:nvSpPr>
+            <p:cNvPr id="58" name="직각 삼각형 57"/>
+            <p:cNvSpPr/>
+            <p:nvPr/>
+          </p:nvSpPr>
+          <p:spPr>
+            <a:xfrm>
+              <a:off x="6974360" y="4477352"/>
+              <a:ext cx="218530" cy="257075"/>
+            </a:xfrm>
+            <a:prstGeom prst="rtTriangle">
+              <a:avLst/>
+            </a:prstGeom>
+            <a:solidFill>
+              <a:schemeClr val="bg1">
+                <a:lumMod val="50000"/>
+                <a:lumOff val="50000"/>
+              </a:schemeClr>
+            </a:solidFill>
+            <a:ln w="9525">
+              <a:solidFill>
+                <a:schemeClr val="tx1"/>
+              </a:solidFill>
+            </a:ln>
+          </p:spPr>
+          <p:style>
+            <a:lnRef idx="2">
+              <a:schemeClr val="accent1">
+                <a:shade val="50000"/>
+              </a:schemeClr>
+            </a:lnRef>
+            <a:fillRef idx="1">
+              <a:schemeClr val="accent1"/>
+            </a:fillRef>
+            <a:effectRef idx="0">
+              <a:schemeClr val="accent1"/>
+            </a:effectRef>
+            <a:fontRef idx="minor">
+              <a:schemeClr val="lt1"/>
+            </a:fontRef>
+          </p:style>
+          <p:txBody>
+            <a:bodyPr rot="0" spcFirstLastPara="0" vertOverflow="overflow" horzOverflow="overflow" vert="horz" wrap="square" lIns="91440" tIns="45720" rIns="91440" bIns="45720" numCol="1" spcCol="0" rtlCol="0" fromWordArt="0" anchor="ctr" anchorCtr="0" forceAA="0" compatLnSpc="1">
+              <a:prstTxWarp prst="textNoShape">
+                <a:avLst/>
+              </a:prstTxWarp>
+              <a:noAutofit/>
+            </a:bodyPr>
+            <a:lstStyle/>
+            <a:p>
+              <a:pPr algn="ctr"/>
+              <a:endParaRPr lang="ko-KR" altLang="en-US" sz="1200" dirty="0" smtClean="0">
+                <a:solidFill>
+                  <a:schemeClr val="bg1">
+                    <a:lumMod val="75000"/>
+                    <a:lumOff val="25000"/>
+                  </a:schemeClr>
+                </a:solidFill>
+              </a:endParaRPr>
+            </a:p>
+          </p:txBody>
+        </p:sp>
+      </p:grpSp>
+      <p:cxnSp>
+        <p:nvCxnSpPr>
+          <p:cNvPr id="6" name="직선 연결선 5"/>
+          <p:cNvCxnSpPr>
+            <a:stCxn id="57" idx="3"/>
+            <a:endCxn id="84" idx="2"/>
+          </p:cNvCxnSpPr>
+          <p:nvPr/>
+        </p:nvCxnSpPr>
+        <p:spPr>
+          <a:xfrm flipH="1" flipV="1">
+            <a:off x="6454014" y="4160660"/>
+            <a:ext cx="378054" cy="292434"/>
+          </a:xfrm>
+          <a:prstGeom prst="line">
+            <a:avLst/>
+          </a:prstGeom>
+          <a:ln>
+            <a:solidFill>
+              <a:schemeClr val="bg1">
+                <a:lumMod val="75000"/>
+                <a:lumOff val="25000"/>
+              </a:schemeClr>
+            </a:solidFill>
+            <a:prstDash val="dash"/>
+            <a:tailEnd type="none" w="lg" len="lg"/>
+          </a:ln>
+        </p:spPr>
+        <p:style>
+          <a:lnRef idx="1">
+            <a:schemeClr val="accent1"/>
+          </a:lnRef>
+          <a:fillRef idx="0">
+            <a:schemeClr val="accent1"/>
+          </a:fillRef>
+          <a:effectRef idx="0">
+            <a:schemeClr val="accent1"/>
+          </a:effectRef>
+          <a:fontRef idx="minor">
+            <a:schemeClr val="tx1"/>
+          </a:fontRef>
+        </p:style>
+      </p:cxnSp>
+      <p:sp>
+        <p:nvSpPr>
+          <p:cNvPr id="62" name="직사각형 61"/>
+          <p:cNvSpPr/>
+          <p:nvPr/>
+        </p:nvSpPr>
+        <p:spPr>
+          <a:xfrm>
+            <a:off x="1911868" y="3179400"/>
+            <a:ext cx="1368152" cy="359433"/>
+          </a:xfrm>
+          <a:prstGeom prst="rect">
+            <a:avLst/>
+          </a:prstGeom>
+          <a:solidFill>
+            <a:schemeClr val="tx1"/>
+          </a:solidFill>
+          <a:ln w="9525">
+            <a:solidFill>
+              <a:schemeClr val="bg1">
+                <a:lumMod val="75000"/>
+                <a:lumOff val="25000"/>
+              </a:schemeClr>
+            </a:solidFill>
+          </a:ln>
+        </p:spPr>
+        <p:style>
+          <a:lnRef idx="2">
+            <a:schemeClr val="accent1">
+              <a:shade val="50000"/>
+            </a:schemeClr>
+          </a:lnRef>
+          <a:fillRef idx="1">
+            <a:schemeClr val="accent1"/>
+          </a:fillRef>
+          <a:effectRef idx="0">
+            <a:schemeClr val="accent1"/>
+          </a:effectRef>
+          <a:fontRef idx="minor">
+            <a:schemeClr val="lt1"/>
+          </a:fontRef>
+        </p:style>
+        <p:txBody>
+          <a:bodyPr rtlCol="0" anchor="ctr"/>
+          <a:lstStyle/>
+          <a:p>
+            <a:pPr algn="ctr"/>
+            <a:r>
+              <a:rPr lang="en-US" altLang="ko-KR" sz="1200" dirty="0" smtClean="0">
+                <a:solidFill>
+                  <a:schemeClr val="bg1">
+                    <a:lumMod val="75000"/>
+                    <a:lumOff val="25000"/>
+                  </a:schemeClr>
+                </a:solidFill>
+              </a:rPr>
+              <a:t>:</a:t>
+            </a:r>
+            <a:r>
+              <a:rPr lang="en-US" altLang="ko-KR" sz="1200" dirty="0" err="1" smtClean="0">
+                <a:solidFill>
+                  <a:schemeClr val="bg1">
+                    <a:lumMod val="75000"/>
+                    <a:lumOff val="25000"/>
+                  </a:schemeClr>
+                </a:solidFill>
+              </a:rPr>
+              <a:t>Rule</a:t>
+            </a:r>
+            <a:r>
+              <a:rPr lang="en-US" altLang="ko-KR" sz="1200" dirty="0" err="1" smtClean="0">
+                <a:solidFill>
+                  <a:schemeClr val="bg1">
+                    <a:lumMod val="75000"/>
+                    <a:lumOff val="25000"/>
+                  </a:schemeClr>
+                </a:solidFill>
+              </a:rPr>
+              <a:t>Manager</a:t>
+            </a:r>
+            <a:endParaRPr lang="ko-KR" altLang="en-US" sz="1200" dirty="0">
+              <a:solidFill>
+                <a:schemeClr val="bg1">
+                  <a:lumMod val="75000"/>
+                  <a:lumOff val="25000"/>
+                </a:schemeClr>
+              </a:solidFill>
+            </a:endParaRPr>
+          </a:p>
+        </p:txBody>
+      </p:sp>
+      <p:sp>
+        <p:nvSpPr>
+          <p:cNvPr id="67" name="직사각형 66"/>
+          <p:cNvSpPr/>
+          <p:nvPr/>
+        </p:nvSpPr>
+        <p:spPr>
+          <a:xfrm>
+            <a:off x="2555776" y="3692304"/>
+            <a:ext cx="2592288" cy="359433"/>
+          </a:xfrm>
+          <a:prstGeom prst="rect">
+            <a:avLst/>
+          </a:prstGeom>
+          <a:noFill/>
+          <a:ln w="9525">
+            <a:noFill/>
+          </a:ln>
+        </p:spPr>
+        <p:style>
+          <a:lnRef idx="2">
+            <a:schemeClr val="accent1">
+              <a:shade val="50000"/>
+            </a:schemeClr>
+          </a:lnRef>
+          <a:fillRef idx="1">
+            <a:schemeClr val="accent1"/>
+          </a:fillRef>
+          <a:effectRef idx="0">
+            <a:schemeClr val="accent1"/>
+          </a:effectRef>
+          <a:fontRef idx="minor">
+            <a:schemeClr val="lt1"/>
+          </a:fontRef>
+        </p:style>
+        <p:txBody>
+          <a:bodyPr rot="0" spcFirstLastPara="0" vertOverflow="overflow" horzOverflow="overflow" vert="horz" wrap="square" lIns="91440" tIns="45720" rIns="91440" bIns="45720" numCol="1" spcCol="0" rtlCol="0" fromWordArt="0" anchor="ctr" anchorCtr="0" forceAA="0" compatLnSpc="1">
+            <a:prstTxWarp prst="textNoShape">
+              <a:avLst/>
+            </a:prstTxWarp>
+            <a:noAutofit/>
+          </a:bodyPr>
+          <a:lstStyle/>
+          <a:p>
+            <a:pPr algn="ctr"/>
+            <a:r>
+              <a:rPr lang="en-US" altLang="ko-KR" sz="1200" dirty="0" smtClean="0">
+                <a:solidFill>
+                  <a:schemeClr val="bg1">
+                    <a:lumMod val="75000"/>
+                    <a:lumOff val="25000"/>
+                  </a:schemeClr>
+                </a:solidFill>
+              </a:rPr>
+              <a:t>1.1: </a:t>
+            </a:r>
+            <a:r>
+              <a:rPr lang="en-US" altLang="ko-KR" sz="1200" dirty="0" err="1" smtClean="0">
+                <a:solidFill>
+                  <a:schemeClr val="bg1">
+                    <a:lumMod val="75000"/>
+                    <a:lumOff val="25000"/>
+                  </a:schemeClr>
+                </a:solidFill>
+              </a:rPr>
+              <a:t>controlThing</a:t>
+            </a:r>
+            <a:r>
+              <a:rPr lang="en-US" altLang="ko-KR" sz="1200" dirty="0" smtClean="0">
+                <a:solidFill>
+                  <a:schemeClr val="bg1">
+                    <a:lumMod val="75000"/>
+                    <a:lumOff val="25000"/>
+                  </a:schemeClr>
+                </a:solidFill>
+              </a:rPr>
+              <a:t>(</a:t>
+            </a:r>
+            <a:r>
+              <a:rPr lang="en-US" altLang="ko-KR" sz="1200" dirty="0" err="1" smtClean="0">
+                <a:solidFill>
+                  <a:schemeClr val="bg1">
+                    <a:lumMod val="75000"/>
+                    <a:lumOff val="25000"/>
+                  </a:schemeClr>
+                </a:solidFill>
+              </a:rPr>
+              <a:t>nodeid,thingid</a:t>
+            </a:r>
+            <a:endParaRPr lang="en-US" altLang="ko-KR" sz="1200" dirty="0" smtClean="0">
+              <a:solidFill>
+                <a:schemeClr val="bg1">
+                  <a:lumMod val="75000"/>
+                  <a:lumOff val="25000"/>
+                </a:schemeClr>
+              </a:solidFill>
+            </a:endParaRPr>
+          </a:p>
+          <a:p>
+            <a:pPr algn="ctr"/>
+            <a:r>
+              <a:rPr lang="en-US" altLang="ko-KR" sz="1200" dirty="0" smtClean="0">
+                <a:solidFill>
+                  <a:schemeClr val="bg1">
+                    <a:lumMod val="75000"/>
+                    <a:lumOff val="25000"/>
+                  </a:schemeClr>
+                </a:solidFill>
+              </a:rPr>
+              <a:t>,</a:t>
+            </a:r>
+            <a:r>
+              <a:rPr lang="en-US" altLang="ko-KR" sz="1200" dirty="0" err="1" smtClean="0">
+                <a:solidFill>
+                  <a:schemeClr val="bg1">
+                    <a:lumMod val="75000"/>
+                    <a:lumOff val="25000"/>
+                  </a:schemeClr>
+                </a:solidFill>
+              </a:rPr>
+              <a:t>type,value</a:t>
+            </a:r>
+            <a:r>
+              <a:rPr lang="en-US" altLang="ko-KR" sz="1200" dirty="0" smtClean="0">
+                <a:solidFill>
+                  <a:schemeClr val="bg1">
+                    <a:lumMod val="75000"/>
+                    <a:lumOff val="25000"/>
+                  </a:schemeClr>
+                </a:solidFill>
+              </a:rPr>
+              <a:t>)</a:t>
+            </a:r>
+            <a:endParaRPr lang="ko-KR" altLang="en-US" sz="1200" dirty="0" smtClean="0">
+              <a:solidFill>
+                <a:schemeClr val="bg1">
+                  <a:lumMod val="75000"/>
+                  <a:lumOff val="25000"/>
+                </a:schemeClr>
+              </a:solidFill>
+            </a:endParaRPr>
+          </a:p>
+        </p:txBody>
+      </p:sp>
+      <p:cxnSp>
+        <p:nvCxnSpPr>
+          <p:cNvPr id="68" name="직선 화살표 연결선 67"/>
+          <p:cNvCxnSpPr/>
+          <p:nvPr/>
+        </p:nvCxnSpPr>
+        <p:spPr>
+          <a:xfrm flipV="1">
+            <a:off x="2709067" y="3653550"/>
+            <a:ext cx="0" cy="326179"/>
+          </a:xfrm>
+          <a:prstGeom prst="straightConnector1">
+            <a:avLst/>
+          </a:prstGeom>
+          <a:ln>
+            <a:solidFill>
+              <a:schemeClr val="bg1">
+                <a:lumMod val="75000"/>
+                <a:lumOff val="25000"/>
+              </a:schemeClr>
+            </a:solidFill>
+            <a:tailEnd type="arrow"/>
+          </a:ln>
+        </p:spPr>
+        <p:style>
+          <a:lnRef idx="1">
+            <a:schemeClr val="accent1"/>
+          </a:lnRef>
+          <a:fillRef idx="0">
+            <a:schemeClr val="accent1"/>
+          </a:fillRef>
+          <a:effectRef idx="0">
+            <a:schemeClr val="accent1"/>
+          </a:effectRef>
+          <a:fontRef idx="minor">
+            <a:schemeClr val="tx1"/>
+          </a:fontRef>
+        </p:style>
+      </p:cxnSp>
+      <p:sp>
+        <p:nvSpPr>
+          <p:cNvPr id="70" name="직사각형 69"/>
+          <p:cNvSpPr/>
+          <p:nvPr/>
+        </p:nvSpPr>
+        <p:spPr>
+          <a:xfrm>
+            <a:off x="3501174" y="1679237"/>
+            <a:ext cx="2290406" cy="359433"/>
+          </a:xfrm>
+          <a:prstGeom prst="rect">
+            <a:avLst/>
+          </a:prstGeom>
+          <a:noFill/>
+          <a:ln w="9525">
+            <a:noFill/>
+          </a:ln>
+        </p:spPr>
+        <p:style>
+          <a:lnRef idx="2">
+            <a:schemeClr val="accent1">
+              <a:shade val="50000"/>
+            </a:schemeClr>
+          </a:lnRef>
+          <a:fillRef idx="1">
+            <a:schemeClr val="accent1"/>
+          </a:fillRef>
+          <a:effectRef idx="0">
+            <a:schemeClr val="accent1"/>
+          </a:effectRef>
+          <a:fontRef idx="minor">
+            <a:schemeClr val="lt1"/>
+          </a:fontRef>
+        </p:style>
+        <p:txBody>
+          <a:bodyPr rot="0" spcFirstLastPara="0" vertOverflow="overflow" horzOverflow="overflow" vert="horz" wrap="square" lIns="91440" tIns="45720" rIns="91440" bIns="45720" numCol="1" spcCol="0" rtlCol="0" fromWordArt="0" anchor="ctr" anchorCtr="0" forceAA="0" compatLnSpc="1">
+            <a:prstTxWarp prst="textNoShape">
+              <a:avLst/>
+            </a:prstTxWarp>
+            <a:noAutofit/>
+          </a:bodyPr>
+          <a:lstStyle/>
+          <a:p>
+            <a:pPr algn="ctr"/>
+            <a:r>
+              <a:rPr lang="en-US" altLang="ko-KR" sz="1200" dirty="0" smtClean="0">
+                <a:solidFill>
+                  <a:schemeClr val="bg1">
+                    <a:lumMod val="75000"/>
+                    <a:lumOff val="25000"/>
+                  </a:schemeClr>
+                </a:solidFill>
+              </a:rPr>
+              <a:t>1.2</a:t>
+            </a:r>
+            <a:r>
+              <a:rPr lang="en-US" altLang="ko-KR" sz="1200" dirty="0" smtClean="0">
+                <a:solidFill>
+                  <a:schemeClr val="bg1">
+                    <a:lumMod val="75000"/>
+                    <a:lumOff val="25000"/>
+                  </a:schemeClr>
+                </a:solidFill>
+              </a:rPr>
+              <a:t>: </a:t>
+            </a:r>
+            <a:r>
+              <a:rPr lang="en-US" altLang="ko-KR" sz="1200" dirty="0" err="1" smtClean="0">
+                <a:solidFill>
+                  <a:schemeClr val="bg1">
+                    <a:lumMod val="75000"/>
+                    <a:lumOff val="25000"/>
+                  </a:schemeClr>
+                </a:solidFill>
+              </a:rPr>
+              <a:t>ActionControl</a:t>
+            </a:r>
+            <a:r>
+              <a:rPr lang="en-US" altLang="ko-KR" sz="1200" dirty="0" smtClean="0">
+                <a:solidFill>
+                  <a:schemeClr val="bg1">
+                    <a:lumMod val="75000"/>
+                    <a:lumOff val="25000"/>
+                  </a:schemeClr>
+                </a:solidFill>
+              </a:rPr>
+              <a:t>(</a:t>
+            </a:r>
+            <a:r>
+              <a:rPr lang="en-US" altLang="ko-KR" sz="1200" dirty="0" err="1" smtClean="0">
+                <a:solidFill>
+                  <a:schemeClr val="bg1">
+                    <a:lumMod val="75000"/>
+                    <a:lumOff val="25000"/>
+                  </a:schemeClr>
+                </a:solidFill>
+              </a:rPr>
+              <a:t>nodeid</a:t>
+            </a:r>
+            <a:endParaRPr lang="en-US" altLang="ko-KR" sz="1200" dirty="0" smtClean="0">
+              <a:solidFill>
+                <a:schemeClr val="bg1">
+                  <a:lumMod val="75000"/>
+                  <a:lumOff val="25000"/>
+                </a:schemeClr>
+              </a:solidFill>
+            </a:endParaRPr>
+          </a:p>
+          <a:p>
+            <a:pPr algn="ctr"/>
+            <a:r>
+              <a:rPr lang="en-US" altLang="ko-KR" sz="1200" dirty="0" smtClean="0">
+                <a:solidFill>
+                  <a:schemeClr val="bg1">
+                    <a:lumMod val="75000"/>
+                    <a:lumOff val="25000"/>
+                  </a:schemeClr>
+                </a:solidFill>
+              </a:rPr>
+              <a:t>,</a:t>
+            </a:r>
+            <a:r>
+              <a:rPr lang="en-US" altLang="ko-KR" sz="1200" dirty="0" err="1" smtClean="0">
+                <a:solidFill>
+                  <a:schemeClr val="bg1">
+                    <a:lumMod val="75000"/>
+                    <a:lumOff val="25000"/>
+                  </a:schemeClr>
+                </a:solidFill>
+              </a:rPr>
+              <a:t>thingid,type,value</a:t>
+            </a:r>
+            <a:r>
+              <a:rPr lang="en-US" altLang="ko-KR" sz="1200" dirty="0">
+                <a:solidFill>
+                  <a:schemeClr val="bg1">
+                    <a:lumMod val="75000"/>
+                    <a:lumOff val="25000"/>
+                  </a:schemeClr>
+                </a:solidFill>
+              </a:rPr>
+              <a:t>)</a:t>
+            </a:r>
+            <a:endParaRPr lang="ko-KR" altLang="en-US" sz="1200" dirty="0" smtClean="0">
+              <a:solidFill>
+                <a:schemeClr val="bg1">
+                  <a:lumMod val="75000"/>
+                  <a:lumOff val="25000"/>
+                </a:schemeClr>
+              </a:solidFill>
+            </a:endParaRPr>
+          </a:p>
+        </p:txBody>
+      </p:sp>
+      <p:sp>
+        <p:nvSpPr>
+          <p:cNvPr id="71" name="직사각형 70"/>
+          <p:cNvSpPr/>
+          <p:nvPr/>
+        </p:nvSpPr>
+        <p:spPr>
+          <a:xfrm>
+            <a:off x="6456565" y="2924944"/>
+            <a:ext cx="2042026" cy="359433"/>
+          </a:xfrm>
+          <a:prstGeom prst="rect">
+            <a:avLst/>
+          </a:prstGeom>
+          <a:noFill/>
+          <a:ln w="9525">
+            <a:noFill/>
+          </a:ln>
+        </p:spPr>
+        <p:style>
+          <a:lnRef idx="2">
+            <a:schemeClr val="accent1">
+              <a:shade val="50000"/>
+            </a:schemeClr>
+          </a:lnRef>
+          <a:fillRef idx="1">
+            <a:schemeClr val="accent1"/>
+          </a:fillRef>
+          <a:effectRef idx="0">
+            <a:schemeClr val="accent1"/>
+          </a:effectRef>
+          <a:fontRef idx="minor">
+            <a:schemeClr val="lt1"/>
+          </a:fontRef>
+        </p:style>
+        <p:txBody>
+          <a:bodyPr rot="0" spcFirstLastPara="0" vertOverflow="overflow" horzOverflow="overflow" vert="horz" wrap="square" lIns="91440" tIns="45720" rIns="91440" bIns="45720" numCol="1" spcCol="0" rtlCol="0" fromWordArt="0" anchor="ctr" anchorCtr="0" forceAA="0" compatLnSpc="1">
+            <a:prstTxWarp prst="textNoShape">
+              <a:avLst/>
+            </a:prstTxWarp>
+            <a:noAutofit/>
+          </a:bodyPr>
+          <a:lstStyle/>
+          <a:p>
+            <a:pPr algn="ctr"/>
+            <a:r>
+              <a:rPr lang="en-US" altLang="ko-KR" sz="1200" dirty="0" smtClean="0">
+                <a:solidFill>
+                  <a:schemeClr val="bg1">
+                    <a:lumMod val="75000"/>
+                    <a:lumOff val="25000"/>
+                  </a:schemeClr>
+                </a:solidFill>
+              </a:rPr>
+              <a:t>1.3</a:t>
+            </a:r>
+            <a:r>
+              <a:rPr lang="en-US" altLang="ko-KR" sz="1200" dirty="0" smtClean="0">
+                <a:solidFill>
+                  <a:schemeClr val="bg1">
+                    <a:lumMod val="75000"/>
+                    <a:lumOff val="25000"/>
+                  </a:schemeClr>
+                </a:solidFill>
+              </a:rPr>
+              <a:t>: </a:t>
+            </a:r>
+            <a:r>
+              <a:rPr lang="en-US" altLang="ko-KR" sz="1200" dirty="0" err="1" smtClean="0">
+                <a:solidFill>
+                  <a:schemeClr val="bg1">
+                    <a:lumMod val="75000"/>
+                    <a:lumOff val="25000"/>
+                  </a:schemeClr>
+                </a:solidFill>
+              </a:rPr>
+              <a:t>ActionControl</a:t>
+            </a:r>
+            <a:r>
+              <a:rPr lang="en-US" altLang="ko-KR" sz="1200" dirty="0" smtClean="0">
+                <a:solidFill>
+                  <a:schemeClr val="bg1">
+                    <a:lumMod val="75000"/>
+                    <a:lumOff val="25000"/>
+                  </a:schemeClr>
+                </a:solidFill>
+              </a:rPr>
+              <a:t>(</a:t>
+            </a:r>
+            <a:r>
+              <a:rPr lang="en-US" altLang="ko-KR" sz="1200" dirty="0" err="1" smtClean="0">
+                <a:solidFill>
+                  <a:schemeClr val="bg1">
+                    <a:lumMod val="75000"/>
+                    <a:lumOff val="25000"/>
+                  </a:schemeClr>
+                </a:solidFill>
+              </a:rPr>
+              <a:t>nodeid</a:t>
+            </a:r>
+            <a:endParaRPr lang="en-US" altLang="ko-KR" sz="1200" dirty="0" smtClean="0">
+              <a:solidFill>
+                <a:schemeClr val="bg1">
+                  <a:lumMod val="75000"/>
+                  <a:lumOff val="25000"/>
+                </a:schemeClr>
+              </a:solidFill>
+            </a:endParaRPr>
+          </a:p>
+          <a:p>
+            <a:pPr algn="ctr"/>
+            <a:r>
+              <a:rPr lang="en-US" altLang="ko-KR" sz="1200" dirty="0" smtClean="0">
+                <a:solidFill>
+                  <a:schemeClr val="bg1">
+                    <a:lumMod val="75000"/>
+                    <a:lumOff val="25000"/>
+                  </a:schemeClr>
+                </a:solidFill>
+              </a:rPr>
+              <a:t>,</a:t>
+            </a:r>
+            <a:r>
+              <a:rPr lang="en-US" altLang="ko-KR" sz="1200" dirty="0" err="1" smtClean="0">
+                <a:solidFill>
+                  <a:schemeClr val="bg1">
+                    <a:lumMod val="75000"/>
+                    <a:lumOff val="25000"/>
+                  </a:schemeClr>
+                </a:solidFill>
+              </a:rPr>
+              <a:t>thingid,type,value</a:t>
+            </a:r>
+            <a:r>
+              <a:rPr lang="en-US" altLang="ko-KR" sz="1200" dirty="0">
+                <a:solidFill>
+                  <a:schemeClr val="bg1">
+                    <a:lumMod val="75000"/>
+                    <a:lumOff val="25000"/>
+                  </a:schemeClr>
+                </a:solidFill>
+              </a:rPr>
+              <a:t>)</a:t>
+            </a:r>
+            <a:endParaRPr lang="ko-KR" altLang="en-US" sz="1200" dirty="0" smtClean="0">
+              <a:solidFill>
+                <a:schemeClr val="bg1">
+                  <a:lumMod val="75000"/>
+                  <a:lumOff val="25000"/>
+                </a:schemeClr>
+              </a:solidFill>
+            </a:endParaRPr>
+          </a:p>
+        </p:txBody>
+      </p:sp>
+      <p:grpSp>
+        <p:nvGrpSpPr>
+          <p:cNvPr id="72" name="그룹 71"/>
+          <p:cNvGrpSpPr/>
+          <p:nvPr/>
+        </p:nvGrpSpPr>
+        <p:grpSpPr>
+          <a:xfrm>
+            <a:off x="195440" y="2408528"/>
+            <a:ext cx="1852759" cy="660433"/>
+            <a:chOff x="5983459" y="4536665"/>
+            <a:chExt cx="1176434" cy="502886"/>
+          </a:xfrm>
+        </p:grpSpPr>
+        <p:sp>
+          <p:nvSpPr>
+            <p:cNvPr id="73" name="한쪽 모서리가 잘린 사각형 72"/>
+            <p:cNvSpPr/>
+            <p:nvPr/>
+          </p:nvSpPr>
+          <p:spPr>
+            <a:xfrm>
+              <a:off x="5983459" y="4574089"/>
+              <a:ext cx="1155381" cy="465462"/>
+            </a:xfrm>
+            <a:prstGeom prst="snip1Rect">
+              <a:avLst>
+                <a:gd name="adj" fmla="val 43048"/>
+              </a:avLst>
+            </a:prstGeom>
+            <a:solidFill>
+              <a:schemeClr val="tx1">
+                <a:lumMod val="75000"/>
+              </a:schemeClr>
+            </a:solidFill>
+            <a:ln w="9525">
+              <a:solidFill>
+                <a:schemeClr val="bg1">
+                  <a:lumMod val="75000"/>
+                  <a:lumOff val="25000"/>
+                </a:schemeClr>
+              </a:solidFill>
+            </a:ln>
+          </p:spPr>
+          <p:style>
+            <a:lnRef idx="2">
+              <a:schemeClr val="accent1">
+                <a:shade val="50000"/>
+              </a:schemeClr>
+            </a:lnRef>
+            <a:fillRef idx="1">
+              <a:schemeClr val="accent1"/>
+            </a:fillRef>
+            <a:effectRef idx="0">
+              <a:schemeClr val="accent1"/>
+            </a:effectRef>
+            <a:fontRef idx="minor">
+              <a:schemeClr val="lt1"/>
+            </a:fontRef>
+          </p:style>
+          <p:txBody>
+            <a:bodyPr rot="0" spcFirstLastPara="0" vertOverflow="overflow" horzOverflow="overflow" vert="horz" wrap="square" lIns="91440" tIns="45720" rIns="91440" bIns="45720" numCol="1" spcCol="0" rtlCol="0" fromWordArt="0" anchor="b" anchorCtr="0" forceAA="0" compatLnSpc="1">
+              <a:prstTxWarp prst="textNoShape">
+                <a:avLst/>
+              </a:prstTxWarp>
+              <a:noAutofit/>
+            </a:bodyPr>
+            <a:lstStyle/>
+            <a:p>
+              <a:r>
+                <a:rPr lang="en-US" altLang="ko-KR" sz="1000" b="1" dirty="0" smtClean="0">
+                  <a:solidFill>
+                    <a:schemeClr val="bg1">
+                      <a:lumMod val="75000"/>
+                      <a:lumOff val="25000"/>
+                    </a:schemeClr>
+                  </a:solidFill>
+                </a:rPr>
+                <a:t>Rule Manager</a:t>
+              </a:r>
+            </a:p>
+            <a:p>
+              <a:r>
+                <a:rPr lang="en-US" altLang="ko-KR" sz="1000" dirty="0" smtClean="0">
+                  <a:solidFill>
+                    <a:schemeClr val="bg1">
+                      <a:lumMod val="75000"/>
+                      <a:lumOff val="25000"/>
+                    </a:schemeClr>
+                  </a:solidFill>
+                </a:rPr>
+                <a:t>Check rule sets and decide denial of control</a:t>
+              </a:r>
+            </a:p>
+          </p:txBody>
+        </p:sp>
+        <p:sp>
+          <p:nvSpPr>
+            <p:cNvPr id="74" name="직각 삼각형 73"/>
+            <p:cNvSpPr/>
+            <p:nvPr/>
+          </p:nvSpPr>
+          <p:spPr>
+            <a:xfrm>
+              <a:off x="6941363" y="4536665"/>
+              <a:ext cx="218530" cy="257075"/>
+            </a:xfrm>
+            <a:prstGeom prst="rtTriangle">
+              <a:avLst/>
+            </a:prstGeom>
+            <a:solidFill>
+              <a:schemeClr val="bg1">
+                <a:lumMod val="50000"/>
+                <a:lumOff val="50000"/>
+              </a:schemeClr>
+            </a:solidFill>
+            <a:ln w="9525">
+              <a:solidFill>
+                <a:schemeClr val="tx1"/>
+              </a:solidFill>
+            </a:ln>
+          </p:spPr>
+          <p:style>
+            <a:lnRef idx="2">
+              <a:schemeClr val="accent1">
+                <a:shade val="50000"/>
+              </a:schemeClr>
+            </a:lnRef>
+            <a:fillRef idx="1">
+              <a:schemeClr val="accent1"/>
+            </a:fillRef>
+            <a:effectRef idx="0">
+              <a:schemeClr val="accent1"/>
+            </a:effectRef>
+            <a:fontRef idx="minor">
+              <a:schemeClr val="lt1"/>
+            </a:fontRef>
+          </p:style>
+          <p:txBody>
+            <a:bodyPr rot="0" spcFirstLastPara="0" vertOverflow="overflow" horzOverflow="overflow" vert="horz" wrap="square" lIns="91440" tIns="45720" rIns="91440" bIns="45720" numCol="1" spcCol="0" rtlCol="0" fromWordArt="0" anchor="ctr" anchorCtr="0" forceAA="0" compatLnSpc="1">
+              <a:prstTxWarp prst="textNoShape">
+                <a:avLst/>
+              </a:prstTxWarp>
+              <a:noAutofit/>
+            </a:bodyPr>
+            <a:lstStyle/>
+            <a:p>
+              <a:pPr algn="ctr"/>
+              <a:endParaRPr lang="ko-KR" altLang="en-US" sz="1200" dirty="0" smtClean="0">
+                <a:solidFill>
+                  <a:schemeClr val="bg1">
+                    <a:lumMod val="75000"/>
+                    <a:lumOff val="25000"/>
+                  </a:schemeClr>
+                </a:solidFill>
+              </a:endParaRPr>
+            </a:p>
+          </p:txBody>
+        </p:sp>
+      </p:grpSp>
+      <p:cxnSp>
+        <p:nvCxnSpPr>
+          <p:cNvPr id="75" name="직선 연결선 74"/>
+          <p:cNvCxnSpPr>
+            <a:stCxn id="73" idx="1"/>
+            <a:endCxn id="62" idx="1"/>
+          </p:cNvCxnSpPr>
+          <p:nvPr/>
+        </p:nvCxnSpPr>
+        <p:spPr>
+          <a:xfrm>
+            <a:off x="1105238" y="3068957"/>
+            <a:ext cx="806630" cy="290160"/>
+          </a:xfrm>
+          <a:prstGeom prst="line">
+            <a:avLst/>
+          </a:prstGeom>
+          <a:ln>
+            <a:solidFill>
+              <a:schemeClr val="bg1">
+                <a:lumMod val="75000"/>
+                <a:lumOff val="25000"/>
+              </a:schemeClr>
+            </a:solidFill>
+            <a:prstDash val="dash"/>
+            <a:tailEnd type="none" w="lg" len="lg"/>
+          </a:ln>
+        </p:spPr>
+        <p:style>
+          <a:lnRef idx="1">
+            <a:schemeClr val="accent1"/>
+          </a:lnRef>
+          <a:fillRef idx="0">
+            <a:schemeClr val="accent1"/>
+          </a:fillRef>
+          <a:effectRef idx="0">
+            <a:schemeClr val="accent1"/>
+          </a:effectRef>
+          <a:fontRef idx="minor">
+            <a:schemeClr val="tx1"/>
+          </a:fontRef>
+        </p:style>
+      </p:cxnSp>
+      <p:cxnSp>
+        <p:nvCxnSpPr>
+          <p:cNvPr id="87" name="직선 화살표 연결선 86"/>
+          <p:cNvCxnSpPr/>
+          <p:nvPr/>
+        </p:nvCxnSpPr>
+        <p:spPr>
+          <a:xfrm>
+            <a:off x="2496125" y="4653136"/>
+            <a:ext cx="0" cy="321234"/>
+          </a:xfrm>
+          <a:prstGeom prst="straightConnector1">
+            <a:avLst/>
+          </a:prstGeom>
+          <a:ln>
+            <a:solidFill>
+              <a:schemeClr val="bg1">
+                <a:lumMod val="75000"/>
+                <a:lumOff val="25000"/>
+              </a:schemeClr>
+            </a:solidFill>
+            <a:tailEnd type="arrow"/>
+          </a:ln>
+        </p:spPr>
+        <p:style>
+          <a:lnRef idx="1">
+            <a:schemeClr val="accent1"/>
+          </a:lnRef>
+          <a:fillRef idx="0">
+            <a:schemeClr val="accent1"/>
+          </a:fillRef>
+          <a:effectRef idx="0">
+            <a:schemeClr val="accent1"/>
+          </a:effectRef>
+          <a:fontRef idx="minor">
+            <a:schemeClr val="tx1"/>
+          </a:fontRef>
+        </p:style>
+      </p:cxnSp>
+      <p:sp>
+        <p:nvSpPr>
+          <p:cNvPr id="89" name="직사각형 88"/>
+          <p:cNvSpPr/>
+          <p:nvPr/>
+        </p:nvSpPr>
+        <p:spPr>
+          <a:xfrm>
+            <a:off x="784507" y="3631539"/>
+            <a:ext cx="1699261" cy="359433"/>
+          </a:xfrm>
+          <a:prstGeom prst="rect">
+            <a:avLst/>
+          </a:prstGeom>
+          <a:noFill/>
+          <a:ln w="9525">
+            <a:noFill/>
+          </a:ln>
+        </p:spPr>
+        <p:style>
+          <a:lnRef idx="2">
+            <a:schemeClr val="accent1">
+              <a:shade val="50000"/>
+            </a:schemeClr>
+          </a:lnRef>
+          <a:fillRef idx="1">
+            <a:schemeClr val="accent1"/>
+          </a:fillRef>
+          <a:effectRef idx="0">
+            <a:schemeClr val="accent1"/>
+          </a:effectRef>
+          <a:fontRef idx="minor">
+            <a:schemeClr val="lt1"/>
+          </a:fontRef>
+        </p:style>
+        <p:txBody>
+          <a:bodyPr rot="0" spcFirstLastPara="0" vertOverflow="overflow" horzOverflow="overflow" vert="horz" wrap="square" lIns="91440" tIns="45720" rIns="91440" bIns="45720" numCol="1" spcCol="0" rtlCol="0" fromWordArt="0" anchor="ctr" anchorCtr="0" forceAA="0" compatLnSpc="1">
+            <a:prstTxWarp prst="textNoShape">
+              <a:avLst/>
+            </a:prstTxWarp>
+            <a:noAutofit/>
+          </a:bodyPr>
+          <a:lstStyle/>
+          <a:p>
+            <a:r>
+              <a:rPr lang="en-US" altLang="ko-KR" sz="1200" dirty="0">
+                <a:solidFill>
+                  <a:schemeClr val="bg1">
+                    <a:lumMod val="75000"/>
+                    <a:lumOff val="25000"/>
+                  </a:schemeClr>
+                </a:solidFill>
+              </a:rPr>
+              <a:t>[</a:t>
+            </a:r>
+            <a:r>
+              <a:rPr lang="en-US" altLang="ko-KR" sz="1200" dirty="0" smtClean="0">
+                <a:solidFill>
+                  <a:schemeClr val="bg1">
+                    <a:lumMod val="75000"/>
+                    <a:lumOff val="25000"/>
+                  </a:schemeClr>
+                </a:solidFill>
+              </a:rPr>
+              <a:t>Result=Deny]</a:t>
+            </a:r>
+            <a:endParaRPr lang="en-US" altLang="ko-KR" sz="1200" dirty="0">
+              <a:solidFill>
+                <a:schemeClr val="bg1">
+                  <a:lumMod val="75000"/>
+                  <a:lumOff val="25000"/>
+                </a:schemeClr>
+              </a:solidFill>
+            </a:endParaRPr>
+          </a:p>
+          <a:p>
+            <a:r>
+              <a:rPr lang="en-US" altLang="ko-KR" sz="1200" dirty="0" err="1" smtClean="0">
+                <a:solidFill>
+                  <a:schemeClr val="bg1">
+                    <a:lumMod val="75000"/>
+                    <a:lumOff val="25000"/>
+                  </a:schemeClr>
+                </a:solidFill>
+              </a:rPr>
+              <a:t>1.1b</a:t>
+            </a:r>
+            <a:r>
+              <a:rPr lang="en-US" altLang="ko-KR" sz="1200" dirty="0" smtClean="0">
+                <a:solidFill>
+                  <a:schemeClr val="bg1">
+                    <a:lumMod val="75000"/>
+                    <a:lumOff val="25000"/>
+                  </a:schemeClr>
+                </a:solidFill>
+              </a:rPr>
+              <a:t>: </a:t>
+            </a:r>
+            <a:r>
+              <a:rPr lang="en-US" altLang="ko-KR" sz="1200" dirty="0" smtClean="0">
+                <a:solidFill>
+                  <a:schemeClr val="bg1">
+                    <a:lumMod val="75000"/>
+                    <a:lumOff val="25000"/>
+                  </a:schemeClr>
+                </a:solidFill>
+              </a:rPr>
+              <a:t>Result of denial</a:t>
+            </a:r>
+            <a:endParaRPr lang="ko-KR" altLang="en-US" sz="1200" dirty="0" smtClean="0">
+              <a:solidFill>
+                <a:schemeClr val="bg1">
+                  <a:lumMod val="75000"/>
+                  <a:lumOff val="25000"/>
+                </a:schemeClr>
+              </a:solidFill>
+            </a:endParaRPr>
+          </a:p>
+        </p:txBody>
+      </p:sp>
+      <p:sp>
+        <p:nvSpPr>
+          <p:cNvPr id="90" name="직사각형 89"/>
+          <p:cNvSpPr/>
+          <p:nvPr/>
+        </p:nvSpPr>
+        <p:spPr>
+          <a:xfrm>
+            <a:off x="711986" y="4611699"/>
+            <a:ext cx="1869187" cy="359433"/>
+          </a:xfrm>
+          <a:prstGeom prst="rect">
+            <a:avLst/>
+          </a:prstGeom>
+          <a:noFill/>
+          <a:ln w="9525">
+            <a:noFill/>
+          </a:ln>
+        </p:spPr>
+        <p:style>
+          <a:lnRef idx="2">
+            <a:schemeClr val="accent1">
+              <a:shade val="50000"/>
+            </a:schemeClr>
+          </a:lnRef>
+          <a:fillRef idx="1">
+            <a:schemeClr val="accent1"/>
+          </a:fillRef>
+          <a:effectRef idx="0">
+            <a:schemeClr val="accent1"/>
+          </a:effectRef>
+          <a:fontRef idx="minor">
+            <a:schemeClr val="lt1"/>
+          </a:fontRef>
+        </p:style>
+        <p:txBody>
+          <a:bodyPr rot="0" spcFirstLastPara="0" vertOverflow="overflow" horzOverflow="overflow" vert="horz" wrap="square" lIns="91440" tIns="45720" rIns="91440" bIns="45720" numCol="1" spcCol="0" rtlCol="0" fromWordArt="0" anchor="ctr" anchorCtr="0" forceAA="0" compatLnSpc="1">
+            <a:prstTxWarp prst="textNoShape">
+              <a:avLst/>
+            </a:prstTxWarp>
+            <a:noAutofit/>
+          </a:bodyPr>
+          <a:lstStyle/>
+          <a:p>
+            <a:r>
+              <a:rPr lang="en-US" altLang="ko-KR" sz="1200" dirty="0">
+                <a:solidFill>
+                  <a:schemeClr val="bg1">
+                    <a:lumMod val="75000"/>
+                    <a:lumOff val="25000"/>
+                  </a:schemeClr>
+                </a:solidFill>
+              </a:rPr>
+              <a:t>[</a:t>
+            </a:r>
+            <a:r>
+              <a:rPr lang="en-US" altLang="ko-KR" sz="1200" dirty="0" smtClean="0">
+                <a:solidFill>
+                  <a:schemeClr val="bg1">
+                    <a:lumMod val="75000"/>
+                    <a:lumOff val="25000"/>
+                  </a:schemeClr>
+                </a:solidFill>
+              </a:rPr>
+              <a:t>Result=Deny]</a:t>
+            </a:r>
+            <a:endParaRPr lang="en-US" altLang="ko-KR" sz="1200" dirty="0">
+              <a:solidFill>
+                <a:schemeClr val="bg1">
+                  <a:lumMod val="75000"/>
+                  <a:lumOff val="25000"/>
+                </a:schemeClr>
+              </a:solidFill>
+            </a:endParaRPr>
+          </a:p>
+          <a:p>
+            <a:r>
+              <a:rPr lang="en-US" altLang="ko-KR" sz="1200" dirty="0" err="1" smtClean="0">
+                <a:solidFill>
+                  <a:schemeClr val="bg1">
+                    <a:lumMod val="75000"/>
+                    <a:lumOff val="25000"/>
+                  </a:schemeClr>
+                </a:solidFill>
+              </a:rPr>
+              <a:t>1.1b</a:t>
+            </a:r>
+            <a:r>
+              <a:rPr lang="en-US" altLang="ko-KR" sz="1200" dirty="0" err="1" smtClean="0">
+                <a:solidFill>
+                  <a:schemeClr val="bg1">
+                    <a:lumMod val="75000"/>
+                    <a:lumOff val="25000"/>
+                  </a:schemeClr>
+                </a:solidFill>
+              </a:rPr>
+              <a:t>.1</a:t>
+            </a:r>
+            <a:r>
+              <a:rPr lang="en-US" altLang="ko-KR" sz="1200" dirty="0" smtClean="0">
+                <a:solidFill>
+                  <a:schemeClr val="bg1">
+                    <a:lumMod val="75000"/>
+                    <a:lumOff val="25000"/>
+                  </a:schemeClr>
+                </a:solidFill>
+              </a:rPr>
+              <a:t>: </a:t>
+            </a:r>
+            <a:r>
+              <a:rPr lang="en-US" altLang="ko-KR" sz="1200" dirty="0" smtClean="0">
+                <a:solidFill>
+                  <a:schemeClr val="bg1">
+                    <a:lumMod val="75000"/>
+                    <a:lumOff val="25000"/>
+                  </a:schemeClr>
+                </a:solidFill>
+              </a:rPr>
+              <a:t>Result of denial</a:t>
+            </a:r>
+            <a:endParaRPr lang="ko-KR" altLang="en-US" sz="1200" dirty="0" smtClean="0">
+              <a:solidFill>
+                <a:schemeClr val="bg1">
+                  <a:lumMod val="75000"/>
+                  <a:lumOff val="25000"/>
+                </a:schemeClr>
+              </a:solidFill>
+            </a:endParaRPr>
+          </a:p>
+        </p:txBody>
+      </p:sp>
+      <p:cxnSp>
+        <p:nvCxnSpPr>
+          <p:cNvPr id="91" name="직선 화살표 연결선 90"/>
+          <p:cNvCxnSpPr/>
+          <p:nvPr/>
+        </p:nvCxnSpPr>
+        <p:spPr>
+          <a:xfrm>
+            <a:off x="2496125" y="3669738"/>
+            <a:ext cx="0" cy="321234"/>
+          </a:xfrm>
+          <a:prstGeom prst="straightConnector1">
+            <a:avLst/>
+          </a:prstGeom>
+          <a:ln>
+            <a:solidFill>
+              <a:schemeClr val="bg1">
+                <a:lumMod val="75000"/>
+                <a:lumOff val="25000"/>
+              </a:schemeClr>
+            </a:solidFill>
+            <a:tailEnd type="arrow"/>
+          </a:ln>
+        </p:spPr>
+        <p:style>
+          <a:lnRef idx="1">
+            <a:schemeClr val="accent1"/>
+          </a:lnRef>
+          <a:fillRef idx="0">
+            <a:schemeClr val="accent1"/>
+          </a:fillRef>
+          <a:effectRef idx="0">
+            <a:schemeClr val="accent1"/>
+          </a:effectRef>
+          <a:fontRef idx="minor">
+            <a:schemeClr val="tx1"/>
+          </a:fontRef>
+        </p:style>
+      </p:cxnSp>
+    </p:spTree>
+    <p:extLst>
+      <p:ext uri="{BB962C8B-B14F-4D97-AF65-F5344CB8AC3E}">
+        <p14:creationId xmlns:p14="http://schemas.microsoft.com/office/powerpoint/2010/main" val="1057598901"/>
+      </p:ext>
+    </p:extLst>
+  </p:cSld>
+  <p:clrMapOvr>
+    <a:masterClrMapping/>
+  </p:clrMapOvr>
+  <p:timing>
+    <p:tnLst>
+      <p:par>
+        <p:cTn id="1" dur="indefinite" restart="never" nodeType="tmRoot"/>
+      </p:par>
+    </p:tnLst>
+  </p:timing>
+</p:sld>
+</file>
+
+<file path=ppt/slides/slide3.xml><?xml version="1.0" encoding="utf-8"?>
+<p:sld xmlns:a="http://schemas.openxmlformats.org/drawingml/2006/main" xmlns:r="http://schemas.openxmlformats.org/officeDocument/2006/relationships" xmlns:p="http://schemas.openxmlformats.org/presentationml/2006/main">
+  <p:cSld>
+    <p:spTree>
+      <p:nvGrpSpPr>
+        <p:cNvPr id="1" name=""/>
+        <p:cNvGrpSpPr/>
+        <p:nvPr/>
+      </p:nvGrpSpPr>
+      <p:grpSpPr>
+        <a:xfrm>
+          <a:off x="0" y="0"/>
+          <a:ext cx="0" cy="0"/>
+          <a:chOff x="0" y="0"/>
+          <a:chExt cx="0" cy="0"/>
+        </a:xfrm>
+      </p:grpSpPr>
+      <p:sp>
+        <p:nvSpPr>
+          <p:cNvPr id="7" name="직사각형 6"/>
+          <p:cNvSpPr/>
+          <p:nvPr/>
+        </p:nvSpPr>
+        <p:spPr>
+          <a:xfrm>
+            <a:off x="467544" y="1484784"/>
+            <a:ext cx="8209731" cy="4824536"/>
+          </a:xfrm>
+          <a:prstGeom prst="rect">
+            <a:avLst/>
+          </a:prstGeom>
+          <a:solidFill>
+            <a:schemeClr val="tx1"/>
+          </a:solidFill>
+          <a:ln>
+            <a:solidFill>
+              <a:schemeClr val="bg1">
+                <a:lumMod val="75000"/>
+                <a:lumOff val="25000"/>
+              </a:schemeClr>
+            </a:solidFill>
+          </a:ln>
+        </p:spPr>
+        <p:style>
+          <a:lnRef idx="2">
+            <a:schemeClr val="accent1">
+              <a:shade val="50000"/>
+            </a:schemeClr>
+          </a:lnRef>
+          <a:fillRef idx="1">
+            <a:schemeClr val="accent1"/>
+          </a:fillRef>
+          <a:effectRef idx="0">
+            <a:schemeClr val="accent1"/>
+          </a:effectRef>
+          <a:fontRef idx="minor">
+            <a:schemeClr val="lt1"/>
+          </a:fontRef>
+        </p:style>
+        <p:txBody>
+          <a:bodyPr rtlCol="0" anchor="ctr"/>
+          <a:lstStyle/>
+          <a:p>
+            <a:pPr algn="ctr"/>
+            <a:endParaRPr lang="ko-KR" altLang="en-US" sz="800" dirty="0"/>
+          </a:p>
+        </p:txBody>
+      </p:sp>
+      <p:sp>
+        <p:nvSpPr>
+          <p:cNvPr id="2" name="제목 1"/>
+          <p:cNvSpPr>
+            <a:spLocks noGrp="1"/>
+          </p:cNvSpPr>
+          <p:nvPr>
+            <p:ph type="title"/>
+          </p:nvPr>
+        </p:nvSpPr>
+        <p:spPr/>
+        <p:txBody>
+          <a:bodyPr>
+            <a:normAutofit fontScale="90000"/>
+          </a:bodyPr>
+          <a:lstStyle/>
+          <a:p>
+            <a:r>
+              <a:rPr lang="en-US" altLang="ko-KR" dirty="0" smtClean="0"/>
+              <a:t>5.3 Dynamic </a:t>
+            </a:r>
+            <a:r>
+              <a:rPr lang="en-US" altLang="ko-KR" dirty="0" smtClean="0"/>
+              <a:t>View(3)</a:t>
+            </a:r>
+            <a:endParaRPr lang="ko-KR" altLang="en-US" dirty="0"/>
+          </a:p>
+        </p:txBody>
+      </p:sp>
+      <p:sp>
+        <p:nvSpPr>
+          <p:cNvPr id="5" name="슬라이드 번호 개체 틀 4"/>
+          <p:cNvSpPr>
+            <a:spLocks noGrp="1"/>
+          </p:cNvSpPr>
+          <p:nvPr>
+            <p:ph type="sldNum" sz="quarter" idx="11"/>
+          </p:nvPr>
+        </p:nvSpPr>
+        <p:spPr/>
+        <p:txBody>
+          <a:bodyPr/>
+          <a:lstStyle/>
+          <a:p>
+            <a:fld id="{887F5A62-5D57-4BBA-9485-2C5A6728F77D}" type="slidenum">
+              <a:rPr lang="ko-KR" altLang="en-US" smtClean="0"/>
+              <a:pPr/>
+              <a:t>3</a:t>
+            </a:fld>
+            <a:r>
+              <a:rPr lang="en-US" altLang="ko-KR" dirty="0" smtClean="0"/>
+              <a:t>/31</a:t>
+            </a:r>
+            <a:endParaRPr lang="ko-KR" altLang="en-US" dirty="0"/>
+          </a:p>
+        </p:txBody>
+      </p:sp>
+      <p:sp>
+        <p:nvSpPr>
+          <p:cNvPr id="3" name="TextBox 2"/>
+          <p:cNvSpPr txBox="1"/>
+          <p:nvPr/>
+        </p:nvSpPr>
+        <p:spPr>
+          <a:xfrm>
+            <a:off x="467134" y="934820"/>
+            <a:ext cx="5668027" cy="369332"/>
+          </a:xfrm>
+          <a:prstGeom prst="rect">
+            <a:avLst/>
+          </a:prstGeom>
+          <a:noFill/>
+        </p:spPr>
+        <p:txBody>
+          <a:bodyPr wrap="none" rtlCol="0">
+            <a:spAutoFit/>
+          </a:bodyPr>
+          <a:lstStyle/>
+          <a:p>
+            <a:r>
+              <a:rPr lang="en-US" altLang="ko-KR" dirty="0" smtClean="0"/>
+              <a:t>Communication Diagram: </a:t>
+            </a:r>
+            <a:r>
+              <a:rPr lang="en-US" altLang="ko-KR" dirty="0" smtClean="0"/>
+              <a:t>Monitor </a:t>
+            </a:r>
+            <a:r>
+              <a:rPr lang="en-US" altLang="ko-KR" dirty="0" err="1" smtClean="0"/>
+              <a:t>sensers</a:t>
+            </a:r>
+            <a:r>
+              <a:rPr lang="en-US" altLang="ko-KR" dirty="0" smtClean="0"/>
+              <a:t>/actuators</a:t>
+            </a:r>
+            <a:endParaRPr lang="ko-KR" altLang="en-US" dirty="0"/>
+          </a:p>
+        </p:txBody>
+      </p:sp>
+      <p:sp>
+        <p:nvSpPr>
+          <p:cNvPr id="54" name="직사각형 53"/>
+          <p:cNvSpPr/>
+          <p:nvPr/>
+        </p:nvSpPr>
+        <p:spPr>
+          <a:xfrm>
+            <a:off x="2843808" y="2038670"/>
+            <a:ext cx="1368152" cy="359433"/>
+          </a:xfrm>
+          <a:prstGeom prst="rect">
+            <a:avLst/>
+          </a:prstGeom>
+          <a:solidFill>
+            <a:schemeClr val="tx1"/>
+          </a:solidFill>
+          <a:ln w="9525">
+            <a:solidFill>
+              <a:schemeClr val="bg1">
+                <a:lumMod val="75000"/>
+                <a:lumOff val="25000"/>
+              </a:schemeClr>
+            </a:solidFill>
+          </a:ln>
+        </p:spPr>
+        <p:style>
+          <a:lnRef idx="2">
+            <a:schemeClr val="accent1">
+              <a:shade val="50000"/>
+            </a:schemeClr>
+          </a:lnRef>
+          <a:fillRef idx="1">
+            <a:schemeClr val="accent1"/>
+          </a:fillRef>
+          <a:effectRef idx="0">
+            <a:schemeClr val="accent1"/>
+          </a:effectRef>
+          <a:fontRef idx="minor">
+            <a:schemeClr val="lt1"/>
+          </a:fontRef>
+        </p:style>
+        <p:txBody>
+          <a:bodyPr rtlCol="0" anchor="ctr"/>
+          <a:lstStyle/>
+          <a:p>
+            <a:pPr algn="ctr"/>
+            <a:r>
+              <a:rPr lang="en-US" altLang="ko-KR" sz="1200" dirty="0" smtClean="0">
+                <a:solidFill>
+                  <a:schemeClr val="bg1">
+                    <a:lumMod val="75000"/>
+                    <a:lumOff val="25000"/>
+                  </a:schemeClr>
+                </a:solidFill>
+              </a:rPr>
+              <a:t>:</a:t>
+            </a:r>
+            <a:r>
+              <a:rPr lang="en-US" altLang="ko-KR" sz="1200" dirty="0" err="1" smtClean="0">
+                <a:solidFill>
+                  <a:schemeClr val="bg1">
+                    <a:lumMod val="75000"/>
+                    <a:lumOff val="25000"/>
+                  </a:schemeClr>
+                </a:solidFill>
+              </a:rPr>
+              <a:t>NodeManager</a:t>
+            </a:r>
+            <a:endParaRPr lang="ko-KR" altLang="en-US" sz="1200" dirty="0">
+              <a:solidFill>
+                <a:schemeClr val="bg1">
+                  <a:lumMod val="75000"/>
+                  <a:lumOff val="25000"/>
+                </a:schemeClr>
+              </a:solidFill>
+            </a:endParaRPr>
+          </a:p>
+        </p:txBody>
+      </p:sp>
+      <p:sp>
+        <p:nvSpPr>
+          <p:cNvPr id="55" name="직사각형 54"/>
+          <p:cNvSpPr/>
+          <p:nvPr/>
+        </p:nvSpPr>
+        <p:spPr>
+          <a:xfrm>
+            <a:off x="5769938" y="2038670"/>
+            <a:ext cx="1368152" cy="359433"/>
+          </a:xfrm>
+          <a:prstGeom prst="rect">
+            <a:avLst/>
+          </a:prstGeom>
+          <a:solidFill>
+            <a:schemeClr val="tx1"/>
+          </a:solidFill>
+          <a:ln w="9525">
+            <a:solidFill>
+              <a:schemeClr val="bg1">
+                <a:lumMod val="75000"/>
+                <a:lumOff val="25000"/>
+              </a:schemeClr>
+            </a:solidFill>
+          </a:ln>
+        </p:spPr>
+        <p:style>
+          <a:lnRef idx="2">
+            <a:schemeClr val="accent1">
+              <a:shade val="50000"/>
+            </a:schemeClr>
+          </a:lnRef>
+          <a:fillRef idx="1">
+            <a:schemeClr val="accent1"/>
+          </a:fillRef>
+          <a:effectRef idx="0">
+            <a:schemeClr val="accent1"/>
+          </a:effectRef>
+          <a:fontRef idx="minor">
+            <a:schemeClr val="lt1"/>
+          </a:fontRef>
+        </p:style>
+        <p:txBody>
+          <a:bodyPr rtlCol="0" anchor="ctr"/>
+          <a:lstStyle/>
+          <a:p>
+            <a:pPr algn="ctr"/>
+            <a:r>
+              <a:rPr lang="en-US" altLang="ko-KR" sz="1200" dirty="0" smtClean="0">
+                <a:solidFill>
+                  <a:schemeClr val="bg1">
+                    <a:lumMod val="75000"/>
+                    <a:lumOff val="25000"/>
+                  </a:schemeClr>
+                </a:solidFill>
+              </a:rPr>
+              <a:t>:Link</a:t>
+            </a:r>
+            <a:endParaRPr lang="ko-KR" altLang="en-US" sz="1200" dirty="0">
+              <a:solidFill>
+                <a:schemeClr val="bg1">
+                  <a:lumMod val="75000"/>
+                  <a:lumOff val="25000"/>
+                </a:schemeClr>
+              </a:solidFill>
+            </a:endParaRPr>
+          </a:p>
+        </p:txBody>
+      </p:sp>
+      <p:cxnSp>
+        <p:nvCxnSpPr>
+          <p:cNvPr id="23" name="직선 연결선 22"/>
+          <p:cNvCxnSpPr>
+            <a:stCxn id="54" idx="2"/>
+            <a:endCxn id="108" idx="0"/>
+          </p:cNvCxnSpPr>
+          <p:nvPr/>
+        </p:nvCxnSpPr>
+        <p:spPr>
+          <a:xfrm>
+            <a:off x="3527884" y="2398103"/>
+            <a:ext cx="0" cy="1086981"/>
+          </a:xfrm>
+          <a:prstGeom prst="line">
+            <a:avLst/>
+          </a:prstGeom>
+          <a:ln>
+            <a:solidFill>
+              <a:schemeClr val="bg1">
+                <a:lumMod val="75000"/>
+                <a:lumOff val="25000"/>
+              </a:schemeClr>
+            </a:solidFill>
+            <a:tailEnd type="none" w="lg" len="lg"/>
+          </a:ln>
+        </p:spPr>
+        <p:style>
+          <a:lnRef idx="1">
+            <a:schemeClr val="accent1"/>
+          </a:lnRef>
+          <a:fillRef idx="0">
+            <a:schemeClr val="accent1"/>
+          </a:fillRef>
+          <a:effectRef idx="0">
+            <a:schemeClr val="accent1"/>
+          </a:effectRef>
+          <a:fontRef idx="minor">
+            <a:schemeClr val="tx1"/>
+          </a:fontRef>
+        </p:style>
+      </p:cxnSp>
+      <p:cxnSp>
+        <p:nvCxnSpPr>
+          <p:cNvPr id="65" name="직선 연결선 64"/>
+          <p:cNvCxnSpPr>
+            <a:stCxn id="54" idx="3"/>
+            <a:endCxn id="55" idx="1"/>
+          </p:cNvCxnSpPr>
+          <p:nvPr/>
+        </p:nvCxnSpPr>
+        <p:spPr>
+          <a:xfrm>
+            <a:off x="4211960" y="2218387"/>
+            <a:ext cx="1557978" cy="0"/>
+          </a:xfrm>
+          <a:prstGeom prst="line">
+            <a:avLst/>
+          </a:prstGeom>
+          <a:ln>
+            <a:solidFill>
+              <a:schemeClr val="bg1">
+                <a:lumMod val="75000"/>
+                <a:lumOff val="25000"/>
+              </a:schemeClr>
+            </a:solidFill>
+            <a:tailEnd type="none" w="lg" len="lg"/>
+          </a:ln>
+        </p:spPr>
+        <p:style>
+          <a:lnRef idx="1">
+            <a:schemeClr val="accent1"/>
+          </a:lnRef>
+          <a:fillRef idx="0">
+            <a:schemeClr val="accent1"/>
+          </a:fillRef>
+          <a:effectRef idx="0">
+            <a:schemeClr val="accent1"/>
+          </a:effectRef>
+          <a:fontRef idx="minor">
+            <a:schemeClr val="tx1"/>
+          </a:fontRef>
+        </p:style>
+      </p:cxnSp>
+      <p:cxnSp>
+        <p:nvCxnSpPr>
+          <p:cNvPr id="81" name="직선 화살표 연결선 80"/>
+          <p:cNvCxnSpPr/>
+          <p:nvPr/>
+        </p:nvCxnSpPr>
+        <p:spPr>
+          <a:xfrm flipH="1">
+            <a:off x="4702156" y="2150318"/>
+            <a:ext cx="351347" cy="0"/>
+          </a:xfrm>
+          <a:prstGeom prst="straightConnector1">
+            <a:avLst/>
+          </a:prstGeom>
+          <a:ln>
+            <a:solidFill>
+              <a:schemeClr val="bg1">
+                <a:lumMod val="75000"/>
+                <a:lumOff val="25000"/>
+              </a:schemeClr>
+            </a:solidFill>
+            <a:tailEnd type="arrow"/>
+          </a:ln>
+        </p:spPr>
+        <p:style>
+          <a:lnRef idx="1">
+            <a:schemeClr val="accent1"/>
+          </a:lnRef>
+          <a:fillRef idx="0">
+            <a:schemeClr val="accent1"/>
+          </a:fillRef>
+          <a:effectRef idx="0">
+            <a:schemeClr val="accent1"/>
+          </a:effectRef>
+          <a:fontRef idx="minor">
+            <a:schemeClr val="tx1"/>
+          </a:fontRef>
+        </p:style>
+      </p:cxnSp>
+      <p:cxnSp>
+        <p:nvCxnSpPr>
+          <p:cNvPr id="85" name="직선 연결선 84"/>
+          <p:cNvCxnSpPr>
+            <a:endCxn id="55" idx="2"/>
+          </p:cNvCxnSpPr>
+          <p:nvPr/>
+        </p:nvCxnSpPr>
+        <p:spPr>
+          <a:xfrm flipV="1">
+            <a:off x="6454014" y="2398103"/>
+            <a:ext cx="0" cy="1403124"/>
+          </a:xfrm>
+          <a:prstGeom prst="line">
+            <a:avLst/>
+          </a:prstGeom>
+          <a:ln>
+            <a:solidFill>
+              <a:schemeClr val="bg1">
+                <a:lumMod val="75000"/>
+                <a:lumOff val="25000"/>
+              </a:schemeClr>
+            </a:solidFill>
+            <a:tailEnd type="none" w="lg" len="lg"/>
+          </a:ln>
+        </p:spPr>
+        <p:style>
+          <a:lnRef idx="1">
+            <a:schemeClr val="accent1"/>
+          </a:lnRef>
+          <a:fillRef idx="0">
+            <a:schemeClr val="accent1"/>
+          </a:fillRef>
+          <a:effectRef idx="0">
+            <a:schemeClr val="accent1"/>
+          </a:effectRef>
+          <a:fontRef idx="minor">
+            <a:schemeClr val="tx1"/>
+          </a:fontRef>
+        </p:style>
+      </p:cxnSp>
+      <p:cxnSp>
+        <p:nvCxnSpPr>
+          <p:cNvPr id="88" name="직선 화살표 연결선 87"/>
+          <p:cNvCxnSpPr/>
+          <p:nvPr/>
+        </p:nvCxnSpPr>
+        <p:spPr>
+          <a:xfrm flipV="1">
+            <a:off x="6524955" y="3101283"/>
+            <a:ext cx="0" cy="327717"/>
+          </a:xfrm>
+          <a:prstGeom prst="straightConnector1">
+            <a:avLst/>
+          </a:prstGeom>
+          <a:ln>
+            <a:solidFill>
+              <a:schemeClr val="bg1">
+                <a:lumMod val="75000"/>
+                <a:lumOff val="25000"/>
+              </a:schemeClr>
+            </a:solidFill>
+            <a:tailEnd type="arrow"/>
+          </a:ln>
+        </p:spPr>
+        <p:style>
+          <a:lnRef idx="1">
+            <a:schemeClr val="accent1"/>
+          </a:lnRef>
+          <a:fillRef idx="0">
+            <a:schemeClr val="accent1"/>
+          </a:fillRef>
+          <a:effectRef idx="0">
+            <a:schemeClr val="accent1"/>
+          </a:effectRef>
+          <a:fontRef idx="minor">
+            <a:schemeClr val="tx1"/>
+          </a:fontRef>
+        </p:style>
+      </p:cxnSp>
+      <p:sp>
+        <p:nvSpPr>
+          <p:cNvPr id="41" name="직사각형 40"/>
+          <p:cNvSpPr/>
+          <p:nvPr/>
+        </p:nvSpPr>
+        <p:spPr>
+          <a:xfrm>
+            <a:off x="6764492" y="5272257"/>
+            <a:ext cx="1800000" cy="965055"/>
+          </a:xfrm>
+          <a:prstGeom prst="rect">
+            <a:avLst/>
+          </a:prstGeom>
+          <a:solidFill>
+            <a:schemeClr val="tx1"/>
+          </a:solidFill>
+          <a:ln w="9525">
+            <a:solidFill>
+              <a:schemeClr val="bg1">
+                <a:lumMod val="75000"/>
+                <a:lumOff val="25000"/>
+              </a:schemeClr>
+            </a:solidFill>
+          </a:ln>
+        </p:spPr>
+        <p:style>
+          <a:lnRef idx="2">
+            <a:schemeClr val="accent1">
+              <a:shade val="50000"/>
+            </a:schemeClr>
+          </a:lnRef>
+          <a:fillRef idx="1">
+            <a:schemeClr val="accent1"/>
+          </a:fillRef>
+          <a:effectRef idx="0">
+            <a:schemeClr val="accent1"/>
+          </a:effectRef>
+          <a:fontRef idx="minor">
+            <a:schemeClr val="lt1"/>
+          </a:fontRef>
+        </p:style>
+        <p:txBody>
+          <a:bodyPr rot="0" spcFirstLastPara="0" vertOverflow="overflow" horzOverflow="overflow" vert="horz" wrap="square" lIns="91440" tIns="45720" rIns="91440" bIns="45720" numCol="1" spcCol="0" rtlCol="0" fromWordArt="0" anchor="ctr" anchorCtr="0" forceAA="0" compatLnSpc="1">
+            <a:prstTxWarp prst="textNoShape">
+              <a:avLst/>
+            </a:prstTxWarp>
+            <a:noAutofit/>
+          </a:bodyPr>
+          <a:lstStyle/>
+          <a:p>
+            <a:pPr algn="ctr"/>
+            <a:endParaRPr lang="ko-KR" altLang="en-US" sz="1200" dirty="0" smtClean="0">
+              <a:solidFill>
+                <a:schemeClr val="bg1">
+                  <a:lumMod val="75000"/>
+                  <a:lumOff val="25000"/>
+                </a:schemeClr>
+              </a:solidFill>
+            </a:endParaRPr>
+          </a:p>
+        </p:txBody>
+      </p:sp>
+      <p:cxnSp>
+        <p:nvCxnSpPr>
+          <p:cNvPr id="92" name="직선 화살표 연결선 91"/>
+          <p:cNvCxnSpPr/>
+          <p:nvPr/>
+        </p:nvCxnSpPr>
+        <p:spPr>
+          <a:xfrm>
+            <a:off x="6836500" y="5858272"/>
+            <a:ext cx="360040" cy="0"/>
+          </a:xfrm>
+          <a:prstGeom prst="straightConnector1">
+            <a:avLst/>
+          </a:prstGeom>
+          <a:ln>
+            <a:solidFill>
+              <a:schemeClr val="bg1">
+                <a:lumMod val="75000"/>
+                <a:lumOff val="25000"/>
+              </a:schemeClr>
+            </a:solidFill>
+            <a:tailEnd type="arrow"/>
+          </a:ln>
+        </p:spPr>
+        <p:style>
+          <a:lnRef idx="1">
+            <a:schemeClr val="accent1"/>
+          </a:lnRef>
+          <a:fillRef idx="0">
+            <a:schemeClr val="accent1"/>
+          </a:fillRef>
+          <a:effectRef idx="0">
+            <a:schemeClr val="accent1"/>
+          </a:effectRef>
+          <a:fontRef idx="minor">
+            <a:schemeClr val="tx1"/>
+          </a:fontRef>
+        </p:style>
+      </p:cxnSp>
+      <p:cxnSp>
+        <p:nvCxnSpPr>
+          <p:cNvPr id="93" name="직선 화살표 연결선 92"/>
+          <p:cNvCxnSpPr/>
+          <p:nvPr/>
+        </p:nvCxnSpPr>
+        <p:spPr>
+          <a:xfrm>
+            <a:off x="6836500" y="6011788"/>
+            <a:ext cx="360040" cy="0"/>
+          </a:xfrm>
+          <a:prstGeom prst="straightConnector1">
+            <a:avLst/>
+          </a:prstGeom>
+          <a:ln>
+            <a:solidFill>
+              <a:schemeClr val="bg1">
+                <a:lumMod val="75000"/>
+                <a:lumOff val="25000"/>
+              </a:schemeClr>
+            </a:solidFill>
+            <a:tailEnd type="triangle"/>
+          </a:ln>
+        </p:spPr>
+        <p:style>
+          <a:lnRef idx="1">
+            <a:schemeClr val="accent1"/>
+          </a:lnRef>
+          <a:fillRef idx="0">
+            <a:schemeClr val="accent1"/>
+          </a:fillRef>
+          <a:effectRef idx="0">
+            <a:schemeClr val="accent1"/>
+          </a:effectRef>
+          <a:fontRef idx="minor">
+            <a:schemeClr val="tx1"/>
+          </a:fontRef>
+        </p:style>
+      </p:cxnSp>
+      <p:cxnSp>
+        <p:nvCxnSpPr>
+          <p:cNvPr id="95" name="직선 화살표 연결선 94"/>
+          <p:cNvCxnSpPr/>
+          <p:nvPr/>
+        </p:nvCxnSpPr>
+        <p:spPr>
+          <a:xfrm>
+            <a:off x="6836500" y="6165304"/>
+            <a:ext cx="360040" cy="0"/>
+          </a:xfrm>
+          <a:prstGeom prst="straightConnector1">
+            <a:avLst/>
+          </a:prstGeom>
+          <a:ln>
+            <a:solidFill>
+              <a:schemeClr val="bg1">
+                <a:lumMod val="75000"/>
+                <a:lumOff val="25000"/>
+              </a:schemeClr>
+            </a:solidFill>
+            <a:prstDash val="sysDash"/>
+            <a:tailEnd type="triangle"/>
+          </a:ln>
+        </p:spPr>
+        <p:style>
+          <a:lnRef idx="1">
+            <a:schemeClr val="accent1"/>
+          </a:lnRef>
+          <a:fillRef idx="0">
+            <a:schemeClr val="accent1"/>
+          </a:fillRef>
+          <a:effectRef idx="0">
+            <a:schemeClr val="accent1"/>
+          </a:effectRef>
+          <a:fontRef idx="minor">
+            <a:schemeClr val="tx1"/>
+          </a:fontRef>
+        </p:style>
+      </p:cxnSp>
+      <p:sp>
+        <p:nvSpPr>
+          <p:cNvPr id="96" name="직사각형 95"/>
+          <p:cNvSpPr/>
+          <p:nvPr/>
+        </p:nvSpPr>
+        <p:spPr>
+          <a:xfrm>
+            <a:off x="6823248" y="5518988"/>
+            <a:ext cx="360040" cy="90000"/>
+          </a:xfrm>
+          <a:prstGeom prst="rect">
+            <a:avLst/>
+          </a:prstGeom>
+          <a:solidFill>
+            <a:schemeClr val="tx1"/>
+          </a:solidFill>
+          <a:ln w="9525">
+            <a:solidFill>
+              <a:schemeClr val="bg1">
+                <a:lumMod val="75000"/>
+                <a:lumOff val="25000"/>
+              </a:schemeClr>
+            </a:solidFill>
+          </a:ln>
+        </p:spPr>
+        <p:style>
+          <a:lnRef idx="2">
+            <a:schemeClr val="accent1">
+              <a:shade val="50000"/>
+            </a:schemeClr>
+          </a:lnRef>
+          <a:fillRef idx="1">
+            <a:schemeClr val="accent1"/>
+          </a:fillRef>
+          <a:effectRef idx="0">
+            <a:schemeClr val="accent1"/>
+          </a:effectRef>
+          <a:fontRef idx="minor">
+            <a:schemeClr val="lt1"/>
+          </a:fontRef>
+        </p:style>
+        <p:txBody>
+          <a:bodyPr rtlCol="0" anchor="ctr"/>
+          <a:lstStyle/>
+          <a:p>
+            <a:pPr algn="ctr"/>
+            <a:endParaRPr lang="ko-KR" altLang="en-US" sz="1200" dirty="0">
+              <a:solidFill>
+                <a:schemeClr val="bg1">
+                  <a:lumMod val="75000"/>
+                  <a:lumOff val="25000"/>
+                </a:schemeClr>
+              </a:solidFill>
+            </a:endParaRPr>
+          </a:p>
+        </p:txBody>
+      </p:sp>
+      <p:sp>
+        <p:nvSpPr>
+          <p:cNvPr id="43" name="직사각형 42"/>
+          <p:cNvSpPr/>
+          <p:nvPr/>
+        </p:nvSpPr>
+        <p:spPr>
+          <a:xfrm>
+            <a:off x="7164288" y="5294606"/>
+            <a:ext cx="1440160" cy="942706"/>
+          </a:xfrm>
+          <a:prstGeom prst="rect">
+            <a:avLst/>
+          </a:prstGeom>
+          <a:noFill/>
+          <a:ln w="9525">
+            <a:noFill/>
+          </a:ln>
+        </p:spPr>
+        <p:style>
+          <a:lnRef idx="2">
+            <a:schemeClr val="accent1">
+              <a:shade val="50000"/>
+            </a:schemeClr>
+          </a:lnRef>
+          <a:fillRef idx="1">
+            <a:schemeClr val="accent1"/>
+          </a:fillRef>
+          <a:effectRef idx="0">
+            <a:schemeClr val="accent1"/>
+          </a:effectRef>
+          <a:fontRef idx="minor">
+            <a:schemeClr val="lt1"/>
+          </a:fontRef>
+        </p:style>
+        <p:txBody>
+          <a:bodyPr rot="0" spcFirstLastPara="0" vertOverflow="overflow" horzOverflow="overflow" vert="horz" wrap="square" lIns="91440" tIns="45720" rIns="91440" bIns="45720" numCol="1" spcCol="0" rtlCol="0" fromWordArt="0" anchor="ctr" anchorCtr="0" forceAA="0" compatLnSpc="1">
+            <a:prstTxWarp prst="textNoShape">
+              <a:avLst/>
+            </a:prstTxWarp>
+            <a:noAutofit/>
+          </a:bodyPr>
+          <a:lstStyle/>
+          <a:p>
+            <a:r>
+              <a:rPr lang="en-US" altLang="ko-KR" sz="1000" dirty="0" smtClean="0">
+                <a:solidFill>
+                  <a:schemeClr val="bg1">
+                    <a:lumMod val="75000"/>
+                    <a:lumOff val="25000"/>
+                  </a:schemeClr>
+                </a:solidFill>
+              </a:rPr>
+              <a:t>: Note</a:t>
+            </a:r>
+          </a:p>
+          <a:p>
+            <a:r>
+              <a:rPr lang="en-US" altLang="ko-KR" sz="1000" dirty="0" smtClean="0">
+                <a:solidFill>
+                  <a:schemeClr val="bg1">
+                    <a:lumMod val="75000"/>
+                    <a:lumOff val="25000"/>
+                  </a:schemeClr>
+                </a:solidFill>
+              </a:rPr>
+              <a:t>: </a:t>
+            </a:r>
+            <a:r>
+              <a:rPr lang="en-US" altLang="ko-KR" sz="1000" dirty="0" smtClean="0">
+                <a:solidFill>
+                  <a:schemeClr val="bg1">
+                    <a:lumMod val="75000"/>
+                    <a:lumOff val="25000"/>
+                  </a:schemeClr>
+                </a:solidFill>
+              </a:rPr>
+              <a:t>Object</a:t>
+            </a:r>
+            <a:endParaRPr lang="en-US" altLang="ko-KR" sz="1000" dirty="0" smtClean="0">
+              <a:solidFill>
+                <a:schemeClr val="bg1">
+                  <a:lumMod val="75000"/>
+                  <a:lumOff val="25000"/>
+                </a:schemeClr>
+              </a:solidFill>
+            </a:endParaRPr>
+          </a:p>
+          <a:p>
+            <a:r>
+              <a:rPr lang="en-US" altLang="ko-KR" sz="1000" dirty="0" smtClean="0">
+                <a:solidFill>
+                  <a:schemeClr val="bg1">
+                    <a:lumMod val="75000"/>
+                    <a:lumOff val="25000"/>
+                  </a:schemeClr>
+                </a:solidFill>
+              </a:rPr>
+              <a:t>: Link</a:t>
+            </a:r>
+          </a:p>
+          <a:p>
+            <a:r>
+              <a:rPr lang="en-US" altLang="ko-KR" sz="1000" dirty="0" smtClean="0">
+                <a:solidFill>
+                  <a:schemeClr val="bg1">
+                    <a:lumMod val="75000"/>
+                    <a:lumOff val="25000"/>
+                  </a:schemeClr>
+                </a:solidFill>
+              </a:rPr>
+              <a:t>: Asynchronous</a:t>
+            </a:r>
+          </a:p>
+          <a:p>
+            <a:r>
+              <a:rPr lang="en-US" altLang="ko-KR" sz="1000" dirty="0" smtClean="0">
+                <a:solidFill>
+                  <a:schemeClr val="bg1">
+                    <a:lumMod val="75000"/>
+                    <a:lumOff val="25000"/>
+                  </a:schemeClr>
+                </a:solidFill>
+              </a:rPr>
+              <a:t>: Synchronous or Call</a:t>
+            </a:r>
+          </a:p>
+          <a:p>
+            <a:r>
+              <a:rPr lang="en-US" altLang="ko-KR" sz="1000" dirty="0" smtClean="0">
+                <a:solidFill>
+                  <a:schemeClr val="bg1">
+                    <a:lumMod val="75000"/>
+                    <a:lumOff val="25000"/>
+                  </a:schemeClr>
+                </a:solidFill>
+              </a:rPr>
+              <a:t>: Reply</a:t>
+            </a:r>
+          </a:p>
+        </p:txBody>
+      </p:sp>
+      <p:cxnSp>
+        <p:nvCxnSpPr>
+          <p:cNvPr id="46" name="직선 연결선 45"/>
+          <p:cNvCxnSpPr/>
+          <p:nvPr/>
+        </p:nvCxnSpPr>
+        <p:spPr>
+          <a:xfrm>
+            <a:off x="6836500" y="5708496"/>
+            <a:ext cx="346788" cy="0"/>
+          </a:xfrm>
+          <a:prstGeom prst="line">
+            <a:avLst/>
+          </a:prstGeom>
+          <a:ln>
+            <a:solidFill>
+              <a:schemeClr val="bg1">
+                <a:lumMod val="75000"/>
+                <a:lumOff val="25000"/>
+              </a:schemeClr>
+            </a:solidFill>
+            <a:tailEnd type="none" w="lg" len="lg"/>
+          </a:ln>
+        </p:spPr>
+        <p:style>
+          <a:lnRef idx="1">
+            <a:schemeClr val="accent1"/>
+          </a:lnRef>
+          <a:fillRef idx="0">
+            <a:schemeClr val="accent1"/>
+          </a:fillRef>
+          <a:effectRef idx="0">
+            <a:schemeClr val="accent1"/>
+          </a:effectRef>
+          <a:fontRef idx="minor">
+            <a:schemeClr val="tx1"/>
+          </a:fontRef>
+        </p:style>
+      </p:cxnSp>
+      <p:sp>
+        <p:nvSpPr>
+          <p:cNvPr id="108" name="직사각형 107"/>
+          <p:cNvSpPr/>
+          <p:nvPr/>
+        </p:nvSpPr>
+        <p:spPr>
+          <a:xfrm>
+            <a:off x="2843808" y="3485084"/>
+            <a:ext cx="1368152" cy="359433"/>
+          </a:xfrm>
+          <a:prstGeom prst="rect">
+            <a:avLst/>
+          </a:prstGeom>
+          <a:solidFill>
+            <a:schemeClr val="tx1"/>
+          </a:solidFill>
+          <a:ln w="9525">
+            <a:solidFill>
+              <a:schemeClr val="bg1">
+                <a:lumMod val="75000"/>
+                <a:lumOff val="25000"/>
+              </a:schemeClr>
+            </a:solidFill>
+          </a:ln>
+        </p:spPr>
+        <p:style>
+          <a:lnRef idx="2">
+            <a:schemeClr val="accent1">
+              <a:shade val="50000"/>
+            </a:schemeClr>
+          </a:lnRef>
+          <a:fillRef idx="1">
+            <a:schemeClr val="accent1"/>
+          </a:fillRef>
+          <a:effectRef idx="0">
+            <a:schemeClr val="accent1"/>
+          </a:effectRef>
+          <a:fontRef idx="minor">
+            <a:schemeClr val="lt1"/>
+          </a:fontRef>
+        </p:style>
+        <p:txBody>
+          <a:bodyPr rtlCol="0" anchor="ctr"/>
+          <a:lstStyle/>
+          <a:p>
+            <a:pPr algn="ctr"/>
+            <a:r>
+              <a:rPr lang="en-US" altLang="ko-KR" sz="1200" dirty="0" smtClean="0">
+                <a:solidFill>
+                  <a:schemeClr val="bg1">
+                    <a:lumMod val="75000"/>
+                    <a:lumOff val="25000"/>
+                  </a:schemeClr>
+                </a:solidFill>
+              </a:rPr>
+              <a:t>:UI Controller</a:t>
+            </a:r>
+            <a:endParaRPr lang="ko-KR" altLang="en-US" sz="1200">
+              <a:solidFill>
+                <a:schemeClr val="bg1">
+                  <a:lumMod val="75000"/>
+                  <a:lumOff val="25000"/>
+                </a:schemeClr>
+              </a:solidFill>
+            </a:endParaRPr>
+          </a:p>
+        </p:txBody>
+      </p:sp>
+      <p:sp>
+        <p:nvSpPr>
+          <p:cNvPr id="111" name="직사각형 110"/>
+          <p:cNvSpPr/>
+          <p:nvPr/>
+        </p:nvSpPr>
+        <p:spPr>
+          <a:xfrm>
+            <a:off x="1501863" y="2433245"/>
+            <a:ext cx="2290406" cy="656322"/>
+          </a:xfrm>
+          <a:prstGeom prst="rect">
+            <a:avLst/>
+          </a:prstGeom>
+          <a:noFill/>
+          <a:ln w="9525">
+            <a:noFill/>
+          </a:ln>
+        </p:spPr>
+        <p:style>
+          <a:lnRef idx="2">
+            <a:schemeClr val="accent1">
+              <a:shade val="50000"/>
+            </a:schemeClr>
+          </a:lnRef>
+          <a:fillRef idx="1">
+            <a:schemeClr val="accent1"/>
+          </a:fillRef>
+          <a:effectRef idx="0">
+            <a:schemeClr val="accent1"/>
+          </a:effectRef>
+          <a:fontRef idx="minor">
+            <a:schemeClr val="lt1"/>
+          </a:fontRef>
+        </p:style>
+        <p:txBody>
+          <a:bodyPr rot="0" spcFirstLastPara="0" vertOverflow="overflow" horzOverflow="overflow" vert="horz" wrap="square" lIns="91440" tIns="45720" rIns="91440" bIns="45720" numCol="1" spcCol="0" rtlCol="0" fromWordArt="0" anchor="ctr" anchorCtr="0" forceAA="0" compatLnSpc="1">
+            <a:prstTxWarp prst="textNoShape">
+              <a:avLst/>
+            </a:prstTxWarp>
+            <a:noAutofit/>
+          </a:bodyPr>
+          <a:lstStyle/>
+          <a:p>
+            <a:r>
+              <a:rPr lang="en-US" altLang="ko-KR" sz="1200" dirty="0" smtClean="0">
+                <a:solidFill>
+                  <a:schemeClr val="bg1">
+                    <a:lumMod val="75000"/>
+                    <a:lumOff val="25000"/>
+                  </a:schemeClr>
+                </a:solidFill>
+              </a:rPr>
+              <a:t>[Value change]</a:t>
+            </a:r>
+          </a:p>
+          <a:p>
+            <a:r>
+              <a:rPr lang="en-US" altLang="ko-KR" sz="1200" dirty="0" smtClean="0">
+                <a:solidFill>
+                  <a:schemeClr val="bg1">
+                    <a:lumMod val="75000"/>
+                    <a:lumOff val="25000"/>
+                  </a:schemeClr>
+                </a:solidFill>
+              </a:rPr>
+              <a:t>1.1.1</a:t>
+            </a:r>
+            <a:r>
+              <a:rPr lang="en-US" altLang="ko-KR" sz="1200" dirty="0">
+                <a:solidFill>
+                  <a:schemeClr val="bg1">
+                    <a:lumMod val="75000"/>
+                    <a:lumOff val="25000"/>
+                  </a:schemeClr>
+                </a:solidFill>
+              </a:rPr>
+              <a:t>: </a:t>
+            </a:r>
+            <a:r>
+              <a:rPr lang="en-US" altLang="ko-KR" sz="1200" dirty="0" err="1" smtClean="0">
+                <a:solidFill>
+                  <a:schemeClr val="bg1">
+                    <a:lumMod val="75000"/>
+                    <a:lumOff val="25000"/>
+                  </a:schemeClr>
+                </a:solidFill>
+              </a:rPr>
+              <a:t>UpdateThing</a:t>
+            </a:r>
+            <a:r>
+              <a:rPr lang="en-US" altLang="ko-KR" sz="1200" dirty="0" smtClean="0">
+                <a:solidFill>
+                  <a:schemeClr val="bg1">
+                    <a:lumMod val="75000"/>
+                    <a:lumOff val="25000"/>
+                  </a:schemeClr>
+                </a:solidFill>
+              </a:rPr>
+              <a:t>(</a:t>
+            </a:r>
+            <a:r>
+              <a:rPr lang="en-US" altLang="ko-KR" sz="1200" dirty="0" err="1" smtClean="0">
+                <a:solidFill>
+                  <a:schemeClr val="bg1">
+                    <a:lumMod val="75000"/>
+                    <a:lumOff val="25000"/>
+                  </a:schemeClr>
+                </a:solidFill>
+              </a:rPr>
+              <a:t>NodeId</a:t>
+            </a:r>
+            <a:endParaRPr lang="en-US" altLang="ko-KR" sz="1200" dirty="0" smtClean="0">
+              <a:solidFill>
+                <a:schemeClr val="bg1">
+                  <a:lumMod val="75000"/>
+                  <a:lumOff val="25000"/>
+                </a:schemeClr>
+              </a:solidFill>
+            </a:endParaRPr>
+          </a:p>
+          <a:p>
+            <a:r>
+              <a:rPr lang="en-US" altLang="ko-KR" sz="1200" dirty="0" smtClean="0">
+                <a:solidFill>
+                  <a:schemeClr val="bg1">
+                    <a:lumMod val="75000"/>
+                    <a:lumOff val="25000"/>
+                  </a:schemeClr>
+                </a:solidFill>
+              </a:rPr>
+              <a:t>,</a:t>
+            </a:r>
+            <a:r>
+              <a:rPr lang="en-US" altLang="ko-KR" sz="1200" dirty="0" err="1" smtClean="0">
+                <a:solidFill>
+                  <a:schemeClr val="bg1">
+                    <a:lumMod val="75000"/>
+                    <a:lumOff val="25000"/>
+                  </a:schemeClr>
+                </a:solidFill>
+              </a:rPr>
+              <a:t>ThingId,value</a:t>
+            </a:r>
+            <a:r>
+              <a:rPr lang="en-US" altLang="ko-KR" sz="1200" dirty="0">
+                <a:solidFill>
+                  <a:schemeClr val="bg1">
+                    <a:lumMod val="75000"/>
+                    <a:lumOff val="25000"/>
+                  </a:schemeClr>
+                </a:solidFill>
+              </a:rPr>
+              <a:t>)</a:t>
+            </a:r>
+            <a:endParaRPr lang="ko-KR" altLang="en-US" sz="1200" dirty="0" smtClean="0">
+              <a:solidFill>
+                <a:schemeClr val="bg1">
+                  <a:lumMod val="75000"/>
+                  <a:lumOff val="25000"/>
+                </a:schemeClr>
+              </a:solidFill>
+            </a:endParaRPr>
+          </a:p>
+        </p:txBody>
+      </p:sp>
+      <p:cxnSp>
+        <p:nvCxnSpPr>
+          <p:cNvPr id="112" name="직선 화살표 연결선 111"/>
+          <p:cNvCxnSpPr/>
+          <p:nvPr/>
+        </p:nvCxnSpPr>
+        <p:spPr>
+          <a:xfrm>
+            <a:off x="3654896" y="2611424"/>
+            <a:ext cx="0" cy="313520"/>
+          </a:xfrm>
+          <a:prstGeom prst="straightConnector1">
+            <a:avLst/>
+          </a:prstGeom>
+          <a:ln>
+            <a:solidFill>
+              <a:schemeClr val="bg1">
+                <a:lumMod val="75000"/>
+                <a:lumOff val="25000"/>
+              </a:schemeClr>
+            </a:solidFill>
+            <a:tailEnd type="arrow"/>
+          </a:ln>
+        </p:spPr>
+        <p:style>
+          <a:lnRef idx="1">
+            <a:schemeClr val="accent1"/>
+          </a:lnRef>
+          <a:fillRef idx="0">
+            <a:schemeClr val="accent1"/>
+          </a:fillRef>
+          <a:effectRef idx="0">
+            <a:schemeClr val="accent1"/>
+          </a:effectRef>
+          <a:fontRef idx="minor">
+            <a:schemeClr val="tx1"/>
+          </a:fontRef>
+        </p:style>
+      </p:cxnSp>
+      <p:sp>
+        <p:nvSpPr>
+          <p:cNvPr id="120" name="직사각형 119"/>
+          <p:cNvSpPr/>
+          <p:nvPr/>
+        </p:nvSpPr>
+        <p:spPr>
+          <a:xfrm>
+            <a:off x="3124135" y="4869160"/>
+            <a:ext cx="806349" cy="359433"/>
+          </a:xfrm>
+          <a:prstGeom prst="rect">
+            <a:avLst/>
+          </a:prstGeom>
+          <a:solidFill>
+            <a:schemeClr val="tx1"/>
+          </a:solidFill>
+          <a:ln w="9525">
+            <a:solidFill>
+              <a:schemeClr val="bg1">
+                <a:lumMod val="75000"/>
+                <a:lumOff val="25000"/>
+              </a:schemeClr>
+            </a:solidFill>
+          </a:ln>
+        </p:spPr>
+        <p:style>
+          <a:lnRef idx="2">
+            <a:schemeClr val="accent1">
+              <a:shade val="50000"/>
+            </a:schemeClr>
+          </a:lnRef>
+          <a:fillRef idx="1">
+            <a:schemeClr val="accent1"/>
+          </a:fillRef>
+          <a:effectRef idx="0">
+            <a:schemeClr val="accent1"/>
+          </a:effectRef>
+          <a:fontRef idx="minor">
+            <a:schemeClr val="lt1"/>
+          </a:fontRef>
+        </p:style>
+        <p:txBody>
+          <a:bodyPr rtlCol="0" anchor="ctr"/>
+          <a:lstStyle/>
+          <a:p>
+            <a:pPr algn="ctr"/>
+            <a:r>
+              <a:rPr lang="en-US" altLang="ko-KR" sz="1200" dirty="0" smtClean="0">
+                <a:solidFill>
+                  <a:schemeClr val="bg1">
+                    <a:lumMod val="75000"/>
+                    <a:lumOff val="25000"/>
+                  </a:schemeClr>
+                </a:solidFill>
+              </a:rPr>
+              <a:t>:UI View</a:t>
+            </a:r>
+            <a:endParaRPr lang="ko-KR" altLang="en-US" sz="1200">
+              <a:solidFill>
+                <a:schemeClr val="bg1">
+                  <a:lumMod val="75000"/>
+                  <a:lumOff val="25000"/>
+                </a:schemeClr>
+              </a:solidFill>
+            </a:endParaRPr>
+          </a:p>
+        </p:txBody>
+      </p:sp>
+      <p:cxnSp>
+        <p:nvCxnSpPr>
+          <p:cNvPr id="123" name="직선 연결선 122"/>
+          <p:cNvCxnSpPr>
+            <a:stCxn id="108" idx="2"/>
+            <a:endCxn id="120" idx="0"/>
+          </p:cNvCxnSpPr>
+          <p:nvPr/>
+        </p:nvCxnSpPr>
+        <p:spPr>
+          <a:xfrm flipH="1">
+            <a:off x="3527310" y="3844517"/>
+            <a:ext cx="574" cy="1024643"/>
+          </a:xfrm>
+          <a:prstGeom prst="line">
+            <a:avLst/>
+          </a:prstGeom>
+          <a:ln>
+            <a:solidFill>
+              <a:schemeClr val="bg1">
+                <a:lumMod val="75000"/>
+                <a:lumOff val="25000"/>
+              </a:schemeClr>
+            </a:solidFill>
+            <a:tailEnd type="none" w="lg" len="lg"/>
+          </a:ln>
+        </p:spPr>
+        <p:style>
+          <a:lnRef idx="1">
+            <a:schemeClr val="accent1"/>
+          </a:lnRef>
+          <a:fillRef idx="0">
+            <a:schemeClr val="accent1"/>
+          </a:fillRef>
+          <a:effectRef idx="0">
+            <a:schemeClr val="accent1"/>
+          </a:effectRef>
+          <a:fontRef idx="minor">
+            <a:schemeClr val="tx1"/>
+          </a:fontRef>
+        </p:style>
+      </p:cxnSp>
+      <p:grpSp>
+        <p:nvGrpSpPr>
+          <p:cNvPr id="163" name="그룹 162"/>
+          <p:cNvGrpSpPr/>
+          <p:nvPr/>
+        </p:nvGrpSpPr>
+        <p:grpSpPr>
+          <a:xfrm>
+            <a:off x="6823249" y="5302491"/>
+            <a:ext cx="409744" cy="139871"/>
+            <a:chOff x="6751241" y="5064193"/>
+            <a:chExt cx="409744" cy="139871"/>
+          </a:xfrm>
+        </p:grpSpPr>
+        <p:sp>
+          <p:nvSpPr>
+            <p:cNvPr id="161" name="한쪽 모서리가 잘린 사각형 160"/>
+            <p:cNvSpPr/>
+            <p:nvPr/>
+          </p:nvSpPr>
+          <p:spPr>
+            <a:xfrm>
+              <a:off x="6751241" y="5096064"/>
+              <a:ext cx="361410" cy="108000"/>
+            </a:xfrm>
+            <a:prstGeom prst="snip1Rect">
+              <a:avLst>
+                <a:gd name="adj" fmla="val 43048"/>
+              </a:avLst>
+            </a:prstGeom>
+            <a:solidFill>
+              <a:schemeClr val="tx1">
+                <a:lumMod val="85000"/>
+              </a:schemeClr>
+            </a:solidFill>
+            <a:ln w="9525">
+              <a:solidFill>
+                <a:schemeClr val="bg1">
+                  <a:lumMod val="75000"/>
+                  <a:lumOff val="25000"/>
+                </a:schemeClr>
+              </a:solidFill>
+            </a:ln>
+          </p:spPr>
+          <p:style>
+            <a:lnRef idx="2">
+              <a:schemeClr val="accent1">
+                <a:shade val="50000"/>
+              </a:schemeClr>
+            </a:lnRef>
+            <a:fillRef idx="1">
+              <a:schemeClr val="accent1"/>
+            </a:fillRef>
+            <a:effectRef idx="0">
+              <a:schemeClr val="accent1"/>
+            </a:effectRef>
+            <a:fontRef idx="minor">
+              <a:schemeClr val="lt1"/>
+            </a:fontRef>
+          </p:style>
+          <p:txBody>
+            <a:bodyPr rot="0" spcFirstLastPara="0" vertOverflow="overflow" horzOverflow="overflow" vert="horz" wrap="square" lIns="91440" tIns="45720" rIns="91440" bIns="45720" numCol="1" spcCol="0" rtlCol="0" fromWordArt="0" anchor="ctr" anchorCtr="0" forceAA="0" compatLnSpc="1">
+              <a:prstTxWarp prst="textNoShape">
+                <a:avLst/>
+              </a:prstTxWarp>
+              <a:noAutofit/>
+            </a:bodyPr>
+            <a:lstStyle/>
+            <a:p>
+              <a:pPr algn="ctr"/>
+              <a:endParaRPr lang="ko-KR" altLang="en-US" sz="1200" dirty="0" smtClean="0">
+                <a:solidFill>
+                  <a:schemeClr val="bg1">
+                    <a:lumMod val="75000"/>
+                    <a:lumOff val="25000"/>
+                  </a:schemeClr>
+                </a:solidFill>
+              </a:endParaRPr>
+            </a:p>
+          </p:txBody>
+        </p:sp>
+        <p:sp>
+          <p:nvSpPr>
+            <p:cNvPr id="162" name="직각 삼각형 161"/>
+            <p:cNvSpPr/>
+            <p:nvPr/>
+          </p:nvSpPr>
+          <p:spPr>
+            <a:xfrm>
+              <a:off x="7052985" y="5064193"/>
+              <a:ext cx="108000" cy="108000"/>
+            </a:xfrm>
+            <a:prstGeom prst="rtTriangle">
+              <a:avLst/>
+            </a:prstGeom>
+            <a:solidFill>
+              <a:schemeClr val="bg1">
+                <a:lumMod val="50000"/>
+                <a:lumOff val="50000"/>
+              </a:schemeClr>
+            </a:solidFill>
+            <a:ln w="9525">
+              <a:solidFill>
+                <a:schemeClr val="tx1"/>
+              </a:solidFill>
+            </a:ln>
+          </p:spPr>
+          <p:style>
+            <a:lnRef idx="2">
+              <a:schemeClr val="accent1">
+                <a:shade val="50000"/>
+              </a:schemeClr>
+            </a:lnRef>
+            <a:fillRef idx="1">
+              <a:schemeClr val="accent1"/>
+            </a:fillRef>
+            <a:effectRef idx="0">
+              <a:schemeClr val="accent1"/>
+            </a:effectRef>
+            <a:fontRef idx="minor">
+              <a:schemeClr val="lt1"/>
+            </a:fontRef>
+          </p:style>
+          <p:txBody>
+            <a:bodyPr rot="0" spcFirstLastPara="0" vertOverflow="overflow" horzOverflow="overflow" vert="horz" wrap="square" lIns="91440" tIns="45720" rIns="91440" bIns="45720" numCol="1" spcCol="0" rtlCol="0" fromWordArt="0" anchor="ctr" anchorCtr="0" forceAA="0" compatLnSpc="1">
+              <a:prstTxWarp prst="textNoShape">
+                <a:avLst/>
+              </a:prstTxWarp>
+              <a:noAutofit/>
+            </a:bodyPr>
+            <a:lstStyle/>
+            <a:p>
+              <a:pPr algn="ctr"/>
+              <a:endParaRPr lang="ko-KR" altLang="en-US" sz="1200" dirty="0" smtClean="0">
+                <a:solidFill>
+                  <a:schemeClr val="bg1">
+                    <a:lumMod val="75000"/>
+                    <a:lumOff val="25000"/>
+                  </a:schemeClr>
+                </a:solidFill>
+              </a:endParaRPr>
+            </a:p>
+          </p:txBody>
+        </p:sp>
+      </p:grpSp>
+      <p:sp>
+        <p:nvSpPr>
+          <p:cNvPr id="168" name="직사각형 167"/>
+          <p:cNvSpPr/>
+          <p:nvPr/>
+        </p:nvSpPr>
+        <p:spPr>
+          <a:xfrm>
+            <a:off x="3563888" y="4221088"/>
+            <a:ext cx="2016224" cy="359433"/>
+          </a:xfrm>
+          <a:prstGeom prst="rect">
+            <a:avLst/>
+          </a:prstGeom>
+          <a:noFill/>
+          <a:ln w="9525">
+            <a:noFill/>
+          </a:ln>
+        </p:spPr>
+        <p:style>
+          <a:lnRef idx="2">
+            <a:schemeClr val="accent1">
+              <a:shade val="50000"/>
+            </a:schemeClr>
+          </a:lnRef>
+          <a:fillRef idx="1">
+            <a:schemeClr val="accent1"/>
+          </a:fillRef>
+          <a:effectRef idx="0">
+            <a:schemeClr val="accent1"/>
+          </a:effectRef>
+          <a:fontRef idx="minor">
+            <a:schemeClr val="lt1"/>
+          </a:fontRef>
+        </p:style>
+        <p:txBody>
+          <a:bodyPr rot="0" spcFirstLastPara="0" vertOverflow="overflow" horzOverflow="overflow" vert="horz" wrap="square" lIns="91440" tIns="45720" rIns="91440" bIns="45720" numCol="1" spcCol="0" rtlCol="0" fromWordArt="0" anchor="ctr" anchorCtr="0" forceAA="0" compatLnSpc="1">
+            <a:prstTxWarp prst="textNoShape">
+              <a:avLst/>
+            </a:prstTxWarp>
+            <a:noAutofit/>
+          </a:bodyPr>
+          <a:lstStyle/>
+          <a:p>
+            <a:pPr algn="ctr"/>
+            <a:r>
+              <a:rPr lang="en-US" altLang="ko-KR" sz="1200" dirty="0" smtClean="0">
+                <a:solidFill>
+                  <a:schemeClr val="bg1">
+                    <a:lumMod val="75000"/>
+                    <a:lumOff val="25000"/>
+                  </a:schemeClr>
+                </a:solidFill>
+              </a:rPr>
+              <a:t>1: </a:t>
+            </a:r>
+            <a:r>
+              <a:rPr lang="en-US" altLang="ko-KR" sz="1200" dirty="0" err="1" smtClean="0">
+                <a:solidFill>
+                  <a:schemeClr val="bg1">
+                    <a:lumMod val="75000"/>
+                    <a:lumOff val="25000"/>
+                  </a:schemeClr>
+                </a:solidFill>
+              </a:rPr>
+              <a:t>updatelThing</a:t>
+            </a:r>
+            <a:r>
+              <a:rPr lang="en-US" altLang="ko-KR" sz="1200" dirty="0" smtClean="0">
+                <a:solidFill>
+                  <a:schemeClr val="bg1">
+                    <a:lumMod val="75000"/>
+                    <a:lumOff val="25000"/>
+                  </a:schemeClr>
+                </a:solidFill>
+              </a:rPr>
+              <a:t>(</a:t>
+            </a:r>
+            <a:r>
+              <a:rPr lang="en-US" altLang="ko-KR" sz="1200" dirty="0" err="1" smtClean="0">
+                <a:solidFill>
+                  <a:schemeClr val="bg1">
+                    <a:lumMod val="75000"/>
+                    <a:lumOff val="25000"/>
+                  </a:schemeClr>
+                </a:solidFill>
+              </a:rPr>
+              <a:t>NodeId</a:t>
+            </a:r>
+            <a:endParaRPr lang="en-US" altLang="ko-KR" sz="1200" dirty="0" smtClean="0">
+              <a:solidFill>
+                <a:schemeClr val="bg1">
+                  <a:lumMod val="75000"/>
+                  <a:lumOff val="25000"/>
+                </a:schemeClr>
+              </a:solidFill>
+            </a:endParaRPr>
+          </a:p>
+          <a:p>
+            <a:pPr algn="ctr"/>
+            <a:r>
+              <a:rPr lang="en-US" altLang="ko-KR" sz="1200" dirty="0" smtClean="0">
+                <a:solidFill>
+                  <a:schemeClr val="bg1">
+                    <a:lumMod val="75000"/>
+                    <a:lumOff val="25000"/>
+                  </a:schemeClr>
+                </a:solidFill>
+              </a:rPr>
+              <a:t>,</a:t>
+            </a:r>
+            <a:r>
+              <a:rPr lang="en-US" altLang="ko-KR" sz="1200" dirty="0" err="1" smtClean="0">
+                <a:solidFill>
+                  <a:schemeClr val="bg1">
+                    <a:lumMod val="75000"/>
+                    <a:lumOff val="25000"/>
+                  </a:schemeClr>
+                </a:solidFill>
+              </a:rPr>
+              <a:t>ThingId</a:t>
+            </a:r>
+            <a:r>
+              <a:rPr lang="en-US" altLang="ko-KR" sz="1200" dirty="0" smtClean="0">
+                <a:solidFill>
+                  <a:schemeClr val="bg1">
+                    <a:lumMod val="75000"/>
+                    <a:lumOff val="25000"/>
+                  </a:schemeClr>
+                </a:solidFill>
+              </a:rPr>
+              <a:t>, value)</a:t>
+            </a:r>
+            <a:endParaRPr lang="ko-KR" altLang="en-US" sz="1200" dirty="0" smtClean="0">
+              <a:solidFill>
+                <a:schemeClr val="bg1">
+                  <a:lumMod val="75000"/>
+                  <a:lumOff val="25000"/>
+                </a:schemeClr>
+              </a:solidFill>
+            </a:endParaRPr>
+          </a:p>
+        </p:txBody>
+      </p:sp>
+      <p:cxnSp>
+        <p:nvCxnSpPr>
+          <p:cNvPr id="169" name="직선 화살표 연결선 168"/>
+          <p:cNvCxnSpPr/>
+          <p:nvPr/>
+        </p:nvCxnSpPr>
+        <p:spPr>
+          <a:xfrm>
+            <a:off x="3670833" y="4218009"/>
+            <a:ext cx="0" cy="328615"/>
+          </a:xfrm>
+          <a:prstGeom prst="straightConnector1">
+            <a:avLst/>
+          </a:prstGeom>
+          <a:ln>
+            <a:solidFill>
+              <a:schemeClr val="bg1">
+                <a:lumMod val="75000"/>
+                <a:lumOff val="25000"/>
+              </a:schemeClr>
+            </a:solidFill>
+            <a:tailEnd type="triangle"/>
+          </a:ln>
+        </p:spPr>
+        <p:style>
+          <a:lnRef idx="1">
+            <a:schemeClr val="accent1"/>
+          </a:lnRef>
+          <a:fillRef idx="0">
+            <a:schemeClr val="accent1"/>
+          </a:fillRef>
+          <a:effectRef idx="0">
+            <a:schemeClr val="accent1"/>
+          </a:effectRef>
+          <a:fontRef idx="minor">
+            <a:schemeClr val="tx1"/>
+          </a:fontRef>
+        </p:style>
+      </p:cxnSp>
+      <p:sp>
+        <p:nvSpPr>
+          <p:cNvPr id="62" name="직사각형 61"/>
+          <p:cNvSpPr/>
+          <p:nvPr/>
+        </p:nvSpPr>
+        <p:spPr>
+          <a:xfrm>
+            <a:off x="695925" y="3485083"/>
+            <a:ext cx="1368152" cy="359433"/>
+          </a:xfrm>
+          <a:prstGeom prst="rect">
+            <a:avLst/>
+          </a:prstGeom>
+          <a:solidFill>
+            <a:schemeClr val="tx1"/>
+          </a:solidFill>
+          <a:ln w="9525">
+            <a:solidFill>
+              <a:schemeClr val="bg1">
+                <a:lumMod val="75000"/>
+                <a:lumOff val="25000"/>
+              </a:schemeClr>
+            </a:solidFill>
+          </a:ln>
+        </p:spPr>
+        <p:style>
+          <a:lnRef idx="2">
+            <a:schemeClr val="accent1">
+              <a:shade val="50000"/>
+            </a:schemeClr>
+          </a:lnRef>
+          <a:fillRef idx="1">
+            <a:schemeClr val="accent1"/>
+          </a:fillRef>
+          <a:effectRef idx="0">
+            <a:schemeClr val="accent1"/>
+          </a:effectRef>
+          <a:fontRef idx="minor">
+            <a:schemeClr val="lt1"/>
+          </a:fontRef>
+        </p:style>
+        <p:txBody>
+          <a:bodyPr rtlCol="0" anchor="ctr"/>
+          <a:lstStyle/>
+          <a:p>
+            <a:pPr algn="ctr"/>
+            <a:r>
+              <a:rPr lang="en-US" altLang="ko-KR" sz="1200" dirty="0" smtClean="0">
+                <a:solidFill>
+                  <a:schemeClr val="bg1">
+                    <a:lumMod val="75000"/>
+                    <a:lumOff val="25000"/>
+                  </a:schemeClr>
+                </a:solidFill>
+              </a:rPr>
+              <a:t>:</a:t>
+            </a:r>
+            <a:r>
+              <a:rPr lang="en-US" altLang="ko-KR" sz="1200" dirty="0" err="1" smtClean="0">
+                <a:solidFill>
+                  <a:schemeClr val="bg1">
+                    <a:lumMod val="75000"/>
+                    <a:lumOff val="25000"/>
+                  </a:schemeClr>
+                </a:solidFill>
+              </a:rPr>
+              <a:t>Rule</a:t>
+            </a:r>
+            <a:r>
+              <a:rPr lang="en-US" altLang="ko-KR" sz="1200" dirty="0" err="1" smtClean="0">
+                <a:solidFill>
+                  <a:schemeClr val="bg1">
+                    <a:lumMod val="75000"/>
+                    <a:lumOff val="25000"/>
+                  </a:schemeClr>
+                </a:solidFill>
+              </a:rPr>
+              <a:t>Manager</a:t>
+            </a:r>
+            <a:endParaRPr lang="ko-KR" altLang="en-US" sz="1200" dirty="0">
+              <a:solidFill>
+                <a:schemeClr val="bg1">
+                  <a:lumMod val="75000"/>
+                  <a:lumOff val="25000"/>
+                </a:schemeClr>
+              </a:solidFill>
+            </a:endParaRPr>
+          </a:p>
+        </p:txBody>
+      </p:sp>
+      <p:sp>
+        <p:nvSpPr>
+          <p:cNvPr id="70" name="직사각형 69"/>
+          <p:cNvSpPr/>
+          <p:nvPr/>
+        </p:nvSpPr>
+        <p:spPr>
+          <a:xfrm>
+            <a:off x="3793762" y="1679237"/>
+            <a:ext cx="2290406" cy="359433"/>
+          </a:xfrm>
+          <a:prstGeom prst="rect">
+            <a:avLst/>
+          </a:prstGeom>
+          <a:noFill/>
+          <a:ln w="9525">
+            <a:noFill/>
+          </a:ln>
+        </p:spPr>
+        <p:style>
+          <a:lnRef idx="2">
+            <a:schemeClr val="accent1">
+              <a:shade val="50000"/>
+            </a:schemeClr>
+          </a:lnRef>
+          <a:fillRef idx="1">
+            <a:schemeClr val="accent1"/>
+          </a:fillRef>
+          <a:effectRef idx="0">
+            <a:schemeClr val="accent1"/>
+          </a:effectRef>
+          <a:fontRef idx="minor">
+            <a:schemeClr val="lt1"/>
+          </a:fontRef>
+        </p:style>
+        <p:txBody>
+          <a:bodyPr rot="0" spcFirstLastPara="0" vertOverflow="overflow" horzOverflow="overflow" vert="horz" wrap="square" lIns="91440" tIns="45720" rIns="91440" bIns="45720" numCol="1" spcCol="0" rtlCol="0" fromWordArt="0" anchor="ctr" anchorCtr="0" forceAA="0" compatLnSpc="1">
+            <a:prstTxWarp prst="textNoShape">
+              <a:avLst/>
+            </a:prstTxWarp>
+            <a:noAutofit/>
+          </a:bodyPr>
+          <a:lstStyle/>
+          <a:p>
+            <a:pPr algn="ctr"/>
+            <a:r>
+              <a:rPr lang="en-US" altLang="ko-KR" sz="1200" dirty="0" smtClean="0">
+                <a:solidFill>
+                  <a:schemeClr val="bg1">
+                    <a:lumMod val="75000"/>
+                    <a:lumOff val="25000"/>
+                  </a:schemeClr>
+                </a:solidFill>
+              </a:rPr>
+              <a:t>1.1</a:t>
+            </a:r>
+            <a:r>
+              <a:rPr lang="en-US" altLang="ko-KR" sz="1200" dirty="0" smtClean="0">
+                <a:solidFill>
+                  <a:schemeClr val="bg1">
+                    <a:lumMod val="75000"/>
+                    <a:lumOff val="25000"/>
+                  </a:schemeClr>
+                </a:solidFill>
+              </a:rPr>
+              <a:t>: </a:t>
+            </a:r>
+            <a:r>
+              <a:rPr lang="en-US" altLang="ko-KR" sz="1200" dirty="0" err="1" smtClean="0">
+                <a:solidFill>
+                  <a:schemeClr val="bg1">
+                    <a:lumMod val="75000"/>
+                    <a:lumOff val="25000"/>
+                  </a:schemeClr>
+                </a:solidFill>
+              </a:rPr>
+              <a:t>UpdateThingInfo</a:t>
+            </a:r>
+            <a:r>
+              <a:rPr lang="en-US" altLang="ko-KR" sz="1200" dirty="0" smtClean="0">
+                <a:solidFill>
+                  <a:schemeClr val="bg1">
+                    <a:lumMod val="75000"/>
+                    <a:lumOff val="25000"/>
+                  </a:schemeClr>
+                </a:solidFill>
+              </a:rPr>
+              <a:t>(</a:t>
+            </a:r>
+            <a:r>
+              <a:rPr lang="en-US" altLang="ko-KR" sz="1200" dirty="0" err="1" smtClean="0">
+                <a:solidFill>
+                  <a:schemeClr val="bg1">
+                    <a:lumMod val="75000"/>
+                    <a:lumOff val="25000"/>
+                  </a:schemeClr>
+                </a:solidFill>
+              </a:rPr>
+              <a:t>nodeid</a:t>
+            </a:r>
+            <a:endParaRPr lang="en-US" altLang="ko-KR" sz="1200" dirty="0" smtClean="0">
+              <a:solidFill>
+                <a:schemeClr val="bg1">
+                  <a:lumMod val="75000"/>
+                  <a:lumOff val="25000"/>
+                </a:schemeClr>
+              </a:solidFill>
+            </a:endParaRPr>
+          </a:p>
+          <a:p>
+            <a:pPr algn="ctr"/>
+            <a:r>
+              <a:rPr lang="en-US" altLang="ko-KR" sz="1200" dirty="0" smtClean="0">
+                <a:solidFill>
+                  <a:schemeClr val="bg1">
+                    <a:lumMod val="75000"/>
+                    <a:lumOff val="25000"/>
+                  </a:schemeClr>
+                </a:solidFill>
+              </a:rPr>
+              <a:t>,</a:t>
+            </a:r>
+            <a:r>
+              <a:rPr lang="en-US" altLang="ko-KR" sz="1200" dirty="0" err="1" smtClean="0">
+                <a:solidFill>
+                  <a:schemeClr val="bg1">
+                    <a:lumMod val="75000"/>
+                    <a:lumOff val="25000"/>
+                  </a:schemeClr>
+                </a:solidFill>
+              </a:rPr>
+              <a:t>thingid,type,value</a:t>
+            </a:r>
+            <a:r>
+              <a:rPr lang="en-US" altLang="ko-KR" sz="1200" dirty="0">
+                <a:solidFill>
+                  <a:schemeClr val="bg1">
+                    <a:lumMod val="75000"/>
+                    <a:lumOff val="25000"/>
+                  </a:schemeClr>
+                </a:solidFill>
+              </a:rPr>
+              <a:t>)</a:t>
+            </a:r>
+            <a:endParaRPr lang="ko-KR" altLang="en-US" sz="1200" dirty="0" smtClean="0">
+              <a:solidFill>
+                <a:schemeClr val="bg1">
+                  <a:lumMod val="75000"/>
+                  <a:lumOff val="25000"/>
+                </a:schemeClr>
+              </a:solidFill>
+            </a:endParaRPr>
+          </a:p>
+        </p:txBody>
+      </p:sp>
+      <p:sp>
+        <p:nvSpPr>
+          <p:cNvPr id="71" name="직사각형 70"/>
+          <p:cNvSpPr/>
+          <p:nvPr/>
+        </p:nvSpPr>
+        <p:spPr>
+          <a:xfrm>
+            <a:off x="6418406" y="3140968"/>
+            <a:ext cx="2042026" cy="359433"/>
+          </a:xfrm>
+          <a:prstGeom prst="rect">
+            <a:avLst/>
+          </a:prstGeom>
+          <a:noFill/>
+          <a:ln w="9525">
+            <a:noFill/>
+          </a:ln>
+        </p:spPr>
+        <p:style>
+          <a:lnRef idx="2">
+            <a:schemeClr val="accent1">
+              <a:shade val="50000"/>
+            </a:schemeClr>
+          </a:lnRef>
+          <a:fillRef idx="1">
+            <a:schemeClr val="accent1"/>
+          </a:fillRef>
+          <a:effectRef idx="0">
+            <a:schemeClr val="accent1"/>
+          </a:effectRef>
+          <a:fontRef idx="minor">
+            <a:schemeClr val="lt1"/>
+          </a:fontRef>
+        </p:style>
+        <p:txBody>
+          <a:bodyPr rot="0" spcFirstLastPara="0" vertOverflow="overflow" horzOverflow="overflow" vert="horz" wrap="square" lIns="91440" tIns="45720" rIns="91440" bIns="45720" numCol="1" spcCol="0" rtlCol="0" fromWordArt="0" anchor="ctr" anchorCtr="0" forceAA="0" compatLnSpc="1">
+            <a:prstTxWarp prst="textNoShape">
+              <a:avLst/>
+            </a:prstTxWarp>
+            <a:noAutofit/>
+          </a:bodyPr>
+          <a:lstStyle/>
+          <a:p>
+            <a:pPr algn="ctr"/>
+            <a:r>
+              <a:rPr lang="en-US" altLang="ko-KR" sz="1200" dirty="0" err="1" smtClean="0">
+                <a:solidFill>
+                  <a:schemeClr val="bg1">
+                    <a:lumMod val="75000"/>
+                    <a:lumOff val="25000"/>
+                  </a:schemeClr>
+                </a:solidFill>
+              </a:rPr>
+              <a:t>UpdateThingInfo</a:t>
+            </a:r>
+            <a:r>
+              <a:rPr lang="en-US" altLang="ko-KR" sz="1200" dirty="0" smtClean="0">
+                <a:solidFill>
+                  <a:schemeClr val="bg1">
+                    <a:lumMod val="75000"/>
+                    <a:lumOff val="25000"/>
+                  </a:schemeClr>
+                </a:solidFill>
+              </a:rPr>
+              <a:t>(</a:t>
+            </a:r>
+            <a:r>
+              <a:rPr lang="en-US" altLang="ko-KR" sz="1200" dirty="0" err="1" smtClean="0">
+                <a:solidFill>
+                  <a:schemeClr val="bg1">
+                    <a:lumMod val="75000"/>
+                    <a:lumOff val="25000"/>
+                  </a:schemeClr>
+                </a:solidFill>
+              </a:rPr>
+              <a:t>NodeId</a:t>
+            </a:r>
+            <a:endParaRPr lang="en-US" altLang="ko-KR" sz="1200" dirty="0" smtClean="0">
+              <a:solidFill>
+                <a:schemeClr val="bg1">
+                  <a:lumMod val="75000"/>
+                  <a:lumOff val="25000"/>
+                </a:schemeClr>
+              </a:solidFill>
+            </a:endParaRPr>
+          </a:p>
+          <a:p>
+            <a:pPr algn="ctr"/>
+            <a:r>
+              <a:rPr lang="en-US" altLang="ko-KR" sz="1200" dirty="0" smtClean="0">
+                <a:solidFill>
+                  <a:schemeClr val="bg1">
+                    <a:lumMod val="75000"/>
+                    <a:lumOff val="25000"/>
+                  </a:schemeClr>
+                </a:solidFill>
+              </a:rPr>
+              <a:t>,</a:t>
+            </a:r>
+            <a:r>
+              <a:rPr lang="en-US" altLang="ko-KR" sz="1200" dirty="0" err="1" smtClean="0">
+                <a:solidFill>
+                  <a:schemeClr val="bg1">
+                    <a:lumMod val="75000"/>
+                    <a:lumOff val="25000"/>
+                  </a:schemeClr>
+                </a:solidFill>
+              </a:rPr>
+              <a:t>ThingId,value</a:t>
+            </a:r>
+            <a:r>
+              <a:rPr lang="en-US" altLang="ko-KR" sz="1200" dirty="0" smtClean="0">
+                <a:solidFill>
+                  <a:schemeClr val="bg1">
+                    <a:lumMod val="75000"/>
+                    <a:lumOff val="25000"/>
+                  </a:schemeClr>
+                </a:solidFill>
+              </a:rPr>
+              <a:t>)</a:t>
+            </a:r>
+            <a:endParaRPr lang="ko-KR" altLang="en-US" sz="1200" dirty="0" smtClean="0">
+              <a:solidFill>
+                <a:schemeClr val="bg1">
+                  <a:lumMod val="75000"/>
+                  <a:lumOff val="25000"/>
+                </a:schemeClr>
+              </a:solidFill>
+            </a:endParaRPr>
+          </a:p>
+        </p:txBody>
+      </p:sp>
+      <p:grpSp>
+        <p:nvGrpSpPr>
+          <p:cNvPr id="72" name="그룹 71"/>
+          <p:cNvGrpSpPr/>
+          <p:nvPr/>
+        </p:nvGrpSpPr>
+        <p:grpSpPr>
+          <a:xfrm>
+            <a:off x="631009" y="4149080"/>
+            <a:ext cx="1852759" cy="660433"/>
+            <a:chOff x="5983459" y="4536665"/>
+            <a:chExt cx="1176434" cy="502886"/>
+          </a:xfrm>
+        </p:grpSpPr>
+        <p:sp>
+          <p:nvSpPr>
+            <p:cNvPr id="73" name="한쪽 모서리가 잘린 사각형 72"/>
+            <p:cNvSpPr/>
+            <p:nvPr/>
+          </p:nvSpPr>
+          <p:spPr>
+            <a:xfrm>
+              <a:off x="5983459" y="4574089"/>
+              <a:ext cx="1155381" cy="465462"/>
+            </a:xfrm>
+            <a:prstGeom prst="snip1Rect">
+              <a:avLst>
+                <a:gd name="adj" fmla="val 43048"/>
+              </a:avLst>
+            </a:prstGeom>
+            <a:solidFill>
+              <a:schemeClr val="tx1">
+                <a:lumMod val="75000"/>
+              </a:schemeClr>
+            </a:solidFill>
+            <a:ln w="9525">
+              <a:solidFill>
+                <a:schemeClr val="bg1">
+                  <a:lumMod val="75000"/>
+                  <a:lumOff val="25000"/>
+                </a:schemeClr>
+              </a:solidFill>
+            </a:ln>
+          </p:spPr>
+          <p:style>
+            <a:lnRef idx="2">
+              <a:schemeClr val="accent1">
+                <a:shade val="50000"/>
+              </a:schemeClr>
+            </a:lnRef>
+            <a:fillRef idx="1">
+              <a:schemeClr val="accent1"/>
+            </a:fillRef>
+            <a:effectRef idx="0">
+              <a:schemeClr val="accent1"/>
+            </a:effectRef>
+            <a:fontRef idx="minor">
+              <a:schemeClr val="lt1"/>
+            </a:fontRef>
+          </p:style>
+          <p:txBody>
+            <a:bodyPr rot="0" spcFirstLastPara="0" vertOverflow="overflow" horzOverflow="overflow" vert="horz" wrap="square" lIns="91440" tIns="45720" rIns="91440" bIns="45720" numCol="1" spcCol="0" rtlCol="0" fromWordArt="0" anchor="b" anchorCtr="0" forceAA="0" compatLnSpc="1">
+              <a:prstTxWarp prst="textNoShape">
+                <a:avLst/>
+              </a:prstTxWarp>
+              <a:noAutofit/>
+            </a:bodyPr>
+            <a:lstStyle/>
+            <a:p>
+              <a:r>
+                <a:rPr lang="en-US" altLang="ko-KR" sz="1000" b="1" dirty="0" smtClean="0">
+                  <a:solidFill>
+                    <a:schemeClr val="bg1">
+                      <a:lumMod val="75000"/>
+                      <a:lumOff val="25000"/>
+                    </a:schemeClr>
+                  </a:solidFill>
+                </a:rPr>
+                <a:t>Rule Manager</a:t>
+              </a:r>
+            </a:p>
+            <a:p>
+              <a:r>
+                <a:rPr lang="en-US" altLang="ko-KR" sz="1000" dirty="0" smtClean="0">
+                  <a:solidFill>
+                    <a:schemeClr val="bg1">
+                      <a:lumMod val="75000"/>
+                      <a:lumOff val="25000"/>
+                    </a:schemeClr>
+                  </a:solidFill>
+                </a:rPr>
+                <a:t>Check rule sets and decide action-control</a:t>
+              </a:r>
+            </a:p>
+          </p:txBody>
+        </p:sp>
+        <p:sp>
+          <p:nvSpPr>
+            <p:cNvPr id="74" name="직각 삼각형 73"/>
+            <p:cNvSpPr/>
+            <p:nvPr/>
+          </p:nvSpPr>
+          <p:spPr>
+            <a:xfrm>
+              <a:off x="6941363" y="4536665"/>
+              <a:ext cx="218530" cy="257075"/>
+            </a:xfrm>
+            <a:prstGeom prst="rtTriangle">
+              <a:avLst/>
+            </a:prstGeom>
+            <a:solidFill>
+              <a:schemeClr val="bg1">
+                <a:lumMod val="50000"/>
+                <a:lumOff val="50000"/>
+              </a:schemeClr>
+            </a:solidFill>
+            <a:ln w="9525">
+              <a:solidFill>
+                <a:schemeClr val="tx1"/>
+              </a:solidFill>
+            </a:ln>
+          </p:spPr>
+          <p:style>
+            <a:lnRef idx="2">
+              <a:schemeClr val="accent1">
+                <a:shade val="50000"/>
+              </a:schemeClr>
+            </a:lnRef>
+            <a:fillRef idx="1">
+              <a:schemeClr val="accent1"/>
+            </a:fillRef>
+            <a:effectRef idx="0">
+              <a:schemeClr val="accent1"/>
+            </a:effectRef>
+            <a:fontRef idx="minor">
+              <a:schemeClr val="lt1"/>
+            </a:fontRef>
+          </p:style>
+          <p:txBody>
+            <a:bodyPr rot="0" spcFirstLastPara="0" vertOverflow="overflow" horzOverflow="overflow" vert="horz" wrap="square" lIns="91440" tIns="45720" rIns="91440" bIns="45720" numCol="1" spcCol="0" rtlCol="0" fromWordArt="0" anchor="ctr" anchorCtr="0" forceAA="0" compatLnSpc="1">
+              <a:prstTxWarp prst="textNoShape">
+                <a:avLst/>
+              </a:prstTxWarp>
+              <a:noAutofit/>
+            </a:bodyPr>
+            <a:lstStyle/>
+            <a:p>
+              <a:pPr algn="ctr"/>
+              <a:endParaRPr lang="ko-KR" altLang="en-US" sz="1200" dirty="0" smtClean="0">
+                <a:solidFill>
+                  <a:schemeClr val="bg1">
+                    <a:lumMod val="75000"/>
+                    <a:lumOff val="25000"/>
+                  </a:schemeClr>
+                </a:solidFill>
+              </a:endParaRPr>
+            </a:p>
+          </p:txBody>
+        </p:sp>
+      </p:grpSp>
+      <p:cxnSp>
+        <p:nvCxnSpPr>
+          <p:cNvPr id="75" name="직선 연결선 74"/>
+          <p:cNvCxnSpPr>
+            <a:stCxn id="73" idx="3"/>
+            <a:endCxn id="62" idx="2"/>
+          </p:cNvCxnSpPr>
+          <p:nvPr/>
+        </p:nvCxnSpPr>
+        <p:spPr>
+          <a:xfrm flipH="1" flipV="1">
+            <a:off x="1380001" y="3844516"/>
+            <a:ext cx="160810" cy="353712"/>
+          </a:xfrm>
+          <a:prstGeom prst="line">
+            <a:avLst/>
+          </a:prstGeom>
+          <a:ln>
+            <a:solidFill>
+              <a:schemeClr val="bg1">
+                <a:lumMod val="75000"/>
+                <a:lumOff val="25000"/>
+              </a:schemeClr>
+            </a:solidFill>
+            <a:prstDash val="dash"/>
+            <a:tailEnd type="none" w="lg" len="lg"/>
+          </a:ln>
+        </p:spPr>
+        <p:style>
+          <a:lnRef idx="1">
+            <a:schemeClr val="accent1"/>
+          </a:lnRef>
+          <a:fillRef idx="0">
+            <a:schemeClr val="accent1"/>
+          </a:fillRef>
+          <a:effectRef idx="0">
+            <a:schemeClr val="accent1"/>
+          </a:effectRef>
+          <a:fontRef idx="minor">
+            <a:schemeClr val="tx1"/>
+          </a:fontRef>
+        </p:style>
+      </p:cxnSp>
+      <p:cxnSp>
+        <p:nvCxnSpPr>
+          <p:cNvPr id="69" name="직선 연결선 68"/>
+          <p:cNvCxnSpPr>
+            <a:stCxn id="54" idx="1"/>
+            <a:endCxn id="62" idx="0"/>
+          </p:cNvCxnSpPr>
+          <p:nvPr/>
+        </p:nvCxnSpPr>
+        <p:spPr>
+          <a:xfrm rot="10800000" flipV="1">
+            <a:off x="1380002" y="2218387"/>
+            <a:ext cx="1463807" cy="1266696"/>
+          </a:xfrm>
+          <a:prstGeom prst="bentConnector2">
+            <a:avLst/>
+          </a:prstGeom>
+          <a:ln>
+            <a:solidFill>
+              <a:schemeClr val="bg1">
+                <a:lumMod val="75000"/>
+                <a:lumOff val="25000"/>
+              </a:schemeClr>
+            </a:solidFill>
+            <a:tailEnd type="none" w="lg" len="lg"/>
+          </a:ln>
+        </p:spPr>
+        <p:style>
+          <a:lnRef idx="1">
+            <a:schemeClr val="accent1"/>
+          </a:lnRef>
+          <a:fillRef idx="0">
+            <a:schemeClr val="accent1"/>
+          </a:fillRef>
+          <a:effectRef idx="0">
+            <a:schemeClr val="accent1"/>
+          </a:effectRef>
+          <a:fontRef idx="minor">
+            <a:schemeClr val="tx1"/>
+          </a:fontRef>
+        </p:style>
+      </p:cxnSp>
+      <p:cxnSp>
+        <p:nvCxnSpPr>
+          <p:cNvPr id="76" name="직선 화살표 연결선 75"/>
+          <p:cNvCxnSpPr/>
+          <p:nvPr/>
+        </p:nvCxnSpPr>
+        <p:spPr>
+          <a:xfrm>
+            <a:off x="1535307" y="2601975"/>
+            <a:ext cx="0" cy="313520"/>
+          </a:xfrm>
+          <a:prstGeom prst="straightConnector1">
+            <a:avLst/>
+          </a:prstGeom>
+          <a:ln>
+            <a:solidFill>
+              <a:schemeClr val="bg1">
+                <a:lumMod val="75000"/>
+                <a:lumOff val="25000"/>
+              </a:schemeClr>
+            </a:solidFill>
+            <a:tailEnd type="arrow"/>
+          </a:ln>
+        </p:spPr>
+        <p:style>
+          <a:lnRef idx="1">
+            <a:schemeClr val="accent1"/>
+          </a:lnRef>
+          <a:fillRef idx="0">
+            <a:schemeClr val="accent1"/>
+          </a:fillRef>
+          <a:effectRef idx="0">
+            <a:schemeClr val="accent1"/>
+          </a:effectRef>
+          <a:fontRef idx="minor">
+            <a:schemeClr val="tx1"/>
+          </a:fontRef>
+        </p:style>
+      </p:cxnSp>
+      <p:sp>
+        <p:nvSpPr>
+          <p:cNvPr id="77" name="직사각형 76"/>
+          <p:cNvSpPr/>
+          <p:nvPr/>
+        </p:nvSpPr>
+        <p:spPr>
+          <a:xfrm>
+            <a:off x="3623539" y="2527833"/>
+            <a:ext cx="2146399" cy="499308"/>
+          </a:xfrm>
+          <a:prstGeom prst="rect">
+            <a:avLst/>
+          </a:prstGeom>
+          <a:noFill/>
+          <a:ln w="9525">
+            <a:noFill/>
+          </a:ln>
+        </p:spPr>
+        <p:style>
+          <a:lnRef idx="2">
+            <a:schemeClr val="accent1">
+              <a:shade val="50000"/>
+            </a:schemeClr>
+          </a:lnRef>
+          <a:fillRef idx="1">
+            <a:schemeClr val="accent1"/>
+          </a:fillRef>
+          <a:effectRef idx="0">
+            <a:schemeClr val="accent1"/>
+          </a:effectRef>
+          <a:fontRef idx="minor">
+            <a:schemeClr val="lt1"/>
+          </a:fontRef>
+        </p:style>
+        <p:txBody>
+          <a:bodyPr rot="0" spcFirstLastPara="0" vertOverflow="overflow" horzOverflow="overflow" vert="horz" wrap="square" lIns="91440" tIns="45720" rIns="91440" bIns="45720" numCol="1" spcCol="0" rtlCol="0" fromWordArt="0" anchor="ctr" anchorCtr="0" forceAA="0" compatLnSpc="1">
+            <a:prstTxWarp prst="textNoShape">
+              <a:avLst/>
+            </a:prstTxWarp>
+            <a:noAutofit/>
+          </a:bodyPr>
+          <a:lstStyle/>
+          <a:p>
+            <a:r>
+              <a:rPr lang="en-US" altLang="ko-KR" sz="1200" dirty="0">
+                <a:solidFill>
+                  <a:schemeClr val="bg1">
+                    <a:lumMod val="75000"/>
+                    <a:lumOff val="25000"/>
+                  </a:schemeClr>
+                </a:solidFill>
+              </a:rPr>
+              <a:t>[Value change]</a:t>
+            </a:r>
+          </a:p>
+          <a:p>
+            <a:r>
+              <a:rPr lang="en-US" altLang="ko-KR" sz="1200" dirty="0" smtClean="0">
+                <a:solidFill>
+                  <a:schemeClr val="bg1">
+                    <a:lumMod val="75000"/>
+                    <a:lumOff val="25000"/>
+                  </a:schemeClr>
+                </a:solidFill>
+              </a:rPr>
+              <a:t>1.1.1</a:t>
+            </a:r>
+            <a:r>
+              <a:rPr lang="en-US" altLang="ko-KR" sz="1200" dirty="0">
+                <a:solidFill>
+                  <a:schemeClr val="bg1">
+                    <a:lumMod val="75000"/>
+                    <a:lumOff val="25000"/>
+                  </a:schemeClr>
+                </a:solidFill>
+              </a:rPr>
+              <a:t>: </a:t>
+            </a:r>
+            <a:r>
+              <a:rPr lang="en-US" altLang="ko-KR" sz="1200" dirty="0" err="1" smtClean="0">
+                <a:solidFill>
+                  <a:schemeClr val="bg1">
+                    <a:lumMod val="75000"/>
+                    <a:lumOff val="25000"/>
+                  </a:schemeClr>
+                </a:solidFill>
+              </a:rPr>
+              <a:t>UpdateThing</a:t>
+            </a:r>
+            <a:r>
+              <a:rPr lang="en-US" altLang="ko-KR" sz="1200" dirty="0" smtClean="0">
+                <a:solidFill>
+                  <a:schemeClr val="bg1">
+                    <a:lumMod val="75000"/>
+                    <a:lumOff val="25000"/>
+                  </a:schemeClr>
+                </a:solidFill>
+              </a:rPr>
+              <a:t>(</a:t>
+            </a:r>
+            <a:r>
+              <a:rPr lang="en-US" altLang="ko-KR" sz="1200" dirty="0" err="1" smtClean="0">
+                <a:solidFill>
+                  <a:schemeClr val="bg1">
+                    <a:lumMod val="75000"/>
+                    <a:lumOff val="25000"/>
+                  </a:schemeClr>
+                </a:solidFill>
+              </a:rPr>
+              <a:t>NodeId</a:t>
+            </a:r>
+            <a:endParaRPr lang="en-US" altLang="ko-KR" sz="1200" dirty="0" smtClean="0">
+              <a:solidFill>
+                <a:schemeClr val="bg1">
+                  <a:lumMod val="75000"/>
+                  <a:lumOff val="25000"/>
+                </a:schemeClr>
+              </a:solidFill>
+            </a:endParaRPr>
+          </a:p>
+          <a:p>
+            <a:r>
+              <a:rPr lang="en-US" altLang="ko-KR" sz="1200" dirty="0" smtClean="0">
+                <a:solidFill>
+                  <a:schemeClr val="bg1">
+                    <a:lumMod val="75000"/>
+                    <a:lumOff val="25000"/>
+                  </a:schemeClr>
+                </a:solidFill>
+              </a:rPr>
+              <a:t>,</a:t>
+            </a:r>
+            <a:r>
+              <a:rPr lang="en-US" altLang="ko-KR" sz="1200" dirty="0" err="1" smtClean="0">
+                <a:solidFill>
+                  <a:schemeClr val="bg1">
+                    <a:lumMod val="75000"/>
+                    <a:lumOff val="25000"/>
+                  </a:schemeClr>
+                </a:solidFill>
+              </a:rPr>
+              <a:t>ThingId,value</a:t>
+            </a:r>
+            <a:r>
+              <a:rPr lang="en-US" altLang="ko-KR" sz="1200" dirty="0">
+                <a:solidFill>
+                  <a:schemeClr val="bg1">
+                    <a:lumMod val="75000"/>
+                    <a:lumOff val="25000"/>
+                  </a:schemeClr>
+                </a:solidFill>
+              </a:rPr>
+              <a:t>)</a:t>
+            </a:r>
+            <a:endParaRPr lang="ko-KR" altLang="en-US" sz="1200" dirty="0" smtClean="0">
+              <a:solidFill>
+                <a:schemeClr val="bg1">
+                  <a:lumMod val="75000"/>
+                  <a:lumOff val="25000"/>
+                </a:schemeClr>
+              </a:solidFill>
+            </a:endParaRPr>
+          </a:p>
+        </p:txBody>
+      </p:sp>
+    </p:spTree>
+    <p:extLst>
+      <p:ext uri="{BB962C8B-B14F-4D97-AF65-F5344CB8AC3E}">
+        <p14:creationId xmlns:p14="http://schemas.microsoft.com/office/powerpoint/2010/main" val="1079051359"/>
       </p:ext>
     </p:extLst>
   </p:cSld>

--- a/doc/dynamic view 150616_communication_dgm.pptx
+++ b/doc/dynamic view 150616_communication_dgm.pptx
@@ -5,12 +5,14 @@
     <p:sldMasterId id="2147483693" r:id="rId1"/>
   </p:sldMasterIdLst>
   <p:notesMasterIdLst>
-    <p:notesMasterId r:id="rId5"/>
+    <p:notesMasterId r:id="rId7"/>
   </p:notesMasterIdLst>
   <p:sldIdLst>
     <p:sldId id="307" r:id="rId2"/>
     <p:sldId id="308" r:id="rId3"/>
     <p:sldId id="309" r:id="rId4"/>
+    <p:sldId id="310" r:id="rId5"/>
+    <p:sldId id="311" r:id="rId6"/>
   </p:sldIdLst>
   <p:sldSz cx="9144000" cy="6858000" type="screen4x3"/>
   <p:notesSz cx="6858000" cy="9144000"/>
@@ -117,12 +119,14 @@
             <p14:sldId id="307"/>
             <p14:sldId id="308"/>
             <p14:sldId id="309"/>
+            <p14:sldId id="310"/>
+            <p14:sldId id="311"/>
           </p14:sldIdLst>
         </p14:section>
       </p14:sectionLst>
     </p:ext>
     <p:ext uri="{EFAFB233-063F-42B5-8137-9DF3F51BA10A}">
-      <p15:sldGuideLst xmlns:p15="http://schemas.microsoft.com/office/powerpoint/2012/main" xmlns="">
+      <p15:sldGuideLst xmlns:p15="http://schemas.microsoft.com/office/powerpoint/2012/main">
         <p15:guide id="1" orient="horz" pos="527">
           <p15:clr>
             <a:srgbClr val="A4A3A4"/>
@@ -151,7 +155,7 @@
       </p15:sldGuideLst>
     </p:ext>
     <p:ext uri="{2D200454-40CA-4A62-9FC3-DE9A4176ACB9}">
-      <p15:notesGuideLst xmlns:p15="http://schemas.microsoft.com/office/powerpoint/2012/main" xmlns="">
+      <p15:notesGuideLst xmlns:p15="http://schemas.microsoft.com/office/powerpoint/2012/main">
         <p15:guide id="1" orient="horz" pos="2879">
           <p15:clr>
             <a:srgbClr val="A4A3A4"/>
@@ -266,7 +270,7 @@
               <a:pPr lvl="0">
                 <a:defRPr lang="ko-KR" altLang="en-US"/>
               </a:pPr>
-              <a:t>2015-06-17</a:t>
+              <a:t>2015-06-18</a:t>
             </a:fld>
             <a:endParaRPr lang="ko-KR" altLang="en-US"/>
           </a:p>
@@ -2871,27 +2875,8 @@
                   </a:schemeClr>
                 </a:solidFill>
               </a:rPr>
-              <a:t>: </a:t>
-            </a:r>
-            <a:r>
-              <a:rPr lang="en-US" altLang="ko-KR" sz="1000" dirty="0" smtClean="0">
-                <a:solidFill>
-                  <a:schemeClr val="bg1">
-                    <a:lumMod val="75000"/>
-                    <a:lumOff val="25000"/>
-                  </a:schemeClr>
-                </a:solidFill>
-              </a:rPr>
-              <a:t>Object</a:t>
-            </a:r>
-            <a:endParaRPr lang="en-US" altLang="ko-KR" sz="1000" dirty="0" smtClean="0">
-              <a:solidFill>
-                <a:schemeClr val="bg1">
-                  <a:lumMod val="75000"/>
-                  <a:lumOff val="25000"/>
-                </a:schemeClr>
-              </a:solidFill>
-            </a:endParaRPr>
+              <a:t>: Object</a:t>
+            </a:r>
           </a:p>
           <a:p>
             <a:r>
@@ -4697,18 +4682,7 @@
                   </a:schemeClr>
                 </a:solidFill>
               </a:rPr>
-              <a:t>, </a:t>
-            </a:r>
-            <a:r>
-              <a:rPr lang="en-US" altLang="ko-KR" sz="1200" dirty="0" smtClean="0">
-                <a:solidFill>
-                  <a:schemeClr val="bg1">
-                    <a:lumMod val="75000"/>
-                    <a:lumOff val="25000"/>
-                  </a:schemeClr>
-                </a:solidFill>
-              </a:rPr>
-              <a:t>Serial)</a:t>
+              <a:t>, Serial)</a:t>
             </a:r>
             <a:endParaRPr lang="ko-KR" altLang="en-US" sz="1200" dirty="0" smtClean="0">
               <a:solidFill>
@@ -5140,11 +5114,7 @@
           <a:p>
             <a:r>
               <a:rPr lang="en-US" altLang="ko-KR" dirty="0" smtClean="0"/>
-              <a:t>5.3 Dynamic </a:t>
-            </a:r>
-            <a:r>
-              <a:rPr lang="en-US" altLang="ko-KR" dirty="0" smtClean="0"/>
-              <a:t>View(2)</a:t>
+              <a:t>5.3 Dynamic View(2)</a:t>
             </a:r>
             <a:endParaRPr lang="ko-KR" altLang="en-US" dirty="0"/>
           </a:p>
@@ -5202,11 +5172,7 @@
           <a:p>
             <a:r>
               <a:rPr lang="en-US" altLang="ko-KR" dirty="0" smtClean="0"/>
-              <a:t>Communication Diagram: </a:t>
-            </a:r>
-            <a:r>
-              <a:rPr lang="en-US" altLang="ko-KR" dirty="0" smtClean="0"/>
-              <a:t>Control actuator</a:t>
+              <a:t>Communication Diagram: Control actuator</a:t>
             </a:r>
             <a:endParaRPr lang="ko-KR" altLang="en-US" dirty="0"/>
           </a:p>
@@ -6078,27 +6044,8 @@
                   </a:schemeClr>
                 </a:solidFill>
               </a:rPr>
-              <a:t>: </a:t>
-            </a:r>
-            <a:r>
-              <a:rPr lang="en-US" altLang="ko-KR" sz="1000" dirty="0" smtClean="0">
-                <a:solidFill>
-                  <a:schemeClr val="bg1">
-                    <a:lumMod val="75000"/>
-                    <a:lumOff val="25000"/>
-                  </a:schemeClr>
-                </a:solidFill>
-              </a:rPr>
-              <a:t>Object</a:t>
-            </a:r>
-            <a:endParaRPr lang="en-US" altLang="ko-KR" sz="1000" dirty="0" smtClean="0">
-              <a:solidFill>
-                <a:schemeClr val="bg1">
-                  <a:lumMod val="75000"/>
-                  <a:lumOff val="25000"/>
-                </a:schemeClr>
-              </a:solidFill>
-            </a:endParaRPr>
+              <a:t>: Object</a:t>
+            </a:r>
           </a:p>
           <a:p>
             <a:r>
@@ -6358,18 +6305,7 @@
                   </a:schemeClr>
                 </a:solidFill>
               </a:rPr>
-              <a:t> </a:t>
-            </a:r>
-            <a:r>
-              <a:rPr lang="en-US" altLang="ko-KR" sz="1200" dirty="0" smtClean="0">
-                <a:solidFill>
-                  <a:schemeClr val="bg1">
-                    <a:lumMod val="75000"/>
-                    <a:lumOff val="25000"/>
-                  </a:schemeClr>
-                </a:solidFill>
-              </a:rPr>
-              <a:t>: </a:t>
+              <a:t> : </a:t>
             </a:r>
             <a:r>
               <a:rPr lang="en-US" altLang="ko-KR" sz="1200" dirty="0" err="1" smtClean="0">
@@ -7223,18 +7159,7 @@
                   </a:schemeClr>
                 </a:solidFill>
               </a:rPr>
-              <a:t>Rule</a:t>
-            </a:r>
-            <a:r>
-              <a:rPr lang="en-US" altLang="ko-KR" sz="1200" dirty="0" err="1" smtClean="0">
-                <a:solidFill>
-                  <a:schemeClr val="bg1">
-                    <a:lumMod val="75000"/>
-                    <a:lumOff val="25000"/>
-                  </a:schemeClr>
-                </a:solidFill>
-              </a:rPr>
-              <a:t>Manager</a:t>
+              <a:t>RuleManager</a:t>
             </a:r>
             <a:endParaRPr lang="ko-KR" altLang="en-US" sz="1200" dirty="0">
               <a:solidFill>
@@ -7484,18 +7409,7 @@
                   </a:schemeClr>
                 </a:solidFill>
               </a:rPr>
-              <a:t>1.2</a:t>
-            </a:r>
-            <a:r>
-              <a:rPr lang="en-US" altLang="ko-KR" sz="1200" dirty="0" smtClean="0">
-                <a:solidFill>
-                  <a:schemeClr val="bg1">
-                    <a:lumMod val="75000"/>
-                    <a:lumOff val="25000"/>
-                  </a:schemeClr>
-                </a:solidFill>
-              </a:rPr>
-              <a:t>: </a:t>
+              <a:t>1.2: </a:t>
             </a:r>
             <a:r>
               <a:rPr lang="en-US" altLang="ko-KR" sz="1200" dirty="0" err="1" smtClean="0">
@@ -7639,18 +7553,7 @@
                   </a:schemeClr>
                 </a:solidFill>
               </a:rPr>
-              <a:t>1.3</a:t>
-            </a:r>
-            <a:r>
-              <a:rPr lang="en-US" altLang="ko-KR" sz="1200" dirty="0" smtClean="0">
-                <a:solidFill>
-                  <a:schemeClr val="bg1">
-                    <a:lumMod val="75000"/>
-                    <a:lumOff val="25000"/>
-                  </a:schemeClr>
-                </a:solidFill>
-              </a:rPr>
-              <a:t>: </a:t>
+              <a:t>1.3: </a:t>
             </a:r>
             <a:r>
               <a:rPr lang="en-US" altLang="ko-KR" sz="1200" dirty="0" err="1" smtClean="0">
@@ -8078,18 +7981,7 @@
                   </a:schemeClr>
                 </a:solidFill>
               </a:rPr>
-              <a:t>: </a:t>
-            </a:r>
-            <a:r>
-              <a:rPr lang="en-US" altLang="ko-KR" sz="1200" dirty="0" smtClean="0">
-                <a:solidFill>
-                  <a:schemeClr val="bg1">
-                    <a:lumMod val="75000"/>
-                    <a:lumOff val="25000"/>
-                  </a:schemeClr>
-                </a:solidFill>
-              </a:rPr>
-              <a:t>Result of denial</a:t>
+              <a:t>: Result of denial</a:t>
             </a:r>
             <a:endParaRPr lang="ko-KR" altLang="en-US" sz="1200" dirty="0" smtClean="0">
               <a:solidFill>
@@ -8187,18 +8079,7 @@
                   </a:schemeClr>
                 </a:solidFill>
               </a:rPr>
-              <a:t>1.1b</a:t>
-            </a:r>
-            <a:r>
-              <a:rPr lang="en-US" altLang="ko-KR" sz="1200" dirty="0" err="1" smtClean="0">
-                <a:solidFill>
-                  <a:schemeClr val="bg1">
-                    <a:lumMod val="75000"/>
-                    <a:lumOff val="25000"/>
-                  </a:schemeClr>
-                </a:solidFill>
-              </a:rPr>
-              <a:t>.1</a:t>
+              <a:t>1.1b.1</a:t>
             </a:r>
             <a:r>
               <a:rPr lang="en-US" altLang="ko-KR" sz="1200" dirty="0" smtClean="0">
@@ -8209,18 +8090,7 @@
                   </a:schemeClr>
                 </a:solidFill>
               </a:rPr>
-              <a:t>: </a:t>
-            </a:r>
-            <a:r>
-              <a:rPr lang="en-US" altLang="ko-KR" sz="1200" dirty="0" smtClean="0">
-                <a:solidFill>
-                  <a:schemeClr val="bg1">
-                    <a:lumMod val="75000"/>
-                    <a:lumOff val="25000"/>
-                  </a:schemeClr>
-                </a:solidFill>
-              </a:rPr>
-              <a:t>Result of denial</a:t>
+              <a:t>: Result of denial</a:t>
             </a:r>
             <a:endParaRPr lang="ko-KR" altLang="en-US" sz="1200" dirty="0" smtClean="0">
               <a:solidFill>
@@ -8379,11 +8249,7 @@
           <a:p>
             <a:r>
               <a:rPr lang="en-US" altLang="ko-KR" dirty="0" smtClean="0"/>
-              <a:t>5.3 Dynamic </a:t>
-            </a:r>
-            <a:r>
-              <a:rPr lang="en-US" altLang="ko-KR" dirty="0" smtClean="0"/>
-              <a:t>View(3)</a:t>
+              <a:t>5.3 Dynamic View(3)</a:t>
             </a:r>
             <a:endParaRPr lang="ko-KR" altLang="en-US" dirty="0"/>
           </a:p>
@@ -8441,11 +8307,7 @@
           <a:p>
             <a:r>
               <a:rPr lang="en-US" altLang="ko-KR" dirty="0" smtClean="0"/>
-              <a:t>Communication Diagram: </a:t>
-            </a:r>
-            <a:r>
-              <a:rPr lang="en-US" altLang="ko-KR" dirty="0" smtClean="0"/>
-              <a:t>Monitor </a:t>
+              <a:t>Communication Diagram: Monitor </a:t>
             </a:r>
             <a:r>
               <a:rPr lang="en-US" altLang="ko-KR" dirty="0" err="1" smtClean="0"/>
@@ -9116,27 +8978,8 @@
                   </a:schemeClr>
                 </a:solidFill>
               </a:rPr>
-              <a:t>: </a:t>
-            </a:r>
-            <a:r>
-              <a:rPr lang="en-US" altLang="ko-KR" sz="1000" dirty="0" smtClean="0">
-                <a:solidFill>
-                  <a:schemeClr val="bg1">
-                    <a:lumMod val="75000"/>
-                    <a:lumOff val="25000"/>
-                  </a:schemeClr>
-                </a:solidFill>
-              </a:rPr>
-              <a:t>Object</a:t>
-            </a:r>
-            <a:endParaRPr lang="en-US" altLang="ko-KR" sz="1000" dirty="0" smtClean="0">
-              <a:solidFill>
-                <a:schemeClr val="bg1">
-                  <a:lumMod val="75000"/>
-                  <a:lumOff val="25000"/>
-                </a:schemeClr>
-              </a:solidFill>
-            </a:endParaRPr>
+              <a:t>: Object</a:t>
+            </a:r>
           </a:p>
           <a:p>
             <a:r>
@@ -10011,18 +9854,7 @@
                   </a:schemeClr>
                 </a:solidFill>
               </a:rPr>
-              <a:t>Rule</a:t>
-            </a:r>
-            <a:r>
-              <a:rPr lang="en-US" altLang="ko-KR" sz="1200" dirty="0" err="1" smtClean="0">
-                <a:solidFill>
-                  <a:schemeClr val="bg1">
-                    <a:lumMod val="75000"/>
-                    <a:lumOff val="25000"/>
-                  </a:schemeClr>
-                </a:solidFill>
-              </a:rPr>
-              <a:t>Manager</a:t>
+              <a:t>RuleManager</a:t>
             </a:r>
             <a:endParaRPr lang="ko-KR" altLang="en-US" sz="1200" dirty="0">
               <a:solidFill>
@@ -10089,18 +9921,7 @@
                   </a:schemeClr>
                 </a:solidFill>
               </a:rPr>
-              <a:t>1.1</a:t>
-            </a:r>
-            <a:r>
-              <a:rPr lang="en-US" altLang="ko-KR" sz="1200" dirty="0" smtClean="0">
-                <a:solidFill>
-                  <a:schemeClr val="bg1">
-                    <a:lumMod val="75000"/>
-                    <a:lumOff val="25000"/>
-                  </a:schemeClr>
-                </a:solidFill>
-              </a:rPr>
-              <a:t>: </a:t>
+              <a:t>1.1: </a:t>
             </a:r>
             <a:r>
               <a:rPr lang="en-US" altLang="ko-KR" sz="1200" dirty="0" err="1" smtClean="0">
@@ -10777,6 +10598,326 @@
     <p:extLst>
       <p:ext uri="{BB962C8B-B14F-4D97-AF65-F5344CB8AC3E}">
         <p14:creationId xmlns:p14="http://schemas.microsoft.com/office/powerpoint/2010/main" val="1079051359"/>
+      </p:ext>
+    </p:extLst>
+  </p:cSld>
+  <p:clrMapOvr>
+    <a:masterClrMapping/>
+  </p:clrMapOvr>
+  <p:timing>
+    <p:tnLst>
+      <p:par>
+        <p:cTn id="1" dur="indefinite" restart="never" nodeType="tmRoot"/>
+      </p:par>
+    </p:tnLst>
+  </p:timing>
+</p:sld>
+</file>
+
+<file path=ppt/slides/slide4.xml><?xml version="1.0" encoding="utf-8"?>
+<p:sld xmlns:a="http://schemas.openxmlformats.org/drawingml/2006/main" xmlns:r="http://schemas.openxmlformats.org/officeDocument/2006/relationships" xmlns:p="http://schemas.openxmlformats.org/presentationml/2006/main">
+  <p:cSld>
+    <p:spTree>
+      <p:nvGrpSpPr>
+        <p:cNvPr id="1" name=""/>
+        <p:cNvGrpSpPr/>
+        <p:nvPr/>
+      </p:nvGrpSpPr>
+      <p:grpSpPr>
+        <a:xfrm>
+          <a:off x="0" y="0"/>
+          <a:ext cx="0" cy="0"/>
+          <a:chOff x="0" y="0"/>
+          <a:chExt cx="0" cy="0"/>
+        </a:xfrm>
+      </p:grpSpPr>
+      <p:sp>
+        <p:nvSpPr>
+          <p:cNvPr id="2" name="제목 1"/>
+          <p:cNvSpPr>
+            <a:spLocks noGrp="1"/>
+          </p:cNvSpPr>
+          <p:nvPr>
+            <p:ph type="title"/>
+          </p:nvPr>
+        </p:nvSpPr>
+        <p:spPr/>
+        <p:txBody>
+          <a:bodyPr>
+            <a:normAutofit fontScale="90000"/>
+          </a:bodyPr>
+          <a:lstStyle/>
+          <a:p>
+            <a:r>
+              <a:rPr lang="en-US" altLang="ko-KR" dirty="0" smtClean="0"/>
+              <a:t>5.3 Dynamic </a:t>
+            </a:r>
+            <a:r>
+              <a:rPr lang="en-US" altLang="ko-KR" dirty="0" smtClean="0"/>
+              <a:t>View(4)</a:t>
+            </a:r>
+            <a:endParaRPr lang="ko-KR" altLang="en-US" dirty="0"/>
+          </a:p>
+        </p:txBody>
+      </p:sp>
+      <p:sp>
+        <p:nvSpPr>
+          <p:cNvPr id="5" name="슬라이드 번호 개체 틀 4"/>
+          <p:cNvSpPr>
+            <a:spLocks noGrp="1"/>
+          </p:cNvSpPr>
+          <p:nvPr>
+            <p:ph type="sldNum" sz="quarter" idx="11"/>
+          </p:nvPr>
+        </p:nvSpPr>
+        <p:spPr/>
+        <p:txBody>
+          <a:bodyPr/>
+          <a:lstStyle/>
+          <a:p>
+            <a:fld id="{887F5A62-5D57-4BBA-9485-2C5A6728F77D}" type="slidenum">
+              <a:rPr lang="ko-KR" altLang="en-US" smtClean="0"/>
+              <a:pPr/>
+              <a:t>4</a:t>
+            </a:fld>
+            <a:r>
+              <a:rPr lang="en-US" altLang="ko-KR" dirty="0" smtClean="0"/>
+              <a:t>/31</a:t>
+            </a:r>
+            <a:endParaRPr lang="ko-KR" altLang="en-US" dirty="0"/>
+          </a:p>
+        </p:txBody>
+      </p:sp>
+      <p:sp>
+        <p:nvSpPr>
+          <p:cNvPr id="3" name="TextBox 2"/>
+          <p:cNvSpPr txBox="1"/>
+          <p:nvPr/>
+        </p:nvSpPr>
+        <p:spPr>
+          <a:xfrm>
+            <a:off x="467134" y="934820"/>
+            <a:ext cx="5205015" cy="369332"/>
+          </a:xfrm>
+          <a:prstGeom prst="rect">
+            <a:avLst/>
+          </a:prstGeom>
+          <a:noFill/>
+        </p:spPr>
+        <p:txBody>
+          <a:bodyPr wrap="none" rtlCol="0">
+            <a:spAutoFit/>
+          </a:bodyPr>
+          <a:lstStyle/>
+          <a:p>
+            <a:r>
+              <a:rPr lang="en-US" altLang="ko-KR" dirty="0" smtClean="0"/>
+              <a:t>Sequence </a:t>
+            </a:r>
+            <a:r>
+              <a:rPr lang="en-US" altLang="ko-KR" dirty="0" smtClean="0"/>
+              <a:t>Diagram: </a:t>
+            </a:r>
+            <a:r>
+              <a:rPr lang="en-US" altLang="ko-KR" dirty="0" err="1" smtClean="0"/>
+              <a:t>discoverNode</a:t>
+            </a:r>
+            <a:r>
+              <a:rPr lang="en-US" altLang="ko-KR" dirty="0" smtClean="0"/>
+              <a:t>, </a:t>
+            </a:r>
+            <a:r>
+              <a:rPr lang="en-US" altLang="ko-KR" dirty="0" err="1" smtClean="0"/>
+              <a:t>registerNode</a:t>
+            </a:r>
+            <a:endParaRPr lang="ko-KR" altLang="en-US"/>
+          </a:p>
+        </p:txBody>
+      </p:sp>
+      <p:pic>
+        <p:nvPicPr>
+          <p:cNvPr id="8" name="그림 7"/>
+          <p:cNvPicPr>
+            <a:picLocks noChangeAspect="1"/>
+          </p:cNvPicPr>
+          <p:nvPr/>
+        </p:nvPicPr>
+        <p:blipFill>
+          <a:blip r:embed="rId2"/>
+          <a:stretch>
+            <a:fillRect/>
+          </a:stretch>
+        </p:blipFill>
+        <p:spPr>
+          <a:xfrm>
+            <a:off x="467134" y="1412776"/>
+            <a:ext cx="8218366" cy="4722431"/>
+          </a:xfrm>
+          <a:prstGeom prst="rect">
+            <a:avLst/>
+          </a:prstGeom>
+        </p:spPr>
+      </p:pic>
+    </p:spTree>
+    <p:extLst>
+      <p:ext uri="{BB962C8B-B14F-4D97-AF65-F5344CB8AC3E}">
+        <p14:creationId xmlns:p14="http://schemas.microsoft.com/office/powerpoint/2010/main" val="1213356925"/>
+      </p:ext>
+    </p:extLst>
+  </p:cSld>
+  <p:clrMapOvr>
+    <a:masterClrMapping/>
+  </p:clrMapOvr>
+  <p:timing>
+    <p:tnLst>
+      <p:par>
+        <p:cTn id="1" dur="indefinite" restart="never" nodeType="tmRoot"/>
+      </p:par>
+    </p:tnLst>
+  </p:timing>
+</p:sld>
+</file>
+
+<file path=ppt/slides/slide5.xml><?xml version="1.0" encoding="utf-8"?>
+<p:sld xmlns:a="http://schemas.openxmlformats.org/drawingml/2006/main" xmlns:r="http://schemas.openxmlformats.org/officeDocument/2006/relationships" xmlns:p="http://schemas.openxmlformats.org/presentationml/2006/main">
+  <p:cSld>
+    <p:spTree>
+      <p:nvGrpSpPr>
+        <p:cNvPr id="1" name=""/>
+        <p:cNvGrpSpPr/>
+        <p:nvPr/>
+      </p:nvGrpSpPr>
+      <p:grpSpPr>
+        <a:xfrm>
+          <a:off x="0" y="0"/>
+          <a:ext cx="0" cy="0"/>
+          <a:chOff x="0" y="0"/>
+          <a:chExt cx="0" cy="0"/>
+        </a:xfrm>
+      </p:grpSpPr>
+      <p:sp>
+        <p:nvSpPr>
+          <p:cNvPr id="2" name="제목 1"/>
+          <p:cNvSpPr>
+            <a:spLocks noGrp="1"/>
+          </p:cNvSpPr>
+          <p:nvPr>
+            <p:ph type="title"/>
+          </p:nvPr>
+        </p:nvSpPr>
+        <p:spPr/>
+        <p:txBody>
+          <a:bodyPr>
+            <a:normAutofit fontScale="90000"/>
+          </a:bodyPr>
+          <a:lstStyle/>
+          <a:p>
+            <a:r>
+              <a:rPr lang="en-US" altLang="ko-KR" dirty="0" smtClean="0"/>
+              <a:t>5.3 Dynamic </a:t>
+            </a:r>
+            <a:r>
+              <a:rPr lang="en-US" altLang="ko-KR" dirty="0" smtClean="0"/>
+              <a:t>View(5)</a:t>
+            </a:r>
+            <a:endParaRPr lang="ko-KR" altLang="en-US" dirty="0"/>
+          </a:p>
+        </p:txBody>
+      </p:sp>
+      <p:sp>
+        <p:nvSpPr>
+          <p:cNvPr id="5" name="슬라이드 번호 개체 틀 4"/>
+          <p:cNvSpPr>
+            <a:spLocks noGrp="1"/>
+          </p:cNvSpPr>
+          <p:nvPr>
+            <p:ph type="sldNum" sz="quarter" idx="11"/>
+          </p:nvPr>
+        </p:nvSpPr>
+        <p:spPr/>
+        <p:txBody>
+          <a:bodyPr/>
+          <a:lstStyle/>
+          <a:p>
+            <a:fld id="{887F5A62-5D57-4BBA-9485-2C5A6728F77D}" type="slidenum">
+              <a:rPr lang="ko-KR" altLang="en-US" smtClean="0"/>
+              <a:pPr/>
+              <a:t>5</a:t>
+            </a:fld>
+            <a:r>
+              <a:rPr lang="en-US" altLang="ko-KR" dirty="0" smtClean="0"/>
+              <a:t>/31</a:t>
+            </a:r>
+            <a:endParaRPr lang="ko-KR" altLang="en-US" dirty="0"/>
+          </a:p>
+        </p:txBody>
+      </p:sp>
+      <p:sp>
+        <p:nvSpPr>
+          <p:cNvPr id="3" name="TextBox 2"/>
+          <p:cNvSpPr txBox="1"/>
+          <p:nvPr/>
+        </p:nvSpPr>
+        <p:spPr>
+          <a:xfrm>
+            <a:off x="467134" y="934820"/>
+            <a:ext cx="3158237" cy="369332"/>
+          </a:xfrm>
+          <a:prstGeom prst="rect">
+            <a:avLst/>
+          </a:prstGeom>
+          <a:noFill/>
+        </p:spPr>
+        <p:txBody>
+          <a:bodyPr wrap="none" rtlCol="0">
+            <a:spAutoFit/>
+          </a:bodyPr>
+          <a:lstStyle/>
+          <a:p>
+            <a:r>
+              <a:rPr lang="en-US" altLang="ko-KR" dirty="0" smtClean="0"/>
+              <a:t>Sequence </a:t>
+            </a:r>
+            <a:r>
+              <a:rPr lang="en-US" altLang="ko-KR" dirty="0" smtClean="0"/>
+              <a:t>Diagram: </a:t>
+            </a:r>
+            <a:r>
+              <a:rPr lang="en-US" altLang="ko-KR" dirty="0" smtClean="0"/>
+              <a:t>Connect</a:t>
+            </a:r>
+            <a:endParaRPr lang="ko-KR" altLang="en-US"/>
+          </a:p>
+        </p:txBody>
+      </p:sp>
+      <p:pic>
+        <p:nvPicPr>
+          <p:cNvPr id="4" name="그림 3"/>
+          <p:cNvPicPr>
+            <a:picLocks noChangeAspect="1"/>
+          </p:cNvPicPr>
+          <p:nvPr/>
+        </p:nvPicPr>
+        <p:blipFill>
+          <a:blip r:embed="rId2"/>
+          <a:stretch>
+            <a:fillRect/>
+          </a:stretch>
+        </p:blipFill>
+        <p:spPr>
+          <a:xfrm>
+            <a:off x="467134" y="1412776"/>
+            <a:ext cx="8208554" cy="3041748"/>
+          </a:xfrm>
+          <a:prstGeom prst="rect">
+            <a:avLst/>
+          </a:prstGeom>
+        </p:spPr>
+      </p:pic>
+    </p:spTree>
+    <p:extLst>
+      <p:ext uri="{BB962C8B-B14F-4D97-AF65-F5344CB8AC3E}">
+        <p14:creationId xmlns:p14="http://schemas.microsoft.com/office/powerpoint/2010/main" val="1285123007"/>
       </p:ext>
     </p:extLst>
   </p:cSld>

--- a/doc/dynamic view 150616_communication_dgm.pptx
+++ b/doc/dynamic view 150616_communication_dgm.pptx
@@ -5,14 +5,15 @@
     <p:sldMasterId id="2147483693" r:id="rId1"/>
   </p:sldMasterIdLst>
   <p:notesMasterIdLst>
-    <p:notesMasterId r:id="rId7"/>
+    <p:notesMasterId r:id="rId8"/>
   </p:notesMasterIdLst>
   <p:sldIdLst>
     <p:sldId id="307" r:id="rId2"/>
-    <p:sldId id="308" r:id="rId3"/>
-    <p:sldId id="309" r:id="rId4"/>
-    <p:sldId id="310" r:id="rId5"/>
-    <p:sldId id="311" r:id="rId6"/>
+    <p:sldId id="312" r:id="rId3"/>
+    <p:sldId id="308" r:id="rId4"/>
+    <p:sldId id="309" r:id="rId5"/>
+    <p:sldId id="310" r:id="rId6"/>
+    <p:sldId id="311" r:id="rId7"/>
   </p:sldIdLst>
   <p:sldSz cx="9144000" cy="6858000" type="screen4x3"/>
   <p:notesSz cx="6858000" cy="9144000"/>
@@ -117,6 +118,7 @@
         <p14:section name="기본 구역" id="{8842BCD3-E84E-4C92-B413-F11C840B25B4}">
           <p14:sldIdLst>
             <p14:sldId id="307"/>
+            <p14:sldId id="312"/>
             <p14:sldId id="308"/>
             <p14:sldId id="309"/>
             <p14:sldId id="310"/>
@@ -270,7 +272,7 @@
               <a:pPr lvl="0">
                 <a:defRPr lang="ko-KR" altLang="en-US"/>
               </a:pPr>
-              <a:t>2015-06-18</a:t>
+              <a:t>2015-06-17</a:t>
             </a:fld>
             <a:endParaRPr lang="ko-KR" altLang="en-US"/>
           </a:p>
@@ -1718,7 +1720,7 @@
         <p:spPr>
           <a:xfrm>
             <a:off x="467134" y="934820"/>
-            <a:ext cx="4292778" cy="369332"/>
+            <a:ext cx="4433842" cy="369332"/>
           </a:xfrm>
           <a:prstGeom prst="rect">
             <a:avLst/>
@@ -1811,75 +1813,6 @@
                 </a:solidFill>
               </a:rPr>
               <a:t>NodeManager</a:t>
-            </a:r>
-            <a:endParaRPr lang="ko-KR" altLang="en-US" sz="1200">
-              <a:solidFill>
-                <a:schemeClr val="bg1">
-                  <a:lumMod val="75000"/>
-                  <a:lumOff val="25000"/>
-                </a:schemeClr>
-              </a:solidFill>
-            </a:endParaRPr>
-          </a:p>
-        </p:txBody>
-      </p:sp>
-      <p:sp>
-        <p:nvSpPr>
-          <p:cNvPr id="55" name="직사각형 54"/>
-          <p:cNvSpPr/>
-          <p:nvPr/>
-        </p:nvSpPr>
-        <p:spPr>
-          <a:xfrm>
-            <a:off x="6012160" y="2038670"/>
-            <a:ext cx="1368152" cy="359433"/>
-          </a:xfrm>
-          <a:prstGeom prst="rect">
-            <a:avLst/>
-          </a:prstGeom>
-          <a:solidFill>
-            <a:schemeClr val="tx1"/>
-          </a:solidFill>
-          <a:ln w="9525">
-            <a:solidFill>
-              <a:schemeClr val="bg1">
-                <a:lumMod val="75000"/>
-                <a:lumOff val="25000"/>
-              </a:schemeClr>
-            </a:solidFill>
-          </a:ln>
-        </p:spPr>
-        <p:style>
-          <a:lnRef idx="2">
-            <a:schemeClr val="accent1">
-              <a:shade val="50000"/>
-            </a:schemeClr>
-          </a:lnRef>
-          <a:fillRef idx="1">
-            <a:schemeClr val="accent1"/>
-          </a:fillRef>
-          <a:effectRef idx="0">
-            <a:schemeClr val="accent1"/>
-          </a:effectRef>
-          <a:fontRef idx="minor">
-            <a:schemeClr val="lt1"/>
-          </a:fontRef>
-        </p:style>
-        <p:txBody>
-          <a:bodyPr rtlCol="0" anchor="ctr"/>
-          <a:lstStyle/>
-          <a:p>
-            <a:pPr algn="ctr"/>
-            <a:r>
-              <a:rPr lang="en-US" altLang="ko-KR" sz="1200" dirty="0" smtClean="0">
-                <a:solidFill>
-                  <a:schemeClr val="bg1">
-                    <a:lumMod val="75000"/>
-                    <a:lumOff val="25000"/>
-                  </a:schemeClr>
-                </a:solidFill>
-              </a:rPr>
-              <a:t>:Discover</a:t>
             </a:r>
             <a:endParaRPr lang="ko-KR" altLang="en-US" sz="1200">
               <a:solidFill>
@@ -2276,75 +2209,6 @@
           </a:p>
         </p:txBody>
       </p:sp>
-      <p:sp>
-        <p:nvSpPr>
-          <p:cNvPr id="84" name="직사각형 83"/>
-          <p:cNvSpPr/>
-          <p:nvPr/>
-        </p:nvSpPr>
-        <p:spPr>
-          <a:xfrm>
-            <a:off x="5940152" y="3801227"/>
-            <a:ext cx="1512168" cy="359433"/>
-          </a:xfrm>
-          <a:prstGeom prst="rect">
-            <a:avLst/>
-          </a:prstGeom>
-          <a:solidFill>
-            <a:schemeClr val="tx1"/>
-          </a:solidFill>
-          <a:ln w="9525">
-            <a:solidFill>
-              <a:schemeClr val="bg1">
-                <a:lumMod val="75000"/>
-                <a:lumOff val="25000"/>
-              </a:schemeClr>
-            </a:solidFill>
-          </a:ln>
-        </p:spPr>
-        <p:style>
-          <a:lnRef idx="2">
-            <a:schemeClr val="accent1">
-              <a:shade val="50000"/>
-            </a:schemeClr>
-          </a:lnRef>
-          <a:fillRef idx="1">
-            <a:schemeClr val="accent1"/>
-          </a:fillRef>
-          <a:effectRef idx="0">
-            <a:schemeClr val="accent1"/>
-          </a:effectRef>
-          <a:fontRef idx="minor">
-            <a:schemeClr val="lt1"/>
-          </a:fontRef>
-        </p:style>
-        <p:txBody>
-          <a:bodyPr rtlCol="0" anchor="ctr"/>
-          <a:lstStyle/>
-          <a:p>
-            <a:pPr algn="ctr"/>
-            <a:r>
-              <a:rPr lang="en-US" altLang="ko-KR" sz="1200" dirty="0" smtClean="0">
-                <a:solidFill>
-                  <a:schemeClr val="bg1">
-                    <a:lumMod val="75000"/>
-                    <a:lumOff val="25000"/>
-                  </a:schemeClr>
-                </a:solidFill>
-              </a:rPr>
-              <a:t>:SA-Node(Arduino)</a:t>
-            </a:r>
-            <a:endParaRPr lang="ko-KR" altLang="en-US" sz="1200">
-              <a:solidFill>
-                <a:schemeClr val="bg1">
-                  <a:lumMod val="75000"/>
-                  <a:lumOff val="25000"/>
-                </a:schemeClr>
-              </a:solidFill>
-            </a:endParaRPr>
-          </a:p>
-        </p:txBody>
-      </p:sp>
       <p:cxnSp>
         <p:nvCxnSpPr>
           <p:cNvPr id="85" name="직선 연결선 84"/>
@@ -2357,7 +2221,7 @@
         <p:spPr>
           <a:xfrm flipV="1">
             <a:off x="6696236" y="2398103"/>
-            <a:ext cx="0" cy="1403124"/>
+            <a:ext cx="0" cy="1543963"/>
           </a:xfrm>
           <a:prstGeom prst="line">
             <a:avLst/>
@@ -2395,7 +2259,7 @@
         </p:nvSpPr>
         <p:spPr>
           <a:xfrm>
-            <a:off x="6646381" y="3055396"/>
+            <a:off x="6804248" y="3140967"/>
             <a:ext cx="2102083" cy="432049"/>
           </a:xfrm>
           <a:prstGeom prst="rect">
@@ -2431,7 +2295,6 @@
           </a:bodyPr>
           <a:lstStyle/>
           <a:p>
-            <a:pPr algn="ctr"/>
             <a:r>
               <a:rPr lang="en-US" altLang="ko-KR" sz="1200" dirty="0" smtClean="0">
                 <a:solidFill>
@@ -2441,7 +2304,20 @@
                   </a:schemeClr>
                 </a:solidFill>
               </a:rPr>
-              <a:t>1.3: </a:t>
+              <a:t>1.5: Authenticate</a:t>
+            </a:r>
+          </a:p>
+          <a:p>
+            <a:r>
+              <a:rPr lang="en-US" altLang="ko-KR" sz="1200" dirty="0" smtClean="0">
+                <a:solidFill>
+                  <a:schemeClr val="bg1">
+                    <a:lumMod val="75000"/>
+                    <a:lumOff val="25000"/>
+                  </a:schemeClr>
+                </a:solidFill>
+              </a:rPr>
+              <a:t>(</a:t>
             </a:r>
             <a:r>
               <a:rPr lang="en-US" altLang="ko-KR" sz="1200" dirty="0" err="1" smtClean="0">
@@ -2452,7 +2328,18 @@
                   </a:schemeClr>
                 </a:solidFill>
               </a:rPr>
-              <a:t>registerNode</a:t>
+              <a:t>E</a:t>
+            </a:r>
+            <a:r>
+              <a:rPr lang="en-US" altLang="ko-KR" sz="1200" baseline="-25000" dirty="0" err="1" smtClean="0">
+                <a:solidFill>
+                  <a:schemeClr val="bg1">
+                    <a:lumMod val="75000"/>
+                    <a:lumOff val="25000"/>
+                  </a:schemeClr>
+                </a:solidFill>
+              </a:rPr>
+              <a:t>SessionKey</a:t>
             </a:r>
             <a:r>
               <a:rPr lang="en-US" altLang="ko-KR" sz="1200" dirty="0" smtClean="0">
@@ -2488,28 +2375,6 @@
               <a:t>, </a:t>
             </a:r>
             <a:r>
-              <a:rPr lang="en-US" altLang="ko-KR" sz="1200" dirty="0" err="1">
-                <a:solidFill>
-                  <a:schemeClr val="bg1">
-                    <a:lumMod val="75000"/>
-                    <a:lumOff val="25000"/>
-                  </a:schemeClr>
-                </a:solidFill>
-              </a:rPr>
-              <a:t>ServerInfo</a:t>
-            </a:r>
-            <a:r>
-              <a:rPr lang="en-US" altLang="ko-KR" sz="1200" dirty="0">
-                <a:solidFill>
-                  <a:schemeClr val="bg1">
-                    <a:lumMod val="75000"/>
-                    <a:lumOff val="25000"/>
-                  </a:schemeClr>
-                </a:solidFill>
-              </a:rPr>
-              <a:t>, Serial</a:t>
-            </a:r>
-            <a:r>
               <a:rPr lang="en-US" altLang="ko-KR" sz="1200" dirty="0" smtClean="0">
                 <a:solidFill>
                   <a:schemeClr val="bg1">
@@ -2518,7 +2383,7 @@
                   </a:schemeClr>
                 </a:solidFill>
               </a:rPr>
-              <a:t>)</a:t>
+              <a:t>Serial))</a:t>
             </a:r>
             <a:endParaRPr lang="ko-KR" altLang="en-US" sz="1200" dirty="0" smtClean="0">
               <a:solidFill>
@@ -2539,7 +2404,7 @@
         </p:nvCxnSpPr>
         <p:spPr>
           <a:xfrm>
-            <a:off x="6804248" y="3156702"/>
+            <a:off x="6804248" y="3179115"/>
             <a:ext cx="0" cy="310445"/>
           </a:xfrm>
           <a:prstGeom prst="straightConnector1">
@@ -2979,7 +2844,7 @@
         </p:nvCxnSpPr>
         <p:spPr>
           <a:xfrm flipV="1">
-            <a:off x="6588224" y="3179115"/>
+            <a:off x="6588224" y="3539155"/>
             <a:ext cx="0" cy="308328"/>
           </a:xfrm>
           <a:prstGeom prst="straightConnector1">
@@ -3019,8 +2884,8 @@
         </p:nvSpPr>
         <p:spPr>
           <a:xfrm>
-            <a:off x="4918189" y="3035099"/>
-            <a:ext cx="1598027" cy="537917"/>
+            <a:off x="4566252" y="3395139"/>
+            <a:ext cx="2031412" cy="537917"/>
           </a:xfrm>
           <a:prstGeom prst="rect">
             <a:avLst/>
@@ -3065,18 +2930,7 @@
                   </a:schemeClr>
                 </a:solidFill>
               </a:rPr>
-              <a:t>1.4: </a:t>
-            </a:r>
-            <a:r>
-              <a:rPr lang="en-US" altLang="ko-KR" sz="1200" dirty="0" err="1" smtClean="0">
-                <a:solidFill>
-                  <a:schemeClr val="bg1">
-                    <a:lumMod val="75000"/>
-                    <a:lumOff val="25000"/>
-                  </a:schemeClr>
-                </a:solidFill>
-              </a:rPr>
-              <a:t>resultRegistered</a:t>
+              <a:t>1.6: Authenticated</a:t>
             </a:r>
             <a:endParaRPr lang="en-US" altLang="ko-KR" sz="1200" dirty="0" smtClean="0">
               <a:solidFill>
@@ -3098,7 +2952,7 @@
                   </a:schemeClr>
                 </a:solidFill>
               </a:rPr>
-              <a:t>(Result, </a:t>
+              <a:t>(</a:t>
             </a:r>
             <a:r>
               <a:rPr lang="en-US" altLang="ko-KR" sz="1200" dirty="0" err="1" smtClean="0">
@@ -3109,6 +2963,50 @@
                   </a:schemeClr>
                 </a:solidFill>
               </a:rPr>
+              <a:t>E</a:t>
+            </a:r>
+            <a:r>
+              <a:rPr lang="en-US" altLang="ko-KR" sz="1200" baseline="-25000" dirty="0" err="1" smtClean="0">
+                <a:solidFill>
+                  <a:schemeClr val="bg1">
+                    <a:lumMod val="75000"/>
+                    <a:lumOff val="25000"/>
+                  </a:schemeClr>
+                </a:solidFill>
+              </a:rPr>
+              <a:t>SessionKey</a:t>
+            </a:r>
+            <a:r>
+              <a:rPr lang="en-US" altLang="ko-KR" sz="1200" dirty="0" smtClean="0">
+                <a:solidFill>
+                  <a:schemeClr val="bg1">
+                    <a:lumMod val="75000"/>
+                    <a:lumOff val="25000"/>
+                  </a:schemeClr>
+                </a:solidFill>
+              </a:rPr>
+              <a:t>(Result</a:t>
+            </a:r>
+            <a:r>
+              <a:rPr lang="en-US" altLang="ko-KR" sz="1200" dirty="0" smtClean="0">
+                <a:solidFill>
+                  <a:schemeClr val="bg1">
+                    <a:lumMod val="75000"/>
+                    <a:lumOff val="25000"/>
+                  </a:schemeClr>
+                </a:solidFill>
+              </a:rPr>
+              <a:t>, </a:t>
+            </a:r>
+            <a:r>
+              <a:rPr lang="en-US" altLang="ko-KR" sz="1200" dirty="0" err="1" smtClean="0">
+                <a:solidFill>
+                  <a:schemeClr val="bg1">
+                    <a:lumMod val="75000"/>
+                    <a:lumOff val="25000"/>
+                  </a:schemeClr>
+                </a:solidFill>
+              </a:rPr>
               <a:t>ThingList</a:t>
             </a:r>
             <a:r>
@@ -3120,7 +3018,7 @@
                   </a:schemeClr>
                 </a:solidFill>
               </a:rPr>
-              <a:t>)</a:t>
+              <a:t>))</a:t>
             </a:r>
             <a:endParaRPr lang="ko-KR" altLang="en-US" sz="1200" dirty="0" smtClean="0">
               <a:solidFill>
@@ -4281,7 +4179,7 @@
         </p:nvGrpSpPr>
         <p:grpSpPr>
           <a:xfrm>
-            <a:off x="940349" y="5941115"/>
+            <a:off x="940349" y="6073582"/>
             <a:ext cx="1877666" cy="595778"/>
             <a:chOff x="6074530" y="4766674"/>
             <a:chExt cx="1167771" cy="245174"/>
@@ -4592,7 +4490,7 @@
         </p:nvSpPr>
         <p:spPr>
           <a:xfrm>
-            <a:off x="2265954" y="4389818"/>
+            <a:off x="2318962" y="4389818"/>
             <a:ext cx="1944216" cy="359433"/>
           </a:xfrm>
           <a:prstGeom prst="rect">
@@ -4739,13 +4637,14 @@
           <p:cNvPr id="172" name="직선 연결선 171"/>
           <p:cNvCxnSpPr>
             <a:stCxn id="156" idx="3"/>
+            <a:endCxn id="4" idx="5"/>
           </p:cNvCxnSpPr>
           <p:nvPr/>
         </p:nvCxnSpPr>
         <p:spPr>
-          <a:xfrm flipV="1">
-            <a:off x="1869221" y="5765959"/>
-            <a:ext cx="0" cy="211609"/>
+          <a:xfrm flipH="1" flipV="1">
+            <a:off x="1672924" y="5856429"/>
+            <a:ext cx="196297" cy="253606"/>
           </a:xfrm>
           <a:prstGeom prst="line">
             <a:avLst/>
@@ -4784,7 +4683,7 @@
         </p:nvGrpSpPr>
         <p:grpSpPr>
           <a:xfrm>
-            <a:off x="6231396" y="4350031"/>
+            <a:off x="4756925" y="5406753"/>
             <a:ext cx="1895194" cy="738330"/>
             <a:chOff x="5983459" y="4477352"/>
             <a:chExt cx="1178672" cy="562201"/>
@@ -4969,14 +4868,14 @@
           <p:cNvPr id="6" name="직선 연결선 5"/>
           <p:cNvCxnSpPr>
             <a:stCxn id="57" idx="3"/>
-            <a:endCxn id="84" idx="2"/>
+            <a:endCxn id="60" idx="3"/>
           </p:cNvCxnSpPr>
           <p:nvPr/>
         </p:nvCxnSpPr>
         <p:spPr>
-          <a:xfrm flipH="1" flipV="1">
-            <a:off x="6696236" y="4160660"/>
-            <a:ext cx="464032" cy="221872"/>
+          <a:xfrm flipV="1">
+            <a:off x="5685797" y="4374383"/>
+            <a:ext cx="1035233" cy="1064871"/>
           </a:xfrm>
           <a:prstGeom prst="line">
             <a:avLst/>
@@ -5007,6 +4906,1048 @@
           </a:fontRef>
         </p:style>
       </p:cxnSp>
+      <p:sp>
+        <p:nvSpPr>
+          <p:cNvPr id="4" name="타원 3"/>
+          <p:cNvSpPr/>
+          <p:nvPr/>
+        </p:nvSpPr>
+        <p:spPr>
+          <a:xfrm>
+            <a:off x="1611468" y="5794973"/>
+            <a:ext cx="72000" cy="72000"/>
+          </a:xfrm>
+          <a:prstGeom prst="ellipse">
+            <a:avLst/>
+          </a:prstGeom>
+          <a:solidFill>
+            <a:schemeClr val="tx1"/>
+          </a:solidFill>
+          <a:ln w="9525">
+            <a:solidFill>
+              <a:schemeClr val="bg1">
+                <a:lumMod val="75000"/>
+                <a:lumOff val="25000"/>
+              </a:schemeClr>
+            </a:solidFill>
+          </a:ln>
+        </p:spPr>
+        <p:style>
+          <a:lnRef idx="2">
+            <a:schemeClr val="accent1">
+              <a:shade val="50000"/>
+            </a:schemeClr>
+          </a:lnRef>
+          <a:fillRef idx="1">
+            <a:schemeClr val="accent1"/>
+          </a:fillRef>
+          <a:effectRef idx="0">
+            <a:schemeClr val="accent1"/>
+          </a:effectRef>
+          <a:fontRef idx="minor">
+            <a:schemeClr val="lt1"/>
+          </a:fontRef>
+        </p:style>
+        <p:txBody>
+          <a:bodyPr rtlCol="0" anchor="ctr"/>
+          <a:lstStyle/>
+          <a:p>
+            <a:pPr algn="ctr"/>
+            <a:endParaRPr lang="ko-KR" altLang="en-US" sz="1200" dirty="0" smtClean="0">
+              <a:solidFill>
+                <a:schemeClr val="bg1">
+                  <a:lumMod val="75000"/>
+                  <a:lumOff val="25000"/>
+                </a:schemeClr>
+              </a:solidFill>
+            </a:endParaRPr>
+          </a:p>
+        </p:txBody>
+      </p:sp>
+      <p:sp>
+        <p:nvSpPr>
+          <p:cNvPr id="60" name="타원 59"/>
+          <p:cNvSpPr/>
+          <p:nvPr/>
+        </p:nvSpPr>
+        <p:spPr>
+          <a:xfrm>
+            <a:off x="6710486" y="4312927"/>
+            <a:ext cx="72000" cy="72000"/>
+          </a:xfrm>
+          <a:prstGeom prst="ellipse">
+            <a:avLst/>
+          </a:prstGeom>
+          <a:solidFill>
+            <a:schemeClr val="tx1"/>
+          </a:solidFill>
+          <a:ln w="9525">
+            <a:solidFill>
+              <a:schemeClr val="bg1">
+                <a:lumMod val="75000"/>
+                <a:lumOff val="25000"/>
+              </a:schemeClr>
+            </a:solidFill>
+          </a:ln>
+        </p:spPr>
+        <p:style>
+          <a:lnRef idx="2">
+            <a:schemeClr val="accent1">
+              <a:shade val="50000"/>
+            </a:schemeClr>
+          </a:lnRef>
+          <a:fillRef idx="1">
+            <a:schemeClr val="accent1"/>
+          </a:fillRef>
+          <a:effectRef idx="0">
+            <a:schemeClr val="accent1"/>
+          </a:effectRef>
+          <a:fontRef idx="minor">
+            <a:schemeClr val="lt1"/>
+          </a:fontRef>
+        </p:style>
+        <p:txBody>
+          <a:bodyPr rtlCol="0" anchor="ctr"/>
+          <a:lstStyle/>
+          <a:p>
+            <a:pPr algn="ctr"/>
+            <a:endParaRPr lang="ko-KR" altLang="en-US" sz="1200" dirty="0" smtClean="0">
+              <a:solidFill>
+                <a:schemeClr val="bg1">
+                  <a:lumMod val="75000"/>
+                  <a:lumOff val="25000"/>
+                </a:schemeClr>
+              </a:solidFill>
+            </a:endParaRPr>
+          </a:p>
+        </p:txBody>
+      </p:sp>
+      <p:cxnSp>
+        <p:nvCxnSpPr>
+          <p:cNvPr id="63" name="직선 화살표 연결선 62"/>
+          <p:cNvCxnSpPr/>
+          <p:nvPr/>
+        </p:nvCxnSpPr>
+        <p:spPr>
+          <a:xfrm>
+            <a:off x="6818099" y="2636912"/>
+            <a:ext cx="0" cy="310445"/>
+          </a:xfrm>
+          <a:prstGeom prst="straightConnector1">
+            <a:avLst/>
+          </a:prstGeom>
+          <a:ln>
+            <a:solidFill>
+              <a:schemeClr val="bg1">
+                <a:lumMod val="75000"/>
+                <a:lumOff val="25000"/>
+              </a:schemeClr>
+            </a:solidFill>
+            <a:tailEnd type="arrow"/>
+          </a:ln>
+        </p:spPr>
+        <p:style>
+          <a:lnRef idx="1">
+            <a:schemeClr val="accent1"/>
+          </a:lnRef>
+          <a:fillRef idx="0">
+            <a:schemeClr val="accent1"/>
+          </a:fillRef>
+          <a:effectRef idx="0">
+            <a:schemeClr val="accent1"/>
+          </a:effectRef>
+          <a:fontRef idx="minor">
+            <a:schemeClr val="tx1"/>
+          </a:fontRef>
+        </p:style>
+      </p:cxnSp>
+      <p:cxnSp>
+        <p:nvCxnSpPr>
+          <p:cNvPr id="64" name="직선 화살표 연결선 63"/>
+          <p:cNvCxnSpPr/>
+          <p:nvPr/>
+        </p:nvCxnSpPr>
+        <p:spPr>
+          <a:xfrm flipV="1">
+            <a:off x="6602075" y="2996952"/>
+            <a:ext cx="0" cy="308328"/>
+          </a:xfrm>
+          <a:prstGeom prst="straightConnector1">
+            <a:avLst/>
+          </a:prstGeom>
+          <a:ln>
+            <a:solidFill>
+              <a:schemeClr val="bg1">
+                <a:lumMod val="75000"/>
+                <a:lumOff val="25000"/>
+              </a:schemeClr>
+            </a:solidFill>
+            <a:prstDash val="sysDash"/>
+            <a:tailEnd type="arrow"/>
+          </a:ln>
+        </p:spPr>
+        <p:style>
+          <a:lnRef idx="1">
+            <a:schemeClr val="accent1"/>
+          </a:lnRef>
+          <a:fillRef idx="0">
+            <a:schemeClr val="accent1"/>
+          </a:fillRef>
+          <a:effectRef idx="0">
+            <a:schemeClr val="accent1"/>
+          </a:effectRef>
+          <a:fontRef idx="minor">
+            <a:schemeClr val="tx1"/>
+          </a:fontRef>
+        </p:style>
+      </p:cxnSp>
+      <p:sp>
+        <p:nvSpPr>
+          <p:cNvPr id="66" name="직사각형 65"/>
+          <p:cNvSpPr/>
+          <p:nvPr/>
+        </p:nvSpPr>
+        <p:spPr>
+          <a:xfrm>
+            <a:off x="4539748" y="2852936"/>
+            <a:ext cx="2059193" cy="537917"/>
+          </a:xfrm>
+          <a:prstGeom prst="rect">
+            <a:avLst/>
+          </a:prstGeom>
+          <a:noFill/>
+          <a:ln w="9525">
+            <a:noFill/>
+          </a:ln>
+        </p:spPr>
+        <p:style>
+          <a:lnRef idx="2">
+            <a:schemeClr val="accent1">
+              <a:shade val="50000"/>
+            </a:schemeClr>
+          </a:lnRef>
+          <a:fillRef idx="1">
+            <a:schemeClr val="accent1"/>
+          </a:fillRef>
+          <a:effectRef idx="0">
+            <a:schemeClr val="accent1"/>
+          </a:effectRef>
+          <a:fontRef idx="minor">
+            <a:schemeClr val="lt1"/>
+          </a:fontRef>
+        </p:style>
+        <p:txBody>
+          <a:bodyPr rot="0" spcFirstLastPara="0" vertOverflow="overflow" horzOverflow="overflow" vert="horz" wrap="square" lIns="91440" tIns="45720" rIns="91440" bIns="45720" numCol="1" spcCol="0" rtlCol="0" fromWordArt="0" anchor="ctr" anchorCtr="0" forceAA="0" compatLnSpc="1">
+            <a:prstTxWarp prst="textNoShape">
+              <a:avLst/>
+            </a:prstTxWarp>
+            <a:noAutofit/>
+          </a:bodyPr>
+          <a:lstStyle/>
+          <a:p>
+            <a:pPr algn="ctr"/>
+            <a:r>
+              <a:rPr lang="en-US" altLang="ko-KR" sz="1200" dirty="0" smtClean="0">
+                <a:solidFill>
+                  <a:schemeClr val="bg1">
+                    <a:lumMod val="75000"/>
+                    <a:lumOff val="25000"/>
+                  </a:schemeClr>
+                </a:solidFill>
+              </a:rPr>
+              <a:t>1.4: </a:t>
+            </a:r>
+            <a:r>
+              <a:rPr lang="en-US" altLang="ko-KR" sz="1200" dirty="0" smtClean="0">
+                <a:solidFill>
+                  <a:schemeClr val="bg1">
+                    <a:lumMod val="75000"/>
+                    <a:lumOff val="25000"/>
+                  </a:schemeClr>
+                </a:solidFill>
+              </a:rPr>
+              <a:t>Registered</a:t>
+            </a:r>
+            <a:endParaRPr lang="en-US" altLang="ko-KR" sz="1200" dirty="0" smtClean="0">
+              <a:solidFill>
+                <a:schemeClr val="bg1">
+                  <a:lumMod val="75000"/>
+                  <a:lumOff val="25000"/>
+                </a:schemeClr>
+              </a:solidFill>
+            </a:endParaRPr>
+          </a:p>
+          <a:p>
+            <a:pPr algn="ctr"/>
+            <a:r>
+              <a:rPr lang="en-US" altLang="ko-KR" sz="1200" dirty="0" smtClean="0">
+                <a:solidFill>
+                  <a:schemeClr val="bg1">
+                    <a:lumMod val="75000"/>
+                    <a:lumOff val="25000"/>
+                  </a:schemeClr>
+                </a:solidFill>
+              </a:rPr>
+              <a:t>(</a:t>
+            </a:r>
+            <a:r>
+              <a:rPr lang="en-US" altLang="ko-KR" sz="1200" dirty="0" err="1" smtClean="0">
+                <a:solidFill>
+                  <a:schemeClr val="bg1">
+                    <a:lumMod val="75000"/>
+                    <a:lumOff val="25000"/>
+                  </a:schemeClr>
+                </a:solidFill>
+              </a:rPr>
+              <a:t>E</a:t>
+            </a:r>
+            <a:r>
+              <a:rPr lang="en-US" altLang="ko-KR" sz="1200" baseline="-25000" dirty="0" err="1" smtClean="0">
+                <a:solidFill>
+                  <a:schemeClr val="bg1">
+                    <a:lumMod val="75000"/>
+                    <a:lumOff val="25000"/>
+                  </a:schemeClr>
+                </a:solidFill>
+              </a:rPr>
+              <a:t>PubKey</a:t>
+            </a:r>
+            <a:r>
+              <a:rPr lang="en-US" altLang="ko-KR" sz="1200" dirty="0" smtClean="0">
+                <a:solidFill>
+                  <a:schemeClr val="bg1">
+                    <a:lumMod val="75000"/>
+                    <a:lumOff val="25000"/>
+                  </a:schemeClr>
+                </a:solidFill>
+              </a:rPr>
+              <a:t>(</a:t>
+            </a:r>
+            <a:r>
+              <a:rPr lang="en-US" altLang="ko-KR" sz="1200" dirty="0" err="1" smtClean="0">
+                <a:solidFill>
+                  <a:schemeClr val="bg1">
+                    <a:lumMod val="75000"/>
+                    <a:lumOff val="25000"/>
+                  </a:schemeClr>
+                </a:solidFill>
+              </a:rPr>
+              <a:t>NodeId</a:t>
+            </a:r>
+            <a:r>
+              <a:rPr lang="en-US" altLang="ko-KR" sz="1200" dirty="0" smtClean="0">
+                <a:solidFill>
+                  <a:schemeClr val="bg1">
+                    <a:lumMod val="75000"/>
+                    <a:lumOff val="25000"/>
+                  </a:schemeClr>
+                </a:solidFill>
+              </a:rPr>
+              <a:t>, </a:t>
+            </a:r>
+            <a:r>
+              <a:rPr lang="en-US" altLang="ko-KR" sz="1200" dirty="0" err="1" smtClean="0">
+                <a:solidFill>
+                  <a:schemeClr val="bg1">
+                    <a:lumMod val="75000"/>
+                    <a:lumOff val="25000"/>
+                  </a:schemeClr>
+                </a:solidFill>
+              </a:rPr>
+              <a:t>SessionKey</a:t>
+            </a:r>
+            <a:r>
+              <a:rPr lang="en-US" altLang="ko-KR" sz="1200" dirty="0" smtClean="0">
+                <a:solidFill>
+                  <a:schemeClr val="bg1">
+                    <a:lumMod val="75000"/>
+                    <a:lumOff val="25000"/>
+                  </a:schemeClr>
+                </a:solidFill>
+              </a:rPr>
+              <a:t>)</a:t>
+            </a:r>
+            <a:endParaRPr lang="ko-KR" altLang="en-US" sz="1200" dirty="0" smtClean="0">
+              <a:solidFill>
+                <a:schemeClr val="bg1">
+                  <a:lumMod val="75000"/>
+                  <a:lumOff val="25000"/>
+                </a:schemeClr>
+              </a:solidFill>
+            </a:endParaRPr>
+          </a:p>
+        </p:txBody>
+      </p:sp>
+      <p:sp>
+        <p:nvSpPr>
+          <p:cNvPr id="67" name="직사각형 66"/>
+          <p:cNvSpPr/>
+          <p:nvPr/>
+        </p:nvSpPr>
+        <p:spPr>
+          <a:xfrm>
+            <a:off x="6824198" y="2591408"/>
+            <a:ext cx="2212298" cy="432049"/>
+          </a:xfrm>
+          <a:prstGeom prst="rect">
+            <a:avLst/>
+          </a:prstGeom>
+          <a:noFill/>
+          <a:ln w="9525">
+            <a:noFill/>
+          </a:ln>
+        </p:spPr>
+        <p:style>
+          <a:lnRef idx="2">
+            <a:schemeClr val="accent1">
+              <a:shade val="50000"/>
+            </a:schemeClr>
+          </a:lnRef>
+          <a:fillRef idx="1">
+            <a:schemeClr val="accent1"/>
+          </a:fillRef>
+          <a:effectRef idx="0">
+            <a:schemeClr val="accent1"/>
+          </a:effectRef>
+          <a:fontRef idx="minor">
+            <a:schemeClr val="lt1"/>
+          </a:fontRef>
+        </p:style>
+        <p:txBody>
+          <a:bodyPr rot="0" spcFirstLastPara="0" vertOverflow="overflow" horzOverflow="overflow" vert="horz" wrap="square" lIns="91440" tIns="45720" rIns="91440" bIns="45720" numCol="1" spcCol="0" rtlCol="0" fromWordArt="0" anchor="ctr" anchorCtr="0" forceAA="0" compatLnSpc="1">
+            <a:prstTxWarp prst="textNoShape">
+              <a:avLst/>
+            </a:prstTxWarp>
+            <a:noAutofit/>
+          </a:bodyPr>
+          <a:lstStyle/>
+          <a:p>
+            <a:r>
+              <a:rPr lang="en-US" altLang="ko-KR" sz="1200" dirty="0" smtClean="0">
+                <a:solidFill>
+                  <a:schemeClr val="bg1">
+                    <a:lumMod val="75000"/>
+                    <a:lumOff val="25000"/>
+                  </a:schemeClr>
+                </a:solidFill>
+              </a:rPr>
+              <a:t>1.3: </a:t>
+            </a:r>
+            <a:r>
+              <a:rPr lang="en-US" altLang="ko-KR" sz="1200" dirty="0">
+                <a:solidFill>
+                  <a:schemeClr val="bg1">
+                    <a:lumMod val="75000"/>
+                    <a:lumOff val="25000"/>
+                  </a:schemeClr>
+                </a:solidFill>
+              </a:rPr>
+              <a:t>R</a:t>
+            </a:r>
+            <a:r>
+              <a:rPr lang="en-US" altLang="ko-KR" sz="1200" dirty="0" smtClean="0">
+                <a:solidFill>
+                  <a:schemeClr val="bg1">
+                    <a:lumMod val="75000"/>
+                    <a:lumOff val="25000"/>
+                  </a:schemeClr>
+                </a:solidFill>
+              </a:rPr>
+              <a:t>egister(</a:t>
+            </a:r>
+            <a:r>
+              <a:rPr lang="en-US" altLang="ko-KR" sz="1200" dirty="0" err="1" smtClean="0">
+                <a:solidFill>
+                  <a:schemeClr val="bg1">
+                    <a:lumMod val="75000"/>
+                    <a:lumOff val="25000"/>
+                  </a:schemeClr>
+                </a:solidFill>
+              </a:rPr>
+              <a:t>NodeId</a:t>
+            </a:r>
+            <a:r>
+              <a:rPr lang="en-US" altLang="ko-KR" sz="1200" dirty="0" smtClean="0">
+                <a:solidFill>
+                  <a:schemeClr val="bg1">
+                    <a:lumMod val="75000"/>
+                    <a:lumOff val="25000"/>
+                  </a:schemeClr>
+                </a:solidFill>
+              </a:rPr>
+              <a:t>, </a:t>
+            </a:r>
+            <a:r>
+              <a:rPr lang="en-US" altLang="ko-KR" sz="1200" dirty="0" err="1">
+                <a:solidFill>
+                  <a:schemeClr val="bg1">
+                    <a:lumMod val="75000"/>
+                    <a:lumOff val="25000"/>
+                  </a:schemeClr>
+                </a:solidFill>
+              </a:rPr>
+              <a:t>ServerInfo</a:t>
+            </a:r>
+            <a:r>
+              <a:rPr lang="en-US" altLang="ko-KR" sz="1200" dirty="0">
+                <a:solidFill>
+                  <a:schemeClr val="bg1">
+                    <a:lumMod val="75000"/>
+                    <a:lumOff val="25000"/>
+                  </a:schemeClr>
+                </a:solidFill>
+              </a:rPr>
+              <a:t>, </a:t>
+            </a:r>
+            <a:r>
+              <a:rPr lang="en-US" altLang="ko-KR" sz="1200" dirty="0" err="1" smtClean="0">
+                <a:solidFill>
+                  <a:schemeClr val="bg1">
+                    <a:lumMod val="75000"/>
+                    <a:lumOff val="25000"/>
+                  </a:schemeClr>
+                </a:solidFill>
+              </a:rPr>
+              <a:t>PubKey</a:t>
+            </a:r>
+            <a:r>
+              <a:rPr lang="en-US" altLang="ko-KR" sz="1200" dirty="0" smtClean="0">
+                <a:solidFill>
+                  <a:schemeClr val="bg1">
+                    <a:lumMod val="75000"/>
+                    <a:lumOff val="25000"/>
+                  </a:schemeClr>
+                </a:solidFill>
+              </a:rPr>
+              <a:t>)</a:t>
+            </a:r>
+            <a:endParaRPr lang="ko-KR" altLang="en-US" sz="1200" dirty="0" smtClean="0">
+              <a:solidFill>
+                <a:schemeClr val="bg1">
+                  <a:lumMod val="75000"/>
+                  <a:lumOff val="25000"/>
+                </a:schemeClr>
+              </a:solidFill>
+            </a:endParaRPr>
+          </a:p>
+        </p:txBody>
+      </p:sp>
+      <p:sp>
+        <p:nvSpPr>
+          <p:cNvPr id="70" name="타원 69"/>
+          <p:cNvSpPr/>
+          <p:nvPr/>
+        </p:nvSpPr>
+        <p:spPr>
+          <a:xfrm>
+            <a:off x="7524328" y="2492904"/>
+            <a:ext cx="72000" cy="72000"/>
+          </a:xfrm>
+          <a:prstGeom prst="ellipse">
+            <a:avLst/>
+          </a:prstGeom>
+          <a:solidFill>
+            <a:schemeClr val="tx1"/>
+          </a:solidFill>
+          <a:ln w="9525">
+            <a:solidFill>
+              <a:schemeClr val="bg1">
+                <a:lumMod val="75000"/>
+                <a:lumOff val="25000"/>
+              </a:schemeClr>
+            </a:solidFill>
+          </a:ln>
+        </p:spPr>
+        <p:style>
+          <a:lnRef idx="2">
+            <a:schemeClr val="accent1">
+              <a:shade val="50000"/>
+            </a:schemeClr>
+          </a:lnRef>
+          <a:fillRef idx="1">
+            <a:schemeClr val="accent1"/>
+          </a:fillRef>
+          <a:effectRef idx="0">
+            <a:schemeClr val="accent1"/>
+          </a:effectRef>
+          <a:fontRef idx="minor">
+            <a:schemeClr val="lt1"/>
+          </a:fontRef>
+        </p:style>
+        <p:txBody>
+          <a:bodyPr rtlCol="0" anchor="ctr"/>
+          <a:lstStyle/>
+          <a:p>
+            <a:pPr algn="ctr"/>
+            <a:endParaRPr lang="ko-KR" altLang="en-US" sz="1200" dirty="0" smtClean="0">
+              <a:solidFill>
+                <a:schemeClr val="bg1">
+                  <a:lumMod val="75000"/>
+                  <a:lumOff val="25000"/>
+                </a:schemeClr>
+              </a:solidFill>
+            </a:endParaRPr>
+          </a:p>
+        </p:txBody>
+      </p:sp>
+      <p:sp>
+        <p:nvSpPr>
+          <p:cNvPr id="84" name="직사각형 83"/>
+          <p:cNvSpPr/>
+          <p:nvPr/>
+        </p:nvSpPr>
+        <p:spPr>
+          <a:xfrm>
+            <a:off x="5940152" y="3942066"/>
+            <a:ext cx="1512168" cy="359433"/>
+          </a:xfrm>
+          <a:prstGeom prst="rect">
+            <a:avLst/>
+          </a:prstGeom>
+          <a:solidFill>
+            <a:schemeClr val="tx1"/>
+          </a:solidFill>
+          <a:ln w="9525">
+            <a:solidFill>
+              <a:schemeClr val="bg1">
+                <a:lumMod val="75000"/>
+                <a:lumOff val="25000"/>
+              </a:schemeClr>
+            </a:solidFill>
+          </a:ln>
+        </p:spPr>
+        <p:style>
+          <a:lnRef idx="2">
+            <a:schemeClr val="accent1">
+              <a:shade val="50000"/>
+            </a:schemeClr>
+          </a:lnRef>
+          <a:fillRef idx="1">
+            <a:schemeClr val="accent1"/>
+          </a:fillRef>
+          <a:effectRef idx="0">
+            <a:schemeClr val="accent1"/>
+          </a:effectRef>
+          <a:fontRef idx="minor">
+            <a:schemeClr val="lt1"/>
+          </a:fontRef>
+        </p:style>
+        <p:txBody>
+          <a:bodyPr rtlCol="0" anchor="ctr"/>
+          <a:lstStyle/>
+          <a:p>
+            <a:pPr algn="ctr"/>
+            <a:r>
+              <a:rPr lang="en-US" altLang="ko-KR" sz="1200" dirty="0" smtClean="0">
+                <a:solidFill>
+                  <a:schemeClr val="bg1">
+                    <a:lumMod val="75000"/>
+                    <a:lumOff val="25000"/>
+                  </a:schemeClr>
+                </a:solidFill>
+              </a:rPr>
+              <a:t>:SA-Node(Arduino)</a:t>
+            </a:r>
+            <a:endParaRPr lang="ko-KR" altLang="en-US" sz="1200">
+              <a:solidFill>
+                <a:schemeClr val="bg1">
+                  <a:lumMod val="75000"/>
+                  <a:lumOff val="25000"/>
+                </a:schemeClr>
+              </a:solidFill>
+            </a:endParaRPr>
+          </a:p>
+        </p:txBody>
+      </p:sp>
+      <p:cxnSp>
+        <p:nvCxnSpPr>
+          <p:cNvPr id="75" name="직선 연결선 74"/>
+          <p:cNvCxnSpPr>
+            <a:stCxn id="70" idx="0"/>
+            <a:endCxn id="69" idx="1"/>
+          </p:cNvCxnSpPr>
+          <p:nvPr/>
+        </p:nvCxnSpPr>
+        <p:spPr>
+          <a:xfrm flipH="1" flipV="1">
+            <a:off x="7487849" y="1830572"/>
+            <a:ext cx="72479" cy="662332"/>
+          </a:xfrm>
+          <a:prstGeom prst="line">
+            <a:avLst/>
+          </a:prstGeom>
+          <a:ln>
+            <a:solidFill>
+              <a:schemeClr val="bg1">
+                <a:lumMod val="75000"/>
+                <a:lumOff val="25000"/>
+              </a:schemeClr>
+            </a:solidFill>
+            <a:prstDash val="dash"/>
+            <a:tailEnd type="none" w="lg" len="lg"/>
+          </a:ln>
+        </p:spPr>
+        <p:style>
+          <a:lnRef idx="1">
+            <a:schemeClr val="accent1"/>
+          </a:lnRef>
+          <a:fillRef idx="0">
+            <a:schemeClr val="accent1"/>
+          </a:fillRef>
+          <a:effectRef idx="0">
+            <a:schemeClr val="accent1"/>
+          </a:effectRef>
+          <a:fontRef idx="minor">
+            <a:schemeClr val="tx1"/>
+          </a:fontRef>
+        </p:style>
+      </p:cxnSp>
+      <p:sp>
+        <p:nvSpPr>
+          <p:cNvPr id="55" name="직사각형 54"/>
+          <p:cNvSpPr/>
+          <p:nvPr/>
+        </p:nvSpPr>
+        <p:spPr>
+          <a:xfrm>
+            <a:off x="6012160" y="2038670"/>
+            <a:ext cx="1368152" cy="359433"/>
+          </a:xfrm>
+          <a:prstGeom prst="rect">
+            <a:avLst/>
+          </a:prstGeom>
+          <a:solidFill>
+            <a:schemeClr val="tx1"/>
+          </a:solidFill>
+          <a:ln w="9525">
+            <a:solidFill>
+              <a:schemeClr val="bg1">
+                <a:lumMod val="75000"/>
+                <a:lumOff val="25000"/>
+              </a:schemeClr>
+            </a:solidFill>
+          </a:ln>
+        </p:spPr>
+        <p:style>
+          <a:lnRef idx="2">
+            <a:schemeClr val="accent1">
+              <a:shade val="50000"/>
+            </a:schemeClr>
+          </a:lnRef>
+          <a:fillRef idx="1">
+            <a:schemeClr val="accent1"/>
+          </a:fillRef>
+          <a:effectRef idx="0">
+            <a:schemeClr val="accent1"/>
+          </a:effectRef>
+          <a:fontRef idx="minor">
+            <a:schemeClr val="lt1"/>
+          </a:fontRef>
+        </p:style>
+        <p:txBody>
+          <a:bodyPr rtlCol="0" anchor="ctr"/>
+          <a:lstStyle/>
+          <a:p>
+            <a:pPr algn="ctr"/>
+            <a:r>
+              <a:rPr lang="en-US" altLang="ko-KR" sz="1200" dirty="0" smtClean="0">
+                <a:solidFill>
+                  <a:schemeClr val="bg1">
+                    <a:lumMod val="75000"/>
+                    <a:lumOff val="25000"/>
+                  </a:schemeClr>
+                </a:solidFill>
+              </a:rPr>
+              <a:t>:Discover</a:t>
+            </a:r>
+            <a:endParaRPr lang="ko-KR" altLang="en-US" sz="1200">
+              <a:solidFill>
+                <a:schemeClr val="bg1">
+                  <a:lumMod val="75000"/>
+                  <a:lumOff val="25000"/>
+                </a:schemeClr>
+              </a:solidFill>
+            </a:endParaRPr>
+          </a:p>
+        </p:txBody>
+      </p:sp>
+      <p:grpSp>
+        <p:nvGrpSpPr>
+          <p:cNvPr id="24" name="그룹 23"/>
+          <p:cNvGrpSpPr/>
+          <p:nvPr/>
+        </p:nvGrpSpPr>
+        <p:grpSpPr>
+          <a:xfrm>
+            <a:off x="6012160" y="810201"/>
+            <a:ext cx="2956916" cy="1020371"/>
+            <a:chOff x="6519378" y="1114919"/>
+            <a:chExt cx="2449698" cy="715654"/>
+          </a:xfrm>
+        </p:grpSpPr>
+        <p:sp>
+          <p:nvSpPr>
+            <p:cNvPr id="69" name="한쪽 모서리가 잘린 사각형 68"/>
+            <p:cNvSpPr/>
+            <p:nvPr/>
+          </p:nvSpPr>
+          <p:spPr>
+            <a:xfrm>
+              <a:off x="6519378" y="1124744"/>
+              <a:ext cx="2445110" cy="705829"/>
+            </a:xfrm>
+            <a:prstGeom prst="snip1Rect">
+              <a:avLst>
+                <a:gd name="adj" fmla="val 43048"/>
+              </a:avLst>
+            </a:prstGeom>
+            <a:solidFill>
+              <a:schemeClr val="tx1">
+                <a:lumMod val="75000"/>
+              </a:schemeClr>
+            </a:solidFill>
+            <a:ln w="9525">
+              <a:solidFill>
+                <a:schemeClr val="bg1">
+                  <a:lumMod val="75000"/>
+                  <a:lumOff val="25000"/>
+                </a:schemeClr>
+              </a:solidFill>
+            </a:ln>
+          </p:spPr>
+          <p:style>
+            <a:lnRef idx="2">
+              <a:schemeClr val="accent1">
+                <a:shade val="50000"/>
+              </a:schemeClr>
+            </a:lnRef>
+            <a:fillRef idx="1">
+              <a:schemeClr val="accent1"/>
+            </a:fillRef>
+            <a:effectRef idx="0">
+              <a:schemeClr val="accent1"/>
+            </a:effectRef>
+            <a:fontRef idx="minor">
+              <a:schemeClr val="lt1"/>
+            </a:fontRef>
+          </p:style>
+          <p:txBody>
+            <a:bodyPr rot="0" spcFirstLastPara="0" vertOverflow="overflow" horzOverflow="overflow" vert="horz" wrap="square" lIns="91440" tIns="45720" rIns="91440" bIns="45720" numCol="1" spcCol="0" rtlCol="0" fromWordArt="0" anchor="b" anchorCtr="0" forceAA="0" compatLnSpc="1">
+              <a:prstTxWarp prst="textNoShape">
+                <a:avLst/>
+              </a:prstTxWarp>
+              <a:noAutofit/>
+            </a:bodyPr>
+            <a:lstStyle/>
+            <a:p>
+              <a:r>
+                <a:rPr lang="en-US" altLang="ko-KR" sz="1000" b="1" dirty="0" smtClean="0">
+                  <a:solidFill>
+                    <a:schemeClr val="bg1">
+                      <a:lumMod val="75000"/>
+                      <a:lumOff val="25000"/>
+                    </a:schemeClr>
+                  </a:solidFill>
+                </a:rPr>
+                <a:t>Security </a:t>
+              </a:r>
+              <a:endParaRPr lang="en-US" altLang="ko-KR" sz="1000" dirty="0" smtClean="0">
+                <a:solidFill>
+                  <a:schemeClr val="bg1">
+                    <a:lumMod val="75000"/>
+                    <a:lumOff val="25000"/>
+                  </a:schemeClr>
+                </a:solidFill>
+              </a:endParaRPr>
+            </a:p>
+            <a:p>
+              <a:r>
+                <a:rPr lang="en-US" altLang="ko-KR" sz="1000" dirty="0" err="1" smtClean="0">
+                  <a:solidFill>
+                    <a:schemeClr val="bg1">
+                      <a:lumMod val="75000"/>
+                      <a:lumOff val="25000"/>
+                    </a:schemeClr>
+                  </a:solidFill>
+                </a:rPr>
+                <a:t>PubKey</a:t>
+              </a:r>
+              <a:r>
+                <a:rPr lang="en-US" altLang="ko-KR" sz="1000" dirty="0" smtClean="0">
+                  <a:solidFill>
+                    <a:schemeClr val="bg1">
+                      <a:lumMod val="75000"/>
+                      <a:lumOff val="25000"/>
+                    </a:schemeClr>
+                  </a:solidFill>
+                </a:rPr>
+                <a:t> : </a:t>
+              </a:r>
+              <a:r>
+                <a:rPr lang="en-US" altLang="ko-KR" sz="1000" dirty="0" err="1" smtClean="0">
+                  <a:solidFill>
+                    <a:schemeClr val="bg1">
+                      <a:lumMod val="75000"/>
+                      <a:lumOff val="25000"/>
+                    </a:schemeClr>
+                  </a:solidFill>
+                </a:rPr>
+                <a:t>IoTMS’s</a:t>
+              </a:r>
+              <a:r>
+                <a:rPr lang="en-US" altLang="ko-KR" sz="1000" dirty="0" smtClean="0">
+                  <a:solidFill>
+                    <a:schemeClr val="bg1">
+                      <a:lumMod val="75000"/>
+                      <a:lumOff val="25000"/>
+                    </a:schemeClr>
+                  </a:solidFill>
+                </a:rPr>
+                <a:t> public key. This key is used for sharing </a:t>
+              </a:r>
+              <a:r>
+                <a:rPr lang="en-US" altLang="ko-KR" sz="1000" dirty="0" err="1" smtClean="0">
+                  <a:solidFill>
+                    <a:schemeClr val="bg1">
+                      <a:lumMod val="75000"/>
+                      <a:lumOff val="25000"/>
+                    </a:schemeClr>
+                  </a:solidFill>
+                </a:rPr>
+                <a:t>SessionKey</a:t>
+              </a:r>
+              <a:r>
+                <a:rPr lang="en-US" altLang="ko-KR" sz="1000" dirty="0" smtClean="0">
+                  <a:solidFill>
+                    <a:schemeClr val="bg1">
+                      <a:lumMod val="75000"/>
+                      <a:lumOff val="25000"/>
+                    </a:schemeClr>
+                  </a:solidFill>
+                </a:rPr>
+                <a:t>.</a:t>
+              </a:r>
+            </a:p>
+            <a:p>
+              <a:r>
+                <a:rPr lang="en-US" altLang="ko-KR" sz="1000" dirty="0" err="1" smtClean="0">
+                  <a:solidFill>
+                    <a:schemeClr val="bg1">
+                      <a:lumMod val="75000"/>
+                      <a:lumOff val="25000"/>
+                    </a:schemeClr>
+                  </a:solidFill>
+                </a:rPr>
+                <a:t>SessionKey</a:t>
+              </a:r>
+              <a:r>
+                <a:rPr lang="en-US" altLang="ko-KR" sz="1000" dirty="0" smtClean="0">
+                  <a:solidFill>
+                    <a:schemeClr val="bg1">
+                      <a:lumMod val="75000"/>
+                      <a:lumOff val="25000"/>
+                    </a:schemeClr>
+                  </a:solidFill>
+                </a:rPr>
+                <a:t> : made by SA-Node. This key is used for communicating between SA-Node and </a:t>
+              </a:r>
+              <a:r>
+                <a:rPr lang="en-US" altLang="ko-KR" sz="1000" dirty="0" err="1" smtClean="0">
+                  <a:solidFill>
+                    <a:schemeClr val="bg1">
+                      <a:lumMod val="75000"/>
+                      <a:lumOff val="25000"/>
+                    </a:schemeClr>
+                  </a:solidFill>
+                </a:rPr>
+                <a:t>IoTMS</a:t>
+              </a:r>
+              <a:r>
+                <a:rPr lang="en-US" altLang="ko-KR" sz="1000" dirty="0" smtClean="0">
+                  <a:solidFill>
+                    <a:schemeClr val="bg1">
+                      <a:lumMod val="75000"/>
+                      <a:lumOff val="25000"/>
+                    </a:schemeClr>
+                  </a:solidFill>
+                </a:rPr>
+                <a:t>.</a:t>
+              </a:r>
+              <a:endParaRPr lang="ko-KR" altLang="en-US" sz="1000" dirty="0" smtClean="0">
+                <a:solidFill>
+                  <a:schemeClr val="bg1">
+                    <a:lumMod val="75000"/>
+                    <a:lumOff val="25000"/>
+                  </a:schemeClr>
+                </a:solidFill>
+              </a:endParaRPr>
+            </a:p>
+          </p:txBody>
+        </p:sp>
+        <p:sp>
+          <p:nvSpPr>
+            <p:cNvPr id="80" name="직각 삼각형 79"/>
+            <p:cNvSpPr/>
+            <p:nvPr/>
+          </p:nvSpPr>
+          <p:spPr>
+            <a:xfrm>
+              <a:off x="8617700" y="1114919"/>
+              <a:ext cx="351376" cy="337613"/>
+            </a:xfrm>
+            <a:prstGeom prst="rtTriangle">
+              <a:avLst/>
+            </a:prstGeom>
+            <a:solidFill>
+              <a:schemeClr val="bg1">
+                <a:lumMod val="50000"/>
+                <a:lumOff val="50000"/>
+              </a:schemeClr>
+            </a:solidFill>
+            <a:ln w="9525">
+              <a:solidFill>
+                <a:schemeClr val="tx1"/>
+              </a:solidFill>
+            </a:ln>
+          </p:spPr>
+          <p:style>
+            <a:lnRef idx="2">
+              <a:schemeClr val="accent1">
+                <a:shade val="50000"/>
+              </a:schemeClr>
+            </a:lnRef>
+            <a:fillRef idx="1">
+              <a:schemeClr val="accent1"/>
+            </a:fillRef>
+            <a:effectRef idx="0">
+              <a:schemeClr val="accent1"/>
+            </a:effectRef>
+            <a:fontRef idx="minor">
+              <a:schemeClr val="lt1"/>
+            </a:fontRef>
+          </p:style>
+          <p:txBody>
+            <a:bodyPr rot="0" spcFirstLastPara="0" vertOverflow="overflow" horzOverflow="overflow" vert="horz" wrap="square" lIns="91440" tIns="45720" rIns="91440" bIns="45720" numCol="1" spcCol="0" rtlCol="0" fromWordArt="0" anchor="ctr" anchorCtr="0" forceAA="0" compatLnSpc="1">
+              <a:prstTxWarp prst="textNoShape">
+                <a:avLst/>
+              </a:prstTxWarp>
+              <a:noAutofit/>
+            </a:bodyPr>
+            <a:lstStyle/>
+            <a:p>
+              <a:pPr algn="ctr"/>
+              <a:endParaRPr lang="ko-KR" altLang="en-US" sz="1200" dirty="0" smtClean="0">
+                <a:solidFill>
+                  <a:schemeClr val="bg1">
+                    <a:lumMod val="75000"/>
+                    <a:lumOff val="25000"/>
+                  </a:schemeClr>
+                </a:solidFill>
+              </a:endParaRPr>
+            </a:p>
+          </p:txBody>
+        </p:sp>
+      </p:grpSp>
     </p:spTree>
     <p:extLst>
       <p:ext uri="{BB962C8B-B14F-4D97-AF65-F5344CB8AC3E}">
@@ -5052,7 +5993,7 @@
         </p:nvSpPr>
         <p:spPr>
           <a:xfrm>
-            <a:off x="467544" y="1484784"/>
+            <a:off x="467134" y="1484784"/>
             <a:ext cx="8209731" cy="4824536"/>
           </a:xfrm>
           <a:prstGeom prst="rect">
@@ -5114,7 +6055,7 @@
           <a:p>
             <a:r>
               <a:rPr lang="en-US" altLang="ko-KR" dirty="0" smtClean="0"/>
-              <a:t>5.3 Dynamic View(2)</a:t>
+              <a:t>5.3 Dynamic View(1)</a:t>
             </a:r>
             <a:endParaRPr lang="ko-KR" altLang="en-US" dirty="0"/>
           </a:p>
@@ -5157,7 +6098,7 @@
         <p:spPr>
           <a:xfrm>
             <a:off x="467134" y="934820"/>
-            <a:ext cx="4647041" cy="369332"/>
+            <a:ext cx="3911648" cy="369332"/>
           </a:xfrm>
           <a:prstGeom prst="rect">
             <a:avLst/>
@@ -5172,9 +6113,13 @@
           <a:p>
             <a:r>
               <a:rPr lang="en-US" altLang="ko-KR" dirty="0" smtClean="0"/>
-              <a:t>Communication Diagram: Control actuator</a:t>
-            </a:r>
-            <a:endParaRPr lang="ko-KR" altLang="en-US" dirty="0"/>
+              <a:t>Communication Diagram: </a:t>
+            </a:r>
+            <a:r>
+              <a:rPr lang="en-US" altLang="ko-KR" dirty="0" err="1" smtClean="0"/>
+              <a:t>addNode</a:t>
+            </a:r>
+            <a:endParaRPr lang="ko-KR" altLang="en-US"/>
           </a:p>
         </p:txBody>
       </p:sp>
@@ -5186,7 +6131,7 @@
         </p:nvSpPr>
         <p:spPr>
           <a:xfrm>
-            <a:off x="1912443" y="2038670"/>
+            <a:off x="1526847" y="2988161"/>
             <a:ext cx="1368152" cy="359433"/>
           </a:xfrm>
           <a:prstGeom prst="rect">
@@ -5247,7 +6192,7 @@
               </a:rPr>
               <a:t>NodeManager</a:t>
             </a:r>
-            <a:endParaRPr lang="ko-KR" altLang="en-US" sz="1200" dirty="0">
+            <a:endParaRPr lang="ko-KR" altLang="en-US" sz="1200">
               <a:solidFill>
                 <a:schemeClr val="bg1">
                   <a:lumMod val="75000"/>
@@ -5266,7 +6211,7 @@
         </p:nvSpPr>
         <p:spPr>
           <a:xfrm>
-            <a:off x="5769938" y="2038670"/>
+            <a:off x="4139952" y="2988161"/>
             <a:ext cx="1368152" cy="359433"/>
           </a:xfrm>
           <a:prstGeom prst="rect">
@@ -5314,9 +6259,9 @@
                   </a:schemeClr>
                 </a:solidFill>
               </a:rPr>
-              <a:t>:Link</a:t>
-            </a:r>
-            <a:endParaRPr lang="ko-KR" altLang="en-US" sz="1200" dirty="0">
+              <a:t>:Node</a:t>
+            </a:r>
+            <a:endParaRPr lang="ko-KR" altLang="en-US" sz="1200">
               <a:solidFill>
                 <a:schemeClr val="bg1">
                   <a:lumMod val="75000"/>
@@ -5329,16 +6274,19 @@
       </p:sp>
       <p:cxnSp>
         <p:nvCxnSpPr>
-          <p:cNvPr id="10" name="직선 화살표 연결선 9"/>
-          <p:cNvCxnSpPr/>
+          <p:cNvPr id="23" name="직선 연결선 22"/>
+          <p:cNvCxnSpPr>
+            <a:stCxn id="54" idx="2"/>
+            <a:endCxn id="135" idx="0"/>
+          </p:cNvCxnSpPr>
           <p:nvPr/>
         </p:nvCxnSpPr>
         <p:spPr>
           <a:xfrm>
-            <a:off x="1285188" y="5520706"/>
-            <a:ext cx="360040" cy="0"/>
-          </a:xfrm>
-          <a:prstGeom prst="straightConnector1">
+            <a:off x="2210923" y="3347594"/>
+            <a:ext cx="0" cy="1450165"/>
+          </a:xfrm>
+          <a:prstGeom prst="line">
             <a:avLst/>
           </a:prstGeom>
           <a:ln>
@@ -5348,7 +6296,88 @@
                 <a:lumOff val="25000"/>
               </a:schemeClr>
             </a:solidFill>
-            <a:tailEnd type="triangle"/>
+            <a:tailEnd type="none" w="lg" len="lg"/>
+          </a:ln>
+        </p:spPr>
+        <p:style>
+          <a:lnRef idx="1">
+            <a:schemeClr val="accent1"/>
+          </a:lnRef>
+          <a:fillRef idx="0">
+            <a:schemeClr val="accent1"/>
+          </a:fillRef>
+          <a:effectRef idx="0">
+            <a:schemeClr val="accent1"/>
+          </a:effectRef>
+          <a:fontRef idx="minor">
+            <a:schemeClr val="tx1"/>
+          </a:fontRef>
+        </p:style>
+      </p:cxnSp>
+      <p:cxnSp>
+        <p:nvCxnSpPr>
+          <p:cNvPr id="65" name="직선 연결선 64"/>
+          <p:cNvCxnSpPr>
+            <a:stCxn id="54" idx="3"/>
+            <a:endCxn id="55" idx="1"/>
+          </p:cNvCxnSpPr>
+          <p:nvPr/>
+        </p:nvCxnSpPr>
+        <p:spPr>
+          <a:xfrm>
+            <a:off x="2894999" y="3167878"/>
+            <a:ext cx="1244953" cy="0"/>
+          </a:xfrm>
+          <a:prstGeom prst="line">
+            <a:avLst/>
+          </a:prstGeom>
+          <a:ln>
+            <a:solidFill>
+              <a:schemeClr val="bg1">
+                <a:lumMod val="75000"/>
+                <a:lumOff val="25000"/>
+              </a:schemeClr>
+            </a:solidFill>
+            <a:tailEnd type="none" w="lg" len="lg"/>
+          </a:ln>
+        </p:spPr>
+        <p:style>
+          <a:lnRef idx="1">
+            <a:schemeClr val="accent1"/>
+          </a:lnRef>
+          <a:fillRef idx="0">
+            <a:schemeClr val="accent1"/>
+          </a:fillRef>
+          <a:effectRef idx="0">
+            <a:schemeClr val="accent1"/>
+          </a:effectRef>
+          <a:fontRef idx="minor">
+            <a:schemeClr val="tx1"/>
+          </a:fontRef>
+        </p:style>
+      </p:cxnSp>
+      <p:cxnSp>
+        <p:nvCxnSpPr>
+          <p:cNvPr id="85" name="직선 연결선 84"/>
+          <p:cNvCxnSpPr/>
+          <p:nvPr/>
+        </p:nvCxnSpPr>
+        <p:spPr>
+          <a:xfrm>
+            <a:off x="611560" y="3167877"/>
+            <a:ext cx="915288" cy="1"/>
+          </a:xfrm>
+          <a:prstGeom prst="line">
+            <a:avLst/>
+          </a:prstGeom>
+          <a:ln>
+            <a:solidFill>
+              <a:schemeClr val="bg1">
+                <a:lumMod val="75000"/>
+                <a:lumOff val="25000"/>
+              </a:schemeClr>
+            </a:solidFill>
+            <a:tailEnd type="none" w="lg" len="lg"/>
           </a:ln>
         </p:spPr>
         <p:style>
@@ -5368,21 +6397,28 @@
       </p:cxnSp>
       <p:sp>
         <p:nvSpPr>
-          <p:cNvPr id="12" name="직사각형 11"/>
+          <p:cNvPr id="41" name="직사각형 40"/>
           <p:cNvSpPr/>
           <p:nvPr/>
         </p:nvSpPr>
         <p:spPr>
           <a:xfrm>
-            <a:off x="493509" y="5088700"/>
-            <a:ext cx="2138638" cy="359433"/>
+            <a:off x="6764492" y="5272257"/>
+            <a:ext cx="1800000" cy="965055"/>
           </a:xfrm>
           <a:prstGeom prst="rect">
             <a:avLst/>
           </a:prstGeom>
-          <a:noFill/>
+          <a:solidFill>
+            <a:schemeClr val="tx1"/>
+          </a:solidFill>
           <a:ln w="9525">
-            <a:noFill/>
+            <a:solidFill>
+              <a:schemeClr val="bg1">
+                <a:lumMod val="75000"/>
+                <a:lumOff val="25000"/>
+              </a:schemeClr>
+            </a:solidFill>
           </a:ln>
         </p:spPr>
         <p:style>
@@ -5411,6 +6447,3039 @@
           <a:lstStyle/>
           <a:p>
             <a:pPr algn="ctr"/>
+            <a:endParaRPr lang="ko-KR" altLang="en-US" sz="1200" dirty="0" smtClean="0">
+              <a:solidFill>
+                <a:schemeClr val="bg1">
+                  <a:lumMod val="75000"/>
+                  <a:lumOff val="25000"/>
+                </a:schemeClr>
+              </a:solidFill>
+            </a:endParaRPr>
+          </a:p>
+        </p:txBody>
+      </p:sp>
+      <p:cxnSp>
+        <p:nvCxnSpPr>
+          <p:cNvPr id="92" name="직선 화살표 연결선 91"/>
+          <p:cNvCxnSpPr/>
+          <p:nvPr/>
+        </p:nvCxnSpPr>
+        <p:spPr>
+          <a:xfrm>
+            <a:off x="6836500" y="5858272"/>
+            <a:ext cx="360040" cy="0"/>
+          </a:xfrm>
+          <a:prstGeom prst="straightConnector1">
+            <a:avLst/>
+          </a:prstGeom>
+          <a:ln>
+            <a:solidFill>
+              <a:schemeClr val="bg1">
+                <a:lumMod val="75000"/>
+                <a:lumOff val="25000"/>
+              </a:schemeClr>
+            </a:solidFill>
+            <a:tailEnd type="arrow"/>
+          </a:ln>
+        </p:spPr>
+        <p:style>
+          <a:lnRef idx="1">
+            <a:schemeClr val="accent1"/>
+          </a:lnRef>
+          <a:fillRef idx="0">
+            <a:schemeClr val="accent1"/>
+          </a:fillRef>
+          <a:effectRef idx="0">
+            <a:schemeClr val="accent1"/>
+          </a:effectRef>
+          <a:fontRef idx="minor">
+            <a:schemeClr val="tx1"/>
+          </a:fontRef>
+        </p:style>
+      </p:cxnSp>
+      <p:cxnSp>
+        <p:nvCxnSpPr>
+          <p:cNvPr id="93" name="직선 화살표 연결선 92"/>
+          <p:cNvCxnSpPr/>
+          <p:nvPr/>
+        </p:nvCxnSpPr>
+        <p:spPr>
+          <a:xfrm>
+            <a:off x="6836500" y="6011788"/>
+            <a:ext cx="360040" cy="0"/>
+          </a:xfrm>
+          <a:prstGeom prst="straightConnector1">
+            <a:avLst/>
+          </a:prstGeom>
+          <a:ln>
+            <a:solidFill>
+              <a:schemeClr val="bg1">
+                <a:lumMod val="75000"/>
+                <a:lumOff val="25000"/>
+              </a:schemeClr>
+            </a:solidFill>
+            <a:tailEnd type="triangle"/>
+          </a:ln>
+        </p:spPr>
+        <p:style>
+          <a:lnRef idx="1">
+            <a:schemeClr val="accent1"/>
+          </a:lnRef>
+          <a:fillRef idx="0">
+            <a:schemeClr val="accent1"/>
+          </a:fillRef>
+          <a:effectRef idx="0">
+            <a:schemeClr val="accent1"/>
+          </a:effectRef>
+          <a:fontRef idx="minor">
+            <a:schemeClr val="tx1"/>
+          </a:fontRef>
+        </p:style>
+      </p:cxnSp>
+      <p:cxnSp>
+        <p:nvCxnSpPr>
+          <p:cNvPr id="95" name="직선 화살표 연결선 94"/>
+          <p:cNvCxnSpPr/>
+          <p:nvPr/>
+        </p:nvCxnSpPr>
+        <p:spPr>
+          <a:xfrm>
+            <a:off x="6836500" y="6165304"/>
+            <a:ext cx="360040" cy="0"/>
+          </a:xfrm>
+          <a:prstGeom prst="straightConnector1">
+            <a:avLst/>
+          </a:prstGeom>
+          <a:ln>
+            <a:solidFill>
+              <a:schemeClr val="bg1">
+                <a:lumMod val="75000"/>
+                <a:lumOff val="25000"/>
+              </a:schemeClr>
+            </a:solidFill>
+            <a:prstDash val="sysDash"/>
+            <a:tailEnd type="triangle"/>
+          </a:ln>
+        </p:spPr>
+        <p:style>
+          <a:lnRef idx="1">
+            <a:schemeClr val="accent1"/>
+          </a:lnRef>
+          <a:fillRef idx="0">
+            <a:schemeClr val="accent1"/>
+          </a:fillRef>
+          <a:effectRef idx="0">
+            <a:schemeClr val="accent1"/>
+          </a:effectRef>
+          <a:fontRef idx="minor">
+            <a:schemeClr val="tx1"/>
+          </a:fontRef>
+        </p:style>
+      </p:cxnSp>
+      <p:sp>
+        <p:nvSpPr>
+          <p:cNvPr id="96" name="직사각형 95"/>
+          <p:cNvSpPr/>
+          <p:nvPr/>
+        </p:nvSpPr>
+        <p:spPr>
+          <a:xfrm>
+            <a:off x="6823248" y="5518988"/>
+            <a:ext cx="360040" cy="90000"/>
+          </a:xfrm>
+          <a:prstGeom prst="rect">
+            <a:avLst/>
+          </a:prstGeom>
+          <a:solidFill>
+            <a:schemeClr val="tx1"/>
+          </a:solidFill>
+          <a:ln w="9525">
+            <a:solidFill>
+              <a:schemeClr val="bg1">
+                <a:lumMod val="75000"/>
+                <a:lumOff val="25000"/>
+              </a:schemeClr>
+            </a:solidFill>
+          </a:ln>
+        </p:spPr>
+        <p:style>
+          <a:lnRef idx="2">
+            <a:schemeClr val="accent1">
+              <a:shade val="50000"/>
+            </a:schemeClr>
+          </a:lnRef>
+          <a:fillRef idx="1">
+            <a:schemeClr val="accent1"/>
+          </a:fillRef>
+          <a:effectRef idx="0">
+            <a:schemeClr val="accent1"/>
+          </a:effectRef>
+          <a:fontRef idx="minor">
+            <a:schemeClr val="lt1"/>
+          </a:fontRef>
+        </p:style>
+        <p:txBody>
+          <a:bodyPr rtlCol="0" anchor="ctr"/>
+          <a:lstStyle/>
+          <a:p>
+            <a:pPr algn="ctr"/>
+            <a:endParaRPr lang="ko-KR" altLang="en-US" sz="1200" dirty="0">
+              <a:solidFill>
+                <a:schemeClr val="bg1">
+                  <a:lumMod val="75000"/>
+                  <a:lumOff val="25000"/>
+                </a:schemeClr>
+              </a:solidFill>
+            </a:endParaRPr>
+          </a:p>
+        </p:txBody>
+      </p:sp>
+      <p:sp>
+        <p:nvSpPr>
+          <p:cNvPr id="43" name="직사각형 42"/>
+          <p:cNvSpPr/>
+          <p:nvPr/>
+        </p:nvSpPr>
+        <p:spPr>
+          <a:xfrm>
+            <a:off x="7164288" y="5294606"/>
+            <a:ext cx="1440160" cy="942706"/>
+          </a:xfrm>
+          <a:prstGeom prst="rect">
+            <a:avLst/>
+          </a:prstGeom>
+          <a:noFill/>
+          <a:ln w="9525">
+            <a:noFill/>
+          </a:ln>
+        </p:spPr>
+        <p:style>
+          <a:lnRef idx="2">
+            <a:schemeClr val="accent1">
+              <a:shade val="50000"/>
+            </a:schemeClr>
+          </a:lnRef>
+          <a:fillRef idx="1">
+            <a:schemeClr val="accent1"/>
+          </a:fillRef>
+          <a:effectRef idx="0">
+            <a:schemeClr val="accent1"/>
+          </a:effectRef>
+          <a:fontRef idx="minor">
+            <a:schemeClr val="lt1"/>
+          </a:fontRef>
+        </p:style>
+        <p:txBody>
+          <a:bodyPr rot="0" spcFirstLastPara="0" vertOverflow="overflow" horzOverflow="overflow" vert="horz" wrap="square" lIns="91440" tIns="45720" rIns="91440" bIns="45720" numCol="1" spcCol="0" rtlCol="0" fromWordArt="0" anchor="ctr" anchorCtr="0" forceAA="0" compatLnSpc="1">
+            <a:prstTxWarp prst="textNoShape">
+              <a:avLst/>
+            </a:prstTxWarp>
+            <a:noAutofit/>
+          </a:bodyPr>
+          <a:lstStyle/>
+          <a:p>
+            <a:r>
+              <a:rPr lang="en-US" altLang="ko-KR" sz="1000" dirty="0" smtClean="0">
+                <a:solidFill>
+                  <a:schemeClr val="bg1">
+                    <a:lumMod val="75000"/>
+                    <a:lumOff val="25000"/>
+                  </a:schemeClr>
+                </a:solidFill>
+              </a:rPr>
+              <a:t>: Note</a:t>
+            </a:r>
+          </a:p>
+          <a:p>
+            <a:r>
+              <a:rPr lang="en-US" altLang="ko-KR" sz="1000" dirty="0" smtClean="0">
+                <a:solidFill>
+                  <a:schemeClr val="bg1">
+                    <a:lumMod val="75000"/>
+                    <a:lumOff val="25000"/>
+                  </a:schemeClr>
+                </a:solidFill>
+              </a:rPr>
+              <a:t>: Object</a:t>
+            </a:r>
+          </a:p>
+          <a:p>
+            <a:r>
+              <a:rPr lang="en-US" altLang="ko-KR" sz="1000" dirty="0" smtClean="0">
+                <a:solidFill>
+                  <a:schemeClr val="bg1">
+                    <a:lumMod val="75000"/>
+                    <a:lumOff val="25000"/>
+                  </a:schemeClr>
+                </a:solidFill>
+              </a:rPr>
+              <a:t>: Link</a:t>
+            </a:r>
+          </a:p>
+          <a:p>
+            <a:r>
+              <a:rPr lang="en-US" altLang="ko-KR" sz="1000" dirty="0" smtClean="0">
+                <a:solidFill>
+                  <a:schemeClr val="bg1">
+                    <a:lumMod val="75000"/>
+                    <a:lumOff val="25000"/>
+                  </a:schemeClr>
+                </a:solidFill>
+              </a:rPr>
+              <a:t>: Asynchronous</a:t>
+            </a:r>
+          </a:p>
+          <a:p>
+            <a:r>
+              <a:rPr lang="en-US" altLang="ko-KR" sz="1000" dirty="0" smtClean="0">
+                <a:solidFill>
+                  <a:schemeClr val="bg1">
+                    <a:lumMod val="75000"/>
+                    <a:lumOff val="25000"/>
+                  </a:schemeClr>
+                </a:solidFill>
+              </a:rPr>
+              <a:t>: Synchronous or Call</a:t>
+            </a:r>
+          </a:p>
+          <a:p>
+            <a:r>
+              <a:rPr lang="en-US" altLang="ko-KR" sz="1000" dirty="0" smtClean="0">
+                <a:solidFill>
+                  <a:schemeClr val="bg1">
+                    <a:lumMod val="75000"/>
+                    <a:lumOff val="25000"/>
+                  </a:schemeClr>
+                </a:solidFill>
+              </a:rPr>
+              <a:t>: Reply</a:t>
+            </a:r>
+          </a:p>
+        </p:txBody>
+      </p:sp>
+      <p:cxnSp>
+        <p:nvCxnSpPr>
+          <p:cNvPr id="46" name="직선 연결선 45"/>
+          <p:cNvCxnSpPr/>
+          <p:nvPr/>
+        </p:nvCxnSpPr>
+        <p:spPr>
+          <a:xfrm>
+            <a:off x="6836500" y="5708496"/>
+            <a:ext cx="346788" cy="0"/>
+          </a:xfrm>
+          <a:prstGeom prst="line">
+            <a:avLst/>
+          </a:prstGeom>
+          <a:ln>
+            <a:solidFill>
+              <a:schemeClr val="bg1">
+                <a:lumMod val="75000"/>
+                <a:lumOff val="25000"/>
+              </a:schemeClr>
+            </a:solidFill>
+            <a:tailEnd type="none" w="lg" len="lg"/>
+          </a:ln>
+        </p:spPr>
+        <p:style>
+          <a:lnRef idx="1">
+            <a:schemeClr val="accent1"/>
+          </a:lnRef>
+          <a:fillRef idx="0">
+            <a:schemeClr val="accent1"/>
+          </a:fillRef>
+          <a:effectRef idx="0">
+            <a:schemeClr val="accent1"/>
+          </a:effectRef>
+          <a:fontRef idx="minor">
+            <a:schemeClr val="tx1"/>
+          </a:fontRef>
+        </p:style>
+      </p:cxnSp>
+      <p:sp>
+        <p:nvSpPr>
+          <p:cNvPr id="135" name="직사각형 134"/>
+          <p:cNvSpPr/>
+          <p:nvPr/>
+        </p:nvSpPr>
+        <p:spPr>
+          <a:xfrm>
+            <a:off x="1807748" y="4797759"/>
+            <a:ext cx="806349" cy="359433"/>
+          </a:xfrm>
+          <a:prstGeom prst="rect">
+            <a:avLst/>
+          </a:prstGeom>
+          <a:solidFill>
+            <a:schemeClr val="tx1"/>
+          </a:solidFill>
+          <a:ln w="9525">
+            <a:solidFill>
+              <a:schemeClr val="bg1">
+                <a:lumMod val="75000"/>
+                <a:lumOff val="25000"/>
+              </a:schemeClr>
+            </a:solidFill>
+          </a:ln>
+        </p:spPr>
+        <p:style>
+          <a:lnRef idx="2">
+            <a:schemeClr val="accent1">
+              <a:shade val="50000"/>
+            </a:schemeClr>
+          </a:lnRef>
+          <a:fillRef idx="1">
+            <a:schemeClr val="accent1"/>
+          </a:fillRef>
+          <a:effectRef idx="0">
+            <a:schemeClr val="accent1"/>
+          </a:effectRef>
+          <a:fontRef idx="minor">
+            <a:schemeClr val="lt1"/>
+          </a:fontRef>
+        </p:style>
+        <p:txBody>
+          <a:bodyPr rtlCol="0" anchor="ctr"/>
+          <a:lstStyle/>
+          <a:p>
+            <a:pPr algn="ctr"/>
+            <a:r>
+              <a:rPr lang="en-US" altLang="ko-KR" sz="1200" dirty="0" smtClean="0">
+                <a:solidFill>
+                  <a:schemeClr val="bg1">
+                    <a:lumMod val="75000"/>
+                    <a:lumOff val="25000"/>
+                  </a:schemeClr>
+                </a:solidFill>
+              </a:rPr>
+              <a:t>:DB</a:t>
+            </a:r>
+            <a:endParaRPr lang="ko-KR" altLang="en-US" sz="1200">
+              <a:solidFill>
+                <a:schemeClr val="bg1">
+                  <a:lumMod val="75000"/>
+                  <a:lumOff val="25000"/>
+                </a:schemeClr>
+              </a:solidFill>
+            </a:endParaRPr>
+          </a:p>
+        </p:txBody>
+      </p:sp>
+      <p:grpSp>
+        <p:nvGrpSpPr>
+          <p:cNvPr id="163" name="그룹 162"/>
+          <p:cNvGrpSpPr/>
+          <p:nvPr/>
+        </p:nvGrpSpPr>
+        <p:grpSpPr>
+          <a:xfrm>
+            <a:off x="6823249" y="5302491"/>
+            <a:ext cx="409744" cy="139871"/>
+            <a:chOff x="6751241" y="5064193"/>
+            <a:chExt cx="409744" cy="139871"/>
+          </a:xfrm>
+        </p:grpSpPr>
+        <p:sp>
+          <p:nvSpPr>
+            <p:cNvPr id="161" name="한쪽 모서리가 잘린 사각형 160"/>
+            <p:cNvSpPr/>
+            <p:nvPr/>
+          </p:nvSpPr>
+          <p:spPr>
+            <a:xfrm>
+              <a:off x="6751241" y="5096064"/>
+              <a:ext cx="361410" cy="108000"/>
+            </a:xfrm>
+            <a:prstGeom prst="snip1Rect">
+              <a:avLst>
+                <a:gd name="adj" fmla="val 43048"/>
+              </a:avLst>
+            </a:prstGeom>
+            <a:solidFill>
+              <a:schemeClr val="tx1">
+                <a:lumMod val="85000"/>
+              </a:schemeClr>
+            </a:solidFill>
+            <a:ln w="9525">
+              <a:solidFill>
+                <a:schemeClr val="bg1">
+                  <a:lumMod val="75000"/>
+                  <a:lumOff val="25000"/>
+                </a:schemeClr>
+              </a:solidFill>
+            </a:ln>
+          </p:spPr>
+          <p:style>
+            <a:lnRef idx="2">
+              <a:schemeClr val="accent1">
+                <a:shade val="50000"/>
+              </a:schemeClr>
+            </a:lnRef>
+            <a:fillRef idx="1">
+              <a:schemeClr val="accent1"/>
+            </a:fillRef>
+            <a:effectRef idx="0">
+              <a:schemeClr val="accent1"/>
+            </a:effectRef>
+            <a:fontRef idx="minor">
+              <a:schemeClr val="lt1"/>
+            </a:fontRef>
+          </p:style>
+          <p:txBody>
+            <a:bodyPr rot="0" spcFirstLastPara="0" vertOverflow="overflow" horzOverflow="overflow" vert="horz" wrap="square" lIns="91440" tIns="45720" rIns="91440" bIns="45720" numCol="1" spcCol="0" rtlCol="0" fromWordArt="0" anchor="ctr" anchorCtr="0" forceAA="0" compatLnSpc="1">
+              <a:prstTxWarp prst="textNoShape">
+                <a:avLst/>
+              </a:prstTxWarp>
+              <a:noAutofit/>
+            </a:bodyPr>
+            <a:lstStyle/>
+            <a:p>
+              <a:pPr algn="ctr"/>
+              <a:endParaRPr lang="ko-KR" altLang="en-US" sz="1200" dirty="0" smtClean="0">
+                <a:solidFill>
+                  <a:schemeClr val="bg1">
+                    <a:lumMod val="75000"/>
+                    <a:lumOff val="25000"/>
+                  </a:schemeClr>
+                </a:solidFill>
+              </a:endParaRPr>
+            </a:p>
+          </p:txBody>
+        </p:sp>
+        <p:sp>
+          <p:nvSpPr>
+            <p:cNvPr id="162" name="직각 삼각형 161"/>
+            <p:cNvSpPr/>
+            <p:nvPr/>
+          </p:nvSpPr>
+          <p:spPr>
+            <a:xfrm>
+              <a:off x="7052985" y="5064193"/>
+              <a:ext cx="108000" cy="108000"/>
+            </a:xfrm>
+            <a:prstGeom prst="rtTriangle">
+              <a:avLst/>
+            </a:prstGeom>
+            <a:solidFill>
+              <a:schemeClr val="bg1">
+                <a:lumMod val="50000"/>
+                <a:lumOff val="50000"/>
+              </a:schemeClr>
+            </a:solidFill>
+            <a:ln w="9525">
+              <a:solidFill>
+                <a:schemeClr val="tx1"/>
+              </a:solidFill>
+            </a:ln>
+          </p:spPr>
+          <p:style>
+            <a:lnRef idx="2">
+              <a:schemeClr val="accent1">
+                <a:shade val="50000"/>
+              </a:schemeClr>
+            </a:lnRef>
+            <a:fillRef idx="1">
+              <a:schemeClr val="accent1"/>
+            </a:fillRef>
+            <a:effectRef idx="0">
+              <a:schemeClr val="accent1"/>
+            </a:effectRef>
+            <a:fontRef idx="minor">
+              <a:schemeClr val="lt1"/>
+            </a:fontRef>
+          </p:style>
+          <p:txBody>
+            <a:bodyPr rot="0" spcFirstLastPara="0" vertOverflow="overflow" horzOverflow="overflow" vert="horz" wrap="square" lIns="91440" tIns="45720" rIns="91440" bIns="45720" numCol="1" spcCol="0" rtlCol="0" fromWordArt="0" anchor="ctr" anchorCtr="0" forceAA="0" compatLnSpc="1">
+              <a:prstTxWarp prst="textNoShape">
+                <a:avLst/>
+              </a:prstTxWarp>
+              <a:noAutofit/>
+            </a:bodyPr>
+            <a:lstStyle/>
+            <a:p>
+              <a:pPr algn="ctr"/>
+              <a:endParaRPr lang="ko-KR" altLang="en-US" sz="1200" dirty="0" smtClean="0">
+                <a:solidFill>
+                  <a:schemeClr val="bg1">
+                    <a:lumMod val="75000"/>
+                    <a:lumOff val="25000"/>
+                  </a:schemeClr>
+                </a:solidFill>
+              </a:endParaRPr>
+            </a:p>
+          </p:txBody>
+        </p:sp>
+      </p:grpSp>
+      <p:cxnSp>
+        <p:nvCxnSpPr>
+          <p:cNvPr id="30" name="직선 화살표 연결선 29"/>
+          <p:cNvCxnSpPr/>
+          <p:nvPr/>
+        </p:nvCxnSpPr>
+        <p:spPr>
+          <a:xfrm>
+            <a:off x="827584" y="3010339"/>
+            <a:ext cx="360040" cy="0"/>
+          </a:xfrm>
+          <a:prstGeom prst="straightConnector1">
+            <a:avLst/>
+          </a:prstGeom>
+          <a:ln>
+            <a:solidFill>
+              <a:schemeClr val="bg1">
+                <a:lumMod val="75000"/>
+                <a:lumOff val="25000"/>
+              </a:schemeClr>
+            </a:solidFill>
+            <a:tailEnd type="triangle"/>
+          </a:ln>
+        </p:spPr>
+        <p:style>
+          <a:lnRef idx="1">
+            <a:schemeClr val="accent1"/>
+          </a:lnRef>
+          <a:fillRef idx="0">
+            <a:schemeClr val="accent1"/>
+          </a:fillRef>
+          <a:effectRef idx="0">
+            <a:schemeClr val="accent1"/>
+          </a:effectRef>
+          <a:fontRef idx="minor">
+            <a:schemeClr val="tx1"/>
+          </a:fontRef>
+        </p:style>
+      </p:cxnSp>
+      <p:sp>
+        <p:nvSpPr>
+          <p:cNvPr id="87" name="직사각형 86"/>
+          <p:cNvSpPr/>
+          <p:nvPr/>
+        </p:nvSpPr>
+        <p:spPr>
+          <a:xfrm>
+            <a:off x="467544" y="2553492"/>
+            <a:ext cx="1944216" cy="359433"/>
+          </a:xfrm>
+          <a:prstGeom prst="rect">
+            <a:avLst/>
+          </a:prstGeom>
+          <a:noFill/>
+          <a:ln w="9525">
+            <a:noFill/>
+          </a:ln>
+        </p:spPr>
+        <p:style>
+          <a:lnRef idx="2">
+            <a:schemeClr val="accent1">
+              <a:shade val="50000"/>
+            </a:schemeClr>
+          </a:lnRef>
+          <a:fillRef idx="1">
+            <a:schemeClr val="accent1"/>
+          </a:fillRef>
+          <a:effectRef idx="0">
+            <a:schemeClr val="accent1"/>
+          </a:effectRef>
+          <a:fontRef idx="minor">
+            <a:schemeClr val="lt1"/>
+          </a:fontRef>
+        </p:style>
+        <p:txBody>
+          <a:bodyPr rot="0" spcFirstLastPara="0" vertOverflow="overflow" horzOverflow="overflow" vert="horz" wrap="square" lIns="91440" tIns="45720" rIns="91440" bIns="45720" numCol="1" spcCol="0" rtlCol="0" fromWordArt="0" anchor="ctr" anchorCtr="0" forceAA="0" compatLnSpc="1">
+            <a:prstTxWarp prst="textNoShape">
+              <a:avLst/>
+            </a:prstTxWarp>
+            <a:noAutofit/>
+          </a:bodyPr>
+          <a:lstStyle/>
+          <a:p>
+            <a:pPr algn="ctr"/>
+            <a:r>
+              <a:rPr lang="en-US" altLang="ko-KR" sz="1200" dirty="0" err="1" smtClean="0">
+                <a:solidFill>
+                  <a:schemeClr val="bg1">
+                    <a:lumMod val="75000"/>
+                    <a:lumOff val="25000"/>
+                  </a:schemeClr>
+                </a:solidFill>
+              </a:rPr>
+              <a:t>addNode</a:t>
+            </a:r>
+            <a:r>
+              <a:rPr lang="en-US" altLang="ko-KR" sz="1200" dirty="0" smtClean="0">
+                <a:solidFill>
+                  <a:schemeClr val="bg1">
+                    <a:lumMod val="75000"/>
+                    <a:lumOff val="25000"/>
+                  </a:schemeClr>
+                </a:solidFill>
+              </a:rPr>
+              <a:t>(</a:t>
+            </a:r>
+            <a:r>
+              <a:rPr lang="en-US" altLang="ko-KR" sz="1200" dirty="0" err="1" smtClean="0">
+                <a:solidFill>
+                  <a:schemeClr val="bg1">
+                    <a:lumMod val="75000"/>
+                    <a:lumOff val="25000"/>
+                  </a:schemeClr>
+                </a:solidFill>
+              </a:rPr>
+              <a:t>NodeId</a:t>
+            </a:r>
+            <a:r>
+              <a:rPr lang="en-US" altLang="ko-KR" sz="1200" dirty="0" smtClean="0">
+                <a:solidFill>
+                  <a:schemeClr val="bg1">
+                    <a:lumMod val="75000"/>
+                    <a:lumOff val="25000"/>
+                  </a:schemeClr>
+                </a:solidFill>
+              </a:rPr>
+              <a:t>, Link)</a:t>
+            </a:r>
+            <a:endParaRPr lang="ko-KR" altLang="en-US" sz="1200" dirty="0" smtClean="0">
+              <a:solidFill>
+                <a:schemeClr val="bg1">
+                  <a:lumMod val="75000"/>
+                  <a:lumOff val="25000"/>
+                </a:schemeClr>
+              </a:solidFill>
+            </a:endParaRPr>
+          </a:p>
+        </p:txBody>
+      </p:sp>
+      <p:sp>
+        <p:nvSpPr>
+          <p:cNvPr id="90" name="직사각형 89"/>
+          <p:cNvSpPr/>
+          <p:nvPr/>
+        </p:nvSpPr>
+        <p:spPr>
+          <a:xfrm>
+            <a:off x="2267744" y="3856658"/>
+            <a:ext cx="1944216" cy="359433"/>
+          </a:xfrm>
+          <a:prstGeom prst="rect">
+            <a:avLst/>
+          </a:prstGeom>
+          <a:noFill/>
+          <a:ln w="9525">
+            <a:noFill/>
+          </a:ln>
+        </p:spPr>
+        <p:style>
+          <a:lnRef idx="2">
+            <a:schemeClr val="accent1">
+              <a:shade val="50000"/>
+            </a:schemeClr>
+          </a:lnRef>
+          <a:fillRef idx="1">
+            <a:schemeClr val="accent1"/>
+          </a:fillRef>
+          <a:effectRef idx="0">
+            <a:schemeClr val="accent1"/>
+          </a:effectRef>
+          <a:fontRef idx="minor">
+            <a:schemeClr val="lt1"/>
+          </a:fontRef>
+        </p:style>
+        <p:txBody>
+          <a:bodyPr rot="0" spcFirstLastPara="0" vertOverflow="overflow" horzOverflow="overflow" vert="horz" wrap="square" lIns="91440" tIns="45720" rIns="91440" bIns="45720" numCol="1" spcCol="0" rtlCol="0" fromWordArt="0" anchor="ctr" anchorCtr="0" forceAA="0" compatLnSpc="1">
+            <a:prstTxWarp prst="textNoShape">
+              <a:avLst/>
+            </a:prstTxWarp>
+            <a:noAutofit/>
+          </a:bodyPr>
+          <a:lstStyle/>
+          <a:p>
+            <a:pPr algn="ctr"/>
+            <a:r>
+              <a:rPr lang="en-US" altLang="ko-KR" sz="1200" dirty="0" smtClean="0">
+                <a:solidFill>
+                  <a:schemeClr val="bg1">
+                    <a:lumMod val="75000"/>
+                    <a:lumOff val="25000"/>
+                  </a:schemeClr>
+                </a:solidFill>
+              </a:rPr>
+              <a:t>1: </a:t>
+            </a:r>
+            <a:r>
+              <a:rPr lang="en-US" altLang="ko-KR" sz="1200" dirty="0" err="1" smtClean="0">
+                <a:solidFill>
+                  <a:schemeClr val="bg1">
+                    <a:lumMod val="75000"/>
+                    <a:lumOff val="25000"/>
+                  </a:schemeClr>
+                </a:solidFill>
+              </a:rPr>
+              <a:t>getThingList</a:t>
+            </a:r>
+            <a:r>
+              <a:rPr lang="en-US" altLang="ko-KR" sz="1200" dirty="0" smtClean="0">
+                <a:solidFill>
+                  <a:schemeClr val="bg1">
+                    <a:lumMod val="75000"/>
+                    <a:lumOff val="25000"/>
+                  </a:schemeClr>
+                </a:solidFill>
+              </a:rPr>
+              <a:t>(</a:t>
+            </a:r>
+            <a:r>
+              <a:rPr lang="en-US" altLang="ko-KR" sz="1200" dirty="0" err="1" smtClean="0">
+                <a:solidFill>
+                  <a:schemeClr val="bg1">
+                    <a:lumMod val="75000"/>
+                    <a:lumOff val="25000"/>
+                  </a:schemeClr>
+                </a:solidFill>
+              </a:rPr>
+              <a:t>NodeId</a:t>
+            </a:r>
+            <a:r>
+              <a:rPr lang="en-US" altLang="ko-KR" sz="1200" dirty="0" smtClean="0">
+                <a:solidFill>
+                  <a:schemeClr val="bg1">
+                    <a:lumMod val="75000"/>
+                    <a:lumOff val="25000"/>
+                  </a:schemeClr>
+                </a:solidFill>
+              </a:rPr>
+              <a:t>)</a:t>
+            </a:r>
+            <a:endParaRPr lang="ko-KR" altLang="en-US" sz="1200" dirty="0" smtClean="0">
+              <a:solidFill>
+                <a:schemeClr val="bg1">
+                  <a:lumMod val="75000"/>
+                  <a:lumOff val="25000"/>
+                </a:schemeClr>
+              </a:solidFill>
+            </a:endParaRPr>
+          </a:p>
+        </p:txBody>
+      </p:sp>
+      <p:cxnSp>
+        <p:nvCxnSpPr>
+          <p:cNvPr id="91" name="직선 화살표 연결선 90"/>
+          <p:cNvCxnSpPr/>
+          <p:nvPr/>
+        </p:nvCxnSpPr>
+        <p:spPr>
+          <a:xfrm>
+            <a:off x="2294248" y="3924030"/>
+            <a:ext cx="0" cy="310445"/>
+          </a:xfrm>
+          <a:prstGeom prst="straightConnector1">
+            <a:avLst/>
+          </a:prstGeom>
+          <a:ln>
+            <a:solidFill>
+              <a:schemeClr val="bg1">
+                <a:lumMod val="75000"/>
+                <a:lumOff val="25000"/>
+              </a:schemeClr>
+            </a:solidFill>
+            <a:tailEnd type="arrow"/>
+          </a:ln>
+        </p:spPr>
+        <p:style>
+          <a:lnRef idx="1">
+            <a:schemeClr val="accent1"/>
+          </a:lnRef>
+          <a:fillRef idx="0">
+            <a:schemeClr val="accent1"/>
+          </a:fillRef>
+          <a:effectRef idx="0">
+            <a:schemeClr val="accent1"/>
+          </a:effectRef>
+          <a:fontRef idx="minor">
+            <a:schemeClr val="tx1"/>
+          </a:fontRef>
+        </p:style>
+      </p:cxnSp>
+      <p:cxnSp>
+        <p:nvCxnSpPr>
+          <p:cNvPr id="98" name="직선 화살표 연결선 97"/>
+          <p:cNvCxnSpPr/>
+          <p:nvPr/>
+        </p:nvCxnSpPr>
+        <p:spPr>
+          <a:xfrm>
+            <a:off x="3491880" y="3010339"/>
+            <a:ext cx="360040" cy="0"/>
+          </a:xfrm>
+          <a:prstGeom prst="straightConnector1">
+            <a:avLst/>
+          </a:prstGeom>
+          <a:ln>
+            <a:solidFill>
+              <a:schemeClr val="bg1">
+                <a:lumMod val="75000"/>
+                <a:lumOff val="25000"/>
+              </a:schemeClr>
+            </a:solidFill>
+            <a:tailEnd type="triangle"/>
+          </a:ln>
+        </p:spPr>
+        <p:style>
+          <a:lnRef idx="1">
+            <a:schemeClr val="accent1"/>
+          </a:lnRef>
+          <a:fillRef idx="0">
+            <a:schemeClr val="accent1"/>
+          </a:fillRef>
+          <a:effectRef idx="0">
+            <a:schemeClr val="accent1"/>
+          </a:effectRef>
+          <a:fontRef idx="minor">
+            <a:schemeClr val="tx1"/>
+          </a:fontRef>
+        </p:style>
+      </p:cxnSp>
+      <p:sp>
+        <p:nvSpPr>
+          <p:cNvPr id="100" name="직사각형 99"/>
+          <p:cNvSpPr/>
+          <p:nvPr/>
+        </p:nvSpPr>
+        <p:spPr>
+          <a:xfrm>
+            <a:off x="6948264" y="2988160"/>
+            <a:ext cx="1368152" cy="359433"/>
+          </a:xfrm>
+          <a:prstGeom prst="rect">
+            <a:avLst/>
+          </a:prstGeom>
+          <a:solidFill>
+            <a:schemeClr val="tx1"/>
+          </a:solidFill>
+          <a:ln w="9525">
+            <a:solidFill>
+              <a:schemeClr val="bg1">
+                <a:lumMod val="75000"/>
+                <a:lumOff val="25000"/>
+              </a:schemeClr>
+            </a:solidFill>
+          </a:ln>
+        </p:spPr>
+        <p:style>
+          <a:lnRef idx="2">
+            <a:schemeClr val="accent1">
+              <a:shade val="50000"/>
+            </a:schemeClr>
+          </a:lnRef>
+          <a:fillRef idx="1">
+            <a:schemeClr val="accent1"/>
+          </a:fillRef>
+          <a:effectRef idx="0">
+            <a:schemeClr val="accent1"/>
+          </a:effectRef>
+          <a:fontRef idx="minor">
+            <a:schemeClr val="lt1"/>
+          </a:fontRef>
+        </p:style>
+        <p:txBody>
+          <a:bodyPr rtlCol="0" anchor="ctr"/>
+          <a:lstStyle/>
+          <a:p>
+            <a:pPr algn="ctr"/>
+            <a:r>
+              <a:rPr lang="en-US" altLang="ko-KR" sz="1200" dirty="0" smtClean="0">
+                <a:solidFill>
+                  <a:schemeClr val="bg1">
+                    <a:lumMod val="75000"/>
+                    <a:lumOff val="25000"/>
+                  </a:schemeClr>
+                </a:solidFill>
+              </a:rPr>
+              <a:t>:</a:t>
+            </a:r>
+            <a:r>
+              <a:rPr lang="en-US" altLang="ko-KR" sz="1200" dirty="0" err="1" smtClean="0">
+                <a:solidFill>
+                  <a:schemeClr val="bg1">
+                    <a:lumMod val="75000"/>
+                    <a:lumOff val="25000"/>
+                  </a:schemeClr>
+                </a:solidFill>
+              </a:rPr>
+              <a:t>ThingFactory</a:t>
+            </a:r>
+            <a:endParaRPr lang="ko-KR" altLang="en-US" sz="1200">
+              <a:solidFill>
+                <a:schemeClr val="bg1">
+                  <a:lumMod val="75000"/>
+                  <a:lumOff val="25000"/>
+                </a:schemeClr>
+              </a:solidFill>
+            </a:endParaRPr>
+          </a:p>
+        </p:txBody>
+      </p:sp>
+      <p:sp>
+        <p:nvSpPr>
+          <p:cNvPr id="104" name="직사각형 103"/>
+          <p:cNvSpPr/>
+          <p:nvPr/>
+        </p:nvSpPr>
+        <p:spPr>
+          <a:xfrm>
+            <a:off x="6948264" y="4314734"/>
+            <a:ext cx="1368152" cy="359433"/>
+          </a:xfrm>
+          <a:prstGeom prst="rect">
+            <a:avLst/>
+          </a:prstGeom>
+          <a:solidFill>
+            <a:schemeClr val="tx1"/>
+          </a:solidFill>
+          <a:ln w="9525">
+            <a:solidFill>
+              <a:schemeClr val="bg1">
+                <a:lumMod val="75000"/>
+                <a:lumOff val="25000"/>
+              </a:schemeClr>
+            </a:solidFill>
+          </a:ln>
+        </p:spPr>
+        <p:style>
+          <a:lnRef idx="2">
+            <a:schemeClr val="accent1">
+              <a:shade val="50000"/>
+            </a:schemeClr>
+          </a:lnRef>
+          <a:fillRef idx="1">
+            <a:schemeClr val="accent1"/>
+          </a:fillRef>
+          <a:effectRef idx="0">
+            <a:schemeClr val="accent1"/>
+          </a:effectRef>
+          <a:fontRef idx="minor">
+            <a:schemeClr val="lt1"/>
+          </a:fontRef>
+        </p:style>
+        <p:txBody>
+          <a:bodyPr rtlCol="0" anchor="ctr"/>
+          <a:lstStyle/>
+          <a:p>
+            <a:pPr algn="ctr"/>
+            <a:r>
+              <a:rPr lang="en-US" altLang="ko-KR" sz="1200" dirty="0" smtClean="0">
+                <a:solidFill>
+                  <a:schemeClr val="bg1">
+                    <a:lumMod val="75000"/>
+                    <a:lumOff val="25000"/>
+                  </a:schemeClr>
+                </a:solidFill>
+              </a:rPr>
+              <a:t>:Thing</a:t>
+            </a:r>
+            <a:endParaRPr lang="ko-KR" altLang="en-US" sz="1200">
+              <a:solidFill>
+                <a:schemeClr val="bg1">
+                  <a:lumMod val="75000"/>
+                  <a:lumOff val="25000"/>
+                </a:schemeClr>
+              </a:solidFill>
+            </a:endParaRPr>
+          </a:p>
+        </p:txBody>
+      </p:sp>
+      <p:cxnSp>
+        <p:nvCxnSpPr>
+          <p:cNvPr id="105" name="직선 연결선 104"/>
+          <p:cNvCxnSpPr>
+            <a:stCxn id="55" idx="3"/>
+            <a:endCxn id="100" idx="1"/>
+          </p:cNvCxnSpPr>
+          <p:nvPr/>
+        </p:nvCxnSpPr>
+        <p:spPr>
+          <a:xfrm flipV="1">
+            <a:off x="5508104" y="3167877"/>
+            <a:ext cx="1440160" cy="1"/>
+          </a:xfrm>
+          <a:prstGeom prst="line">
+            <a:avLst/>
+          </a:prstGeom>
+          <a:ln>
+            <a:solidFill>
+              <a:schemeClr val="bg1">
+                <a:lumMod val="75000"/>
+                <a:lumOff val="25000"/>
+              </a:schemeClr>
+            </a:solidFill>
+            <a:tailEnd type="none" w="lg" len="lg"/>
+          </a:ln>
+        </p:spPr>
+        <p:style>
+          <a:lnRef idx="1">
+            <a:schemeClr val="accent1"/>
+          </a:lnRef>
+          <a:fillRef idx="0">
+            <a:schemeClr val="accent1"/>
+          </a:fillRef>
+          <a:effectRef idx="0">
+            <a:schemeClr val="accent1"/>
+          </a:effectRef>
+          <a:fontRef idx="minor">
+            <a:schemeClr val="tx1"/>
+          </a:fontRef>
+        </p:style>
+      </p:cxnSp>
+      <p:cxnSp>
+        <p:nvCxnSpPr>
+          <p:cNvPr id="106" name="직선 연결선 105"/>
+          <p:cNvCxnSpPr>
+            <a:stCxn id="100" idx="2"/>
+            <a:endCxn id="104" idx="0"/>
+          </p:cNvCxnSpPr>
+          <p:nvPr/>
+        </p:nvCxnSpPr>
+        <p:spPr>
+          <a:xfrm>
+            <a:off x="7632340" y="3347593"/>
+            <a:ext cx="0" cy="967141"/>
+          </a:xfrm>
+          <a:prstGeom prst="line">
+            <a:avLst/>
+          </a:prstGeom>
+          <a:ln>
+            <a:solidFill>
+              <a:schemeClr val="bg1">
+                <a:lumMod val="75000"/>
+                <a:lumOff val="25000"/>
+              </a:schemeClr>
+            </a:solidFill>
+            <a:tailEnd type="none" w="lg" len="lg"/>
+          </a:ln>
+        </p:spPr>
+        <p:style>
+          <a:lnRef idx="1">
+            <a:schemeClr val="accent1"/>
+          </a:lnRef>
+          <a:fillRef idx="0">
+            <a:schemeClr val="accent1"/>
+          </a:fillRef>
+          <a:effectRef idx="0">
+            <a:schemeClr val="accent1"/>
+          </a:effectRef>
+          <a:fontRef idx="minor">
+            <a:schemeClr val="tx1"/>
+          </a:fontRef>
+        </p:style>
+      </p:cxnSp>
+      <p:cxnSp>
+        <p:nvCxnSpPr>
+          <p:cNvPr id="107" name="직선 화살표 연결선 106"/>
+          <p:cNvCxnSpPr/>
+          <p:nvPr/>
+        </p:nvCxnSpPr>
+        <p:spPr>
+          <a:xfrm>
+            <a:off x="6084168" y="3010204"/>
+            <a:ext cx="360040" cy="0"/>
+          </a:xfrm>
+          <a:prstGeom prst="straightConnector1">
+            <a:avLst/>
+          </a:prstGeom>
+          <a:ln>
+            <a:solidFill>
+              <a:schemeClr val="bg1">
+                <a:lumMod val="75000"/>
+                <a:lumOff val="25000"/>
+              </a:schemeClr>
+            </a:solidFill>
+            <a:tailEnd type="triangle"/>
+          </a:ln>
+        </p:spPr>
+        <p:style>
+          <a:lnRef idx="1">
+            <a:schemeClr val="accent1"/>
+          </a:lnRef>
+          <a:fillRef idx="0">
+            <a:schemeClr val="accent1"/>
+          </a:fillRef>
+          <a:effectRef idx="0">
+            <a:schemeClr val="accent1"/>
+          </a:effectRef>
+          <a:fontRef idx="minor">
+            <a:schemeClr val="tx1"/>
+          </a:fontRef>
+        </p:style>
+      </p:cxnSp>
+      <p:sp>
+        <p:nvSpPr>
+          <p:cNvPr id="109" name="직사각형 108"/>
+          <p:cNvSpPr/>
+          <p:nvPr/>
+        </p:nvSpPr>
+        <p:spPr>
+          <a:xfrm>
+            <a:off x="5292080" y="2564904"/>
+            <a:ext cx="2160240" cy="359433"/>
+          </a:xfrm>
+          <a:prstGeom prst="rect">
+            <a:avLst/>
+          </a:prstGeom>
+          <a:noFill/>
+          <a:ln w="9525">
+            <a:noFill/>
+          </a:ln>
+        </p:spPr>
+        <p:style>
+          <a:lnRef idx="2">
+            <a:schemeClr val="accent1">
+              <a:shade val="50000"/>
+            </a:schemeClr>
+          </a:lnRef>
+          <a:fillRef idx="1">
+            <a:schemeClr val="accent1"/>
+          </a:fillRef>
+          <a:effectRef idx="0">
+            <a:schemeClr val="accent1"/>
+          </a:effectRef>
+          <a:fontRef idx="minor">
+            <a:schemeClr val="lt1"/>
+          </a:fontRef>
+        </p:style>
+        <p:txBody>
+          <a:bodyPr rot="0" spcFirstLastPara="0" vertOverflow="overflow" horzOverflow="overflow" vert="horz" wrap="square" lIns="91440" tIns="45720" rIns="91440" bIns="45720" numCol="1" spcCol="0" rtlCol="0" fromWordArt="0" anchor="ctr" anchorCtr="0" forceAA="0" compatLnSpc="1">
+            <a:prstTxWarp prst="textNoShape">
+              <a:avLst/>
+            </a:prstTxWarp>
+            <a:noAutofit/>
+          </a:bodyPr>
+          <a:lstStyle/>
+          <a:p>
+            <a:pPr algn="ctr"/>
+            <a:r>
+              <a:rPr lang="en-US" altLang="ko-KR" sz="1200" dirty="0" smtClean="0">
+                <a:solidFill>
+                  <a:schemeClr val="bg1">
+                    <a:lumMod val="75000"/>
+                    <a:lumOff val="25000"/>
+                  </a:schemeClr>
+                </a:solidFill>
+              </a:rPr>
+              <a:t>2.1*: [</a:t>
+            </a:r>
+            <a:r>
+              <a:rPr lang="en-US" altLang="ko-KR" sz="1200" dirty="0" err="1" smtClean="0">
+                <a:solidFill>
+                  <a:schemeClr val="bg1">
+                    <a:lumMod val="75000"/>
+                    <a:lumOff val="25000"/>
+                  </a:schemeClr>
+                </a:solidFill>
+              </a:rPr>
+              <a:t>i</a:t>
+            </a:r>
+            <a:r>
+              <a:rPr lang="en-US" altLang="ko-KR" sz="1200" dirty="0" smtClean="0">
+                <a:solidFill>
+                  <a:schemeClr val="bg1">
+                    <a:lumMod val="75000"/>
+                    <a:lumOff val="25000"/>
+                  </a:schemeClr>
+                </a:solidFill>
+              </a:rPr>
+              <a:t>:=0…</a:t>
+            </a:r>
+            <a:r>
+              <a:rPr lang="en-US" altLang="ko-KR" sz="1200" dirty="0" err="1" smtClean="0">
+                <a:solidFill>
+                  <a:schemeClr val="bg1">
+                    <a:lumMod val="75000"/>
+                    <a:lumOff val="25000"/>
+                  </a:schemeClr>
+                </a:solidFill>
+              </a:rPr>
+              <a:t>ThingsList.size</a:t>
+            </a:r>
+            <a:r>
+              <a:rPr lang="en-US" altLang="ko-KR" sz="1200" dirty="0" smtClean="0">
+                <a:solidFill>
+                  <a:schemeClr val="bg1">
+                    <a:lumMod val="75000"/>
+                    <a:lumOff val="25000"/>
+                  </a:schemeClr>
+                </a:solidFill>
+              </a:rPr>
+              <a:t>()]</a:t>
+            </a:r>
+          </a:p>
+          <a:p>
+            <a:pPr algn="ctr"/>
+            <a:r>
+              <a:rPr lang="en-US" altLang="ko-KR" sz="1200" dirty="0" smtClean="0">
+                <a:solidFill>
+                  <a:schemeClr val="bg1">
+                    <a:lumMod val="75000"/>
+                    <a:lumOff val="25000"/>
+                  </a:schemeClr>
+                </a:solidFill>
+              </a:rPr>
+              <a:t>: </a:t>
+            </a:r>
+            <a:r>
+              <a:rPr lang="en-US" altLang="ko-KR" sz="1200" dirty="0" err="1" smtClean="0">
+                <a:solidFill>
+                  <a:schemeClr val="bg1">
+                    <a:lumMod val="75000"/>
+                    <a:lumOff val="25000"/>
+                  </a:schemeClr>
+                </a:solidFill>
+              </a:rPr>
+              <a:t>createThing</a:t>
+            </a:r>
+            <a:r>
+              <a:rPr lang="en-US" altLang="ko-KR" sz="1200" dirty="0" smtClean="0">
+                <a:solidFill>
+                  <a:schemeClr val="bg1">
+                    <a:lumMod val="75000"/>
+                    <a:lumOff val="25000"/>
+                  </a:schemeClr>
+                </a:solidFill>
+              </a:rPr>
+              <a:t>(Type, Id)</a:t>
+            </a:r>
+            <a:endParaRPr lang="ko-KR" altLang="en-US" sz="1200" dirty="0" smtClean="0">
+              <a:solidFill>
+                <a:schemeClr val="bg1">
+                  <a:lumMod val="75000"/>
+                  <a:lumOff val="25000"/>
+                </a:schemeClr>
+              </a:solidFill>
+            </a:endParaRPr>
+          </a:p>
+        </p:txBody>
+      </p:sp>
+      <p:grpSp>
+        <p:nvGrpSpPr>
+          <p:cNvPr id="110" name="그룹 109"/>
+          <p:cNvGrpSpPr/>
+          <p:nvPr/>
+        </p:nvGrpSpPr>
+        <p:grpSpPr>
+          <a:xfrm>
+            <a:off x="6084168" y="1693964"/>
+            <a:ext cx="1589701" cy="442954"/>
+            <a:chOff x="6074530" y="4766674"/>
+            <a:chExt cx="1193602" cy="245174"/>
+          </a:xfrm>
+        </p:grpSpPr>
+        <p:sp>
+          <p:nvSpPr>
+            <p:cNvPr id="113" name="한쪽 모서리가 잘린 사각형 112"/>
+            <p:cNvSpPr/>
+            <p:nvPr/>
+          </p:nvSpPr>
+          <p:spPr>
+            <a:xfrm>
+              <a:off x="6074530" y="4781675"/>
+              <a:ext cx="1155381" cy="230173"/>
+            </a:xfrm>
+            <a:prstGeom prst="snip1Rect">
+              <a:avLst>
+                <a:gd name="adj" fmla="val 43048"/>
+              </a:avLst>
+            </a:prstGeom>
+            <a:solidFill>
+              <a:schemeClr val="tx1">
+                <a:lumMod val="75000"/>
+              </a:schemeClr>
+            </a:solidFill>
+            <a:ln w="9525">
+              <a:solidFill>
+                <a:schemeClr val="bg1">
+                  <a:lumMod val="75000"/>
+                  <a:lumOff val="25000"/>
+                </a:schemeClr>
+              </a:solidFill>
+            </a:ln>
+          </p:spPr>
+          <p:style>
+            <a:lnRef idx="2">
+              <a:schemeClr val="accent1">
+                <a:shade val="50000"/>
+              </a:schemeClr>
+            </a:lnRef>
+            <a:fillRef idx="1">
+              <a:schemeClr val="accent1"/>
+            </a:fillRef>
+            <a:effectRef idx="0">
+              <a:schemeClr val="accent1"/>
+            </a:effectRef>
+            <a:fontRef idx="minor">
+              <a:schemeClr val="lt1"/>
+            </a:fontRef>
+          </p:style>
+          <p:txBody>
+            <a:bodyPr rot="0" spcFirstLastPara="0" vertOverflow="overflow" horzOverflow="overflow" vert="horz" wrap="square" lIns="91440" tIns="45720" rIns="91440" bIns="45720" numCol="1" spcCol="0" rtlCol="0" fromWordArt="0" anchor="b" anchorCtr="0" forceAA="0" compatLnSpc="1">
+              <a:prstTxWarp prst="textNoShape">
+                <a:avLst/>
+              </a:prstTxWarp>
+              <a:noAutofit/>
+            </a:bodyPr>
+            <a:lstStyle/>
+            <a:p>
+              <a:r>
+                <a:rPr lang="en-US" altLang="ko-KR" sz="1000" b="1" dirty="0" smtClean="0">
+                  <a:solidFill>
+                    <a:schemeClr val="bg1">
+                      <a:lumMod val="75000"/>
+                      <a:lumOff val="25000"/>
+                    </a:schemeClr>
+                  </a:solidFill>
+                </a:rPr>
+                <a:t>Iteration</a:t>
+              </a:r>
+              <a:endParaRPr lang="en-US" altLang="ko-KR" sz="1000" dirty="0" smtClean="0">
+                <a:solidFill>
+                  <a:schemeClr val="bg1">
+                    <a:lumMod val="75000"/>
+                    <a:lumOff val="25000"/>
+                  </a:schemeClr>
+                </a:solidFill>
+              </a:endParaRPr>
+            </a:p>
+            <a:p>
+              <a:r>
+                <a:rPr lang="en-US" altLang="ko-KR" sz="1000" dirty="0" smtClean="0">
+                  <a:solidFill>
+                    <a:schemeClr val="bg1">
+                      <a:lumMod val="75000"/>
+                      <a:lumOff val="25000"/>
+                    </a:schemeClr>
+                  </a:solidFill>
+                </a:rPr>
+                <a:t>Loop to create thing</a:t>
+              </a:r>
+              <a:endParaRPr lang="ko-KR" altLang="en-US" sz="1000" dirty="0" smtClean="0">
+                <a:solidFill>
+                  <a:schemeClr val="bg1">
+                    <a:lumMod val="75000"/>
+                    <a:lumOff val="25000"/>
+                  </a:schemeClr>
+                </a:solidFill>
+              </a:endParaRPr>
+            </a:p>
+          </p:txBody>
+        </p:sp>
+        <p:sp>
+          <p:nvSpPr>
+            <p:cNvPr id="114" name="직각 삼각형 113"/>
+            <p:cNvSpPr/>
+            <p:nvPr/>
+          </p:nvSpPr>
+          <p:spPr>
+            <a:xfrm>
+              <a:off x="7107828" y="4766674"/>
+              <a:ext cx="160304" cy="151022"/>
+            </a:xfrm>
+            <a:prstGeom prst="rtTriangle">
+              <a:avLst/>
+            </a:prstGeom>
+            <a:solidFill>
+              <a:schemeClr val="bg1">
+                <a:lumMod val="50000"/>
+                <a:lumOff val="50000"/>
+              </a:schemeClr>
+            </a:solidFill>
+            <a:ln w="9525">
+              <a:solidFill>
+                <a:schemeClr val="tx1"/>
+              </a:solidFill>
+            </a:ln>
+          </p:spPr>
+          <p:style>
+            <a:lnRef idx="2">
+              <a:schemeClr val="accent1">
+                <a:shade val="50000"/>
+              </a:schemeClr>
+            </a:lnRef>
+            <a:fillRef idx="1">
+              <a:schemeClr val="accent1"/>
+            </a:fillRef>
+            <a:effectRef idx="0">
+              <a:schemeClr val="accent1"/>
+            </a:effectRef>
+            <a:fontRef idx="minor">
+              <a:schemeClr val="lt1"/>
+            </a:fontRef>
+          </p:style>
+          <p:txBody>
+            <a:bodyPr rot="0" spcFirstLastPara="0" vertOverflow="overflow" horzOverflow="overflow" vert="horz" wrap="square" lIns="91440" tIns="45720" rIns="91440" bIns="45720" numCol="1" spcCol="0" rtlCol="0" fromWordArt="0" anchor="ctr" anchorCtr="0" forceAA="0" compatLnSpc="1">
+              <a:prstTxWarp prst="textNoShape">
+                <a:avLst/>
+              </a:prstTxWarp>
+              <a:noAutofit/>
+            </a:bodyPr>
+            <a:lstStyle/>
+            <a:p>
+              <a:pPr algn="ctr"/>
+              <a:endParaRPr lang="ko-KR" altLang="en-US" sz="1200" dirty="0" smtClean="0">
+                <a:solidFill>
+                  <a:schemeClr val="bg1">
+                    <a:lumMod val="75000"/>
+                    <a:lumOff val="25000"/>
+                  </a:schemeClr>
+                </a:solidFill>
+              </a:endParaRPr>
+            </a:p>
+          </p:txBody>
+        </p:sp>
+      </p:grpSp>
+      <p:cxnSp>
+        <p:nvCxnSpPr>
+          <p:cNvPr id="116" name="직선 연결선 115"/>
+          <p:cNvCxnSpPr>
+            <a:stCxn id="113" idx="1"/>
+            <a:endCxn id="118" idx="7"/>
+          </p:cNvCxnSpPr>
+          <p:nvPr/>
+        </p:nvCxnSpPr>
+        <p:spPr>
+          <a:xfrm flipH="1">
+            <a:off x="6487249" y="2136918"/>
+            <a:ext cx="366317" cy="294522"/>
+          </a:xfrm>
+          <a:prstGeom prst="line">
+            <a:avLst/>
+          </a:prstGeom>
+          <a:ln>
+            <a:solidFill>
+              <a:schemeClr val="bg1">
+                <a:lumMod val="75000"/>
+                <a:lumOff val="25000"/>
+              </a:schemeClr>
+            </a:solidFill>
+            <a:prstDash val="dash"/>
+            <a:tailEnd type="none" w="lg" len="lg"/>
+          </a:ln>
+        </p:spPr>
+        <p:style>
+          <a:lnRef idx="1">
+            <a:schemeClr val="accent1"/>
+          </a:lnRef>
+          <a:fillRef idx="0">
+            <a:schemeClr val="accent1"/>
+          </a:fillRef>
+          <a:effectRef idx="0">
+            <a:schemeClr val="accent1"/>
+          </a:effectRef>
+          <a:fontRef idx="minor">
+            <a:schemeClr val="tx1"/>
+          </a:fontRef>
+        </p:style>
+      </p:cxnSp>
+      <p:sp>
+        <p:nvSpPr>
+          <p:cNvPr id="118" name="타원 117"/>
+          <p:cNvSpPr/>
+          <p:nvPr/>
+        </p:nvSpPr>
+        <p:spPr>
+          <a:xfrm>
+            <a:off x="6425793" y="2420896"/>
+            <a:ext cx="72000" cy="72000"/>
+          </a:xfrm>
+          <a:prstGeom prst="ellipse">
+            <a:avLst/>
+          </a:prstGeom>
+          <a:solidFill>
+            <a:schemeClr val="tx1"/>
+          </a:solidFill>
+          <a:ln w="9525">
+            <a:solidFill>
+              <a:schemeClr val="bg1">
+                <a:lumMod val="75000"/>
+                <a:lumOff val="25000"/>
+              </a:schemeClr>
+            </a:solidFill>
+          </a:ln>
+        </p:spPr>
+        <p:style>
+          <a:lnRef idx="2">
+            <a:schemeClr val="accent1">
+              <a:shade val="50000"/>
+            </a:schemeClr>
+          </a:lnRef>
+          <a:fillRef idx="1">
+            <a:schemeClr val="accent1"/>
+          </a:fillRef>
+          <a:effectRef idx="0">
+            <a:schemeClr val="accent1"/>
+          </a:effectRef>
+          <a:fontRef idx="minor">
+            <a:schemeClr val="lt1"/>
+          </a:fontRef>
+        </p:style>
+        <p:txBody>
+          <a:bodyPr rtlCol="0" anchor="ctr"/>
+          <a:lstStyle/>
+          <a:p>
+            <a:pPr algn="ctr"/>
+            <a:endParaRPr lang="ko-KR" altLang="en-US" sz="1200" dirty="0" smtClean="0">
+              <a:solidFill>
+                <a:schemeClr val="bg1">
+                  <a:lumMod val="75000"/>
+                  <a:lumOff val="25000"/>
+                </a:schemeClr>
+              </a:solidFill>
+            </a:endParaRPr>
+          </a:p>
+        </p:txBody>
+      </p:sp>
+      <p:grpSp>
+        <p:nvGrpSpPr>
+          <p:cNvPr id="119" name="그룹 118"/>
+          <p:cNvGrpSpPr/>
+          <p:nvPr/>
+        </p:nvGrpSpPr>
+        <p:grpSpPr>
+          <a:xfrm>
+            <a:off x="3707903" y="1700808"/>
+            <a:ext cx="1800200" cy="442954"/>
+            <a:chOff x="6074530" y="4766674"/>
+            <a:chExt cx="1189950" cy="245174"/>
+          </a:xfrm>
+        </p:grpSpPr>
+        <p:sp>
+          <p:nvSpPr>
+            <p:cNvPr id="121" name="한쪽 모서리가 잘린 사각형 120"/>
+            <p:cNvSpPr/>
+            <p:nvPr/>
+          </p:nvSpPr>
+          <p:spPr>
+            <a:xfrm>
+              <a:off x="6074530" y="4781675"/>
+              <a:ext cx="1155381" cy="230173"/>
+            </a:xfrm>
+            <a:prstGeom prst="snip1Rect">
+              <a:avLst>
+                <a:gd name="adj" fmla="val 43048"/>
+              </a:avLst>
+            </a:prstGeom>
+            <a:solidFill>
+              <a:schemeClr val="tx1">
+                <a:lumMod val="75000"/>
+              </a:schemeClr>
+            </a:solidFill>
+            <a:ln w="9525">
+              <a:solidFill>
+                <a:schemeClr val="bg1">
+                  <a:lumMod val="75000"/>
+                  <a:lumOff val="25000"/>
+                </a:schemeClr>
+              </a:solidFill>
+            </a:ln>
+          </p:spPr>
+          <p:style>
+            <a:lnRef idx="2">
+              <a:schemeClr val="accent1">
+                <a:shade val="50000"/>
+              </a:schemeClr>
+            </a:lnRef>
+            <a:fillRef idx="1">
+              <a:schemeClr val="accent1"/>
+            </a:fillRef>
+            <a:effectRef idx="0">
+              <a:schemeClr val="accent1"/>
+            </a:effectRef>
+            <a:fontRef idx="minor">
+              <a:schemeClr val="lt1"/>
+            </a:fontRef>
+          </p:style>
+          <p:txBody>
+            <a:bodyPr rot="0" spcFirstLastPara="0" vertOverflow="overflow" horzOverflow="overflow" vert="horz" wrap="square" lIns="91440" tIns="45720" rIns="91440" bIns="45720" numCol="1" spcCol="0" rtlCol="0" fromWordArt="0" anchor="b" anchorCtr="0" forceAA="0" compatLnSpc="1">
+              <a:prstTxWarp prst="textNoShape">
+                <a:avLst/>
+              </a:prstTxWarp>
+              <a:noAutofit/>
+            </a:bodyPr>
+            <a:lstStyle/>
+            <a:p>
+              <a:r>
+                <a:rPr lang="en-US" altLang="ko-KR" sz="1000" b="1" dirty="0" smtClean="0">
+                  <a:solidFill>
+                    <a:schemeClr val="bg1">
+                      <a:lumMod val="75000"/>
+                      <a:lumOff val="25000"/>
+                    </a:schemeClr>
+                  </a:solidFill>
+                </a:rPr>
+                <a:t>Create</a:t>
+              </a:r>
+              <a:endParaRPr lang="en-US" altLang="ko-KR" sz="1000" dirty="0" smtClean="0">
+                <a:solidFill>
+                  <a:schemeClr val="bg1">
+                    <a:lumMod val="75000"/>
+                    <a:lumOff val="25000"/>
+                  </a:schemeClr>
+                </a:solidFill>
+              </a:endParaRPr>
+            </a:p>
+            <a:p>
+              <a:r>
+                <a:rPr lang="en-US" altLang="ko-KR" sz="1000" dirty="0" smtClean="0">
+                  <a:solidFill>
+                    <a:schemeClr val="bg1">
+                      <a:lumMod val="75000"/>
+                      <a:lumOff val="25000"/>
+                    </a:schemeClr>
+                  </a:solidFill>
+                </a:rPr>
+                <a:t>newly created instance</a:t>
+              </a:r>
+              <a:endParaRPr lang="ko-KR" altLang="en-US" sz="1000" dirty="0" smtClean="0">
+                <a:solidFill>
+                  <a:schemeClr val="bg1">
+                    <a:lumMod val="75000"/>
+                    <a:lumOff val="25000"/>
+                  </a:schemeClr>
+                </a:solidFill>
+              </a:endParaRPr>
+            </a:p>
+          </p:txBody>
+        </p:sp>
+        <p:sp>
+          <p:nvSpPr>
+            <p:cNvPr id="122" name="직각 삼각형 121"/>
+            <p:cNvSpPr/>
+            <p:nvPr/>
+          </p:nvSpPr>
+          <p:spPr>
+            <a:xfrm>
+              <a:off x="7107828" y="4766674"/>
+              <a:ext cx="156652" cy="147234"/>
+            </a:xfrm>
+            <a:prstGeom prst="rtTriangle">
+              <a:avLst/>
+            </a:prstGeom>
+            <a:solidFill>
+              <a:schemeClr val="bg1">
+                <a:lumMod val="50000"/>
+                <a:lumOff val="50000"/>
+              </a:schemeClr>
+            </a:solidFill>
+            <a:ln w="9525">
+              <a:solidFill>
+                <a:schemeClr val="tx1"/>
+              </a:solidFill>
+            </a:ln>
+          </p:spPr>
+          <p:style>
+            <a:lnRef idx="2">
+              <a:schemeClr val="accent1">
+                <a:shade val="50000"/>
+              </a:schemeClr>
+            </a:lnRef>
+            <a:fillRef idx="1">
+              <a:schemeClr val="accent1"/>
+            </a:fillRef>
+            <a:effectRef idx="0">
+              <a:schemeClr val="accent1"/>
+            </a:effectRef>
+            <a:fontRef idx="minor">
+              <a:schemeClr val="lt1"/>
+            </a:fontRef>
+          </p:style>
+          <p:txBody>
+            <a:bodyPr rot="0" spcFirstLastPara="0" vertOverflow="overflow" horzOverflow="overflow" vert="horz" wrap="square" lIns="91440" tIns="45720" rIns="91440" bIns="45720" numCol="1" spcCol="0" rtlCol="0" fromWordArt="0" anchor="ctr" anchorCtr="0" forceAA="0" compatLnSpc="1">
+              <a:prstTxWarp prst="textNoShape">
+                <a:avLst/>
+              </a:prstTxWarp>
+              <a:noAutofit/>
+            </a:bodyPr>
+            <a:lstStyle/>
+            <a:p>
+              <a:pPr algn="ctr"/>
+              <a:endParaRPr lang="ko-KR" altLang="en-US" sz="1200" dirty="0" smtClean="0">
+                <a:solidFill>
+                  <a:schemeClr val="bg1">
+                    <a:lumMod val="75000"/>
+                    <a:lumOff val="25000"/>
+                  </a:schemeClr>
+                </a:solidFill>
+              </a:endParaRPr>
+            </a:p>
+          </p:txBody>
+        </p:sp>
+      </p:grpSp>
+      <p:cxnSp>
+        <p:nvCxnSpPr>
+          <p:cNvPr id="124" name="직선 연결선 123"/>
+          <p:cNvCxnSpPr>
+            <a:stCxn id="121" idx="1"/>
+            <a:endCxn id="125" idx="0"/>
+          </p:cNvCxnSpPr>
+          <p:nvPr/>
+        </p:nvCxnSpPr>
+        <p:spPr>
+          <a:xfrm>
+            <a:off x="4581856" y="2143762"/>
+            <a:ext cx="242168" cy="709182"/>
+          </a:xfrm>
+          <a:prstGeom prst="line">
+            <a:avLst/>
+          </a:prstGeom>
+          <a:ln>
+            <a:solidFill>
+              <a:schemeClr val="bg1">
+                <a:lumMod val="75000"/>
+                <a:lumOff val="25000"/>
+              </a:schemeClr>
+            </a:solidFill>
+            <a:prstDash val="dash"/>
+            <a:tailEnd type="none" w="lg" len="lg"/>
+          </a:ln>
+        </p:spPr>
+        <p:style>
+          <a:lnRef idx="1">
+            <a:schemeClr val="accent1"/>
+          </a:lnRef>
+          <a:fillRef idx="0">
+            <a:schemeClr val="accent1"/>
+          </a:fillRef>
+          <a:effectRef idx="0">
+            <a:schemeClr val="accent1"/>
+          </a:effectRef>
+          <a:fontRef idx="minor">
+            <a:schemeClr val="tx1"/>
+          </a:fontRef>
+        </p:style>
+      </p:cxnSp>
+      <p:sp>
+        <p:nvSpPr>
+          <p:cNvPr id="125" name="타원 124"/>
+          <p:cNvSpPr/>
+          <p:nvPr/>
+        </p:nvSpPr>
+        <p:spPr>
+          <a:xfrm>
+            <a:off x="4788024" y="2852944"/>
+            <a:ext cx="72000" cy="72000"/>
+          </a:xfrm>
+          <a:prstGeom prst="ellipse">
+            <a:avLst/>
+          </a:prstGeom>
+          <a:solidFill>
+            <a:schemeClr val="tx1"/>
+          </a:solidFill>
+          <a:ln w="9525">
+            <a:solidFill>
+              <a:schemeClr val="bg1">
+                <a:lumMod val="75000"/>
+                <a:lumOff val="25000"/>
+              </a:schemeClr>
+            </a:solidFill>
+          </a:ln>
+        </p:spPr>
+        <p:style>
+          <a:lnRef idx="2">
+            <a:schemeClr val="accent1">
+              <a:shade val="50000"/>
+            </a:schemeClr>
+          </a:lnRef>
+          <a:fillRef idx="1">
+            <a:schemeClr val="accent1"/>
+          </a:fillRef>
+          <a:effectRef idx="0">
+            <a:schemeClr val="accent1"/>
+          </a:effectRef>
+          <a:fontRef idx="minor">
+            <a:schemeClr val="lt1"/>
+          </a:fontRef>
+        </p:style>
+        <p:txBody>
+          <a:bodyPr rtlCol="0" anchor="ctr"/>
+          <a:lstStyle/>
+          <a:p>
+            <a:pPr algn="ctr"/>
+            <a:endParaRPr lang="ko-KR" altLang="en-US" sz="1200" dirty="0" smtClean="0">
+              <a:solidFill>
+                <a:schemeClr val="bg1">
+                  <a:lumMod val="75000"/>
+                  <a:lumOff val="25000"/>
+                </a:schemeClr>
+              </a:solidFill>
+            </a:endParaRPr>
+          </a:p>
+        </p:txBody>
+      </p:sp>
+      <p:sp>
+        <p:nvSpPr>
+          <p:cNvPr id="99" name="직사각형 98"/>
+          <p:cNvSpPr/>
+          <p:nvPr/>
+        </p:nvSpPr>
+        <p:spPr>
+          <a:xfrm>
+            <a:off x="2627784" y="2564904"/>
+            <a:ext cx="2160240" cy="359433"/>
+          </a:xfrm>
+          <a:prstGeom prst="rect">
+            <a:avLst/>
+          </a:prstGeom>
+          <a:noFill/>
+          <a:ln w="9525">
+            <a:noFill/>
+          </a:ln>
+        </p:spPr>
+        <p:style>
+          <a:lnRef idx="2">
+            <a:schemeClr val="accent1">
+              <a:shade val="50000"/>
+            </a:schemeClr>
+          </a:lnRef>
+          <a:fillRef idx="1">
+            <a:schemeClr val="accent1"/>
+          </a:fillRef>
+          <a:effectRef idx="0">
+            <a:schemeClr val="accent1"/>
+          </a:effectRef>
+          <a:fontRef idx="minor">
+            <a:schemeClr val="lt1"/>
+          </a:fontRef>
+        </p:style>
+        <p:txBody>
+          <a:bodyPr rot="0" spcFirstLastPara="0" vertOverflow="overflow" horzOverflow="overflow" vert="horz" wrap="square" lIns="91440" tIns="45720" rIns="91440" bIns="45720" numCol="1" spcCol="0" rtlCol="0" fromWordArt="0" anchor="ctr" anchorCtr="0" forceAA="0" compatLnSpc="1">
+            <a:prstTxWarp prst="textNoShape">
+              <a:avLst/>
+            </a:prstTxWarp>
+            <a:noAutofit/>
+          </a:bodyPr>
+          <a:lstStyle/>
+          <a:p>
+            <a:pPr algn="ctr"/>
+            <a:r>
+              <a:rPr lang="en-US" altLang="ko-KR" sz="1200" dirty="0" smtClean="0">
+                <a:solidFill>
+                  <a:schemeClr val="bg1">
+                    <a:lumMod val="75000"/>
+                    <a:lumOff val="25000"/>
+                  </a:schemeClr>
+                </a:solidFill>
+              </a:rPr>
+              <a:t>2: </a:t>
+            </a:r>
+            <a:r>
+              <a:rPr lang="en-US" altLang="ko-KR" sz="1200" dirty="0" err="1" smtClean="0">
+                <a:solidFill>
+                  <a:schemeClr val="bg1">
+                    <a:lumMod val="75000"/>
+                    <a:lumOff val="25000"/>
+                  </a:schemeClr>
+                </a:solidFill>
+              </a:rPr>
+              <a:t>addNode</a:t>
+            </a:r>
+            <a:r>
+              <a:rPr lang="en-US" altLang="ko-KR" sz="1200" dirty="0" smtClean="0">
+                <a:solidFill>
+                  <a:schemeClr val="bg1">
+                    <a:lumMod val="75000"/>
+                    <a:lumOff val="25000"/>
+                  </a:schemeClr>
+                </a:solidFill>
+              </a:rPr>
+              <a:t>(</a:t>
+            </a:r>
+            <a:r>
+              <a:rPr lang="en-US" altLang="ko-KR" sz="1200" dirty="0" err="1" smtClean="0">
+                <a:solidFill>
+                  <a:schemeClr val="bg1">
+                    <a:lumMod val="75000"/>
+                    <a:lumOff val="25000"/>
+                  </a:schemeClr>
+                </a:solidFill>
+              </a:rPr>
+              <a:t>ThingList</a:t>
+            </a:r>
+            <a:r>
+              <a:rPr lang="en-US" altLang="ko-KR" sz="1200" dirty="0" smtClean="0">
+                <a:solidFill>
+                  <a:schemeClr val="bg1">
+                    <a:lumMod val="75000"/>
+                    <a:lumOff val="25000"/>
+                  </a:schemeClr>
+                </a:solidFill>
+              </a:rPr>
+              <a:t>, Link)</a:t>
+            </a:r>
+            <a:endParaRPr lang="ko-KR" altLang="en-US" sz="1200" dirty="0" smtClean="0">
+              <a:solidFill>
+                <a:schemeClr val="bg1">
+                  <a:lumMod val="75000"/>
+                  <a:lumOff val="25000"/>
+                </a:schemeClr>
+              </a:solidFill>
+            </a:endParaRPr>
+          </a:p>
+        </p:txBody>
+      </p:sp>
+      <p:grpSp>
+        <p:nvGrpSpPr>
+          <p:cNvPr id="126" name="그룹 125"/>
+          <p:cNvGrpSpPr/>
+          <p:nvPr/>
+        </p:nvGrpSpPr>
+        <p:grpSpPr>
+          <a:xfrm>
+            <a:off x="4644008" y="5074278"/>
+            <a:ext cx="1800200" cy="442954"/>
+            <a:chOff x="6074530" y="4766674"/>
+            <a:chExt cx="1189950" cy="245174"/>
+          </a:xfrm>
+        </p:grpSpPr>
+        <p:sp>
+          <p:nvSpPr>
+            <p:cNvPr id="127" name="한쪽 모서리가 잘린 사각형 126"/>
+            <p:cNvSpPr/>
+            <p:nvPr/>
+          </p:nvSpPr>
+          <p:spPr>
+            <a:xfrm>
+              <a:off x="6074530" y="4781675"/>
+              <a:ext cx="1155381" cy="230173"/>
+            </a:xfrm>
+            <a:prstGeom prst="snip1Rect">
+              <a:avLst>
+                <a:gd name="adj" fmla="val 43048"/>
+              </a:avLst>
+            </a:prstGeom>
+            <a:solidFill>
+              <a:schemeClr val="tx1">
+                <a:lumMod val="75000"/>
+              </a:schemeClr>
+            </a:solidFill>
+            <a:ln w="9525">
+              <a:solidFill>
+                <a:schemeClr val="bg1">
+                  <a:lumMod val="75000"/>
+                  <a:lumOff val="25000"/>
+                </a:schemeClr>
+              </a:solidFill>
+            </a:ln>
+          </p:spPr>
+          <p:style>
+            <a:lnRef idx="2">
+              <a:schemeClr val="accent1">
+                <a:shade val="50000"/>
+              </a:schemeClr>
+            </a:lnRef>
+            <a:fillRef idx="1">
+              <a:schemeClr val="accent1"/>
+            </a:fillRef>
+            <a:effectRef idx="0">
+              <a:schemeClr val="accent1"/>
+            </a:effectRef>
+            <a:fontRef idx="minor">
+              <a:schemeClr val="lt1"/>
+            </a:fontRef>
+          </p:style>
+          <p:txBody>
+            <a:bodyPr rot="0" spcFirstLastPara="0" vertOverflow="overflow" horzOverflow="overflow" vert="horz" wrap="square" lIns="91440" tIns="45720" rIns="91440" bIns="45720" numCol="1" spcCol="0" rtlCol="0" fromWordArt="0" anchor="b" anchorCtr="0" forceAA="0" compatLnSpc="1">
+              <a:prstTxWarp prst="textNoShape">
+                <a:avLst/>
+              </a:prstTxWarp>
+              <a:noAutofit/>
+            </a:bodyPr>
+            <a:lstStyle/>
+            <a:p>
+              <a:r>
+                <a:rPr lang="en-US" altLang="ko-KR" sz="1000" b="1" dirty="0" smtClean="0">
+                  <a:solidFill>
+                    <a:schemeClr val="bg1">
+                      <a:lumMod val="75000"/>
+                      <a:lumOff val="25000"/>
+                    </a:schemeClr>
+                  </a:solidFill>
+                </a:rPr>
+                <a:t>Create</a:t>
+              </a:r>
+              <a:endParaRPr lang="en-US" altLang="ko-KR" sz="1000" dirty="0" smtClean="0">
+                <a:solidFill>
+                  <a:schemeClr val="bg1">
+                    <a:lumMod val="75000"/>
+                    <a:lumOff val="25000"/>
+                  </a:schemeClr>
+                </a:solidFill>
+              </a:endParaRPr>
+            </a:p>
+            <a:p>
+              <a:r>
+                <a:rPr lang="en-US" altLang="ko-KR" sz="1000" dirty="0" smtClean="0">
+                  <a:solidFill>
+                    <a:schemeClr val="bg1">
+                      <a:lumMod val="75000"/>
+                      <a:lumOff val="25000"/>
+                    </a:schemeClr>
+                  </a:solidFill>
+                </a:rPr>
+                <a:t>newly created instance</a:t>
+              </a:r>
+              <a:endParaRPr lang="ko-KR" altLang="en-US" sz="1000" dirty="0" smtClean="0">
+                <a:solidFill>
+                  <a:schemeClr val="bg1">
+                    <a:lumMod val="75000"/>
+                    <a:lumOff val="25000"/>
+                  </a:schemeClr>
+                </a:solidFill>
+              </a:endParaRPr>
+            </a:p>
+          </p:txBody>
+        </p:sp>
+        <p:sp>
+          <p:nvSpPr>
+            <p:cNvPr id="129" name="직각 삼각형 128"/>
+            <p:cNvSpPr/>
+            <p:nvPr/>
+          </p:nvSpPr>
+          <p:spPr>
+            <a:xfrm>
+              <a:off x="7107828" y="4766674"/>
+              <a:ext cx="156652" cy="147234"/>
+            </a:xfrm>
+            <a:prstGeom prst="rtTriangle">
+              <a:avLst/>
+            </a:prstGeom>
+            <a:solidFill>
+              <a:schemeClr val="bg1">
+                <a:lumMod val="50000"/>
+                <a:lumOff val="50000"/>
+              </a:schemeClr>
+            </a:solidFill>
+            <a:ln w="9525">
+              <a:solidFill>
+                <a:schemeClr val="tx1"/>
+              </a:solidFill>
+            </a:ln>
+          </p:spPr>
+          <p:style>
+            <a:lnRef idx="2">
+              <a:schemeClr val="accent1">
+                <a:shade val="50000"/>
+              </a:schemeClr>
+            </a:lnRef>
+            <a:fillRef idx="1">
+              <a:schemeClr val="accent1"/>
+            </a:fillRef>
+            <a:effectRef idx="0">
+              <a:schemeClr val="accent1"/>
+            </a:effectRef>
+            <a:fontRef idx="minor">
+              <a:schemeClr val="lt1"/>
+            </a:fontRef>
+          </p:style>
+          <p:txBody>
+            <a:bodyPr rot="0" spcFirstLastPara="0" vertOverflow="overflow" horzOverflow="overflow" vert="horz" wrap="square" lIns="91440" tIns="45720" rIns="91440" bIns="45720" numCol="1" spcCol="0" rtlCol="0" fromWordArt="0" anchor="ctr" anchorCtr="0" forceAA="0" compatLnSpc="1">
+              <a:prstTxWarp prst="textNoShape">
+                <a:avLst/>
+              </a:prstTxWarp>
+              <a:noAutofit/>
+            </a:bodyPr>
+            <a:lstStyle/>
+            <a:p>
+              <a:pPr algn="ctr"/>
+              <a:endParaRPr lang="ko-KR" altLang="en-US" sz="1200" dirty="0" smtClean="0">
+                <a:solidFill>
+                  <a:schemeClr val="bg1">
+                    <a:lumMod val="75000"/>
+                    <a:lumOff val="25000"/>
+                  </a:schemeClr>
+                </a:solidFill>
+              </a:endParaRPr>
+            </a:p>
+          </p:txBody>
+        </p:sp>
+      </p:grpSp>
+      <p:cxnSp>
+        <p:nvCxnSpPr>
+          <p:cNvPr id="130" name="직선 연결선 129"/>
+          <p:cNvCxnSpPr>
+            <a:stCxn id="127" idx="3"/>
+            <a:endCxn id="131" idx="2"/>
+          </p:cNvCxnSpPr>
+          <p:nvPr/>
+        </p:nvCxnSpPr>
+        <p:spPr>
+          <a:xfrm flipV="1">
+            <a:off x="5517960" y="4545128"/>
+            <a:ext cx="1286288" cy="556252"/>
+          </a:xfrm>
+          <a:prstGeom prst="line">
+            <a:avLst/>
+          </a:prstGeom>
+          <a:ln>
+            <a:solidFill>
+              <a:schemeClr val="bg1">
+                <a:lumMod val="75000"/>
+                <a:lumOff val="25000"/>
+              </a:schemeClr>
+            </a:solidFill>
+            <a:prstDash val="dash"/>
+            <a:tailEnd type="none" w="lg" len="lg"/>
+          </a:ln>
+        </p:spPr>
+        <p:style>
+          <a:lnRef idx="1">
+            <a:schemeClr val="accent1"/>
+          </a:lnRef>
+          <a:fillRef idx="0">
+            <a:schemeClr val="accent1"/>
+          </a:fillRef>
+          <a:effectRef idx="0">
+            <a:schemeClr val="accent1"/>
+          </a:effectRef>
+          <a:fontRef idx="minor">
+            <a:schemeClr val="tx1"/>
+          </a:fontRef>
+        </p:style>
+      </p:cxnSp>
+      <p:sp>
+        <p:nvSpPr>
+          <p:cNvPr id="131" name="타원 130"/>
+          <p:cNvSpPr/>
+          <p:nvPr/>
+        </p:nvSpPr>
+        <p:spPr>
+          <a:xfrm>
+            <a:off x="6804248" y="4509128"/>
+            <a:ext cx="72000" cy="72000"/>
+          </a:xfrm>
+          <a:prstGeom prst="ellipse">
+            <a:avLst/>
+          </a:prstGeom>
+          <a:solidFill>
+            <a:schemeClr val="tx1"/>
+          </a:solidFill>
+          <a:ln w="9525">
+            <a:solidFill>
+              <a:schemeClr val="bg1">
+                <a:lumMod val="75000"/>
+                <a:lumOff val="25000"/>
+              </a:schemeClr>
+            </a:solidFill>
+          </a:ln>
+        </p:spPr>
+        <p:style>
+          <a:lnRef idx="2">
+            <a:schemeClr val="accent1">
+              <a:shade val="50000"/>
+            </a:schemeClr>
+          </a:lnRef>
+          <a:fillRef idx="1">
+            <a:schemeClr val="accent1"/>
+          </a:fillRef>
+          <a:effectRef idx="0">
+            <a:schemeClr val="accent1"/>
+          </a:effectRef>
+          <a:fontRef idx="minor">
+            <a:schemeClr val="lt1"/>
+          </a:fontRef>
+        </p:style>
+        <p:txBody>
+          <a:bodyPr rtlCol="0" anchor="ctr"/>
+          <a:lstStyle/>
+          <a:p>
+            <a:pPr algn="ctr"/>
+            <a:endParaRPr lang="ko-KR" altLang="en-US" sz="1200" dirty="0" smtClean="0">
+              <a:solidFill>
+                <a:schemeClr val="bg1">
+                  <a:lumMod val="75000"/>
+                  <a:lumOff val="25000"/>
+                </a:schemeClr>
+              </a:solidFill>
+            </a:endParaRPr>
+          </a:p>
+        </p:txBody>
+      </p:sp>
+      <p:sp>
+        <p:nvSpPr>
+          <p:cNvPr id="132" name="직사각형 131"/>
+          <p:cNvSpPr/>
+          <p:nvPr/>
+        </p:nvSpPr>
+        <p:spPr>
+          <a:xfrm>
+            <a:off x="5724128" y="3658786"/>
+            <a:ext cx="2160240" cy="359433"/>
+          </a:xfrm>
+          <a:prstGeom prst="rect">
+            <a:avLst/>
+          </a:prstGeom>
+          <a:noFill/>
+          <a:ln w="9525">
+            <a:noFill/>
+          </a:ln>
+        </p:spPr>
+        <p:style>
+          <a:lnRef idx="2">
+            <a:schemeClr val="accent1">
+              <a:shade val="50000"/>
+            </a:schemeClr>
+          </a:lnRef>
+          <a:fillRef idx="1">
+            <a:schemeClr val="accent1"/>
+          </a:fillRef>
+          <a:effectRef idx="0">
+            <a:schemeClr val="accent1"/>
+          </a:effectRef>
+          <a:fontRef idx="minor">
+            <a:schemeClr val="lt1"/>
+          </a:fontRef>
+        </p:style>
+        <p:txBody>
+          <a:bodyPr rot="0" spcFirstLastPara="0" vertOverflow="overflow" horzOverflow="overflow" vert="horz" wrap="square" lIns="91440" tIns="45720" rIns="91440" bIns="45720" numCol="1" spcCol="0" rtlCol="0" fromWordArt="0" anchor="ctr" anchorCtr="0" forceAA="0" compatLnSpc="1">
+            <a:prstTxWarp prst="textNoShape">
+              <a:avLst/>
+            </a:prstTxWarp>
+            <a:noAutofit/>
+          </a:bodyPr>
+          <a:lstStyle/>
+          <a:p>
+            <a:pPr algn="ctr"/>
+            <a:r>
+              <a:rPr lang="en-US" altLang="ko-KR" sz="1200" dirty="0" smtClean="0">
+                <a:solidFill>
+                  <a:schemeClr val="bg1">
+                    <a:lumMod val="75000"/>
+                    <a:lumOff val="25000"/>
+                  </a:schemeClr>
+                </a:solidFill>
+              </a:rPr>
+              <a:t>2.2: create(Type, Id)</a:t>
+            </a:r>
+            <a:endParaRPr lang="ko-KR" altLang="en-US" sz="1200" dirty="0" smtClean="0">
+              <a:solidFill>
+                <a:schemeClr val="bg1">
+                  <a:lumMod val="75000"/>
+                  <a:lumOff val="25000"/>
+                </a:schemeClr>
+              </a:solidFill>
+            </a:endParaRPr>
+          </a:p>
+        </p:txBody>
+      </p:sp>
+      <p:cxnSp>
+        <p:nvCxnSpPr>
+          <p:cNvPr id="52" name="직선 화살표 연결선 51"/>
+          <p:cNvCxnSpPr/>
+          <p:nvPr/>
+        </p:nvCxnSpPr>
+        <p:spPr>
+          <a:xfrm>
+            <a:off x="7524328" y="3658786"/>
+            <a:ext cx="0" cy="377588"/>
+          </a:xfrm>
+          <a:prstGeom prst="straightConnector1">
+            <a:avLst/>
+          </a:prstGeom>
+          <a:ln>
+            <a:solidFill>
+              <a:schemeClr val="bg1">
+                <a:lumMod val="75000"/>
+                <a:lumOff val="25000"/>
+              </a:schemeClr>
+            </a:solidFill>
+            <a:tailEnd type="triangle"/>
+          </a:ln>
+        </p:spPr>
+        <p:style>
+          <a:lnRef idx="1">
+            <a:schemeClr val="accent1"/>
+          </a:lnRef>
+          <a:fillRef idx="0">
+            <a:schemeClr val="accent1"/>
+          </a:fillRef>
+          <a:effectRef idx="0">
+            <a:schemeClr val="accent1"/>
+          </a:effectRef>
+          <a:fontRef idx="minor">
+            <a:schemeClr val="tx1"/>
+          </a:fontRef>
+        </p:style>
+      </p:cxnSp>
+      <p:grpSp>
+        <p:nvGrpSpPr>
+          <p:cNvPr id="134" name="그룹 133"/>
+          <p:cNvGrpSpPr/>
+          <p:nvPr/>
+        </p:nvGrpSpPr>
+        <p:grpSpPr>
+          <a:xfrm>
+            <a:off x="4310472" y="3789040"/>
+            <a:ext cx="1773696" cy="598309"/>
+            <a:chOff x="6074530" y="4766674"/>
+            <a:chExt cx="1172430" cy="245174"/>
+          </a:xfrm>
+        </p:grpSpPr>
+        <p:sp>
+          <p:nvSpPr>
+            <p:cNvPr id="136" name="한쪽 모서리가 잘린 사각형 135"/>
+            <p:cNvSpPr/>
+            <p:nvPr/>
+          </p:nvSpPr>
+          <p:spPr>
+            <a:xfrm>
+              <a:off x="6074530" y="4781675"/>
+              <a:ext cx="1155381" cy="230173"/>
+            </a:xfrm>
+            <a:prstGeom prst="snip1Rect">
+              <a:avLst>
+                <a:gd name="adj" fmla="val 43048"/>
+              </a:avLst>
+            </a:prstGeom>
+            <a:solidFill>
+              <a:schemeClr val="tx1">
+                <a:lumMod val="75000"/>
+              </a:schemeClr>
+            </a:solidFill>
+            <a:ln w="9525">
+              <a:solidFill>
+                <a:schemeClr val="bg1">
+                  <a:lumMod val="75000"/>
+                  <a:lumOff val="25000"/>
+                </a:schemeClr>
+              </a:solidFill>
+            </a:ln>
+          </p:spPr>
+          <p:style>
+            <a:lnRef idx="2">
+              <a:schemeClr val="accent1">
+                <a:shade val="50000"/>
+              </a:schemeClr>
+            </a:lnRef>
+            <a:fillRef idx="1">
+              <a:schemeClr val="accent1"/>
+            </a:fillRef>
+            <a:effectRef idx="0">
+              <a:schemeClr val="accent1"/>
+            </a:effectRef>
+            <a:fontRef idx="minor">
+              <a:schemeClr val="lt1"/>
+            </a:fontRef>
+          </p:style>
+          <p:txBody>
+            <a:bodyPr rot="0" spcFirstLastPara="0" vertOverflow="overflow" horzOverflow="overflow" vert="horz" wrap="square" lIns="91440" tIns="45720" rIns="91440" bIns="45720" numCol="1" spcCol="0" rtlCol="0" fromWordArt="0" anchor="b" anchorCtr="0" forceAA="0" compatLnSpc="1">
+              <a:prstTxWarp prst="textNoShape">
+                <a:avLst/>
+              </a:prstTxWarp>
+              <a:noAutofit/>
+            </a:bodyPr>
+            <a:lstStyle/>
+            <a:p>
+              <a:r>
+                <a:rPr lang="en-US" altLang="ko-KR" sz="1000" b="1" dirty="0" smtClean="0">
+                  <a:solidFill>
+                    <a:schemeClr val="bg1">
+                      <a:lumMod val="75000"/>
+                      <a:lumOff val="25000"/>
+                    </a:schemeClr>
+                  </a:solidFill>
+                </a:rPr>
+                <a:t>Type </a:t>
+              </a:r>
+              <a:r>
+                <a:rPr lang="en-US" altLang="ko-KR" sz="1000" dirty="0" smtClean="0">
+                  <a:solidFill>
+                    <a:schemeClr val="bg1">
+                      <a:lumMod val="75000"/>
+                      <a:lumOff val="25000"/>
+                    </a:schemeClr>
+                  </a:solidFill>
+                </a:rPr>
+                <a:t>is used for distinguishing Sensor and Actuator.</a:t>
+              </a:r>
+              <a:endParaRPr lang="ko-KR" altLang="en-US" sz="1000" dirty="0" smtClean="0">
+                <a:solidFill>
+                  <a:schemeClr val="bg1">
+                    <a:lumMod val="75000"/>
+                    <a:lumOff val="25000"/>
+                  </a:schemeClr>
+                </a:solidFill>
+              </a:endParaRPr>
+            </a:p>
+          </p:txBody>
+        </p:sp>
+        <p:sp>
+          <p:nvSpPr>
+            <p:cNvPr id="138" name="직각 삼각형 137"/>
+            <p:cNvSpPr/>
+            <p:nvPr/>
+          </p:nvSpPr>
+          <p:spPr>
+            <a:xfrm>
+              <a:off x="7067338" y="4766674"/>
+              <a:ext cx="179622" cy="118278"/>
+            </a:xfrm>
+            <a:prstGeom prst="rtTriangle">
+              <a:avLst/>
+            </a:prstGeom>
+            <a:solidFill>
+              <a:schemeClr val="bg1">
+                <a:lumMod val="50000"/>
+                <a:lumOff val="50000"/>
+              </a:schemeClr>
+            </a:solidFill>
+            <a:ln w="9525">
+              <a:solidFill>
+                <a:schemeClr val="tx1"/>
+              </a:solidFill>
+            </a:ln>
+          </p:spPr>
+          <p:style>
+            <a:lnRef idx="2">
+              <a:schemeClr val="accent1">
+                <a:shade val="50000"/>
+              </a:schemeClr>
+            </a:lnRef>
+            <a:fillRef idx="1">
+              <a:schemeClr val="accent1"/>
+            </a:fillRef>
+            <a:effectRef idx="0">
+              <a:schemeClr val="accent1"/>
+            </a:effectRef>
+            <a:fontRef idx="minor">
+              <a:schemeClr val="lt1"/>
+            </a:fontRef>
+          </p:style>
+          <p:txBody>
+            <a:bodyPr rot="0" spcFirstLastPara="0" vertOverflow="overflow" horzOverflow="overflow" vert="horz" wrap="square" lIns="91440" tIns="45720" rIns="91440" bIns="45720" numCol="1" spcCol="0" rtlCol="0" fromWordArt="0" anchor="ctr" anchorCtr="0" forceAA="0" compatLnSpc="1">
+              <a:prstTxWarp prst="textNoShape">
+                <a:avLst/>
+              </a:prstTxWarp>
+              <a:noAutofit/>
+            </a:bodyPr>
+            <a:lstStyle/>
+            <a:p>
+              <a:pPr algn="ctr"/>
+              <a:endParaRPr lang="ko-KR" altLang="en-US" sz="1200" dirty="0" smtClean="0">
+                <a:solidFill>
+                  <a:schemeClr val="bg1">
+                    <a:lumMod val="75000"/>
+                    <a:lumOff val="25000"/>
+                  </a:schemeClr>
+                </a:solidFill>
+              </a:endParaRPr>
+            </a:p>
+          </p:txBody>
+        </p:sp>
+      </p:grpSp>
+      <p:sp>
+        <p:nvSpPr>
+          <p:cNvPr id="139" name="타원 138"/>
+          <p:cNvSpPr/>
+          <p:nvPr/>
+        </p:nvSpPr>
+        <p:spPr>
+          <a:xfrm>
+            <a:off x="6588232" y="2996952"/>
+            <a:ext cx="72000" cy="72000"/>
+          </a:xfrm>
+          <a:prstGeom prst="ellipse">
+            <a:avLst/>
+          </a:prstGeom>
+          <a:solidFill>
+            <a:schemeClr val="tx1"/>
+          </a:solidFill>
+          <a:ln w="9525">
+            <a:solidFill>
+              <a:schemeClr val="bg1">
+                <a:lumMod val="75000"/>
+                <a:lumOff val="25000"/>
+              </a:schemeClr>
+            </a:solidFill>
+          </a:ln>
+        </p:spPr>
+        <p:style>
+          <a:lnRef idx="2">
+            <a:schemeClr val="accent1">
+              <a:shade val="50000"/>
+            </a:schemeClr>
+          </a:lnRef>
+          <a:fillRef idx="1">
+            <a:schemeClr val="accent1"/>
+          </a:fillRef>
+          <a:effectRef idx="0">
+            <a:schemeClr val="accent1"/>
+          </a:effectRef>
+          <a:fontRef idx="minor">
+            <a:schemeClr val="lt1"/>
+          </a:fontRef>
+        </p:style>
+        <p:txBody>
+          <a:bodyPr rtlCol="0" anchor="ctr"/>
+          <a:lstStyle/>
+          <a:p>
+            <a:pPr algn="ctr"/>
+            <a:endParaRPr lang="ko-KR" altLang="en-US" sz="1200" dirty="0" smtClean="0">
+              <a:solidFill>
+                <a:schemeClr val="bg1">
+                  <a:lumMod val="75000"/>
+                  <a:lumOff val="25000"/>
+                </a:schemeClr>
+              </a:solidFill>
+            </a:endParaRPr>
+          </a:p>
+        </p:txBody>
+      </p:sp>
+      <p:cxnSp>
+        <p:nvCxnSpPr>
+          <p:cNvPr id="140" name="직선 연결선 139"/>
+          <p:cNvCxnSpPr>
+            <a:stCxn id="136" idx="3"/>
+            <a:endCxn id="139" idx="3"/>
+          </p:cNvCxnSpPr>
+          <p:nvPr/>
+        </p:nvCxnSpPr>
+        <p:spPr>
+          <a:xfrm flipV="1">
+            <a:off x="5184424" y="3058408"/>
+            <a:ext cx="1414352" cy="767240"/>
+          </a:xfrm>
+          <a:prstGeom prst="line">
+            <a:avLst/>
+          </a:prstGeom>
+          <a:ln>
+            <a:solidFill>
+              <a:schemeClr val="bg1">
+                <a:lumMod val="75000"/>
+                <a:lumOff val="25000"/>
+              </a:schemeClr>
+            </a:solidFill>
+            <a:prstDash val="dash"/>
+            <a:tailEnd type="none" w="lg" len="lg"/>
+          </a:ln>
+        </p:spPr>
+        <p:style>
+          <a:lnRef idx="1">
+            <a:schemeClr val="accent1"/>
+          </a:lnRef>
+          <a:fillRef idx="0">
+            <a:schemeClr val="accent1"/>
+          </a:fillRef>
+          <a:effectRef idx="0">
+            <a:schemeClr val="accent1"/>
+          </a:effectRef>
+          <a:fontRef idx="minor">
+            <a:schemeClr val="tx1"/>
+          </a:fontRef>
+        </p:style>
+      </p:cxnSp>
+    </p:spTree>
+    <p:extLst>
+      <p:ext uri="{BB962C8B-B14F-4D97-AF65-F5344CB8AC3E}">
+        <p14:creationId xmlns:p14="http://schemas.microsoft.com/office/powerpoint/2010/main" val="2833757501"/>
+      </p:ext>
+    </p:extLst>
+  </p:cSld>
+  <p:clrMapOvr>
+    <a:masterClrMapping/>
+  </p:clrMapOvr>
+  <p:timing>
+    <p:tnLst>
+      <p:par>
+        <p:cTn id="1" dur="indefinite" restart="never" nodeType="tmRoot"/>
+      </p:par>
+    </p:tnLst>
+  </p:timing>
+</p:sld>
+</file>
+
+<file path=ppt/slides/slide3.xml><?xml version="1.0" encoding="utf-8"?>
+<p:sld xmlns:a="http://schemas.openxmlformats.org/drawingml/2006/main" xmlns:r="http://schemas.openxmlformats.org/officeDocument/2006/relationships" xmlns:p="http://schemas.openxmlformats.org/presentationml/2006/main">
+  <p:cSld>
+    <p:spTree>
+      <p:nvGrpSpPr>
+        <p:cNvPr id="1" name=""/>
+        <p:cNvGrpSpPr/>
+        <p:nvPr/>
+      </p:nvGrpSpPr>
+      <p:grpSpPr>
+        <a:xfrm>
+          <a:off x="0" y="0"/>
+          <a:ext cx="0" cy="0"/>
+          <a:chOff x="0" y="0"/>
+          <a:chExt cx="0" cy="0"/>
+        </a:xfrm>
+      </p:grpSpPr>
+      <p:sp>
+        <p:nvSpPr>
+          <p:cNvPr id="7" name="직사각형 6"/>
+          <p:cNvSpPr/>
+          <p:nvPr/>
+        </p:nvSpPr>
+        <p:spPr>
+          <a:xfrm>
+            <a:off x="467544" y="1484784"/>
+            <a:ext cx="8209731" cy="4824536"/>
+          </a:xfrm>
+          <a:prstGeom prst="rect">
+            <a:avLst/>
+          </a:prstGeom>
+          <a:solidFill>
+            <a:schemeClr val="tx1"/>
+          </a:solidFill>
+          <a:ln>
+            <a:solidFill>
+              <a:schemeClr val="bg1">
+                <a:lumMod val="75000"/>
+                <a:lumOff val="25000"/>
+              </a:schemeClr>
+            </a:solidFill>
+          </a:ln>
+        </p:spPr>
+        <p:style>
+          <a:lnRef idx="2">
+            <a:schemeClr val="accent1">
+              <a:shade val="50000"/>
+            </a:schemeClr>
+          </a:lnRef>
+          <a:fillRef idx="1">
+            <a:schemeClr val="accent1"/>
+          </a:fillRef>
+          <a:effectRef idx="0">
+            <a:schemeClr val="accent1"/>
+          </a:effectRef>
+          <a:fontRef idx="minor">
+            <a:schemeClr val="lt1"/>
+          </a:fontRef>
+        </p:style>
+        <p:txBody>
+          <a:bodyPr rtlCol="0" anchor="ctr"/>
+          <a:lstStyle/>
+          <a:p>
+            <a:pPr algn="ctr"/>
+            <a:endParaRPr lang="ko-KR" altLang="en-US" sz="800" dirty="0"/>
+          </a:p>
+        </p:txBody>
+      </p:sp>
+      <p:sp>
+        <p:nvSpPr>
+          <p:cNvPr id="2" name="제목 1"/>
+          <p:cNvSpPr>
+            <a:spLocks noGrp="1"/>
+          </p:cNvSpPr>
+          <p:nvPr>
+            <p:ph type="title"/>
+          </p:nvPr>
+        </p:nvSpPr>
+        <p:spPr/>
+        <p:txBody>
+          <a:bodyPr>
+            <a:normAutofit fontScale="90000"/>
+          </a:bodyPr>
+          <a:lstStyle/>
+          <a:p>
+            <a:r>
+              <a:rPr lang="en-US" altLang="ko-KR" dirty="0" smtClean="0"/>
+              <a:t>5.3 Dynamic View(2)</a:t>
+            </a:r>
+            <a:endParaRPr lang="ko-KR" altLang="en-US" dirty="0"/>
+          </a:p>
+        </p:txBody>
+      </p:sp>
+      <p:sp>
+        <p:nvSpPr>
+          <p:cNvPr id="5" name="슬라이드 번호 개체 틀 4"/>
+          <p:cNvSpPr>
+            <a:spLocks noGrp="1"/>
+          </p:cNvSpPr>
+          <p:nvPr>
+            <p:ph type="sldNum" sz="quarter" idx="11"/>
+          </p:nvPr>
+        </p:nvSpPr>
+        <p:spPr/>
+        <p:txBody>
+          <a:bodyPr/>
+          <a:lstStyle/>
+          <a:p>
+            <a:fld id="{887F5A62-5D57-4BBA-9485-2C5A6728F77D}" type="slidenum">
+              <a:rPr lang="ko-KR" altLang="en-US" smtClean="0"/>
+              <a:pPr/>
+              <a:t>3</a:t>
+            </a:fld>
+            <a:r>
+              <a:rPr lang="en-US" altLang="ko-KR" dirty="0" smtClean="0"/>
+              <a:t>/31</a:t>
+            </a:r>
+            <a:endParaRPr lang="ko-KR" altLang="en-US" dirty="0"/>
+          </a:p>
+        </p:txBody>
+      </p:sp>
+      <p:sp>
+        <p:nvSpPr>
+          <p:cNvPr id="3" name="TextBox 2"/>
+          <p:cNvSpPr txBox="1"/>
+          <p:nvPr/>
+        </p:nvSpPr>
+        <p:spPr>
+          <a:xfrm>
+            <a:off x="467134" y="934820"/>
+            <a:ext cx="4253024" cy="369332"/>
+          </a:xfrm>
+          <a:prstGeom prst="rect">
+            <a:avLst/>
+          </a:prstGeom>
+          <a:noFill/>
+        </p:spPr>
+        <p:txBody>
+          <a:bodyPr wrap="none" rtlCol="0">
+            <a:spAutoFit/>
+          </a:bodyPr>
+          <a:lstStyle/>
+          <a:p>
+            <a:r>
+              <a:rPr lang="en-US" altLang="ko-KR" dirty="0" smtClean="0"/>
+              <a:t>Communication Diagram: </a:t>
+            </a:r>
+            <a:r>
+              <a:rPr lang="en-US" altLang="ko-KR" dirty="0" err="1"/>
+              <a:t>controlThing</a:t>
+            </a:r>
+            <a:endParaRPr lang="ko-KR" altLang="en-US" dirty="0"/>
+          </a:p>
+        </p:txBody>
+      </p:sp>
+      <p:sp>
+        <p:nvSpPr>
+          <p:cNvPr id="54" name="직사각형 53"/>
+          <p:cNvSpPr/>
+          <p:nvPr/>
+        </p:nvSpPr>
+        <p:spPr>
+          <a:xfrm>
+            <a:off x="1912443" y="2038670"/>
+            <a:ext cx="1368152" cy="359433"/>
+          </a:xfrm>
+          <a:prstGeom prst="rect">
+            <a:avLst/>
+          </a:prstGeom>
+          <a:solidFill>
+            <a:schemeClr val="tx1"/>
+          </a:solidFill>
+          <a:ln w="9525">
+            <a:solidFill>
+              <a:schemeClr val="bg1">
+                <a:lumMod val="75000"/>
+                <a:lumOff val="25000"/>
+              </a:schemeClr>
+            </a:solidFill>
+          </a:ln>
+        </p:spPr>
+        <p:style>
+          <a:lnRef idx="2">
+            <a:schemeClr val="accent1">
+              <a:shade val="50000"/>
+            </a:schemeClr>
+          </a:lnRef>
+          <a:fillRef idx="1">
+            <a:schemeClr val="accent1"/>
+          </a:fillRef>
+          <a:effectRef idx="0">
+            <a:schemeClr val="accent1"/>
+          </a:effectRef>
+          <a:fontRef idx="minor">
+            <a:schemeClr val="lt1"/>
+          </a:fontRef>
+        </p:style>
+        <p:txBody>
+          <a:bodyPr rtlCol="0" anchor="ctr"/>
+          <a:lstStyle/>
+          <a:p>
+            <a:pPr algn="ctr"/>
+            <a:r>
+              <a:rPr lang="en-US" altLang="ko-KR" sz="1200" dirty="0" smtClean="0">
+                <a:solidFill>
+                  <a:schemeClr val="bg1">
+                    <a:lumMod val="75000"/>
+                    <a:lumOff val="25000"/>
+                  </a:schemeClr>
+                </a:solidFill>
+              </a:rPr>
+              <a:t>:</a:t>
+            </a:r>
+            <a:r>
+              <a:rPr lang="en-US" altLang="ko-KR" sz="1200" dirty="0" err="1" smtClean="0">
+                <a:solidFill>
+                  <a:schemeClr val="bg1">
+                    <a:lumMod val="75000"/>
+                    <a:lumOff val="25000"/>
+                  </a:schemeClr>
+                </a:solidFill>
+              </a:rPr>
+              <a:t>NodeManager</a:t>
+            </a:r>
+            <a:endParaRPr lang="ko-KR" altLang="en-US" sz="1200" dirty="0">
+              <a:solidFill>
+                <a:schemeClr val="bg1">
+                  <a:lumMod val="75000"/>
+                  <a:lumOff val="25000"/>
+                </a:schemeClr>
+              </a:solidFill>
+            </a:endParaRPr>
+          </a:p>
+        </p:txBody>
+      </p:sp>
+      <p:sp>
+        <p:nvSpPr>
+          <p:cNvPr id="55" name="직사각형 54"/>
+          <p:cNvSpPr/>
+          <p:nvPr/>
+        </p:nvSpPr>
+        <p:spPr>
+          <a:xfrm>
+            <a:off x="5769938" y="2038670"/>
+            <a:ext cx="1368152" cy="359433"/>
+          </a:xfrm>
+          <a:prstGeom prst="rect">
+            <a:avLst/>
+          </a:prstGeom>
+          <a:solidFill>
+            <a:schemeClr val="tx1"/>
+          </a:solidFill>
+          <a:ln w="9525">
+            <a:solidFill>
+              <a:schemeClr val="bg1">
+                <a:lumMod val="75000"/>
+                <a:lumOff val="25000"/>
+              </a:schemeClr>
+            </a:solidFill>
+          </a:ln>
+        </p:spPr>
+        <p:style>
+          <a:lnRef idx="2">
+            <a:schemeClr val="accent1">
+              <a:shade val="50000"/>
+            </a:schemeClr>
+          </a:lnRef>
+          <a:fillRef idx="1">
+            <a:schemeClr val="accent1"/>
+          </a:fillRef>
+          <a:effectRef idx="0">
+            <a:schemeClr val="accent1"/>
+          </a:effectRef>
+          <a:fontRef idx="minor">
+            <a:schemeClr val="lt1"/>
+          </a:fontRef>
+        </p:style>
+        <p:txBody>
+          <a:bodyPr rtlCol="0" anchor="ctr"/>
+          <a:lstStyle/>
+          <a:p>
+            <a:pPr algn="ctr"/>
+            <a:r>
+              <a:rPr lang="en-US" altLang="ko-KR" sz="1200" dirty="0" smtClean="0">
+                <a:solidFill>
+                  <a:schemeClr val="bg1">
+                    <a:lumMod val="75000"/>
+                    <a:lumOff val="25000"/>
+                  </a:schemeClr>
+                </a:solidFill>
+              </a:rPr>
+              <a:t>:Link</a:t>
+            </a:r>
+            <a:endParaRPr lang="ko-KR" altLang="en-US" sz="1200" dirty="0">
+              <a:solidFill>
+                <a:schemeClr val="bg1">
+                  <a:lumMod val="75000"/>
+                  <a:lumOff val="25000"/>
+                </a:schemeClr>
+              </a:solidFill>
+            </a:endParaRPr>
+          </a:p>
+        </p:txBody>
+      </p:sp>
+      <p:cxnSp>
+        <p:nvCxnSpPr>
+          <p:cNvPr id="10" name="직선 화살표 연결선 9"/>
+          <p:cNvCxnSpPr/>
+          <p:nvPr/>
+        </p:nvCxnSpPr>
+        <p:spPr>
+          <a:xfrm>
+            <a:off x="1285188" y="5520706"/>
+            <a:ext cx="360040" cy="0"/>
+          </a:xfrm>
+          <a:prstGeom prst="straightConnector1">
+            <a:avLst/>
+          </a:prstGeom>
+          <a:ln>
+            <a:solidFill>
+              <a:schemeClr val="bg1">
+                <a:lumMod val="75000"/>
+                <a:lumOff val="25000"/>
+              </a:schemeClr>
+            </a:solidFill>
+            <a:tailEnd type="triangle"/>
+          </a:ln>
+        </p:spPr>
+        <p:style>
+          <a:lnRef idx="1">
+            <a:schemeClr val="accent1"/>
+          </a:lnRef>
+          <a:fillRef idx="0">
+            <a:schemeClr val="accent1"/>
+          </a:fillRef>
+          <a:effectRef idx="0">
+            <a:schemeClr val="accent1"/>
+          </a:effectRef>
+          <a:fontRef idx="minor">
+            <a:schemeClr val="tx1"/>
+          </a:fontRef>
+        </p:style>
+      </p:cxnSp>
+      <p:sp>
+        <p:nvSpPr>
+          <p:cNvPr id="12" name="직사각형 11"/>
+          <p:cNvSpPr/>
+          <p:nvPr/>
+        </p:nvSpPr>
+        <p:spPr>
+          <a:xfrm>
+            <a:off x="493509" y="5088700"/>
+            <a:ext cx="2138638" cy="359433"/>
+          </a:xfrm>
+          <a:prstGeom prst="rect">
+            <a:avLst/>
+          </a:prstGeom>
+          <a:noFill/>
+          <a:ln w="9525">
+            <a:noFill/>
+          </a:ln>
+        </p:spPr>
+        <p:style>
+          <a:lnRef idx="2">
+            <a:schemeClr val="accent1">
+              <a:shade val="50000"/>
+            </a:schemeClr>
+          </a:lnRef>
+          <a:fillRef idx="1">
+            <a:schemeClr val="accent1"/>
+          </a:fillRef>
+          <a:effectRef idx="0">
+            <a:schemeClr val="accent1"/>
+          </a:effectRef>
+          <a:fontRef idx="minor">
+            <a:schemeClr val="lt1"/>
+          </a:fontRef>
+        </p:style>
+        <p:txBody>
+          <a:bodyPr rot="0" spcFirstLastPara="0" vertOverflow="overflow" horzOverflow="overflow" vert="horz" wrap="square" lIns="91440" tIns="45720" rIns="91440" bIns="45720" numCol="1" spcCol="0" rtlCol="0" fromWordArt="0" anchor="ctr" anchorCtr="0" forceAA="0" compatLnSpc="1">
+            <a:prstTxWarp prst="textNoShape">
+              <a:avLst/>
+            </a:prstTxWarp>
+            <a:noAutofit/>
+          </a:bodyPr>
+          <a:lstStyle/>
+          <a:p>
+            <a:pPr algn="ctr"/>
             <a:r>
               <a:rPr lang="en-US" altLang="ko-KR" sz="1200" dirty="0" err="1" smtClean="0">
                 <a:solidFill>
@@ -6286,6 +10355,17 @@
           </a:p>
           <a:p>
             <a:r>
+              <a:rPr lang="en-US" altLang="ko-KR" sz="1200" dirty="0" smtClean="0">
+                <a:solidFill>
+                  <a:schemeClr val="bg1">
+                    <a:lumMod val="75000"/>
+                    <a:lumOff val="25000"/>
+                  </a:schemeClr>
+                </a:solidFill>
+              </a:rPr>
+              <a:t>1.1a : </a:t>
+            </a:r>
+            <a:r>
               <a:rPr lang="en-US" altLang="ko-KR" sz="1200" dirty="0" err="1" smtClean="0">
                 <a:solidFill>
                   <a:schemeClr val="bg1">
@@ -6294,29 +10374,7 @@
                   </a:schemeClr>
                 </a:solidFill>
               </a:rPr>
-              <a:t>1.1a</a:t>
-            </a:r>
-            <a:r>
-              <a:rPr lang="en-US" altLang="ko-KR" sz="1200" dirty="0" smtClean="0">
-                <a:solidFill>
-                  <a:schemeClr val="bg1">
-                    <a:lumMod val="75000"/>
-                    <a:lumOff val="25000"/>
-                  </a:schemeClr>
-                </a:solidFill>
-              </a:rPr>
-              <a:t> : </a:t>
-            </a:r>
-            <a:r>
-              <a:rPr lang="en-US" altLang="ko-KR" sz="1200" dirty="0" err="1" smtClean="0">
-                <a:solidFill>
-                  <a:schemeClr val="bg1">
-                    <a:lumMod val="75000"/>
-                    <a:lumOff val="25000"/>
-                  </a:schemeClr>
-                </a:solidFill>
-              </a:rPr>
-              <a:t>ActionControl</a:t>
+              <a:t>doCommand</a:t>
             </a:r>
             <a:r>
               <a:rPr lang="en-US" altLang="ko-KR" sz="1200" dirty="0" smtClean="0">
@@ -7054,14 +11112,13 @@
           <p:cNvPr id="6" name="직선 연결선 5"/>
           <p:cNvCxnSpPr>
             <a:stCxn id="57" idx="3"/>
-            <a:endCxn id="84" idx="2"/>
           </p:cNvCxnSpPr>
           <p:nvPr/>
         </p:nvCxnSpPr>
         <p:spPr>
           <a:xfrm flipH="1" flipV="1">
-            <a:off x="6454014" y="4160660"/>
-            <a:ext cx="378054" cy="292434"/>
+            <a:off x="6539446" y="4292601"/>
+            <a:ext cx="292622" cy="160493"/>
           </a:xfrm>
           <a:prstGeom prst="line">
             <a:avLst/>
@@ -7409,29 +11466,7 @@
                   </a:schemeClr>
                 </a:solidFill>
               </a:rPr>
-              <a:t>1.2: </a:t>
-            </a:r>
-            <a:r>
-              <a:rPr lang="en-US" altLang="ko-KR" sz="1200" dirty="0" err="1" smtClean="0">
-                <a:solidFill>
-                  <a:schemeClr val="bg1">
-                    <a:lumMod val="75000"/>
-                    <a:lumOff val="25000"/>
-                  </a:schemeClr>
-                </a:solidFill>
-              </a:rPr>
-              <a:t>ActionControl</a:t>
-            </a:r>
-            <a:r>
-              <a:rPr lang="en-US" altLang="ko-KR" sz="1200" dirty="0" smtClean="0">
-                <a:solidFill>
-                  <a:schemeClr val="bg1">
-                    <a:lumMod val="75000"/>
-                    <a:lumOff val="25000"/>
-                  </a:schemeClr>
-                </a:solidFill>
-              </a:rPr>
-              <a:t>(</a:t>
+              <a:t>1.1a.1: send(</a:t>
             </a:r>
             <a:r>
               <a:rPr lang="en-US" altLang="ko-KR" sz="1200" dirty="0" err="1" smtClean="0">
@@ -7507,8 +11542,8 @@
         </p:nvSpPr>
         <p:spPr>
           <a:xfrm>
-            <a:off x="6456565" y="2924944"/>
-            <a:ext cx="2042026" cy="359433"/>
+            <a:off x="6228184" y="2924944"/>
+            <a:ext cx="2211185" cy="359433"/>
           </a:xfrm>
           <a:prstGeom prst="rect">
             <a:avLst/>
@@ -7553,29 +11588,7 @@
                   </a:schemeClr>
                 </a:solidFill>
               </a:rPr>
-              <a:t>1.3: </a:t>
-            </a:r>
-            <a:r>
-              <a:rPr lang="en-US" altLang="ko-KR" sz="1200" dirty="0" err="1" smtClean="0">
-                <a:solidFill>
-                  <a:schemeClr val="bg1">
-                    <a:lumMod val="75000"/>
-                    <a:lumOff val="25000"/>
-                  </a:schemeClr>
-                </a:solidFill>
-              </a:rPr>
-              <a:t>ActionControl</a:t>
-            </a:r>
-            <a:r>
-              <a:rPr lang="en-US" altLang="ko-KR" sz="1200" dirty="0" smtClean="0">
-                <a:solidFill>
-                  <a:schemeClr val="bg1">
-                    <a:lumMod val="75000"/>
-                    <a:lumOff val="25000"/>
-                  </a:schemeClr>
-                </a:solidFill>
-              </a:rPr>
-              <a:t>(</a:t>
+              <a:t>1.1a.2: send(</a:t>
             </a:r>
             <a:r>
               <a:rPr lang="en-US" altLang="ko-KR" sz="1200" dirty="0" err="1" smtClean="0">
@@ -7808,14 +11821,14 @@
           <p:cNvPr id="75" name="직선 연결선 74"/>
           <p:cNvCxnSpPr>
             <a:stCxn id="73" idx="1"/>
-            <a:endCxn id="62" idx="1"/>
+            <a:endCxn id="52" idx="1"/>
           </p:cNvCxnSpPr>
           <p:nvPr/>
         </p:nvCxnSpPr>
         <p:spPr>
           <a:xfrm>
-            <a:off x="1105238" y="3068957"/>
-            <a:ext cx="806630" cy="290160"/>
+            <a:off x="1105242" y="3068961"/>
+            <a:ext cx="682242" cy="213315"/>
           </a:xfrm>
           <a:prstGeom prst="line">
             <a:avLst/>
@@ -7893,7 +11906,7 @@
         </p:nvSpPr>
         <p:spPr>
           <a:xfrm>
-            <a:off x="784507" y="3631539"/>
+            <a:off x="1000531" y="3631539"/>
             <a:ext cx="1699261" cy="359433"/>
           </a:xfrm>
           <a:prstGeom prst="rect">
@@ -7962,6 +11975,17 @@
           </a:p>
           <a:p>
             <a:r>
+              <a:rPr lang="en-US" altLang="ko-KR" sz="1200" dirty="0" smtClean="0">
+                <a:solidFill>
+                  <a:schemeClr val="bg1">
+                    <a:lumMod val="75000"/>
+                    <a:lumOff val="25000"/>
+                  </a:schemeClr>
+                </a:solidFill>
+              </a:rPr>
+              <a:t>1.1b: </a:t>
+            </a:r>
+            <a:r>
               <a:rPr lang="en-US" altLang="ko-KR" sz="1200" dirty="0" err="1" smtClean="0">
                 <a:solidFill>
                   <a:schemeClr val="bg1">
@@ -7970,7 +11994,7 @@
                   </a:schemeClr>
                 </a:solidFill>
               </a:rPr>
-              <a:t>1.1b</a:t>
+              <a:t>deniyAction</a:t>
             </a:r>
             <a:r>
               <a:rPr lang="en-US" altLang="ko-KR" sz="1200" dirty="0" smtClean="0">
@@ -7981,7 +12005,7 @@
                   </a:schemeClr>
                 </a:solidFill>
               </a:rPr>
-              <a:t>: Result of denial</a:t>
+              <a:t>()</a:t>
             </a:r>
             <a:endParaRPr lang="ko-KR" altLang="en-US" sz="1200" dirty="0" smtClean="0">
               <a:solidFill>
@@ -8142,6 +12166,122 @@
           </a:fontRef>
         </p:style>
       </p:cxnSp>
+      <p:sp>
+        <p:nvSpPr>
+          <p:cNvPr id="52" name="타원 51"/>
+          <p:cNvSpPr/>
+          <p:nvPr/>
+        </p:nvSpPr>
+        <p:spPr>
+          <a:xfrm>
+            <a:off x="1776940" y="3271732"/>
+            <a:ext cx="72000" cy="72000"/>
+          </a:xfrm>
+          <a:prstGeom prst="ellipse">
+            <a:avLst/>
+          </a:prstGeom>
+          <a:solidFill>
+            <a:schemeClr val="tx1"/>
+          </a:solidFill>
+          <a:ln w="9525">
+            <a:solidFill>
+              <a:schemeClr val="bg1">
+                <a:lumMod val="75000"/>
+                <a:lumOff val="25000"/>
+              </a:schemeClr>
+            </a:solidFill>
+          </a:ln>
+        </p:spPr>
+        <p:style>
+          <a:lnRef idx="2">
+            <a:schemeClr val="accent1">
+              <a:shade val="50000"/>
+            </a:schemeClr>
+          </a:lnRef>
+          <a:fillRef idx="1">
+            <a:schemeClr val="accent1"/>
+          </a:fillRef>
+          <a:effectRef idx="0">
+            <a:schemeClr val="accent1"/>
+          </a:effectRef>
+          <a:fontRef idx="minor">
+            <a:schemeClr val="lt1"/>
+          </a:fontRef>
+        </p:style>
+        <p:txBody>
+          <a:bodyPr rtlCol="0" anchor="ctr"/>
+          <a:lstStyle/>
+          <a:p>
+            <a:pPr algn="ctr"/>
+            <a:endParaRPr lang="ko-KR" altLang="en-US" sz="1200" dirty="0" smtClean="0">
+              <a:solidFill>
+                <a:schemeClr val="bg1">
+                  <a:lumMod val="75000"/>
+                  <a:lumOff val="25000"/>
+                </a:schemeClr>
+              </a:solidFill>
+            </a:endParaRPr>
+          </a:p>
+        </p:txBody>
+      </p:sp>
+      <p:sp>
+        <p:nvSpPr>
+          <p:cNvPr id="59" name="타원 58"/>
+          <p:cNvSpPr/>
+          <p:nvPr/>
+        </p:nvSpPr>
+        <p:spPr>
+          <a:xfrm>
+            <a:off x="6444208" y="4221096"/>
+            <a:ext cx="72000" cy="72000"/>
+          </a:xfrm>
+          <a:prstGeom prst="ellipse">
+            <a:avLst/>
+          </a:prstGeom>
+          <a:solidFill>
+            <a:schemeClr val="tx1"/>
+          </a:solidFill>
+          <a:ln w="9525">
+            <a:solidFill>
+              <a:schemeClr val="bg1">
+                <a:lumMod val="75000"/>
+                <a:lumOff val="25000"/>
+              </a:schemeClr>
+            </a:solidFill>
+          </a:ln>
+        </p:spPr>
+        <p:style>
+          <a:lnRef idx="2">
+            <a:schemeClr val="accent1">
+              <a:shade val="50000"/>
+            </a:schemeClr>
+          </a:lnRef>
+          <a:fillRef idx="1">
+            <a:schemeClr val="accent1"/>
+          </a:fillRef>
+          <a:effectRef idx="0">
+            <a:schemeClr val="accent1"/>
+          </a:effectRef>
+          <a:fontRef idx="minor">
+            <a:schemeClr val="lt1"/>
+          </a:fontRef>
+        </p:style>
+        <p:txBody>
+          <a:bodyPr rtlCol="0" anchor="ctr"/>
+          <a:lstStyle/>
+          <a:p>
+            <a:pPr algn="ctr"/>
+            <a:endParaRPr lang="ko-KR" altLang="en-US" sz="1200" dirty="0" smtClean="0">
+              <a:solidFill>
+                <a:schemeClr val="bg1">
+                  <a:lumMod val="75000"/>
+                  <a:lumOff val="25000"/>
+                </a:schemeClr>
+              </a:solidFill>
+            </a:endParaRPr>
+          </a:p>
+        </p:txBody>
+      </p:sp>
     </p:spTree>
     <p:extLst>
       <p:ext uri="{BB962C8B-B14F-4D97-AF65-F5344CB8AC3E}">
@@ -8162,7 +12302,7 @@
 </p:sld>
 </file>
 
-<file path=ppt/slides/slide3.xml><?xml version="1.0" encoding="utf-8"?>
+<file path=ppt/slides/slide4.xml><?xml version="1.0" encoding="utf-8"?>
 <p:sld xmlns:a="http://schemas.openxmlformats.org/drawingml/2006/main" xmlns:r="http://schemas.openxmlformats.org/officeDocument/2006/relationships" xmlns:p="http://schemas.openxmlformats.org/presentationml/2006/main">
   <p:cSld>
     <p:spTree>
@@ -8273,7 +12413,7 @@
             <a:fld id="{887F5A62-5D57-4BBA-9485-2C5A6728F77D}" type="slidenum">
               <a:rPr lang="ko-KR" altLang="en-US" smtClean="0"/>
               <a:pPr/>
-              <a:t>3</a:t>
+              <a:t>4</a:t>
             </a:fld>
             <a:r>
               <a:rPr lang="en-US" altLang="ko-KR" dirty="0" smtClean="0"/>
@@ -8292,7 +12432,7 @@
         <p:spPr>
           <a:xfrm>
             <a:off x="467134" y="934820"/>
-            <a:ext cx="5668027" cy="369332"/>
+            <a:ext cx="4775346" cy="369332"/>
           </a:xfrm>
           <a:prstGeom prst="rect">
             <a:avLst/>
@@ -8307,15 +12447,15 @@
           <a:p>
             <a:r>
               <a:rPr lang="en-US" altLang="ko-KR" dirty="0" smtClean="0"/>
-              <a:t>Communication Diagram: Monitor </a:t>
+              <a:t>Communication Diagram</a:t>
+            </a:r>
+            <a:r>
+              <a:rPr lang="en-US" altLang="ko-KR" dirty="0" smtClean="0"/>
+              <a:t>: </a:t>
             </a:r>
             <a:r>
               <a:rPr lang="en-US" altLang="ko-KR" dirty="0" err="1" smtClean="0"/>
-              <a:t>sensers</a:t>
-            </a:r>
-            <a:r>
-              <a:rPr lang="en-US" altLang="ko-KR" dirty="0" smtClean="0"/>
-              <a:t>/actuators</a:t>
+              <a:t>updateSensorInfo</a:t>
             </a:r>
             <a:endParaRPr lang="ko-KR" altLang="en-US" dirty="0"/>
           </a:p>
@@ -8329,7 +12469,7 @@
         </p:nvSpPr>
         <p:spPr>
           <a:xfrm>
-            <a:off x="2843808" y="2038670"/>
+            <a:off x="3563888" y="2399317"/>
             <a:ext cx="1368152" cy="359433"/>
           </a:xfrm>
           <a:prstGeom prst="rect">
@@ -8409,7 +12549,7 @@
         </p:nvSpPr>
         <p:spPr>
           <a:xfrm>
-            <a:off x="5769938" y="2038670"/>
+            <a:off x="6490018" y="2399317"/>
             <a:ext cx="1368152" cy="359433"/>
           </a:xfrm>
           <a:prstGeom prst="rect">
@@ -8481,7 +12621,7 @@
         </p:nvCxnSpPr>
         <p:spPr>
           <a:xfrm>
-            <a:off x="3527884" y="2398103"/>
+            <a:off x="4247964" y="2758750"/>
             <a:ext cx="0" cy="1086981"/>
           </a:xfrm>
           <a:prstGeom prst="line">
@@ -8523,7 +12663,7 @@
         </p:nvCxnSpPr>
         <p:spPr>
           <a:xfrm>
-            <a:off x="4211960" y="2218387"/>
+            <a:off x="4932040" y="2579034"/>
             <a:ext cx="1557978" cy="0"/>
           </a:xfrm>
           <a:prstGeom prst="line">
@@ -8562,7 +12702,7 @@
         </p:nvCxnSpPr>
         <p:spPr>
           <a:xfrm flipH="1">
-            <a:off x="4702156" y="2150318"/>
+            <a:off x="5422236" y="2510965"/>
             <a:ext cx="351347" cy="0"/>
           </a:xfrm>
           <a:prstGeom prst="straightConnector1">
@@ -8597,14 +12737,15 @@
         <p:nvCxnSpPr>
           <p:cNvPr id="85" name="직선 연결선 84"/>
           <p:cNvCxnSpPr>
+            <a:stCxn id="44" idx="0"/>
             <a:endCxn id="55" idx="2"/>
           </p:cNvCxnSpPr>
           <p:nvPr/>
         </p:nvCxnSpPr>
         <p:spPr>
-          <a:xfrm flipV="1">
-            <a:off x="6454014" y="2398103"/>
-            <a:ext cx="0" cy="1403124"/>
+          <a:xfrm flipH="1" flipV="1">
+            <a:off x="7174094" y="2758750"/>
+            <a:ext cx="20947" cy="1388759"/>
           </a:xfrm>
           <a:prstGeom prst="line">
             <a:avLst/>
@@ -8642,7 +12783,7 @@
         </p:nvCxnSpPr>
         <p:spPr>
           <a:xfrm flipV="1">
-            <a:off x="6524955" y="3101283"/>
+            <a:off x="7281800" y="3461930"/>
             <a:ext cx="0" cy="327717"/>
           </a:xfrm>
           <a:prstGeom prst="straightConnector1">
@@ -9082,7 +13223,7 @@
         </p:nvSpPr>
         <p:spPr>
           <a:xfrm>
-            <a:off x="2843808" y="3485084"/>
+            <a:off x="3563888" y="3845731"/>
             <a:ext cx="1368152" cy="359433"/>
           </a:xfrm>
           <a:prstGeom prst="rect">
@@ -9151,8 +13292,8 @@
         </p:nvSpPr>
         <p:spPr>
           <a:xfrm>
-            <a:off x="1501863" y="2433245"/>
-            <a:ext cx="2290406" cy="656322"/>
+            <a:off x="1921554" y="2793892"/>
+            <a:ext cx="2592288" cy="656322"/>
           </a:xfrm>
           <a:prstGeom prst="rect">
             <a:avLst/>
@@ -9188,6 +13329,17 @@
           <a:lstStyle/>
           <a:p>
             <a:r>
+              <a:rPr lang="en-US" altLang="ko-KR" sz="1200" dirty="0">
+                <a:solidFill>
+                  <a:schemeClr val="bg1">
+                    <a:lumMod val="75000"/>
+                    <a:lumOff val="25000"/>
+                  </a:schemeClr>
+                </a:solidFill>
+              </a:rPr>
+              <a:t>1.1a:</a:t>
+            </a:r>
+            <a:r>
               <a:rPr lang="en-US" altLang="ko-KR" sz="1200" dirty="0" smtClean="0">
                 <a:solidFill>
                   <a:schemeClr val="bg1">
@@ -9196,20 +13348,7 @@
                   </a:schemeClr>
                 </a:solidFill>
               </a:rPr>
-              <a:t>[Value change]</a:t>
-            </a:r>
-          </a:p>
-          <a:p>
-            <a:r>
-              <a:rPr lang="en-US" altLang="ko-KR" sz="1200" dirty="0" smtClean="0">
-                <a:solidFill>
-                  <a:schemeClr val="bg1">
-                    <a:lumMod val="75000"/>
-                    <a:lumOff val="25000"/>
-                  </a:schemeClr>
-                </a:solidFill>
-              </a:rPr>
-              <a:t>1.1.1</a:t>
+              <a:t>[</a:t>
             </a:r>
             <a:r>
               <a:rPr lang="en-US" altLang="ko-KR" sz="1200" dirty="0">
@@ -9220,8 +13359,32 @@
                   </a:schemeClr>
                 </a:solidFill>
               </a:rPr>
-              <a:t>: </a:t>
-            </a:r>
+              <a:t>value != </a:t>
+            </a:r>
+            <a:r>
+              <a:rPr lang="en-US" altLang="ko-KR" sz="1200" dirty="0" err="1" smtClean="0">
+                <a:solidFill>
+                  <a:schemeClr val="bg1">
+                    <a:lumMod val="75000"/>
+                    <a:lumOff val="25000"/>
+                  </a:schemeClr>
+                </a:solidFill>
+              </a:rPr>
+              <a:t>thing.prevValue</a:t>
+            </a:r>
+            <a:r>
+              <a:rPr lang="en-US" altLang="ko-KR" sz="1200" dirty="0">
+                <a:solidFill>
+                  <a:schemeClr val="bg1">
+                    <a:lumMod val="75000"/>
+                    <a:lumOff val="25000"/>
+                  </a:schemeClr>
+                </a:solidFill>
+              </a:rPr>
+              <a:t>]</a:t>
+            </a:r>
+          </a:p>
+          <a:p>
             <a:r>
               <a:rPr lang="en-US" altLang="ko-KR" sz="1200" dirty="0" err="1" smtClean="0">
                 <a:solidFill>
@@ -9317,7 +13480,7 @@
         </p:nvCxnSpPr>
         <p:spPr>
           <a:xfrm>
-            <a:off x="3654896" y="2611424"/>
+            <a:off x="4374976" y="2972071"/>
             <a:ext cx="0" cy="313520"/>
           </a:xfrm>
           <a:prstGeom prst="straightConnector1">
@@ -9356,7 +13519,7 @@
         </p:nvSpPr>
         <p:spPr>
           <a:xfrm>
-            <a:off x="3124135" y="4869160"/>
+            <a:off x="3844215" y="5229807"/>
             <a:ext cx="806349" cy="359433"/>
           </a:xfrm>
           <a:prstGeom prst="rect">
@@ -9428,7 +13591,7 @@
         </p:nvCxnSpPr>
         <p:spPr>
           <a:xfrm flipH="1">
-            <a:off x="3527310" y="3844517"/>
+            <a:off x="4247390" y="4205164"/>
             <a:ext cx="574" cy="1024643"/>
           </a:xfrm>
           <a:prstGeom prst="line">
@@ -9612,7 +13775,7 @@
         </p:nvSpPr>
         <p:spPr>
           <a:xfrm>
-            <a:off x="3563888" y="4221088"/>
+            <a:off x="4283968" y="4581735"/>
             <a:ext cx="2016224" cy="359433"/>
           </a:xfrm>
           <a:prstGeom prst="rect">
@@ -9756,7 +13919,7 @@
         </p:nvCxnSpPr>
         <p:spPr>
           <a:xfrm>
-            <a:off x="3670833" y="4218009"/>
+            <a:off x="4390913" y="4578656"/>
             <a:ext cx="0" cy="328615"/>
           </a:xfrm>
           <a:prstGeom prst="straightConnector1">
@@ -9795,7 +13958,7 @@
         </p:nvSpPr>
         <p:spPr>
           <a:xfrm>
-            <a:off x="695925" y="3485083"/>
+            <a:off x="1055965" y="4293703"/>
             <a:ext cx="1368152" cy="359433"/>
           </a:xfrm>
           <a:prstGeom prst="rect">
@@ -9875,7 +14038,7 @@
         </p:nvSpPr>
         <p:spPr>
           <a:xfrm>
-            <a:off x="3793762" y="1679237"/>
+            <a:off x="4716016" y="2039884"/>
             <a:ext cx="2290406" cy="359433"/>
           </a:xfrm>
           <a:prstGeom prst="rect">
@@ -10019,7 +14182,7 @@
         </p:nvSpPr>
         <p:spPr>
           <a:xfrm>
-            <a:off x="6418406" y="3140968"/>
+            <a:off x="6948264" y="3429607"/>
             <a:ext cx="2042026" cy="359433"/>
           </a:xfrm>
           <a:prstGeom prst="rect">
@@ -10057,6 +14220,17 @@
           <a:p>
             <a:pPr algn="ctr"/>
             <a:r>
+              <a:rPr lang="en-US" altLang="ko-KR" sz="1200" dirty="0" smtClean="0">
+                <a:solidFill>
+                  <a:schemeClr val="bg1">
+                    <a:lumMod val="75000"/>
+                    <a:lumOff val="25000"/>
+                  </a:schemeClr>
+                </a:solidFill>
+              </a:rPr>
+              <a:t>1: </a:t>
+            </a:r>
+            <a:r>
               <a:rPr lang="en-US" altLang="ko-KR" sz="1200" dirty="0" err="1" smtClean="0">
                 <a:solidFill>
                   <a:schemeClr val="bg1">
@@ -10065,7 +14239,7 @@
                   </a:schemeClr>
                 </a:solidFill>
               </a:rPr>
-              <a:t>UpdateThingInfo</a:t>
+              <a:t>onData</a:t>
             </a:r>
             <a:r>
               <a:rPr lang="en-US" altLang="ko-KR" sz="1200" dirty="0" smtClean="0">
@@ -10152,7 +14326,7 @@
         </p:nvGrpSpPr>
         <p:grpSpPr>
           <a:xfrm>
-            <a:off x="631009" y="4149080"/>
+            <a:off x="991049" y="5072823"/>
             <a:ext cx="1852759" cy="660433"/>
             <a:chOff x="5983459" y="4536665"/>
             <a:chExt cx="1176434" cy="502886"/>
@@ -10309,14 +14483,14 @@
           <p:cNvPr id="75" name="직선 연결선 74"/>
           <p:cNvCxnSpPr>
             <a:stCxn id="73" idx="3"/>
-            <a:endCxn id="62" idx="2"/>
+            <a:endCxn id="86" idx="4"/>
           </p:cNvCxnSpPr>
           <p:nvPr/>
         </p:nvCxnSpPr>
         <p:spPr>
           <a:xfrm flipH="1" flipV="1">
-            <a:off x="1380001" y="3844516"/>
-            <a:ext cx="160810" cy="353712"/>
+            <a:off x="1871696" y="4764900"/>
+            <a:ext cx="29155" cy="357071"/>
           </a:xfrm>
           <a:prstGeom prst="line">
             <a:avLst/>
@@ -10358,8 +14532,8 @@
         </p:nvCxnSpPr>
         <p:spPr>
           <a:xfrm rot="10800000" flipV="1">
-            <a:off x="1380002" y="2218387"/>
-            <a:ext cx="1463807" cy="1266696"/>
+            <a:off x="1740042" y="2579033"/>
+            <a:ext cx="1823847" cy="1714669"/>
           </a:xfrm>
           <a:prstGeom prst="bentConnector2">
             <a:avLst/>
@@ -10397,7 +14571,7 @@
         </p:nvCxnSpPr>
         <p:spPr>
           <a:xfrm>
-            <a:off x="1535307" y="2601975"/>
+            <a:off x="1895347" y="2962622"/>
             <a:ext cx="0" cy="313520"/>
           </a:xfrm>
           <a:prstGeom prst="straightConnector1">
@@ -10436,8 +14610,8 @@
         </p:nvSpPr>
         <p:spPr>
           <a:xfrm>
-            <a:off x="3623539" y="2527833"/>
-            <a:ext cx="2146399" cy="499308"/>
+            <a:off x="4383374" y="2875228"/>
+            <a:ext cx="2604645" cy="499308"/>
           </a:xfrm>
           <a:prstGeom prst="rect">
             <a:avLst/>
@@ -10481,10 +14655,8 @@
                   </a:schemeClr>
                 </a:solidFill>
               </a:rPr>
-              <a:t>[Value change]</a:t>
-            </a:r>
-          </a:p>
-          <a:p>
+              <a:t>1.1a:[</a:t>
+            </a:r>
             <a:r>
               <a:rPr lang="en-US" altLang="ko-KR" sz="1200" dirty="0" smtClean="0">
                 <a:solidFill>
@@ -10494,19 +14666,40 @@
                   </a:schemeClr>
                 </a:solidFill>
               </a:rPr>
-              <a:t>1.1.1</a:t>
-            </a:r>
-            <a:r>
-              <a:rPr lang="en-US" altLang="ko-KR" sz="1200" dirty="0">
-                <a:solidFill>
-                  <a:schemeClr val="bg1">
-                    <a:lumMod val="75000"/>
-                    <a:lumOff val="25000"/>
-                  </a:schemeClr>
-                </a:solidFill>
-              </a:rPr>
-              <a:t>: </a:t>
-            </a:r>
+              <a:t>value != </a:t>
+            </a:r>
+            <a:r>
+              <a:rPr lang="en-US" altLang="ko-KR" sz="1200" dirty="0" err="1" smtClean="0">
+                <a:solidFill>
+                  <a:schemeClr val="bg1">
+                    <a:lumMod val="75000"/>
+                    <a:lumOff val="25000"/>
+                  </a:schemeClr>
+                </a:solidFill>
+              </a:rPr>
+              <a:t>thing.prevValue</a:t>
+            </a:r>
+            <a:r>
+              <a:rPr lang="en-US" altLang="ko-KR" sz="1200" dirty="0" smtClean="0">
+                <a:solidFill>
+                  <a:schemeClr val="bg1">
+                    <a:lumMod val="75000"/>
+                    <a:lumOff val="25000"/>
+                  </a:schemeClr>
+                </a:solidFill>
+              </a:rPr>
+              <a:t>]</a:t>
+            </a:r>
+            <a:endParaRPr lang="en-US" altLang="ko-KR" sz="1200" dirty="0">
+              <a:solidFill>
+                <a:schemeClr val="bg1">
+                  <a:lumMod val="75000"/>
+                  <a:lumOff val="25000"/>
+                </a:schemeClr>
+              </a:solidFill>
+            </a:endParaRPr>
+          </a:p>
+          <a:p>
             <a:r>
               <a:rPr lang="en-US" altLang="ko-KR" sz="1200" dirty="0" err="1" smtClean="0">
                 <a:solidFill>
@@ -10594,174 +14787,994 @@
           </a:p>
         </p:txBody>
       </p:sp>
+      <p:sp>
+        <p:nvSpPr>
+          <p:cNvPr id="44" name="직사각형 43"/>
+          <p:cNvSpPr/>
+          <p:nvPr/>
+        </p:nvSpPr>
+        <p:spPr>
+          <a:xfrm>
+            <a:off x="6438957" y="4147509"/>
+            <a:ext cx="1512168" cy="359433"/>
+          </a:xfrm>
+          <a:prstGeom prst="rect">
+            <a:avLst/>
+          </a:prstGeom>
+          <a:solidFill>
+            <a:schemeClr val="tx1"/>
+          </a:solidFill>
+          <a:ln w="9525">
+            <a:solidFill>
+              <a:schemeClr val="bg1">
+                <a:lumMod val="75000"/>
+                <a:lumOff val="25000"/>
+              </a:schemeClr>
+            </a:solidFill>
+          </a:ln>
+        </p:spPr>
+        <p:style>
+          <a:lnRef idx="2">
+            <a:schemeClr val="accent1">
+              <a:shade val="50000"/>
+            </a:schemeClr>
+          </a:lnRef>
+          <a:fillRef idx="1">
+            <a:schemeClr val="accent1"/>
+          </a:fillRef>
+          <a:effectRef idx="0">
+            <a:schemeClr val="accent1"/>
+          </a:effectRef>
+          <a:fontRef idx="minor">
+            <a:schemeClr val="lt1"/>
+          </a:fontRef>
+        </p:style>
+        <p:txBody>
+          <a:bodyPr rtlCol="0" anchor="ctr"/>
+          <a:lstStyle/>
+          <a:p>
+            <a:pPr algn="ctr"/>
+            <a:r>
+              <a:rPr lang="en-US" altLang="ko-KR" sz="1200" dirty="0" smtClean="0">
+                <a:solidFill>
+                  <a:schemeClr val="bg1">
+                    <a:lumMod val="75000"/>
+                    <a:lumOff val="25000"/>
+                  </a:schemeClr>
+                </a:solidFill>
+              </a:rPr>
+              <a:t>:SA-Node(Arduino)</a:t>
+            </a:r>
+            <a:endParaRPr lang="ko-KR" altLang="en-US" sz="1200">
+              <a:solidFill>
+                <a:schemeClr val="bg1">
+                  <a:lumMod val="75000"/>
+                  <a:lumOff val="25000"/>
+                </a:schemeClr>
+              </a:solidFill>
+            </a:endParaRPr>
+          </a:p>
+        </p:txBody>
+      </p:sp>
+      <p:cxnSp>
+        <p:nvCxnSpPr>
+          <p:cNvPr id="47" name="직선 연결선 46"/>
+          <p:cNvCxnSpPr>
+            <a:endCxn id="44" idx="2"/>
+          </p:cNvCxnSpPr>
+          <p:nvPr/>
+        </p:nvCxnSpPr>
+        <p:spPr>
+          <a:xfrm flipV="1">
+            <a:off x="7195041" y="4506942"/>
+            <a:ext cx="0" cy="722865"/>
+          </a:xfrm>
+          <a:prstGeom prst="line">
+            <a:avLst/>
+          </a:prstGeom>
+          <a:ln>
+            <a:solidFill>
+              <a:schemeClr val="bg1">
+                <a:lumMod val="75000"/>
+                <a:lumOff val="25000"/>
+              </a:schemeClr>
+            </a:solidFill>
+            <a:tailEnd type="none" w="lg" len="lg"/>
+          </a:ln>
+        </p:spPr>
+        <p:style>
+          <a:lnRef idx="1">
+            <a:schemeClr val="accent1"/>
+          </a:lnRef>
+          <a:fillRef idx="0">
+            <a:schemeClr val="accent1"/>
+          </a:fillRef>
+          <a:effectRef idx="0">
+            <a:schemeClr val="accent1"/>
+          </a:effectRef>
+          <a:fontRef idx="minor">
+            <a:schemeClr val="tx1"/>
+          </a:fontRef>
+        </p:style>
+      </p:cxnSp>
+      <p:cxnSp>
+        <p:nvCxnSpPr>
+          <p:cNvPr id="14" name="직선 화살표 연결선 13"/>
+          <p:cNvCxnSpPr/>
+          <p:nvPr/>
+        </p:nvCxnSpPr>
+        <p:spPr>
+          <a:xfrm flipV="1">
+            <a:off x="7308304" y="4678533"/>
+            <a:ext cx="0" cy="262635"/>
+          </a:xfrm>
+          <a:prstGeom prst="straightConnector1">
+            <a:avLst/>
+          </a:prstGeom>
+          <a:ln>
+            <a:solidFill>
+              <a:schemeClr val="bg1">
+                <a:lumMod val="75000"/>
+                <a:lumOff val="25000"/>
+              </a:schemeClr>
+            </a:solidFill>
+            <a:tailEnd type="triangle"/>
+          </a:ln>
+        </p:spPr>
+        <p:style>
+          <a:lnRef idx="1">
+            <a:schemeClr val="accent1"/>
+          </a:lnRef>
+          <a:fillRef idx="0">
+            <a:schemeClr val="accent1"/>
+          </a:fillRef>
+          <a:effectRef idx="0">
+            <a:schemeClr val="accent1"/>
+          </a:effectRef>
+          <a:fontRef idx="minor">
+            <a:schemeClr val="tx1"/>
+          </a:fontRef>
+        </p:style>
+      </p:cxnSp>
+      <p:sp>
+        <p:nvSpPr>
+          <p:cNvPr id="52" name="직사각형 51"/>
+          <p:cNvSpPr/>
+          <p:nvPr/>
+        </p:nvSpPr>
+        <p:spPr>
+          <a:xfrm>
+            <a:off x="6982007" y="4602614"/>
+            <a:ext cx="2042026" cy="359433"/>
+          </a:xfrm>
+          <a:prstGeom prst="rect">
+            <a:avLst/>
+          </a:prstGeom>
+          <a:noFill/>
+          <a:ln w="9525">
+            <a:noFill/>
+          </a:ln>
+        </p:spPr>
+        <p:style>
+          <a:lnRef idx="2">
+            <a:schemeClr val="accent1">
+              <a:shade val="50000"/>
+            </a:schemeClr>
+          </a:lnRef>
+          <a:fillRef idx="1">
+            <a:schemeClr val="accent1"/>
+          </a:fillRef>
+          <a:effectRef idx="0">
+            <a:schemeClr val="accent1"/>
+          </a:effectRef>
+          <a:fontRef idx="minor">
+            <a:schemeClr val="lt1"/>
+          </a:fontRef>
+        </p:style>
+        <p:txBody>
+          <a:bodyPr rot="0" spcFirstLastPara="0" vertOverflow="overflow" horzOverflow="overflow" vert="horz" wrap="square" lIns="91440" tIns="45720" rIns="91440" bIns="45720" numCol="1" spcCol="0" rtlCol="0" fromWordArt="0" anchor="ctr" anchorCtr="0" forceAA="0" compatLnSpc="1">
+            <a:prstTxWarp prst="textNoShape">
+              <a:avLst/>
+            </a:prstTxWarp>
+            <a:noAutofit/>
+          </a:bodyPr>
+          <a:lstStyle/>
+          <a:p>
+            <a:pPr algn="ctr"/>
+            <a:r>
+              <a:rPr lang="en-US" altLang="ko-KR" sz="1200" dirty="0" err="1" smtClean="0">
+                <a:solidFill>
+                  <a:schemeClr val="bg1">
+                    <a:lumMod val="75000"/>
+                    <a:lumOff val="25000"/>
+                  </a:schemeClr>
+                </a:solidFill>
+              </a:rPr>
+              <a:t>updateSensorInfo</a:t>
+            </a:r>
+            <a:r>
+              <a:rPr lang="en-US" altLang="ko-KR" sz="1200" dirty="0" smtClean="0">
+                <a:solidFill>
+                  <a:schemeClr val="bg1">
+                    <a:lumMod val="75000"/>
+                    <a:lumOff val="25000"/>
+                  </a:schemeClr>
+                </a:solidFill>
+              </a:rPr>
+              <a:t>()</a:t>
+            </a:r>
+            <a:endParaRPr lang="ko-KR" altLang="en-US" sz="1200" dirty="0" smtClean="0">
+              <a:solidFill>
+                <a:schemeClr val="bg1">
+                  <a:lumMod val="75000"/>
+                  <a:lumOff val="25000"/>
+                </a:schemeClr>
+              </a:solidFill>
+            </a:endParaRPr>
+          </a:p>
+        </p:txBody>
+      </p:sp>
+      <p:sp>
+        <p:nvSpPr>
+          <p:cNvPr id="53" name="직사각형 52"/>
+          <p:cNvSpPr/>
+          <p:nvPr/>
+        </p:nvSpPr>
+        <p:spPr>
+          <a:xfrm>
+            <a:off x="2483768" y="2028596"/>
+            <a:ext cx="2290406" cy="472669"/>
+          </a:xfrm>
+          <a:prstGeom prst="rect">
+            <a:avLst/>
+          </a:prstGeom>
+          <a:noFill/>
+          <a:ln w="9525">
+            <a:noFill/>
+          </a:ln>
+        </p:spPr>
+        <p:style>
+          <a:lnRef idx="2">
+            <a:schemeClr val="accent1">
+              <a:shade val="50000"/>
+            </a:schemeClr>
+          </a:lnRef>
+          <a:fillRef idx="1">
+            <a:schemeClr val="accent1"/>
+          </a:fillRef>
+          <a:effectRef idx="0">
+            <a:schemeClr val="accent1"/>
+          </a:effectRef>
+          <a:fontRef idx="minor">
+            <a:schemeClr val="lt1"/>
+          </a:fontRef>
+        </p:style>
+        <p:txBody>
+          <a:bodyPr rot="0" spcFirstLastPara="0" vertOverflow="overflow" horzOverflow="overflow" vert="horz" wrap="square" lIns="91440" tIns="45720" rIns="91440" bIns="45720" numCol="1" spcCol="0" rtlCol="0" fromWordArt="0" anchor="ctr" anchorCtr="0" forceAA="0" compatLnSpc="1">
+            <a:prstTxWarp prst="textNoShape">
+              <a:avLst/>
+            </a:prstTxWarp>
+            <a:noAutofit/>
+          </a:bodyPr>
+          <a:lstStyle/>
+          <a:p>
+            <a:r>
+              <a:rPr lang="en-US" altLang="ko-KR" sz="1200" dirty="0">
+                <a:solidFill>
+                  <a:schemeClr val="bg1">
+                    <a:lumMod val="75000"/>
+                    <a:lumOff val="25000"/>
+                  </a:schemeClr>
+                </a:solidFill>
+              </a:rPr>
+              <a:t>1.1b</a:t>
+            </a:r>
+            <a:r>
+              <a:rPr lang="en-US" altLang="ko-KR" sz="1200" dirty="0" smtClean="0">
+                <a:solidFill>
+                  <a:schemeClr val="bg1">
+                    <a:lumMod val="75000"/>
+                    <a:lumOff val="25000"/>
+                  </a:schemeClr>
+                </a:solidFill>
+              </a:rPr>
+              <a:t>: [</a:t>
+            </a:r>
+            <a:r>
+              <a:rPr lang="en-US" altLang="ko-KR" sz="1200" dirty="0">
+                <a:solidFill>
+                  <a:schemeClr val="bg1">
+                    <a:lumMod val="75000"/>
+                    <a:lumOff val="25000"/>
+                  </a:schemeClr>
+                </a:solidFill>
+              </a:rPr>
+              <a:t>value </a:t>
+            </a:r>
+            <a:r>
+              <a:rPr lang="en-US" altLang="ko-KR" sz="1200" dirty="0" smtClean="0">
+                <a:solidFill>
+                  <a:schemeClr val="bg1">
+                    <a:lumMod val="75000"/>
+                    <a:lumOff val="25000"/>
+                  </a:schemeClr>
+                </a:solidFill>
+              </a:rPr>
+              <a:t>= </a:t>
+            </a:r>
+            <a:r>
+              <a:rPr lang="en-US" altLang="ko-KR" sz="1200" dirty="0" err="1" smtClean="0">
+                <a:solidFill>
+                  <a:schemeClr val="bg1">
+                    <a:lumMod val="75000"/>
+                    <a:lumOff val="25000"/>
+                  </a:schemeClr>
+                </a:solidFill>
+              </a:rPr>
+              <a:t>thing.prevValue</a:t>
+            </a:r>
+            <a:r>
+              <a:rPr lang="en-US" altLang="ko-KR" sz="1200" dirty="0">
+                <a:solidFill>
+                  <a:schemeClr val="bg1">
+                    <a:lumMod val="75000"/>
+                    <a:lumOff val="25000"/>
+                  </a:schemeClr>
+                </a:solidFill>
+              </a:rPr>
+              <a:t>]</a:t>
+            </a:r>
+          </a:p>
+          <a:p>
+            <a:r>
+              <a:rPr lang="en-US" altLang="ko-KR" sz="1200" dirty="0" smtClean="0">
+                <a:solidFill>
+                  <a:schemeClr val="bg1">
+                    <a:lumMod val="75000"/>
+                    <a:lumOff val="25000"/>
+                  </a:schemeClr>
+                </a:solidFill>
+              </a:rPr>
+              <a:t>No operation</a:t>
+            </a:r>
+            <a:endParaRPr lang="ko-KR" altLang="en-US" sz="1200" dirty="0" smtClean="0">
+              <a:solidFill>
+                <a:schemeClr val="bg1">
+                  <a:lumMod val="75000"/>
+                  <a:lumOff val="25000"/>
+                </a:schemeClr>
+              </a:solidFill>
+            </a:endParaRPr>
+          </a:p>
+        </p:txBody>
+      </p:sp>
+      <p:cxnSp>
+        <p:nvCxnSpPr>
+          <p:cNvPr id="82" name="직선 화살표 연결선 81"/>
+          <p:cNvCxnSpPr/>
+          <p:nvPr/>
+        </p:nvCxnSpPr>
+        <p:spPr>
+          <a:xfrm flipV="1">
+            <a:off x="1619672" y="3893371"/>
+            <a:ext cx="0" cy="327717"/>
+          </a:xfrm>
+          <a:prstGeom prst="straightConnector1">
+            <a:avLst/>
+          </a:prstGeom>
+          <a:ln>
+            <a:solidFill>
+              <a:schemeClr val="bg1">
+                <a:lumMod val="75000"/>
+                <a:lumOff val="25000"/>
+              </a:schemeClr>
+            </a:solidFill>
+            <a:tailEnd type="arrow"/>
+          </a:ln>
+        </p:spPr>
+        <p:style>
+          <a:lnRef idx="1">
+            <a:schemeClr val="accent1"/>
+          </a:lnRef>
+          <a:fillRef idx="0">
+            <a:schemeClr val="accent1"/>
+          </a:fillRef>
+          <a:effectRef idx="0">
+            <a:schemeClr val="accent1"/>
+          </a:effectRef>
+          <a:fontRef idx="minor">
+            <a:schemeClr val="tx1"/>
+          </a:fontRef>
+        </p:style>
+      </p:cxnSp>
+      <p:sp>
+        <p:nvSpPr>
+          <p:cNvPr id="83" name="직사각형 82"/>
+          <p:cNvSpPr/>
+          <p:nvPr/>
+        </p:nvSpPr>
+        <p:spPr>
+          <a:xfrm>
+            <a:off x="513354" y="3475937"/>
+            <a:ext cx="2252376" cy="601135"/>
+          </a:xfrm>
+          <a:prstGeom prst="rect">
+            <a:avLst/>
+          </a:prstGeom>
+          <a:noFill/>
+          <a:ln w="9525">
+            <a:noFill/>
+          </a:ln>
+        </p:spPr>
+        <p:style>
+          <a:lnRef idx="2">
+            <a:schemeClr val="accent1">
+              <a:shade val="50000"/>
+            </a:schemeClr>
+          </a:lnRef>
+          <a:fillRef idx="1">
+            <a:schemeClr val="accent1"/>
+          </a:fillRef>
+          <a:effectRef idx="0">
+            <a:schemeClr val="accent1"/>
+          </a:effectRef>
+          <a:fontRef idx="minor">
+            <a:schemeClr val="lt1"/>
+          </a:fontRef>
+        </p:style>
+        <p:txBody>
+          <a:bodyPr rot="0" spcFirstLastPara="0" vertOverflow="overflow" horzOverflow="overflow" vert="horz" wrap="square" lIns="91440" tIns="45720" rIns="91440" bIns="45720" numCol="1" spcCol="0" rtlCol="0" fromWordArt="0" anchor="ctr" anchorCtr="0" forceAA="0" compatLnSpc="1">
+            <a:prstTxWarp prst="textNoShape">
+              <a:avLst/>
+            </a:prstTxWarp>
+            <a:noAutofit/>
+          </a:bodyPr>
+          <a:lstStyle/>
+          <a:p>
+            <a:r>
+              <a:rPr lang="en-US" altLang="ko-KR" sz="1200" dirty="0" smtClean="0">
+                <a:solidFill>
+                  <a:schemeClr val="bg1">
+                    <a:lumMod val="75000"/>
+                    <a:lumOff val="25000"/>
+                  </a:schemeClr>
+                </a:solidFill>
+              </a:rPr>
+              <a:t>1.1aa: [</a:t>
+            </a:r>
+            <a:r>
+              <a:rPr lang="en-US" altLang="ko-KR" sz="1200" dirty="0" err="1" smtClean="0">
+                <a:solidFill>
+                  <a:schemeClr val="bg1">
+                    <a:lumMod val="75000"/>
+                    <a:lumOff val="25000"/>
+                  </a:schemeClr>
+                </a:solidFill>
+              </a:rPr>
+              <a:t>ruleMatched</a:t>
+            </a:r>
+            <a:r>
+              <a:rPr lang="en-US" altLang="ko-KR" sz="1200" dirty="0" smtClean="0">
+                <a:solidFill>
+                  <a:schemeClr val="bg1">
+                    <a:lumMod val="75000"/>
+                    <a:lumOff val="25000"/>
+                  </a:schemeClr>
+                </a:solidFill>
+              </a:rPr>
+              <a:t>()=true]</a:t>
+            </a:r>
+          </a:p>
+          <a:p>
+            <a:r>
+              <a:rPr lang="en-US" altLang="ko-KR" sz="1200" dirty="0" err="1" smtClean="0">
+                <a:solidFill>
+                  <a:schemeClr val="bg1">
+                    <a:lumMod val="75000"/>
+                    <a:lumOff val="25000"/>
+                  </a:schemeClr>
+                </a:solidFill>
+              </a:rPr>
+              <a:t>doCommand</a:t>
+            </a:r>
+            <a:r>
+              <a:rPr lang="en-US" altLang="ko-KR" sz="1200" dirty="0" smtClean="0">
+                <a:solidFill>
+                  <a:schemeClr val="bg1">
+                    <a:lumMod val="75000"/>
+                    <a:lumOff val="25000"/>
+                  </a:schemeClr>
+                </a:solidFill>
+              </a:rPr>
+              <a:t>(</a:t>
+            </a:r>
+            <a:r>
+              <a:rPr lang="en-US" altLang="ko-KR" sz="1200" dirty="0" err="1" smtClean="0">
+                <a:solidFill>
+                  <a:schemeClr val="bg1">
+                    <a:lumMod val="75000"/>
+                    <a:lumOff val="25000"/>
+                  </a:schemeClr>
+                </a:solidFill>
+              </a:rPr>
+              <a:t>nodeid,thingid,type,value</a:t>
+            </a:r>
+            <a:r>
+              <a:rPr lang="en-US" altLang="ko-KR" sz="1200" dirty="0">
+                <a:solidFill>
+                  <a:schemeClr val="bg1">
+                    <a:lumMod val="75000"/>
+                    <a:lumOff val="25000"/>
+                  </a:schemeClr>
+                </a:solidFill>
+              </a:rPr>
+              <a:t>)</a:t>
+            </a:r>
+            <a:endParaRPr lang="ko-KR" altLang="en-US" sz="1200" dirty="0" smtClean="0">
+              <a:solidFill>
+                <a:schemeClr val="bg1">
+                  <a:lumMod val="75000"/>
+                  <a:lumOff val="25000"/>
+                </a:schemeClr>
+              </a:solidFill>
+            </a:endParaRPr>
+          </a:p>
+        </p:txBody>
+      </p:sp>
+      <p:sp>
+        <p:nvSpPr>
+          <p:cNvPr id="86" name="타원 85"/>
+          <p:cNvSpPr/>
+          <p:nvPr/>
+        </p:nvSpPr>
+        <p:spPr>
+          <a:xfrm>
+            <a:off x="1835696" y="4692900"/>
+            <a:ext cx="72000" cy="72000"/>
+          </a:xfrm>
+          <a:prstGeom prst="ellipse">
+            <a:avLst/>
+          </a:prstGeom>
+          <a:solidFill>
+            <a:schemeClr val="tx1"/>
+          </a:solidFill>
+          <a:ln w="9525">
+            <a:solidFill>
+              <a:schemeClr val="bg1">
+                <a:lumMod val="75000"/>
+                <a:lumOff val="25000"/>
+              </a:schemeClr>
+            </a:solidFill>
+          </a:ln>
+        </p:spPr>
+        <p:style>
+          <a:lnRef idx="2">
+            <a:schemeClr val="accent1">
+              <a:shade val="50000"/>
+            </a:schemeClr>
+          </a:lnRef>
+          <a:fillRef idx="1">
+            <a:schemeClr val="accent1"/>
+          </a:fillRef>
+          <a:effectRef idx="0">
+            <a:schemeClr val="accent1"/>
+          </a:effectRef>
+          <a:fontRef idx="minor">
+            <a:schemeClr val="lt1"/>
+          </a:fontRef>
+        </p:style>
+        <p:txBody>
+          <a:bodyPr rtlCol="0" anchor="ctr"/>
+          <a:lstStyle/>
+          <a:p>
+            <a:pPr algn="ctr"/>
+            <a:endParaRPr lang="ko-KR" altLang="en-US" sz="1200" dirty="0" smtClean="0">
+              <a:solidFill>
+                <a:schemeClr val="bg1">
+                  <a:lumMod val="75000"/>
+                  <a:lumOff val="25000"/>
+                </a:schemeClr>
+              </a:solidFill>
+            </a:endParaRPr>
+          </a:p>
+        </p:txBody>
+      </p:sp>
+      <p:sp>
+        <p:nvSpPr>
+          <p:cNvPr id="89" name="타원 88"/>
+          <p:cNvSpPr/>
+          <p:nvPr/>
+        </p:nvSpPr>
+        <p:spPr>
+          <a:xfrm>
+            <a:off x="1187624" y="3357000"/>
+            <a:ext cx="72000" cy="72000"/>
+          </a:xfrm>
+          <a:prstGeom prst="ellipse">
+            <a:avLst/>
+          </a:prstGeom>
+          <a:solidFill>
+            <a:schemeClr val="tx1"/>
+          </a:solidFill>
+          <a:ln w="9525">
+            <a:solidFill>
+              <a:schemeClr val="bg1">
+                <a:lumMod val="75000"/>
+                <a:lumOff val="25000"/>
+              </a:schemeClr>
+            </a:solidFill>
+          </a:ln>
+        </p:spPr>
+        <p:style>
+          <a:lnRef idx="2">
+            <a:schemeClr val="accent1">
+              <a:shade val="50000"/>
+            </a:schemeClr>
+          </a:lnRef>
+          <a:fillRef idx="1">
+            <a:schemeClr val="accent1"/>
+          </a:fillRef>
+          <a:effectRef idx="0">
+            <a:schemeClr val="accent1"/>
+          </a:effectRef>
+          <a:fontRef idx="minor">
+            <a:schemeClr val="lt1"/>
+          </a:fontRef>
+        </p:style>
+        <p:txBody>
+          <a:bodyPr rtlCol="0" anchor="ctr"/>
+          <a:lstStyle/>
+          <a:p>
+            <a:pPr algn="ctr"/>
+            <a:endParaRPr lang="ko-KR" altLang="en-US" sz="1200" dirty="0" smtClean="0">
+              <a:solidFill>
+                <a:schemeClr val="bg1">
+                  <a:lumMod val="75000"/>
+                  <a:lumOff val="25000"/>
+                </a:schemeClr>
+              </a:solidFill>
+            </a:endParaRPr>
+          </a:p>
+        </p:txBody>
+      </p:sp>
+      <p:grpSp>
+        <p:nvGrpSpPr>
+          <p:cNvPr id="90" name="그룹 89"/>
+          <p:cNvGrpSpPr/>
+          <p:nvPr/>
+        </p:nvGrpSpPr>
+        <p:grpSpPr>
+          <a:xfrm>
+            <a:off x="611557" y="1608776"/>
+            <a:ext cx="1819602" cy="740089"/>
+            <a:chOff x="5983459" y="4554052"/>
+            <a:chExt cx="1155381" cy="485499"/>
+          </a:xfrm>
+        </p:grpSpPr>
+        <p:sp>
+          <p:nvSpPr>
+            <p:cNvPr id="91" name="한쪽 모서리가 잘린 사각형 90"/>
+            <p:cNvSpPr/>
+            <p:nvPr/>
+          </p:nvSpPr>
+          <p:spPr>
+            <a:xfrm>
+              <a:off x="5983459" y="4574089"/>
+              <a:ext cx="1155381" cy="465462"/>
+            </a:xfrm>
+            <a:prstGeom prst="snip1Rect">
+              <a:avLst>
+                <a:gd name="adj" fmla="val 43048"/>
+              </a:avLst>
+            </a:prstGeom>
+            <a:solidFill>
+              <a:schemeClr val="tx1">
+                <a:lumMod val="75000"/>
+              </a:schemeClr>
+            </a:solidFill>
+            <a:ln w="9525">
+              <a:solidFill>
+                <a:schemeClr val="bg1">
+                  <a:lumMod val="75000"/>
+                  <a:lumOff val="25000"/>
+                </a:schemeClr>
+              </a:solidFill>
+            </a:ln>
+          </p:spPr>
+          <p:style>
+            <a:lnRef idx="2">
+              <a:schemeClr val="accent1">
+                <a:shade val="50000"/>
+              </a:schemeClr>
+            </a:lnRef>
+            <a:fillRef idx="1">
+              <a:schemeClr val="accent1"/>
+            </a:fillRef>
+            <a:effectRef idx="0">
+              <a:schemeClr val="accent1"/>
+            </a:effectRef>
+            <a:fontRef idx="minor">
+              <a:schemeClr val="lt1"/>
+            </a:fontRef>
+          </p:style>
+          <p:txBody>
+            <a:bodyPr rot="0" spcFirstLastPara="0" vertOverflow="overflow" horzOverflow="overflow" vert="horz" wrap="square" lIns="91440" tIns="45720" rIns="91440" bIns="45720" numCol="1" spcCol="0" rtlCol="0" fromWordArt="0" anchor="b" anchorCtr="0" forceAA="0" compatLnSpc="1">
+              <a:prstTxWarp prst="textNoShape">
+                <a:avLst/>
+              </a:prstTxWarp>
+              <a:noAutofit/>
+            </a:bodyPr>
+            <a:lstStyle/>
+            <a:p>
+              <a:r>
+                <a:rPr lang="en-US" altLang="ko-KR" sz="1000" b="1" dirty="0" err="1" smtClean="0">
+                  <a:solidFill>
+                    <a:schemeClr val="bg1">
+                      <a:lumMod val="75000"/>
+                      <a:lumOff val="25000"/>
+                    </a:schemeClr>
+                  </a:solidFill>
+                </a:rPr>
+                <a:t>doCommand</a:t>
+              </a:r>
+              <a:endParaRPr lang="en-US" altLang="ko-KR" sz="1000" b="1" dirty="0" smtClean="0">
+                <a:solidFill>
+                  <a:schemeClr val="bg1">
+                    <a:lumMod val="75000"/>
+                    <a:lumOff val="25000"/>
+                  </a:schemeClr>
+                </a:solidFill>
+              </a:endParaRPr>
+            </a:p>
+            <a:p>
+              <a:r>
+                <a:rPr lang="en-US" altLang="ko-KR" sz="1000" dirty="0" smtClean="0">
+                  <a:solidFill>
+                    <a:schemeClr val="bg1">
+                      <a:lumMod val="75000"/>
+                      <a:lumOff val="25000"/>
+                    </a:schemeClr>
+                  </a:solidFill>
+                </a:rPr>
+                <a:t>Hereafter start with 1.1a in Communication Diagram of </a:t>
+              </a:r>
+              <a:r>
+                <a:rPr lang="en-US" altLang="ko-KR" sz="1000" dirty="0" err="1" smtClean="0">
+                  <a:solidFill>
+                    <a:schemeClr val="bg1">
+                      <a:lumMod val="75000"/>
+                      <a:lumOff val="25000"/>
+                    </a:schemeClr>
+                  </a:solidFill>
+                </a:rPr>
+                <a:t>controlThing</a:t>
+              </a:r>
+              <a:r>
+                <a:rPr lang="en-US" altLang="ko-KR" sz="1000" dirty="0" smtClean="0">
+                  <a:solidFill>
+                    <a:schemeClr val="bg1">
+                      <a:lumMod val="75000"/>
+                      <a:lumOff val="25000"/>
+                    </a:schemeClr>
+                  </a:solidFill>
+                </a:rPr>
+                <a:t>. </a:t>
+              </a:r>
+              <a:endParaRPr lang="en-US" altLang="ko-KR" sz="1000" dirty="0" smtClean="0">
+                <a:solidFill>
+                  <a:schemeClr val="bg1">
+                    <a:lumMod val="75000"/>
+                    <a:lumOff val="25000"/>
+                  </a:schemeClr>
+                </a:solidFill>
+              </a:endParaRPr>
+            </a:p>
+          </p:txBody>
+        </p:sp>
+        <p:sp>
+          <p:nvSpPr>
+            <p:cNvPr id="94" name="직각 삼각형 93"/>
+            <p:cNvSpPr/>
+            <p:nvPr/>
+          </p:nvSpPr>
+          <p:spPr>
+            <a:xfrm>
+              <a:off x="6948246" y="4554052"/>
+              <a:ext cx="186401" cy="210775"/>
+            </a:xfrm>
+            <a:prstGeom prst="rtTriangle">
+              <a:avLst/>
+            </a:prstGeom>
+            <a:solidFill>
+              <a:schemeClr val="bg1">
+                <a:lumMod val="50000"/>
+                <a:lumOff val="50000"/>
+              </a:schemeClr>
+            </a:solidFill>
+            <a:ln w="9525">
+              <a:solidFill>
+                <a:schemeClr val="tx1"/>
+              </a:solidFill>
+            </a:ln>
+          </p:spPr>
+          <p:style>
+            <a:lnRef idx="2">
+              <a:schemeClr val="accent1">
+                <a:shade val="50000"/>
+              </a:schemeClr>
+            </a:lnRef>
+            <a:fillRef idx="1">
+              <a:schemeClr val="accent1"/>
+            </a:fillRef>
+            <a:effectRef idx="0">
+              <a:schemeClr val="accent1"/>
+            </a:effectRef>
+            <a:fontRef idx="minor">
+              <a:schemeClr val="lt1"/>
+            </a:fontRef>
+          </p:style>
+          <p:txBody>
+            <a:bodyPr rot="0" spcFirstLastPara="0" vertOverflow="overflow" horzOverflow="overflow" vert="horz" wrap="square" lIns="91440" tIns="45720" rIns="91440" bIns="45720" numCol="1" spcCol="0" rtlCol="0" fromWordArt="0" anchor="ctr" anchorCtr="0" forceAA="0" compatLnSpc="1">
+              <a:prstTxWarp prst="textNoShape">
+                <a:avLst/>
+              </a:prstTxWarp>
+              <a:noAutofit/>
+            </a:bodyPr>
+            <a:lstStyle/>
+            <a:p>
+              <a:pPr algn="ctr"/>
+              <a:endParaRPr lang="ko-KR" altLang="en-US" sz="1200" dirty="0" smtClean="0">
+                <a:solidFill>
+                  <a:schemeClr val="bg1">
+                    <a:lumMod val="75000"/>
+                    <a:lumOff val="25000"/>
+                  </a:schemeClr>
+                </a:solidFill>
+              </a:endParaRPr>
+            </a:p>
+          </p:txBody>
+        </p:sp>
+      </p:grpSp>
+      <p:cxnSp>
+        <p:nvCxnSpPr>
+          <p:cNvPr id="97" name="직선 연결선 96"/>
+          <p:cNvCxnSpPr>
+            <a:stCxn id="89" idx="7"/>
+            <a:endCxn id="91" idx="1"/>
+          </p:cNvCxnSpPr>
+          <p:nvPr/>
+        </p:nvCxnSpPr>
+        <p:spPr>
+          <a:xfrm flipV="1">
+            <a:off x="1249080" y="2348865"/>
+            <a:ext cx="272278" cy="1018679"/>
+          </a:xfrm>
+          <a:prstGeom prst="line">
+            <a:avLst/>
+          </a:prstGeom>
+          <a:ln>
+            <a:solidFill>
+              <a:schemeClr val="bg1">
+                <a:lumMod val="75000"/>
+                <a:lumOff val="25000"/>
+              </a:schemeClr>
+            </a:solidFill>
+            <a:prstDash val="dash"/>
+            <a:tailEnd type="none" w="lg" len="lg"/>
+          </a:ln>
+        </p:spPr>
+        <p:style>
+          <a:lnRef idx="1">
+            <a:schemeClr val="accent1"/>
+          </a:lnRef>
+          <a:fillRef idx="0">
+            <a:schemeClr val="accent1"/>
+          </a:fillRef>
+          <a:effectRef idx="0">
+            <a:schemeClr val="accent1"/>
+          </a:effectRef>
+          <a:fontRef idx="minor">
+            <a:schemeClr val="tx1"/>
+          </a:fontRef>
+        </p:style>
+      </p:cxnSp>
+      <p:sp>
+        <p:nvSpPr>
+          <p:cNvPr id="98" name="직사각형 97"/>
+          <p:cNvSpPr/>
+          <p:nvPr/>
+        </p:nvSpPr>
+        <p:spPr>
+          <a:xfrm>
+            <a:off x="2031592" y="4556057"/>
+            <a:ext cx="2252376" cy="601135"/>
+          </a:xfrm>
+          <a:prstGeom prst="rect">
+            <a:avLst/>
+          </a:prstGeom>
+          <a:noFill/>
+          <a:ln w="9525">
+            <a:noFill/>
+          </a:ln>
+        </p:spPr>
+        <p:style>
+          <a:lnRef idx="2">
+            <a:schemeClr val="accent1">
+              <a:shade val="50000"/>
+            </a:schemeClr>
+          </a:lnRef>
+          <a:fillRef idx="1">
+            <a:schemeClr val="accent1"/>
+          </a:fillRef>
+          <a:effectRef idx="0">
+            <a:schemeClr val="accent1"/>
+          </a:effectRef>
+          <a:fontRef idx="minor">
+            <a:schemeClr val="lt1"/>
+          </a:fontRef>
+        </p:style>
+        <p:txBody>
+          <a:bodyPr rot="0" spcFirstLastPara="0" vertOverflow="overflow" horzOverflow="overflow" vert="horz" wrap="square" lIns="91440" tIns="45720" rIns="91440" bIns="45720" numCol="1" spcCol="0" rtlCol="0" fromWordArt="0" anchor="ctr" anchorCtr="0" forceAA="0" compatLnSpc="1">
+            <a:prstTxWarp prst="textNoShape">
+              <a:avLst/>
+            </a:prstTxWarp>
+            <a:noAutofit/>
+          </a:bodyPr>
+          <a:lstStyle/>
+          <a:p>
+            <a:r>
+              <a:rPr lang="en-US" altLang="ko-KR" sz="1200" dirty="0" smtClean="0">
+                <a:solidFill>
+                  <a:schemeClr val="bg1">
+                    <a:lumMod val="75000"/>
+                    <a:lumOff val="25000"/>
+                  </a:schemeClr>
+                </a:solidFill>
+              </a:rPr>
+              <a:t>1.1ab: [</a:t>
+            </a:r>
+            <a:r>
+              <a:rPr lang="en-US" altLang="ko-KR" sz="1200" dirty="0" err="1" smtClean="0">
+                <a:solidFill>
+                  <a:schemeClr val="bg1">
+                    <a:lumMod val="75000"/>
+                    <a:lumOff val="25000"/>
+                  </a:schemeClr>
+                </a:solidFill>
+              </a:rPr>
+              <a:t>ruleMatched</a:t>
+            </a:r>
+            <a:r>
+              <a:rPr lang="en-US" altLang="ko-KR" sz="1200" dirty="0" smtClean="0">
+                <a:solidFill>
+                  <a:schemeClr val="bg1">
+                    <a:lumMod val="75000"/>
+                    <a:lumOff val="25000"/>
+                  </a:schemeClr>
+                </a:solidFill>
+              </a:rPr>
+              <a:t>()=false]</a:t>
+            </a:r>
+          </a:p>
+          <a:p>
+            <a:r>
+              <a:rPr lang="en-US" altLang="ko-KR" sz="1200" dirty="0" smtClean="0">
+                <a:solidFill>
+                  <a:schemeClr val="bg1">
+                    <a:lumMod val="75000"/>
+                    <a:lumOff val="25000"/>
+                  </a:schemeClr>
+                </a:solidFill>
+              </a:rPr>
+              <a:t>No operation</a:t>
+            </a:r>
+          </a:p>
+        </p:txBody>
+      </p:sp>
     </p:spTree>
     <p:extLst>
       <p:ext uri="{BB962C8B-B14F-4D97-AF65-F5344CB8AC3E}">
         <p14:creationId xmlns:p14="http://schemas.microsoft.com/office/powerpoint/2010/main" val="1079051359"/>
-      </p:ext>
-    </p:extLst>
-  </p:cSld>
-  <p:clrMapOvr>
-    <a:masterClrMapping/>
-  </p:clrMapOvr>
-  <p:timing>
-    <p:tnLst>
-      <p:par>
-        <p:cTn id="1" dur="indefinite" restart="never" nodeType="tmRoot"/>
-      </p:par>
-    </p:tnLst>
-  </p:timing>
-</p:sld>
-</file>
-
-<file path=ppt/slides/slide4.xml><?xml version="1.0" encoding="utf-8"?>
-<p:sld xmlns:a="http://schemas.openxmlformats.org/drawingml/2006/main" xmlns:r="http://schemas.openxmlformats.org/officeDocument/2006/relationships" xmlns:p="http://schemas.openxmlformats.org/presentationml/2006/main">
-  <p:cSld>
-    <p:spTree>
-      <p:nvGrpSpPr>
-        <p:cNvPr id="1" name=""/>
-        <p:cNvGrpSpPr/>
-        <p:nvPr/>
-      </p:nvGrpSpPr>
-      <p:grpSpPr>
-        <a:xfrm>
-          <a:off x="0" y="0"/>
-          <a:ext cx="0" cy="0"/>
-          <a:chOff x="0" y="0"/>
-          <a:chExt cx="0" cy="0"/>
-        </a:xfrm>
-      </p:grpSpPr>
-      <p:sp>
-        <p:nvSpPr>
-          <p:cNvPr id="2" name="제목 1"/>
-          <p:cNvSpPr>
-            <a:spLocks noGrp="1"/>
-          </p:cNvSpPr>
-          <p:nvPr>
-            <p:ph type="title"/>
-          </p:nvPr>
-        </p:nvSpPr>
-        <p:spPr/>
-        <p:txBody>
-          <a:bodyPr>
-            <a:normAutofit fontScale="90000"/>
-          </a:bodyPr>
-          <a:lstStyle/>
-          <a:p>
-            <a:r>
-              <a:rPr lang="en-US" altLang="ko-KR" dirty="0" smtClean="0"/>
-              <a:t>5.3 Dynamic </a:t>
-            </a:r>
-            <a:r>
-              <a:rPr lang="en-US" altLang="ko-KR" dirty="0" smtClean="0"/>
-              <a:t>View(4)</a:t>
-            </a:r>
-            <a:endParaRPr lang="ko-KR" altLang="en-US" dirty="0"/>
-          </a:p>
-        </p:txBody>
-      </p:sp>
-      <p:sp>
-        <p:nvSpPr>
-          <p:cNvPr id="5" name="슬라이드 번호 개체 틀 4"/>
-          <p:cNvSpPr>
-            <a:spLocks noGrp="1"/>
-          </p:cNvSpPr>
-          <p:nvPr>
-            <p:ph type="sldNum" sz="quarter" idx="11"/>
-          </p:nvPr>
-        </p:nvSpPr>
-        <p:spPr/>
-        <p:txBody>
-          <a:bodyPr/>
-          <a:lstStyle/>
-          <a:p>
-            <a:fld id="{887F5A62-5D57-4BBA-9485-2C5A6728F77D}" type="slidenum">
-              <a:rPr lang="ko-KR" altLang="en-US" smtClean="0"/>
-              <a:pPr/>
-              <a:t>4</a:t>
-            </a:fld>
-            <a:r>
-              <a:rPr lang="en-US" altLang="ko-KR" dirty="0" smtClean="0"/>
-              <a:t>/31</a:t>
-            </a:r>
-            <a:endParaRPr lang="ko-KR" altLang="en-US" dirty="0"/>
-          </a:p>
-        </p:txBody>
-      </p:sp>
-      <p:sp>
-        <p:nvSpPr>
-          <p:cNvPr id="3" name="TextBox 2"/>
-          <p:cNvSpPr txBox="1"/>
-          <p:nvPr/>
-        </p:nvSpPr>
-        <p:spPr>
-          <a:xfrm>
-            <a:off x="467134" y="934820"/>
-            <a:ext cx="5205015" cy="369332"/>
-          </a:xfrm>
-          <a:prstGeom prst="rect">
-            <a:avLst/>
-          </a:prstGeom>
-          <a:noFill/>
-        </p:spPr>
-        <p:txBody>
-          <a:bodyPr wrap="none" rtlCol="0">
-            <a:spAutoFit/>
-          </a:bodyPr>
-          <a:lstStyle/>
-          <a:p>
-            <a:r>
-              <a:rPr lang="en-US" altLang="ko-KR" dirty="0" smtClean="0"/>
-              <a:t>Sequence </a:t>
-            </a:r>
-            <a:r>
-              <a:rPr lang="en-US" altLang="ko-KR" dirty="0" smtClean="0"/>
-              <a:t>Diagram: </a:t>
-            </a:r>
-            <a:r>
-              <a:rPr lang="en-US" altLang="ko-KR" dirty="0" err="1" smtClean="0"/>
-              <a:t>discoverNode</a:t>
-            </a:r>
-            <a:r>
-              <a:rPr lang="en-US" altLang="ko-KR" dirty="0" smtClean="0"/>
-              <a:t>, </a:t>
-            </a:r>
-            <a:r>
-              <a:rPr lang="en-US" altLang="ko-KR" dirty="0" err="1" smtClean="0"/>
-              <a:t>registerNode</a:t>
-            </a:r>
-            <a:endParaRPr lang="ko-KR" altLang="en-US"/>
-          </a:p>
-        </p:txBody>
-      </p:sp>
-      <p:pic>
-        <p:nvPicPr>
-          <p:cNvPr id="8" name="그림 7"/>
-          <p:cNvPicPr>
-            <a:picLocks noChangeAspect="1"/>
-          </p:cNvPicPr>
-          <p:nvPr/>
-        </p:nvPicPr>
-        <p:blipFill>
-          <a:blip r:embed="rId2"/>
-          <a:stretch>
-            <a:fillRect/>
-          </a:stretch>
-        </p:blipFill>
-        <p:spPr>
-          <a:xfrm>
-            <a:off x="467134" y="1412776"/>
-            <a:ext cx="8218366" cy="4722431"/>
-          </a:xfrm>
-          <a:prstGeom prst="rect">
-            <a:avLst/>
-          </a:prstGeom>
-        </p:spPr>
-      </p:pic>
-    </p:spTree>
-    <p:extLst>
-      <p:ext uri="{BB962C8B-B14F-4D97-AF65-F5344CB8AC3E}">
-        <p14:creationId xmlns:p14="http://schemas.microsoft.com/office/powerpoint/2010/main" val="1213356925"/>
       </p:ext>
     </p:extLst>
   </p:cSld>
@@ -10814,11 +15827,7 @@
           <a:p>
             <a:r>
               <a:rPr lang="en-US" altLang="ko-KR" dirty="0" smtClean="0"/>
-              <a:t>5.3 Dynamic </a:t>
-            </a:r>
-            <a:r>
-              <a:rPr lang="en-US" altLang="ko-KR" dirty="0" smtClean="0"/>
-              <a:t>View(5)</a:t>
+              <a:t>5.3 Dynamic View(4)</a:t>
             </a:r>
             <a:endParaRPr lang="ko-KR" altLang="en-US" dirty="0"/>
           </a:p>
@@ -10861,7 +15870,7 @@
         <p:spPr>
           <a:xfrm>
             <a:off x="467134" y="934820"/>
-            <a:ext cx="3158237" cy="369332"/>
+            <a:ext cx="5205015" cy="369332"/>
           </a:xfrm>
           <a:prstGeom prst="rect">
             <a:avLst/>
@@ -10876,15 +15885,163 @@
           <a:p>
             <a:r>
               <a:rPr lang="en-US" altLang="ko-KR" dirty="0" smtClean="0"/>
-              <a:t>Sequence </a:t>
+              <a:t>Sequence Diagram: </a:t>
+            </a:r>
+            <a:r>
+              <a:rPr lang="en-US" altLang="ko-KR" dirty="0" err="1" smtClean="0"/>
+              <a:t>discoverNode</a:t>
             </a:r>
             <a:r>
               <a:rPr lang="en-US" altLang="ko-KR" dirty="0" smtClean="0"/>
-              <a:t>Diagram: </a:t>
-            </a:r>
+              <a:t>, </a:t>
+            </a:r>
+            <a:r>
+              <a:rPr lang="en-US" altLang="ko-KR" dirty="0" err="1" smtClean="0"/>
+              <a:t>registerNode</a:t>
+            </a:r>
+            <a:endParaRPr lang="ko-KR" altLang="en-US"/>
+          </a:p>
+        </p:txBody>
+      </p:sp>
+      <p:pic>
+        <p:nvPicPr>
+          <p:cNvPr id="8" name="그림 7"/>
+          <p:cNvPicPr>
+            <a:picLocks noChangeAspect="1"/>
+          </p:cNvPicPr>
+          <p:nvPr/>
+        </p:nvPicPr>
+        <p:blipFill>
+          <a:blip r:embed="rId2"/>
+          <a:stretch>
+            <a:fillRect/>
+          </a:stretch>
+        </p:blipFill>
+        <p:spPr>
+          <a:xfrm>
+            <a:off x="467134" y="1412776"/>
+            <a:ext cx="8218366" cy="4722431"/>
+          </a:xfrm>
+          <a:prstGeom prst="rect">
+            <a:avLst/>
+          </a:prstGeom>
+        </p:spPr>
+      </p:pic>
+    </p:spTree>
+    <p:extLst>
+      <p:ext uri="{BB962C8B-B14F-4D97-AF65-F5344CB8AC3E}">
+        <p14:creationId xmlns:p14="http://schemas.microsoft.com/office/powerpoint/2010/main" val="1213356925"/>
+      </p:ext>
+    </p:extLst>
+  </p:cSld>
+  <p:clrMapOvr>
+    <a:masterClrMapping/>
+  </p:clrMapOvr>
+  <p:timing>
+    <p:tnLst>
+      <p:par>
+        <p:cTn id="1" dur="indefinite" restart="never" nodeType="tmRoot"/>
+      </p:par>
+    </p:tnLst>
+  </p:timing>
+</p:sld>
+</file>
+
+<file path=ppt/slides/slide6.xml><?xml version="1.0" encoding="utf-8"?>
+<p:sld xmlns:a="http://schemas.openxmlformats.org/drawingml/2006/main" xmlns:r="http://schemas.openxmlformats.org/officeDocument/2006/relationships" xmlns:p="http://schemas.openxmlformats.org/presentationml/2006/main">
+  <p:cSld>
+    <p:spTree>
+      <p:nvGrpSpPr>
+        <p:cNvPr id="1" name=""/>
+        <p:cNvGrpSpPr/>
+        <p:nvPr/>
+      </p:nvGrpSpPr>
+      <p:grpSpPr>
+        <a:xfrm>
+          <a:off x="0" y="0"/>
+          <a:ext cx="0" cy="0"/>
+          <a:chOff x="0" y="0"/>
+          <a:chExt cx="0" cy="0"/>
+        </a:xfrm>
+      </p:grpSpPr>
+      <p:sp>
+        <p:nvSpPr>
+          <p:cNvPr id="2" name="제목 1"/>
+          <p:cNvSpPr>
+            <a:spLocks noGrp="1"/>
+          </p:cNvSpPr>
+          <p:nvPr>
+            <p:ph type="title"/>
+          </p:nvPr>
+        </p:nvSpPr>
+        <p:spPr/>
+        <p:txBody>
+          <a:bodyPr>
+            <a:normAutofit fontScale="90000"/>
+          </a:bodyPr>
+          <a:lstStyle/>
+          <a:p>
             <a:r>
               <a:rPr lang="en-US" altLang="ko-KR" dirty="0" smtClean="0"/>
-              <a:t>Connect</a:t>
+              <a:t>5.3 Dynamic View(5)</a:t>
+            </a:r>
+            <a:endParaRPr lang="ko-KR" altLang="en-US" dirty="0"/>
+          </a:p>
+        </p:txBody>
+      </p:sp>
+      <p:sp>
+        <p:nvSpPr>
+          <p:cNvPr id="5" name="슬라이드 번호 개체 틀 4"/>
+          <p:cNvSpPr>
+            <a:spLocks noGrp="1"/>
+          </p:cNvSpPr>
+          <p:nvPr>
+            <p:ph type="sldNum" sz="quarter" idx="11"/>
+          </p:nvPr>
+        </p:nvSpPr>
+        <p:spPr/>
+        <p:txBody>
+          <a:bodyPr/>
+          <a:lstStyle/>
+          <a:p>
+            <a:fld id="{887F5A62-5D57-4BBA-9485-2C5A6728F77D}" type="slidenum">
+              <a:rPr lang="ko-KR" altLang="en-US" smtClean="0"/>
+              <a:pPr/>
+              <a:t>6</a:t>
+            </a:fld>
+            <a:r>
+              <a:rPr lang="en-US" altLang="ko-KR" dirty="0" smtClean="0"/>
+              <a:t>/31</a:t>
+            </a:r>
+            <a:endParaRPr lang="ko-KR" altLang="en-US" dirty="0"/>
+          </a:p>
+        </p:txBody>
+      </p:sp>
+      <p:sp>
+        <p:nvSpPr>
+          <p:cNvPr id="3" name="TextBox 2"/>
+          <p:cNvSpPr txBox="1"/>
+          <p:nvPr/>
+        </p:nvSpPr>
+        <p:spPr>
+          <a:xfrm>
+            <a:off x="467134" y="934820"/>
+            <a:ext cx="3158237" cy="369332"/>
+          </a:xfrm>
+          <a:prstGeom prst="rect">
+            <a:avLst/>
+          </a:prstGeom>
+          <a:noFill/>
+        </p:spPr>
+        <p:txBody>
+          <a:bodyPr wrap="none" rtlCol="0">
+            <a:spAutoFit/>
+          </a:bodyPr>
+          <a:lstStyle/>
+          <a:p>
+            <a:r>
+              <a:rPr lang="en-US" altLang="ko-KR" dirty="0" smtClean="0"/>
+              <a:t>Sequence Diagram: Connect</a:t>
             </a:r>
             <a:endParaRPr lang="ko-KR" altLang="en-US"/>
           </a:p>

--- a/doc/dynamic view 150616_communication_dgm.pptx
+++ b/doc/dynamic view 150616_communication_dgm.pptx
@@ -2372,18 +2372,7 @@
                   </a:schemeClr>
                 </a:solidFill>
               </a:rPr>
-              <a:t>, </a:t>
-            </a:r>
-            <a:r>
-              <a:rPr lang="en-US" altLang="ko-KR" sz="1200" dirty="0" smtClean="0">
-                <a:solidFill>
-                  <a:schemeClr val="bg1">
-                    <a:lumMod val="75000"/>
-                    <a:lumOff val="25000"/>
-                  </a:schemeClr>
-                </a:solidFill>
-              </a:rPr>
-              <a:t>Serial))</a:t>
+              <a:t>, Serial))</a:t>
             </a:r>
             <a:endParaRPr lang="ko-KR" altLang="en-US" sz="1200" dirty="0" smtClean="0">
               <a:solidFill>
@@ -2932,14 +2921,6 @@
               </a:rPr>
               <a:t>1.6: Authenticated</a:t>
             </a:r>
-            <a:endParaRPr lang="en-US" altLang="ko-KR" sz="1200" dirty="0" smtClean="0">
-              <a:solidFill>
-                <a:schemeClr val="bg1">
-                  <a:lumMod val="75000"/>
-                  <a:lumOff val="25000"/>
-                </a:schemeClr>
-              </a:solidFill>
-            </a:endParaRPr>
           </a:p>
           <a:p>
             <a:pPr algn="ctr"/>
@@ -2985,18 +2966,7 @@
                   </a:schemeClr>
                 </a:solidFill>
               </a:rPr>
-              <a:t>(Result</a:t>
-            </a:r>
-            <a:r>
-              <a:rPr lang="en-US" altLang="ko-KR" sz="1200" dirty="0" smtClean="0">
-                <a:solidFill>
-                  <a:schemeClr val="bg1">
-                    <a:lumMod val="75000"/>
-                    <a:lumOff val="25000"/>
-                  </a:schemeClr>
-                </a:solidFill>
-              </a:rPr>
-              <a:t>, </a:t>
+              <a:t>(Result, </a:t>
             </a:r>
             <a:r>
               <a:rPr lang="en-US" altLang="ko-KR" sz="1200" dirty="0" err="1" smtClean="0">
@@ -5155,27 +5125,8 @@
                   </a:schemeClr>
                 </a:solidFill>
               </a:rPr>
-              <a:t>1.4: </a:t>
-            </a:r>
-            <a:r>
-              <a:rPr lang="en-US" altLang="ko-KR" sz="1200" dirty="0" smtClean="0">
-                <a:solidFill>
-                  <a:schemeClr val="bg1">
-                    <a:lumMod val="75000"/>
-                    <a:lumOff val="25000"/>
-                  </a:schemeClr>
-                </a:solidFill>
-              </a:rPr>
-              <a:t>Registered</a:t>
-            </a:r>
-            <a:endParaRPr lang="en-US" altLang="ko-KR" sz="1200" dirty="0" smtClean="0">
-              <a:solidFill>
-                <a:schemeClr val="bg1">
-                  <a:lumMod val="75000"/>
-                  <a:lumOff val="25000"/>
-                </a:schemeClr>
-              </a:solidFill>
-            </a:endParaRPr>
+              <a:t>1.4: Registered</a:t>
+            </a:r>
           </a:p>
           <a:p>
             <a:pPr algn="ctr"/>
@@ -6055,7 +6006,11 @@
           <a:p>
             <a:r>
               <a:rPr lang="en-US" altLang="ko-KR" dirty="0" smtClean="0"/>
-              <a:t>5.3 Dynamic View(1)</a:t>
+              <a:t>5.3 Dynamic </a:t>
+            </a:r>
+            <a:r>
+              <a:rPr lang="en-US" altLang="ko-KR" dirty="0" smtClean="0"/>
+              <a:t>View(2)</a:t>
             </a:r>
             <a:endParaRPr lang="ko-KR" altLang="en-US" dirty="0"/>
           </a:p>
@@ -9072,6 +9027,284 @@
           </a:fontRef>
         </p:style>
       </p:cxnSp>
+      <p:grpSp>
+        <p:nvGrpSpPr>
+          <p:cNvPr id="56" name="그룹 55"/>
+          <p:cNvGrpSpPr/>
+          <p:nvPr/>
+        </p:nvGrpSpPr>
+        <p:grpSpPr>
+          <a:xfrm>
+            <a:off x="755574" y="1628800"/>
+            <a:ext cx="1800202" cy="632272"/>
+            <a:chOff x="6074530" y="4755946"/>
+            <a:chExt cx="1189951" cy="255902"/>
+          </a:xfrm>
+        </p:grpSpPr>
+        <p:sp>
+          <p:nvSpPr>
+            <p:cNvPr id="57" name="한쪽 모서리가 잘린 사각형 56"/>
+            <p:cNvSpPr/>
+            <p:nvPr/>
+          </p:nvSpPr>
+          <p:spPr>
+            <a:xfrm>
+              <a:off x="6074530" y="4781675"/>
+              <a:ext cx="1155381" cy="230173"/>
+            </a:xfrm>
+            <a:prstGeom prst="snip1Rect">
+              <a:avLst>
+                <a:gd name="adj" fmla="val 43048"/>
+              </a:avLst>
+            </a:prstGeom>
+            <a:solidFill>
+              <a:schemeClr val="tx1">
+                <a:lumMod val="75000"/>
+              </a:schemeClr>
+            </a:solidFill>
+            <a:ln w="9525">
+              <a:solidFill>
+                <a:schemeClr val="bg1">
+                  <a:lumMod val="75000"/>
+                  <a:lumOff val="25000"/>
+                </a:schemeClr>
+              </a:solidFill>
+            </a:ln>
+          </p:spPr>
+          <p:style>
+            <a:lnRef idx="2">
+              <a:schemeClr val="accent1">
+                <a:shade val="50000"/>
+              </a:schemeClr>
+            </a:lnRef>
+            <a:fillRef idx="1">
+              <a:schemeClr val="accent1"/>
+            </a:fillRef>
+            <a:effectRef idx="0">
+              <a:schemeClr val="accent1"/>
+            </a:effectRef>
+            <a:fontRef idx="minor">
+              <a:schemeClr val="lt1"/>
+            </a:fontRef>
+          </p:style>
+          <p:txBody>
+            <a:bodyPr rot="0" spcFirstLastPara="0" vertOverflow="overflow" horzOverflow="overflow" vert="horz" wrap="square" lIns="91440" tIns="45720" rIns="91440" bIns="45720" numCol="1" spcCol="0" rtlCol="0" fromWordArt="0" anchor="b" anchorCtr="0" forceAA="0" compatLnSpc="1">
+              <a:prstTxWarp prst="textNoShape">
+                <a:avLst/>
+              </a:prstTxWarp>
+              <a:noAutofit/>
+            </a:bodyPr>
+            <a:lstStyle/>
+            <a:p>
+              <a:r>
+                <a:rPr lang="en-US" altLang="ko-KR" sz="1000" b="1" dirty="0" err="1" smtClean="0">
+                  <a:solidFill>
+                    <a:schemeClr val="bg1">
+                      <a:lumMod val="75000"/>
+                      <a:lumOff val="25000"/>
+                    </a:schemeClr>
+                  </a:solidFill>
+                </a:rPr>
+                <a:t>addNode</a:t>
+              </a:r>
+              <a:r>
+                <a:rPr lang="en-US" altLang="ko-KR" sz="1000" b="1" dirty="0" smtClean="0">
+                  <a:solidFill>
+                    <a:schemeClr val="bg1">
+                      <a:lumMod val="75000"/>
+                      <a:lumOff val="25000"/>
+                    </a:schemeClr>
+                  </a:solidFill>
+                </a:rPr>
+                <a:t> </a:t>
+              </a:r>
+              <a:r>
+                <a:rPr lang="en-US" altLang="ko-KR" sz="1000" dirty="0" smtClean="0">
+                  <a:solidFill>
+                    <a:schemeClr val="bg1">
+                      <a:lumMod val="75000"/>
+                      <a:lumOff val="25000"/>
+                    </a:schemeClr>
+                  </a:solidFill>
+                </a:rPr>
+                <a:t>is called by Discover when SA-node registered successfully.</a:t>
+              </a:r>
+              <a:endParaRPr lang="ko-KR" altLang="en-US" sz="1000" dirty="0" smtClean="0">
+                <a:solidFill>
+                  <a:schemeClr val="bg1">
+                    <a:lumMod val="75000"/>
+                    <a:lumOff val="25000"/>
+                  </a:schemeClr>
+                </a:solidFill>
+              </a:endParaRPr>
+            </a:p>
+          </p:txBody>
+        </p:sp>
+        <p:sp>
+          <p:nvSpPr>
+            <p:cNvPr id="58" name="직각 삼각형 57"/>
+            <p:cNvSpPr/>
+            <p:nvPr/>
+          </p:nvSpPr>
+          <p:spPr>
+            <a:xfrm>
+              <a:off x="7074089" y="4755946"/>
+              <a:ext cx="190392" cy="140776"/>
+            </a:xfrm>
+            <a:prstGeom prst="rtTriangle">
+              <a:avLst/>
+            </a:prstGeom>
+            <a:solidFill>
+              <a:schemeClr val="bg1">
+                <a:lumMod val="50000"/>
+                <a:lumOff val="50000"/>
+              </a:schemeClr>
+            </a:solidFill>
+            <a:ln w="9525">
+              <a:solidFill>
+                <a:schemeClr val="tx1"/>
+              </a:solidFill>
+            </a:ln>
+          </p:spPr>
+          <p:style>
+            <a:lnRef idx="2">
+              <a:schemeClr val="accent1">
+                <a:shade val="50000"/>
+              </a:schemeClr>
+            </a:lnRef>
+            <a:fillRef idx="1">
+              <a:schemeClr val="accent1"/>
+            </a:fillRef>
+            <a:effectRef idx="0">
+              <a:schemeClr val="accent1"/>
+            </a:effectRef>
+            <a:fontRef idx="minor">
+              <a:schemeClr val="lt1"/>
+            </a:fontRef>
+          </p:style>
+          <p:txBody>
+            <a:bodyPr rot="0" spcFirstLastPara="0" vertOverflow="overflow" horzOverflow="overflow" vert="horz" wrap="square" lIns="91440" tIns="45720" rIns="91440" bIns="45720" numCol="1" spcCol="0" rtlCol="0" fromWordArt="0" anchor="ctr" anchorCtr="0" forceAA="0" compatLnSpc="1">
+              <a:prstTxWarp prst="textNoShape">
+                <a:avLst/>
+              </a:prstTxWarp>
+              <a:noAutofit/>
+            </a:bodyPr>
+            <a:lstStyle/>
+            <a:p>
+              <a:pPr algn="ctr"/>
+              <a:endParaRPr lang="ko-KR" altLang="en-US" sz="1200" dirty="0" smtClean="0">
+                <a:solidFill>
+                  <a:schemeClr val="bg1">
+                    <a:lumMod val="75000"/>
+                    <a:lumOff val="25000"/>
+                  </a:schemeClr>
+                </a:solidFill>
+              </a:endParaRPr>
+            </a:p>
+          </p:txBody>
+        </p:sp>
+      </p:grpSp>
+      <p:cxnSp>
+        <p:nvCxnSpPr>
+          <p:cNvPr id="59" name="직선 연결선 58"/>
+          <p:cNvCxnSpPr>
+            <a:stCxn id="57" idx="1"/>
+            <a:endCxn id="60" idx="7"/>
+          </p:cNvCxnSpPr>
+          <p:nvPr/>
+        </p:nvCxnSpPr>
+        <p:spPr>
+          <a:xfrm flipH="1">
+            <a:off x="1249080" y="2261072"/>
+            <a:ext cx="380446" cy="242368"/>
+          </a:xfrm>
+          <a:prstGeom prst="line">
+            <a:avLst/>
+          </a:prstGeom>
+          <a:ln>
+            <a:solidFill>
+              <a:schemeClr val="bg1">
+                <a:lumMod val="75000"/>
+                <a:lumOff val="25000"/>
+              </a:schemeClr>
+            </a:solidFill>
+            <a:prstDash val="dash"/>
+            <a:tailEnd type="none" w="lg" len="lg"/>
+          </a:ln>
+        </p:spPr>
+        <p:style>
+          <a:lnRef idx="1">
+            <a:schemeClr val="accent1"/>
+          </a:lnRef>
+          <a:fillRef idx="0">
+            <a:schemeClr val="accent1"/>
+          </a:fillRef>
+          <a:effectRef idx="0">
+            <a:schemeClr val="accent1"/>
+          </a:effectRef>
+          <a:fontRef idx="minor">
+            <a:schemeClr val="tx1"/>
+          </a:fontRef>
+        </p:style>
+      </p:cxnSp>
+      <p:sp>
+        <p:nvSpPr>
+          <p:cNvPr id="60" name="타원 59"/>
+          <p:cNvSpPr/>
+          <p:nvPr/>
+        </p:nvSpPr>
+        <p:spPr>
+          <a:xfrm>
+            <a:off x="1187624" y="2492896"/>
+            <a:ext cx="72000" cy="72000"/>
+          </a:xfrm>
+          <a:prstGeom prst="ellipse">
+            <a:avLst/>
+          </a:prstGeom>
+          <a:solidFill>
+            <a:schemeClr val="tx1"/>
+          </a:solidFill>
+          <a:ln w="9525">
+            <a:solidFill>
+              <a:schemeClr val="bg1">
+                <a:lumMod val="75000"/>
+                <a:lumOff val="25000"/>
+              </a:schemeClr>
+            </a:solidFill>
+          </a:ln>
+        </p:spPr>
+        <p:style>
+          <a:lnRef idx="2">
+            <a:schemeClr val="accent1">
+              <a:shade val="50000"/>
+            </a:schemeClr>
+          </a:lnRef>
+          <a:fillRef idx="1">
+            <a:schemeClr val="accent1"/>
+          </a:fillRef>
+          <a:effectRef idx="0">
+            <a:schemeClr val="accent1"/>
+          </a:effectRef>
+          <a:fontRef idx="minor">
+            <a:schemeClr val="lt1"/>
+          </a:fontRef>
+        </p:style>
+        <p:txBody>
+          <a:bodyPr rtlCol="0" anchor="ctr"/>
+          <a:lstStyle/>
+          <a:p>
+            <a:pPr algn="ctr"/>
+            <a:endParaRPr lang="ko-KR" altLang="en-US" sz="1200" dirty="0" smtClean="0">
+              <a:solidFill>
+                <a:schemeClr val="bg1">
+                  <a:lumMod val="75000"/>
+                  <a:lumOff val="25000"/>
+                </a:schemeClr>
+              </a:solidFill>
+            </a:endParaRPr>
+          </a:p>
+        </p:txBody>
+      </p:sp>
     </p:spTree>
     <p:extLst>
       <p:ext uri="{BB962C8B-B14F-4D97-AF65-F5344CB8AC3E}">
@@ -9179,7 +9412,11 @@
           <a:p>
             <a:r>
               <a:rPr lang="en-US" altLang="ko-KR" dirty="0" smtClean="0"/>
-              <a:t>5.3 Dynamic View(2)</a:t>
+              <a:t>5.3 Dynamic </a:t>
+            </a:r>
+            <a:r>
+              <a:rPr lang="en-US" altLang="ko-KR" dirty="0" smtClean="0"/>
+              <a:t>View(4)</a:t>
             </a:r>
             <a:endParaRPr lang="ko-KR" altLang="en-US" dirty="0"/>
           </a:p>
@@ -12389,7 +12626,11 @@
           <a:p>
             <a:r>
               <a:rPr lang="en-US" altLang="ko-KR" dirty="0" smtClean="0"/>
-              <a:t>5.3 Dynamic View(3)</a:t>
+              <a:t>5.3 Dynamic </a:t>
+            </a:r>
+            <a:r>
+              <a:rPr lang="en-US" altLang="ko-KR" dirty="0" smtClean="0"/>
+              <a:t>View(5)</a:t>
             </a:r>
             <a:endParaRPr lang="ko-KR" altLang="en-US" dirty="0"/>
           </a:p>
@@ -12447,11 +12688,7 @@
           <a:p>
             <a:r>
               <a:rPr lang="en-US" altLang="ko-KR" dirty="0" smtClean="0"/>
-              <a:t>Communication Diagram</a:t>
-            </a:r>
-            <a:r>
-              <a:rPr lang="en-US" altLang="ko-KR" dirty="0" smtClean="0"/>
-              <a:t>: </a:t>
+              <a:t>Communication Diagram: </a:t>
             </a:r>
             <a:r>
               <a:rPr lang="en-US" altLang="ko-KR" dirty="0" err="1" smtClean="0"/>
@@ -15560,14 +15797,6 @@
                 </a:rPr>
                 <a:t>. </a:t>
               </a:r>
-              <a:endParaRPr lang="en-US" altLang="ko-KR" sz="1000" dirty="0" smtClean="0">
-                <a:solidFill>
-                  <a:schemeClr val="bg1">
-                    <a:lumMod val="75000"/>
-                    <a:lumOff val="25000"/>
-                  </a:schemeClr>
-                </a:solidFill>
-              </a:endParaRPr>
             </a:p>
           </p:txBody>
         </p:sp>
@@ -15827,7 +16056,11 @@
           <a:p>
             <a:r>
               <a:rPr lang="en-US" altLang="ko-KR" dirty="0" smtClean="0"/>
-              <a:t>5.3 Dynamic View(4)</a:t>
+              <a:t>5.3 Dynamic </a:t>
+            </a:r>
+            <a:r>
+              <a:rPr lang="en-US" altLang="ko-KR" dirty="0" smtClean="0"/>
+              <a:t>View(6)</a:t>
             </a:r>
             <a:endParaRPr lang="ko-KR" altLang="en-US" dirty="0"/>
           </a:p>
@@ -15983,7 +16216,11 @@
           <a:p>
             <a:r>
               <a:rPr lang="en-US" altLang="ko-KR" dirty="0" smtClean="0"/>
-              <a:t>5.3 Dynamic View(5)</a:t>
+              <a:t>5.3 Dynamic </a:t>
+            </a:r>
+            <a:r>
+              <a:rPr lang="en-US" altLang="ko-KR" dirty="0" smtClean="0"/>
+              <a:t>View(7)</a:t>
             </a:r>
             <a:endParaRPr lang="ko-KR" altLang="en-US" dirty="0"/>
           </a:p>

--- a/doc/dynamic view 150616_communication_dgm.pptx
+++ b/doc/dynamic view 150616_communication_dgm.pptx
@@ -5,15 +5,17 @@
     <p:sldMasterId id="2147483693" r:id="rId1"/>
   </p:sldMasterIdLst>
   <p:notesMasterIdLst>
-    <p:notesMasterId r:id="rId8"/>
+    <p:notesMasterId r:id="rId10"/>
   </p:notesMasterIdLst>
   <p:sldIdLst>
     <p:sldId id="307" r:id="rId2"/>
     <p:sldId id="312" r:id="rId3"/>
     <p:sldId id="308" r:id="rId4"/>
     <p:sldId id="309" r:id="rId5"/>
-    <p:sldId id="310" r:id="rId6"/>
-    <p:sldId id="311" r:id="rId7"/>
+    <p:sldId id="313" r:id="rId6"/>
+    <p:sldId id="314" r:id="rId7"/>
+    <p:sldId id="310" r:id="rId8"/>
+    <p:sldId id="311" r:id="rId9"/>
   </p:sldIdLst>
   <p:sldSz cx="9144000" cy="6858000" type="screen4x3"/>
   <p:notesSz cx="6858000" cy="9144000"/>
@@ -121,6 +123,8 @@
             <p14:sldId id="312"/>
             <p14:sldId id="308"/>
             <p14:sldId id="309"/>
+            <p14:sldId id="313"/>
+            <p14:sldId id="314"/>
             <p14:sldId id="310"/>
             <p14:sldId id="311"/>
           </p14:sldIdLst>
@@ -128,7 +132,7 @@
       </p14:sectionLst>
     </p:ext>
     <p:ext uri="{EFAFB233-063F-42B5-8137-9DF3F51BA10A}">
-      <p15:sldGuideLst xmlns:p15="http://schemas.microsoft.com/office/powerpoint/2012/main">
+      <p15:sldGuideLst xmlns:p15="http://schemas.microsoft.com/office/powerpoint/2012/main" xmlns="">
         <p15:guide id="1" orient="horz" pos="527">
           <p15:clr>
             <a:srgbClr val="A4A3A4"/>
@@ -157,7 +161,7 @@
       </p15:sldGuideLst>
     </p:ext>
     <p:ext uri="{2D200454-40CA-4A62-9FC3-DE9A4176ACB9}">
-      <p15:notesGuideLst xmlns:p15="http://schemas.microsoft.com/office/powerpoint/2012/main">
+      <p15:notesGuideLst xmlns:p15="http://schemas.microsoft.com/office/powerpoint/2012/main" xmlns="">
         <p15:guide id="1" orient="horz" pos="2879">
           <p15:clr>
             <a:srgbClr val="A4A3A4"/>
@@ -6006,11 +6010,7 @@
           <a:p>
             <a:r>
               <a:rPr lang="en-US" altLang="ko-KR" dirty="0" smtClean="0"/>
-              <a:t>5.3 Dynamic </a:t>
-            </a:r>
-            <a:r>
-              <a:rPr lang="en-US" altLang="ko-KR" dirty="0" smtClean="0"/>
-              <a:t>View(2)</a:t>
+              <a:t>5.3 Dynamic View(2)</a:t>
             </a:r>
             <a:endParaRPr lang="ko-KR" altLang="en-US" dirty="0"/>
           </a:p>
@@ -9416,7 +9416,7 @@
             </a:r>
             <a:r>
               <a:rPr lang="en-US" altLang="ko-KR" dirty="0" smtClean="0"/>
-              <a:t>View(4)</a:t>
+              <a:t>View(3)</a:t>
             </a:r>
             <a:endParaRPr lang="ko-KR" altLang="en-US" dirty="0"/>
           </a:p>
@@ -12630,7 +12630,7 @@
             </a:r>
             <a:r>
               <a:rPr lang="en-US" altLang="ko-KR" dirty="0" smtClean="0"/>
-              <a:t>View(5)</a:t>
+              <a:t>View(4)</a:t>
             </a:r>
             <a:endParaRPr lang="ko-KR" altLang="en-US" dirty="0"/>
           </a:p>
@@ -16039,6 +16039,57 @@
       </p:grpSpPr>
       <p:sp>
         <p:nvSpPr>
+          <p:cNvPr id="7" name="직사각형 6"/>
+          <p:cNvSpPr/>
+          <p:nvPr/>
+        </p:nvSpPr>
+        <p:spPr>
+          <a:xfrm>
+            <a:off x="461856" y="1484784"/>
+            <a:ext cx="8209731" cy="4824536"/>
+          </a:xfrm>
+          <a:prstGeom prst="rect">
+            <a:avLst/>
+          </a:prstGeom>
+          <a:solidFill>
+            <a:schemeClr val="tx1"/>
+          </a:solidFill>
+          <a:ln>
+            <a:solidFill>
+              <a:schemeClr val="bg1">
+                <a:lumMod val="75000"/>
+                <a:lumOff val="25000"/>
+              </a:schemeClr>
+            </a:solidFill>
+          </a:ln>
+        </p:spPr>
+        <p:style>
+          <a:lnRef idx="2">
+            <a:schemeClr val="accent1">
+              <a:shade val="50000"/>
+            </a:schemeClr>
+          </a:lnRef>
+          <a:fillRef idx="1">
+            <a:schemeClr val="accent1"/>
+          </a:fillRef>
+          <a:effectRef idx="0">
+            <a:schemeClr val="accent1"/>
+          </a:effectRef>
+          <a:fontRef idx="minor">
+            <a:schemeClr val="lt1"/>
+          </a:fontRef>
+        </p:style>
+        <p:txBody>
+          <a:bodyPr rtlCol="0" anchor="ctr"/>
+          <a:lstStyle/>
+          <a:p>
+            <a:pPr algn="ctr"/>
+            <a:endParaRPr lang="ko-KR" altLang="en-US" sz="800" dirty="0"/>
+          </a:p>
+        </p:txBody>
+      </p:sp>
+      <p:sp>
+        <p:nvSpPr>
           <p:cNvPr id="2" name="제목 1"/>
           <p:cNvSpPr>
             <a:spLocks noGrp="1"/>
@@ -16060,7 +16111,7 @@
             </a:r>
             <a:r>
               <a:rPr lang="en-US" altLang="ko-KR" dirty="0" smtClean="0"/>
-              <a:t>View(6)</a:t>
+              <a:t>View(5)</a:t>
             </a:r>
             <a:endParaRPr lang="ko-KR" altLang="en-US" dirty="0"/>
           </a:p>
@@ -16103,7 +16154,7 @@
         <p:spPr>
           <a:xfrm>
             <a:off x="467134" y="934820"/>
-            <a:ext cx="5205015" cy="369332"/>
+            <a:ext cx="5022529" cy="369332"/>
           </a:xfrm>
           <a:prstGeom prst="rect">
             <a:avLst/>
@@ -16118,52 +16169,3527 @@
           <a:p>
             <a:r>
               <a:rPr lang="en-US" altLang="ko-KR" dirty="0" smtClean="0"/>
-              <a:t>Sequence Diagram: </a:t>
-            </a:r>
-            <a:r>
-              <a:rPr lang="en-US" altLang="ko-KR" dirty="0" err="1" smtClean="0"/>
-              <a:t>discoverNode</a:t>
+              <a:t>Communication Diagram: </a:t>
             </a:r>
             <a:r>
               <a:rPr lang="en-US" altLang="ko-KR" dirty="0" smtClean="0"/>
-              <a:t>, </a:t>
-            </a:r>
-            <a:r>
-              <a:rPr lang="en-US" altLang="ko-KR" dirty="0" err="1" smtClean="0"/>
-              <a:t>registerNode</a:t>
-            </a:r>
-            <a:endParaRPr lang="ko-KR" altLang="en-US"/>
+              <a:t>sensor mal-function</a:t>
+            </a:r>
+            <a:endParaRPr lang="ko-KR" altLang="en-US" dirty="0"/>
           </a:p>
         </p:txBody>
       </p:sp>
-      <p:pic>
-        <p:nvPicPr>
-          <p:cNvPr id="8" name="그림 7"/>
-          <p:cNvPicPr>
-            <a:picLocks noChangeAspect="1"/>
-          </p:cNvPicPr>
-          <p:nvPr/>
-        </p:nvPicPr>
-        <p:blipFill>
-          <a:blip r:embed="rId2"/>
-          <a:stretch>
-            <a:fillRect/>
-          </a:stretch>
-        </p:blipFill>
-        <p:spPr>
-          <a:xfrm>
-            <a:off x="467134" y="1412776"/>
-            <a:ext cx="8218366" cy="4722431"/>
+      <p:sp>
+        <p:nvSpPr>
+          <p:cNvPr id="54" name="직사각형 53"/>
+          <p:cNvSpPr/>
+          <p:nvPr/>
+        </p:nvSpPr>
+        <p:spPr>
+          <a:xfrm>
+            <a:off x="4018489" y="2399317"/>
+            <a:ext cx="1368152" cy="359433"/>
           </a:xfrm>
           <a:prstGeom prst="rect">
             <a:avLst/>
           </a:prstGeom>
-        </p:spPr>
-      </p:pic>
+          <a:solidFill>
+            <a:schemeClr val="tx1"/>
+          </a:solidFill>
+          <a:ln w="9525">
+            <a:solidFill>
+              <a:schemeClr val="bg1">
+                <a:lumMod val="75000"/>
+                <a:lumOff val="25000"/>
+              </a:schemeClr>
+            </a:solidFill>
+          </a:ln>
+        </p:spPr>
+        <p:style>
+          <a:lnRef idx="2">
+            <a:schemeClr val="accent1">
+              <a:shade val="50000"/>
+            </a:schemeClr>
+          </a:lnRef>
+          <a:fillRef idx="1">
+            <a:schemeClr val="accent1"/>
+          </a:fillRef>
+          <a:effectRef idx="0">
+            <a:schemeClr val="accent1"/>
+          </a:effectRef>
+          <a:fontRef idx="minor">
+            <a:schemeClr val="lt1"/>
+          </a:fontRef>
+        </p:style>
+        <p:txBody>
+          <a:bodyPr rtlCol="0" anchor="ctr"/>
+          <a:lstStyle/>
+          <a:p>
+            <a:pPr algn="ctr"/>
+            <a:r>
+              <a:rPr lang="en-US" altLang="ko-KR" sz="1200" dirty="0" smtClean="0">
+                <a:solidFill>
+                  <a:schemeClr val="bg1">
+                    <a:lumMod val="75000"/>
+                    <a:lumOff val="25000"/>
+                  </a:schemeClr>
+                </a:solidFill>
+              </a:rPr>
+              <a:t>:</a:t>
+            </a:r>
+            <a:r>
+              <a:rPr lang="en-US" altLang="ko-KR" sz="1200" dirty="0" err="1" smtClean="0">
+                <a:solidFill>
+                  <a:schemeClr val="bg1">
+                    <a:lumMod val="75000"/>
+                    <a:lumOff val="25000"/>
+                  </a:schemeClr>
+                </a:solidFill>
+              </a:rPr>
+              <a:t>NodeManager</a:t>
+            </a:r>
+            <a:endParaRPr lang="ko-KR" altLang="en-US" sz="1200" dirty="0">
+              <a:solidFill>
+                <a:schemeClr val="bg1">
+                  <a:lumMod val="75000"/>
+                  <a:lumOff val="25000"/>
+                </a:schemeClr>
+              </a:solidFill>
+            </a:endParaRPr>
+          </a:p>
+        </p:txBody>
+      </p:sp>
+      <p:sp>
+        <p:nvSpPr>
+          <p:cNvPr id="55" name="직사각형 54"/>
+          <p:cNvSpPr/>
+          <p:nvPr/>
+        </p:nvSpPr>
+        <p:spPr>
+          <a:xfrm>
+            <a:off x="6490018" y="2399317"/>
+            <a:ext cx="1368152" cy="359433"/>
+          </a:xfrm>
+          <a:prstGeom prst="rect">
+            <a:avLst/>
+          </a:prstGeom>
+          <a:solidFill>
+            <a:schemeClr val="tx1"/>
+          </a:solidFill>
+          <a:ln w="9525">
+            <a:solidFill>
+              <a:schemeClr val="bg1">
+                <a:lumMod val="75000"/>
+                <a:lumOff val="25000"/>
+              </a:schemeClr>
+            </a:solidFill>
+          </a:ln>
+        </p:spPr>
+        <p:style>
+          <a:lnRef idx="2">
+            <a:schemeClr val="accent1">
+              <a:shade val="50000"/>
+            </a:schemeClr>
+          </a:lnRef>
+          <a:fillRef idx="1">
+            <a:schemeClr val="accent1"/>
+          </a:fillRef>
+          <a:effectRef idx="0">
+            <a:schemeClr val="accent1"/>
+          </a:effectRef>
+          <a:fontRef idx="minor">
+            <a:schemeClr val="lt1"/>
+          </a:fontRef>
+        </p:style>
+        <p:txBody>
+          <a:bodyPr rtlCol="0" anchor="ctr"/>
+          <a:lstStyle/>
+          <a:p>
+            <a:pPr algn="ctr"/>
+            <a:r>
+              <a:rPr lang="en-US" altLang="ko-KR" sz="1200" dirty="0" smtClean="0">
+                <a:solidFill>
+                  <a:schemeClr val="bg1">
+                    <a:lumMod val="75000"/>
+                    <a:lumOff val="25000"/>
+                  </a:schemeClr>
+                </a:solidFill>
+              </a:rPr>
+              <a:t>:Link</a:t>
+            </a:r>
+            <a:endParaRPr lang="ko-KR" altLang="en-US" sz="1200" dirty="0">
+              <a:solidFill>
+                <a:schemeClr val="bg1">
+                  <a:lumMod val="75000"/>
+                  <a:lumOff val="25000"/>
+                </a:schemeClr>
+              </a:solidFill>
+            </a:endParaRPr>
+          </a:p>
+        </p:txBody>
+      </p:sp>
+      <p:cxnSp>
+        <p:nvCxnSpPr>
+          <p:cNvPr id="23" name="직선 연결선 22"/>
+          <p:cNvCxnSpPr>
+            <a:stCxn id="54" idx="2"/>
+            <a:endCxn id="108" idx="0"/>
+          </p:cNvCxnSpPr>
+          <p:nvPr/>
+        </p:nvCxnSpPr>
+        <p:spPr>
+          <a:xfrm>
+            <a:off x="4702565" y="2758750"/>
+            <a:ext cx="0" cy="1086981"/>
+          </a:xfrm>
+          <a:prstGeom prst="line">
+            <a:avLst/>
+          </a:prstGeom>
+          <a:ln>
+            <a:solidFill>
+              <a:schemeClr val="bg1">
+                <a:lumMod val="75000"/>
+                <a:lumOff val="25000"/>
+              </a:schemeClr>
+            </a:solidFill>
+            <a:tailEnd type="none" w="lg" len="lg"/>
+          </a:ln>
+        </p:spPr>
+        <p:style>
+          <a:lnRef idx="1">
+            <a:schemeClr val="accent1"/>
+          </a:lnRef>
+          <a:fillRef idx="0">
+            <a:schemeClr val="accent1"/>
+          </a:fillRef>
+          <a:effectRef idx="0">
+            <a:schemeClr val="accent1"/>
+          </a:effectRef>
+          <a:fontRef idx="minor">
+            <a:schemeClr val="tx1"/>
+          </a:fontRef>
+        </p:style>
+      </p:cxnSp>
+      <p:cxnSp>
+        <p:nvCxnSpPr>
+          <p:cNvPr id="65" name="직선 연결선 64"/>
+          <p:cNvCxnSpPr>
+            <a:stCxn id="54" idx="3"/>
+            <a:endCxn id="55" idx="1"/>
+          </p:cNvCxnSpPr>
+          <p:nvPr/>
+        </p:nvCxnSpPr>
+        <p:spPr>
+          <a:xfrm>
+            <a:off x="5386641" y="2579034"/>
+            <a:ext cx="1103377" cy="0"/>
+          </a:xfrm>
+          <a:prstGeom prst="line">
+            <a:avLst/>
+          </a:prstGeom>
+          <a:ln>
+            <a:solidFill>
+              <a:schemeClr val="bg1">
+                <a:lumMod val="75000"/>
+                <a:lumOff val="25000"/>
+              </a:schemeClr>
+            </a:solidFill>
+            <a:tailEnd type="none" w="lg" len="lg"/>
+          </a:ln>
+        </p:spPr>
+        <p:style>
+          <a:lnRef idx="1">
+            <a:schemeClr val="accent1"/>
+          </a:lnRef>
+          <a:fillRef idx="0">
+            <a:schemeClr val="accent1"/>
+          </a:fillRef>
+          <a:effectRef idx="0">
+            <a:schemeClr val="accent1"/>
+          </a:effectRef>
+          <a:fontRef idx="minor">
+            <a:schemeClr val="tx1"/>
+          </a:fontRef>
+        </p:style>
+      </p:cxnSp>
+      <p:cxnSp>
+        <p:nvCxnSpPr>
+          <p:cNvPr id="81" name="직선 화살표 연결선 80"/>
+          <p:cNvCxnSpPr/>
+          <p:nvPr/>
+        </p:nvCxnSpPr>
+        <p:spPr>
+          <a:xfrm flipH="1">
+            <a:off x="5876837" y="2510965"/>
+            <a:ext cx="351347" cy="0"/>
+          </a:xfrm>
+          <a:prstGeom prst="straightConnector1">
+            <a:avLst/>
+          </a:prstGeom>
+          <a:ln>
+            <a:solidFill>
+              <a:schemeClr val="bg1">
+                <a:lumMod val="75000"/>
+                <a:lumOff val="25000"/>
+              </a:schemeClr>
+            </a:solidFill>
+            <a:tailEnd type="arrow"/>
+          </a:ln>
+        </p:spPr>
+        <p:style>
+          <a:lnRef idx="1">
+            <a:schemeClr val="accent1"/>
+          </a:lnRef>
+          <a:fillRef idx="0">
+            <a:schemeClr val="accent1"/>
+          </a:fillRef>
+          <a:effectRef idx="0">
+            <a:schemeClr val="accent1"/>
+          </a:effectRef>
+          <a:fontRef idx="minor">
+            <a:schemeClr val="tx1"/>
+          </a:fontRef>
+        </p:style>
+      </p:cxnSp>
+      <p:cxnSp>
+        <p:nvCxnSpPr>
+          <p:cNvPr id="85" name="직선 연결선 84"/>
+          <p:cNvCxnSpPr>
+            <a:stCxn id="44" idx="0"/>
+            <a:endCxn id="55" idx="2"/>
+          </p:cNvCxnSpPr>
+          <p:nvPr/>
+        </p:nvCxnSpPr>
+        <p:spPr>
+          <a:xfrm flipH="1" flipV="1">
+            <a:off x="7174094" y="2758750"/>
+            <a:ext cx="20947" cy="1388759"/>
+          </a:xfrm>
+          <a:prstGeom prst="line">
+            <a:avLst/>
+          </a:prstGeom>
+          <a:ln>
+            <a:solidFill>
+              <a:schemeClr val="bg1">
+                <a:lumMod val="75000"/>
+                <a:lumOff val="25000"/>
+              </a:schemeClr>
+            </a:solidFill>
+            <a:tailEnd type="none" w="lg" len="lg"/>
+          </a:ln>
+        </p:spPr>
+        <p:style>
+          <a:lnRef idx="1">
+            <a:schemeClr val="accent1"/>
+          </a:lnRef>
+          <a:fillRef idx="0">
+            <a:schemeClr val="accent1"/>
+          </a:fillRef>
+          <a:effectRef idx="0">
+            <a:schemeClr val="accent1"/>
+          </a:effectRef>
+          <a:fontRef idx="minor">
+            <a:schemeClr val="tx1"/>
+          </a:fontRef>
+        </p:style>
+      </p:cxnSp>
+      <p:cxnSp>
+        <p:nvCxnSpPr>
+          <p:cNvPr id="88" name="직선 화살표 연결선 87"/>
+          <p:cNvCxnSpPr/>
+          <p:nvPr/>
+        </p:nvCxnSpPr>
+        <p:spPr>
+          <a:xfrm flipV="1">
+            <a:off x="7281800" y="3461930"/>
+            <a:ext cx="0" cy="327717"/>
+          </a:xfrm>
+          <a:prstGeom prst="straightConnector1">
+            <a:avLst/>
+          </a:prstGeom>
+          <a:ln>
+            <a:solidFill>
+              <a:schemeClr val="bg1">
+                <a:lumMod val="75000"/>
+                <a:lumOff val="25000"/>
+              </a:schemeClr>
+            </a:solidFill>
+            <a:tailEnd type="arrow"/>
+          </a:ln>
+        </p:spPr>
+        <p:style>
+          <a:lnRef idx="1">
+            <a:schemeClr val="accent1"/>
+          </a:lnRef>
+          <a:fillRef idx="0">
+            <a:schemeClr val="accent1"/>
+          </a:fillRef>
+          <a:effectRef idx="0">
+            <a:schemeClr val="accent1"/>
+          </a:effectRef>
+          <a:fontRef idx="minor">
+            <a:schemeClr val="tx1"/>
+          </a:fontRef>
+        </p:style>
+      </p:cxnSp>
+      <p:sp>
+        <p:nvSpPr>
+          <p:cNvPr id="41" name="직사각형 40"/>
+          <p:cNvSpPr/>
+          <p:nvPr/>
+        </p:nvSpPr>
+        <p:spPr>
+          <a:xfrm>
+            <a:off x="6764492" y="5272257"/>
+            <a:ext cx="1800000" cy="965055"/>
+          </a:xfrm>
+          <a:prstGeom prst="rect">
+            <a:avLst/>
+          </a:prstGeom>
+          <a:solidFill>
+            <a:schemeClr val="tx1"/>
+          </a:solidFill>
+          <a:ln w="9525">
+            <a:solidFill>
+              <a:schemeClr val="bg1">
+                <a:lumMod val="75000"/>
+                <a:lumOff val="25000"/>
+              </a:schemeClr>
+            </a:solidFill>
+          </a:ln>
+        </p:spPr>
+        <p:style>
+          <a:lnRef idx="2">
+            <a:schemeClr val="accent1">
+              <a:shade val="50000"/>
+            </a:schemeClr>
+          </a:lnRef>
+          <a:fillRef idx="1">
+            <a:schemeClr val="accent1"/>
+          </a:fillRef>
+          <a:effectRef idx="0">
+            <a:schemeClr val="accent1"/>
+          </a:effectRef>
+          <a:fontRef idx="minor">
+            <a:schemeClr val="lt1"/>
+          </a:fontRef>
+        </p:style>
+        <p:txBody>
+          <a:bodyPr rot="0" spcFirstLastPara="0" vertOverflow="overflow" horzOverflow="overflow" vert="horz" wrap="square" lIns="91440" tIns="45720" rIns="91440" bIns="45720" numCol="1" spcCol="0" rtlCol="0" fromWordArt="0" anchor="ctr" anchorCtr="0" forceAA="0" compatLnSpc="1">
+            <a:prstTxWarp prst="textNoShape">
+              <a:avLst/>
+            </a:prstTxWarp>
+            <a:noAutofit/>
+          </a:bodyPr>
+          <a:lstStyle/>
+          <a:p>
+            <a:pPr algn="ctr"/>
+            <a:endParaRPr lang="ko-KR" altLang="en-US" sz="1200" dirty="0" smtClean="0">
+              <a:solidFill>
+                <a:schemeClr val="bg1">
+                  <a:lumMod val="75000"/>
+                  <a:lumOff val="25000"/>
+                </a:schemeClr>
+              </a:solidFill>
+            </a:endParaRPr>
+          </a:p>
+        </p:txBody>
+      </p:sp>
+      <p:cxnSp>
+        <p:nvCxnSpPr>
+          <p:cNvPr id="92" name="직선 화살표 연결선 91"/>
+          <p:cNvCxnSpPr/>
+          <p:nvPr/>
+        </p:nvCxnSpPr>
+        <p:spPr>
+          <a:xfrm>
+            <a:off x="6836500" y="5858272"/>
+            <a:ext cx="360040" cy="0"/>
+          </a:xfrm>
+          <a:prstGeom prst="straightConnector1">
+            <a:avLst/>
+          </a:prstGeom>
+          <a:ln>
+            <a:solidFill>
+              <a:schemeClr val="bg1">
+                <a:lumMod val="75000"/>
+                <a:lumOff val="25000"/>
+              </a:schemeClr>
+            </a:solidFill>
+            <a:tailEnd type="arrow"/>
+          </a:ln>
+        </p:spPr>
+        <p:style>
+          <a:lnRef idx="1">
+            <a:schemeClr val="accent1"/>
+          </a:lnRef>
+          <a:fillRef idx="0">
+            <a:schemeClr val="accent1"/>
+          </a:fillRef>
+          <a:effectRef idx="0">
+            <a:schemeClr val="accent1"/>
+          </a:effectRef>
+          <a:fontRef idx="minor">
+            <a:schemeClr val="tx1"/>
+          </a:fontRef>
+        </p:style>
+      </p:cxnSp>
+      <p:cxnSp>
+        <p:nvCxnSpPr>
+          <p:cNvPr id="93" name="직선 화살표 연결선 92"/>
+          <p:cNvCxnSpPr/>
+          <p:nvPr/>
+        </p:nvCxnSpPr>
+        <p:spPr>
+          <a:xfrm>
+            <a:off x="6836500" y="6011788"/>
+            <a:ext cx="360040" cy="0"/>
+          </a:xfrm>
+          <a:prstGeom prst="straightConnector1">
+            <a:avLst/>
+          </a:prstGeom>
+          <a:ln>
+            <a:solidFill>
+              <a:schemeClr val="bg1">
+                <a:lumMod val="75000"/>
+                <a:lumOff val="25000"/>
+              </a:schemeClr>
+            </a:solidFill>
+            <a:tailEnd type="triangle"/>
+          </a:ln>
+        </p:spPr>
+        <p:style>
+          <a:lnRef idx="1">
+            <a:schemeClr val="accent1"/>
+          </a:lnRef>
+          <a:fillRef idx="0">
+            <a:schemeClr val="accent1"/>
+          </a:fillRef>
+          <a:effectRef idx="0">
+            <a:schemeClr val="accent1"/>
+          </a:effectRef>
+          <a:fontRef idx="minor">
+            <a:schemeClr val="tx1"/>
+          </a:fontRef>
+        </p:style>
+      </p:cxnSp>
+      <p:cxnSp>
+        <p:nvCxnSpPr>
+          <p:cNvPr id="95" name="직선 화살표 연결선 94"/>
+          <p:cNvCxnSpPr/>
+          <p:nvPr/>
+        </p:nvCxnSpPr>
+        <p:spPr>
+          <a:xfrm>
+            <a:off x="6836500" y="6165304"/>
+            <a:ext cx="360040" cy="0"/>
+          </a:xfrm>
+          <a:prstGeom prst="straightConnector1">
+            <a:avLst/>
+          </a:prstGeom>
+          <a:ln>
+            <a:solidFill>
+              <a:schemeClr val="bg1">
+                <a:lumMod val="75000"/>
+                <a:lumOff val="25000"/>
+              </a:schemeClr>
+            </a:solidFill>
+            <a:prstDash val="sysDash"/>
+            <a:tailEnd type="triangle"/>
+          </a:ln>
+        </p:spPr>
+        <p:style>
+          <a:lnRef idx="1">
+            <a:schemeClr val="accent1"/>
+          </a:lnRef>
+          <a:fillRef idx="0">
+            <a:schemeClr val="accent1"/>
+          </a:fillRef>
+          <a:effectRef idx="0">
+            <a:schemeClr val="accent1"/>
+          </a:effectRef>
+          <a:fontRef idx="minor">
+            <a:schemeClr val="tx1"/>
+          </a:fontRef>
+        </p:style>
+      </p:cxnSp>
+      <p:sp>
+        <p:nvSpPr>
+          <p:cNvPr id="96" name="직사각형 95"/>
+          <p:cNvSpPr/>
+          <p:nvPr/>
+        </p:nvSpPr>
+        <p:spPr>
+          <a:xfrm>
+            <a:off x="6823248" y="5518988"/>
+            <a:ext cx="360040" cy="90000"/>
+          </a:xfrm>
+          <a:prstGeom prst="rect">
+            <a:avLst/>
+          </a:prstGeom>
+          <a:solidFill>
+            <a:schemeClr val="tx1"/>
+          </a:solidFill>
+          <a:ln w="9525">
+            <a:solidFill>
+              <a:schemeClr val="bg1">
+                <a:lumMod val="75000"/>
+                <a:lumOff val="25000"/>
+              </a:schemeClr>
+            </a:solidFill>
+          </a:ln>
+        </p:spPr>
+        <p:style>
+          <a:lnRef idx="2">
+            <a:schemeClr val="accent1">
+              <a:shade val="50000"/>
+            </a:schemeClr>
+          </a:lnRef>
+          <a:fillRef idx="1">
+            <a:schemeClr val="accent1"/>
+          </a:fillRef>
+          <a:effectRef idx="0">
+            <a:schemeClr val="accent1"/>
+          </a:effectRef>
+          <a:fontRef idx="minor">
+            <a:schemeClr val="lt1"/>
+          </a:fontRef>
+        </p:style>
+        <p:txBody>
+          <a:bodyPr rtlCol="0" anchor="ctr"/>
+          <a:lstStyle/>
+          <a:p>
+            <a:pPr algn="ctr"/>
+            <a:endParaRPr lang="ko-KR" altLang="en-US" sz="1200" dirty="0">
+              <a:solidFill>
+                <a:schemeClr val="bg1">
+                  <a:lumMod val="75000"/>
+                  <a:lumOff val="25000"/>
+                </a:schemeClr>
+              </a:solidFill>
+            </a:endParaRPr>
+          </a:p>
+        </p:txBody>
+      </p:sp>
+      <p:sp>
+        <p:nvSpPr>
+          <p:cNvPr id="43" name="직사각형 42"/>
+          <p:cNvSpPr/>
+          <p:nvPr/>
+        </p:nvSpPr>
+        <p:spPr>
+          <a:xfrm>
+            <a:off x="7164288" y="5294606"/>
+            <a:ext cx="1440160" cy="942706"/>
+          </a:xfrm>
+          <a:prstGeom prst="rect">
+            <a:avLst/>
+          </a:prstGeom>
+          <a:noFill/>
+          <a:ln w="9525">
+            <a:noFill/>
+          </a:ln>
+        </p:spPr>
+        <p:style>
+          <a:lnRef idx="2">
+            <a:schemeClr val="accent1">
+              <a:shade val="50000"/>
+            </a:schemeClr>
+          </a:lnRef>
+          <a:fillRef idx="1">
+            <a:schemeClr val="accent1"/>
+          </a:fillRef>
+          <a:effectRef idx="0">
+            <a:schemeClr val="accent1"/>
+          </a:effectRef>
+          <a:fontRef idx="minor">
+            <a:schemeClr val="lt1"/>
+          </a:fontRef>
+        </p:style>
+        <p:txBody>
+          <a:bodyPr rot="0" spcFirstLastPara="0" vertOverflow="overflow" horzOverflow="overflow" vert="horz" wrap="square" lIns="91440" tIns="45720" rIns="91440" bIns="45720" numCol="1" spcCol="0" rtlCol="0" fromWordArt="0" anchor="ctr" anchorCtr="0" forceAA="0" compatLnSpc="1">
+            <a:prstTxWarp prst="textNoShape">
+              <a:avLst/>
+            </a:prstTxWarp>
+            <a:noAutofit/>
+          </a:bodyPr>
+          <a:lstStyle/>
+          <a:p>
+            <a:r>
+              <a:rPr lang="en-US" altLang="ko-KR" sz="1000" dirty="0" smtClean="0">
+                <a:solidFill>
+                  <a:schemeClr val="bg1">
+                    <a:lumMod val="75000"/>
+                    <a:lumOff val="25000"/>
+                  </a:schemeClr>
+                </a:solidFill>
+              </a:rPr>
+              <a:t>: Note</a:t>
+            </a:r>
+          </a:p>
+          <a:p>
+            <a:r>
+              <a:rPr lang="en-US" altLang="ko-KR" sz="1000" dirty="0" smtClean="0">
+                <a:solidFill>
+                  <a:schemeClr val="bg1">
+                    <a:lumMod val="75000"/>
+                    <a:lumOff val="25000"/>
+                  </a:schemeClr>
+                </a:solidFill>
+              </a:rPr>
+              <a:t>: Object</a:t>
+            </a:r>
+          </a:p>
+          <a:p>
+            <a:r>
+              <a:rPr lang="en-US" altLang="ko-KR" sz="1000" dirty="0" smtClean="0">
+                <a:solidFill>
+                  <a:schemeClr val="bg1">
+                    <a:lumMod val="75000"/>
+                    <a:lumOff val="25000"/>
+                  </a:schemeClr>
+                </a:solidFill>
+              </a:rPr>
+              <a:t>: Link</a:t>
+            </a:r>
+          </a:p>
+          <a:p>
+            <a:r>
+              <a:rPr lang="en-US" altLang="ko-KR" sz="1000" dirty="0" smtClean="0">
+                <a:solidFill>
+                  <a:schemeClr val="bg1">
+                    <a:lumMod val="75000"/>
+                    <a:lumOff val="25000"/>
+                  </a:schemeClr>
+                </a:solidFill>
+              </a:rPr>
+              <a:t>: Asynchronous</a:t>
+            </a:r>
+          </a:p>
+          <a:p>
+            <a:r>
+              <a:rPr lang="en-US" altLang="ko-KR" sz="1000" dirty="0" smtClean="0">
+                <a:solidFill>
+                  <a:schemeClr val="bg1">
+                    <a:lumMod val="75000"/>
+                    <a:lumOff val="25000"/>
+                  </a:schemeClr>
+                </a:solidFill>
+              </a:rPr>
+              <a:t>: Synchronous or Call</a:t>
+            </a:r>
+          </a:p>
+          <a:p>
+            <a:r>
+              <a:rPr lang="en-US" altLang="ko-KR" sz="1000" dirty="0" smtClean="0">
+                <a:solidFill>
+                  <a:schemeClr val="bg1">
+                    <a:lumMod val="75000"/>
+                    <a:lumOff val="25000"/>
+                  </a:schemeClr>
+                </a:solidFill>
+              </a:rPr>
+              <a:t>: Reply</a:t>
+            </a:r>
+          </a:p>
+        </p:txBody>
+      </p:sp>
+      <p:cxnSp>
+        <p:nvCxnSpPr>
+          <p:cNvPr id="46" name="직선 연결선 45"/>
+          <p:cNvCxnSpPr/>
+          <p:nvPr/>
+        </p:nvCxnSpPr>
+        <p:spPr>
+          <a:xfrm>
+            <a:off x="6836500" y="5708496"/>
+            <a:ext cx="346788" cy="0"/>
+          </a:xfrm>
+          <a:prstGeom prst="line">
+            <a:avLst/>
+          </a:prstGeom>
+          <a:ln>
+            <a:solidFill>
+              <a:schemeClr val="bg1">
+                <a:lumMod val="75000"/>
+                <a:lumOff val="25000"/>
+              </a:schemeClr>
+            </a:solidFill>
+            <a:tailEnd type="none" w="lg" len="lg"/>
+          </a:ln>
+        </p:spPr>
+        <p:style>
+          <a:lnRef idx="1">
+            <a:schemeClr val="accent1"/>
+          </a:lnRef>
+          <a:fillRef idx="0">
+            <a:schemeClr val="accent1"/>
+          </a:fillRef>
+          <a:effectRef idx="0">
+            <a:schemeClr val="accent1"/>
+          </a:effectRef>
+          <a:fontRef idx="minor">
+            <a:schemeClr val="tx1"/>
+          </a:fontRef>
+        </p:style>
+      </p:cxnSp>
+      <p:sp>
+        <p:nvSpPr>
+          <p:cNvPr id="108" name="직사각형 107"/>
+          <p:cNvSpPr/>
+          <p:nvPr/>
+        </p:nvSpPr>
+        <p:spPr>
+          <a:xfrm>
+            <a:off x="4018489" y="3845731"/>
+            <a:ext cx="1368152" cy="359433"/>
+          </a:xfrm>
+          <a:prstGeom prst="rect">
+            <a:avLst/>
+          </a:prstGeom>
+          <a:solidFill>
+            <a:schemeClr val="tx1"/>
+          </a:solidFill>
+          <a:ln w="9525">
+            <a:solidFill>
+              <a:schemeClr val="bg1">
+                <a:lumMod val="75000"/>
+                <a:lumOff val="25000"/>
+              </a:schemeClr>
+            </a:solidFill>
+          </a:ln>
+        </p:spPr>
+        <p:style>
+          <a:lnRef idx="2">
+            <a:schemeClr val="accent1">
+              <a:shade val="50000"/>
+            </a:schemeClr>
+          </a:lnRef>
+          <a:fillRef idx="1">
+            <a:schemeClr val="accent1"/>
+          </a:fillRef>
+          <a:effectRef idx="0">
+            <a:schemeClr val="accent1"/>
+          </a:effectRef>
+          <a:fontRef idx="minor">
+            <a:schemeClr val="lt1"/>
+          </a:fontRef>
+        </p:style>
+        <p:txBody>
+          <a:bodyPr rtlCol="0" anchor="ctr"/>
+          <a:lstStyle/>
+          <a:p>
+            <a:pPr algn="ctr"/>
+            <a:r>
+              <a:rPr lang="en-US" altLang="ko-KR" sz="1200" dirty="0" smtClean="0">
+                <a:solidFill>
+                  <a:schemeClr val="bg1">
+                    <a:lumMod val="75000"/>
+                    <a:lumOff val="25000"/>
+                  </a:schemeClr>
+                </a:solidFill>
+              </a:rPr>
+              <a:t>:UI Controller</a:t>
+            </a:r>
+            <a:endParaRPr lang="ko-KR" altLang="en-US" sz="1200">
+              <a:solidFill>
+                <a:schemeClr val="bg1">
+                  <a:lumMod val="75000"/>
+                  <a:lumOff val="25000"/>
+                </a:schemeClr>
+              </a:solidFill>
+            </a:endParaRPr>
+          </a:p>
+        </p:txBody>
+      </p:sp>
+      <p:sp>
+        <p:nvSpPr>
+          <p:cNvPr id="111" name="직사각형 110"/>
+          <p:cNvSpPr/>
+          <p:nvPr/>
+        </p:nvSpPr>
+        <p:spPr>
+          <a:xfrm>
+            <a:off x="2483768" y="2492896"/>
+            <a:ext cx="2592288" cy="656322"/>
+          </a:xfrm>
+          <a:prstGeom prst="rect">
+            <a:avLst/>
+          </a:prstGeom>
+          <a:noFill/>
+          <a:ln w="9525">
+            <a:noFill/>
+          </a:ln>
+        </p:spPr>
+        <p:style>
+          <a:lnRef idx="2">
+            <a:schemeClr val="accent1">
+              <a:shade val="50000"/>
+            </a:schemeClr>
+          </a:lnRef>
+          <a:fillRef idx="1">
+            <a:schemeClr val="accent1"/>
+          </a:fillRef>
+          <a:effectRef idx="0">
+            <a:schemeClr val="accent1"/>
+          </a:effectRef>
+          <a:fontRef idx="minor">
+            <a:schemeClr val="lt1"/>
+          </a:fontRef>
+        </p:style>
+        <p:txBody>
+          <a:bodyPr rot="0" spcFirstLastPara="0" vertOverflow="overflow" horzOverflow="overflow" vert="horz" wrap="square" lIns="91440" tIns="45720" rIns="91440" bIns="45720" numCol="1" spcCol="0" rtlCol="0" fromWordArt="0" anchor="ctr" anchorCtr="0" forceAA="0" compatLnSpc="1">
+            <a:prstTxWarp prst="textNoShape">
+              <a:avLst/>
+            </a:prstTxWarp>
+            <a:noAutofit/>
+          </a:bodyPr>
+          <a:lstStyle/>
+          <a:p>
+            <a:r>
+              <a:rPr lang="en-US" altLang="ko-KR" sz="900" dirty="0">
+                <a:solidFill>
+                  <a:schemeClr val="bg1">
+                    <a:lumMod val="75000"/>
+                    <a:lumOff val="25000"/>
+                  </a:schemeClr>
+                </a:solidFill>
+              </a:rPr>
+              <a:t>1.1a:</a:t>
+            </a:r>
+            <a:r>
+              <a:rPr lang="en-US" altLang="ko-KR" sz="900" dirty="0" smtClean="0">
+                <a:solidFill>
+                  <a:schemeClr val="bg1">
+                    <a:lumMod val="75000"/>
+                    <a:lumOff val="25000"/>
+                  </a:schemeClr>
+                </a:solidFill>
+              </a:rPr>
+              <a:t>[</a:t>
+            </a:r>
+            <a:r>
+              <a:rPr lang="en-US" altLang="ko-KR" sz="900" dirty="0">
+                <a:solidFill>
+                  <a:schemeClr val="bg1">
+                    <a:lumMod val="75000"/>
+                    <a:lumOff val="25000"/>
+                  </a:schemeClr>
+                </a:solidFill>
+              </a:rPr>
+              <a:t>value != </a:t>
+            </a:r>
+            <a:r>
+              <a:rPr lang="en-US" altLang="ko-KR" sz="900" dirty="0" err="1" smtClean="0">
+                <a:solidFill>
+                  <a:schemeClr val="bg1">
+                    <a:lumMod val="75000"/>
+                    <a:lumOff val="25000"/>
+                  </a:schemeClr>
+                </a:solidFill>
+              </a:rPr>
+              <a:t>thing.prevValue</a:t>
+            </a:r>
+            <a:r>
+              <a:rPr lang="en-US" altLang="ko-KR" sz="900" dirty="0">
+                <a:solidFill>
+                  <a:schemeClr val="bg1">
+                    <a:lumMod val="75000"/>
+                    <a:lumOff val="25000"/>
+                  </a:schemeClr>
+                </a:solidFill>
+              </a:rPr>
+              <a:t>]</a:t>
+            </a:r>
+          </a:p>
+          <a:p>
+            <a:r>
+              <a:rPr lang="en-US" altLang="ko-KR" sz="900" dirty="0" err="1" smtClean="0">
+                <a:solidFill>
+                  <a:schemeClr val="bg1">
+                    <a:lumMod val="75000"/>
+                    <a:lumOff val="25000"/>
+                  </a:schemeClr>
+                </a:solidFill>
+              </a:rPr>
+              <a:t>UpdateThing</a:t>
+            </a:r>
+            <a:r>
+              <a:rPr lang="en-US" altLang="ko-KR" sz="900" dirty="0" smtClean="0">
+                <a:solidFill>
+                  <a:schemeClr val="bg1">
+                    <a:lumMod val="75000"/>
+                    <a:lumOff val="25000"/>
+                  </a:schemeClr>
+                </a:solidFill>
+              </a:rPr>
+              <a:t>(</a:t>
+            </a:r>
+            <a:r>
+              <a:rPr lang="en-US" altLang="ko-KR" sz="900" dirty="0" err="1" smtClean="0">
+                <a:solidFill>
+                  <a:schemeClr val="bg1">
+                    <a:lumMod val="75000"/>
+                    <a:lumOff val="25000"/>
+                  </a:schemeClr>
+                </a:solidFill>
+              </a:rPr>
+              <a:t>NodeId,ThingId,value</a:t>
+            </a:r>
+            <a:r>
+              <a:rPr lang="en-US" altLang="ko-KR" sz="900" dirty="0">
+                <a:solidFill>
+                  <a:schemeClr val="bg1">
+                    <a:lumMod val="75000"/>
+                    <a:lumOff val="25000"/>
+                  </a:schemeClr>
+                </a:solidFill>
+              </a:rPr>
+              <a:t>)</a:t>
+            </a:r>
+            <a:endParaRPr lang="ko-KR" altLang="en-US" sz="900" dirty="0" smtClean="0">
+              <a:solidFill>
+                <a:schemeClr val="bg1">
+                  <a:lumMod val="75000"/>
+                  <a:lumOff val="25000"/>
+                </a:schemeClr>
+              </a:solidFill>
+            </a:endParaRPr>
+          </a:p>
+        </p:txBody>
+      </p:sp>
+      <p:cxnSp>
+        <p:nvCxnSpPr>
+          <p:cNvPr id="112" name="직선 화살표 연결선 111"/>
+          <p:cNvCxnSpPr/>
+          <p:nvPr/>
+        </p:nvCxnSpPr>
+        <p:spPr>
+          <a:xfrm>
+            <a:off x="4829577" y="2972071"/>
+            <a:ext cx="0" cy="313520"/>
+          </a:xfrm>
+          <a:prstGeom prst="straightConnector1">
+            <a:avLst/>
+          </a:prstGeom>
+          <a:ln>
+            <a:solidFill>
+              <a:schemeClr val="bg1">
+                <a:lumMod val="75000"/>
+                <a:lumOff val="25000"/>
+              </a:schemeClr>
+            </a:solidFill>
+            <a:tailEnd type="arrow"/>
+          </a:ln>
+        </p:spPr>
+        <p:style>
+          <a:lnRef idx="1">
+            <a:schemeClr val="accent1"/>
+          </a:lnRef>
+          <a:fillRef idx="0">
+            <a:schemeClr val="accent1"/>
+          </a:fillRef>
+          <a:effectRef idx="0">
+            <a:schemeClr val="accent1"/>
+          </a:effectRef>
+          <a:fontRef idx="minor">
+            <a:schemeClr val="tx1"/>
+          </a:fontRef>
+        </p:style>
+      </p:cxnSp>
+      <p:sp>
+        <p:nvSpPr>
+          <p:cNvPr id="120" name="직사각형 119"/>
+          <p:cNvSpPr/>
+          <p:nvPr/>
+        </p:nvSpPr>
+        <p:spPr>
+          <a:xfrm>
+            <a:off x="4298816" y="5229807"/>
+            <a:ext cx="806349" cy="359433"/>
+          </a:xfrm>
+          <a:prstGeom prst="rect">
+            <a:avLst/>
+          </a:prstGeom>
+          <a:solidFill>
+            <a:schemeClr val="tx1"/>
+          </a:solidFill>
+          <a:ln w="9525">
+            <a:solidFill>
+              <a:schemeClr val="bg1">
+                <a:lumMod val="75000"/>
+                <a:lumOff val="25000"/>
+              </a:schemeClr>
+            </a:solidFill>
+          </a:ln>
+        </p:spPr>
+        <p:style>
+          <a:lnRef idx="2">
+            <a:schemeClr val="accent1">
+              <a:shade val="50000"/>
+            </a:schemeClr>
+          </a:lnRef>
+          <a:fillRef idx="1">
+            <a:schemeClr val="accent1"/>
+          </a:fillRef>
+          <a:effectRef idx="0">
+            <a:schemeClr val="accent1"/>
+          </a:effectRef>
+          <a:fontRef idx="minor">
+            <a:schemeClr val="lt1"/>
+          </a:fontRef>
+        </p:style>
+        <p:txBody>
+          <a:bodyPr rtlCol="0" anchor="ctr"/>
+          <a:lstStyle/>
+          <a:p>
+            <a:pPr algn="ctr"/>
+            <a:r>
+              <a:rPr lang="en-US" altLang="ko-KR" sz="1200" dirty="0" smtClean="0">
+                <a:solidFill>
+                  <a:schemeClr val="bg1">
+                    <a:lumMod val="75000"/>
+                    <a:lumOff val="25000"/>
+                  </a:schemeClr>
+                </a:solidFill>
+              </a:rPr>
+              <a:t>:UI View</a:t>
+            </a:r>
+            <a:endParaRPr lang="ko-KR" altLang="en-US" sz="1200">
+              <a:solidFill>
+                <a:schemeClr val="bg1">
+                  <a:lumMod val="75000"/>
+                  <a:lumOff val="25000"/>
+                </a:schemeClr>
+              </a:solidFill>
+            </a:endParaRPr>
+          </a:p>
+        </p:txBody>
+      </p:sp>
+      <p:cxnSp>
+        <p:nvCxnSpPr>
+          <p:cNvPr id="123" name="직선 연결선 122"/>
+          <p:cNvCxnSpPr>
+            <a:stCxn id="108" idx="2"/>
+            <a:endCxn id="120" idx="0"/>
+          </p:cNvCxnSpPr>
+          <p:nvPr/>
+        </p:nvCxnSpPr>
+        <p:spPr>
+          <a:xfrm flipH="1">
+            <a:off x="4701991" y="4205164"/>
+            <a:ext cx="574" cy="1024643"/>
+          </a:xfrm>
+          <a:prstGeom prst="line">
+            <a:avLst/>
+          </a:prstGeom>
+          <a:ln>
+            <a:solidFill>
+              <a:schemeClr val="bg1">
+                <a:lumMod val="75000"/>
+                <a:lumOff val="25000"/>
+              </a:schemeClr>
+            </a:solidFill>
+            <a:tailEnd type="none" w="lg" len="lg"/>
+          </a:ln>
+        </p:spPr>
+        <p:style>
+          <a:lnRef idx="1">
+            <a:schemeClr val="accent1"/>
+          </a:lnRef>
+          <a:fillRef idx="0">
+            <a:schemeClr val="accent1"/>
+          </a:fillRef>
+          <a:effectRef idx="0">
+            <a:schemeClr val="accent1"/>
+          </a:effectRef>
+          <a:fontRef idx="minor">
+            <a:schemeClr val="tx1"/>
+          </a:fontRef>
+        </p:style>
+      </p:cxnSp>
+      <p:grpSp>
+        <p:nvGrpSpPr>
+          <p:cNvPr id="163" name="그룹 162"/>
+          <p:cNvGrpSpPr/>
+          <p:nvPr/>
+        </p:nvGrpSpPr>
+        <p:grpSpPr>
+          <a:xfrm>
+            <a:off x="6823249" y="5302491"/>
+            <a:ext cx="409744" cy="139871"/>
+            <a:chOff x="6751241" y="5064193"/>
+            <a:chExt cx="409744" cy="139871"/>
+          </a:xfrm>
+        </p:grpSpPr>
+        <p:sp>
+          <p:nvSpPr>
+            <p:cNvPr id="161" name="한쪽 모서리가 잘린 사각형 160"/>
+            <p:cNvSpPr/>
+            <p:nvPr/>
+          </p:nvSpPr>
+          <p:spPr>
+            <a:xfrm>
+              <a:off x="6751241" y="5096064"/>
+              <a:ext cx="361410" cy="108000"/>
+            </a:xfrm>
+            <a:prstGeom prst="snip1Rect">
+              <a:avLst>
+                <a:gd name="adj" fmla="val 43048"/>
+              </a:avLst>
+            </a:prstGeom>
+            <a:solidFill>
+              <a:schemeClr val="tx1">
+                <a:lumMod val="85000"/>
+              </a:schemeClr>
+            </a:solidFill>
+            <a:ln w="9525">
+              <a:solidFill>
+                <a:schemeClr val="bg1">
+                  <a:lumMod val="75000"/>
+                  <a:lumOff val="25000"/>
+                </a:schemeClr>
+              </a:solidFill>
+            </a:ln>
+          </p:spPr>
+          <p:style>
+            <a:lnRef idx="2">
+              <a:schemeClr val="accent1">
+                <a:shade val="50000"/>
+              </a:schemeClr>
+            </a:lnRef>
+            <a:fillRef idx="1">
+              <a:schemeClr val="accent1"/>
+            </a:fillRef>
+            <a:effectRef idx="0">
+              <a:schemeClr val="accent1"/>
+            </a:effectRef>
+            <a:fontRef idx="minor">
+              <a:schemeClr val="lt1"/>
+            </a:fontRef>
+          </p:style>
+          <p:txBody>
+            <a:bodyPr rot="0" spcFirstLastPara="0" vertOverflow="overflow" horzOverflow="overflow" vert="horz" wrap="square" lIns="91440" tIns="45720" rIns="91440" bIns="45720" numCol="1" spcCol="0" rtlCol="0" fromWordArt="0" anchor="ctr" anchorCtr="0" forceAA="0" compatLnSpc="1">
+              <a:prstTxWarp prst="textNoShape">
+                <a:avLst/>
+              </a:prstTxWarp>
+              <a:noAutofit/>
+            </a:bodyPr>
+            <a:lstStyle/>
+            <a:p>
+              <a:pPr algn="ctr"/>
+              <a:endParaRPr lang="ko-KR" altLang="en-US" sz="1200" dirty="0" smtClean="0">
+                <a:solidFill>
+                  <a:schemeClr val="bg1">
+                    <a:lumMod val="75000"/>
+                    <a:lumOff val="25000"/>
+                  </a:schemeClr>
+                </a:solidFill>
+              </a:endParaRPr>
+            </a:p>
+          </p:txBody>
+        </p:sp>
+        <p:sp>
+          <p:nvSpPr>
+            <p:cNvPr id="162" name="직각 삼각형 161"/>
+            <p:cNvSpPr/>
+            <p:nvPr/>
+          </p:nvSpPr>
+          <p:spPr>
+            <a:xfrm>
+              <a:off x="7052985" y="5064193"/>
+              <a:ext cx="108000" cy="108000"/>
+            </a:xfrm>
+            <a:prstGeom prst="rtTriangle">
+              <a:avLst/>
+            </a:prstGeom>
+            <a:solidFill>
+              <a:schemeClr val="bg1">
+                <a:lumMod val="50000"/>
+                <a:lumOff val="50000"/>
+              </a:schemeClr>
+            </a:solidFill>
+            <a:ln w="9525">
+              <a:solidFill>
+                <a:schemeClr val="tx1"/>
+              </a:solidFill>
+            </a:ln>
+          </p:spPr>
+          <p:style>
+            <a:lnRef idx="2">
+              <a:schemeClr val="accent1">
+                <a:shade val="50000"/>
+              </a:schemeClr>
+            </a:lnRef>
+            <a:fillRef idx="1">
+              <a:schemeClr val="accent1"/>
+            </a:fillRef>
+            <a:effectRef idx="0">
+              <a:schemeClr val="accent1"/>
+            </a:effectRef>
+            <a:fontRef idx="minor">
+              <a:schemeClr val="lt1"/>
+            </a:fontRef>
+          </p:style>
+          <p:txBody>
+            <a:bodyPr rot="0" spcFirstLastPara="0" vertOverflow="overflow" horzOverflow="overflow" vert="horz" wrap="square" lIns="91440" tIns="45720" rIns="91440" bIns="45720" numCol="1" spcCol="0" rtlCol="0" fromWordArt="0" anchor="ctr" anchorCtr="0" forceAA="0" compatLnSpc="1">
+              <a:prstTxWarp prst="textNoShape">
+                <a:avLst/>
+              </a:prstTxWarp>
+              <a:noAutofit/>
+            </a:bodyPr>
+            <a:lstStyle/>
+            <a:p>
+              <a:pPr algn="ctr"/>
+              <a:endParaRPr lang="ko-KR" altLang="en-US" sz="1200" dirty="0" smtClean="0">
+                <a:solidFill>
+                  <a:schemeClr val="bg1">
+                    <a:lumMod val="75000"/>
+                    <a:lumOff val="25000"/>
+                  </a:schemeClr>
+                </a:solidFill>
+              </a:endParaRPr>
+            </a:p>
+          </p:txBody>
+        </p:sp>
+      </p:grpSp>
+      <p:sp>
+        <p:nvSpPr>
+          <p:cNvPr id="168" name="직사각형 167"/>
+          <p:cNvSpPr/>
+          <p:nvPr/>
+        </p:nvSpPr>
+        <p:spPr>
+          <a:xfrm>
+            <a:off x="4788024" y="4581735"/>
+            <a:ext cx="2016224" cy="359433"/>
+          </a:xfrm>
+          <a:prstGeom prst="rect">
+            <a:avLst/>
+          </a:prstGeom>
+          <a:noFill/>
+          <a:ln w="9525">
+            <a:noFill/>
+          </a:ln>
+        </p:spPr>
+        <p:style>
+          <a:lnRef idx="2">
+            <a:schemeClr val="accent1">
+              <a:shade val="50000"/>
+            </a:schemeClr>
+          </a:lnRef>
+          <a:fillRef idx="1">
+            <a:schemeClr val="accent1"/>
+          </a:fillRef>
+          <a:effectRef idx="0">
+            <a:schemeClr val="accent1"/>
+          </a:effectRef>
+          <a:fontRef idx="minor">
+            <a:schemeClr val="lt1"/>
+          </a:fontRef>
+        </p:style>
+        <p:txBody>
+          <a:bodyPr rot="0" spcFirstLastPara="0" vertOverflow="overflow" horzOverflow="overflow" vert="horz" wrap="square" lIns="91440" tIns="45720" rIns="91440" bIns="45720" numCol="1" spcCol="0" rtlCol="0" fromWordArt="0" anchor="ctr" anchorCtr="0" forceAA="0" compatLnSpc="1">
+            <a:prstTxWarp prst="textNoShape">
+              <a:avLst/>
+            </a:prstTxWarp>
+            <a:noAutofit/>
+          </a:bodyPr>
+          <a:lstStyle/>
+          <a:p>
+            <a:pPr algn="ctr"/>
+            <a:r>
+              <a:rPr lang="en-US" altLang="ko-KR" sz="900" dirty="0" smtClean="0">
+                <a:solidFill>
+                  <a:schemeClr val="bg1">
+                    <a:lumMod val="75000"/>
+                    <a:lumOff val="25000"/>
+                  </a:schemeClr>
+                </a:solidFill>
+              </a:rPr>
+              <a:t>1: </a:t>
+            </a:r>
+            <a:r>
+              <a:rPr lang="en-US" altLang="ko-KR" sz="900" dirty="0" err="1" smtClean="0">
+                <a:solidFill>
+                  <a:schemeClr val="bg1">
+                    <a:lumMod val="75000"/>
+                    <a:lumOff val="25000"/>
+                  </a:schemeClr>
+                </a:solidFill>
+              </a:rPr>
+              <a:t>updatelThing</a:t>
+            </a:r>
+            <a:endParaRPr lang="en-US" altLang="ko-KR" sz="900" dirty="0" smtClean="0">
+              <a:solidFill>
+                <a:schemeClr val="bg1">
+                  <a:lumMod val="75000"/>
+                  <a:lumOff val="25000"/>
+                </a:schemeClr>
+              </a:solidFill>
+            </a:endParaRPr>
+          </a:p>
+          <a:p>
+            <a:pPr algn="ctr"/>
+            <a:r>
+              <a:rPr lang="en-US" altLang="ko-KR" sz="900" dirty="0" smtClean="0">
+                <a:solidFill>
+                  <a:schemeClr val="bg1">
+                    <a:lumMod val="75000"/>
+                    <a:lumOff val="25000"/>
+                  </a:schemeClr>
+                </a:solidFill>
+              </a:rPr>
+              <a:t>(</a:t>
+            </a:r>
+            <a:r>
+              <a:rPr lang="en-US" altLang="ko-KR" sz="900" dirty="0" err="1" smtClean="0">
+                <a:solidFill>
+                  <a:schemeClr val="bg1">
+                    <a:lumMod val="75000"/>
+                    <a:lumOff val="25000"/>
+                  </a:schemeClr>
+                </a:solidFill>
+              </a:rPr>
+              <a:t>NodeId,ThingId</a:t>
+            </a:r>
+            <a:r>
+              <a:rPr lang="en-US" altLang="ko-KR" sz="900" dirty="0" smtClean="0">
+                <a:solidFill>
+                  <a:schemeClr val="bg1">
+                    <a:lumMod val="75000"/>
+                    <a:lumOff val="25000"/>
+                  </a:schemeClr>
+                </a:solidFill>
+              </a:rPr>
+              <a:t>, value)</a:t>
+            </a:r>
+            <a:endParaRPr lang="ko-KR" altLang="en-US" sz="900" dirty="0" smtClean="0">
+              <a:solidFill>
+                <a:schemeClr val="bg1">
+                  <a:lumMod val="75000"/>
+                  <a:lumOff val="25000"/>
+                </a:schemeClr>
+              </a:solidFill>
+            </a:endParaRPr>
+          </a:p>
+        </p:txBody>
+      </p:sp>
+      <p:cxnSp>
+        <p:nvCxnSpPr>
+          <p:cNvPr id="169" name="직선 화살표 연결선 168"/>
+          <p:cNvCxnSpPr/>
+          <p:nvPr/>
+        </p:nvCxnSpPr>
+        <p:spPr>
+          <a:xfrm>
+            <a:off x="4845514" y="4578656"/>
+            <a:ext cx="0" cy="328615"/>
+          </a:xfrm>
+          <a:prstGeom prst="straightConnector1">
+            <a:avLst/>
+          </a:prstGeom>
+          <a:ln>
+            <a:solidFill>
+              <a:schemeClr val="bg1">
+                <a:lumMod val="75000"/>
+                <a:lumOff val="25000"/>
+              </a:schemeClr>
+            </a:solidFill>
+            <a:tailEnd type="triangle"/>
+          </a:ln>
+        </p:spPr>
+        <p:style>
+          <a:lnRef idx="1">
+            <a:schemeClr val="accent1"/>
+          </a:lnRef>
+          <a:fillRef idx="0">
+            <a:schemeClr val="accent1"/>
+          </a:fillRef>
+          <a:effectRef idx="0">
+            <a:schemeClr val="accent1"/>
+          </a:effectRef>
+          <a:fontRef idx="minor">
+            <a:schemeClr val="tx1"/>
+          </a:fontRef>
+        </p:style>
+      </p:cxnSp>
+      <p:sp>
+        <p:nvSpPr>
+          <p:cNvPr id="62" name="직사각형 61"/>
+          <p:cNvSpPr/>
+          <p:nvPr/>
+        </p:nvSpPr>
+        <p:spPr>
+          <a:xfrm>
+            <a:off x="1056403" y="2393705"/>
+            <a:ext cx="1368152" cy="359433"/>
+          </a:xfrm>
+          <a:prstGeom prst="rect">
+            <a:avLst/>
+          </a:prstGeom>
+          <a:solidFill>
+            <a:schemeClr val="tx1"/>
+          </a:solidFill>
+          <a:ln w="9525">
+            <a:solidFill>
+              <a:schemeClr val="bg1">
+                <a:lumMod val="75000"/>
+                <a:lumOff val="25000"/>
+              </a:schemeClr>
+            </a:solidFill>
+          </a:ln>
+        </p:spPr>
+        <p:style>
+          <a:lnRef idx="2">
+            <a:schemeClr val="accent1">
+              <a:shade val="50000"/>
+            </a:schemeClr>
+          </a:lnRef>
+          <a:fillRef idx="1">
+            <a:schemeClr val="accent1"/>
+          </a:fillRef>
+          <a:effectRef idx="0">
+            <a:schemeClr val="accent1"/>
+          </a:effectRef>
+          <a:fontRef idx="minor">
+            <a:schemeClr val="lt1"/>
+          </a:fontRef>
+        </p:style>
+        <p:txBody>
+          <a:bodyPr rtlCol="0" anchor="ctr"/>
+          <a:lstStyle/>
+          <a:p>
+            <a:pPr algn="ctr"/>
+            <a:r>
+              <a:rPr lang="en-US" altLang="ko-KR" sz="1200" dirty="0" smtClean="0">
+                <a:solidFill>
+                  <a:schemeClr val="bg1">
+                    <a:lumMod val="75000"/>
+                    <a:lumOff val="25000"/>
+                  </a:schemeClr>
+                </a:solidFill>
+              </a:rPr>
+              <a:t>:</a:t>
+            </a:r>
+            <a:r>
+              <a:rPr lang="en-US" altLang="ko-KR" sz="1200" dirty="0" err="1" smtClean="0">
+                <a:solidFill>
+                  <a:schemeClr val="bg1">
+                    <a:lumMod val="75000"/>
+                    <a:lumOff val="25000"/>
+                  </a:schemeClr>
+                </a:solidFill>
+              </a:rPr>
+              <a:t>RuleManager</a:t>
+            </a:r>
+            <a:endParaRPr lang="ko-KR" altLang="en-US" sz="1200" dirty="0">
+              <a:solidFill>
+                <a:schemeClr val="bg1">
+                  <a:lumMod val="75000"/>
+                  <a:lumOff val="25000"/>
+                </a:schemeClr>
+              </a:solidFill>
+            </a:endParaRPr>
+          </a:p>
+        </p:txBody>
+      </p:sp>
+      <p:sp>
+        <p:nvSpPr>
+          <p:cNvPr id="70" name="직사각형 69"/>
+          <p:cNvSpPr/>
+          <p:nvPr/>
+        </p:nvSpPr>
+        <p:spPr>
+          <a:xfrm>
+            <a:off x="4716016" y="2039884"/>
+            <a:ext cx="2290406" cy="359433"/>
+          </a:xfrm>
+          <a:prstGeom prst="rect">
+            <a:avLst/>
+          </a:prstGeom>
+          <a:noFill/>
+          <a:ln w="9525">
+            <a:noFill/>
+          </a:ln>
+        </p:spPr>
+        <p:style>
+          <a:lnRef idx="2">
+            <a:schemeClr val="accent1">
+              <a:shade val="50000"/>
+            </a:schemeClr>
+          </a:lnRef>
+          <a:fillRef idx="1">
+            <a:schemeClr val="accent1"/>
+          </a:fillRef>
+          <a:effectRef idx="0">
+            <a:schemeClr val="accent1"/>
+          </a:effectRef>
+          <a:fontRef idx="minor">
+            <a:schemeClr val="lt1"/>
+          </a:fontRef>
+        </p:style>
+        <p:txBody>
+          <a:bodyPr rot="0" spcFirstLastPara="0" vertOverflow="overflow" horzOverflow="overflow" vert="horz" wrap="square" lIns="91440" tIns="45720" rIns="91440" bIns="45720" numCol="1" spcCol="0" rtlCol="0" fromWordArt="0" anchor="ctr" anchorCtr="0" forceAA="0" compatLnSpc="1">
+            <a:prstTxWarp prst="textNoShape">
+              <a:avLst/>
+            </a:prstTxWarp>
+            <a:noAutofit/>
+          </a:bodyPr>
+          <a:lstStyle/>
+          <a:p>
+            <a:pPr algn="ctr"/>
+            <a:r>
+              <a:rPr lang="en-US" altLang="ko-KR" sz="1200" dirty="0" smtClean="0">
+                <a:solidFill>
+                  <a:schemeClr val="bg1">
+                    <a:lumMod val="75000"/>
+                    <a:lumOff val="25000"/>
+                  </a:schemeClr>
+                </a:solidFill>
+              </a:rPr>
+              <a:t>1.1: </a:t>
+            </a:r>
+            <a:r>
+              <a:rPr lang="en-US" altLang="ko-KR" sz="1200" dirty="0" err="1" smtClean="0">
+                <a:solidFill>
+                  <a:schemeClr val="bg1">
+                    <a:lumMod val="75000"/>
+                    <a:lumOff val="25000"/>
+                  </a:schemeClr>
+                </a:solidFill>
+              </a:rPr>
+              <a:t>UpdateThingInfo</a:t>
+            </a:r>
+            <a:r>
+              <a:rPr lang="en-US" altLang="ko-KR" sz="1200" dirty="0" smtClean="0">
+                <a:solidFill>
+                  <a:schemeClr val="bg1">
+                    <a:lumMod val="75000"/>
+                    <a:lumOff val="25000"/>
+                  </a:schemeClr>
+                </a:solidFill>
+              </a:rPr>
+              <a:t>(</a:t>
+            </a:r>
+            <a:r>
+              <a:rPr lang="en-US" altLang="ko-KR" sz="1200" dirty="0" err="1" smtClean="0">
+                <a:solidFill>
+                  <a:schemeClr val="bg1">
+                    <a:lumMod val="75000"/>
+                    <a:lumOff val="25000"/>
+                  </a:schemeClr>
+                </a:solidFill>
+              </a:rPr>
+              <a:t>nodeid</a:t>
+            </a:r>
+            <a:endParaRPr lang="en-US" altLang="ko-KR" sz="1200" dirty="0" smtClean="0">
+              <a:solidFill>
+                <a:schemeClr val="bg1">
+                  <a:lumMod val="75000"/>
+                  <a:lumOff val="25000"/>
+                </a:schemeClr>
+              </a:solidFill>
+            </a:endParaRPr>
+          </a:p>
+          <a:p>
+            <a:pPr algn="ctr"/>
+            <a:r>
+              <a:rPr lang="en-US" altLang="ko-KR" sz="1200" dirty="0" smtClean="0">
+                <a:solidFill>
+                  <a:schemeClr val="bg1">
+                    <a:lumMod val="75000"/>
+                    <a:lumOff val="25000"/>
+                  </a:schemeClr>
+                </a:solidFill>
+              </a:rPr>
+              <a:t>,</a:t>
+            </a:r>
+            <a:r>
+              <a:rPr lang="en-US" altLang="ko-KR" sz="1200" dirty="0" err="1" smtClean="0">
+                <a:solidFill>
+                  <a:schemeClr val="bg1">
+                    <a:lumMod val="75000"/>
+                    <a:lumOff val="25000"/>
+                  </a:schemeClr>
+                </a:solidFill>
+              </a:rPr>
+              <a:t>thingid,type,value</a:t>
+            </a:r>
+            <a:r>
+              <a:rPr lang="en-US" altLang="ko-KR" sz="1200" dirty="0">
+                <a:solidFill>
+                  <a:schemeClr val="bg1">
+                    <a:lumMod val="75000"/>
+                    <a:lumOff val="25000"/>
+                  </a:schemeClr>
+                </a:solidFill>
+              </a:rPr>
+              <a:t>)</a:t>
+            </a:r>
+            <a:endParaRPr lang="ko-KR" altLang="en-US" sz="1200" dirty="0" smtClean="0">
+              <a:solidFill>
+                <a:schemeClr val="bg1">
+                  <a:lumMod val="75000"/>
+                  <a:lumOff val="25000"/>
+                </a:schemeClr>
+              </a:solidFill>
+            </a:endParaRPr>
+          </a:p>
+        </p:txBody>
+      </p:sp>
+      <p:sp>
+        <p:nvSpPr>
+          <p:cNvPr id="71" name="직사각형 70"/>
+          <p:cNvSpPr/>
+          <p:nvPr/>
+        </p:nvSpPr>
+        <p:spPr>
+          <a:xfrm>
+            <a:off x="6948264" y="3429607"/>
+            <a:ext cx="2042026" cy="359433"/>
+          </a:xfrm>
+          <a:prstGeom prst="rect">
+            <a:avLst/>
+          </a:prstGeom>
+          <a:noFill/>
+          <a:ln w="9525">
+            <a:noFill/>
+          </a:ln>
+        </p:spPr>
+        <p:style>
+          <a:lnRef idx="2">
+            <a:schemeClr val="accent1">
+              <a:shade val="50000"/>
+            </a:schemeClr>
+          </a:lnRef>
+          <a:fillRef idx="1">
+            <a:schemeClr val="accent1"/>
+          </a:fillRef>
+          <a:effectRef idx="0">
+            <a:schemeClr val="accent1"/>
+          </a:effectRef>
+          <a:fontRef idx="minor">
+            <a:schemeClr val="lt1"/>
+          </a:fontRef>
+        </p:style>
+        <p:txBody>
+          <a:bodyPr rot="0" spcFirstLastPara="0" vertOverflow="overflow" horzOverflow="overflow" vert="horz" wrap="square" lIns="91440" tIns="45720" rIns="91440" bIns="45720" numCol="1" spcCol="0" rtlCol="0" fromWordArt="0" anchor="ctr" anchorCtr="0" forceAA="0" compatLnSpc="1">
+            <a:prstTxWarp prst="textNoShape">
+              <a:avLst/>
+            </a:prstTxWarp>
+            <a:noAutofit/>
+          </a:bodyPr>
+          <a:lstStyle/>
+          <a:p>
+            <a:pPr algn="ctr"/>
+            <a:r>
+              <a:rPr lang="en-US" altLang="ko-KR" sz="900" dirty="0">
+                <a:solidFill>
+                  <a:schemeClr val="bg1">
+                    <a:lumMod val="75000"/>
+                    <a:lumOff val="25000"/>
+                  </a:schemeClr>
+                </a:solidFill>
+              </a:rPr>
+              <a:t>1: </a:t>
+            </a:r>
+            <a:r>
+              <a:rPr lang="en-US" altLang="ko-KR" sz="900" dirty="0" err="1" smtClean="0">
+                <a:solidFill>
+                  <a:schemeClr val="bg1">
+                    <a:lumMod val="75000"/>
+                    <a:lumOff val="25000"/>
+                  </a:schemeClr>
+                </a:solidFill>
+              </a:rPr>
+              <a:t>onData</a:t>
+            </a:r>
+            <a:endParaRPr lang="en-US" altLang="ko-KR" sz="900" dirty="0" smtClean="0">
+              <a:solidFill>
+                <a:schemeClr val="bg1">
+                  <a:lumMod val="75000"/>
+                  <a:lumOff val="25000"/>
+                </a:schemeClr>
+              </a:solidFill>
+            </a:endParaRPr>
+          </a:p>
+          <a:p>
+            <a:pPr algn="ctr"/>
+            <a:r>
+              <a:rPr lang="en-US" altLang="ko-KR" sz="900" dirty="0" smtClean="0">
+                <a:solidFill>
+                  <a:schemeClr val="bg1">
+                    <a:lumMod val="75000"/>
+                    <a:lumOff val="25000"/>
+                  </a:schemeClr>
+                </a:solidFill>
+              </a:rPr>
+              <a:t>(</a:t>
+            </a:r>
+            <a:r>
+              <a:rPr lang="en-US" altLang="ko-KR" sz="900" dirty="0" err="1" smtClean="0">
+                <a:solidFill>
+                  <a:schemeClr val="bg1">
+                    <a:lumMod val="75000"/>
+                    <a:lumOff val="25000"/>
+                  </a:schemeClr>
+                </a:solidFill>
+              </a:rPr>
+              <a:t>NodeId</a:t>
+            </a:r>
+            <a:r>
+              <a:rPr lang="en-US" altLang="ko-KR" sz="1200" dirty="0" err="1" smtClean="0">
+                <a:solidFill>
+                  <a:schemeClr val="bg1">
+                    <a:lumMod val="75000"/>
+                    <a:lumOff val="25000"/>
+                  </a:schemeClr>
+                </a:solidFill>
+              </a:rPr>
+              <a:t>,</a:t>
+            </a:r>
+            <a:r>
+              <a:rPr lang="en-US" altLang="ko-KR" sz="900" dirty="0" err="1" smtClean="0">
+                <a:solidFill>
+                  <a:schemeClr val="bg1">
+                    <a:lumMod val="75000"/>
+                    <a:lumOff val="25000"/>
+                  </a:schemeClr>
+                </a:solidFill>
+              </a:rPr>
+              <a:t>ThingId,value</a:t>
+            </a:r>
+            <a:r>
+              <a:rPr lang="en-US" altLang="ko-KR" sz="1200" dirty="0" smtClean="0">
+                <a:solidFill>
+                  <a:schemeClr val="bg1">
+                    <a:lumMod val="75000"/>
+                    <a:lumOff val="25000"/>
+                  </a:schemeClr>
+                </a:solidFill>
+              </a:rPr>
+              <a:t>)</a:t>
+            </a:r>
+            <a:endParaRPr lang="ko-KR" altLang="en-US" sz="1200" dirty="0" smtClean="0">
+              <a:solidFill>
+                <a:schemeClr val="bg1">
+                  <a:lumMod val="75000"/>
+                  <a:lumOff val="25000"/>
+                </a:schemeClr>
+              </a:solidFill>
+            </a:endParaRPr>
+          </a:p>
+        </p:txBody>
+      </p:sp>
+      <p:sp>
+        <p:nvSpPr>
+          <p:cNvPr id="73" name="한쪽 모서리가 잘린 사각형 72"/>
+          <p:cNvSpPr/>
+          <p:nvPr/>
+        </p:nvSpPr>
+        <p:spPr>
+          <a:xfrm>
+            <a:off x="571801" y="1648257"/>
+            <a:ext cx="2033706" cy="524462"/>
+          </a:xfrm>
+          <a:prstGeom prst="snip1Rect">
+            <a:avLst>
+              <a:gd name="adj" fmla="val 43048"/>
+            </a:avLst>
+          </a:prstGeom>
+          <a:solidFill>
+            <a:schemeClr val="tx1">
+              <a:lumMod val="75000"/>
+            </a:schemeClr>
+          </a:solidFill>
+          <a:ln w="9525">
+            <a:solidFill>
+              <a:schemeClr val="bg1">
+                <a:lumMod val="75000"/>
+                <a:lumOff val="25000"/>
+              </a:schemeClr>
+            </a:solidFill>
+          </a:ln>
+        </p:spPr>
+        <p:style>
+          <a:lnRef idx="2">
+            <a:schemeClr val="accent1">
+              <a:shade val="50000"/>
+            </a:schemeClr>
+          </a:lnRef>
+          <a:fillRef idx="1">
+            <a:schemeClr val="accent1"/>
+          </a:fillRef>
+          <a:effectRef idx="0">
+            <a:schemeClr val="accent1"/>
+          </a:effectRef>
+          <a:fontRef idx="minor">
+            <a:schemeClr val="lt1"/>
+          </a:fontRef>
+        </p:style>
+        <p:txBody>
+          <a:bodyPr rot="0" spcFirstLastPara="0" vertOverflow="overflow" horzOverflow="overflow" vert="horz" wrap="square" lIns="91440" tIns="45720" rIns="91440" bIns="45720" numCol="1" spcCol="0" rtlCol="0" fromWordArt="0" anchor="b" anchorCtr="0" forceAA="0" compatLnSpc="1">
+            <a:prstTxWarp prst="textNoShape">
+              <a:avLst/>
+            </a:prstTxWarp>
+            <a:noAutofit/>
+          </a:bodyPr>
+          <a:lstStyle/>
+          <a:p>
+            <a:r>
+              <a:rPr lang="en-US" altLang="ko-KR" sz="1000" b="1" dirty="0" smtClean="0">
+                <a:solidFill>
+                  <a:schemeClr val="bg1">
+                    <a:lumMod val="75000"/>
+                    <a:lumOff val="25000"/>
+                  </a:schemeClr>
+                </a:solidFill>
+              </a:rPr>
+              <a:t>Rule Manager</a:t>
+            </a:r>
+          </a:p>
+          <a:p>
+            <a:r>
+              <a:rPr lang="en-US" altLang="ko-KR" sz="1000" dirty="0" smtClean="0">
+                <a:solidFill>
+                  <a:schemeClr val="bg1">
+                    <a:lumMod val="75000"/>
+                    <a:lumOff val="25000"/>
+                  </a:schemeClr>
+                </a:solidFill>
+              </a:rPr>
+              <a:t>Check rule sets and decide </a:t>
+            </a:r>
+            <a:r>
+              <a:rPr lang="en-US" altLang="ko-KR" sz="1000" dirty="0" smtClean="0">
+                <a:solidFill>
+                  <a:schemeClr val="bg1">
+                    <a:lumMod val="75000"/>
+                    <a:lumOff val="25000"/>
+                  </a:schemeClr>
+                </a:solidFill>
+              </a:rPr>
+              <a:t>sensor mal-function</a:t>
+            </a:r>
+          </a:p>
+        </p:txBody>
+      </p:sp>
+      <p:cxnSp>
+        <p:nvCxnSpPr>
+          <p:cNvPr id="75" name="직선 연결선 74"/>
+          <p:cNvCxnSpPr>
+            <a:stCxn id="73" idx="1"/>
+            <a:endCxn id="62" idx="0"/>
+          </p:cNvCxnSpPr>
+          <p:nvPr/>
+        </p:nvCxnSpPr>
+        <p:spPr>
+          <a:xfrm>
+            <a:off x="1588654" y="2172719"/>
+            <a:ext cx="151825" cy="220986"/>
+          </a:xfrm>
+          <a:prstGeom prst="line">
+            <a:avLst/>
+          </a:prstGeom>
+          <a:ln>
+            <a:solidFill>
+              <a:schemeClr val="bg1">
+                <a:lumMod val="75000"/>
+                <a:lumOff val="25000"/>
+              </a:schemeClr>
+            </a:solidFill>
+            <a:prstDash val="dash"/>
+            <a:tailEnd type="none" w="lg" len="lg"/>
+          </a:ln>
+        </p:spPr>
+        <p:style>
+          <a:lnRef idx="1">
+            <a:schemeClr val="accent1"/>
+          </a:lnRef>
+          <a:fillRef idx="0">
+            <a:schemeClr val="accent1"/>
+          </a:fillRef>
+          <a:effectRef idx="0">
+            <a:schemeClr val="accent1"/>
+          </a:effectRef>
+          <a:fontRef idx="minor">
+            <a:schemeClr val="tx1"/>
+          </a:fontRef>
+        </p:style>
+      </p:cxnSp>
+      <p:cxnSp>
+        <p:nvCxnSpPr>
+          <p:cNvPr id="69" name="직선 연결선 68"/>
+          <p:cNvCxnSpPr>
+            <a:stCxn id="54" idx="1"/>
+            <a:endCxn id="62" idx="3"/>
+          </p:cNvCxnSpPr>
+          <p:nvPr/>
+        </p:nvCxnSpPr>
+        <p:spPr>
+          <a:xfrm rot="10800000">
+            <a:off x="2424555" y="2573422"/>
+            <a:ext cx="1593934" cy="5612"/>
+          </a:xfrm>
+          <a:prstGeom prst="bentConnector3">
+            <a:avLst>
+              <a:gd name="adj1" fmla="val 50000"/>
+            </a:avLst>
+          </a:prstGeom>
+          <a:ln>
+            <a:solidFill>
+              <a:schemeClr val="bg1">
+                <a:lumMod val="75000"/>
+                <a:lumOff val="25000"/>
+              </a:schemeClr>
+            </a:solidFill>
+            <a:tailEnd type="none" w="lg" len="lg"/>
+          </a:ln>
+        </p:spPr>
+        <p:style>
+          <a:lnRef idx="1">
+            <a:schemeClr val="accent1"/>
+          </a:lnRef>
+          <a:fillRef idx="0">
+            <a:schemeClr val="accent1"/>
+          </a:fillRef>
+          <a:effectRef idx="0">
+            <a:schemeClr val="accent1"/>
+          </a:effectRef>
+          <a:fontRef idx="minor">
+            <a:schemeClr val="tx1"/>
+          </a:fontRef>
+        </p:style>
+      </p:cxnSp>
+      <p:cxnSp>
+        <p:nvCxnSpPr>
+          <p:cNvPr id="76" name="직선 화살표 연결선 75"/>
+          <p:cNvCxnSpPr/>
+          <p:nvPr/>
+        </p:nvCxnSpPr>
+        <p:spPr>
+          <a:xfrm>
+            <a:off x="1639542" y="3295803"/>
+            <a:ext cx="0" cy="313520"/>
+          </a:xfrm>
+          <a:prstGeom prst="straightConnector1">
+            <a:avLst/>
+          </a:prstGeom>
+          <a:ln>
+            <a:solidFill>
+              <a:schemeClr val="bg1">
+                <a:lumMod val="75000"/>
+                <a:lumOff val="25000"/>
+              </a:schemeClr>
+            </a:solidFill>
+            <a:tailEnd type="arrow"/>
+          </a:ln>
+        </p:spPr>
+        <p:style>
+          <a:lnRef idx="1">
+            <a:schemeClr val="accent1"/>
+          </a:lnRef>
+          <a:fillRef idx="0">
+            <a:schemeClr val="accent1"/>
+          </a:fillRef>
+          <a:effectRef idx="0">
+            <a:schemeClr val="accent1"/>
+          </a:effectRef>
+          <a:fontRef idx="minor">
+            <a:schemeClr val="tx1"/>
+          </a:fontRef>
+        </p:style>
+      </p:cxnSp>
+      <p:sp>
+        <p:nvSpPr>
+          <p:cNvPr id="44" name="직사각형 43"/>
+          <p:cNvSpPr/>
+          <p:nvPr/>
+        </p:nvSpPr>
+        <p:spPr>
+          <a:xfrm>
+            <a:off x="6438957" y="4147509"/>
+            <a:ext cx="1512168" cy="359433"/>
+          </a:xfrm>
+          <a:prstGeom prst="rect">
+            <a:avLst/>
+          </a:prstGeom>
+          <a:solidFill>
+            <a:schemeClr val="tx1"/>
+          </a:solidFill>
+          <a:ln w="9525">
+            <a:solidFill>
+              <a:schemeClr val="bg1">
+                <a:lumMod val="75000"/>
+                <a:lumOff val="25000"/>
+              </a:schemeClr>
+            </a:solidFill>
+          </a:ln>
+        </p:spPr>
+        <p:style>
+          <a:lnRef idx="2">
+            <a:schemeClr val="accent1">
+              <a:shade val="50000"/>
+            </a:schemeClr>
+          </a:lnRef>
+          <a:fillRef idx="1">
+            <a:schemeClr val="accent1"/>
+          </a:fillRef>
+          <a:effectRef idx="0">
+            <a:schemeClr val="accent1"/>
+          </a:effectRef>
+          <a:fontRef idx="minor">
+            <a:schemeClr val="lt1"/>
+          </a:fontRef>
+        </p:style>
+        <p:txBody>
+          <a:bodyPr rtlCol="0" anchor="ctr"/>
+          <a:lstStyle/>
+          <a:p>
+            <a:pPr algn="ctr"/>
+            <a:r>
+              <a:rPr lang="en-US" altLang="ko-KR" sz="1200" dirty="0" smtClean="0">
+                <a:solidFill>
+                  <a:schemeClr val="bg1">
+                    <a:lumMod val="75000"/>
+                    <a:lumOff val="25000"/>
+                  </a:schemeClr>
+                </a:solidFill>
+              </a:rPr>
+              <a:t>:SA-Node(Arduino)</a:t>
+            </a:r>
+            <a:endParaRPr lang="ko-KR" altLang="en-US" sz="1200">
+              <a:solidFill>
+                <a:schemeClr val="bg1">
+                  <a:lumMod val="75000"/>
+                  <a:lumOff val="25000"/>
+                </a:schemeClr>
+              </a:solidFill>
+            </a:endParaRPr>
+          </a:p>
+        </p:txBody>
+      </p:sp>
+      <p:cxnSp>
+        <p:nvCxnSpPr>
+          <p:cNvPr id="47" name="직선 연결선 46"/>
+          <p:cNvCxnSpPr>
+            <a:endCxn id="44" idx="2"/>
+          </p:cNvCxnSpPr>
+          <p:nvPr/>
+        </p:nvCxnSpPr>
+        <p:spPr>
+          <a:xfrm flipV="1">
+            <a:off x="7195041" y="4506942"/>
+            <a:ext cx="0" cy="722865"/>
+          </a:xfrm>
+          <a:prstGeom prst="line">
+            <a:avLst/>
+          </a:prstGeom>
+          <a:ln>
+            <a:solidFill>
+              <a:schemeClr val="bg1">
+                <a:lumMod val="75000"/>
+                <a:lumOff val="25000"/>
+              </a:schemeClr>
+            </a:solidFill>
+            <a:tailEnd type="none" w="lg" len="lg"/>
+          </a:ln>
+        </p:spPr>
+        <p:style>
+          <a:lnRef idx="1">
+            <a:schemeClr val="accent1"/>
+          </a:lnRef>
+          <a:fillRef idx="0">
+            <a:schemeClr val="accent1"/>
+          </a:fillRef>
+          <a:effectRef idx="0">
+            <a:schemeClr val="accent1"/>
+          </a:effectRef>
+          <a:fontRef idx="minor">
+            <a:schemeClr val="tx1"/>
+          </a:fontRef>
+        </p:style>
+      </p:cxnSp>
+      <p:cxnSp>
+        <p:nvCxnSpPr>
+          <p:cNvPr id="14" name="직선 화살표 연결선 13"/>
+          <p:cNvCxnSpPr/>
+          <p:nvPr/>
+        </p:nvCxnSpPr>
+        <p:spPr>
+          <a:xfrm flipV="1">
+            <a:off x="7308304" y="4678533"/>
+            <a:ext cx="0" cy="262635"/>
+          </a:xfrm>
+          <a:prstGeom prst="straightConnector1">
+            <a:avLst/>
+          </a:prstGeom>
+          <a:ln>
+            <a:solidFill>
+              <a:schemeClr val="bg1">
+                <a:lumMod val="75000"/>
+                <a:lumOff val="25000"/>
+              </a:schemeClr>
+            </a:solidFill>
+            <a:tailEnd type="triangle"/>
+          </a:ln>
+        </p:spPr>
+        <p:style>
+          <a:lnRef idx="1">
+            <a:schemeClr val="accent1"/>
+          </a:lnRef>
+          <a:fillRef idx="0">
+            <a:schemeClr val="accent1"/>
+          </a:fillRef>
+          <a:effectRef idx="0">
+            <a:schemeClr val="accent1"/>
+          </a:effectRef>
+          <a:fontRef idx="minor">
+            <a:schemeClr val="tx1"/>
+          </a:fontRef>
+        </p:style>
+      </p:cxnSp>
+      <p:sp>
+        <p:nvSpPr>
+          <p:cNvPr id="52" name="직사각형 51"/>
+          <p:cNvSpPr/>
+          <p:nvPr/>
+        </p:nvSpPr>
+        <p:spPr>
+          <a:xfrm>
+            <a:off x="6982007" y="4602614"/>
+            <a:ext cx="2042026" cy="359433"/>
+          </a:xfrm>
+          <a:prstGeom prst="rect">
+            <a:avLst/>
+          </a:prstGeom>
+          <a:noFill/>
+          <a:ln w="9525">
+            <a:noFill/>
+          </a:ln>
+        </p:spPr>
+        <p:style>
+          <a:lnRef idx="2">
+            <a:schemeClr val="accent1">
+              <a:shade val="50000"/>
+            </a:schemeClr>
+          </a:lnRef>
+          <a:fillRef idx="1">
+            <a:schemeClr val="accent1"/>
+          </a:fillRef>
+          <a:effectRef idx="0">
+            <a:schemeClr val="accent1"/>
+          </a:effectRef>
+          <a:fontRef idx="minor">
+            <a:schemeClr val="lt1"/>
+          </a:fontRef>
+        </p:style>
+        <p:txBody>
+          <a:bodyPr rot="0" spcFirstLastPara="0" vertOverflow="overflow" horzOverflow="overflow" vert="horz" wrap="square" lIns="91440" tIns="45720" rIns="91440" bIns="45720" numCol="1" spcCol="0" rtlCol="0" fromWordArt="0" anchor="ctr" anchorCtr="0" forceAA="0" compatLnSpc="1">
+            <a:prstTxWarp prst="textNoShape">
+              <a:avLst/>
+            </a:prstTxWarp>
+            <a:noAutofit/>
+          </a:bodyPr>
+          <a:lstStyle/>
+          <a:p>
+            <a:pPr algn="ctr"/>
+            <a:r>
+              <a:rPr lang="en-US" altLang="ko-KR" sz="900" dirty="0" err="1">
+                <a:solidFill>
+                  <a:schemeClr val="bg1">
+                    <a:lumMod val="75000"/>
+                    <a:lumOff val="25000"/>
+                  </a:schemeClr>
+                </a:solidFill>
+              </a:rPr>
+              <a:t>updateSensorInfo</a:t>
+            </a:r>
+            <a:r>
+              <a:rPr lang="en-US" altLang="ko-KR" sz="1200" dirty="0" smtClean="0">
+                <a:solidFill>
+                  <a:schemeClr val="bg1">
+                    <a:lumMod val="75000"/>
+                    <a:lumOff val="25000"/>
+                  </a:schemeClr>
+                </a:solidFill>
+              </a:rPr>
+              <a:t>()</a:t>
+            </a:r>
+            <a:endParaRPr lang="ko-KR" altLang="en-US" sz="1200" dirty="0" smtClean="0">
+              <a:solidFill>
+                <a:schemeClr val="bg1">
+                  <a:lumMod val="75000"/>
+                  <a:lumOff val="25000"/>
+                </a:schemeClr>
+              </a:solidFill>
+            </a:endParaRPr>
+          </a:p>
+        </p:txBody>
+      </p:sp>
+      <p:sp>
+        <p:nvSpPr>
+          <p:cNvPr id="53" name="직사각형 52"/>
+          <p:cNvSpPr/>
+          <p:nvPr/>
+        </p:nvSpPr>
+        <p:spPr>
+          <a:xfrm>
+            <a:off x="2785650" y="2028596"/>
+            <a:ext cx="2290406" cy="472669"/>
+          </a:xfrm>
+          <a:prstGeom prst="rect">
+            <a:avLst/>
+          </a:prstGeom>
+          <a:noFill/>
+          <a:ln w="9525">
+            <a:noFill/>
+          </a:ln>
+        </p:spPr>
+        <p:style>
+          <a:lnRef idx="2">
+            <a:schemeClr val="accent1">
+              <a:shade val="50000"/>
+            </a:schemeClr>
+          </a:lnRef>
+          <a:fillRef idx="1">
+            <a:schemeClr val="accent1"/>
+          </a:fillRef>
+          <a:effectRef idx="0">
+            <a:schemeClr val="accent1"/>
+          </a:effectRef>
+          <a:fontRef idx="minor">
+            <a:schemeClr val="lt1"/>
+          </a:fontRef>
+        </p:style>
+        <p:txBody>
+          <a:bodyPr rot="0" spcFirstLastPara="0" vertOverflow="overflow" horzOverflow="overflow" vert="horz" wrap="square" lIns="91440" tIns="45720" rIns="91440" bIns="45720" numCol="1" spcCol="0" rtlCol="0" fromWordArt="0" anchor="ctr" anchorCtr="0" forceAA="0" compatLnSpc="1">
+            <a:prstTxWarp prst="textNoShape">
+              <a:avLst/>
+            </a:prstTxWarp>
+            <a:noAutofit/>
+          </a:bodyPr>
+          <a:lstStyle/>
+          <a:p>
+            <a:r>
+              <a:rPr lang="en-US" altLang="ko-KR" sz="900" dirty="0">
+                <a:solidFill>
+                  <a:schemeClr val="bg1">
+                    <a:lumMod val="75000"/>
+                    <a:lumOff val="25000"/>
+                  </a:schemeClr>
+                </a:solidFill>
+              </a:rPr>
+              <a:t>1.1b</a:t>
+            </a:r>
+            <a:r>
+              <a:rPr lang="en-US" altLang="ko-KR" sz="900" dirty="0" smtClean="0">
+                <a:solidFill>
+                  <a:schemeClr val="bg1">
+                    <a:lumMod val="75000"/>
+                    <a:lumOff val="25000"/>
+                  </a:schemeClr>
+                </a:solidFill>
+              </a:rPr>
+              <a:t>: [</a:t>
+            </a:r>
+            <a:r>
+              <a:rPr lang="en-US" altLang="ko-KR" sz="900" dirty="0">
+                <a:solidFill>
+                  <a:schemeClr val="bg1">
+                    <a:lumMod val="75000"/>
+                    <a:lumOff val="25000"/>
+                  </a:schemeClr>
+                </a:solidFill>
+              </a:rPr>
+              <a:t>value </a:t>
+            </a:r>
+            <a:r>
+              <a:rPr lang="en-US" altLang="ko-KR" sz="900" dirty="0" smtClean="0">
+                <a:solidFill>
+                  <a:schemeClr val="bg1">
+                    <a:lumMod val="75000"/>
+                    <a:lumOff val="25000"/>
+                  </a:schemeClr>
+                </a:solidFill>
+              </a:rPr>
+              <a:t>= </a:t>
+            </a:r>
+            <a:r>
+              <a:rPr lang="en-US" altLang="ko-KR" sz="900" dirty="0" err="1" smtClean="0">
+                <a:solidFill>
+                  <a:schemeClr val="bg1">
+                    <a:lumMod val="75000"/>
+                    <a:lumOff val="25000"/>
+                  </a:schemeClr>
+                </a:solidFill>
+              </a:rPr>
+              <a:t>thing.prevValue</a:t>
+            </a:r>
+            <a:r>
+              <a:rPr lang="en-US" altLang="ko-KR" sz="900" dirty="0">
+                <a:solidFill>
+                  <a:schemeClr val="bg1">
+                    <a:lumMod val="75000"/>
+                    <a:lumOff val="25000"/>
+                  </a:schemeClr>
+                </a:solidFill>
+              </a:rPr>
+              <a:t>]</a:t>
+            </a:r>
+          </a:p>
+          <a:p>
+            <a:r>
+              <a:rPr lang="en-US" altLang="ko-KR" sz="900" dirty="0" smtClean="0">
+                <a:solidFill>
+                  <a:schemeClr val="bg1">
+                    <a:lumMod val="75000"/>
+                    <a:lumOff val="25000"/>
+                  </a:schemeClr>
+                </a:solidFill>
+              </a:rPr>
+              <a:t>No operation</a:t>
+            </a:r>
+            <a:endParaRPr lang="ko-KR" altLang="en-US" sz="900" dirty="0" smtClean="0">
+              <a:solidFill>
+                <a:schemeClr val="bg1">
+                  <a:lumMod val="75000"/>
+                  <a:lumOff val="25000"/>
+                </a:schemeClr>
+              </a:solidFill>
+            </a:endParaRPr>
+          </a:p>
+        </p:txBody>
+      </p:sp>
+      <p:sp>
+        <p:nvSpPr>
+          <p:cNvPr id="83" name="직사각형 82"/>
+          <p:cNvSpPr/>
+          <p:nvPr/>
+        </p:nvSpPr>
+        <p:spPr>
+          <a:xfrm>
+            <a:off x="513354" y="3475937"/>
+            <a:ext cx="2252376" cy="601135"/>
+          </a:xfrm>
+          <a:prstGeom prst="rect">
+            <a:avLst/>
+          </a:prstGeom>
+          <a:noFill/>
+          <a:ln w="9525">
+            <a:noFill/>
+          </a:ln>
+        </p:spPr>
+        <p:style>
+          <a:lnRef idx="2">
+            <a:schemeClr val="accent1">
+              <a:shade val="50000"/>
+            </a:schemeClr>
+          </a:lnRef>
+          <a:fillRef idx="1">
+            <a:schemeClr val="accent1"/>
+          </a:fillRef>
+          <a:effectRef idx="0">
+            <a:schemeClr val="accent1"/>
+          </a:effectRef>
+          <a:fontRef idx="minor">
+            <a:schemeClr val="lt1"/>
+          </a:fontRef>
+        </p:style>
+        <p:txBody>
+          <a:bodyPr rot="0" spcFirstLastPara="0" vertOverflow="overflow" horzOverflow="overflow" vert="horz" wrap="square" lIns="91440" tIns="45720" rIns="91440" bIns="45720" numCol="1" spcCol="0" rtlCol="0" fromWordArt="0" anchor="ctr" anchorCtr="0" forceAA="0" compatLnSpc="1">
+            <a:prstTxWarp prst="textNoShape">
+              <a:avLst/>
+            </a:prstTxWarp>
+            <a:noAutofit/>
+          </a:bodyPr>
+          <a:lstStyle/>
+          <a:p>
+            <a:r>
+              <a:rPr lang="en-US" altLang="ko-KR" sz="900" dirty="0" smtClean="0">
+                <a:solidFill>
+                  <a:schemeClr val="bg1">
+                    <a:lumMod val="75000"/>
+                    <a:lumOff val="25000"/>
+                  </a:schemeClr>
+                </a:solidFill>
+              </a:rPr>
+              <a:t>1.1aa: </a:t>
+            </a:r>
+            <a:r>
+              <a:rPr lang="en-US" altLang="ko-KR" sz="900" dirty="0" smtClean="0">
+                <a:solidFill>
+                  <a:schemeClr val="bg1">
+                    <a:lumMod val="75000"/>
+                    <a:lumOff val="25000"/>
+                  </a:schemeClr>
+                </a:solidFill>
+              </a:rPr>
+              <a:t>[</a:t>
+            </a:r>
+            <a:r>
+              <a:rPr lang="en-US" altLang="ko-KR" sz="900" dirty="0" err="1" smtClean="0">
+                <a:solidFill>
+                  <a:schemeClr val="bg1">
+                    <a:lumMod val="75000"/>
+                    <a:lumOff val="25000"/>
+                  </a:schemeClr>
+                </a:solidFill>
+              </a:rPr>
+              <a:t>r</a:t>
+            </a:r>
+            <a:r>
+              <a:rPr lang="en-US" altLang="ko-KR" sz="900" dirty="0" err="1" smtClean="0">
+                <a:solidFill>
+                  <a:schemeClr val="bg1">
+                    <a:lumMod val="75000"/>
+                    <a:lumOff val="25000"/>
+                  </a:schemeClr>
+                </a:solidFill>
+              </a:rPr>
+              <a:t>uleMatched</a:t>
+            </a:r>
+            <a:r>
+              <a:rPr lang="en-US" altLang="ko-KR" sz="900" dirty="0" smtClean="0">
+                <a:solidFill>
+                  <a:schemeClr val="bg1">
+                    <a:lumMod val="75000"/>
+                    <a:lumOff val="25000"/>
+                  </a:schemeClr>
+                </a:solidFill>
+              </a:rPr>
+              <a:t>()=true]</a:t>
+            </a:r>
+          </a:p>
+          <a:p>
+            <a:r>
+              <a:rPr lang="en-US" altLang="ko-KR" sz="900" dirty="0" err="1" smtClean="0">
+                <a:solidFill>
+                  <a:schemeClr val="bg1">
+                    <a:lumMod val="75000"/>
+                    <a:lumOff val="25000"/>
+                  </a:schemeClr>
+                </a:solidFill>
+              </a:rPr>
+              <a:t>sendMessage</a:t>
+            </a:r>
+            <a:r>
+              <a:rPr lang="en-US" altLang="ko-KR" sz="900" dirty="0" smtClean="0">
+                <a:solidFill>
+                  <a:schemeClr val="bg1">
+                    <a:lumMod val="75000"/>
+                    <a:lumOff val="25000"/>
+                  </a:schemeClr>
+                </a:solidFill>
+              </a:rPr>
+              <a:t>(</a:t>
+            </a:r>
+            <a:r>
+              <a:rPr lang="en-US" altLang="ko-KR" sz="900" dirty="0" err="1" smtClean="0">
+                <a:solidFill>
+                  <a:schemeClr val="bg1">
+                    <a:lumMod val="75000"/>
+                    <a:lumOff val="25000"/>
+                  </a:schemeClr>
+                </a:solidFill>
+              </a:rPr>
+              <a:t>nodeid,thingid,type,value</a:t>
+            </a:r>
+            <a:r>
+              <a:rPr lang="en-US" altLang="ko-KR" sz="900" dirty="0">
+                <a:solidFill>
+                  <a:schemeClr val="bg1">
+                    <a:lumMod val="75000"/>
+                    <a:lumOff val="25000"/>
+                  </a:schemeClr>
+                </a:solidFill>
+              </a:rPr>
+              <a:t>)</a:t>
+            </a:r>
+            <a:endParaRPr lang="ko-KR" altLang="en-US" sz="900" dirty="0" smtClean="0">
+              <a:solidFill>
+                <a:schemeClr val="bg1">
+                  <a:lumMod val="75000"/>
+                  <a:lumOff val="25000"/>
+                </a:schemeClr>
+              </a:solidFill>
+            </a:endParaRPr>
+          </a:p>
+        </p:txBody>
+      </p:sp>
+      <p:sp>
+        <p:nvSpPr>
+          <p:cNvPr id="86" name="타원 85"/>
+          <p:cNvSpPr/>
+          <p:nvPr/>
+        </p:nvSpPr>
+        <p:spPr>
+          <a:xfrm>
+            <a:off x="1835696" y="4692900"/>
+            <a:ext cx="72000" cy="72000"/>
+          </a:xfrm>
+          <a:prstGeom prst="ellipse">
+            <a:avLst/>
+          </a:prstGeom>
+          <a:solidFill>
+            <a:schemeClr val="tx1"/>
+          </a:solidFill>
+          <a:ln w="9525">
+            <a:solidFill>
+              <a:schemeClr val="bg1">
+                <a:lumMod val="75000"/>
+                <a:lumOff val="25000"/>
+              </a:schemeClr>
+            </a:solidFill>
+          </a:ln>
+        </p:spPr>
+        <p:style>
+          <a:lnRef idx="2">
+            <a:schemeClr val="accent1">
+              <a:shade val="50000"/>
+            </a:schemeClr>
+          </a:lnRef>
+          <a:fillRef idx="1">
+            <a:schemeClr val="accent1"/>
+          </a:fillRef>
+          <a:effectRef idx="0">
+            <a:schemeClr val="accent1"/>
+          </a:effectRef>
+          <a:fontRef idx="minor">
+            <a:schemeClr val="lt1"/>
+          </a:fontRef>
+        </p:style>
+        <p:txBody>
+          <a:bodyPr rtlCol="0" anchor="ctr"/>
+          <a:lstStyle/>
+          <a:p>
+            <a:pPr algn="ctr"/>
+            <a:endParaRPr lang="ko-KR" altLang="en-US" sz="1200" dirty="0" smtClean="0">
+              <a:solidFill>
+                <a:schemeClr val="bg1">
+                  <a:lumMod val="75000"/>
+                  <a:lumOff val="25000"/>
+                </a:schemeClr>
+              </a:solidFill>
+            </a:endParaRPr>
+          </a:p>
+        </p:txBody>
+      </p:sp>
+      <p:sp>
+        <p:nvSpPr>
+          <p:cNvPr id="89" name="타원 88"/>
+          <p:cNvSpPr/>
+          <p:nvPr/>
+        </p:nvSpPr>
+        <p:spPr>
+          <a:xfrm>
+            <a:off x="1187624" y="3357000"/>
+            <a:ext cx="72000" cy="72000"/>
+          </a:xfrm>
+          <a:prstGeom prst="ellipse">
+            <a:avLst/>
+          </a:prstGeom>
+          <a:solidFill>
+            <a:schemeClr val="tx1"/>
+          </a:solidFill>
+          <a:ln w="9525">
+            <a:solidFill>
+              <a:schemeClr val="bg1">
+                <a:lumMod val="75000"/>
+                <a:lumOff val="25000"/>
+              </a:schemeClr>
+            </a:solidFill>
+          </a:ln>
+        </p:spPr>
+        <p:style>
+          <a:lnRef idx="2">
+            <a:schemeClr val="accent1">
+              <a:shade val="50000"/>
+            </a:schemeClr>
+          </a:lnRef>
+          <a:fillRef idx="1">
+            <a:schemeClr val="accent1"/>
+          </a:fillRef>
+          <a:effectRef idx="0">
+            <a:schemeClr val="accent1"/>
+          </a:effectRef>
+          <a:fontRef idx="minor">
+            <a:schemeClr val="lt1"/>
+          </a:fontRef>
+        </p:style>
+        <p:txBody>
+          <a:bodyPr rtlCol="0" anchor="ctr"/>
+          <a:lstStyle/>
+          <a:p>
+            <a:pPr algn="ctr"/>
+            <a:endParaRPr lang="ko-KR" altLang="en-US" sz="1200" dirty="0" smtClean="0">
+              <a:solidFill>
+                <a:schemeClr val="bg1">
+                  <a:lumMod val="75000"/>
+                  <a:lumOff val="25000"/>
+                </a:schemeClr>
+              </a:solidFill>
+            </a:endParaRPr>
+          </a:p>
+        </p:txBody>
+      </p:sp>
+      <p:sp>
+        <p:nvSpPr>
+          <p:cNvPr id="91" name="한쪽 모서리가 잘린 사각형 90"/>
+          <p:cNvSpPr/>
+          <p:nvPr/>
+        </p:nvSpPr>
+        <p:spPr>
+          <a:xfrm>
+            <a:off x="516419" y="4635025"/>
+            <a:ext cx="1972828" cy="544492"/>
+          </a:xfrm>
+          <a:prstGeom prst="snip1Rect">
+            <a:avLst>
+              <a:gd name="adj" fmla="val 43048"/>
+            </a:avLst>
+          </a:prstGeom>
+          <a:solidFill>
+            <a:schemeClr val="tx1">
+              <a:lumMod val="75000"/>
+            </a:schemeClr>
+          </a:solidFill>
+          <a:ln w="9525">
+            <a:solidFill>
+              <a:schemeClr val="bg1">
+                <a:lumMod val="75000"/>
+                <a:lumOff val="25000"/>
+              </a:schemeClr>
+            </a:solidFill>
+          </a:ln>
+        </p:spPr>
+        <p:style>
+          <a:lnRef idx="2">
+            <a:schemeClr val="accent1">
+              <a:shade val="50000"/>
+            </a:schemeClr>
+          </a:lnRef>
+          <a:fillRef idx="1">
+            <a:schemeClr val="accent1"/>
+          </a:fillRef>
+          <a:effectRef idx="0">
+            <a:schemeClr val="accent1"/>
+          </a:effectRef>
+          <a:fontRef idx="minor">
+            <a:schemeClr val="lt1"/>
+          </a:fontRef>
+        </p:style>
+        <p:txBody>
+          <a:bodyPr rot="0" spcFirstLastPara="0" vertOverflow="overflow" horzOverflow="overflow" vert="horz" wrap="square" lIns="91440" tIns="45720" rIns="91440" bIns="45720" numCol="1" spcCol="0" rtlCol="0" fromWordArt="0" anchor="b" anchorCtr="0" forceAA="0" compatLnSpc="1">
+            <a:prstTxWarp prst="textNoShape">
+              <a:avLst/>
+            </a:prstTxWarp>
+            <a:noAutofit/>
+          </a:bodyPr>
+          <a:lstStyle/>
+          <a:p>
+            <a:r>
+              <a:rPr lang="en-US" altLang="ko-KR" sz="1000" b="1" dirty="0" err="1" smtClean="0">
+                <a:solidFill>
+                  <a:schemeClr val="bg1">
+                    <a:lumMod val="75000"/>
+                    <a:lumOff val="25000"/>
+                  </a:schemeClr>
+                </a:solidFill>
+              </a:rPr>
+              <a:t>sendMessage</a:t>
+            </a:r>
+            <a:endParaRPr lang="en-US" altLang="ko-KR" sz="1000" b="1" dirty="0" smtClean="0">
+              <a:solidFill>
+                <a:schemeClr val="bg1">
+                  <a:lumMod val="75000"/>
+                  <a:lumOff val="25000"/>
+                </a:schemeClr>
+              </a:solidFill>
+            </a:endParaRPr>
+          </a:p>
+          <a:p>
+            <a:r>
+              <a:rPr lang="en-US" altLang="ko-KR" sz="1000" dirty="0" smtClean="0">
+                <a:solidFill>
+                  <a:schemeClr val="bg1">
+                    <a:lumMod val="75000"/>
+                    <a:lumOff val="25000"/>
+                  </a:schemeClr>
+                </a:solidFill>
+              </a:rPr>
+              <a:t>Send m</a:t>
+            </a:r>
+            <a:r>
+              <a:rPr lang="en-US" altLang="ko-KR" sz="1000" dirty="0" smtClean="0">
+                <a:solidFill>
+                  <a:schemeClr val="bg1">
+                    <a:lumMod val="75000"/>
+                    <a:lumOff val="25000"/>
+                  </a:schemeClr>
+                </a:solidFill>
+              </a:rPr>
+              <a:t>al-function message to predefined user. </a:t>
+            </a:r>
+            <a:endParaRPr lang="en-US" altLang="ko-KR" sz="1000" dirty="0" smtClean="0">
+              <a:solidFill>
+                <a:schemeClr val="bg1">
+                  <a:lumMod val="75000"/>
+                  <a:lumOff val="25000"/>
+                </a:schemeClr>
+              </a:solidFill>
+            </a:endParaRPr>
+          </a:p>
+        </p:txBody>
+      </p:sp>
+      <p:sp>
+        <p:nvSpPr>
+          <p:cNvPr id="94" name="직각 삼각형 93"/>
+          <p:cNvSpPr/>
+          <p:nvPr/>
+        </p:nvSpPr>
+        <p:spPr>
+          <a:xfrm>
+            <a:off x="2352217" y="1612397"/>
+            <a:ext cx="318282" cy="246562"/>
+          </a:xfrm>
+          <a:prstGeom prst="rtTriangle">
+            <a:avLst/>
+          </a:prstGeom>
+          <a:solidFill>
+            <a:schemeClr val="bg1">
+              <a:lumMod val="50000"/>
+              <a:lumOff val="50000"/>
+            </a:schemeClr>
+          </a:solidFill>
+          <a:ln w="9525">
+            <a:solidFill>
+              <a:schemeClr val="tx1"/>
+            </a:solidFill>
+          </a:ln>
+        </p:spPr>
+        <p:style>
+          <a:lnRef idx="2">
+            <a:schemeClr val="accent1">
+              <a:shade val="50000"/>
+            </a:schemeClr>
+          </a:lnRef>
+          <a:fillRef idx="1">
+            <a:schemeClr val="accent1"/>
+          </a:fillRef>
+          <a:effectRef idx="0">
+            <a:schemeClr val="accent1"/>
+          </a:effectRef>
+          <a:fontRef idx="minor">
+            <a:schemeClr val="lt1"/>
+          </a:fontRef>
+        </p:style>
+        <p:txBody>
+          <a:bodyPr rot="0" spcFirstLastPara="0" vertOverflow="overflow" horzOverflow="overflow" vert="horz" wrap="square" lIns="91440" tIns="45720" rIns="91440" bIns="45720" numCol="1" spcCol="0" rtlCol="0" fromWordArt="0" anchor="ctr" anchorCtr="0" forceAA="0" compatLnSpc="1">
+            <a:prstTxWarp prst="textNoShape">
+              <a:avLst/>
+            </a:prstTxWarp>
+            <a:noAutofit/>
+          </a:bodyPr>
+          <a:lstStyle/>
+          <a:p>
+            <a:pPr algn="ctr"/>
+            <a:endParaRPr lang="ko-KR" altLang="en-US" sz="1200" dirty="0" smtClean="0">
+              <a:solidFill>
+                <a:schemeClr val="bg1">
+                  <a:lumMod val="75000"/>
+                  <a:lumOff val="25000"/>
+                </a:schemeClr>
+              </a:solidFill>
+            </a:endParaRPr>
+          </a:p>
+        </p:txBody>
+      </p:sp>
+      <p:cxnSp>
+        <p:nvCxnSpPr>
+          <p:cNvPr id="97" name="직선 연결선 96"/>
+          <p:cNvCxnSpPr>
+            <a:stCxn id="56" idx="2"/>
+            <a:endCxn id="91" idx="3"/>
+          </p:cNvCxnSpPr>
+          <p:nvPr/>
+        </p:nvCxnSpPr>
+        <p:spPr>
+          <a:xfrm flipH="1">
+            <a:off x="1502833" y="4436505"/>
+            <a:ext cx="234575" cy="198520"/>
+          </a:xfrm>
+          <a:prstGeom prst="line">
+            <a:avLst/>
+          </a:prstGeom>
+          <a:ln>
+            <a:solidFill>
+              <a:schemeClr val="bg1">
+                <a:lumMod val="75000"/>
+                <a:lumOff val="25000"/>
+              </a:schemeClr>
+            </a:solidFill>
+            <a:prstDash val="dash"/>
+            <a:tailEnd type="none" w="lg" len="lg"/>
+          </a:ln>
+        </p:spPr>
+        <p:style>
+          <a:lnRef idx="1">
+            <a:schemeClr val="accent1"/>
+          </a:lnRef>
+          <a:fillRef idx="0">
+            <a:schemeClr val="accent1"/>
+          </a:fillRef>
+          <a:effectRef idx="0">
+            <a:schemeClr val="accent1"/>
+          </a:effectRef>
+          <a:fontRef idx="minor">
+            <a:schemeClr val="tx1"/>
+          </a:fontRef>
+        </p:style>
+      </p:cxnSp>
+      <p:sp>
+        <p:nvSpPr>
+          <p:cNvPr id="98" name="직사각형 97"/>
+          <p:cNvSpPr/>
+          <p:nvPr/>
+        </p:nvSpPr>
+        <p:spPr>
+          <a:xfrm>
+            <a:off x="403416" y="2636912"/>
+            <a:ext cx="2252376" cy="601135"/>
+          </a:xfrm>
+          <a:prstGeom prst="rect">
+            <a:avLst/>
+          </a:prstGeom>
+          <a:noFill/>
+          <a:ln w="9525">
+            <a:noFill/>
+          </a:ln>
+        </p:spPr>
+        <p:style>
+          <a:lnRef idx="2">
+            <a:schemeClr val="accent1">
+              <a:shade val="50000"/>
+            </a:schemeClr>
+          </a:lnRef>
+          <a:fillRef idx="1">
+            <a:schemeClr val="accent1"/>
+          </a:fillRef>
+          <a:effectRef idx="0">
+            <a:schemeClr val="accent1"/>
+          </a:effectRef>
+          <a:fontRef idx="minor">
+            <a:schemeClr val="lt1"/>
+          </a:fontRef>
+        </p:style>
+        <p:txBody>
+          <a:bodyPr rot="0" spcFirstLastPara="0" vertOverflow="overflow" horzOverflow="overflow" vert="horz" wrap="square" lIns="91440" tIns="45720" rIns="91440" bIns="45720" numCol="1" spcCol="0" rtlCol="0" fromWordArt="0" anchor="ctr" anchorCtr="0" forceAA="0" compatLnSpc="1">
+            <a:prstTxWarp prst="textNoShape">
+              <a:avLst/>
+            </a:prstTxWarp>
+            <a:noAutofit/>
+          </a:bodyPr>
+          <a:lstStyle/>
+          <a:p>
+            <a:r>
+              <a:rPr lang="en-US" altLang="ko-KR" sz="900" dirty="0" smtClean="0">
+                <a:solidFill>
+                  <a:schemeClr val="bg1">
+                    <a:lumMod val="75000"/>
+                    <a:lumOff val="25000"/>
+                  </a:schemeClr>
+                </a:solidFill>
+              </a:rPr>
+              <a:t>1.1ab: [</a:t>
+            </a:r>
+            <a:r>
+              <a:rPr lang="en-US" altLang="ko-KR" sz="900" dirty="0" err="1" smtClean="0">
+                <a:solidFill>
+                  <a:schemeClr val="bg1">
+                    <a:lumMod val="75000"/>
+                    <a:lumOff val="25000"/>
+                  </a:schemeClr>
+                </a:solidFill>
+              </a:rPr>
+              <a:t>ruleMatched</a:t>
+            </a:r>
+            <a:r>
+              <a:rPr lang="en-US" altLang="ko-KR" sz="900" dirty="0" smtClean="0">
+                <a:solidFill>
+                  <a:schemeClr val="bg1">
+                    <a:lumMod val="75000"/>
+                    <a:lumOff val="25000"/>
+                  </a:schemeClr>
+                </a:solidFill>
+              </a:rPr>
+              <a:t>()=false]</a:t>
+            </a:r>
+          </a:p>
+          <a:p>
+            <a:r>
+              <a:rPr lang="en-US" altLang="ko-KR" sz="900" dirty="0" smtClean="0">
+                <a:solidFill>
+                  <a:schemeClr val="bg1">
+                    <a:lumMod val="75000"/>
+                    <a:lumOff val="25000"/>
+                  </a:schemeClr>
+                </a:solidFill>
+              </a:rPr>
+              <a:t>No operation</a:t>
+            </a:r>
+          </a:p>
+        </p:txBody>
+      </p:sp>
+      <p:sp>
+        <p:nvSpPr>
+          <p:cNvPr id="56" name="직사각형 55"/>
+          <p:cNvSpPr/>
+          <p:nvPr/>
+        </p:nvSpPr>
+        <p:spPr>
+          <a:xfrm>
+            <a:off x="1053332" y="4077072"/>
+            <a:ext cx="1368152" cy="359433"/>
+          </a:xfrm>
+          <a:prstGeom prst="rect">
+            <a:avLst/>
+          </a:prstGeom>
+          <a:solidFill>
+            <a:schemeClr val="tx1"/>
+          </a:solidFill>
+          <a:ln w="9525">
+            <a:solidFill>
+              <a:schemeClr val="bg1">
+                <a:lumMod val="75000"/>
+                <a:lumOff val="25000"/>
+              </a:schemeClr>
+            </a:solidFill>
+          </a:ln>
+        </p:spPr>
+        <p:style>
+          <a:lnRef idx="2">
+            <a:schemeClr val="accent1">
+              <a:shade val="50000"/>
+            </a:schemeClr>
+          </a:lnRef>
+          <a:fillRef idx="1">
+            <a:schemeClr val="accent1"/>
+          </a:fillRef>
+          <a:effectRef idx="0">
+            <a:schemeClr val="accent1"/>
+          </a:effectRef>
+          <a:fontRef idx="minor">
+            <a:schemeClr val="lt1"/>
+          </a:fontRef>
+        </p:style>
+        <p:txBody>
+          <a:bodyPr rtlCol="0" anchor="ctr"/>
+          <a:lstStyle/>
+          <a:p>
+            <a:pPr algn="ctr"/>
+            <a:r>
+              <a:rPr lang="en-US" altLang="ko-KR" sz="1200" dirty="0" smtClean="0">
+                <a:solidFill>
+                  <a:schemeClr val="bg1">
+                    <a:lumMod val="75000"/>
+                    <a:lumOff val="25000"/>
+                  </a:schemeClr>
+                </a:solidFill>
+              </a:rPr>
+              <a:t>:Message</a:t>
+            </a:r>
+            <a:endParaRPr lang="ko-KR" altLang="en-US" sz="1200" dirty="0">
+              <a:solidFill>
+                <a:schemeClr val="bg1">
+                  <a:lumMod val="75000"/>
+                  <a:lumOff val="25000"/>
+                </a:schemeClr>
+              </a:solidFill>
+            </a:endParaRPr>
+          </a:p>
+        </p:txBody>
+      </p:sp>
+      <p:cxnSp>
+        <p:nvCxnSpPr>
+          <p:cNvPr id="59" name="직선 연결선 58"/>
+          <p:cNvCxnSpPr>
+            <a:stCxn id="62" idx="2"/>
+            <a:endCxn id="56" idx="0"/>
+          </p:cNvCxnSpPr>
+          <p:nvPr/>
+        </p:nvCxnSpPr>
+        <p:spPr>
+          <a:xfrm flipH="1">
+            <a:off x="1737408" y="2753138"/>
+            <a:ext cx="3071" cy="1323934"/>
+          </a:xfrm>
+          <a:prstGeom prst="line">
+            <a:avLst/>
+          </a:prstGeom>
+          <a:ln>
+            <a:solidFill>
+              <a:schemeClr val="bg1">
+                <a:lumMod val="75000"/>
+                <a:lumOff val="25000"/>
+              </a:schemeClr>
+            </a:solidFill>
+            <a:tailEnd type="none" w="lg" len="lg"/>
+          </a:ln>
+        </p:spPr>
+        <p:style>
+          <a:lnRef idx="1">
+            <a:schemeClr val="accent1"/>
+          </a:lnRef>
+          <a:fillRef idx="0">
+            <a:schemeClr val="accent1"/>
+          </a:fillRef>
+          <a:effectRef idx="0">
+            <a:schemeClr val="accent1"/>
+          </a:effectRef>
+          <a:fontRef idx="minor">
+            <a:schemeClr val="tx1"/>
+          </a:fontRef>
+        </p:style>
+      </p:cxnSp>
+      <p:sp>
+        <p:nvSpPr>
+          <p:cNvPr id="67" name="직사각형 66"/>
+          <p:cNvSpPr/>
+          <p:nvPr/>
+        </p:nvSpPr>
+        <p:spPr>
+          <a:xfrm>
+            <a:off x="4860032" y="2772678"/>
+            <a:ext cx="2592288" cy="656322"/>
+          </a:xfrm>
+          <a:prstGeom prst="rect">
+            <a:avLst/>
+          </a:prstGeom>
+          <a:noFill/>
+          <a:ln w="9525">
+            <a:noFill/>
+          </a:ln>
+        </p:spPr>
+        <p:style>
+          <a:lnRef idx="2">
+            <a:schemeClr val="accent1">
+              <a:shade val="50000"/>
+            </a:schemeClr>
+          </a:lnRef>
+          <a:fillRef idx="1">
+            <a:schemeClr val="accent1"/>
+          </a:fillRef>
+          <a:effectRef idx="0">
+            <a:schemeClr val="accent1"/>
+          </a:effectRef>
+          <a:fontRef idx="minor">
+            <a:schemeClr val="lt1"/>
+          </a:fontRef>
+        </p:style>
+        <p:txBody>
+          <a:bodyPr rot="0" spcFirstLastPara="0" vertOverflow="overflow" horzOverflow="overflow" vert="horz" wrap="square" lIns="91440" tIns="45720" rIns="91440" bIns="45720" numCol="1" spcCol="0" rtlCol="0" fromWordArt="0" anchor="ctr" anchorCtr="0" forceAA="0" compatLnSpc="1">
+            <a:prstTxWarp prst="textNoShape">
+              <a:avLst/>
+            </a:prstTxWarp>
+            <a:noAutofit/>
+          </a:bodyPr>
+          <a:lstStyle/>
+          <a:p>
+            <a:r>
+              <a:rPr lang="en-US" altLang="ko-KR" sz="900" dirty="0">
+                <a:solidFill>
+                  <a:schemeClr val="bg1">
+                    <a:lumMod val="75000"/>
+                    <a:lumOff val="25000"/>
+                  </a:schemeClr>
+                </a:solidFill>
+              </a:rPr>
+              <a:t>1.1a:</a:t>
+            </a:r>
+            <a:r>
+              <a:rPr lang="en-US" altLang="ko-KR" sz="900" dirty="0" smtClean="0">
+                <a:solidFill>
+                  <a:schemeClr val="bg1">
+                    <a:lumMod val="75000"/>
+                    <a:lumOff val="25000"/>
+                  </a:schemeClr>
+                </a:solidFill>
+              </a:rPr>
+              <a:t>[</a:t>
+            </a:r>
+            <a:r>
+              <a:rPr lang="en-US" altLang="ko-KR" sz="900" dirty="0">
+                <a:solidFill>
+                  <a:schemeClr val="bg1">
+                    <a:lumMod val="75000"/>
+                    <a:lumOff val="25000"/>
+                  </a:schemeClr>
+                </a:solidFill>
+              </a:rPr>
+              <a:t>value != </a:t>
+            </a:r>
+            <a:r>
+              <a:rPr lang="en-US" altLang="ko-KR" sz="900" dirty="0" err="1" smtClean="0">
+                <a:solidFill>
+                  <a:schemeClr val="bg1">
+                    <a:lumMod val="75000"/>
+                    <a:lumOff val="25000"/>
+                  </a:schemeClr>
+                </a:solidFill>
+              </a:rPr>
+              <a:t>thing.prevValue</a:t>
+            </a:r>
+            <a:r>
+              <a:rPr lang="en-US" altLang="ko-KR" sz="900" dirty="0">
+                <a:solidFill>
+                  <a:schemeClr val="bg1">
+                    <a:lumMod val="75000"/>
+                    <a:lumOff val="25000"/>
+                  </a:schemeClr>
+                </a:solidFill>
+              </a:rPr>
+              <a:t>]</a:t>
+            </a:r>
+          </a:p>
+          <a:p>
+            <a:r>
+              <a:rPr lang="en-US" altLang="ko-KR" sz="900" dirty="0" err="1" smtClean="0">
+                <a:solidFill>
+                  <a:schemeClr val="bg1">
+                    <a:lumMod val="75000"/>
+                    <a:lumOff val="25000"/>
+                  </a:schemeClr>
+                </a:solidFill>
+              </a:rPr>
+              <a:t>UpdateThing</a:t>
+            </a:r>
+            <a:r>
+              <a:rPr lang="en-US" altLang="ko-KR" sz="900" dirty="0" smtClean="0">
+                <a:solidFill>
+                  <a:schemeClr val="bg1">
+                    <a:lumMod val="75000"/>
+                    <a:lumOff val="25000"/>
+                  </a:schemeClr>
+                </a:solidFill>
+              </a:rPr>
+              <a:t>(</a:t>
+            </a:r>
+            <a:r>
+              <a:rPr lang="en-US" altLang="ko-KR" sz="900" dirty="0" err="1" smtClean="0">
+                <a:solidFill>
+                  <a:schemeClr val="bg1">
+                    <a:lumMod val="75000"/>
+                    <a:lumOff val="25000"/>
+                  </a:schemeClr>
+                </a:solidFill>
+              </a:rPr>
+              <a:t>NodeId,ThingId,value</a:t>
+            </a:r>
+            <a:r>
+              <a:rPr lang="en-US" altLang="ko-KR" sz="900" dirty="0">
+                <a:solidFill>
+                  <a:schemeClr val="bg1">
+                    <a:lumMod val="75000"/>
+                    <a:lumOff val="25000"/>
+                  </a:schemeClr>
+                </a:solidFill>
+              </a:rPr>
+              <a:t>)</a:t>
+            </a:r>
+            <a:endParaRPr lang="ko-KR" altLang="en-US" sz="900" dirty="0" smtClean="0">
+              <a:solidFill>
+                <a:schemeClr val="bg1">
+                  <a:lumMod val="75000"/>
+                  <a:lumOff val="25000"/>
+                </a:schemeClr>
+              </a:solidFill>
+            </a:endParaRPr>
+          </a:p>
+        </p:txBody>
+      </p:sp>
+      <p:sp>
+        <p:nvSpPr>
+          <p:cNvPr id="74" name="직각 삼각형 73"/>
+          <p:cNvSpPr/>
+          <p:nvPr/>
+        </p:nvSpPr>
+        <p:spPr>
+          <a:xfrm>
+            <a:off x="2281512" y="4630660"/>
+            <a:ext cx="344162" cy="289661"/>
+          </a:xfrm>
+          <a:prstGeom prst="rtTriangle">
+            <a:avLst/>
+          </a:prstGeom>
+          <a:solidFill>
+            <a:schemeClr val="bg1">
+              <a:lumMod val="50000"/>
+              <a:lumOff val="50000"/>
+            </a:schemeClr>
+          </a:solidFill>
+          <a:ln w="9525">
+            <a:solidFill>
+              <a:schemeClr val="tx1"/>
+            </a:solidFill>
+          </a:ln>
+        </p:spPr>
+        <p:style>
+          <a:lnRef idx="2">
+            <a:schemeClr val="accent1">
+              <a:shade val="50000"/>
+            </a:schemeClr>
+          </a:lnRef>
+          <a:fillRef idx="1">
+            <a:schemeClr val="accent1"/>
+          </a:fillRef>
+          <a:effectRef idx="0">
+            <a:schemeClr val="accent1"/>
+          </a:effectRef>
+          <a:fontRef idx="minor">
+            <a:schemeClr val="lt1"/>
+          </a:fontRef>
+        </p:style>
+        <p:txBody>
+          <a:bodyPr rot="0" spcFirstLastPara="0" vertOverflow="overflow" horzOverflow="overflow" vert="horz" wrap="square" lIns="91440" tIns="45720" rIns="91440" bIns="45720" numCol="1" spcCol="0" rtlCol="0" fromWordArt="0" anchor="ctr" anchorCtr="0" forceAA="0" compatLnSpc="1">
+            <a:prstTxWarp prst="textNoShape">
+              <a:avLst/>
+            </a:prstTxWarp>
+            <a:noAutofit/>
+          </a:bodyPr>
+          <a:lstStyle/>
+          <a:p>
+            <a:pPr algn="ctr"/>
+            <a:endParaRPr lang="ko-KR" altLang="en-US" sz="1200" dirty="0" smtClean="0">
+              <a:solidFill>
+                <a:schemeClr val="bg1">
+                  <a:lumMod val="75000"/>
+                  <a:lumOff val="25000"/>
+                </a:schemeClr>
+              </a:solidFill>
+            </a:endParaRPr>
+          </a:p>
+        </p:txBody>
+      </p:sp>
+      <p:sp>
+        <p:nvSpPr>
+          <p:cNvPr id="78" name="한쪽 모서리가 잘린 사각형 77"/>
+          <p:cNvSpPr/>
+          <p:nvPr/>
+        </p:nvSpPr>
+        <p:spPr>
+          <a:xfrm>
+            <a:off x="512657" y="5456233"/>
+            <a:ext cx="3925436" cy="868250"/>
+          </a:xfrm>
+          <a:prstGeom prst="snip1Rect">
+            <a:avLst>
+              <a:gd name="adj" fmla="val 43048"/>
+            </a:avLst>
+          </a:prstGeom>
+          <a:solidFill>
+            <a:schemeClr val="tx1">
+              <a:lumMod val="75000"/>
+            </a:schemeClr>
+          </a:solidFill>
+          <a:ln w="9525">
+            <a:solidFill>
+              <a:schemeClr val="bg1">
+                <a:lumMod val="75000"/>
+                <a:lumOff val="25000"/>
+              </a:schemeClr>
+            </a:solidFill>
+          </a:ln>
+        </p:spPr>
+        <p:style>
+          <a:lnRef idx="2">
+            <a:schemeClr val="accent1">
+              <a:shade val="50000"/>
+            </a:schemeClr>
+          </a:lnRef>
+          <a:fillRef idx="1">
+            <a:schemeClr val="accent1"/>
+          </a:fillRef>
+          <a:effectRef idx="0">
+            <a:schemeClr val="accent1"/>
+          </a:effectRef>
+          <a:fontRef idx="minor">
+            <a:schemeClr val="lt1"/>
+          </a:fontRef>
+        </p:style>
+        <p:txBody>
+          <a:bodyPr rot="0" spcFirstLastPara="0" vertOverflow="overflow" horzOverflow="overflow" vert="horz" wrap="square" lIns="91440" tIns="45720" rIns="91440" bIns="45720" numCol="1" spcCol="0" rtlCol="0" fromWordArt="0" anchor="b" anchorCtr="0" forceAA="0" compatLnSpc="1">
+            <a:prstTxWarp prst="textNoShape">
+              <a:avLst/>
+            </a:prstTxWarp>
+            <a:noAutofit/>
+          </a:bodyPr>
+          <a:lstStyle/>
+          <a:p>
+            <a:r>
+              <a:rPr lang="en-US" altLang="ko-KR" sz="1000" b="1" dirty="0" smtClean="0">
+                <a:solidFill>
+                  <a:schemeClr val="bg1">
+                    <a:lumMod val="75000"/>
+                    <a:lumOff val="25000"/>
+                  </a:schemeClr>
+                </a:solidFill>
+              </a:rPr>
+              <a:t>Mal-function</a:t>
+            </a:r>
+          </a:p>
+          <a:p>
+            <a:r>
+              <a:rPr lang="en-US" altLang="ko-KR" sz="1000" dirty="0" smtClean="0">
+                <a:solidFill>
+                  <a:schemeClr val="bg1">
+                    <a:lumMod val="75000"/>
+                    <a:lumOff val="25000"/>
+                  </a:schemeClr>
+                </a:solidFill>
+              </a:rPr>
+              <a:t>Rule can handle sensor mal-function.</a:t>
+            </a:r>
+          </a:p>
+          <a:p>
+            <a:r>
+              <a:rPr lang="en-US" altLang="ko-KR" sz="1000" dirty="0" smtClean="0">
+                <a:solidFill>
+                  <a:schemeClr val="bg1">
+                    <a:lumMod val="75000"/>
+                    <a:lumOff val="25000"/>
+                  </a:schemeClr>
+                </a:solidFill>
+              </a:rPr>
+              <a:t>Condition : predefined </a:t>
+            </a:r>
+            <a:r>
+              <a:rPr lang="en-US" altLang="ko-KR" sz="1000" dirty="0" err="1" smtClean="0">
+                <a:solidFill>
+                  <a:schemeClr val="bg1">
+                    <a:lumMod val="75000"/>
+                    <a:lumOff val="25000"/>
+                  </a:schemeClr>
+                </a:solidFill>
+              </a:rPr>
+              <a:t>senorsor’s</a:t>
+            </a:r>
+            <a:r>
+              <a:rPr lang="en-US" altLang="ko-KR" sz="1000" dirty="0" smtClean="0">
+                <a:solidFill>
+                  <a:schemeClr val="bg1">
+                    <a:lumMod val="75000"/>
+                    <a:lumOff val="25000"/>
+                  </a:schemeClr>
+                </a:solidFill>
+              </a:rPr>
+              <a:t> upper/ lower boundary</a:t>
+            </a:r>
+          </a:p>
+          <a:p>
+            <a:r>
+              <a:rPr lang="en-US" altLang="ko-KR" sz="1000" dirty="0" smtClean="0">
+                <a:solidFill>
+                  <a:schemeClr val="bg1">
+                    <a:lumMod val="75000"/>
+                    <a:lumOff val="25000"/>
+                  </a:schemeClr>
+                </a:solidFill>
+              </a:rPr>
+              <a:t>Actions : notify user such as message (default),</a:t>
+            </a:r>
+          </a:p>
+          <a:p>
+            <a:r>
+              <a:rPr lang="en-US" altLang="ko-KR" sz="1000" dirty="0" smtClean="0">
+                <a:solidFill>
+                  <a:schemeClr val="bg1">
+                    <a:lumMod val="75000"/>
+                    <a:lumOff val="25000"/>
+                  </a:schemeClr>
+                </a:solidFill>
+              </a:rPr>
+              <a:t>* User may change both conditions and actions.</a:t>
+            </a:r>
+            <a:endParaRPr lang="en-US" altLang="ko-KR" sz="1000" dirty="0" smtClean="0">
+              <a:solidFill>
+                <a:schemeClr val="bg1">
+                  <a:lumMod val="75000"/>
+                  <a:lumOff val="25000"/>
+                </a:schemeClr>
+              </a:solidFill>
+            </a:endParaRPr>
+          </a:p>
+        </p:txBody>
+      </p:sp>
+      <p:sp>
+        <p:nvSpPr>
+          <p:cNvPr id="79" name="직각 삼각형 78"/>
+          <p:cNvSpPr/>
+          <p:nvPr/>
+        </p:nvSpPr>
+        <p:spPr>
+          <a:xfrm>
+            <a:off x="4093931" y="5428997"/>
+            <a:ext cx="472790" cy="429275"/>
+          </a:xfrm>
+          <a:prstGeom prst="rtTriangle">
+            <a:avLst/>
+          </a:prstGeom>
+          <a:solidFill>
+            <a:schemeClr val="bg1">
+              <a:lumMod val="50000"/>
+              <a:lumOff val="50000"/>
+            </a:schemeClr>
+          </a:solidFill>
+          <a:ln w="9525">
+            <a:solidFill>
+              <a:schemeClr val="tx1"/>
+            </a:solidFill>
+          </a:ln>
+        </p:spPr>
+        <p:style>
+          <a:lnRef idx="2">
+            <a:schemeClr val="accent1">
+              <a:shade val="50000"/>
+            </a:schemeClr>
+          </a:lnRef>
+          <a:fillRef idx="1">
+            <a:schemeClr val="accent1"/>
+          </a:fillRef>
+          <a:effectRef idx="0">
+            <a:schemeClr val="accent1"/>
+          </a:effectRef>
+          <a:fontRef idx="minor">
+            <a:schemeClr val="lt1"/>
+          </a:fontRef>
+        </p:style>
+        <p:txBody>
+          <a:bodyPr rot="0" spcFirstLastPara="0" vertOverflow="overflow" horzOverflow="overflow" vert="horz" wrap="square" lIns="91440" tIns="45720" rIns="91440" bIns="45720" numCol="1" spcCol="0" rtlCol="0" fromWordArt="0" anchor="ctr" anchorCtr="0" forceAA="0" compatLnSpc="1">
+            <a:prstTxWarp prst="textNoShape">
+              <a:avLst/>
+            </a:prstTxWarp>
+            <a:noAutofit/>
+          </a:bodyPr>
+          <a:lstStyle/>
+          <a:p>
+            <a:pPr algn="ctr"/>
+            <a:endParaRPr lang="ko-KR" altLang="en-US" sz="1200" dirty="0" smtClean="0">
+              <a:solidFill>
+                <a:schemeClr val="bg1">
+                  <a:lumMod val="75000"/>
+                  <a:lumOff val="25000"/>
+                </a:schemeClr>
+              </a:solidFill>
+            </a:endParaRPr>
+          </a:p>
+        </p:txBody>
+      </p:sp>
     </p:spTree>
     <p:extLst>
       <p:ext uri="{BB962C8B-B14F-4D97-AF65-F5344CB8AC3E}">
-        <p14:creationId xmlns:p14="http://schemas.microsoft.com/office/powerpoint/2010/main" val="1213356925"/>
+        <p14:creationId xmlns:p14="http://schemas.microsoft.com/office/powerpoint/2010/main" val="1427456500"/>
       </p:ext>
     </p:extLst>
   </p:cSld>
@@ -16199,6 +19725,3866 @@
       </p:grpSpPr>
       <p:sp>
         <p:nvSpPr>
+          <p:cNvPr id="7" name="직사각형 6"/>
+          <p:cNvSpPr/>
+          <p:nvPr/>
+        </p:nvSpPr>
+        <p:spPr>
+          <a:xfrm>
+            <a:off x="493507" y="1304152"/>
+            <a:ext cx="8209731" cy="4824536"/>
+          </a:xfrm>
+          <a:prstGeom prst="rect">
+            <a:avLst/>
+          </a:prstGeom>
+          <a:solidFill>
+            <a:schemeClr val="tx1"/>
+          </a:solidFill>
+          <a:ln>
+            <a:solidFill>
+              <a:schemeClr val="bg1">
+                <a:lumMod val="75000"/>
+                <a:lumOff val="25000"/>
+              </a:schemeClr>
+            </a:solidFill>
+          </a:ln>
+        </p:spPr>
+        <p:style>
+          <a:lnRef idx="2">
+            <a:schemeClr val="accent1">
+              <a:shade val="50000"/>
+            </a:schemeClr>
+          </a:lnRef>
+          <a:fillRef idx="1">
+            <a:schemeClr val="accent1"/>
+          </a:fillRef>
+          <a:effectRef idx="0">
+            <a:schemeClr val="accent1"/>
+          </a:effectRef>
+          <a:fontRef idx="minor">
+            <a:schemeClr val="lt1"/>
+          </a:fontRef>
+        </p:style>
+        <p:txBody>
+          <a:bodyPr rtlCol="0" anchor="ctr"/>
+          <a:lstStyle/>
+          <a:p>
+            <a:pPr algn="ctr"/>
+            <a:endParaRPr lang="ko-KR" altLang="en-US" sz="800" dirty="0"/>
+          </a:p>
+        </p:txBody>
+      </p:sp>
+      <p:sp>
+        <p:nvSpPr>
+          <p:cNvPr id="2" name="제목 1"/>
+          <p:cNvSpPr>
+            <a:spLocks noGrp="1"/>
+          </p:cNvSpPr>
+          <p:nvPr>
+            <p:ph type="title"/>
+          </p:nvPr>
+        </p:nvSpPr>
+        <p:spPr/>
+        <p:txBody>
+          <a:bodyPr>
+            <a:normAutofit fontScale="90000"/>
+          </a:bodyPr>
+          <a:lstStyle/>
+          <a:p>
+            <a:r>
+              <a:rPr lang="en-US" altLang="ko-KR" dirty="0" smtClean="0"/>
+              <a:t>5.3 Dynamic </a:t>
+            </a:r>
+            <a:r>
+              <a:rPr lang="en-US" altLang="ko-KR" dirty="0" smtClean="0"/>
+              <a:t>View(6)</a:t>
+            </a:r>
+            <a:endParaRPr lang="ko-KR" altLang="en-US" dirty="0"/>
+          </a:p>
+        </p:txBody>
+      </p:sp>
+      <p:sp>
+        <p:nvSpPr>
+          <p:cNvPr id="3" name="TextBox 2"/>
+          <p:cNvSpPr txBox="1"/>
+          <p:nvPr/>
+        </p:nvSpPr>
+        <p:spPr>
+          <a:xfrm>
+            <a:off x="467134" y="934820"/>
+            <a:ext cx="5208157" cy="369332"/>
+          </a:xfrm>
+          <a:prstGeom prst="rect">
+            <a:avLst/>
+          </a:prstGeom>
+          <a:noFill/>
+        </p:spPr>
+        <p:txBody>
+          <a:bodyPr wrap="none" rtlCol="0">
+            <a:spAutoFit/>
+          </a:bodyPr>
+          <a:lstStyle/>
+          <a:p>
+            <a:r>
+              <a:rPr lang="en-US" altLang="ko-KR" dirty="0" smtClean="0"/>
+              <a:t>Communication Diagram: </a:t>
+            </a:r>
+            <a:r>
+              <a:rPr lang="en-US" altLang="ko-KR" dirty="0" smtClean="0"/>
+              <a:t>actuator</a:t>
+            </a:r>
+            <a:r>
+              <a:rPr lang="en-US" altLang="ko-KR" dirty="0" smtClean="0"/>
+              <a:t> mal-function</a:t>
+            </a:r>
+            <a:endParaRPr lang="ko-KR" altLang="en-US" dirty="0"/>
+          </a:p>
+        </p:txBody>
+      </p:sp>
+      <p:sp>
+        <p:nvSpPr>
+          <p:cNvPr id="54" name="직사각형 53"/>
+          <p:cNvSpPr/>
+          <p:nvPr/>
+        </p:nvSpPr>
+        <p:spPr>
+          <a:xfrm>
+            <a:off x="4572000" y="2038669"/>
+            <a:ext cx="1368152" cy="359433"/>
+          </a:xfrm>
+          <a:prstGeom prst="rect">
+            <a:avLst/>
+          </a:prstGeom>
+          <a:solidFill>
+            <a:schemeClr val="tx1"/>
+          </a:solidFill>
+          <a:ln w="9525">
+            <a:solidFill>
+              <a:schemeClr val="bg1">
+                <a:lumMod val="75000"/>
+                <a:lumOff val="25000"/>
+              </a:schemeClr>
+            </a:solidFill>
+          </a:ln>
+        </p:spPr>
+        <p:style>
+          <a:lnRef idx="2">
+            <a:schemeClr val="accent1">
+              <a:shade val="50000"/>
+            </a:schemeClr>
+          </a:lnRef>
+          <a:fillRef idx="1">
+            <a:schemeClr val="accent1"/>
+          </a:fillRef>
+          <a:effectRef idx="0">
+            <a:schemeClr val="accent1"/>
+          </a:effectRef>
+          <a:fontRef idx="minor">
+            <a:schemeClr val="lt1"/>
+          </a:fontRef>
+        </p:style>
+        <p:txBody>
+          <a:bodyPr rtlCol="0" anchor="ctr"/>
+          <a:lstStyle/>
+          <a:p>
+            <a:pPr algn="ctr"/>
+            <a:r>
+              <a:rPr lang="en-US" altLang="ko-KR" sz="1200" dirty="0" smtClean="0">
+                <a:solidFill>
+                  <a:schemeClr val="bg1">
+                    <a:lumMod val="75000"/>
+                    <a:lumOff val="25000"/>
+                  </a:schemeClr>
+                </a:solidFill>
+              </a:rPr>
+              <a:t>:</a:t>
+            </a:r>
+            <a:r>
+              <a:rPr lang="en-US" altLang="ko-KR" sz="1200" dirty="0" err="1" smtClean="0">
+                <a:solidFill>
+                  <a:schemeClr val="bg1">
+                    <a:lumMod val="75000"/>
+                    <a:lumOff val="25000"/>
+                  </a:schemeClr>
+                </a:solidFill>
+              </a:rPr>
+              <a:t>NodeManager</a:t>
+            </a:r>
+            <a:endParaRPr lang="ko-KR" altLang="en-US" sz="1200" dirty="0">
+              <a:solidFill>
+                <a:schemeClr val="bg1">
+                  <a:lumMod val="75000"/>
+                  <a:lumOff val="25000"/>
+                </a:schemeClr>
+              </a:solidFill>
+            </a:endParaRPr>
+          </a:p>
+        </p:txBody>
+      </p:sp>
+      <p:sp>
+        <p:nvSpPr>
+          <p:cNvPr id="55" name="직사각형 54"/>
+          <p:cNvSpPr/>
+          <p:nvPr/>
+        </p:nvSpPr>
+        <p:spPr>
+          <a:xfrm>
+            <a:off x="6511081" y="2038670"/>
+            <a:ext cx="1368152" cy="359433"/>
+          </a:xfrm>
+          <a:prstGeom prst="rect">
+            <a:avLst/>
+          </a:prstGeom>
+          <a:solidFill>
+            <a:schemeClr val="tx1"/>
+          </a:solidFill>
+          <a:ln w="9525">
+            <a:solidFill>
+              <a:schemeClr val="bg1">
+                <a:lumMod val="75000"/>
+                <a:lumOff val="25000"/>
+              </a:schemeClr>
+            </a:solidFill>
+          </a:ln>
+        </p:spPr>
+        <p:style>
+          <a:lnRef idx="2">
+            <a:schemeClr val="accent1">
+              <a:shade val="50000"/>
+            </a:schemeClr>
+          </a:lnRef>
+          <a:fillRef idx="1">
+            <a:schemeClr val="accent1"/>
+          </a:fillRef>
+          <a:effectRef idx="0">
+            <a:schemeClr val="accent1"/>
+          </a:effectRef>
+          <a:fontRef idx="minor">
+            <a:schemeClr val="lt1"/>
+          </a:fontRef>
+        </p:style>
+        <p:txBody>
+          <a:bodyPr rtlCol="0" anchor="ctr"/>
+          <a:lstStyle/>
+          <a:p>
+            <a:pPr algn="ctr"/>
+            <a:r>
+              <a:rPr lang="en-US" altLang="ko-KR" sz="1200" dirty="0" smtClean="0">
+                <a:solidFill>
+                  <a:schemeClr val="bg1">
+                    <a:lumMod val="75000"/>
+                    <a:lumOff val="25000"/>
+                  </a:schemeClr>
+                </a:solidFill>
+              </a:rPr>
+              <a:t>:Link</a:t>
+            </a:r>
+            <a:endParaRPr lang="ko-KR" altLang="en-US" sz="1200" dirty="0">
+              <a:solidFill>
+                <a:schemeClr val="bg1">
+                  <a:lumMod val="75000"/>
+                  <a:lumOff val="25000"/>
+                </a:schemeClr>
+              </a:solidFill>
+            </a:endParaRPr>
+          </a:p>
+        </p:txBody>
+      </p:sp>
+      <p:cxnSp>
+        <p:nvCxnSpPr>
+          <p:cNvPr id="10" name="직선 화살표 연결선 9"/>
+          <p:cNvCxnSpPr/>
+          <p:nvPr/>
+        </p:nvCxnSpPr>
+        <p:spPr>
+          <a:xfrm>
+            <a:off x="683568" y="5520706"/>
+            <a:ext cx="360040" cy="0"/>
+          </a:xfrm>
+          <a:prstGeom prst="straightConnector1">
+            <a:avLst/>
+          </a:prstGeom>
+          <a:ln>
+            <a:solidFill>
+              <a:schemeClr val="bg1">
+                <a:lumMod val="75000"/>
+                <a:lumOff val="25000"/>
+              </a:schemeClr>
+            </a:solidFill>
+            <a:tailEnd type="triangle"/>
+          </a:ln>
+        </p:spPr>
+        <p:style>
+          <a:lnRef idx="1">
+            <a:schemeClr val="accent1"/>
+          </a:lnRef>
+          <a:fillRef idx="0">
+            <a:schemeClr val="accent1"/>
+          </a:fillRef>
+          <a:effectRef idx="0">
+            <a:schemeClr val="accent1"/>
+          </a:effectRef>
+          <a:fontRef idx="minor">
+            <a:schemeClr val="tx1"/>
+          </a:fontRef>
+        </p:style>
+      </p:cxnSp>
+      <p:sp>
+        <p:nvSpPr>
+          <p:cNvPr id="12" name="직사각형 11"/>
+          <p:cNvSpPr/>
+          <p:nvPr/>
+        </p:nvSpPr>
+        <p:spPr>
+          <a:xfrm>
+            <a:off x="-36512" y="5161274"/>
+            <a:ext cx="2138638" cy="284558"/>
+          </a:xfrm>
+          <a:prstGeom prst="rect">
+            <a:avLst/>
+          </a:prstGeom>
+          <a:noFill/>
+          <a:ln w="9525">
+            <a:noFill/>
+          </a:ln>
+        </p:spPr>
+        <p:style>
+          <a:lnRef idx="2">
+            <a:schemeClr val="accent1">
+              <a:shade val="50000"/>
+            </a:schemeClr>
+          </a:lnRef>
+          <a:fillRef idx="1">
+            <a:schemeClr val="accent1"/>
+          </a:fillRef>
+          <a:effectRef idx="0">
+            <a:schemeClr val="accent1"/>
+          </a:effectRef>
+          <a:fontRef idx="minor">
+            <a:schemeClr val="lt1"/>
+          </a:fontRef>
+        </p:style>
+        <p:txBody>
+          <a:bodyPr rot="0" spcFirstLastPara="0" vertOverflow="overflow" horzOverflow="overflow" vert="horz" wrap="square" lIns="91440" tIns="45720" rIns="91440" bIns="45720" numCol="1" spcCol="0" rtlCol="0" fromWordArt="0" anchor="ctr" anchorCtr="0" forceAA="0" compatLnSpc="1">
+            <a:prstTxWarp prst="textNoShape">
+              <a:avLst/>
+            </a:prstTxWarp>
+            <a:noAutofit/>
+          </a:bodyPr>
+          <a:lstStyle/>
+          <a:p>
+            <a:pPr algn="ctr"/>
+            <a:r>
+              <a:rPr lang="en-US" altLang="ko-KR" sz="900" dirty="0" smtClean="0">
+                <a:solidFill>
+                  <a:schemeClr val="bg1">
+                    <a:lumMod val="75000"/>
+                    <a:lumOff val="25000"/>
+                  </a:schemeClr>
+                </a:solidFill>
+              </a:rPr>
+              <a:t>set mode (alarm)</a:t>
+            </a:r>
+            <a:endParaRPr lang="ko-KR" altLang="en-US" sz="1200" dirty="0" smtClean="0">
+              <a:solidFill>
+                <a:schemeClr val="bg1">
+                  <a:lumMod val="75000"/>
+                  <a:lumOff val="25000"/>
+                </a:schemeClr>
+              </a:solidFill>
+            </a:endParaRPr>
+          </a:p>
+        </p:txBody>
+      </p:sp>
+      <p:cxnSp>
+        <p:nvCxnSpPr>
+          <p:cNvPr id="23" name="직선 연결선 22"/>
+          <p:cNvCxnSpPr>
+            <a:stCxn id="54" idx="1"/>
+            <a:endCxn id="62" idx="3"/>
+          </p:cNvCxnSpPr>
+          <p:nvPr/>
+        </p:nvCxnSpPr>
+        <p:spPr>
+          <a:xfrm flipH="1">
+            <a:off x="3563888" y="2218386"/>
+            <a:ext cx="1008112" cy="3361"/>
+          </a:xfrm>
+          <a:prstGeom prst="line">
+            <a:avLst/>
+          </a:prstGeom>
+          <a:ln>
+            <a:solidFill>
+              <a:schemeClr val="bg1">
+                <a:lumMod val="75000"/>
+                <a:lumOff val="25000"/>
+              </a:schemeClr>
+            </a:solidFill>
+            <a:tailEnd type="none" w="lg" len="lg"/>
+          </a:ln>
+        </p:spPr>
+        <p:style>
+          <a:lnRef idx="1">
+            <a:schemeClr val="accent1"/>
+          </a:lnRef>
+          <a:fillRef idx="0">
+            <a:schemeClr val="accent1"/>
+          </a:fillRef>
+          <a:effectRef idx="0">
+            <a:schemeClr val="accent1"/>
+          </a:effectRef>
+          <a:fontRef idx="minor">
+            <a:schemeClr val="tx1"/>
+          </a:fontRef>
+        </p:style>
+      </p:cxnSp>
+      <p:cxnSp>
+        <p:nvCxnSpPr>
+          <p:cNvPr id="65" name="직선 연결선 64"/>
+          <p:cNvCxnSpPr>
+            <a:stCxn id="54" idx="3"/>
+            <a:endCxn id="55" idx="1"/>
+          </p:cNvCxnSpPr>
+          <p:nvPr/>
+        </p:nvCxnSpPr>
+        <p:spPr>
+          <a:xfrm>
+            <a:off x="5940152" y="2218386"/>
+            <a:ext cx="570929" cy="1"/>
+          </a:xfrm>
+          <a:prstGeom prst="line">
+            <a:avLst/>
+          </a:prstGeom>
+          <a:ln>
+            <a:solidFill>
+              <a:schemeClr val="bg1">
+                <a:lumMod val="75000"/>
+                <a:lumOff val="25000"/>
+              </a:schemeClr>
+            </a:solidFill>
+            <a:tailEnd type="none" w="lg" len="lg"/>
+          </a:ln>
+        </p:spPr>
+        <p:style>
+          <a:lnRef idx="1">
+            <a:schemeClr val="accent1"/>
+          </a:lnRef>
+          <a:fillRef idx="0">
+            <a:schemeClr val="accent1"/>
+          </a:fillRef>
+          <a:effectRef idx="0">
+            <a:schemeClr val="accent1"/>
+          </a:effectRef>
+          <a:fontRef idx="minor">
+            <a:schemeClr val="tx1"/>
+          </a:fontRef>
+        </p:style>
+      </p:cxnSp>
+      <p:cxnSp>
+        <p:nvCxnSpPr>
+          <p:cNvPr id="81" name="직선 화살표 연결선 80"/>
+          <p:cNvCxnSpPr/>
+          <p:nvPr/>
+        </p:nvCxnSpPr>
+        <p:spPr>
+          <a:xfrm>
+            <a:off x="3851920" y="2150318"/>
+            <a:ext cx="360040" cy="0"/>
+          </a:xfrm>
+          <a:prstGeom prst="straightConnector1">
+            <a:avLst/>
+          </a:prstGeom>
+          <a:ln>
+            <a:solidFill>
+              <a:schemeClr val="bg1">
+                <a:lumMod val="75000"/>
+                <a:lumOff val="25000"/>
+              </a:schemeClr>
+            </a:solidFill>
+            <a:tailEnd type="arrow"/>
+          </a:ln>
+        </p:spPr>
+        <p:style>
+          <a:lnRef idx="1">
+            <a:schemeClr val="accent1"/>
+          </a:lnRef>
+          <a:fillRef idx="0">
+            <a:schemeClr val="accent1"/>
+          </a:fillRef>
+          <a:effectRef idx="0">
+            <a:schemeClr val="accent1"/>
+          </a:effectRef>
+          <a:fontRef idx="minor">
+            <a:schemeClr val="tx1"/>
+          </a:fontRef>
+        </p:style>
+      </p:cxnSp>
+      <p:sp>
+        <p:nvSpPr>
+          <p:cNvPr id="84" name="직사각형 83"/>
+          <p:cNvSpPr/>
+          <p:nvPr/>
+        </p:nvSpPr>
+        <p:spPr>
+          <a:xfrm>
+            <a:off x="6439073" y="3801227"/>
+            <a:ext cx="1512168" cy="359433"/>
+          </a:xfrm>
+          <a:prstGeom prst="rect">
+            <a:avLst/>
+          </a:prstGeom>
+          <a:solidFill>
+            <a:schemeClr val="tx1"/>
+          </a:solidFill>
+          <a:ln w="9525">
+            <a:solidFill>
+              <a:schemeClr val="bg1">
+                <a:lumMod val="75000"/>
+                <a:lumOff val="25000"/>
+              </a:schemeClr>
+            </a:solidFill>
+          </a:ln>
+        </p:spPr>
+        <p:style>
+          <a:lnRef idx="2">
+            <a:schemeClr val="accent1">
+              <a:shade val="50000"/>
+            </a:schemeClr>
+          </a:lnRef>
+          <a:fillRef idx="1">
+            <a:schemeClr val="accent1"/>
+          </a:fillRef>
+          <a:effectRef idx="0">
+            <a:schemeClr val="accent1"/>
+          </a:effectRef>
+          <a:fontRef idx="minor">
+            <a:schemeClr val="lt1"/>
+          </a:fontRef>
+        </p:style>
+        <p:txBody>
+          <a:bodyPr rtlCol="0" anchor="ctr"/>
+          <a:lstStyle/>
+          <a:p>
+            <a:pPr algn="ctr"/>
+            <a:r>
+              <a:rPr lang="en-US" altLang="ko-KR" sz="1200" dirty="0" smtClean="0">
+                <a:solidFill>
+                  <a:schemeClr val="bg1">
+                    <a:lumMod val="75000"/>
+                    <a:lumOff val="25000"/>
+                  </a:schemeClr>
+                </a:solidFill>
+              </a:rPr>
+              <a:t>:SA-Node(Arduino)</a:t>
+            </a:r>
+            <a:endParaRPr lang="ko-KR" altLang="en-US" sz="1200">
+              <a:solidFill>
+                <a:schemeClr val="bg1">
+                  <a:lumMod val="75000"/>
+                  <a:lumOff val="25000"/>
+                </a:schemeClr>
+              </a:solidFill>
+            </a:endParaRPr>
+          </a:p>
+        </p:txBody>
+      </p:sp>
+      <p:cxnSp>
+        <p:nvCxnSpPr>
+          <p:cNvPr id="85" name="직선 연결선 84"/>
+          <p:cNvCxnSpPr>
+            <a:stCxn id="84" idx="0"/>
+            <a:endCxn id="55" idx="2"/>
+          </p:cNvCxnSpPr>
+          <p:nvPr/>
+        </p:nvCxnSpPr>
+        <p:spPr>
+          <a:xfrm flipV="1">
+            <a:off x="7195157" y="2398103"/>
+            <a:ext cx="0" cy="1403124"/>
+          </a:xfrm>
+          <a:prstGeom prst="line">
+            <a:avLst/>
+          </a:prstGeom>
+          <a:ln>
+            <a:solidFill>
+              <a:schemeClr val="bg1">
+                <a:lumMod val="75000"/>
+                <a:lumOff val="25000"/>
+              </a:schemeClr>
+            </a:solidFill>
+            <a:tailEnd type="none" w="lg" len="lg"/>
+          </a:ln>
+        </p:spPr>
+        <p:style>
+          <a:lnRef idx="1">
+            <a:schemeClr val="accent1"/>
+          </a:lnRef>
+          <a:fillRef idx="0">
+            <a:schemeClr val="accent1"/>
+          </a:fillRef>
+          <a:effectRef idx="0">
+            <a:schemeClr val="accent1"/>
+          </a:effectRef>
+          <a:fontRef idx="minor">
+            <a:schemeClr val="tx1"/>
+          </a:fontRef>
+        </p:style>
+      </p:cxnSp>
+      <p:cxnSp>
+        <p:nvCxnSpPr>
+          <p:cNvPr id="88" name="직선 화살표 연결선 87"/>
+          <p:cNvCxnSpPr/>
+          <p:nvPr/>
+        </p:nvCxnSpPr>
+        <p:spPr>
+          <a:xfrm>
+            <a:off x="7280589" y="2927714"/>
+            <a:ext cx="0" cy="310445"/>
+          </a:xfrm>
+          <a:prstGeom prst="straightConnector1">
+            <a:avLst/>
+          </a:prstGeom>
+          <a:ln>
+            <a:solidFill>
+              <a:schemeClr val="bg1">
+                <a:lumMod val="75000"/>
+                <a:lumOff val="25000"/>
+              </a:schemeClr>
+            </a:solidFill>
+            <a:tailEnd type="arrow"/>
+          </a:ln>
+        </p:spPr>
+        <p:style>
+          <a:lnRef idx="1">
+            <a:schemeClr val="accent1"/>
+          </a:lnRef>
+          <a:fillRef idx="0">
+            <a:schemeClr val="accent1"/>
+          </a:fillRef>
+          <a:effectRef idx="0">
+            <a:schemeClr val="accent1"/>
+          </a:effectRef>
+          <a:fontRef idx="minor">
+            <a:schemeClr val="tx1"/>
+          </a:fontRef>
+        </p:style>
+      </p:cxnSp>
+      <p:sp>
+        <p:nvSpPr>
+          <p:cNvPr id="41" name="직사각형 40"/>
+          <p:cNvSpPr/>
+          <p:nvPr/>
+        </p:nvSpPr>
+        <p:spPr>
+          <a:xfrm>
+            <a:off x="6764492" y="5272257"/>
+            <a:ext cx="1800000" cy="965055"/>
+          </a:xfrm>
+          <a:prstGeom prst="rect">
+            <a:avLst/>
+          </a:prstGeom>
+          <a:solidFill>
+            <a:schemeClr val="tx1"/>
+          </a:solidFill>
+          <a:ln w="9525">
+            <a:solidFill>
+              <a:schemeClr val="bg1">
+                <a:lumMod val="75000"/>
+                <a:lumOff val="25000"/>
+              </a:schemeClr>
+            </a:solidFill>
+          </a:ln>
+        </p:spPr>
+        <p:style>
+          <a:lnRef idx="2">
+            <a:schemeClr val="accent1">
+              <a:shade val="50000"/>
+            </a:schemeClr>
+          </a:lnRef>
+          <a:fillRef idx="1">
+            <a:schemeClr val="accent1"/>
+          </a:fillRef>
+          <a:effectRef idx="0">
+            <a:schemeClr val="accent1"/>
+          </a:effectRef>
+          <a:fontRef idx="minor">
+            <a:schemeClr val="lt1"/>
+          </a:fontRef>
+        </p:style>
+        <p:txBody>
+          <a:bodyPr rot="0" spcFirstLastPara="0" vertOverflow="overflow" horzOverflow="overflow" vert="horz" wrap="square" lIns="91440" tIns="45720" rIns="91440" bIns="45720" numCol="1" spcCol="0" rtlCol="0" fromWordArt="0" anchor="ctr" anchorCtr="0" forceAA="0" compatLnSpc="1">
+            <a:prstTxWarp prst="textNoShape">
+              <a:avLst/>
+            </a:prstTxWarp>
+            <a:noAutofit/>
+          </a:bodyPr>
+          <a:lstStyle/>
+          <a:p>
+            <a:pPr algn="ctr"/>
+            <a:endParaRPr lang="ko-KR" altLang="en-US" sz="1200" dirty="0" smtClean="0">
+              <a:solidFill>
+                <a:schemeClr val="bg1">
+                  <a:lumMod val="75000"/>
+                  <a:lumOff val="25000"/>
+                </a:schemeClr>
+              </a:solidFill>
+            </a:endParaRPr>
+          </a:p>
+        </p:txBody>
+      </p:sp>
+      <p:cxnSp>
+        <p:nvCxnSpPr>
+          <p:cNvPr id="92" name="직선 화살표 연결선 91"/>
+          <p:cNvCxnSpPr/>
+          <p:nvPr/>
+        </p:nvCxnSpPr>
+        <p:spPr>
+          <a:xfrm>
+            <a:off x="6836500" y="5858272"/>
+            <a:ext cx="360040" cy="0"/>
+          </a:xfrm>
+          <a:prstGeom prst="straightConnector1">
+            <a:avLst/>
+          </a:prstGeom>
+          <a:ln>
+            <a:solidFill>
+              <a:schemeClr val="bg1">
+                <a:lumMod val="75000"/>
+                <a:lumOff val="25000"/>
+              </a:schemeClr>
+            </a:solidFill>
+            <a:tailEnd type="arrow"/>
+          </a:ln>
+        </p:spPr>
+        <p:style>
+          <a:lnRef idx="1">
+            <a:schemeClr val="accent1"/>
+          </a:lnRef>
+          <a:fillRef idx="0">
+            <a:schemeClr val="accent1"/>
+          </a:fillRef>
+          <a:effectRef idx="0">
+            <a:schemeClr val="accent1"/>
+          </a:effectRef>
+          <a:fontRef idx="minor">
+            <a:schemeClr val="tx1"/>
+          </a:fontRef>
+        </p:style>
+      </p:cxnSp>
+      <p:cxnSp>
+        <p:nvCxnSpPr>
+          <p:cNvPr id="93" name="직선 화살표 연결선 92"/>
+          <p:cNvCxnSpPr/>
+          <p:nvPr/>
+        </p:nvCxnSpPr>
+        <p:spPr>
+          <a:xfrm>
+            <a:off x="6836500" y="6011788"/>
+            <a:ext cx="360040" cy="0"/>
+          </a:xfrm>
+          <a:prstGeom prst="straightConnector1">
+            <a:avLst/>
+          </a:prstGeom>
+          <a:ln>
+            <a:solidFill>
+              <a:schemeClr val="bg1">
+                <a:lumMod val="75000"/>
+                <a:lumOff val="25000"/>
+              </a:schemeClr>
+            </a:solidFill>
+            <a:tailEnd type="triangle"/>
+          </a:ln>
+        </p:spPr>
+        <p:style>
+          <a:lnRef idx="1">
+            <a:schemeClr val="accent1"/>
+          </a:lnRef>
+          <a:fillRef idx="0">
+            <a:schemeClr val="accent1"/>
+          </a:fillRef>
+          <a:effectRef idx="0">
+            <a:schemeClr val="accent1"/>
+          </a:effectRef>
+          <a:fontRef idx="minor">
+            <a:schemeClr val="tx1"/>
+          </a:fontRef>
+        </p:style>
+      </p:cxnSp>
+      <p:cxnSp>
+        <p:nvCxnSpPr>
+          <p:cNvPr id="95" name="직선 화살표 연결선 94"/>
+          <p:cNvCxnSpPr/>
+          <p:nvPr/>
+        </p:nvCxnSpPr>
+        <p:spPr>
+          <a:xfrm>
+            <a:off x="6836500" y="6165304"/>
+            <a:ext cx="360040" cy="0"/>
+          </a:xfrm>
+          <a:prstGeom prst="straightConnector1">
+            <a:avLst/>
+          </a:prstGeom>
+          <a:ln>
+            <a:solidFill>
+              <a:schemeClr val="bg1">
+                <a:lumMod val="75000"/>
+                <a:lumOff val="25000"/>
+              </a:schemeClr>
+            </a:solidFill>
+            <a:prstDash val="sysDash"/>
+            <a:tailEnd type="triangle"/>
+          </a:ln>
+        </p:spPr>
+        <p:style>
+          <a:lnRef idx="1">
+            <a:schemeClr val="accent1"/>
+          </a:lnRef>
+          <a:fillRef idx="0">
+            <a:schemeClr val="accent1"/>
+          </a:fillRef>
+          <a:effectRef idx="0">
+            <a:schemeClr val="accent1"/>
+          </a:effectRef>
+          <a:fontRef idx="minor">
+            <a:schemeClr val="tx1"/>
+          </a:fontRef>
+        </p:style>
+      </p:cxnSp>
+      <p:sp>
+        <p:nvSpPr>
+          <p:cNvPr id="96" name="직사각형 95"/>
+          <p:cNvSpPr/>
+          <p:nvPr/>
+        </p:nvSpPr>
+        <p:spPr>
+          <a:xfrm>
+            <a:off x="6823248" y="5518988"/>
+            <a:ext cx="360040" cy="90000"/>
+          </a:xfrm>
+          <a:prstGeom prst="rect">
+            <a:avLst/>
+          </a:prstGeom>
+          <a:solidFill>
+            <a:schemeClr val="tx1"/>
+          </a:solidFill>
+          <a:ln w="9525">
+            <a:solidFill>
+              <a:schemeClr val="bg1">
+                <a:lumMod val="75000"/>
+                <a:lumOff val="25000"/>
+              </a:schemeClr>
+            </a:solidFill>
+          </a:ln>
+        </p:spPr>
+        <p:style>
+          <a:lnRef idx="2">
+            <a:schemeClr val="accent1">
+              <a:shade val="50000"/>
+            </a:schemeClr>
+          </a:lnRef>
+          <a:fillRef idx="1">
+            <a:schemeClr val="accent1"/>
+          </a:fillRef>
+          <a:effectRef idx="0">
+            <a:schemeClr val="accent1"/>
+          </a:effectRef>
+          <a:fontRef idx="minor">
+            <a:schemeClr val="lt1"/>
+          </a:fontRef>
+        </p:style>
+        <p:txBody>
+          <a:bodyPr rtlCol="0" anchor="ctr"/>
+          <a:lstStyle/>
+          <a:p>
+            <a:pPr algn="ctr"/>
+            <a:endParaRPr lang="ko-KR" altLang="en-US" sz="1200" dirty="0">
+              <a:solidFill>
+                <a:schemeClr val="bg1">
+                  <a:lumMod val="75000"/>
+                  <a:lumOff val="25000"/>
+                </a:schemeClr>
+              </a:solidFill>
+            </a:endParaRPr>
+          </a:p>
+        </p:txBody>
+      </p:sp>
+      <p:sp>
+        <p:nvSpPr>
+          <p:cNvPr id="43" name="직사각형 42"/>
+          <p:cNvSpPr/>
+          <p:nvPr/>
+        </p:nvSpPr>
+        <p:spPr>
+          <a:xfrm>
+            <a:off x="7164288" y="5294606"/>
+            <a:ext cx="1440160" cy="942706"/>
+          </a:xfrm>
+          <a:prstGeom prst="rect">
+            <a:avLst/>
+          </a:prstGeom>
+          <a:noFill/>
+          <a:ln w="9525">
+            <a:noFill/>
+          </a:ln>
+        </p:spPr>
+        <p:style>
+          <a:lnRef idx="2">
+            <a:schemeClr val="accent1">
+              <a:shade val="50000"/>
+            </a:schemeClr>
+          </a:lnRef>
+          <a:fillRef idx="1">
+            <a:schemeClr val="accent1"/>
+          </a:fillRef>
+          <a:effectRef idx="0">
+            <a:schemeClr val="accent1"/>
+          </a:effectRef>
+          <a:fontRef idx="minor">
+            <a:schemeClr val="lt1"/>
+          </a:fontRef>
+        </p:style>
+        <p:txBody>
+          <a:bodyPr rot="0" spcFirstLastPara="0" vertOverflow="overflow" horzOverflow="overflow" vert="horz" wrap="square" lIns="91440" tIns="45720" rIns="91440" bIns="45720" numCol="1" spcCol="0" rtlCol="0" fromWordArt="0" anchor="ctr" anchorCtr="0" forceAA="0" compatLnSpc="1">
+            <a:prstTxWarp prst="textNoShape">
+              <a:avLst/>
+            </a:prstTxWarp>
+            <a:noAutofit/>
+          </a:bodyPr>
+          <a:lstStyle/>
+          <a:p>
+            <a:r>
+              <a:rPr lang="en-US" altLang="ko-KR" sz="1000" dirty="0" smtClean="0">
+                <a:solidFill>
+                  <a:schemeClr val="bg1">
+                    <a:lumMod val="75000"/>
+                    <a:lumOff val="25000"/>
+                  </a:schemeClr>
+                </a:solidFill>
+              </a:rPr>
+              <a:t>: Note</a:t>
+            </a:r>
+          </a:p>
+          <a:p>
+            <a:r>
+              <a:rPr lang="en-US" altLang="ko-KR" sz="1000" dirty="0" smtClean="0">
+                <a:solidFill>
+                  <a:schemeClr val="bg1">
+                    <a:lumMod val="75000"/>
+                    <a:lumOff val="25000"/>
+                  </a:schemeClr>
+                </a:solidFill>
+              </a:rPr>
+              <a:t>: Object</a:t>
+            </a:r>
+          </a:p>
+          <a:p>
+            <a:r>
+              <a:rPr lang="en-US" altLang="ko-KR" sz="1000" dirty="0" smtClean="0">
+                <a:solidFill>
+                  <a:schemeClr val="bg1">
+                    <a:lumMod val="75000"/>
+                    <a:lumOff val="25000"/>
+                  </a:schemeClr>
+                </a:solidFill>
+              </a:rPr>
+              <a:t>: Link</a:t>
+            </a:r>
+          </a:p>
+          <a:p>
+            <a:r>
+              <a:rPr lang="en-US" altLang="ko-KR" sz="1000" dirty="0" smtClean="0">
+                <a:solidFill>
+                  <a:schemeClr val="bg1">
+                    <a:lumMod val="75000"/>
+                    <a:lumOff val="25000"/>
+                  </a:schemeClr>
+                </a:solidFill>
+              </a:rPr>
+              <a:t>: Asynchronous</a:t>
+            </a:r>
+          </a:p>
+          <a:p>
+            <a:r>
+              <a:rPr lang="en-US" altLang="ko-KR" sz="1000" dirty="0" smtClean="0">
+                <a:solidFill>
+                  <a:schemeClr val="bg1">
+                    <a:lumMod val="75000"/>
+                    <a:lumOff val="25000"/>
+                  </a:schemeClr>
+                </a:solidFill>
+              </a:rPr>
+              <a:t>: Synchronous or Call</a:t>
+            </a:r>
+          </a:p>
+          <a:p>
+            <a:r>
+              <a:rPr lang="en-US" altLang="ko-KR" sz="1000" dirty="0" smtClean="0">
+                <a:solidFill>
+                  <a:schemeClr val="bg1">
+                    <a:lumMod val="75000"/>
+                    <a:lumOff val="25000"/>
+                  </a:schemeClr>
+                </a:solidFill>
+              </a:rPr>
+              <a:t>: Reply</a:t>
+            </a:r>
+          </a:p>
+        </p:txBody>
+      </p:sp>
+      <p:cxnSp>
+        <p:nvCxnSpPr>
+          <p:cNvPr id="46" name="직선 연결선 45"/>
+          <p:cNvCxnSpPr/>
+          <p:nvPr/>
+        </p:nvCxnSpPr>
+        <p:spPr>
+          <a:xfrm>
+            <a:off x="6836500" y="5708496"/>
+            <a:ext cx="346788" cy="0"/>
+          </a:xfrm>
+          <a:prstGeom prst="line">
+            <a:avLst/>
+          </a:prstGeom>
+          <a:ln>
+            <a:solidFill>
+              <a:schemeClr val="bg1">
+                <a:lumMod val="75000"/>
+                <a:lumOff val="25000"/>
+              </a:schemeClr>
+            </a:solidFill>
+            <a:tailEnd type="none" w="lg" len="lg"/>
+          </a:ln>
+        </p:spPr>
+        <p:style>
+          <a:lnRef idx="1">
+            <a:schemeClr val="accent1"/>
+          </a:lnRef>
+          <a:fillRef idx="0">
+            <a:schemeClr val="accent1"/>
+          </a:fillRef>
+          <a:effectRef idx="0">
+            <a:schemeClr val="accent1"/>
+          </a:effectRef>
+          <a:fontRef idx="minor">
+            <a:schemeClr val="tx1"/>
+          </a:fontRef>
+        </p:style>
+      </p:cxnSp>
+      <p:sp>
+        <p:nvSpPr>
+          <p:cNvPr id="108" name="직사각형 107"/>
+          <p:cNvSpPr/>
+          <p:nvPr/>
+        </p:nvSpPr>
+        <p:spPr>
+          <a:xfrm>
+            <a:off x="904331" y="3789040"/>
+            <a:ext cx="1368152" cy="359433"/>
+          </a:xfrm>
+          <a:prstGeom prst="rect">
+            <a:avLst/>
+          </a:prstGeom>
+          <a:solidFill>
+            <a:schemeClr val="tx1"/>
+          </a:solidFill>
+          <a:ln w="9525">
+            <a:solidFill>
+              <a:schemeClr val="bg1">
+                <a:lumMod val="75000"/>
+                <a:lumOff val="25000"/>
+              </a:schemeClr>
+            </a:solidFill>
+          </a:ln>
+        </p:spPr>
+        <p:style>
+          <a:lnRef idx="2">
+            <a:schemeClr val="accent1">
+              <a:shade val="50000"/>
+            </a:schemeClr>
+          </a:lnRef>
+          <a:fillRef idx="1">
+            <a:schemeClr val="accent1"/>
+          </a:fillRef>
+          <a:effectRef idx="0">
+            <a:schemeClr val="accent1"/>
+          </a:effectRef>
+          <a:fontRef idx="minor">
+            <a:schemeClr val="lt1"/>
+          </a:fontRef>
+        </p:style>
+        <p:txBody>
+          <a:bodyPr rtlCol="0" anchor="ctr"/>
+          <a:lstStyle/>
+          <a:p>
+            <a:pPr algn="ctr"/>
+            <a:r>
+              <a:rPr lang="en-US" altLang="ko-KR" sz="1200" dirty="0" smtClean="0">
+                <a:solidFill>
+                  <a:schemeClr val="bg1">
+                    <a:lumMod val="75000"/>
+                    <a:lumOff val="25000"/>
+                  </a:schemeClr>
+                </a:solidFill>
+              </a:rPr>
+              <a:t>:UI Controller</a:t>
+            </a:r>
+            <a:endParaRPr lang="ko-KR" altLang="en-US" sz="1200" dirty="0">
+              <a:solidFill>
+                <a:schemeClr val="bg1">
+                  <a:lumMod val="75000"/>
+                  <a:lumOff val="25000"/>
+                </a:schemeClr>
+              </a:solidFill>
+            </a:endParaRPr>
+          </a:p>
+        </p:txBody>
+      </p:sp>
+      <p:sp>
+        <p:nvSpPr>
+          <p:cNvPr id="111" name="직사각형 110"/>
+          <p:cNvSpPr/>
+          <p:nvPr/>
+        </p:nvSpPr>
+        <p:spPr>
+          <a:xfrm>
+            <a:off x="2952653" y="3297665"/>
+            <a:ext cx="3419547" cy="563383"/>
+          </a:xfrm>
+          <a:prstGeom prst="rect">
+            <a:avLst/>
+          </a:prstGeom>
+          <a:noFill/>
+          <a:ln w="9525">
+            <a:noFill/>
+          </a:ln>
+        </p:spPr>
+        <p:style>
+          <a:lnRef idx="2">
+            <a:schemeClr val="accent1">
+              <a:shade val="50000"/>
+            </a:schemeClr>
+          </a:lnRef>
+          <a:fillRef idx="1">
+            <a:schemeClr val="accent1"/>
+          </a:fillRef>
+          <a:effectRef idx="0">
+            <a:schemeClr val="accent1"/>
+          </a:effectRef>
+          <a:fontRef idx="minor">
+            <a:schemeClr val="lt1"/>
+          </a:fontRef>
+        </p:style>
+        <p:txBody>
+          <a:bodyPr rot="0" spcFirstLastPara="0" vertOverflow="overflow" horzOverflow="overflow" vert="horz" wrap="square" lIns="91440" tIns="45720" rIns="91440" bIns="45720" numCol="1" spcCol="0" rtlCol="0" fromWordArt="0" anchor="ctr" anchorCtr="0" forceAA="0" compatLnSpc="1">
+            <a:prstTxWarp prst="textNoShape">
+              <a:avLst/>
+            </a:prstTxWarp>
+            <a:noAutofit/>
+          </a:bodyPr>
+          <a:lstStyle/>
+          <a:p>
+            <a:r>
+              <a:rPr lang="en-US" altLang="ko-KR" sz="900" dirty="0" smtClean="0">
+                <a:solidFill>
+                  <a:schemeClr val="bg1">
+                    <a:lumMod val="75000"/>
+                    <a:lumOff val="25000"/>
+                  </a:schemeClr>
+                </a:solidFill>
+              </a:rPr>
+              <a:t>[door!=close]</a:t>
+            </a:r>
+            <a:endParaRPr lang="en-US" altLang="ko-KR" sz="900" dirty="0">
+              <a:solidFill>
+                <a:schemeClr val="bg1">
+                  <a:lumMod val="75000"/>
+                  <a:lumOff val="25000"/>
+                </a:schemeClr>
+              </a:solidFill>
+            </a:endParaRPr>
+          </a:p>
+          <a:p>
+            <a:r>
+              <a:rPr lang="en-US" altLang="ko-KR" sz="900" dirty="0" smtClean="0">
+                <a:solidFill>
+                  <a:schemeClr val="bg1">
+                    <a:lumMod val="75000"/>
+                    <a:lumOff val="25000"/>
+                  </a:schemeClr>
+                </a:solidFill>
+              </a:rPr>
+              <a:t>2.2.b </a:t>
+            </a:r>
+            <a:r>
+              <a:rPr lang="en-US" altLang="ko-KR" sz="900" dirty="0" smtClean="0">
+                <a:solidFill>
+                  <a:schemeClr val="bg1">
+                    <a:lumMod val="75000"/>
+                    <a:lumOff val="25000"/>
+                  </a:schemeClr>
+                </a:solidFill>
+              </a:rPr>
+              <a:t>: </a:t>
+            </a:r>
+            <a:r>
+              <a:rPr lang="en-US" altLang="ko-KR" sz="900" dirty="0" err="1" smtClean="0">
+                <a:solidFill>
+                  <a:schemeClr val="bg1">
+                    <a:lumMod val="75000"/>
+                    <a:lumOff val="25000"/>
+                  </a:schemeClr>
+                </a:solidFill>
+              </a:rPr>
+              <a:t>sendMessage</a:t>
+            </a:r>
+            <a:r>
+              <a:rPr lang="en-US" altLang="ko-KR" sz="900" dirty="0" smtClean="0">
+                <a:solidFill>
+                  <a:schemeClr val="bg1">
+                    <a:lumMod val="75000"/>
+                    <a:lumOff val="25000"/>
+                  </a:schemeClr>
+                </a:solidFill>
+              </a:rPr>
+              <a:t> (</a:t>
+            </a:r>
+            <a:r>
+              <a:rPr lang="en-US" altLang="ko-KR" sz="900" dirty="0" err="1" smtClean="0">
+                <a:solidFill>
+                  <a:schemeClr val="bg1">
+                    <a:lumMod val="75000"/>
+                    <a:lumOff val="25000"/>
+                  </a:schemeClr>
+                </a:solidFill>
+              </a:rPr>
+              <a:t>nodeid,thingid,type,value</a:t>
+            </a:r>
+            <a:r>
+              <a:rPr lang="en-US" altLang="ko-KR" sz="900" dirty="0" smtClean="0">
+                <a:solidFill>
+                  <a:schemeClr val="bg1">
+                    <a:lumMod val="75000"/>
+                    <a:lumOff val="25000"/>
+                  </a:schemeClr>
+                </a:solidFill>
+              </a:rPr>
+              <a:t>)</a:t>
+            </a:r>
+          </a:p>
+        </p:txBody>
+      </p:sp>
+      <p:sp>
+        <p:nvSpPr>
+          <p:cNvPr id="120" name="직사각형 119"/>
+          <p:cNvSpPr/>
+          <p:nvPr/>
+        </p:nvSpPr>
+        <p:spPr>
+          <a:xfrm>
+            <a:off x="1184658" y="5445831"/>
+            <a:ext cx="806349" cy="359433"/>
+          </a:xfrm>
+          <a:prstGeom prst="rect">
+            <a:avLst/>
+          </a:prstGeom>
+          <a:solidFill>
+            <a:schemeClr val="tx1"/>
+          </a:solidFill>
+          <a:ln w="9525">
+            <a:solidFill>
+              <a:schemeClr val="bg1">
+                <a:lumMod val="75000"/>
+                <a:lumOff val="25000"/>
+              </a:schemeClr>
+            </a:solidFill>
+          </a:ln>
+        </p:spPr>
+        <p:style>
+          <a:lnRef idx="2">
+            <a:schemeClr val="accent1">
+              <a:shade val="50000"/>
+            </a:schemeClr>
+          </a:lnRef>
+          <a:fillRef idx="1">
+            <a:schemeClr val="accent1"/>
+          </a:fillRef>
+          <a:effectRef idx="0">
+            <a:schemeClr val="accent1"/>
+          </a:effectRef>
+          <a:fontRef idx="minor">
+            <a:schemeClr val="lt1"/>
+          </a:fontRef>
+        </p:style>
+        <p:txBody>
+          <a:bodyPr rtlCol="0" anchor="ctr"/>
+          <a:lstStyle/>
+          <a:p>
+            <a:pPr algn="ctr"/>
+            <a:r>
+              <a:rPr lang="en-US" altLang="ko-KR" sz="1200" dirty="0" smtClean="0">
+                <a:solidFill>
+                  <a:schemeClr val="bg1">
+                    <a:lumMod val="75000"/>
+                    <a:lumOff val="25000"/>
+                  </a:schemeClr>
+                </a:solidFill>
+              </a:rPr>
+              <a:t>:UI View</a:t>
+            </a:r>
+            <a:endParaRPr lang="ko-KR" altLang="en-US" sz="1200">
+              <a:solidFill>
+                <a:schemeClr val="bg1">
+                  <a:lumMod val="75000"/>
+                  <a:lumOff val="25000"/>
+                </a:schemeClr>
+              </a:solidFill>
+            </a:endParaRPr>
+          </a:p>
+        </p:txBody>
+      </p:sp>
+      <p:cxnSp>
+        <p:nvCxnSpPr>
+          <p:cNvPr id="123" name="직선 연결선 122"/>
+          <p:cNvCxnSpPr>
+            <a:stCxn id="108" idx="2"/>
+            <a:endCxn id="120" idx="0"/>
+          </p:cNvCxnSpPr>
+          <p:nvPr/>
+        </p:nvCxnSpPr>
+        <p:spPr>
+          <a:xfrm flipH="1">
+            <a:off x="1587833" y="4148473"/>
+            <a:ext cx="574" cy="1297358"/>
+          </a:xfrm>
+          <a:prstGeom prst="line">
+            <a:avLst/>
+          </a:prstGeom>
+          <a:ln>
+            <a:solidFill>
+              <a:schemeClr val="bg1">
+                <a:lumMod val="75000"/>
+                <a:lumOff val="25000"/>
+              </a:schemeClr>
+            </a:solidFill>
+            <a:tailEnd type="none" w="lg" len="lg"/>
+          </a:ln>
+        </p:spPr>
+        <p:style>
+          <a:lnRef idx="1">
+            <a:schemeClr val="accent1"/>
+          </a:lnRef>
+          <a:fillRef idx="0">
+            <a:schemeClr val="accent1"/>
+          </a:fillRef>
+          <a:effectRef idx="0">
+            <a:schemeClr val="accent1"/>
+          </a:effectRef>
+          <a:fontRef idx="minor">
+            <a:schemeClr val="tx1"/>
+          </a:fontRef>
+        </p:style>
+      </p:cxnSp>
+      <p:cxnSp>
+        <p:nvCxnSpPr>
+          <p:cNvPr id="128" name="직선 연결선 127"/>
+          <p:cNvCxnSpPr>
+            <a:stCxn id="120" idx="1"/>
+          </p:cNvCxnSpPr>
+          <p:nvPr/>
+        </p:nvCxnSpPr>
+        <p:spPr>
+          <a:xfrm flipH="1">
+            <a:off x="616801" y="5625548"/>
+            <a:ext cx="567857" cy="0"/>
+          </a:xfrm>
+          <a:prstGeom prst="line">
+            <a:avLst/>
+          </a:prstGeom>
+          <a:ln>
+            <a:solidFill>
+              <a:schemeClr val="bg1">
+                <a:lumMod val="75000"/>
+                <a:lumOff val="25000"/>
+              </a:schemeClr>
+            </a:solidFill>
+            <a:tailEnd type="none" w="lg" len="lg"/>
+          </a:ln>
+        </p:spPr>
+        <p:style>
+          <a:lnRef idx="1">
+            <a:schemeClr val="accent1"/>
+          </a:lnRef>
+          <a:fillRef idx="0">
+            <a:schemeClr val="accent1"/>
+          </a:fillRef>
+          <a:effectRef idx="0">
+            <a:schemeClr val="accent1"/>
+          </a:effectRef>
+          <a:fontRef idx="minor">
+            <a:schemeClr val="tx1"/>
+          </a:fontRef>
+        </p:style>
+      </p:cxnSp>
+      <p:grpSp>
+        <p:nvGrpSpPr>
+          <p:cNvPr id="163" name="그룹 162"/>
+          <p:cNvGrpSpPr/>
+          <p:nvPr/>
+        </p:nvGrpSpPr>
+        <p:grpSpPr>
+          <a:xfrm>
+            <a:off x="7204352" y="5302491"/>
+            <a:ext cx="409744" cy="139871"/>
+            <a:chOff x="6751241" y="5064193"/>
+            <a:chExt cx="409744" cy="139871"/>
+          </a:xfrm>
+        </p:grpSpPr>
+        <p:sp>
+          <p:nvSpPr>
+            <p:cNvPr id="161" name="한쪽 모서리가 잘린 사각형 160"/>
+            <p:cNvSpPr/>
+            <p:nvPr/>
+          </p:nvSpPr>
+          <p:spPr>
+            <a:xfrm>
+              <a:off x="6751241" y="5096064"/>
+              <a:ext cx="361410" cy="108000"/>
+            </a:xfrm>
+            <a:prstGeom prst="snip1Rect">
+              <a:avLst>
+                <a:gd name="adj" fmla="val 43048"/>
+              </a:avLst>
+            </a:prstGeom>
+            <a:solidFill>
+              <a:schemeClr val="tx1">
+                <a:lumMod val="85000"/>
+              </a:schemeClr>
+            </a:solidFill>
+            <a:ln w="9525">
+              <a:solidFill>
+                <a:schemeClr val="bg1">
+                  <a:lumMod val="75000"/>
+                  <a:lumOff val="25000"/>
+                </a:schemeClr>
+              </a:solidFill>
+            </a:ln>
+          </p:spPr>
+          <p:style>
+            <a:lnRef idx="2">
+              <a:schemeClr val="accent1">
+                <a:shade val="50000"/>
+              </a:schemeClr>
+            </a:lnRef>
+            <a:fillRef idx="1">
+              <a:schemeClr val="accent1"/>
+            </a:fillRef>
+            <a:effectRef idx="0">
+              <a:schemeClr val="accent1"/>
+            </a:effectRef>
+            <a:fontRef idx="minor">
+              <a:schemeClr val="lt1"/>
+            </a:fontRef>
+          </p:style>
+          <p:txBody>
+            <a:bodyPr rot="0" spcFirstLastPara="0" vertOverflow="overflow" horzOverflow="overflow" vert="horz" wrap="square" lIns="91440" tIns="45720" rIns="91440" bIns="45720" numCol="1" spcCol="0" rtlCol="0" fromWordArt="0" anchor="ctr" anchorCtr="0" forceAA="0" compatLnSpc="1">
+              <a:prstTxWarp prst="textNoShape">
+                <a:avLst/>
+              </a:prstTxWarp>
+              <a:noAutofit/>
+            </a:bodyPr>
+            <a:lstStyle/>
+            <a:p>
+              <a:pPr algn="ctr"/>
+              <a:endParaRPr lang="ko-KR" altLang="en-US" sz="1200" dirty="0" smtClean="0">
+                <a:solidFill>
+                  <a:schemeClr val="bg1">
+                    <a:lumMod val="75000"/>
+                    <a:lumOff val="25000"/>
+                  </a:schemeClr>
+                </a:solidFill>
+              </a:endParaRPr>
+            </a:p>
+          </p:txBody>
+        </p:sp>
+        <p:sp>
+          <p:nvSpPr>
+            <p:cNvPr id="162" name="직각 삼각형 161"/>
+            <p:cNvSpPr/>
+            <p:nvPr/>
+          </p:nvSpPr>
+          <p:spPr>
+            <a:xfrm>
+              <a:off x="7052985" y="5064193"/>
+              <a:ext cx="108000" cy="108000"/>
+            </a:xfrm>
+            <a:prstGeom prst="rtTriangle">
+              <a:avLst/>
+            </a:prstGeom>
+            <a:solidFill>
+              <a:schemeClr val="bg1">
+                <a:lumMod val="50000"/>
+                <a:lumOff val="50000"/>
+              </a:schemeClr>
+            </a:solidFill>
+            <a:ln w="9525">
+              <a:solidFill>
+                <a:schemeClr val="tx1"/>
+              </a:solidFill>
+            </a:ln>
+          </p:spPr>
+          <p:style>
+            <a:lnRef idx="2">
+              <a:schemeClr val="accent1">
+                <a:shade val="50000"/>
+              </a:schemeClr>
+            </a:lnRef>
+            <a:fillRef idx="1">
+              <a:schemeClr val="accent1"/>
+            </a:fillRef>
+            <a:effectRef idx="0">
+              <a:schemeClr val="accent1"/>
+            </a:effectRef>
+            <a:fontRef idx="minor">
+              <a:schemeClr val="lt1"/>
+            </a:fontRef>
+          </p:style>
+          <p:txBody>
+            <a:bodyPr rot="0" spcFirstLastPara="0" vertOverflow="overflow" horzOverflow="overflow" vert="horz" wrap="square" lIns="91440" tIns="45720" rIns="91440" bIns="45720" numCol="1" spcCol="0" rtlCol="0" fromWordArt="0" anchor="ctr" anchorCtr="0" forceAA="0" compatLnSpc="1">
+              <a:prstTxWarp prst="textNoShape">
+                <a:avLst/>
+              </a:prstTxWarp>
+              <a:noAutofit/>
+            </a:bodyPr>
+            <a:lstStyle/>
+            <a:p>
+              <a:pPr algn="ctr"/>
+              <a:endParaRPr lang="ko-KR" altLang="en-US" sz="1200" dirty="0" smtClean="0">
+                <a:solidFill>
+                  <a:schemeClr val="bg1">
+                    <a:lumMod val="75000"/>
+                    <a:lumOff val="25000"/>
+                  </a:schemeClr>
+                </a:solidFill>
+              </a:endParaRPr>
+            </a:p>
+          </p:txBody>
+        </p:sp>
+      </p:grpSp>
+      <p:sp>
+        <p:nvSpPr>
+          <p:cNvPr id="168" name="직사각형 167"/>
+          <p:cNvSpPr/>
+          <p:nvPr/>
+        </p:nvSpPr>
+        <p:spPr>
+          <a:xfrm>
+            <a:off x="1537441" y="4758207"/>
+            <a:ext cx="1450383" cy="321234"/>
+          </a:xfrm>
+          <a:prstGeom prst="rect">
+            <a:avLst/>
+          </a:prstGeom>
+          <a:noFill/>
+          <a:ln w="9525">
+            <a:noFill/>
+          </a:ln>
+        </p:spPr>
+        <p:style>
+          <a:lnRef idx="2">
+            <a:schemeClr val="accent1">
+              <a:shade val="50000"/>
+            </a:schemeClr>
+          </a:lnRef>
+          <a:fillRef idx="1">
+            <a:schemeClr val="accent1"/>
+          </a:fillRef>
+          <a:effectRef idx="0">
+            <a:schemeClr val="accent1"/>
+          </a:effectRef>
+          <a:fontRef idx="minor">
+            <a:schemeClr val="lt1"/>
+          </a:fontRef>
+        </p:style>
+        <p:txBody>
+          <a:bodyPr rot="0" spcFirstLastPara="0" vertOverflow="overflow" horzOverflow="overflow" vert="horz" wrap="square" lIns="91440" tIns="45720" rIns="91440" bIns="45720" numCol="1" spcCol="0" rtlCol="0" fromWordArt="0" anchor="ctr" anchorCtr="0" forceAA="0" compatLnSpc="1">
+            <a:prstTxWarp prst="textNoShape">
+              <a:avLst/>
+            </a:prstTxWarp>
+            <a:noAutofit/>
+          </a:bodyPr>
+          <a:lstStyle/>
+          <a:p>
+            <a:pPr algn="ctr"/>
+            <a:r>
+              <a:rPr lang="en-US" altLang="ko-KR" sz="900" dirty="0" smtClean="0">
+                <a:solidFill>
+                  <a:schemeClr val="bg1">
+                    <a:lumMod val="75000"/>
+                    <a:lumOff val="25000"/>
+                  </a:schemeClr>
+                </a:solidFill>
+              </a:rPr>
+              <a:t>1: </a:t>
+            </a:r>
+            <a:r>
+              <a:rPr lang="en-US" altLang="ko-KR" sz="900" dirty="0" err="1" smtClean="0">
+                <a:solidFill>
+                  <a:schemeClr val="bg1">
+                    <a:lumMod val="75000"/>
+                    <a:lumOff val="25000"/>
+                  </a:schemeClr>
+                </a:solidFill>
+              </a:rPr>
+              <a:t>setMode</a:t>
+            </a:r>
+            <a:r>
+              <a:rPr lang="en-US" altLang="ko-KR" sz="900" dirty="0" smtClean="0">
+                <a:solidFill>
+                  <a:schemeClr val="bg1">
+                    <a:lumMod val="75000"/>
+                    <a:lumOff val="25000"/>
+                  </a:schemeClr>
+                </a:solidFill>
+              </a:rPr>
+              <a:t> (alarm)</a:t>
+            </a:r>
+            <a:endParaRPr lang="ko-KR" altLang="en-US" sz="900" dirty="0" smtClean="0">
+              <a:solidFill>
+                <a:schemeClr val="bg1">
+                  <a:lumMod val="75000"/>
+                  <a:lumOff val="25000"/>
+                </a:schemeClr>
+              </a:solidFill>
+            </a:endParaRPr>
+          </a:p>
+        </p:txBody>
+      </p:sp>
+      <p:cxnSp>
+        <p:nvCxnSpPr>
+          <p:cNvPr id="169" name="직선 화살표 연결선 168"/>
+          <p:cNvCxnSpPr/>
+          <p:nvPr/>
+        </p:nvCxnSpPr>
+        <p:spPr>
+          <a:xfrm flipV="1">
+            <a:off x="1690732" y="4614382"/>
+            <a:ext cx="0" cy="326179"/>
+          </a:xfrm>
+          <a:prstGeom prst="straightConnector1">
+            <a:avLst/>
+          </a:prstGeom>
+          <a:ln>
+            <a:solidFill>
+              <a:schemeClr val="bg1">
+                <a:lumMod val="75000"/>
+                <a:lumOff val="25000"/>
+              </a:schemeClr>
+            </a:solidFill>
+            <a:tailEnd type="triangle"/>
+          </a:ln>
+        </p:spPr>
+        <p:style>
+          <a:lnRef idx="1">
+            <a:schemeClr val="accent1"/>
+          </a:lnRef>
+          <a:fillRef idx="0">
+            <a:schemeClr val="accent1"/>
+          </a:fillRef>
+          <a:effectRef idx="0">
+            <a:schemeClr val="accent1"/>
+          </a:effectRef>
+          <a:fontRef idx="minor">
+            <a:schemeClr val="tx1"/>
+          </a:fontRef>
+        </p:style>
+      </p:cxnSp>
+      <p:grpSp>
+        <p:nvGrpSpPr>
+          <p:cNvPr id="56" name="그룹 55"/>
+          <p:cNvGrpSpPr/>
+          <p:nvPr/>
+        </p:nvGrpSpPr>
+        <p:grpSpPr>
+          <a:xfrm>
+            <a:off x="7241699" y="4651548"/>
+            <a:ext cx="1463147" cy="435224"/>
+            <a:chOff x="5983459" y="4477352"/>
+            <a:chExt cx="1209431" cy="562201"/>
+          </a:xfrm>
+        </p:grpSpPr>
+        <p:sp>
+          <p:nvSpPr>
+            <p:cNvPr id="57" name="한쪽 모서리가 잘린 사각형 56"/>
+            <p:cNvSpPr/>
+            <p:nvPr/>
+          </p:nvSpPr>
+          <p:spPr>
+            <a:xfrm>
+              <a:off x="5983459" y="4502100"/>
+              <a:ext cx="1155381" cy="537453"/>
+            </a:xfrm>
+            <a:prstGeom prst="snip1Rect">
+              <a:avLst>
+                <a:gd name="adj" fmla="val 43048"/>
+              </a:avLst>
+            </a:prstGeom>
+            <a:solidFill>
+              <a:schemeClr val="tx1">
+                <a:lumMod val="75000"/>
+              </a:schemeClr>
+            </a:solidFill>
+            <a:ln w="9525">
+              <a:solidFill>
+                <a:schemeClr val="bg1">
+                  <a:lumMod val="75000"/>
+                  <a:lumOff val="25000"/>
+                </a:schemeClr>
+              </a:solidFill>
+            </a:ln>
+          </p:spPr>
+          <p:style>
+            <a:lnRef idx="2">
+              <a:schemeClr val="accent1">
+                <a:shade val="50000"/>
+              </a:schemeClr>
+            </a:lnRef>
+            <a:fillRef idx="1">
+              <a:schemeClr val="accent1"/>
+            </a:fillRef>
+            <a:effectRef idx="0">
+              <a:schemeClr val="accent1"/>
+            </a:effectRef>
+            <a:fontRef idx="minor">
+              <a:schemeClr val="lt1"/>
+            </a:fontRef>
+          </p:style>
+          <p:txBody>
+            <a:bodyPr rot="0" spcFirstLastPara="0" vertOverflow="overflow" horzOverflow="overflow" vert="horz" wrap="square" lIns="91440" tIns="45720" rIns="91440" bIns="45720" numCol="1" spcCol="0" rtlCol="0" fromWordArt="0" anchor="b" anchorCtr="0" forceAA="0" compatLnSpc="1">
+              <a:prstTxWarp prst="textNoShape">
+                <a:avLst/>
+              </a:prstTxWarp>
+              <a:noAutofit/>
+            </a:bodyPr>
+            <a:lstStyle/>
+            <a:p>
+              <a:r>
+                <a:rPr lang="en-US" altLang="ko-KR" sz="1000" b="1" dirty="0" smtClean="0">
+                  <a:solidFill>
+                    <a:schemeClr val="bg1">
+                      <a:lumMod val="75000"/>
+                      <a:lumOff val="25000"/>
+                    </a:schemeClr>
+                  </a:solidFill>
+                </a:rPr>
+                <a:t>Sa-Node</a:t>
+              </a:r>
+            </a:p>
+            <a:p>
+              <a:r>
+                <a:rPr lang="en-US" altLang="ko-KR" sz="1000" dirty="0" smtClean="0">
+                  <a:solidFill>
+                    <a:schemeClr val="bg1">
+                      <a:lumMod val="75000"/>
+                      <a:lumOff val="25000"/>
+                    </a:schemeClr>
+                  </a:solidFill>
+                </a:rPr>
+                <a:t>control actuator</a:t>
+              </a:r>
+              <a:endParaRPr lang="ko-KR" altLang="en-US" sz="1000" dirty="0" smtClean="0">
+                <a:solidFill>
+                  <a:schemeClr val="bg1">
+                    <a:lumMod val="75000"/>
+                    <a:lumOff val="25000"/>
+                  </a:schemeClr>
+                </a:solidFill>
+              </a:endParaRPr>
+            </a:p>
+          </p:txBody>
+        </p:sp>
+        <p:sp>
+          <p:nvSpPr>
+            <p:cNvPr id="58" name="직각 삼각형 57"/>
+            <p:cNvSpPr/>
+            <p:nvPr/>
+          </p:nvSpPr>
+          <p:spPr>
+            <a:xfrm>
+              <a:off x="6974360" y="4477352"/>
+              <a:ext cx="218530" cy="257075"/>
+            </a:xfrm>
+            <a:prstGeom prst="rtTriangle">
+              <a:avLst/>
+            </a:prstGeom>
+            <a:solidFill>
+              <a:schemeClr val="bg1">
+                <a:lumMod val="50000"/>
+                <a:lumOff val="50000"/>
+              </a:schemeClr>
+            </a:solidFill>
+            <a:ln w="9525">
+              <a:solidFill>
+                <a:schemeClr val="tx1"/>
+              </a:solidFill>
+            </a:ln>
+          </p:spPr>
+          <p:style>
+            <a:lnRef idx="2">
+              <a:schemeClr val="accent1">
+                <a:shade val="50000"/>
+              </a:schemeClr>
+            </a:lnRef>
+            <a:fillRef idx="1">
+              <a:schemeClr val="accent1"/>
+            </a:fillRef>
+            <a:effectRef idx="0">
+              <a:schemeClr val="accent1"/>
+            </a:effectRef>
+            <a:fontRef idx="minor">
+              <a:schemeClr val="lt1"/>
+            </a:fontRef>
+          </p:style>
+          <p:txBody>
+            <a:bodyPr rot="0" spcFirstLastPara="0" vertOverflow="overflow" horzOverflow="overflow" vert="horz" wrap="square" lIns="91440" tIns="45720" rIns="91440" bIns="45720" numCol="1" spcCol="0" rtlCol="0" fromWordArt="0" anchor="ctr" anchorCtr="0" forceAA="0" compatLnSpc="1">
+              <a:prstTxWarp prst="textNoShape">
+                <a:avLst/>
+              </a:prstTxWarp>
+              <a:noAutofit/>
+            </a:bodyPr>
+            <a:lstStyle/>
+            <a:p>
+              <a:pPr algn="ctr"/>
+              <a:endParaRPr lang="ko-KR" altLang="en-US" sz="1200" dirty="0" smtClean="0">
+                <a:solidFill>
+                  <a:schemeClr val="bg1">
+                    <a:lumMod val="75000"/>
+                    <a:lumOff val="25000"/>
+                  </a:schemeClr>
+                </a:solidFill>
+              </a:endParaRPr>
+            </a:p>
+          </p:txBody>
+        </p:sp>
+      </p:grpSp>
+      <p:cxnSp>
+        <p:nvCxnSpPr>
+          <p:cNvPr id="6" name="직선 연결선 5"/>
+          <p:cNvCxnSpPr>
+            <a:stCxn id="57" idx="3"/>
+          </p:cNvCxnSpPr>
+          <p:nvPr/>
+        </p:nvCxnSpPr>
+        <p:spPr>
+          <a:xfrm flipH="1" flipV="1">
+            <a:off x="7647956" y="4510213"/>
+            <a:ext cx="292622" cy="160493"/>
+          </a:xfrm>
+          <a:prstGeom prst="line">
+            <a:avLst/>
+          </a:prstGeom>
+          <a:ln>
+            <a:solidFill>
+              <a:schemeClr val="bg1">
+                <a:lumMod val="75000"/>
+                <a:lumOff val="25000"/>
+              </a:schemeClr>
+            </a:solidFill>
+            <a:prstDash val="dash"/>
+            <a:tailEnd type="none" w="lg" len="lg"/>
+          </a:ln>
+        </p:spPr>
+        <p:style>
+          <a:lnRef idx="1">
+            <a:schemeClr val="accent1"/>
+          </a:lnRef>
+          <a:fillRef idx="0">
+            <a:schemeClr val="accent1"/>
+          </a:fillRef>
+          <a:effectRef idx="0">
+            <a:schemeClr val="accent1"/>
+          </a:effectRef>
+          <a:fontRef idx="minor">
+            <a:schemeClr val="tx1"/>
+          </a:fontRef>
+        </p:style>
+      </p:cxnSp>
+      <p:sp>
+        <p:nvSpPr>
+          <p:cNvPr id="62" name="직사각형 61"/>
+          <p:cNvSpPr/>
+          <p:nvPr/>
+        </p:nvSpPr>
+        <p:spPr>
+          <a:xfrm>
+            <a:off x="2195736" y="2042030"/>
+            <a:ext cx="1368152" cy="359433"/>
+          </a:xfrm>
+          <a:prstGeom prst="rect">
+            <a:avLst/>
+          </a:prstGeom>
+          <a:solidFill>
+            <a:schemeClr val="tx1"/>
+          </a:solidFill>
+          <a:ln w="9525">
+            <a:solidFill>
+              <a:schemeClr val="bg1">
+                <a:lumMod val="75000"/>
+                <a:lumOff val="25000"/>
+              </a:schemeClr>
+            </a:solidFill>
+          </a:ln>
+        </p:spPr>
+        <p:style>
+          <a:lnRef idx="2">
+            <a:schemeClr val="accent1">
+              <a:shade val="50000"/>
+            </a:schemeClr>
+          </a:lnRef>
+          <a:fillRef idx="1">
+            <a:schemeClr val="accent1"/>
+          </a:fillRef>
+          <a:effectRef idx="0">
+            <a:schemeClr val="accent1"/>
+          </a:effectRef>
+          <a:fontRef idx="minor">
+            <a:schemeClr val="lt1"/>
+          </a:fontRef>
+        </p:style>
+        <p:txBody>
+          <a:bodyPr rtlCol="0" anchor="ctr"/>
+          <a:lstStyle/>
+          <a:p>
+            <a:pPr algn="ctr"/>
+            <a:r>
+              <a:rPr lang="en-US" altLang="ko-KR" sz="1200" dirty="0" smtClean="0">
+                <a:solidFill>
+                  <a:schemeClr val="bg1">
+                    <a:lumMod val="75000"/>
+                    <a:lumOff val="25000"/>
+                  </a:schemeClr>
+                </a:solidFill>
+              </a:rPr>
+              <a:t>:</a:t>
+            </a:r>
+            <a:r>
+              <a:rPr lang="en-US" altLang="ko-KR" sz="1200" dirty="0" err="1" smtClean="0">
+                <a:solidFill>
+                  <a:schemeClr val="bg1">
+                    <a:lumMod val="75000"/>
+                    <a:lumOff val="25000"/>
+                  </a:schemeClr>
+                </a:solidFill>
+              </a:rPr>
+              <a:t>RuleManager</a:t>
+            </a:r>
+            <a:endParaRPr lang="ko-KR" altLang="en-US" sz="1200" dirty="0">
+              <a:solidFill>
+                <a:schemeClr val="bg1">
+                  <a:lumMod val="75000"/>
+                  <a:lumOff val="25000"/>
+                </a:schemeClr>
+              </a:solidFill>
+            </a:endParaRPr>
+          </a:p>
+        </p:txBody>
+      </p:sp>
+      <p:cxnSp>
+        <p:nvCxnSpPr>
+          <p:cNvPr id="68" name="직선 화살표 연결선 67"/>
+          <p:cNvCxnSpPr/>
+          <p:nvPr/>
+        </p:nvCxnSpPr>
+        <p:spPr>
+          <a:xfrm flipV="1">
+            <a:off x="1700955" y="3102821"/>
+            <a:ext cx="0" cy="326179"/>
+          </a:xfrm>
+          <a:prstGeom prst="straightConnector1">
+            <a:avLst/>
+          </a:prstGeom>
+          <a:ln>
+            <a:solidFill>
+              <a:schemeClr val="bg1">
+                <a:lumMod val="75000"/>
+                <a:lumOff val="25000"/>
+              </a:schemeClr>
+            </a:solidFill>
+            <a:tailEnd type="arrow"/>
+          </a:ln>
+        </p:spPr>
+        <p:style>
+          <a:lnRef idx="1">
+            <a:schemeClr val="accent1"/>
+          </a:lnRef>
+          <a:fillRef idx="0">
+            <a:schemeClr val="accent1"/>
+          </a:fillRef>
+          <a:effectRef idx="0">
+            <a:schemeClr val="accent1"/>
+          </a:effectRef>
+          <a:fontRef idx="minor">
+            <a:schemeClr val="tx1"/>
+          </a:fontRef>
+        </p:style>
+      </p:cxnSp>
+      <p:sp>
+        <p:nvSpPr>
+          <p:cNvPr id="70" name="직사각형 69"/>
+          <p:cNvSpPr/>
+          <p:nvPr/>
+        </p:nvSpPr>
+        <p:spPr>
+          <a:xfrm>
+            <a:off x="5161914" y="1701415"/>
+            <a:ext cx="2290406" cy="359433"/>
+          </a:xfrm>
+          <a:prstGeom prst="rect">
+            <a:avLst/>
+          </a:prstGeom>
+          <a:noFill/>
+          <a:ln w="9525">
+            <a:noFill/>
+          </a:ln>
+        </p:spPr>
+        <p:style>
+          <a:lnRef idx="2">
+            <a:schemeClr val="accent1">
+              <a:shade val="50000"/>
+            </a:schemeClr>
+          </a:lnRef>
+          <a:fillRef idx="1">
+            <a:schemeClr val="accent1"/>
+          </a:fillRef>
+          <a:effectRef idx="0">
+            <a:schemeClr val="accent1"/>
+          </a:effectRef>
+          <a:fontRef idx="minor">
+            <a:schemeClr val="lt1"/>
+          </a:fontRef>
+        </p:style>
+        <p:txBody>
+          <a:bodyPr rot="0" spcFirstLastPara="0" vertOverflow="overflow" horzOverflow="overflow" vert="horz" wrap="square" lIns="91440" tIns="45720" rIns="91440" bIns="45720" numCol="1" spcCol="0" rtlCol="0" fromWordArt="0" anchor="ctr" anchorCtr="0" forceAA="0" compatLnSpc="1">
+            <a:prstTxWarp prst="textNoShape">
+              <a:avLst/>
+            </a:prstTxWarp>
+            <a:noAutofit/>
+          </a:bodyPr>
+          <a:lstStyle/>
+          <a:p>
+            <a:pPr algn="ctr"/>
+            <a:r>
+              <a:rPr lang="en-US" altLang="ko-KR" sz="900" dirty="0" smtClean="0">
+                <a:solidFill>
+                  <a:schemeClr val="bg1">
+                    <a:lumMod val="75000"/>
+                    <a:lumOff val="25000"/>
+                  </a:schemeClr>
+                </a:solidFill>
+              </a:rPr>
+              <a:t>1.3: send</a:t>
+            </a:r>
+          </a:p>
+          <a:p>
+            <a:pPr algn="ctr"/>
+            <a:r>
+              <a:rPr lang="en-US" altLang="ko-KR" sz="900" dirty="0" smtClean="0">
+                <a:solidFill>
+                  <a:schemeClr val="bg1">
+                    <a:lumMod val="75000"/>
+                    <a:lumOff val="25000"/>
+                  </a:schemeClr>
+                </a:solidFill>
+              </a:rPr>
+              <a:t>(</a:t>
+            </a:r>
+            <a:r>
+              <a:rPr lang="en-US" altLang="ko-KR" sz="900" dirty="0" err="1" smtClean="0">
+                <a:solidFill>
+                  <a:schemeClr val="bg1">
+                    <a:lumMod val="75000"/>
+                    <a:lumOff val="25000"/>
+                  </a:schemeClr>
+                </a:solidFill>
+              </a:rPr>
+              <a:t>nodeid,thingid,type,value</a:t>
+            </a:r>
+            <a:r>
+              <a:rPr lang="en-US" altLang="ko-KR" sz="900" dirty="0" smtClean="0">
+                <a:solidFill>
+                  <a:schemeClr val="bg1">
+                    <a:lumMod val="75000"/>
+                    <a:lumOff val="25000"/>
+                  </a:schemeClr>
+                </a:solidFill>
+              </a:rPr>
+              <a:t>)</a:t>
+            </a:r>
+          </a:p>
+          <a:p>
+            <a:pPr algn="ctr"/>
+            <a:r>
+              <a:rPr lang="en-US" altLang="ko-KR" sz="900" dirty="0" smtClean="0">
+                <a:solidFill>
+                  <a:schemeClr val="bg1">
+                    <a:lumMod val="75000"/>
+                    <a:lumOff val="25000"/>
+                  </a:schemeClr>
+                </a:solidFill>
+              </a:rPr>
+              <a:t>: close door</a:t>
+            </a:r>
+            <a:endParaRPr lang="ko-KR" altLang="en-US" sz="900" dirty="0" smtClean="0">
+              <a:solidFill>
+                <a:schemeClr val="bg1">
+                  <a:lumMod val="75000"/>
+                  <a:lumOff val="25000"/>
+                </a:schemeClr>
+              </a:solidFill>
+            </a:endParaRPr>
+          </a:p>
+        </p:txBody>
+      </p:sp>
+      <p:sp>
+        <p:nvSpPr>
+          <p:cNvPr id="71" name="직사각형 70"/>
+          <p:cNvSpPr/>
+          <p:nvPr/>
+        </p:nvSpPr>
+        <p:spPr>
+          <a:xfrm>
+            <a:off x="6804248" y="3069567"/>
+            <a:ext cx="2211185" cy="359433"/>
+          </a:xfrm>
+          <a:prstGeom prst="rect">
+            <a:avLst/>
+          </a:prstGeom>
+          <a:noFill/>
+          <a:ln w="9525">
+            <a:noFill/>
+          </a:ln>
+        </p:spPr>
+        <p:style>
+          <a:lnRef idx="2">
+            <a:schemeClr val="accent1">
+              <a:shade val="50000"/>
+            </a:schemeClr>
+          </a:lnRef>
+          <a:fillRef idx="1">
+            <a:schemeClr val="accent1"/>
+          </a:fillRef>
+          <a:effectRef idx="0">
+            <a:schemeClr val="accent1"/>
+          </a:effectRef>
+          <a:fontRef idx="minor">
+            <a:schemeClr val="lt1"/>
+          </a:fontRef>
+        </p:style>
+        <p:txBody>
+          <a:bodyPr rot="0" spcFirstLastPara="0" vertOverflow="overflow" horzOverflow="overflow" vert="horz" wrap="square" lIns="91440" tIns="45720" rIns="91440" bIns="45720" numCol="1" spcCol="0" rtlCol="0" fromWordArt="0" anchor="ctr" anchorCtr="0" forceAA="0" compatLnSpc="1">
+            <a:prstTxWarp prst="textNoShape">
+              <a:avLst/>
+            </a:prstTxWarp>
+            <a:noAutofit/>
+          </a:bodyPr>
+          <a:lstStyle/>
+          <a:p>
+            <a:pPr algn="ctr"/>
+            <a:r>
+              <a:rPr lang="en-US" altLang="ko-KR" sz="900" dirty="0" smtClean="0">
+                <a:solidFill>
+                  <a:schemeClr val="bg1">
+                    <a:lumMod val="75000"/>
+                    <a:lumOff val="25000"/>
+                  </a:schemeClr>
+                </a:solidFill>
+              </a:rPr>
+              <a:t>1.4: send</a:t>
+            </a:r>
+          </a:p>
+          <a:p>
+            <a:pPr algn="ctr"/>
+            <a:r>
+              <a:rPr lang="en-US" altLang="ko-KR" sz="900" dirty="0" smtClean="0">
+                <a:solidFill>
+                  <a:schemeClr val="bg1">
+                    <a:lumMod val="75000"/>
+                    <a:lumOff val="25000"/>
+                  </a:schemeClr>
+                </a:solidFill>
+              </a:rPr>
+              <a:t>(</a:t>
+            </a:r>
+            <a:r>
+              <a:rPr lang="en-US" altLang="ko-KR" sz="900" dirty="0" err="1" smtClean="0">
+                <a:solidFill>
+                  <a:schemeClr val="bg1">
+                    <a:lumMod val="75000"/>
+                    <a:lumOff val="25000"/>
+                  </a:schemeClr>
+                </a:solidFill>
+              </a:rPr>
+              <a:t>nodeid,thingid,type,value</a:t>
+            </a:r>
+            <a:r>
+              <a:rPr lang="en-US" altLang="ko-KR" sz="1200" dirty="0" smtClean="0">
+                <a:solidFill>
+                  <a:schemeClr val="bg1">
+                    <a:lumMod val="75000"/>
+                    <a:lumOff val="25000"/>
+                  </a:schemeClr>
+                </a:solidFill>
+              </a:rPr>
+              <a:t>)</a:t>
+            </a:r>
+          </a:p>
+          <a:p>
+            <a:pPr algn="ctr"/>
+            <a:r>
+              <a:rPr lang="en-US" altLang="ko-KR" sz="900" dirty="0" smtClean="0">
+                <a:solidFill>
+                  <a:schemeClr val="bg1">
+                    <a:lumMod val="75000"/>
+                    <a:lumOff val="25000"/>
+                  </a:schemeClr>
+                </a:solidFill>
+              </a:rPr>
+              <a:t>: Close door</a:t>
+            </a:r>
+            <a:endParaRPr lang="ko-KR" altLang="en-US" sz="900" dirty="0" smtClean="0">
+              <a:solidFill>
+                <a:schemeClr val="bg1">
+                  <a:lumMod val="75000"/>
+                  <a:lumOff val="25000"/>
+                </a:schemeClr>
+              </a:solidFill>
+            </a:endParaRPr>
+          </a:p>
+        </p:txBody>
+      </p:sp>
+      <p:grpSp>
+        <p:nvGrpSpPr>
+          <p:cNvPr id="72" name="그룹 71"/>
+          <p:cNvGrpSpPr/>
+          <p:nvPr/>
+        </p:nvGrpSpPr>
+        <p:grpSpPr>
+          <a:xfrm>
+            <a:off x="616801" y="1304153"/>
+            <a:ext cx="1879323" cy="738368"/>
+            <a:chOff x="6251007" y="3768164"/>
+            <a:chExt cx="1193301" cy="489806"/>
+          </a:xfrm>
+        </p:grpSpPr>
+        <p:sp>
+          <p:nvSpPr>
+            <p:cNvPr id="73" name="한쪽 모서리가 잘린 사각형 72"/>
+            <p:cNvSpPr/>
+            <p:nvPr/>
+          </p:nvSpPr>
+          <p:spPr>
+            <a:xfrm>
+              <a:off x="6251007" y="3792508"/>
+              <a:ext cx="1155381" cy="465462"/>
+            </a:xfrm>
+            <a:prstGeom prst="snip1Rect">
+              <a:avLst>
+                <a:gd name="adj" fmla="val 43048"/>
+              </a:avLst>
+            </a:prstGeom>
+            <a:solidFill>
+              <a:schemeClr val="tx1">
+                <a:lumMod val="75000"/>
+              </a:schemeClr>
+            </a:solidFill>
+            <a:ln w="9525">
+              <a:solidFill>
+                <a:schemeClr val="bg1">
+                  <a:lumMod val="75000"/>
+                  <a:lumOff val="25000"/>
+                </a:schemeClr>
+              </a:solidFill>
+            </a:ln>
+          </p:spPr>
+          <p:style>
+            <a:lnRef idx="2">
+              <a:schemeClr val="accent1">
+                <a:shade val="50000"/>
+              </a:schemeClr>
+            </a:lnRef>
+            <a:fillRef idx="1">
+              <a:schemeClr val="accent1"/>
+            </a:fillRef>
+            <a:effectRef idx="0">
+              <a:schemeClr val="accent1"/>
+            </a:effectRef>
+            <a:fontRef idx="minor">
+              <a:schemeClr val="lt1"/>
+            </a:fontRef>
+          </p:style>
+          <p:txBody>
+            <a:bodyPr rot="0" spcFirstLastPara="0" vertOverflow="overflow" horzOverflow="overflow" vert="horz" wrap="square" lIns="91440" tIns="45720" rIns="91440" bIns="45720" numCol="1" spcCol="0" rtlCol="0" fromWordArt="0" anchor="b" anchorCtr="0" forceAA="0" compatLnSpc="1">
+              <a:prstTxWarp prst="textNoShape">
+                <a:avLst/>
+              </a:prstTxWarp>
+              <a:noAutofit/>
+            </a:bodyPr>
+            <a:lstStyle/>
+            <a:p>
+              <a:r>
+                <a:rPr lang="en-US" altLang="ko-KR" sz="1000" b="1" dirty="0" smtClean="0">
+                  <a:solidFill>
+                    <a:schemeClr val="bg1">
+                      <a:lumMod val="75000"/>
+                      <a:lumOff val="25000"/>
+                    </a:schemeClr>
+                  </a:solidFill>
+                </a:rPr>
+                <a:t>Rule Manager</a:t>
+              </a:r>
+            </a:p>
+            <a:p>
+              <a:r>
+                <a:rPr lang="en-US" altLang="ko-KR" sz="1000" dirty="0" smtClean="0">
+                  <a:solidFill>
+                    <a:schemeClr val="bg1">
+                      <a:lumMod val="75000"/>
+                      <a:lumOff val="25000"/>
+                    </a:schemeClr>
+                  </a:solidFill>
+                </a:rPr>
+                <a:t>Check rule sets and </a:t>
+              </a:r>
+              <a:endParaRPr lang="en-US" altLang="ko-KR" sz="1000" dirty="0" smtClean="0">
+                <a:solidFill>
+                  <a:schemeClr val="bg1">
+                    <a:lumMod val="75000"/>
+                    <a:lumOff val="25000"/>
+                  </a:schemeClr>
+                </a:solidFill>
+              </a:endParaRPr>
+            </a:p>
+            <a:p>
+              <a:r>
+                <a:rPr lang="en-US" altLang="ko-KR" sz="1000" dirty="0" smtClean="0">
+                  <a:solidFill>
+                    <a:schemeClr val="bg1">
+                      <a:lumMod val="75000"/>
+                      <a:lumOff val="25000"/>
+                    </a:schemeClr>
+                  </a:solidFill>
+                </a:rPr>
+                <a:t>do predefined actions. (Close door) </a:t>
+              </a:r>
+              <a:endParaRPr lang="en-US" altLang="ko-KR" sz="1000" dirty="0" smtClean="0">
+                <a:solidFill>
+                  <a:schemeClr val="bg1">
+                    <a:lumMod val="75000"/>
+                    <a:lumOff val="25000"/>
+                  </a:schemeClr>
+                </a:solidFill>
+              </a:endParaRPr>
+            </a:p>
+          </p:txBody>
+        </p:sp>
+        <p:sp>
+          <p:nvSpPr>
+            <p:cNvPr id="74" name="직각 삼각형 73"/>
+            <p:cNvSpPr/>
+            <p:nvPr/>
+          </p:nvSpPr>
+          <p:spPr>
+            <a:xfrm>
+              <a:off x="7225778" y="3768164"/>
+              <a:ext cx="218530" cy="257075"/>
+            </a:xfrm>
+            <a:prstGeom prst="rtTriangle">
+              <a:avLst/>
+            </a:prstGeom>
+            <a:solidFill>
+              <a:schemeClr val="bg1">
+                <a:lumMod val="50000"/>
+                <a:lumOff val="50000"/>
+              </a:schemeClr>
+            </a:solidFill>
+            <a:ln w="9525">
+              <a:solidFill>
+                <a:schemeClr val="tx1"/>
+              </a:solidFill>
+            </a:ln>
+          </p:spPr>
+          <p:style>
+            <a:lnRef idx="2">
+              <a:schemeClr val="accent1">
+                <a:shade val="50000"/>
+              </a:schemeClr>
+            </a:lnRef>
+            <a:fillRef idx="1">
+              <a:schemeClr val="accent1"/>
+            </a:fillRef>
+            <a:effectRef idx="0">
+              <a:schemeClr val="accent1"/>
+            </a:effectRef>
+            <a:fontRef idx="minor">
+              <a:schemeClr val="lt1"/>
+            </a:fontRef>
+          </p:style>
+          <p:txBody>
+            <a:bodyPr rot="0" spcFirstLastPara="0" vertOverflow="overflow" horzOverflow="overflow" vert="horz" wrap="square" lIns="91440" tIns="45720" rIns="91440" bIns="45720" numCol="1" spcCol="0" rtlCol="0" fromWordArt="0" anchor="ctr" anchorCtr="0" forceAA="0" compatLnSpc="1">
+              <a:prstTxWarp prst="textNoShape">
+                <a:avLst/>
+              </a:prstTxWarp>
+              <a:noAutofit/>
+            </a:bodyPr>
+            <a:lstStyle/>
+            <a:p>
+              <a:pPr algn="ctr"/>
+              <a:endParaRPr lang="ko-KR" altLang="en-US" sz="1200" dirty="0" smtClean="0">
+                <a:solidFill>
+                  <a:schemeClr val="bg1">
+                    <a:lumMod val="75000"/>
+                    <a:lumOff val="25000"/>
+                  </a:schemeClr>
+                </a:solidFill>
+              </a:endParaRPr>
+            </a:p>
+          </p:txBody>
+        </p:sp>
+      </p:grpSp>
+      <p:cxnSp>
+        <p:nvCxnSpPr>
+          <p:cNvPr id="75" name="직선 연결선 74"/>
+          <p:cNvCxnSpPr>
+            <a:stCxn id="73" idx="1"/>
+            <a:endCxn id="52" idx="5"/>
+          </p:cNvCxnSpPr>
+          <p:nvPr/>
+        </p:nvCxnSpPr>
+        <p:spPr>
+          <a:xfrm>
+            <a:off x="1526603" y="2042521"/>
+            <a:ext cx="727623" cy="237076"/>
+          </a:xfrm>
+          <a:prstGeom prst="line">
+            <a:avLst/>
+          </a:prstGeom>
+          <a:ln>
+            <a:solidFill>
+              <a:schemeClr val="bg1">
+                <a:lumMod val="75000"/>
+                <a:lumOff val="25000"/>
+              </a:schemeClr>
+            </a:solidFill>
+            <a:prstDash val="dash"/>
+            <a:tailEnd type="none" w="lg" len="lg"/>
+          </a:ln>
+        </p:spPr>
+        <p:style>
+          <a:lnRef idx="1">
+            <a:schemeClr val="accent1"/>
+          </a:lnRef>
+          <a:fillRef idx="0">
+            <a:schemeClr val="accent1"/>
+          </a:fillRef>
+          <a:effectRef idx="0">
+            <a:schemeClr val="accent1"/>
+          </a:effectRef>
+          <a:fontRef idx="minor">
+            <a:schemeClr val="tx1"/>
+          </a:fontRef>
+        </p:style>
+      </p:cxnSp>
+      <p:sp>
+        <p:nvSpPr>
+          <p:cNvPr id="52" name="타원 51"/>
+          <p:cNvSpPr/>
+          <p:nvPr/>
+        </p:nvSpPr>
+        <p:spPr>
+          <a:xfrm>
+            <a:off x="2192770" y="2218141"/>
+            <a:ext cx="72000" cy="72000"/>
+          </a:xfrm>
+          <a:prstGeom prst="ellipse">
+            <a:avLst/>
+          </a:prstGeom>
+          <a:solidFill>
+            <a:schemeClr val="tx1"/>
+          </a:solidFill>
+          <a:ln w="9525">
+            <a:solidFill>
+              <a:schemeClr val="bg1">
+                <a:lumMod val="75000"/>
+                <a:lumOff val="25000"/>
+              </a:schemeClr>
+            </a:solidFill>
+          </a:ln>
+        </p:spPr>
+        <p:style>
+          <a:lnRef idx="2">
+            <a:schemeClr val="accent1">
+              <a:shade val="50000"/>
+            </a:schemeClr>
+          </a:lnRef>
+          <a:fillRef idx="1">
+            <a:schemeClr val="accent1"/>
+          </a:fillRef>
+          <a:effectRef idx="0">
+            <a:schemeClr val="accent1"/>
+          </a:effectRef>
+          <a:fontRef idx="minor">
+            <a:schemeClr val="lt1"/>
+          </a:fontRef>
+        </p:style>
+        <p:txBody>
+          <a:bodyPr rtlCol="0" anchor="ctr"/>
+          <a:lstStyle/>
+          <a:p>
+            <a:pPr algn="ctr"/>
+            <a:endParaRPr lang="ko-KR" altLang="en-US" sz="1200" dirty="0" smtClean="0">
+              <a:solidFill>
+                <a:schemeClr val="bg1">
+                  <a:lumMod val="75000"/>
+                  <a:lumOff val="25000"/>
+                </a:schemeClr>
+              </a:solidFill>
+            </a:endParaRPr>
+          </a:p>
+        </p:txBody>
+      </p:sp>
+      <p:sp>
+        <p:nvSpPr>
+          <p:cNvPr id="59" name="타원 58"/>
+          <p:cNvSpPr/>
+          <p:nvPr/>
+        </p:nvSpPr>
+        <p:spPr>
+          <a:xfrm>
+            <a:off x="7185351" y="4221096"/>
+            <a:ext cx="72000" cy="72000"/>
+          </a:xfrm>
+          <a:prstGeom prst="ellipse">
+            <a:avLst/>
+          </a:prstGeom>
+          <a:solidFill>
+            <a:schemeClr val="tx1"/>
+          </a:solidFill>
+          <a:ln w="9525">
+            <a:solidFill>
+              <a:schemeClr val="bg1">
+                <a:lumMod val="75000"/>
+                <a:lumOff val="25000"/>
+              </a:schemeClr>
+            </a:solidFill>
+          </a:ln>
+        </p:spPr>
+        <p:style>
+          <a:lnRef idx="2">
+            <a:schemeClr val="accent1">
+              <a:shade val="50000"/>
+            </a:schemeClr>
+          </a:lnRef>
+          <a:fillRef idx="1">
+            <a:schemeClr val="accent1"/>
+          </a:fillRef>
+          <a:effectRef idx="0">
+            <a:schemeClr val="accent1"/>
+          </a:effectRef>
+          <a:fontRef idx="minor">
+            <a:schemeClr val="lt1"/>
+          </a:fontRef>
+        </p:style>
+        <p:txBody>
+          <a:bodyPr rtlCol="0" anchor="ctr"/>
+          <a:lstStyle/>
+          <a:p>
+            <a:pPr algn="ctr"/>
+            <a:endParaRPr lang="ko-KR" altLang="en-US" sz="1200" dirty="0" smtClean="0">
+              <a:solidFill>
+                <a:schemeClr val="bg1">
+                  <a:lumMod val="75000"/>
+                  <a:lumOff val="25000"/>
+                </a:schemeClr>
+              </a:solidFill>
+            </a:endParaRPr>
+          </a:p>
+        </p:txBody>
+      </p:sp>
+      <p:cxnSp>
+        <p:nvCxnSpPr>
+          <p:cNvPr id="20" name="꺾인 연결선 19"/>
+          <p:cNvCxnSpPr>
+            <a:stCxn id="108" idx="0"/>
+            <a:endCxn id="62" idx="1"/>
+          </p:cNvCxnSpPr>
+          <p:nvPr/>
+        </p:nvCxnSpPr>
+        <p:spPr>
+          <a:xfrm rot="5400000" flipH="1" flipV="1">
+            <a:off x="1108425" y="2701730"/>
+            <a:ext cx="1567293" cy="607329"/>
+          </a:xfrm>
+          <a:prstGeom prst="bentConnector2">
+            <a:avLst/>
+          </a:prstGeom>
+          <a:ln>
+            <a:solidFill>
+              <a:schemeClr val="bg1">
+                <a:lumMod val="75000"/>
+                <a:lumOff val="25000"/>
+              </a:schemeClr>
+            </a:solidFill>
+            <a:tailEnd type="none" w="lg" len="lg"/>
+          </a:ln>
+        </p:spPr>
+        <p:style>
+          <a:lnRef idx="1">
+            <a:schemeClr val="accent1"/>
+          </a:lnRef>
+          <a:fillRef idx="0">
+            <a:schemeClr val="accent1"/>
+          </a:fillRef>
+          <a:effectRef idx="0">
+            <a:schemeClr val="accent1"/>
+          </a:effectRef>
+          <a:fontRef idx="minor">
+            <a:schemeClr val="tx1"/>
+          </a:fontRef>
+        </p:style>
+      </p:cxnSp>
+      <p:sp>
+        <p:nvSpPr>
+          <p:cNvPr id="69" name="직사각형 68"/>
+          <p:cNvSpPr/>
+          <p:nvPr/>
+        </p:nvSpPr>
+        <p:spPr>
+          <a:xfrm>
+            <a:off x="3479576" y="3918705"/>
+            <a:ext cx="1368152" cy="359433"/>
+          </a:xfrm>
+          <a:prstGeom prst="rect">
+            <a:avLst/>
+          </a:prstGeom>
+          <a:solidFill>
+            <a:schemeClr val="tx1"/>
+          </a:solidFill>
+          <a:ln w="9525">
+            <a:solidFill>
+              <a:schemeClr val="bg1">
+                <a:lumMod val="75000"/>
+                <a:lumOff val="25000"/>
+              </a:schemeClr>
+            </a:solidFill>
+          </a:ln>
+        </p:spPr>
+        <p:style>
+          <a:lnRef idx="2">
+            <a:schemeClr val="accent1">
+              <a:shade val="50000"/>
+            </a:schemeClr>
+          </a:lnRef>
+          <a:fillRef idx="1">
+            <a:schemeClr val="accent1"/>
+          </a:fillRef>
+          <a:effectRef idx="0">
+            <a:schemeClr val="accent1"/>
+          </a:effectRef>
+          <a:fontRef idx="minor">
+            <a:schemeClr val="lt1"/>
+          </a:fontRef>
+        </p:style>
+        <p:txBody>
+          <a:bodyPr rtlCol="0" anchor="ctr"/>
+          <a:lstStyle/>
+          <a:p>
+            <a:pPr algn="ctr"/>
+            <a:r>
+              <a:rPr lang="en-US" altLang="ko-KR" sz="1200" dirty="0" smtClean="0">
+                <a:solidFill>
+                  <a:schemeClr val="bg1">
+                    <a:lumMod val="75000"/>
+                    <a:lumOff val="25000"/>
+                  </a:schemeClr>
+                </a:solidFill>
+              </a:rPr>
+              <a:t>:Message</a:t>
+            </a:r>
+            <a:endParaRPr lang="ko-KR" altLang="en-US" sz="1200" dirty="0">
+              <a:solidFill>
+                <a:schemeClr val="bg1">
+                  <a:lumMod val="75000"/>
+                  <a:lumOff val="25000"/>
+                </a:schemeClr>
+              </a:solidFill>
+            </a:endParaRPr>
+          </a:p>
+        </p:txBody>
+      </p:sp>
+      <p:cxnSp>
+        <p:nvCxnSpPr>
+          <p:cNvPr id="76" name="꺾인 연결선 75"/>
+          <p:cNvCxnSpPr>
+            <a:stCxn id="69" idx="0"/>
+            <a:endCxn id="62" idx="2"/>
+          </p:cNvCxnSpPr>
+          <p:nvPr/>
+        </p:nvCxnSpPr>
+        <p:spPr>
+          <a:xfrm rot="16200000" flipV="1">
+            <a:off x="2763111" y="2518164"/>
+            <a:ext cx="1517242" cy="1283840"/>
+          </a:xfrm>
+          <a:prstGeom prst="bentConnector3">
+            <a:avLst>
+              <a:gd name="adj1" fmla="val 50000"/>
+            </a:avLst>
+          </a:prstGeom>
+          <a:ln>
+            <a:solidFill>
+              <a:schemeClr val="bg1">
+                <a:lumMod val="75000"/>
+                <a:lumOff val="25000"/>
+              </a:schemeClr>
+            </a:solidFill>
+            <a:tailEnd type="none" w="lg" len="lg"/>
+          </a:ln>
+        </p:spPr>
+        <p:style>
+          <a:lnRef idx="1">
+            <a:schemeClr val="accent1"/>
+          </a:lnRef>
+          <a:fillRef idx="0">
+            <a:schemeClr val="accent1"/>
+          </a:fillRef>
+          <a:effectRef idx="0">
+            <a:schemeClr val="accent1"/>
+          </a:effectRef>
+          <a:fontRef idx="minor">
+            <a:schemeClr val="tx1"/>
+          </a:fontRef>
+        </p:style>
+      </p:cxnSp>
+      <p:sp>
+        <p:nvSpPr>
+          <p:cNvPr id="77" name="직사각형 76"/>
+          <p:cNvSpPr/>
+          <p:nvPr/>
+        </p:nvSpPr>
+        <p:spPr>
+          <a:xfrm>
+            <a:off x="1547664" y="3179774"/>
+            <a:ext cx="1450383" cy="321234"/>
+          </a:xfrm>
+          <a:prstGeom prst="rect">
+            <a:avLst/>
+          </a:prstGeom>
+          <a:noFill/>
+          <a:ln w="9525">
+            <a:noFill/>
+          </a:ln>
+        </p:spPr>
+        <p:style>
+          <a:lnRef idx="2">
+            <a:schemeClr val="accent1">
+              <a:shade val="50000"/>
+            </a:schemeClr>
+          </a:lnRef>
+          <a:fillRef idx="1">
+            <a:schemeClr val="accent1"/>
+          </a:fillRef>
+          <a:effectRef idx="0">
+            <a:schemeClr val="accent1"/>
+          </a:effectRef>
+          <a:fontRef idx="minor">
+            <a:schemeClr val="lt1"/>
+          </a:fontRef>
+        </p:style>
+        <p:txBody>
+          <a:bodyPr rot="0" spcFirstLastPara="0" vertOverflow="overflow" horzOverflow="overflow" vert="horz" wrap="square" lIns="91440" tIns="45720" rIns="91440" bIns="45720" numCol="1" spcCol="0" rtlCol="0" fromWordArt="0" anchor="ctr" anchorCtr="0" forceAA="0" compatLnSpc="1">
+            <a:prstTxWarp prst="textNoShape">
+              <a:avLst/>
+            </a:prstTxWarp>
+            <a:noAutofit/>
+          </a:bodyPr>
+          <a:lstStyle/>
+          <a:p>
+            <a:pPr algn="ctr"/>
+            <a:r>
+              <a:rPr lang="en-US" altLang="ko-KR" sz="900" dirty="0" smtClean="0">
+                <a:solidFill>
+                  <a:schemeClr val="bg1">
+                    <a:lumMod val="75000"/>
+                    <a:lumOff val="25000"/>
+                  </a:schemeClr>
+                </a:solidFill>
+              </a:rPr>
+              <a:t>1.1: </a:t>
+            </a:r>
+            <a:r>
+              <a:rPr lang="en-US" altLang="ko-KR" sz="900" dirty="0" err="1" smtClean="0">
+                <a:solidFill>
+                  <a:schemeClr val="bg1">
+                    <a:lumMod val="75000"/>
+                    <a:lumOff val="25000"/>
+                  </a:schemeClr>
+                </a:solidFill>
+              </a:rPr>
+              <a:t>setMode</a:t>
+            </a:r>
+            <a:r>
+              <a:rPr lang="en-US" altLang="ko-KR" sz="900" dirty="0" smtClean="0">
+                <a:solidFill>
+                  <a:schemeClr val="bg1">
+                    <a:lumMod val="75000"/>
+                    <a:lumOff val="25000"/>
+                  </a:schemeClr>
+                </a:solidFill>
+              </a:rPr>
+              <a:t> (alarm)</a:t>
+            </a:r>
+            <a:endParaRPr lang="ko-KR" altLang="en-US" sz="900" dirty="0" smtClean="0">
+              <a:solidFill>
+                <a:schemeClr val="bg1">
+                  <a:lumMod val="75000"/>
+                  <a:lumOff val="25000"/>
+                </a:schemeClr>
+              </a:solidFill>
+            </a:endParaRPr>
+          </a:p>
+        </p:txBody>
+      </p:sp>
+      <p:cxnSp>
+        <p:nvCxnSpPr>
+          <p:cNvPr id="78" name="직선 화살표 연결선 77"/>
+          <p:cNvCxnSpPr/>
+          <p:nvPr/>
+        </p:nvCxnSpPr>
+        <p:spPr>
+          <a:xfrm>
+            <a:off x="6012160" y="2150318"/>
+            <a:ext cx="360040" cy="0"/>
+          </a:xfrm>
+          <a:prstGeom prst="straightConnector1">
+            <a:avLst/>
+          </a:prstGeom>
+          <a:ln>
+            <a:solidFill>
+              <a:schemeClr val="bg1">
+                <a:lumMod val="75000"/>
+                <a:lumOff val="25000"/>
+              </a:schemeClr>
+            </a:solidFill>
+            <a:tailEnd type="arrow"/>
+          </a:ln>
+        </p:spPr>
+        <p:style>
+          <a:lnRef idx="1">
+            <a:schemeClr val="accent1"/>
+          </a:lnRef>
+          <a:fillRef idx="0">
+            <a:schemeClr val="accent1"/>
+          </a:fillRef>
+          <a:effectRef idx="0">
+            <a:schemeClr val="accent1"/>
+          </a:effectRef>
+          <a:fontRef idx="minor">
+            <a:schemeClr val="tx1"/>
+          </a:fontRef>
+        </p:style>
+      </p:cxnSp>
+      <p:sp>
+        <p:nvSpPr>
+          <p:cNvPr id="79" name="직사각형 78"/>
+          <p:cNvSpPr/>
+          <p:nvPr/>
+        </p:nvSpPr>
+        <p:spPr>
+          <a:xfrm>
+            <a:off x="5529951" y="4553611"/>
+            <a:ext cx="2042026" cy="359433"/>
+          </a:xfrm>
+          <a:prstGeom prst="rect">
+            <a:avLst/>
+          </a:prstGeom>
+          <a:noFill/>
+          <a:ln w="9525">
+            <a:noFill/>
+          </a:ln>
+        </p:spPr>
+        <p:style>
+          <a:lnRef idx="2">
+            <a:schemeClr val="accent1">
+              <a:shade val="50000"/>
+            </a:schemeClr>
+          </a:lnRef>
+          <a:fillRef idx="1">
+            <a:schemeClr val="accent1"/>
+          </a:fillRef>
+          <a:effectRef idx="0">
+            <a:schemeClr val="accent1"/>
+          </a:effectRef>
+          <a:fontRef idx="minor">
+            <a:schemeClr val="lt1"/>
+          </a:fontRef>
+        </p:style>
+        <p:txBody>
+          <a:bodyPr rot="0" spcFirstLastPara="0" vertOverflow="overflow" horzOverflow="overflow" vert="horz" wrap="square" lIns="91440" tIns="45720" rIns="91440" bIns="45720" numCol="1" spcCol="0" rtlCol="0" fromWordArt="0" anchor="ctr" anchorCtr="0" forceAA="0" compatLnSpc="1">
+            <a:prstTxWarp prst="textNoShape">
+              <a:avLst/>
+            </a:prstTxWarp>
+            <a:noAutofit/>
+          </a:bodyPr>
+          <a:lstStyle/>
+          <a:p>
+            <a:pPr algn="ctr"/>
+            <a:r>
+              <a:rPr lang="en-US" altLang="ko-KR" sz="900" dirty="0" err="1" smtClean="0">
+                <a:solidFill>
+                  <a:schemeClr val="bg1">
+                    <a:lumMod val="75000"/>
+                    <a:lumOff val="25000"/>
+                  </a:schemeClr>
+                </a:solidFill>
+              </a:rPr>
+              <a:t>updateSensorInfo</a:t>
+            </a:r>
+            <a:r>
+              <a:rPr lang="en-US" altLang="ko-KR" sz="900" dirty="0" smtClean="0">
+                <a:solidFill>
+                  <a:schemeClr val="bg1">
+                    <a:lumMod val="75000"/>
+                    <a:lumOff val="25000"/>
+                  </a:schemeClr>
+                </a:solidFill>
+              </a:rPr>
+              <a:t>()</a:t>
+            </a:r>
+            <a:endParaRPr lang="ko-KR" altLang="en-US" sz="900" dirty="0" smtClean="0">
+              <a:solidFill>
+                <a:schemeClr val="bg1">
+                  <a:lumMod val="75000"/>
+                  <a:lumOff val="25000"/>
+                </a:schemeClr>
+              </a:solidFill>
+            </a:endParaRPr>
+          </a:p>
+        </p:txBody>
+      </p:sp>
+      <p:cxnSp>
+        <p:nvCxnSpPr>
+          <p:cNvPr id="83" name="직선 화살표 연결선 82"/>
+          <p:cNvCxnSpPr/>
+          <p:nvPr/>
+        </p:nvCxnSpPr>
+        <p:spPr>
+          <a:xfrm flipV="1">
+            <a:off x="7003268" y="4327824"/>
+            <a:ext cx="0" cy="262635"/>
+          </a:xfrm>
+          <a:prstGeom prst="straightConnector1">
+            <a:avLst/>
+          </a:prstGeom>
+          <a:ln>
+            <a:solidFill>
+              <a:schemeClr val="bg1">
+                <a:lumMod val="75000"/>
+                <a:lumOff val="25000"/>
+              </a:schemeClr>
+            </a:solidFill>
+            <a:tailEnd type="triangle"/>
+          </a:ln>
+        </p:spPr>
+        <p:style>
+          <a:lnRef idx="1">
+            <a:schemeClr val="accent1"/>
+          </a:lnRef>
+          <a:fillRef idx="0">
+            <a:schemeClr val="accent1"/>
+          </a:fillRef>
+          <a:effectRef idx="0">
+            <a:schemeClr val="accent1"/>
+          </a:effectRef>
+          <a:fontRef idx="minor">
+            <a:schemeClr val="tx1"/>
+          </a:fontRef>
+        </p:style>
+      </p:cxnSp>
+      <p:cxnSp>
+        <p:nvCxnSpPr>
+          <p:cNvPr id="86" name="직선 연결선 85"/>
+          <p:cNvCxnSpPr/>
+          <p:nvPr/>
+        </p:nvCxnSpPr>
+        <p:spPr>
+          <a:xfrm flipV="1">
+            <a:off x="7204352" y="4192179"/>
+            <a:ext cx="0" cy="722865"/>
+          </a:xfrm>
+          <a:prstGeom prst="line">
+            <a:avLst/>
+          </a:prstGeom>
+          <a:ln>
+            <a:solidFill>
+              <a:schemeClr val="bg1">
+                <a:lumMod val="75000"/>
+                <a:lumOff val="25000"/>
+              </a:schemeClr>
+            </a:solidFill>
+            <a:tailEnd type="none" w="lg" len="lg"/>
+          </a:ln>
+        </p:spPr>
+        <p:style>
+          <a:lnRef idx="1">
+            <a:schemeClr val="accent1"/>
+          </a:lnRef>
+          <a:fillRef idx="0">
+            <a:schemeClr val="accent1"/>
+          </a:fillRef>
+          <a:effectRef idx="0">
+            <a:schemeClr val="accent1"/>
+          </a:effectRef>
+          <a:fontRef idx="minor">
+            <a:schemeClr val="tx1"/>
+          </a:fontRef>
+        </p:style>
+      </p:cxnSp>
+      <p:sp>
+        <p:nvSpPr>
+          <p:cNvPr id="94" name="직사각형 93"/>
+          <p:cNvSpPr/>
+          <p:nvPr/>
+        </p:nvSpPr>
+        <p:spPr>
+          <a:xfrm>
+            <a:off x="5482302" y="3069567"/>
+            <a:ext cx="2042026" cy="359433"/>
+          </a:xfrm>
+          <a:prstGeom prst="rect">
+            <a:avLst/>
+          </a:prstGeom>
+          <a:noFill/>
+          <a:ln w="9525">
+            <a:noFill/>
+          </a:ln>
+        </p:spPr>
+        <p:style>
+          <a:lnRef idx="2">
+            <a:schemeClr val="accent1">
+              <a:shade val="50000"/>
+            </a:schemeClr>
+          </a:lnRef>
+          <a:fillRef idx="1">
+            <a:schemeClr val="accent1"/>
+          </a:fillRef>
+          <a:effectRef idx="0">
+            <a:schemeClr val="accent1"/>
+          </a:effectRef>
+          <a:fontRef idx="minor">
+            <a:schemeClr val="lt1"/>
+          </a:fontRef>
+        </p:style>
+        <p:txBody>
+          <a:bodyPr rot="0" spcFirstLastPara="0" vertOverflow="overflow" horzOverflow="overflow" vert="horz" wrap="square" lIns="91440" tIns="45720" rIns="91440" bIns="45720" numCol="1" spcCol="0" rtlCol="0" fromWordArt="0" anchor="ctr" anchorCtr="0" forceAA="0" compatLnSpc="1">
+            <a:prstTxWarp prst="textNoShape">
+              <a:avLst/>
+            </a:prstTxWarp>
+            <a:noAutofit/>
+          </a:bodyPr>
+          <a:lstStyle/>
+          <a:p>
+            <a:pPr algn="ctr"/>
+            <a:r>
+              <a:rPr lang="en-US" altLang="ko-KR" sz="900" dirty="0" smtClean="0">
+                <a:solidFill>
+                  <a:schemeClr val="bg1">
+                    <a:lumMod val="75000"/>
+                    <a:lumOff val="25000"/>
+                  </a:schemeClr>
+                </a:solidFill>
+              </a:rPr>
+              <a:t>2: </a:t>
+            </a:r>
+            <a:r>
+              <a:rPr lang="en-US" altLang="ko-KR" sz="900" dirty="0" err="1" smtClean="0">
+                <a:solidFill>
+                  <a:schemeClr val="bg1">
+                    <a:lumMod val="75000"/>
+                    <a:lumOff val="25000"/>
+                  </a:schemeClr>
+                </a:solidFill>
+              </a:rPr>
+              <a:t>onData</a:t>
+            </a:r>
+            <a:endParaRPr lang="en-US" altLang="ko-KR" sz="900" dirty="0" smtClean="0">
+              <a:solidFill>
+                <a:schemeClr val="bg1">
+                  <a:lumMod val="75000"/>
+                  <a:lumOff val="25000"/>
+                </a:schemeClr>
+              </a:solidFill>
+            </a:endParaRPr>
+          </a:p>
+          <a:p>
+            <a:pPr algn="ctr"/>
+            <a:r>
+              <a:rPr lang="en-US" altLang="ko-KR" sz="900" dirty="0" smtClean="0">
+                <a:solidFill>
+                  <a:schemeClr val="bg1">
+                    <a:lumMod val="75000"/>
+                    <a:lumOff val="25000"/>
+                  </a:schemeClr>
+                </a:solidFill>
+              </a:rPr>
+              <a:t>(</a:t>
+            </a:r>
+            <a:r>
+              <a:rPr lang="en-US" altLang="ko-KR" sz="900" dirty="0" err="1" smtClean="0">
+                <a:solidFill>
+                  <a:schemeClr val="bg1">
+                    <a:lumMod val="75000"/>
+                    <a:lumOff val="25000"/>
+                  </a:schemeClr>
+                </a:solidFill>
+              </a:rPr>
+              <a:t>NodeId,ThingId,value</a:t>
+            </a:r>
+            <a:r>
+              <a:rPr lang="en-US" altLang="ko-KR" sz="900" dirty="0" smtClean="0">
+                <a:solidFill>
+                  <a:schemeClr val="bg1">
+                    <a:lumMod val="75000"/>
+                    <a:lumOff val="25000"/>
+                  </a:schemeClr>
+                </a:solidFill>
+              </a:rPr>
+              <a:t>)</a:t>
+            </a:r>
+          </a:p>
+          <a:p>
+            <a:pPr algn="ctr"/>
+            <a:r>
+              <a:rPr lang="en-US" altLang="ko-KR" sz="900" dirty="0" smtClean="0">
+                <a:solidFill>
+                  <a:schemeClr val="bg1">
+                    <a:lumMod val="75000"/>
+                    <a:lumOff val="25000"/>
+                  </a:schemeClr>
+                </a:solidFill>
+              </a:rPr>
+              <a:t>: Door sensor</a:t>
+            </a:r>
+            <a:endParaRPr lang="ko-KR" altLang="en-US" sz="900" dirty="0" smtClean="0">
+              <a:solidFill>
+                <a:schemeClr val="bg1">
+                  <a:lumMod val="75000"/>
+                  <a:lumOff val="25000"/>
+                </a:schemeClr>
+              </a:solidFill>
+            </a:endParaRPr>
+          </a:p>
+        </p:txBody>
+      </p:sp>
+      <p:cxnSp>
+        <p:nvCxnSpPr>
+          <p:cNvPr id="97" name="직선 화살표 연결선 96"/>
+          <p:cNvCxnSpPr/>
+          <p:nvPr/>
+        </p:nvCxnSpPr>
+        <p:spPr>
+          <a:xfrm flipV="1">
+            <a:off x="7092280" y="2924944"/>
+            <a:ext cx="0" cy="326179"/>
+          </a:xfrm>
+          <a:prstGeom prst="straightConnector1">
+            <a:avLst/>
+          </a:prstGeom>
+          <a:ln>
+            <a:solidFill>
+              <a:schemeClr val="bg1">
+                <a:lumMod val="75000"/>
+                <a:lumOff val="25000"/>
+              </a:schemeClr>
+            </a:solidFill>
+            <a:tailEnd type="arrow"/>
+          </a:ln>
+        </p:spPr>
+        <p:style>
+          <a:lnRef idx="1">
+            <a:schemeClr val="accent1"/>
+          </a:lnRef>
+          <a:fillRef idx="0">
+            <a:schemeClr val="accent1"/>
+          </a:fillRef>
+          <a:effectRef idx="0">
+            <a:schemeClr val="accent1"/>
+          </a:effectRef>
+          <a:fontRef idx="minor">
+            <a:schemeClr val="tx1"/>
+          </a:fontRef>
+        </p:style>
+      </p:cxnSp>
+      <p:cxnSp>
+        <p:nvCxnSpPr>
+          <p:cNvPr id="98" name="직선 화살표 연결선 97"/>
+          <p:cNvCxnSpPr/>
+          <p:nvPr/>
+        </p:nvCxnSpPr>
+        <p:spPr>
+          <a:xfrm flipH="1">
+            <a:off x="6012160" y="2348880"/>
+            <a:ext cx="351347" cy="0"/>
+          </a:xfrm>
+          <a:prstGeom prst="straightConnector1">
+            <a:avLst/>
+          </a:prstGeom>
+          <a:ln>
+            <a:solidFill>
+              <a:schemeClr val="bg1">
+                <a:lumMod val="75000"/>
+                <a:lumOff val="25000"/>
+              </a:schemeClr>
+            </a:solidFill>
+            <a:tailEnd type="arrow"/>
+          </a:ln>
+        </p:spPr>
+        <p:style>
+          <a:lnRef idx="1">
+            <a:schemeClr val="accent1"/>
+          </a:lnRef>
+          <a:fillRef idx="0">
+            <a:schemeClr val="accent1"/>
+          </a:fillRef>
+          <a:effectRef idx="0">
+            <a:schemeClr val="accent1"/>
+          </a:effectRef>
+          <a:fontRef idx="minor">
+            <a:schemeClr val="tx1"/>
+          </a:fontRef>
+        </p:style>
+      </p:cxnSp>
+      <p:sp>
+        <p:nvSpPr>
+          <p:cNvPr id="99" name="직사각형 98"/>
+          <p:cNvSpPr/>
+          <p:nvPr/>
+        </p:nvSpPr>
+        <p:spPr>
+          <a:xfrm>
+            <a:off x="5364088" y="2387913"/>
+            <a:ext cx="2290406" cy="359433"/>
+          </a:xfrm>
+          <a:prstGeom prst="rect">
+            <a:avLst/>
+          </a:prstGeom>
+          <a:noFill/>
+          <a:ln w="9525">
+            <a:noFill/>
+          </a:ln>
+        </p:spPr>
+        <p:style>
+          <a:lnRef idx="2">
+            <a:schemeClr val="accent1">
+              <a:shade val="50000"/>
+            </a:schemeClr>
+          </a:lnRef>
+          <a:fillRef idx="1">
+            <a:schemeClr val="accent1"/>
+          </a:fillRef>
+          <a:effectRef idx="0">
+            <a:schemeClr val="accent1"/>
+          </a:effectRef>
+          <a:fontRef idx="minor">
+            <a:schemeClr val="lt1"/>
+          </a:fontRef>
+        </p:style>
+        <p:txBody>
+          <a:bodyPr rot="0" spcFirstLastPara="0" vertOverflow="overflow" horzOverflow="overflow" vert="horz" wrap="square" lIns="91440" tIns="45720" rIns="91440" bIns="45720" numCol="1" spcCol="0" rtlCol="0" fromWordArt="0" anchor="ctr" anchorCtr="0" forceAA="0" compatLnSpc="1">
+            <a:prstTxWarp prst="textNoShape">
+              <a:avLst/>
+            </a:prstTxWarp>
+            <a:noAutofit/>
+          </a:bodyPr>
+          <a:lstStyle/>
+          <a:p>
+            <a:pPr algn="ctr"/>
+            <a:r>
+              <a:rPr lang="en-US" altLang="ko-KR" sz="900" dirty="0" smtClean="0">
+                <a:solidFill>
+                  <a:schemeClr val="bg1">
+                    <a:lumMod val="75000"/>
+                    <a:lumOff val="25000"/>
+                  </a:schemeClr>
+                </a:solidFill>
+              </a:rPr>
+              <a:t>2.1</a:t>
+            </a:r>
+            <a:r>
+              <a:rPr lang="en-US" altLang="ko-KR" sz="900" dirty="0" smtClean="0">
+                <a:solidFill>
+                  <a:schemeClr val="bg1">
+                    <a:lumMod val="75000"/>
+                    <a:lumOff val="25000"/>
+                  </a:schemeClr>
+                </a:solidFill>
+              </a:rPr>
+              <a:t>: </a:t>
+            </a:r>
+            <a:r>
+              <a:rPr lang="en-US" altLang="ko-KR" sz="900" dirty="0" err="1" smtClean="0">
+                <a:solidFill>
+                  <a:schemeClr val="bg1">
+                    <a:lumMod val="75000"/>
+                    <a:lumOff val="25000"/>
+                  </a:schemeClr>
+                </a:solidFill>
+              </a:rPr>
+              <a:t>UpdateThingInfo</a:t>
+            </a:r>
+            <a:endParaRPr lang="en-US" altLang="ko-KR" sz="900" dirty="0" smtClean="0">
+              <a:solidFill>
+                <a:schemeClr val="bg1">
+                  <a:lumMod val="75000"/>
+                  <a:lumOff val="25000"/>
+                </a:schemeClr>
+              </a:solidFill>
+            </a:endParaRPr>
+          </a:p>
+          <a:p>
+            <a:pPr algn="ctr"/>
+            <a:r>
+              <a:rPr lang="en-US" altLang="ko-KR" sz="900" dirty="0" smtClean="0">
+                <a:solidFill>
+                  <a:schemeClr val="bg1">
+                    <a:lumMod val="75000"/>
+                    <a:lumOff val="25000"/>
+                  </a:schemeClr>
+                </a:solidFill>
+              </a:rPr>
+              <a:t>(</a:t>
+            </a:r>
+            <a:r>
+              <a:rPr lang="en-US" altLang="ko-KR" sz="900" dirty="0" err="1" smtClean="0">
+                <a:solidFill>
+                  <a:schemeClr val="bg1">
+                    <a:lumMod val="75000"/>
+                    <a:lumOff val="25000"/>
+                  </a:schemeClr>
+                </a:solidFill>
+              </a:rPr>
+              <a:t>nodeid,thingid,type,value</a:t>
+            </a:r>
+            <a:r>
+              <a:rPr lang="en-US" altLang="ko-KR" sz="900" dirty="0" smtClean="0">
+                <a:solidFill>
+                  <a:schemeClr val="bg1">
+                    <a:lumMod val="75000"/>
+                    <a:lumOff val="25000"/>
+                  </a:schemeClr>
+                </a:solidFill>
+              </a:rPr>
+              <a:t>)</a:t>
+            </a:r>
+          </a:p>
+          <a:p>
+            <a:pPr algn="ctr"/>
+            <a:r>
+              <a:rPr lang="en-US" altLang="ko-KR" sz="900" dirty="0" smtClean="0">
+                <a:solidFill>
+                  <a:schemeClr val="bg1">
+                    <a:lumMod val="75000"/>
+                    <a:lumOff val="25000"/>
+                  </a:schemeClr>
+                </a:solidFill>
+              </a:rPr>
+              <a:t>: Door sensor</a:t>
+            </a:r>
+            <a:endParaRPr lang="ko-KR" altLang="en-US" sz="900" dirty="0" smtClean="0">
+              <a:solidFill>
+                <a:schemeClr val="bg1">
+                  <a:lumMod val="75000"/>
+                  <a:lumOff val="25000"/>
+                </a:schemeClr>
+              </a:solidFill>
+            </a:endParaRPr>
+          </a:p>
+        </p:txBody>
+      </p:sp>
+      <p:cxnSp>
+        <p:nvCxnSpPr>
+          <p:cNvPr id="100" name="직선 화살표 연결선 99"/>
+          <p:cNvCxnSpPr/>
+          <p:nvPr/>
+        </p:nvCxnSpPr>
+        <p:spPr>
+          <a:xfrm flipH="1">
+            <a:off x="3860613" y="2348880"/>
+            <a:ext cx="351347" cy="0"/>
+          </a:xfrm>
+          <a:prstGeom prst="straightConnector1">
+            <a:avLst/>
+          </a:prstGeom>
+          <a:ln>
+            <a:solidFill>
+              <a:schemeClr val="bg1">
+                <a:lumMod val="75000"/>
+                <a:lumOff val="25000"/>
+              </a:schemeClr>
+            </a:solidFill>
+            <a:tailEnd type="arrow"/>
+          </a:ln>
+        </p:spPr>
+        <p:style>
+          <a:lnRef idx="1">
+            <a:schemeClr val="accent1"/>
+          </a:lnRef>
+          <a:fillRef idx="0">
+            <a:schemeClr val="accent1"/>
+          </a:fillRef>
+          <a:effectRef idx="0">
+            <a:schemeClr val="accent1"/>
+          </a:effectRef>
+          <a:fontRef idx="minor">
+            <a:schemeClr val="tx1"/>
+          </a:fontRef>
+        </p:style>
+      </p:cxnSp>
+      <p:sp>
+        <p:nvSpPr>
+          <p:cNvPr id="102" name="직사각형 101"/>
+          <p:cNvSpPr/>
+          <p:nvPr/>
+        </p:nvSpPr>
+        <p:spPr>
+          <a:xfrm>
+            <a:off x="3563888" y="2268622"/>
+            <a:ext cx="2592288" cy="656322"/>
+          </a:xfrm>
+          <a:prstGeom prst="rect">
+            <a:avLst/>
+          </a:prstGeom>
+          <a:noFill/>
+          <a:ln w="9525">
+            <a:noFill/>
+          </a:ln>
+        </p:spPr>
+        <p:style>
+          <a:lnRef idx="2">
+            <a:schemeClr val="accent1">
+              <a:shade val="50000"/>
+            </a:schemeClr>
+          </a:lnRef>
+          <a:fillRef idx="1">
+            <a:schemeClr val="accent1"/>
+          </a:fillRef>
+          <a:effectRef idx="0">
+            <a:schemeClr val="accent1"/>
+          </a:effectRef>
+          <a:fontRef idx="minor">
+            <a:schemeClr val="lt1"/>
+          </a:fontRef>
+        </p:style>
+        <p:txBody>
+          <a:bodyPr rot="0" spcFirstLastPara="0" vertOverflow="overflow" horzOverflow="overflow" vert="horz" wrap="square" lIns="91440" tIns="45720" rIns="91440" bIns="45720" numCol="1" spcCol="0" rtlCol="0" fromWordArt="0" anchor="ctr" anchorCtr="0" forceAA="0" compatLnSpc="1">
+            <a:prstTxWarp prst="textNoShape">
+              <a:avLst/>
+            </a:prstTxWarp>
+            <a:noAutofit/>
+          </a:bodyPr>
+          <a:lstStyle/>
+          <a:p>
+            <a:r>
+              <a:rPr lang="en-US" altLang="ko-KR" sz="900" dirty="0" smtClean="0">
+                <a:solidFill>
+                  <a:schemeClr val="bg1">
+                    <a:lumMod val="75000"/>
+                    <a:lumOff val="25000"/>
+                  </a:schemeClr>
+                </a:solidFill>
+              </a:rPr>
+              <a:t>2.2 </a:t>
+            </a:r>
+            <a:r>
+              <a:rPr lang="en-US" altLang="ko-KR" sz="900" dirty="0" err="1" smtClean="0">
+                <a:solidFill>
+                  <a:schemeClr val="bg1">
+                    <a:lumMod val="75000"/>
+                    <a:lumOff val="25000"/>
+                  </a:schemeClr>
+                </a:solidFill>
+              </a:rPr>
+              <a:t>UpdateThing</a:t>
+            </a:r>
+            <a:endParaRPr lang="en-US" altLang="ko-KR" sz="900" dirty="0" smtClean="0">
+              <a:solidFill>
+                <a:schemeClr val="bg1">
+                  <a:lumMod val="75000"/>
+                  <a:lumOff val="25000"/>
+                </a:schemeClr>
+              </a:solidFill>
+            </a:endParaRPr>
+          </a:p>
+          <a:p>
+            <a:r>
+              <a:rPr lang="en-US" altLang="ko-KR" sz="900" dirty="0" smtClean="0">
+                <a:solidFill>
+                  <a:schemeClr val="bg1">
+                    <a:lumMod val="75000"/>
+                    <a:lumOff val="25000"/>
+                  </a:schemeClr>
+                </a:solidFill>
+              </a:rPr>
+              <a:t>(</a:t>
+            </a:r>
+            <a:r>
+              <a:rPr lang="en-US" altLang="ko-KR" sz="900" dirty="0" err="1" smtClean="0">
+                <a:solidFill>
+                  <a:schemeClr val="bg1">
+                    <a:lumMod val="75000"/>
+                    <a:lumOff val="25000"/>
+                  </a:schemeClr>
+                </a:solidFill>
+              </a:rPr>
+              <a:t>NodeId,ThingId,value</a:t>
+            </a:r>
+            <a:r>
+              <a:rPr lang="en-US" altLang="ko-KR" sz="900" dirty="0" smtClean="0">
+                <a:solidFill>
+                  <a:schemeClr val="bg1">
+                    <a:lumMod val="75000"/>
+                    <a:lumOff val="25000"/>
+                  </a:schemeClr>
+                </a:solidFill>
+              </a:rPr>
+              <a:t>)</a:t>
+            </a:r>
+          </a:p>
+          <a:p>
+            <a:r>
+              <a:rPr lang="en-US" altLang="ko-KR" sz="900" dirty="0" smtClean="0">
+                <a:solidFill>
+                  <a:schemeClr val="bg1">
+                    <a:lumMod val="75000"/>
+                    <a:lumOff val="25000"/>
+                  </a:schemeClr>
+                </a:solidFill>
+              </a:rPr>
+              <a:t>: Door sensor</a:t>
+            </a:r>
+            <a:endParaRPr lang="ko-KR" altLang="en-US" sz="900" dirty="0" smtClean="0">
+              <a:solidFill>
+                <a:schemeClr val="bg1">
+                  <a:lumMod val="75000"/>
+                  <a:lumOff val="25000"/>
+                </a:schemeClr>
+              </a:solidFill>
+            </a:endParaRPr>
+          </a:p>
+        </p:txBody>
+      </p:sp>
+      <p:sp>
+        <p:nvSpPr>
+          <p:cNvPr id="103" name="직사각형 102"/>
+          <p:cNvSpPr/>
+          <p:nvPr/>
+        </p:nvSpPr>
+        <p:spPr>
+          <a:xfrm>
+            <a:off x="3615768" y="1603729"/>
+            <a:ext cx="2252376" cy="601135"/>
+          </a:xfrm>
+          <a:prstGeom prst="rect">
+            <a:avLst/>
+          </a:prstGeom>
+          <a:noFill/>
+          <a:ln w="9525">
+            <a:noFill/>
+          </a:ln>
+        </p:spPr>
+        <p:style>
+          <a:lnRef idx="2">
+            <a:schemeClr val="accent1">
+              <a:shade val="50000"/>
+            </a:schemeClr>
+          </a:lnRef>
+          <a:fillRef idx="1">
+            <a:schemeClr val="accent1"/>
+          </a:fillRef>
+          <a:effectRef idx="0">
+            <a:schemeClr val="accent1"/>
+          </a:effectRef>
+          <a:fontRef idx="minor">
+            <a:schemeClr val="lt1"/>
+          </a:fontRef>
+        </p:style>
+        <p:txBody>
+          <a:bodyPr rot="0" spcFirstLastPara="0" vertOverflow="overflow" horzOverflow="overflow" vert="horz" wrap="square" lIns="91440" tIns="45720" rIns="91440" bIns="45720" numCol="1" spcCol="0" rtlCol="0" fromWordArt="0" anchor="ctr" anchorCtr="0" forceAA="0" compatLnSpc="1">
+            <a:prstTxWarp prst="textNoShape">
+              <a:avLst/>
+            </a:prstTxWarp>
+            <a:noAutofit/>
+          </a:bodyPr>
+          <a:lstStyle/>
+          <a:p>
+            <a:r>
+              <a:rPr lang="en-US" altLang="ko-KR" sz="900" dirty="0" smtClean="0">
+                <a:solidFill>
+                  <a:schemeClr val="bg1">
+                    <a:lumMod val="75000"/>
+                    <a:lumOff val="25000"/>
+                  </a:schemeClr>
+                </a:solidFill>
+              </a:rPr>
+              <a:t>1.2: </a:t>
+            </a:r>
+            <a:r>
+              <a:rPr lang="en-US" altLang="ko-KR" sz="900" dirty="0" err="1" smtClean="0">
+                <a:solidFill>
+                  <a:schemeClr val="bg1">
+                    <a:lumMod val="75000"/>
+                    <a:lumOff val="25000"/>
+                  </a:schemeClr>
+                </a:solidFill>
+              </a:rPr>
+              <a:t>doCommand</a:t>
+            </a:r>
+            <a:endParaRPr lang="en-US" altLang="ko-KR" sz="900" dirty="0" smtClean="0">
+              <a:solidFill>
+                <a:schemeClr val="bg1">
+                  <a:lumMod val="75000"/>
+                  <a:lumOff val="25000"/>
+                </a:schemeClr>
+              </a:solidFill>
+            </a:endParaRPr>
+          </a:p>
+          <a:p>
+            <a:r>
+              <a:rPr lang="en-US" altLang="ko-KR" sz="900" dirty="0" smtClean="0">
+                <a:solidFill>
+                  <a:schemeClr val="bg1">
+                    <a:lumMod val="75000"/>
+                    <a:lumOff val="25000"/>
+                  </a:schemeClr>
+                </a:solidFill>
+              </a:rPr>
+              <a:t>(</a:t>
+            </a:r>
+            <a:r>
+              <a:rPr lang="en-US" altLang="ko-KR" sz="900" dirty="0" err="1" smtClean="0">
+                <a:solidFill>
+                  <a:schemeClr val="bg1">
+                    <a:lumMod val="75000"/>
+                    <a:lumOff val="25000"/>
+                  </a:schemeClr>
+                </a:solidFill>
+              </a:rPr>
+              <a:t>nodeid,thingid,type,value</a:t>
+            </a:r>
+            <a:r>
+              <a:rPr lang="en-US" altLang="ko-KR" sz="1200" dirty="0" smtClean="0">
+                <a:solidFill>
+                  <a:schemeClr val="bg1">
+                    <a:lumMod val="75000"/>
+                    <a:lumOff val="25000"/>
+                  </a:schemeClr>
+                </a:solidFill>
+              </a:rPr>
+              <a:t>)</a:t>
+            </a:r>
+          </a:p>
+          <a:p>
+            <a:r>
+              <a:rPr lang="en-US" altLang="ko-KR" sz="900" dirty="0" smtClean="0">
+                <a:solidFill>
+                  <a:schemeClr val="bg1">
+                    <a:lumMod val="75000"/>
+                    <a:lumOff val="25000"/>
+                  </a:schemeClr>
+                </a:solidFill>
+              </a:rPr>
+              <a:t>: close door</a:t>
+            </a:r>
+            <a:endParaRPr lang="ko-KR" altLang="en-US" sz="900" dirty="0" smtClean="0">
+              <a:solidFill>
+                <a:schemeClr val="bg1">
+                  <a:lumMod val="75000"/>
+                  <a:lumOff val="25000"/>
+                </a:schemeClr>
+              </a:solidFill>
+            </a:endParaRPr>
+          </a:p>
+        </p:txBody>
+      </p:sp>
+      <p:sp>
+        <p:nvSpPr>
+          <p:cNvPr id="107" name="직사각형 106"/>
+          <p:cNvSpPr/>
+          <p:nvPr/>
+        </p:nvSpPr>
+        <p:spPr>
+          <a:xfrm>
+            <a:off x="664425" y="1879367"/>
+            <a:ext cx="3419547" cy="563383"/>
+          </a:xfrm>
+          <a:prstGeom prst="rect">
+            <a:avLst/>
+          </a:prstGeom>
+          <a:noFill/>
+          <a:ln w="9525">
+            <a:noFill/>
+          </a:ln>
+        </p:spPr>
+        <p:style>
+          <a:lnRef idx="2">
+            <a:schemeClr val="accent1">
+              <a:shade val="50000"/>
+            </a:schemeClr>
+          </a:lnRef>
+          <a:fillRef idx="1">
+            <a:schemeClr val="accent1"/>
+          </a:fillRef>
+          <a:effectRef idx="0">
+            <a:schemeClr val="accent1"/>
+          </a:effectRef>
+          <a:fontRef idx="minor">
+            <a:schemeClr val="lt1"/>
+          </a:fontRef>
+        </p:style>
+        <p:txBody>
+          <a:bodyPr rot="0" spcFirstLastPara="0" vertOverflow="overflow" horzOverflow="overflow" vert="horz" wrap="square" lIns="91440" tIns="45720" rIns="91440" bIns="45720" numCol="1" spcCol="0" rtlCol="0" fromWordArt="0" anchor="ctr" anchorCtr="0" forceAA="0" compatLnSpc="1">
+            <a:prstTxWarp prst="textNoShape">
+              <a:avLst/>
+            </a:prstTxWarp>
+            <a:noAutofit/>
+          </a:bodyPr>
+          <a:lstStyle/>
+          <a:p>
+            <a:r>
+              <a:rPr lang="en-US" altLang="ko-KR" sz="900" dirty="0" smtClean="0">
+                <a:solidFill>
+                  <a:schemeClr val="bg1">
+                    <a:lumMod val="75000"/>
+                    <a:lumOff val="25000"/>
+                  </a:schemeClr>
+                </a:solidFill>
+              </a:rPr>
+              <a:t>[door == close]</a:t>
+            </a:r>
+          </a:p>
+          <a:p>
+            <a:r>
+              <a:rPr lang="en-US" altLang="ko-KR" sz="900" dirty="0" smtClean="0">
+                <a:solidFill>
+                  <a:schemeClr val="bg1">
+                    <a:lumMod val="75000"/>
+                    <a:lumOff val="25000"/>
+                  </a:schemeClr>
+                </a:solidFill>
+              </a:rPr>
+              <a:t>2.2.a </a:t>
+            </a:r>
+            <a:r>
+              <a:rPr lang="en-US" altLang="ko-KR" sz="900" dirty="0" smtClean="0">
+                <a:solidFill>
+                  <a:schemeClr val="bg1">
+                    <a:lumMod val="75000"/>
+                    <a:lumOff val="25000"/>
+                  </a:schemeClr>
+                </a:solidFill>
+              </a:rPr>
+              <a:t>: </a:t>
+            </a:r>
+            <a:r>
+              <a:rPr lang="en-US" altLang="ko-KR" sz="900" dirty="0" smtClean="0">
+                <a:solidFill>
+                  <a:schemeClr val="bg1">
+                    <a:lumMod val="75000"/>
+                    <a:lumOff val="25000"/>
+                  </a:schemeClr>
+                </a:solidFill>
+              </a:rPr>
+              <a:t>set Alarm mode </a:t>
+            </a:r>
+          </a:p>
+        </p:txBody>
+      </p:sp>
+      <p:cxnSp>
+        <p:nvCxnSpPr>
+          <p:cNvPr id="109" name="직선 화살표 연결선 108"/>
+          <p:cNvCxnSpPr/>
+          <p:nvPr/>
+        </p:nvCxnSpPr>
+        <p:spPr>
+          <a:xfrm>
+            <a:off x="4283968" y="3262571"/>
+            <a:ext cx="0" cy="310445"/>
+          </a:xfrm>
+          <a:prstGeom prst="straightConnector1">
+            <a:avLst/>
+          </a:prstGeom>
+          <a:ln>
+            <a:solidFill>
+              <a:schemeClr val="bg1">
+                <a:lumMod val="75000"/>
+                <a:lumOff val="25000"/>
+              </a:schemeClr>
+            </a:solidFill>
+            <a:tailEnd type="arrow"/>
+          </a:ln>
+        </p:spPr>
+        <p:style>
+          <a:lnRef idx="1">
+            <a:schemeClr val="accent1"/>
+          </a:lnRef>
+          <a:fillRef idx="0">
+            <a:schemeClr val="accent1"/>
+          </a:fillRef>
+          <a:effectRef idx="0">
+            <a:schemeClr val="accent1"/>
+          </a:effectRef>
+          <a:fontRef idx="minor">
+            <a:schemeClr val="tx1"/>
+          </a:fontRef>
+        </p:style>
+      </p:cxnSp>
+    </p:spTree>
+    <p:extLst>
+      <p:ext uri="{BB962C8B-B14F-4D97-AF65-F5344CB8AC3E}">
+        <p14:creationId xmlns:p14="http://schemas.microsoft.com/office/powerpoint/2010/main" val="1624588915"/>
+      </p:ext>
+    </p:extLst>
+  </p:cSld>
+  <p:clrMapOvr>
+    <a:masterClrMapping/>
+  </p:clrMapOvr>
+  <p:timing>
+    <p:tnLst>
+      <p:par>
+        <p:cTn id="1" dur="indefinite" restart="never" nodeType="tmRoot"/>
+      </p:par>
+    </p:tnLst>
+  </p:timing>
+</p:sld>
+</file>
+
+<file path=ppt/slides/slide7.xml><?xml version="1.0" encoding="utf-8"?>
+<p:sld xmlns:a="http://schemas.openxmlformats.org/drawingml/2006/main" xmlns:r="http://schemas.openxmlformats.org/officeDocument/2006/relationships" xmlns:p="http://schemas.openxmlformats.org/presentationml/2006/main">
+  <p:cSld>
+    <p:spTree>
+      <p:nvGrpSpPr>
+        <p:cNvPr id="1" name=""/>
+        <p:cNvGrpSpPr/>
+        <p:nvPr/>
+      </p:nvGrpSpPr>
+      <p:grpSpPr>
+        <a:xfrm>
+          <a:off x="0" y="0"/>
+          <a:ext cx="0" cy="0"/>
+          <a:chOff x="0" y="0"/>
+          <a:chExt cx="0" cy="0"/>
+        </a:xfrm>
+      </p:grpSpPr>
+      <p:sp>
+        <p:nvSpPr>
           <p:cNvPr id="2" name="제목 1"/>
           <p:cNvSpPr>
             <a:spLocks noGrp="1"/>
@@ -16244,7 +23630,167 @@
             <a:fld id="{887F5A62-5D57-4BBA-9485-2C5A6728F77D}" type="slidenum">
               <a:rPr lang="ko-KR" altLang="en-US" smtClean="0"/>
               <a:pPr/>
-              <a:t>6</a:t>
+              <a:t>7</a:t>
+            </a:fld>
+            <a:r>
+              <a:rPr lang="en-US" altLang="ko-KR" dirty="0" smtClean="0"/>
+              <a:t>/31</a:t>
+            </a:r>
+            <a:endParaRPr lang="ko-KR" altLang="en-US" dirty="0"/>
+          </a:p>
+        </p:txBody>
+      </p:sp>
+      <p:sp>
+        <p:nvSpPr>
+          <p:cNvPr id="3" name="TextBox 2"/>
+          <p:cNvSpPr txBox="1"/>
+          <p:nvPr/>
+        </p:nvSpPr>
+        <p:spPr>
+          <a:xfrm>
+            <a:off x="467134" y="934820"/>
+            <a:ext cx="5205015" cy="369332"/>
+          </a:xfrm>
+          <a:prstGeom prst="rect">
+            <a:avLst/>
+          </a:prstGeom>
+          <a:noFill/>
+        </p:spPr>
+        <p:txBody>
+          <a:bodyPr wrap="none" rtlCol="0">
+            <a:spAutoFit/>
+          </a:bodyPr>
+          <a:lstStyle/>
+          <a:p>
+            <a:r>
+              <a:rPr lang="en-US" altLang="ko-KR" dirty="0" smtClean="0"/>
+              <a:t>Sequence Diagram: </a:t>
+            </a:r>
+            <a:r>
+              <a:rPr lang="en-US" altLang="ko-KR" dirty="0" err="1" smtClean="0"/>
+              <a:t>discoverNode</a:t>
+            </a:r>
+            <a:r>
+              <a:rPr lang="en-US" altLang="ko-KR" dirty="0" smtClean="0"/>
+              <a:t>, </a:t>
+            </a:r>
+            <a:r>
+              <a:rPr lang="en-US" altLang="ko-KR" dirty="0" err="1" smtClean="0"/>
+              <a:t>registerNode</a:t>
+            </a:r>
+            <a:endParaRPr lang="ko-KR" altLang="en-US"/>
+          </a:p>
+        </p:txBody>
+      </p:sp>
+      <p:pic>
+        <p:nvPicPr>
+          <p:cNvPr id="8" name="그림 7"/>
+          <p:cNvPicPr>
+            <a:picLocks noChangeAspect="1"/>
+          </p:cNvPicPr>
+          <p:nvPr/>
+        </p:nvPicPr>
+        <p:blipFill>
+          <a:blip r:embed="rId2"/>
+          <a:stretch>
+            <a:fillRect/>
+          </a:stretch>
+        </p:blipFill>
+        <p:spPr>
+          <a:xfrm>
+            <a:off x="467134" y="1412776"/>
+            <a:ext cx="8218366" cy="4722431"/>
+          </a:xfrm>
+          <a:prstGeom prst="rect">
+            <a:avLst/>
+          </a:prstGeom>
+        </p:spPr>
+      </p:pic>
+    </p:spTree>
+    <p:extLst>
+      <p:ext uri="{BB962C8B-B14F-4D97-AF65-F5344CB8AC3E}">
+        <p14:creationId xmlns:p14="http://schemas.microsoft.com/office/powerpoint/2010/main" val="1213356925"/>
+      </p:ext>
+    </p:extLst>
+  </p:cSld>
+  <p:clrMapOvr>
+    <a:masterClrMapping/>
+  </p:clrMapOvr>
+  <p:timing>
+    <p:tnLst>
+      <p:par>
+        <p:cTn id="1" dur="indefinite" restart="never" nodeType="tmRoot"/>
+      </p:par>
+    </p:tnLst>
+  </p:timing>
+</p:sld>
+</file>
+
+<file path=ppt/slides/slide8.xml><?xml version="1.0" encoding="utf-8"?>
+<p:sld xmlns:a="http://schemas.openxmlformats.org/drawingml/2006/main" xmlns:r="http://schemas.openxmlformats.org/officeDocument/2006/relationships" xmlns:p="http://schemas.openxmlformats.org/presentationml/2006/main">
+  <p:cSld>
+    <p:spTree>
+      <p:nvGrpSpPr>
+        <p:cNvPr id="1" name=""/>
+        <p:cNvGrpSpPr/>
+        <p:nvPr/>
+      </p:nvGrpSpPr>
+      <p:grpSpPr>
+        <a:xfrm>
+          <a:off x="0" y="0"/>
+          <a:ext cx="0" cy="0"/>
+          <a:chOff x="0" y="0"/>
+          <a:chExt cx="0" cy="0"/>
+        </a:xfrm>
+      </p:grpSpPr>
+      <p:sp>
+        <p:nvSpPr>
+          <p:cNvPr id="2" name="제목 1"/>
+          <p:cNvSpPr>
+            <a:spLocks noGrp="1"/>
+          </p:cNvSpPr>
+          <p:nvPr>
+            <p:ph type="title"/>
+          </p:nvPr>
+        </p:nvSpPr>
+        <p:spPr/>
+        <p:txBody>
+          <a:bodyPr>
+            <a:normAutofit fontScale="90000"/>
+          </a:bodyPr>
+          <a:lstStyle/>
+          <a:p>
+            <a:r>
+              <a:rPr lang="en-US" altLang="ko-KR" dirty="0" smtClean="0"/>
+              <a:t>5.3 Dynamic </a:t>
+            </a:r>
+            <a:r>
+              <a:rPr lang="en-US" altLang="ko-KR" dirty="0" smtClean="0"/>
+              <a:t>View(8)</a:t>
+            </a:r>
+            <a:endParaRPr lang="ko-KR" altLang="en-US" dirty="0"/>
+          </a:p>
+        </p:txBody>
+      </p:sp>
+      <p:sp>
+        <p:nvSpPr>
+          <p:cNvPr id="5" name="슬라이드 번호 개체 틀 4"/>
+          <p:cNvSpPr>
+            <a:spLocks noGrp="1"/>
+          </p:cNvSpPr>
+          <p:nvPr>
+            <p:ph type="sldNum" sz="quarter" idx="11"/>
+          </p:nvPr>
+        </p:nvSpPr>
+        <p:spPr/>
+        <p:txBody>
+          <a:bodyPr/>
+          <a:lstStyle/>
+          <a:p>
+            <a:fld id="{887F5A62-5D57-4BBA-9485-2C5A6728F77D}" type="slidenum">
+              <a:rPr lang="ko-KR" altLang="en-US" smtClean="0"/>
+              <a:pPr/>
+              <a:t>8</a:t>
             </a:fld>
             <a:r>
               <a:rPr lang="en-US" altLang="ko-KR" dirty="0" smtClean="0"/>

--- a/doc/dynamic view 150616_communication_dgm.pptx
+++ b/doc/dynamic view 150616_communication_dgm.pptx
@@ -132,7 +132,7 @@
       </p14:sectionLst>
     </p:ext>
     <p:ext uri="{EFAFB233-063F-42B5-8137-9DF3F51BA10A}">
-      <p15:sldGuideLst xmlns:p15="http://schemas.microsoft.com/office/powerpoint/2012/main" xmlns="">
+      <p15:sldGuideLst xmlns:p15="http://schemas.microsoft.com/office/powerpoint/2012/main">
         <p15:guide id="1" orient="horz" pos="527">
           <p15:clr>
             <a:srgbClr val="A4A3A4"/>
@@ -161,7 +161,7 @@
       </p15:sldGuideLst>
     </p:ext>
     <p:ext uri="{2D200454-40CA-4A62-9FC3-DE9A4176ACB9}">
-      <p15:notesGuideLst xmlns:p15="http://schemas.microsoft.com/office/powerpoint/2012/main" xmlns="">
+      <p15:notesGuideLst xmlns:p15="http://schemas.microsoft.com/office/powerpoint/2012/main">
         <p15:guide id="1" orient="horz" pos="2879">
           <p15:clr>
             <a:srgbClr val="A4A3A4"/>
@@ -276,7 +276,7 @@
               <a:pPr lvl="0">
                 <a:defRPr lang="ko-KR" altLang="en-US"/>
               </a:pPr>
-              <a:t>2015-06-17</a:t>
+              <a:t>2015-06-18</a:t>
             </a:fld>
             <a:endParaRPr lang="ko-KR" altLang="en-US"/>
           </a:p>
@@ -9412,11 +9412,7 @@
           <a:p>
             <a:r>
               <a:rPr lang="en-US" altLang="ko-KR" dirty="0" smtClean="0"/>
-              <a:t>5.3 Dynamic </a:t>
-            </a:r>
-            <a:r>
-              <a:rPr lang="en-US" altLang="ko-KR" dirty="0" smtClean="0"/>
-              <a:t>View(3)</a:t>
+              <a:t>5.3 Dynamic View(3)</a:t>
             </a:r>
             <a:endParaRPr lang="ko-KR" altLang="en-US" dirty="0"/>
           </a:p>
@@ -12626,11 +12622,7 @@
           <a:p>
             <a:r>
               <a:rPr lang="en-US" altLang="ko-KR" dirty="0" smtClean="0"/>
-              <a:t>5.3 Dynamic </a:t>
-            </a:r>
-            <a:r>
-              <a:rPr lang="en-US" altLang="ko-KR" dirty="0" smtClean="0"/>
-              <a:t>View(4)</a:t>
+              <a:t>5.3 Dynamic View(4)</a:t>
             </a:r>
             <a:endParaRPr lang="ko-KR" altLang="en-US" dirty="0"/>
           </a:p>
@@ -15259,7 +15251,7 @@
         </p:nvSpPr>
         <p:spPr>
           <a:xfrm>
-            <a:off x="2483768" y="2028596"/>
+            <a:off x="2483768" y="1844824"/>
             <a:ext cx="2290406" cy="472669"/>
           </a:xfrm>
           <a:prstGeom prst="rect">
@@ -15915,7 +15907,7 @@
         </p:nvSpPr>
         <p:spPr>
           <a:xfrm>
-            <a:off x="2031592" y="4556057"/>
+            <a:off x="2031592" y="4628065"/>
             <a:ext cx="2252376" cy="601135"/>
           </a:xfrm>
           <a:prstGeom prst="rect">
@@ -16000,6 +15992,198 @@
           </a:p>
         </p:txBody>
       </p:sp>
+      <p:sp>
+        <p:nvSpPr>
+          <p:cNvPr id="4" name="직사각형 3"/>
+          <p:cNvSpPr/>
+          <p:nvPr/>
+        </p:nvSpPr>
+        <p:spPr>
+          <a:xfrm>
+            <a:off x="3557912" y="2398400"/>
+            <a:ext cx="157866" cy="180632"/>
+          </a:xfrm>
+          <a:prstGeom prst="rect">
+            <a:avLst/>
+          </a:prstGeom>
+          <a:noFill/>
+          <a:ln w="9525">
+            <a:noFill/>
+          </a:ln>
+        </p:spPr>
+        <p:style>
+          <a:lnRef idx="2">
+            <a:schemeClr val="accent1">
+              <a:shade val="50000"/>
+            </a:schemeClr>
+          </a:lnRef>
+          <a:fillRef idx="1">
+            <a:schemeClr val="accent1"/>
+          </a:fillRef>
+          <a:effectRef idx="0">
+            <a:schemeClr val="accent1"/>
+          </a:effectRef>
+          <a:fontRef idx="minor">
+            <a:schemeClr val="lt1"/>
+          </a:fontRef>
+        </p:style>
+        <p:txBody>
+          <a:bodyPr rtlCol="0" anchor="ctr"/>
+          <a:lstStyle/>
+          <a:p>
+            <a:pPr algn="ctr"/>
+            <a:endParaRPr lang="ko-KR" altLang="en-US" sz="1200" dirty="0" smtClean="0">
+              <a:solidFill>
+                <a:schemeClr val="bg1">
+                  <a:lumMod val="75000"/>
+                  <a:lumOff val="25000"/>
+                </a:schemeClr>
+              </a:solidFill>
+            </a:endParaRPr>
+          </a:p>
+        </p:txBody>
+      </p:sp>
+      <p:cxnSp>
+        <p:nvCxnSpPr>
+          <p:cNvPr id="10" name="꺾인 연결선 9"/>
+          <p:cNvCxnSpPr>
+            <a:stCxn id="4" idx="1"/>
+            <a:endCxn id="4" idx="0"/>
+          </p:cNvCxnSpPr>
+          <p:nvPr/>
+        </p:nvCxnSpPr>
+        <p:spPr>
+          <a:xfrm rot="10800000" flipH="1">
+            <a:off x="3557911" y="2398400"/>
+            <a:ext cx="78933" cy="90316"/>
+          </a:xfrm>
+          <a:prstGeom prst="bentConnector4">
+            <a:avLst>
+              <a:gd name="adj1" fmla="val -124694"/>
+              <a:gd name="adj2" fmla="val 223040"/>
+            </a:avLst>
+          </a:prstGeom>
+          <a:ln>
+            <a:solidFill>
+              <a:schemeClr val="bg1">
+                <a:lumMod val="75000"/>
+                <a:lumOff val="25000"/>
+              </a:schemeClr>
+            </a:solidFill>
+            <a:tailEnd type="none" w="lg" len="lg"/>
+          </a:ln>
+        </p:spPr>
+        <p:style>
+          <a:lnRef idx="1">
+            <a:schemeClr val="accent1"/>
+          </a:lnRef>
+          <a:fillRef idx="0">
+            <a:schemeClr val="accent1"/>
+          </a:fillRef>
+          <a:effectRef idx="0">
+            <a:schemeClr val="accent1"/>
+          </a:effectRef>
+          <a:fontRef idx="minor">
+            <a:schemeClr val="tx1"/>
+          </a:fontRef>
+        </p:style>
+      </p:cxnSp>
+      <p:sp>
+        <p:nvSpPr>
+          <p:cNvPr id="13" name="직사각형 12"/>
+          <p:cNvSpPr/>
+          <p:nvPr/>
+        </p:nvSpPr>
+        <p:spPr>
+          <a:xfrm>
+            <a:off x="2277775" y="4506942"/>
+            <a:ext cx="146342" cy="146194"/>
+          </a:xfrm>
+          <a:prstGeom prst="rect">
+            <a:avLst/>
+          </a:prstGeom>
+          <a:noFill/>
+          <a:ln w="9525">
+            <a:noFill/>
+          </a:ln>
+        </p:spPr>
+        <p:style>
+          <a:lnRef idx="2">
+            <a:schemeClr val="accent1">
+              <a:shade val="50000"/>
+            </a:schemeClr>
+          </a:lnRef>
+          <a:fillRef idx="1">
+            <a:schemeClr val="accent1"/>
+          </a:fillRef>
+          <a:effectRef idx="0">
+            <a:schemeClr val="accent1"/>
+          </a:effectRef>
+          <a:fontRef idx="minor">
+            <a:schemeClr val="lt1"/>
+          </a:fontRef>
+        </p:style>
+        <p:txBody>
+          <a:bodyPr rtlCol="0" anchor="ctr"/>
+          <a:lstStyle/>
+          <a:p>
+            <a:pPr algn="ctr"/>
+            <a:endParaRPr lang="ko-KR" altLang="en-US" sz="1200" dirty="0" smtClean="0">
+              <a:solidFill>
+                <a:schemeClr val="bg1">
+                  <a:lumMod val="75000"/>
+                  <a:lumOff val="25000"/>
+                </a:schemeClr>
+              </a:solidFill>
+            </a:endParaRPr>
+          </a:p>
+        </p:txBody>
+      </p:sp>
+      <p:cxnSp>
+        <p:nvCxnSpPr>
+          <p:cNvPr id="16" name="꺾인 연결선 15"/>
+          <p:cNvCxnSpPr>
+            <a:stCxn id="13" idx="3"/>
+            <a:endCxn id="13" idx="2"/>
+          </p:cNvCxnSpPr>
+          <p:nvPr/>
+        </p:nvCxnSpPr>
+        <p:spPr>
+          <a:xfrm flipH="1">
+            <a:off x="2350946" y="4580039"/>
+            <a:ext cx="73171" cy="73097"/>
+          </a:xfrm>
+          <a:prstGeom prst="bentConnector4">
+            <a:avLst>
+              <a:gd name="adj1" fmla="val -143192"/>
+              <a:gd name="adj2" fmla="val 217276"/>
+            </a:avLst>
+          </a:prstGeom>
+          <a:ln>
+            <a:solidFill>
+              <a:schemeClr val="bg1">
+                <a:lumMod val="75000"/>
+                <a:lumOff val="25000"/>
+              </a:schemeClr>
+            </a:solidFill>
+            <a:tailEnd type="none" w="lg" len="lg"/>
+          </a:ln>
+        </p:spPr>
+        <p:style>
+          <a:lnRef idx="1">
+            <a:schemeClr val="accent1"/>
+          </a:lnRef>
+          <a:fillRef idx="0">
+            <a:schemeClr val="accent1"/>
+          </a:fillRef>
+          <a:effectRef idx="0">
+            <a:schemeClr val="accent1"/>
+          </a:effectRef>
+          <a:fontRef idx="minor">
+            <a:schemeClr val="tx1"/>
+          </a:fontRef>
+        </p:style>
+      </p:cxnSp>
     </p:spTree>
     <p:extLst>
       <p:ext uri="{BB962C8B-B14F-4D97-AF65-F5344CB8AC3E}">
@@ -16107,11 +16291,7 @@
           <a:p>
             <a:r>
               <a:rPr lang="en-US" altLang="ko-KR" dirty="0" smtClean="0"/>
-              <a:t>5.3 Dynamic </a:t>
-            </a:r>
-            <a:r>
-              <a:rPr lang="en-US" altLang="ko-KR" dirty="0" smtClean="0"/>
-              <a:t>View(5)</a:t>
+              <a:t>5.3 Dynamic View(5)</a:t>
             </a:r>
             <a:endParaRPr lang="ko-KR" altLang="en-US" dirty="0"/>
           </a:p>
@@ -16169,11 +16349,7 @@
           <a:p>
             <a:r>
               <a:rPr lang="en-US" altLang="ko-KR" dirty="0" smtClean="0"/>
-              <a:t>Communication Diagram: </a:t>
-            </a:r>
-            <a:r>
-              <a:rPr lang="en-US" altLang="ko-KR" dirty="0" smtClean="0"/>
-              <a:t>sensor mal-function</a:t>
+              <a:t>Communication Diagram: sensor mal-function</a:t>
             </a:r>
             <a:endParaRPr lang="ko-KR" altLang="en-US" dirty="0"/>
           </a:p>
@@ -18059,18 +18235,7 @@
                   </a:schemeClr>
                 </a:solidFill>
               </a:rPr>
-              <a:t>Check rule sets and decide </a:t>
-            </a:r>
-            <a:r>
-              <a:rPr lang="en-US" altLang="ko-KR" sz="1000" dirty="0" smtClean="0">
-                <a:solidFill>
-                  <a:schemeClr val="bg1">
-                    <a:lumMod val="75000"/>
-                    <a:lumOff val="25000"/>
-                  </a:schemeClr>
-                </a:solidFill>
-              </a:rPr>
-              <a:t>sensor mal-function</a:t>
+              <a:t>Check rule sets and decide sensor mal-function</a:t>
             </a:r>
           </a:p>
         </p:txBody>
@@ -18615,18 +18780,7 @@
                   </a:schemeClr>
                 </a:solidFill>
               </a:rPr>
-              <a:t>1.1aa: </a:t>
-            </a:r>
-            <a:r>
-              <a:rPr lang="en-US" altLang="ko-KR" sz="900" dirty="0" smtClean="0">
-                <a:solidFill>
-                  <a:schemeClr val="bg1">
-                    <a:lumMod val="75000"/>
-                    <a:lumOff val="25000"/>
-                  </a:schemeClr>
-                </a:solidFill>
-              </a:rPr>
-              <a:t>[</a:t>
+              <a:t>1.1aa: [</a:t>
             </a:r>
             <a:r>
               <a:rPr lang="en-US" altLang="ko-KR" sz="900" dirty="0" err="1" smtClean="0">
@@ -18637,18 +18791,7 @@
                   </a:schemeClr>
                 </a:solidFill>
               </a:rPr>
-              <a:t>r</a:t>
-            </a:r>
-            <a:r>
-              <a:rPr lang="en-US" altLang="ko-KR" sz="900" dirty="0" err="1" smtClean="0">
-                <a:solidFill>
-                  <a:schemeClr val="bg1">
-                    <a:lumMod val="75000"/>
-                    <a:lumOff val="25000"/>
-                  </a:schemeClr>
-                </a:solidFill>
-              </a:rPr>
-              <a:t>uleMatched</a:t>
+              <a:t>ruleMatched</a:t>
             </a:r>
             <a:r>
               <a:rPr lang="en-US" altLang="ko-KR" sz="900" dirty="0" smtClean="0">
@@ -18919,27 +19062,8 @@
                   </a:schemeClr>
                 </a:solidFill>
               </a:rPr>
-              <a:t>Send m</a:t>
-            </a:r>
-            <a:r>
-              <a:rPr lang="en-US" altLang="ko-KR" sz="1000" dirty="0" smtClean="0">
-                <a:solidFill>
-                  <a:schemeClr val="bg1">
-                    <a:lumMod val="75000"/>
-                    <a:lumOff val="25000"/>
-                  </a:schemeClr>
-                </a:solidFill>
-              </a:rPr>
-              <a:t>al-function message to predefined user. </a:t>
-            </a:r>
-            <a:endParaRPr lang="en-US" altLang="ko-KR" sz="1000" dirty="0" smtClean="0">
-              <a:solidFill>
-                <a:schemeClr val="bg1">
-                  <a:lumMod val="75000"/>
-                  <a:lumOff val="25000"/>
-                </a:schemeClr>
-              </a:solidFill>
-            </a:endParaRPr>
+              <a:t>Send mal-function message to predefined user. </a:t>
+            </a:r>
           </a:p>
         </p:txBody>
       </p:sp>
@@ -19612,14 +19736,6 @@
               </a:rPr>
               <a:t>* User may change both conditions and actions.</a:t>
             </a:r>
-            <a:endParaRPr lang="en-US" altLang="ko-KR" sz="1000" dirty="0" smtClean="0">
-              <a:solidFill>
-                <a:schemeClr val="bg1">
-                  <a:lumMod val="75000"/>
-                  <a:lumOff val="25000"/>
-                </a:schemeClr>
-              </a:solidFill>
-            </a:endParaRPr>
           </a:p>
         </p:txBody>
       </p:sp>
@@ -19793,11 +19909,7 @@
           <a:p>
             <a:r>
               <a:rPr lang="en-US" altLang="ko-KR" dirty="0" smtClean="0"/>
-              <a:t>5.3 Dynamic </a:t>
-            </a:r>
-            <a:r>
-              <a:rPr lang="en-US" altLang="ko-KR" dirty="0" smtClean="0"/>
-              <a:t>View(6)</a:t>
+              <a:t>5.3 Dynamic View(6)</a:t>
             </a:r>
             <a:endParaRPr lang="ko-KR" altLang="en-US" dirty="0"/>
           </a:p>
@@ -19827,15 +19939,7 @@
           <a:p>
             <a:r>
               <a:rPr lang="en-US" altLang="ko-KR" dirty="0" smtClean="0"/>
-              <a:t>Communication Diagram: </a:t>
-            </a:r>
-            <a:r>
-              <a:rPr lang="en-US" altLang="ko-KR" dirty="0" smtClean="0"/>
-              <a:t>actuator</a:t>
-            </a:r>
-            <a:r>
-              <a:rPr lang="en-US" altLang="ko-KR" dirty="0" smtClean="0"/>
-              <a:t> mal-function</a:t>
+              <a:t>Communication Diagram: actuator mal-function</a:t>
             </a:r>
             <a:endParaRPr lang="ko-KR" altLang="en-US" dirty="0"/>
           </a:p>
@@ -20913,18 +21017,7 @@
                   </a:schemeClr>
                 </a:solidFill>
               </a:rPr>
-              <a:t>2.2.b </a:t>
-            </a:r>
-            <a:r>
-              <a:rPr lang="en-US" altLang="ko-KR" sz="900" dirty="0" smtClean="0">
-                <a:solidFill>
-                  <a:schemeClr val="bg1">
-                    <a:lumMod val="75000"/>
-                    <a:lumOff val="25000"/>
-                  </a:schemeClr>
-                </a:solidFill>
-              </a:rPr>
-              <a:t>: </a:t>
+              <a:t>2.2.b : </a:t>
             </a:r>
             <a:r>
               <a:rPr lang="en-US" altLang="ko-KR" sz="900" dirty="0" err="1" smtClean="0">
@@ -22054,14 +22147,6 @@
                 </a:rPr>
                 <a:t>Check rule sets and </a:t>
               </a:r>
-              <a:endParaRPr lang="en-US" altLang="ko-KR" sz="1000" dirty="0" smtClean="0">
-                <a:solidFill>
-                  <a:schemeClr val="bg1">
-                    <a:lumMod val="75000"/>
-                    <a:lumOff val="25000"/>
-                  </a:schemeClr>
-                </a:solidFill>
-              </a:endParaRPr>
             </a:p>
             <a:p>
               <a:r>
@@ -22075,14 +22160,6 @@
                 </a:rPr>
                 <a:t>do predefined actions. (Close door) </a:t>
               </a:r>
-              <a:endParaRPr lang="en-US" altLang="ko-KR" sz="1000" dirty="0" smtClean="0">
-                <a:solidFill>
-                  <a:schemeClr val="bg1">
-                    <a:lumMod val="75000"/>
-                    <a:lumOff val="25000"/>
-                  </a:schemeClr>
-                </a:solidFill>
-              </a:endParaRPr>
             </a:p>
           </p:txBody>
         </p:sp>
@@ -23016,18 +23093,7 @@
                   </a:schemeClr>
                 </a:solidFill>
               </a:rPr>
-              <a:t>2.1</a:t>
-            </a:r>
-            <a:r>
-              <a:rPr lang="en-US" altLang="ko-KR" sz="900" dirty="0" smtClean="0">
-                <a:solidFill>
-                  <a:schemeClr val="bg1">
-                    <a:lumMod val="75000"/>
-                    <a:lumOff val="25000"/>
-                  </a:schemeClr>
-                </a:solidFill>
-              </a:rPr>
-              <a:t>: </a:t>
+              <a:t>2.1: </a:t>
             </a:r>
             <a:r>
               <a:rPr lang="en-US" altLang="ko-KR" sz="900" dirty="0" err="1" smtClean="0">
@@ -23480,29 +23546,7 @@
                   </a:schemeClr>
                 </a:solidFill>
               </a:rPr>
-              <a:t>2.2.a </a:t>
-            </a:r>
-            <a:r>
-              <a:rPr lang="en-US" altLang="ko-KR" sz="900" dirty="0" smtClean="0">
-                <a:solidFill>
-                  <a:schemeClr val="bg1">
-                    <a:lumMod val="75000"/>
-                    <a:lumOff val="25000"/>
-                  </a:schemeClr>
-                </a:solidFill>
-              </a:rPr>
-              <a:t>: </a:t>
-            </a:r>
-            <a:r>
-              <a:rPr lang="en-US" altLang="ko-KR" sz="900" dirty="0" smtClean="0">
-                <a:solidFill>
-                  <a:schemeClr val="bg1">
-                    <a:lumMod val="75000"/>
-                    <a:lumOff val="25000"/>
-                  </a:schemeClr>
-                </a:solidFill>
-              </a:rPr>
-              <a:t>set Alarm mode </a:t>
+              <a:t>2.2.a : set Alarm mode </a:t>
             </a:r>
           </a:p>
         </p:txBody>
@@ -23602,11 +23646,7 @@
           <a:p>
             <a:r>
               <a:rPr lang="en-US" altLang="ko-KR" dirty="0" smtClean="0"/>
-              <a:t>5.3 Dynamic </a:t>
-            </a:r>
-            <a:r>
-              <a:rPr lang="en-US" altLang="ko-KR" dirty="0" smtClean="0"/>
-              <a:t>View(7)</a:t>
+              <a:t>5.3 Dynamic View(7)</a:t>
             </a:r>
             <a:endParaRPr lang="ko-KR" altLang="en-US" dirty="0"/>
           </a:p>
@@ -23762,11 +23802,7 @@
           <a:p>
             <a:r>
               <a:rPr lang="en-US" altLang="ko-KR" dirty="0" smtClean="0"/>
-              <a:t>5.3 Dynamic </a:t>
-            </a:r>
-            <a:r>
-              <a:rPr lang="en-US" altLang="ko-KR" dirty="0" smtClean="0"/>
-              <a:t>View(8)</a:t>
+              <a:t>5.3 Dynamic View(8)</a:t>
             </a:r>
             <a:endParaRPr lang="ko-KR" altLang="en-US" dirty="0"/>
           </a:p>

--- a/doc/dynamic view 150616_communication_dgm.pptx
+++ b/doc/dynamic view 150616_communication_dgm.pptx
@@ -3924,7 +3924,29 @@
                   </a:schemeClr>
                 </a:solidFill>
               </a:rPr>
-              <a:t>2: [Result=</a:t>
+              <a:t>1.6a</a:t>
+            </a:r>
+            <a:r>
+              <a:rPr lang="en-US" altLang="ko-KR" sz="1200" dirty="0" smtClean="0">
+                <a:solidFill>
+                  <a:schemeClr val="bg1">
+                    <a:lumMod val="75000"/>
+                    <a:lumOff val="25000"/>
+                  </a:schemeClr>
+                </a:solidFill>
+              </a:rPr>
+              <a:t>: </a:t>
+            </a:r>
+            <a:r>
+              <a:rPr lang="en-US" altLang="ko-KR" sz="1200" dirty="0" smtClean="0">
+                <a:solidFill>
+                  <a:schemeClr val="bg1">
+                    <a:lumMod val="75000"/>
+                    <a:lumOff val="25000"/>
+                  </a:schemeClr>
+                </a:solidFill>
+              </a:rPr>
+              <a:t>[Result=</a:t>
             </a:r>
             <a:r>
               <a:rPr lang="en-US" altLang="ko-KR" sz="1200" dirty="0" err="1" smtClean="0">
@@ -4099,7 +4121,18 @@
                   </a:schemeClr>
                 </a:solidFill>
               </a:rPr>
-              <a:t>3: </a:t>
+              <a:t>1.7</a:t>
+            </a:r>
+            <a:r>
+              <a:rPr lang="en-US" altLang="ko-KR" sz="1200" dirty="0" smtClean="0">
+                <a:solidFill>
+                  <a:schemeClr val="bg1">
+                    <a:lumMod val="75000"/>
+                    <a:lumOff val="25000"/>
+                  </a:schemeClr>
+                </a:solidFill>
+              </a:rPr>
+              <a:t>: </a:t>
             </a:r>
             <a:r>
               <a:rPr lang="en-US" altLang="ko-KR" sz="1200" dirty="0" err="1" smtClean="0">
